--- a/Blockchain 101.pptx
+++ b/Blockchain 101.pptx
@@ -4319,89 +4319,79 @@
           <a:lstStyle/>
           <a:p>
             <a:r>
-              <a:rPr lang="en-US"/>
-              <a:t>Slide Title</a:t>
-            </a:r>
-            <a:endParaRPr lang="en-US" dirty="0"/>
-          </a:p>
-        </p:txBody>
-      </p:sp>
-      <p:sp>
-        <p:nvSpPr>
-          <p:cNvPr id="5" name="Text Placeholder 4"/>
-          <p:cNvSpPr>
-            <a:spLocks noGrp="1"/>
-          </p:cNvSpPr>
-          <p:nvPr>
-            <p:ph type="body" idx="1"/>
+              <a:rPr lang="en-US" dirty="0">
+                <a:latin typeface="Times New Roman" panose="02020603050405020304" pitchFamily="18" charset="0"/>
+                <a:cs typeface="Times New Roman" panose="02020603050405020304" pitchFamily="18" charset="0"/>
+              </a:rPr>
+              <a:t>Abstract</a:t>
+            </a:r>
+          </a:p>
+        </p:txBody>
+      </p:sp>
+      <p:sp>
+        <p:nvSpPr>
+          <p:cNvPr id="6" name="Content Placeholder 5"/>
+          <p:cNvSpPr>
+            <a:spLocks noGrp="1"/>
+          </p:cNvSpPr>
+          <p:nvPr>
+            <p:ph sz="half" idx="2"/>
           </p:nvPr>
         </p:nvSpPr>
         <p:spPr/>
         <p:txBody>
-          <a:bodyPr/>
-          <a:lstStyle/>
-          <a:p>
-            <a:r>
-              <a:rPr lang="en-US"/>
-              <a:t>Product A</a:t>
-            </a:r>
-            <a:endParaRPr lang="en-US" dirty="0"/>
-          </a:p>
-        </p:txBody>
-      </p:sp>
-      <p:sp>
-        <p:nvSpPr>
-          <p:cNvPr id="6" name="Content Placeholder 5"/>
-          <p:cNvSpPr>
-            <a:spLocks noGrp="1"/>
-          </p:cNvSpPr>
-          <p:nvPr>
-            <p:ph sz="half" idx="2"/>
-          </p:nvPr>
-        </p:nvSpPr>
-        <p:spPr/>
-        <p:txBody>
-          <a:bodyPr/>
-          <a:lstStyle/>
-          <a:p>
-            <a:r>
-              <a:rPr lang="en-US"/>
-              <a:t>Feature 1</a:t>
-            </a:r>
-          </a:p>
-          <a:p>
-            <a:r>
-              <a:rPr lang="en-US"/>
-              <a:t>Feature 2</a:t>
-            </a:r>
-          </a:p>
-          <a:p>
-            <a:r>
-              <a:rPr lang="en-US"/>
-              <a:t>Feature 3</a:t>
-            </a:r>
-            <a:endParaRPr lang="en-US" dirty="0"/>
-          </a:p>
-        </p:txBody>
-      </p:sp>
-      <p:sp>
-        <p:nvSpPr>
-          <p:cNvPr id="7" name="Text Placeholder 6"/>
-          <p:cNvSpPr>
-            <a:spLocks noGrp="1"/>
-          </p:cNvSpPr>
-          <p:nvPr>
-            <p:ph type="body" sz="quarter" idx="3"/>
-          </p:nvPr>
-        </p:nvSpPr>
-        <p:spPr/>
-        <p:txBody>
-          <a:bodyPr/>
-          <a:lstStyle/>
-          <a:p>
-            <a:r>
-              <a:rPr lang="en-US"/>
-              <a:t>Product B</a:t>
+          <a:bodyPr>
+            <a:normAutofit fontScale="92500"/>
+          </a:bodyPr>
+          <a:lstStyle/>
+          <a:p>
+            <a:pPr algn="l"/>
+            <a:r>
+              <a:rPr lang="en-US" dirty="0">
+                <a:latin typeface="Times New Roman" panose="02020603050405020304" pitchFamily="18" charset="0"/>
+                <a:cs typeface="Times New Roman" panose="02020603050405020304" pitchFamily="18" charset="0"/>
+              </a:rPr>
+              <a:t>What is Blockchain?</a:t>
+            </a:r>
+          </a:p>
+          <a:p>
+            <a:pPr algn="l"/>
+            <a:r>
+              <a:rPr lang="en-US" dirty="0">
+                <a:latin typeface="Times New Roman" panose="02020603050405020304" pitchFamily="18" charset="0"/>
+                <a:cs typeface="Times New Roman" panose="02020603050405020304" pitchFamily="18" charset="0"/>
+              </a:rPr>
+              <a:t>Centralized vs decentralized</a:t>
+            </a:r>
+          </a:p>
+          <a:p>
+            <a:pPr algn="l"/>
+            <a:r>
+              <a:rPr lang="en-US" dirty="0">
+                <a:latin typeface="Times New Roman" panose="02020603050405020304" pitchFamily="18" charset="0"/>
+                <a:cs typeface="Times New Roman" panose="02020603050405020304" pitchFamily="18" charset="0"/>
+              </a:rPr>
+              <a:t>Why Decentralization Matters?</a:t>
+            </a:r>
+          </a:p>
+          <a:p>
+            <a:pPr algn="l"/>
+            <a:r>
+              <a:rPr lang="en-US" dirty="0">
+                <a:latin typeface="Times New Roman" panose="02020603050405020304" pitchFamily="18" charset="0"/>
+                <a:cs typeface="Times New Roman" panose="02020603050405020304" pitchFamily="18" charset="0"/>
+              </a:rPr>
+              <a:t>Cryptocurrency </a:t>
+            </a:r>
+          </a:p>
+          <a:p>
+            <a:pPr algn="l"/>
+            <a:r>
+              <a:rPr lang="en-US" dirty="0">
+                <a:latin typeface="Times New Roman" panose="02020603050405020304" pitchFamily="18" charset="0"/>
+                <a:cs typeface="Times New Roman" panose="02020603050405020304" pitchFamily="18" charset="0"/>
+              </a:rPr>
+              <a:t>Birth of Bitcoin</a:t>
             </a:r>
           </a:p>
         </p:txBody>
@@ -4416,26 +4406,69 @@
             <p:ph sz="quarter" idx="4"/>
           </p:nvPr>
         </p:nvSpPr>
-        <p:spPr/>
-        <p:txBody>
-          <a:bodyPr/>
-          <a:lstStyle/>
-          <a:p>
-            <a:r>
-              <a:rPr lang="en-US"/>
-              <a:t>Feature 1</a:t>
-            </a:r>
-          </a:p>
-          <a:p>
-            <a:r>
-              <a:rPr lang="en-US"/>
-              <a:t>Feature 2</a:t>
-            </a:r>
-          </a:p>
-          <a:p>
-            <a:r>
-              <a:rPr lang="en-US"/>
-              <a:t>Feature 3</a:t>
+        <p:spPr>
+          <a:xfrm>
+            <a:off x="5111375" y="1975212"/>
+            <a:ext cx="4041775" cy="2276294"/>
+          </a:xfrm>
+        </p:spPr>
+        <p:txBody>
+          <a:bodyPr>
+            <a:normAutofit fontScale="92500"/>
+          </a:bodyPr>
+          <a:lstStyle/>
+          <a:p>
+            <a:pPr algn="l"/>
+            <a:r>
+              <a:rPr lang="en-US" dirty="0">
+                <a:latin typeface="Times New Roman" panose="02020603050405020304" pitchFamily="18" charset="0"/>
+                <a:cs typeface="Times New Roman" panose="02020603050405020304" pitchFamily="18" charset="0"/>
+              </a:rPr>
+              <a:t>Applications</a:t>
+            </a:r>
+          </a:p>
+          <a:p>
+            <a:pPr algn="l"/>
+            <a:r>
+              <a:rPr lang="en-US" dirty="0">
+                <a:latin typeface="Times New Roman" panose="02020603050405020304" pitchFamily="18" charset="0"/>
+                <a:cs typeface="Times New Roman" panose="02020603050405020304" pitchFamily="18" charset="0"/>
+              </a:rPr>
+              <a:t>Tensions</a:t>
+            </a:r>
+          </a:p>
+          <a:p>
+            <a:pPr algn="l"/>
+            <a:r>
+              <a:rPr lang="en-US" dirty="0">
+                <a:latin typeface="Times New Roman" panose="02020603050405020304" pitchFamily="18" charset="0"/>
+                <a:cs typeface="Times New Roman" panose="02020603050405020304" pitchFamily="18" charset="0"/>
+              </a:rPr>
+              <a:t>Structure</a:t>
+            </a:r>
+          </a:p>
+          <a:p>
+            <a:pPr algn="l"/>
+            <a:r>
+              <a:rPr lang="en-US" dirty="0">
+                <a:latin typeface="Times New Roman" panose="02020603050405020304" pitchFamily="18" charset="0"/>
+                <a:cs typeface="Times New Roman" panose="02020603050405020304" pitchFamily="18" charset="0"/>
+              </a:rPr>
+              <a:t>Some interesting charts</a:t>
+            </a:r>
+            <a:endParaRPr lang="fa-IR" dirty="0">
+              <a:latin typeface="Times New Roman" panose="02020603050405020304" pitchFamily="18" charset="0"/>
+              <a:cs typeface="Times New Roman" panose="02020603050405020304" pitchFamily="18" charset="0"/>
+            </a:endParaRPr>
+          </a:p>
+          <a:p>
+            <a:pPr algn="l"/>
+            <a:r>
+              <a:rPr lang="en-US" dirty="0">
+                <a:latin typeface="Times New Roman" panose="02020603050405020304" pitchFamily="18" charset="0"/>
+                <a:cs typeface="Times New Roman" panose="02020603050405020304" pitchFamily="18" charset="0"/>
+              </a:rPr>
+              <a:t>QUESTIONS?</a:t>
             </a:r>
           </a:p>
         </p:txBody>

--- a/Blockchain 101.pptx
+++ b/Blockchain 101.pptx
@@ -5,11 +5,12 @@
     <p:sldMasterId id="2147483648" r:id="rId1"/>
   </p:sldMasterIdLst>
   <p:notesMasterIdLst>
-    <p:notesMasterId r:id="rId4"/>
+    <p:notesMasterId r:id="rId5"/>
   </p:notesMasterIdLst>
   <p:sldIdLst>
     <p:sldId id="256" r:id="rId2"/>
     <p:sldId id="258" r:id="rId3"/>
+    <p:sldId id="259" r:id="rId4"/>
   </p:sldIdLst>
   <p:sldSz cx="9144000" cy="5143500" type="screen16x9"/>
   <p:notesSz cx="6858000" cy="9144000"/>
@@ -4010,7 +4011,10 @@
           <a:lstStyle/>
           <a:p>
             <a:r>
-              <a:rPr lang="en-US" dirty="0"/>
+              <a:rPr lang="en-US" dirty="0">
+                <a:latin typeface="Times New Roman" panose="02020603050405020304" pitchFamily="18" charset="0"/>
+                <a:cs typeface="Times New Roman" panose="02020603050405020304" pitchFamily="18" charset="0"/>
+              </a:rPr>
               <a:t>Blockchain 101</a:t>
             </a:r>
           </a:p>
@@ -4198,6 +4202,8 @@
                 <a:solidFill>
                   <a:srgbClr val="55ADEE"/>
                 </a:solidFill>
+                <a:latin typeface="Times New Roman" panose="02020603050405020304" pitchFamily="18" charset="0"/>
+                <a:cs typeface="Times New Roman" panose="02020603050405020304" pitchFamily="18" charset="0"/>
                 <a:hlinkClick r:id="rId5">
                   <a:extLst>
                     <a:ext uri="{A12FA001-AC4F-418D-AE19-62706E023703}">
@@ -4251,6 +4257,8 @@
                 <a:solidFill>
                   <a:srgbClr val="55ADEE"/>
                 </a:solidFill>
+                <a:latin typeface="Times New Roman" panose="02020603050405020304" pitchFamily="18" charset="0"/>
+                <a:cs typeface="Times New Roman" panose="02020603050405020304" pitchFamily="18" charset="0"/>
                 <a:hlinkClick r:id="rId6">
                   <a:extLst>
                     <a:ext uri="{A12FA001-AC4F-418D-AE19-62706E023703}">
@@ -4477,6 +4485,237 @@
     <p:extLst>
       <p:ext uri="{BB962C8B-B14F-4D97-AF65-F5344CB8AC3E}">
         <p14:creationId xmlns:p14="http://schemas.microsoft.com/office/powerpoint/2010/main" val="4170783713"/>
+      </p:ext>
+    </p:extLst>
+  </p:cSld>
+  <p:clrMapOvr>
+    <a:masterClrMapping/>
+  </p:clrMapOvr>
+</p:sld>
+</file>
+
+<file path=ppt/slides/slide3.xml><?xml version="1.0" encoding="utf-8"?>
+<p:sld xmlns:a="http://schemas.openxmlformats.org/drawingml/2006/main" xmlns:r="http://schemas.openxmlformats.org/officeDocument/2006/relationships" xmlns:p="http://schemas.openxmlformats.org/presentationml/2006/main">
+  <p:cSld>
+    <p:spTree>
+      <p:nvGrpSpPr>
+        <p:cNvPr id="1" name=""/>
+        <p:cNvGrpSpPr/>
+        <p:nvPr/>
+      </p:nvGrpSpPr>
+      <p:grpSpPr>
+        <a:xfrm>
+          <a:off x="0" y="0"/>
+          <a:ext cx="0" cy="0"/>
+          <a:chOff x="0" y="0"/>
+          <a:chExt cx="0" cy="0"/>
+        </a:xfrm>
+      </p:grpSpPr>
+      <p:sp>
+        <p:nvSpPr>
+          <p:cNvPr id="4" name="TextBox 3">
+            <a:extLst>
+              <a:ext uri="{FF2B5EF4-FFF2-40B4-BE49-F238E27FC236}">
+                <a16:creationId xmlns:a16="http://schemas.microsoft.com/office/drawing/2014/main" id="{BD4E91A4-843E-42A6-87B6-D24AB2AE4292}"/>
+              </a:ext>
+            </a:extLst>
+          </p:cNvPr>
+          <p:cNvSpPr txBox="1"/>
+          <p:nvPr/>
+        </p:nvSpPr>
+        <p:spPr>
+          <a:xfrm>
+            <a:off x="2586836" y="2156251"/>
+            <a:ext cx="6413610" cy="1384995"/>
+          </a:xfrm>
+          <a:prstGeom prst="rect">
+            <a:avLst/>
+          </a:prstGeom>
+          <a:noFill/>
+        </p:spPr>
+        <p:txBody>
+          <a:bodyPr wrap="square" rtlCol="0">
+            <a:spAutoFit/>
+          </a:bodyPr>
+          <a:lstStyle/>
+          <a:p>
+            <a:r>
+              <a:rPr lang="en-US" sz="2400" dirty="0">
+                <a:latin typeface="Times New Roman" panose="02020603050405020304" pitchFamily="18" charset="0"/>
+                <a:cs typeface="Times New Roman" panose="02020603050405020304" pitchFamily="18" charset="0"/>
+              </a:rPr>
+              <a:t>What the internet did for communications, </a:t>
+            </a:r>
+          </a:p>
+          <a:p>
+            <a:r>
+              <a:rPr lang="en-US" sz="2400" dirty="0">
+                <a:latin typeface="Times New Roman" panose="02020603050405020304" pitchFamily="18" charset="0"/>
+                <a:cs typeface="Times New Roman" panose="02020603050405020304" pitchFamily="18" charset="0"/>
+              </a:rPr>
+              <a:t>I think blockchain will do for trusted transactions.</a:t>
+            </a:r>
+          </a:p>
+          <a:p>
+            <a:endParaRPr lang="en-US" sz="2400" dirty="0">
+              <a:latin typeface="Times New Roman" panose="02020603050405020304" pitchFamily="18" charset="0"/>
+              <a:cs typeface="Times New Roman" panose="02020603050405020304" pitchFamily="18" charset="0"/>
+            </a:endParaRPr>
+          </a:p>
+          <a:p>
+            <a:pPr algn="r"/>
+            <a:r>
+              <a:rPr lang="en-US" sz="1200" dirty="0">
+                <a:latin typeface="Times New Roman" panose="02020603050405020304" pitchFamily="18" charset="0"/>
+                <a:cs typeface="Times New Roman" panose="02020603050405020304" pitchFamily="18" charset="0"/>
+              </a:rPr>
+              <a:t>IBM Chief Executive Ginny Rometty</a:t>
+            </a:r>
+          </a:p>
+        </p:txBody>
+      </p:sp>
+      <p:sp>
+        <p:nvSpPr>
+          <p:cNvPr id="5" name="Title 1">
+            <a:extLst>
+              <a:ext uri="{FF2B5EF4-FFF2-40B4-BE49-F238E27FC236}">
+                <a16:creationId xmlns:a16="http://schemas.microsoft.com/office/drawing/2014/main" id="{0E83F291-A810-43D2-AEC7-44168E787FE6}"/>
+              </a:ext>
+            </a:extLst>
+          </p:cNvPr>
+          <p:cNvSpPr txBox="1">
+            <a:spLocks/>
+          </p:cNvSpPr>
+          <p:nvPr/>
+        </p:nvSpPr>
+        <p:spPr>
+          <a:xfrm>
+            <a:off x="1212491" y="281175"/>
+            <a:ext cx="7787955" cy="500731"/>
+          </a:xfrm>
+          <a:prstGeom prst="rect">
+            <a:avLst/>
+          </a:prstGeom>
+        </p:spPr>
+        <p:txBody>
+          <a:bodyPr vert="horz" lIns="91440" tIns="45720" rIns="91440" bIns="45720" rtlCol="0" anchor="ctr">
+            <a:normAutofit fontScale="85000" lnSpcReduction="20000"/>
+          </a:bodyPr>
+          <a:lstStyle>
+            <a:lvl1pPr algn="l" defTabSz="914400" rtl="0" eaLnBrk="1" latinLnBrk="0" hangingPunct="1">
+              <a:spcBef>
+                <a:spcPct val="0"/>
+              </a:spcBef>
+              <a:buNone/>
+              <a:defRPr sz="3600" kern="1200">
+                <a:solidFill>
+                  <a:srgbClr val="1100EA"/>
+                </a:solidFill>
+                <a:effectLst>
+                  <a:outerShdw blurRad="50800" dist="38100" dir="2700000" algn="tl" rotWithShape="0">
+                    <a:prstClr val="black">
+                      <a:alpha val="40000"/>
+                    </a:prstClr>
+                  </a:outerShdw>
+                </a:effectLst>
+                <a:latin typeface="+mj-lt"/>
+                <a:ea typeface="+mj-ea"/>
+                <a:cs typeface="+mj-cs"/>
+              </a:defRPr>
+            </a:lvl1pPr>
+          </a:lstStyle>
+          <a:p>
+            <a:r>
+              <a:rPr lang="en-US" b="1" dirty="0">
+                <a:effectLst/>
+                <a:latin typeface="Times New Roman" panose="02020603050405020304" pitchFamily="18" charset="0"/>
+                <a:cs typeface="Times New Roman" panose="02020603050405020304" pitchFamily="18" charset="0"/>
+              </a:rPr>
+              <a:t>Why should I care?</a:t>
+            </a:r>
+            <a:endParaRPr lang="en-US" dirty="0">
+              <a:latin typeface="Times New Roman" panose="02020603050405020304" pitchFamily="18" charset="0"/>
+              <a:cs typeface="Times New Roman" panose="02020603050405020304" pitchFamily="18" charset="0"/>
+            </a:endParaRPr>
+          </a:p>
+        </p:txBody>
+      </p:sp>
+      <p:pic>
+        <p:nvPicPr>
+          <p:cNvPr id="7" name="Picture 6">
+            <a:extLst>
+              <a:ext uri="{FF2B5EF4-FFF2-40B4-BE49-F238E27FC236}">
+                <a16:creationId xmlns:a16="http://schemas.microsoft.com/office/drawing/2014/main" id="{55366A53-AFD8-49BC-966D-302DD3D9105B}"/>
+              </a:ext>
+            </a:extLst>
+          </p:cNvPr>
+          <p:cNvPicPr>
+            <a:picLocks noChangeAspect="1"/>
+          </p:cNvPicPr>
+          <p:nvPr/>
+        </p:nvPicPr>
+        <p:blipFill>
+          <a:blip r:embed="rId2" cstate="print">
+            <a:extLst>
+              <a:ext uri="{28A0092B-C50C-407E-A947-70E740481C1C}">
+                <a14:useLocalDpi xmlns:a14="http://schemas.microsoft.com/office/drawing/2010/main" val="0"/>
+              </a:ext>
+            </a:extLst>
+          </a:blip>
+          <a:stretch>
+            <a:fillRect/>
+          </a:stretch>
+        </p:blipFill>
+        <p:spPr>
+          <a:xfrm>
+            <a:off x="2586835" y="3029865"/>
+            <a:ext cx="1498093" cy="1733021"/>
+          </a:xfrm>
+          <a:prstGeom prst="rect">
+            <a:avLst/>
+          </a:prstGeom>
+        </p:spPr>
+      </p:pic>
+      <p:pic>
+        <p:nvPicPr>
+          <p:cNvPr id="9" name="Picture 8">
+            <a:extLst>
+              <a:ext uri="{FF2B5EF4-FFF2-40B4-BE49-F238E27FC236}">
+                <a16:creationId xmlns:a16="http://schemas.microsoft.com/office/drawing/2014/main" id="{3C99C2AA-3B35-4E7C-B14F-F6BFE419FA5C}"/>
+              </a:ext>
+            </a:extLst>
+          </p:cNvPr>
+          <p:cNvPicPr>
+            <a:picLocks noChangeAspect="1"/>
+          </p:cNvPicPr>
+          <p:nvPr/>
+        </p:nvPicPr>
+        <p:blipFill>
+          <a:blip r:embed="rId3">
+            <a:extLst>
+              <a:ext uri="{28A0092B-C50C-407E-A947-70E740481C1C}">
+                <a14:useLocalDpi xmlns:a14="http://schemas.microsoft.com/office/drawing/2010/main" val="0"/>
+              </a:ext>
+            </a:extLst>
+          </a:blip>
+          <a:stretch>
+            <a:fillRect/>
+          </a:stretch>
+        </p:blipFill>
+        <p:spPr>
+          <a:xfrm>
+            <a:off x="4266590" y="4098800"/>
+            <a:ext cx="1438275" cy="571500"/>
+          </a:xfrm>
+          <a:prstGeom prst="rect">
+            <a:avLst/>
+          </a:prstGeom>
+        </p:spPr>
+      </p:pic>
+    </p:spTree>
+    <p:extLst>
+      <p:ext uri="{BB962C8B-B14F-4D97-AF65-F5344CB8AC3E}">
+        <p14:creationId xmlns:p14="http://schemas.microsoft.com/office/powerpoint/2010/main" val="2135896429"/>
       </p:ext>
     </p:extLst>
   </p:cSld>

--- a/Blockchain 101.pptx
+++ b/Blockchain 101.pptx
@@ -4525,8 +4525,8 @@
         </p:nvSpPr>
         <p:spPr>
           <a:xfrm>
-            <a:off x="2586836" y="2156251"/>
-            <a:ext cx="6413610" cy="1384995"/>
+            <a:off x="3808476" y="1802308"/>
+            <a:ext cx="5191969" cy="1538883"/>
           </a:xfrm>
           <a:prstGeom prst="rect">
             <a:avLst/>
@@ -4539,33 +4539,71 @@
           </a:bodyPr>
           <a:lstStyle/>
           <a:p>
-            <a:r>
-              <a:rPr lang="en-US" sz="2400" dirty="0">
+            <a:pPr algn="just"/>
+            <a:r>
+              <a:rPr lang="en-US" dirty="0">
                 <a:latin typeface="Times New Roman" panose="02020603050405020304" pitchFamily="18" charset="0"/>
                 <a:cs typeface="Times New Roman" panose="02020603050405020304" pitchFamily="18" charset="0"/>
               </a:rPr>
-              <a:t>What the internet did for communications, </a:t>
-            </a:r>
-          </a:p>
-          <a:p>
-            <a:r>
-              <a:rPr lang="en-US" sz="2400" dirty="0">
+              <a:t>What the </a:t>
+            </a:r>
+            <a:r>
+              <a:rPr lang="en-US" sz="2000" b="1" dirty="0">
                 <a:latin typeface="Times New Roman" panose="02020603050405020304" pitchFamily="18" charset="0"/>
                 <a:cs typeface="Times New Roman" panose="02020603050405020304" pitchFamily="18" charset="0"/>
               </a:rPr>
-              <a:t>I think blockchain will do for trusted transactions.</a:t>
-            </a:r>
-          </a:p>
-          <a:p>
-            <a:endParaRPr lang="en-US" sz="2400" dirty="0">
+              <a:t>internet</a:t>
+            </a:r>
+            <a:r>
+              <a:rPr lang="en-US" dirty="0">
+                <a:latin typeface="Times New Roman" panose="02020603050405020304" pitchFamily="18" charset="0"/>
+                <a:cs typeface="Times New Roman" panose="02020603050405020304" pitchFamily="18" charset="0"/>
+              </a:rPr>
+              <a:t> did for communications, </a:t>
+            </a:r>
+          </a:p>
+          <a:p>
+            <a:pPr algn="just"/>
+            <a:r>
+              <a:rPr lang="en-US" dirty="0">
+                <a:latin typeface="Times New Roman" panose="02020603050405020304" pitchFamily="18" charset="0"/>
+                <a:cs typeface="Times New Roman" panose="02020603050405020304" pitchFamily="18" charset="0"/>
+              </a:rPr>
+              <a:t>I think </a:t>
+            </a:r>
+            <a:r>
+              <a:rPr lang="en-US" sz="2000" b="1" dirty="0">
+                <a:latin typeface="Times New Roman" panose="02020603050405020304" pitchFamily="18" charset="0"/>
+                <a:cs typeface="Times New Roman" panose="02020603050405020304" pitchFamily="18" charset="0"/>
+              </a:rPr>
+              <a:t>blockchain</a:t>
+            </a:r>
+            <a:r>
+              <a:rPr lang="en-US" dirty="0">
+                <a:latin typeface="Times New Roman" panose="02020603050405020304" pitchFamily="18" charset="0"/>
+                <a:cs typeface="Times New Roman" panose="02020603050405020304" pitchFamily="18" charset="0"/>
+              </a:rPr>
+              <a:t> will do for trusted transactions.</a:t>
+            </a:r>
+          </a:p>
+          <a:p>
+            <a:pPr algn="just"/>
+            <a:endParaRPr lang="en-US" sz="2000" dirty="0">
               <a:latin typeface="Times New Roman" panose="02020603050405020304" pitchFamily="18" charset="0"/>
               <a:cs typeface="Times New Roman" panose="02020603050405020304" pitchFamily="18" charset="0"/>
             </a:endParaRPr>
           </a:p>
           <a:p>
+            <a:pPr algn="just"/>
+            <a:endParaRPr lang="en-US" sz="2000" dirty="0">
+              <a:latin typeface="Times New Roman" panose="02020603050405020304" pitchFamily="18" charset="0"/>
+              <a:cs typeface="Times New Roman" panose="02020603050405020304" pitchFamily="18" charset="0"/>
+            </a:endParaRPr>
+          </a:p>
+          <a:p>
             <a:pPr algn="r"/>
             <a:r>
-              <a:rPr lang="en-US" sz="1200" dirty="0">
+              <a:rPr lang="en-US" sz="1400" dirty="0">
                 <a:latin typeface="Times New Roman" panose="02020603050405020304" pitchFamily="18" charset="0"/>
                 <a:cs typeface="Times New Roman" panose="02020603050405020304" pitchFamily="18" charset="0"/>
               </a:rPr>
@@ -4668,8 +4706,8 @@
         </p:blipFill>
         <p:spPr>
           <a:xfrm>
-            <a:off x="2586835" y="3029865"/>
-            <a:ext cx="1498093" cy="1733021"/>
+            <a:off x="2434130" y="1776817"/>
+            <a:ext cx="1374345" cy="1589866"/>
           </a:xfrm>
           <a:prstGeom prst="rect">
             <a:avLst/>
@@ -4704,7 +4742,7 @@
         </p:blipFill>
         <p:spPr>
           <a:xfrm>
-            <a:off x="4266590" y="4098800"/>
+            <a:off x="7557292" y="4290825"/>
             <a:ext cx="1438275" cy="571500"/>
           </a:xfrm>
           <a:prstGeom prst="rect">

--- a/Blockchain 101.pptx
+++ b/Blockchain 101.pptx
@@ -5,12 +5,14 @@
     <p:sldMasterId id="2147483648" r:id="rId1"/>
   </p:sldMasterIdLst>
   <p:notesMasterIdLst>
-    <p:notesMasterId r:id="rId5"/>
+    <p:notesMasterId r:id="rId7"/>
   </p:notesMasterIdLst>
   <p:sldIdLst>
     <p:sldId id="256" r:id="rId2"/>
     <p:sldId id="258" r:id="rId3"/>
     <p:sldId id="259" r:id="rId4"/>
+    <p:sldId id="260" r:id="rId5"/>
+    <p:sldId id="261" r:id="rId6"/>
   </p:sldIdLst>
   <p:sldSz cx="9144000" cy="5143500" type="screen16x9"/>
   <p:notesSz cx="6858000" cy="9144000"/>
@@ -126,6 +128,2973 @@
     </p:ext>
   </p:extLst>
 </p:presentation>
+</file>
+
+<file path=ppt/diagrams/colors1.xml><?xml version="1.0" encoding="utf-8"?>
+<dgm:colorsDef xmlns:dgm="http://schemas.openxmlformats.org/drawingml/2006/diagram" xmlns:a="http://schemas.openxmlformats.org/drawingml/2006/main" uniqueId="urn:microsoft.com/office/officeart/2005/8/colors/accent1_2">
+  <dgm:title val=""/>
+  <dgm:desc val=""/>
+  <dgm:catLst>
+    <dgm:cat type="accent1" pri="11200"/>
+  </dgm:catLst>
+  <dgm:styleLbl name="node0">
+    <dgm:fillClrLst meth="repeat">
+      <a:schemeClr val="accent1"/>
+    </dgm:fillClrLst>
+    <dgm:linClrLst meth="repeat">
+      <a:schemeClr val="lt1"/>
+    </dgm:linClrLst>
+    <dgm:effectClrLst/>
+    <dgm:txLinClrLst/>
+    <dgm:txFillClrLst/>
+    <dgm:txEffectClrLst/>
+  </dgm:styleLbl>
+  <dgm:styleLbl name="alignNode1">
+    <dgm:fillClrLst meth="repeat">
+      <a:schemeClr val="accent1"/>
+    </dgm:fillClrLst>
+    <dgm:linClrLst meth="repeat">
+      <a:schemeClr val="accent1"/>
+    </dgm:linClrLst>
+    <dgm:effectClrLst/>
+    <dgm:txLinClrLst/>
+    <dgm:txFillClrLst/>
+    <dgm:txEffectClrLst/>
+  </dgm:styleLbl>
+  <dgm:styleLbl name="node1">
+    <dgm:fillClrLst meth="repeat">
+      <a:schemeClr val="accent1"/>
+    </dgm:fillClrLst>
+    <dgm:linClrLst meth="repeat">
+      <a:schemeClr val="lt1"/>
+    </dgm:linClrLst>
+    <dgm:effectClrLst/>
+    <dgm:txLinClrLst/>
+    <dgm:txFillClrLst/>
+    <dgm:txEffectClrLst/>
+  </dgm:styleLbl>
+  <dgm:styleLbl name="lnNode1">
+    <dgm:fillClrLst meth="repeat">
+      <a:schemeClr val="accent1"/>
+    </dgm:fillClrLst>
+    <dgm:linClrLst meth="repeat">
+      <a:schemeClr val="lt1"/>
+    </dgm:linClrLst>
+    <dgm:effectClrLst/>
+    <dgm:txLinClrLst/>
+    <dgm:txFillClrLst/>
+    <dgm:txEffectClrLst/>
+  </dgm:styleLbl>
+  <dgm:styleLbl name="vennNode1">
+    <dgm:fillClrLst meth="repeat">
+      <a:schemeClr val="accent1">
+        <a:alpha val="50000"/>
+      </a:schemeClr>
+    </dgm:fillClrLst>
+    <dgm:linClrLst meth="repeat">
+      <a:schemeClr val="lt1"/>
+    </dgm:linClrLst>
+    <dgm:effectClrLst/>
+    <dgm:txLinClrLst/>
+    <dgm:txFillClrLst/>
+    <dgm:txEffectClrLst/>
+  </dgm:styleLbl>
+  <dgm:styleLbl name="node2">
+    <dgm:fillClrLst meth="repeat">
+      <a:schemeClr val="accent1"/>
+    </dgm:fillClrLst>
+    <dgm:linClrLst meth="repeat">
+      <a:schemeClr val="lt1"/>
+    </dgm:linClrLst>
+    <dgm:effectClrLst/>
+    <dgm:txLinClrLst/>
+    <dgm:txFillClrLst/>
+    <dgm:txEffectClrLst/>
+  </dgm:styleLbl>
+  <dgm:styleLbl name="node3">
+    <dgm:fillClrLst meth="repeat">
+      <a:schemeClr val="accent1"/>
+    </dgm:fillClrLst>
+    <dgm:linClrLst meth="repeat">
+      <a:schemeClr val="lt1"/>
+    </dgm:linClrLst>
+    <dgm:effectClrLst/>
+    <dgm:txLinClrLst/>
+    <dgm:txFillClrLst/>
+    <dgm:txEffectClrLst/>
+  </dgm:styleLbl>
+  <dgm:styleLbl name="node4">
+    <dgm:fillClrLst meth="repeat">
+      <a:schemeClr val="accent1"/>
+    </dgm:fillClrLst>
+    <dgm:linClrLst meth="repeat">
+      <a:schemeClr val="lt1"/>
+    </dgm:linClrLst>
+    <dgm:effectClrLst/>
+    <dgm:txLinClrLst/>
+    <dgm:txFillClrLst/>
+    <dgm:txEffectClrLst/>
+  </dgm:styleLbl>
+  <dgm:styleLbl name="fgImgPlace1">
+    <dgm:fillClrLst meth="repeat">
+      <a:schemeClr val="accent1">
+        <a:tint val="50000"/>
+      </a:schemeClr>
+    </dgm:fillClrLst>
+    <dgm:linClrLst meth="repeat">
+      <a:schemeClr val="lt1"/>
+    </dgm:linClrLst>
+    <dgm:effectClrLst/>
+    <dgm:txLinClrLst/>
+    <dgm:txFillClrLst meth="repeat">
+      <a:schemeClr val="lt1"/>
+    </dgm:txFillClrLst>
+    <dgm:txEffectClrLst/>
+  </dgm:styleLbl>
+  <dgm:styleLbl name="alignImgPlace1">
+    <dgm:fillClrLst meth="repeat">
+      <a:schemeClr val="accent1">
+        <a:tint val="50000"/>
+      </a:schemeClr>
+    </dgm:fillClrLst>
+    <dgm:linClrLst meth="repeat">
+      <a:schemeClr val="lt1"/>
+    </dgm:linClrLst>
+    <dgm:effectClrLst/>
+    <dgm:txLinClrLst/>
+    <dgm:txFillClrLst meth="repeat">
+      <a:schemeClr val="lt1"/>
+    </dgm:txFillClrLst>
+    <dgm:txEffectClrLst/>
+  </dgm:styleLbl>
+  <dgm:styleLbl name="bgImgPlace1">
+    <dgm:fillClrLst meth="repeat">
+      <a:schemeClr val="accent1">
+        <a:tint val="50000"/>
+      </a:schemeClr>
+    </dgm:fillClrLst>
+    <dgm:linClrLst meth="repeat">
+      <a:schemeClr val="lt1"/>
+    </dgm:linClrLst>
+    <dgm:effectClrLst/>
+    <dgm:txLinClrLst/>
+    <dgm:txFillClrLst meth="repeat">
+      <a:schemeClr val="lt1"/>
+    </dgm:txFillClrLst>
+    <dgm:txEffectClrLst/>
+  </dgm:styleLbl>
+  <dgm:styleLbl name="sibTrans2D1">
+    <dgm:fillClrLst meth="repeat">
+      <a:schemeClr val="accent1">
+        <a:tint val="60000"/>
+      </a:schemeClr>
+    </dgm:fillClrLst>
+    <dgm:linClrLst meth="repeat">
+      <a:schemeClr val="accent1">
+        <a:tint val="60000"/>
+      </a:schemeClr>
+    </dgm:linClrLst>
+    <dgm:effectClrLst/>
+    <dgm:txLinClrLst/>
+    <dgm:txFillClrLst/>
+    <dgm:txEffectClrLst/>
+  </dgm:styleLbl>
+  <dgm:styleLbl name="fgSibTrans2D1">
+    <dgm:fillClrLst meth="repeat">
+      <a:schemeClr val="accent1">
+        <a:tint val="60000"/>
+      </a:schemeClr>
+    </dgm:fillClrLst>
+    <dgm:linClrLst meth="repeat">
+      <a:schemeClr val="accent1">
+        <a:tint val="60000"/>
+      </a:schemeClr>
+    </dgm:linClrLst>
+    <dgm:effectClrLst/>
+    <dgm:txLinClrLst/>
+    <dgm:txFillClrLst/>
+    <dgm:txEffectClrLst/>
+  </dgm:styleLbl>
+  <dgm:styleLbl name="bgSibTrans2D1">
+    <dgm:fillClrLst meth="repeat">
+      <a:schemeClr val="accent1">
+        <a:tint val="60000"/>
+      </a:schemeClr>
+    </dgm:fillClrLst>
+    <dgm:linClrLst meth="repeat">
+      <a:schemeClr val="accent1">
+        <a:tint val="60000"/>
+      </a:schemeClr>
+    </dgm:linClrLst>
+    <dgm:effectClrLst/>
+    <dgm:txLinClrLst/>
+    <dgm:txFillClrLst/>
+    <dgm:txEffectClrLst/>
+  </dgm:styleLbl>
+  <dgm:styleLbl name="sibTrans1D1">
+    <dgm:fillClrLst meth="repeat">
+      <a:schemeClr val="accent1"/>
+    </dgm:fillClrLst>
+    <dgm:linClrLst meth="repeat">
+      <a:schemeClr val="accent1"/>
+    </dgm:linClrLst>
+    <dgm:effectClrLst/>
+    <dgm:txLinClrLst/>
+    <dgm:txFillClrLst meth="repeat">
+      <a:schemeClr val="tx1"/>
+    </dgm:txFillClrLst>
+    <dgm:txEffectClrLst/>
+  </dgm:styleLbl>
+  <dgm:styleLbl name="callout">
+    <dgm:fillClrLst meth="repeat">
+      <a:schemeClr val="accent1"/>
+    </dgm:fillClrLst>
+    <dgm:linClrLst meth="repeat">
+      <a:schemeClr val="accent1">
+        <a:tint val="50000"/>
+      </a:schemeClr>
+    </dgm:linClrLst>
+    <dgm:effectClrLst/>
+    <dgm:txLinClrLst/>
+    <dgm:txFillClrLst meth="repeat">
+      <a:schemeClr val="tx1"/>
+    </dgm:txFillClrLst>
+    <dgm:txEffectClrLst/>
+  </dgm:styleLbl>
+  <dgm:styleLbl name="asst0">
+    <dgm:fillClrLst meth="repeat">
+      <a:schemeClr val="accent1"/>
+    </dgm:fillClrLst>
+    <dgm:linClrLst meth="repeat">
+      <a:schemeClr val="lt1"/>
+    </dgm:linClrLst>
+    <dgm:effectClrLst/>
+    <dgm:txLinClrLst/>
+    <dgm:txFillClrLst/>
+    <dgm:txEffectClrLst/>
+  </dgm:styleLbl>
+  <dgm:styleLbl name="asst1">
+    <dgm:fillClrLst meth="repeat">
+      <a:schemeClr val="accent1"/>
+    </dgm:fillClrLst>
+    <dgm:linClrLst meth="repeat">
+      <a:schemeClr val="lt1"/>
+    </dgm:linClrLst>
+    <dgm:effectClrLst/>
+    <dgm:txLinClrLst/>
+    <dgm:txFillClrLst/>
+    <dgm:txEffectClrLst/>
+  </dgm:styleLbl>
+  <dgm:styleLbl name="asst2">
+    <dgm:fillClrLst meth="repeat">
+      <a:schemeClr val="accent1"/>
+    </dgm:fillClrLst>
+    <dgm:linClrLst meth="repeat">
+      <a:schemeClr val="lt1"/>
+    </dgm:linClrLst>
+    <dgm:effectClrLst/>
+    <dgm:txLinClrLst/>
+    <dgm:txFillClrLst/>
+    <dgm:txEffectClrLst/>
+  </dgm:styleLbl>
+  <dgm:styleLbl name="asst3">
+    <dgm:fillClrLst meth="repeat">
+      <a:schemeClr val="accent1"/>
+    </dgm:fillClrLst>
+    <dgm:linClrLst meth="repeat">
+      <a:schemeClr val="lt1"/>
+    </dgm:linClrLst>
+    <dgm:effectClrLst/>
+    <dgm:txLinClrLst/>
+    <dgm:txFillClrLst/>
+    <dgm:txEffectClrLst/>
+  </dgm:styleLbl>
+  <dgm:styleLbl name="asst4">
+    <dgm:fillClrLst meth="repeat">
+      <a:schemeClr val="accent1"/>
+    </dgm:fillClrLst>
+    <dgm:linClrLst meth="repeat">
+      <a:schemeClr val="lt1"/>
+    </dgm:linClrLst>
+    <dgm:effectClrLst/>
+    <dgm:txLinClrLst/>
+    <dgm:txFillClrLst/>
+    <dgm:txEffectClrLst/>
+  </dgm:styleLbl>
+  <dgm:styleLbl name="parChTrans2D1">
+    <dgm:fillClrLst meth="repeat">
+      <a:schemeClr val="accent1">
+        <a:tint val="60000"/>
+      </a:schemeClr>
+    </dgm:fillClrLst>
+    <dgm:linClrLst meth="repeat">
+      <a:schemeClr val="accent1">
+        <a:tint val="60000"/>
+      </a:schemeClr>
+    </dgm:linClrLst>
+    <dgm:effectClrLst/>
+    <dgm:txLinClrLst/>
+    <dgm:txFillClrLst meth="repeat">
+      <a:schemeClr val="lt1"/>
+    </dgm:txFillClrLst>
+    <dgm:txEffectClrLst/>
+  </dgm:styleLbl>
+  <dgm:styleLbl name="parChTrans2D2">
+    <dgm:fillClrLst meth="repeat">
+      <a:schemeClr val="accent1"/>
+    </dgm:fillClrLst>
+    <dgm:linClrLst meth="repeat">
+      <a:schemeClr val="accent1"/>
+    </dgm:linClrLst>
+    <dgm:effectClrLst/>
+    <dgm:txLinClrLst/>
+    <dgm:txFillClrLst meth="repeat">
+      <a:schemeClr val="lt1"/>
+    </dgm:txFillClrLst>
+    <dgm:txEffectClrLst/>
+  </dgm:styleLbl>
+  <dgm:styleLbl name="parChTrans2D3">
+    <dgm:fillClrLst meth="repeat">
+      <a:schemeClr val="accent1"/>
+    </dgm:fillClrLst>
+    <dgm:linClrLst meth="repeat">
+      <a:schemeClr val="accent1"/>
+    </dgm:linClrLst>
+    <dgm:effectClrLst/>
+    <dgm:txLinClrLst/>
+    <dgm:txFillClrLst meth="repeat">
+      <a:schemeClr val="lt1"/>
+    </dgm:txFillClrLst>
+    <dgm:txEffectClrLst/>
+  </dgm:styleLbl>
+  <dgm:styleLbl name="parChTrans2D4">
+    <dgm:fillClrLst meth="repeat">
+      <a:schemeClr val="accent1"/>
+    </dgm:fillClrLst>
+    <dgm:linClrLst meth="repeat">
+      <a:schemeClr val="accent1"/>
+    </dgm:linClrLst>
+    <dgm:effectClrLst/>
+    <dgm:txLinClrLst/>
+    <dgm:txFillClrLst meth="repeat">
+      <a:schemeClr val="lt1"/>
+    </dgm:txFillClrLst>
+    <dgm:txEffectClrLst/>
+  </dgm:styleLbl>
+  <dgm:styleLbl name="parChTrans1D1">
+    <dgm:fillClrLst meth="repeat">
+      <a:schemeClr val="accent1"/>
+    </dgm:fillClrLst>
+    <dgm:linClrLst meth="repeat">
+      <a:schemeClr val="accent1">
+        <a:shade val="60000"/>
+      </a:schemeClr>
+    </dgm:linClrLst>
+    <dgm:effectClrLst/>
+    <dgm:txLinClrLst/>
+    <dgm:txFillClrLst meth="repeat">
+      <a:schemeClr val="tx1"/>
+    </dgm:txFillClrLst>
+    <dgm:txEffectClrLst/>
+  </dgm:styleLbl>
+  <dgm:styleLbl name="parChTrans1D2">
+    <dgm:fillClrLst meth="repeat">
+      <a:schemeClr val="accent1"/>
+    </dgm:fillClrLst>
+    <dgm:linClrLst meth="repeat">
+      <a:schemeClr val="accent1">
+        <a:shade val="60000"/>
+      </a:schemeClr>
+    </dgm:linClrLst>
+    <dgm:effectClrLst/>
+    <dgm:txLinClrLst/>
+    <dgm:txFillClrLst meth="repeat">
+      <a:schemeClr val="tx1"/>
+    </dgm:txFillClrLst>
+    <dgm:txEffectClrLst/>
+  </dgm:styleLbl>
+  <dgm:styleLbl name="parChTrans1D3">
+    <dgm:fillClrLst meth="repeat">
+      <a:schemeClr val="accent1"/>
+    </dgm:fillClrLst>
+    <dgm:linClrLst meth="repeat">
+      <a:schemeClr val="accent1">
+        <a:shade val="80000"/>
+      </a:schemeClr>
+    </dgm:linClrLst>
+    <dgm:effectClrLst/>
+    <dgm:txLinClrLst/>
+    <dgm:txFillClrLst meth="repeat">
+      <a:schemeClr val="tx1"/>
+    </dgm:txFillClrLst>
+    <dgm:txEffectClrLst/>
+  </dgm:styleLbl>
+  <dgm:styleLbl name="parChTrans1D4">
+    <dgm:fillClrLst meth="repeat">
+      <a:schemeClr val="accent1"/>
+    </dgm:fillClrLst>
+    <dgm:linClrLst meth="repeat">
+      <a:schemeClr val="accent1">
+        <a:shade val="80000"/>
+      </a:schemeClr>
+    </dgm:linClrLst>
+    <dgm:effectClrLst/>
+    <dgm:txLinClrLst/>
+    <dgm:txFillClrLst meth="repeat">
+      <a:schemeClr val="tx1"/>
+    </dgm:txFillClrLst>
+    <dgm:txEffectClrLst/>
+  </dgm:styleLbl>
+  <dgm:styleLbl name="fgAcc1">
+    <dgm:fillClrLst meth="repeat">
+      <a:schemeClr val="lt1">
+        <a:alpha val="90000"/>
+      </a:schemeClr>
+    </dgm:fillClrLst>
+    <dgm:linClrLst meth="repeat">
+      <a:schemeClr val="accent1"/>
+    </dgm:linClrLst>
+    <dgm:effectClrLst/>
+    <dgm:txLinClrLst/>
+    <dgm:txFillClrLst meth="repeat">
+      <a:schemeClr val="dk1"/>
+    </dgm:txFillClrLst>
+    <dgm:txEffectClrLst/>
+  </dgm:styleLbl>
+  <dgm:styleLbl name="conFgAcc1">
+    <dgm:fillClrLst meth="repeat">
+      <a:schemeClr val="lt1">
+        <a:alpha val="90000"/>
+      </a:schemeClr>
+    </dgm:fillClrLst>
+    <dgm:linClrLst meth="repeat">
+      <a:schemeClr val="accent1"/>
+    </dgm:linClrLst>
+    <dgm:effectClrLst/>
+    <dgm:txLinClrLst/>
+    <dgm:txFillClrLst meth="repeat">
+      <a:schemeClr val="dk1"/>
+    </dgm:txFillClrLst>
+    <dgm:txEffectClrLst/>
+  </dgm:styleLbl>
+  <dgm:styleLbl name="alignAcc1">
+    <dgm:fillClrLst meth="repeat">
+      <a:schemeClr val="lt1">
+        <a:alpha val="90000"/>
+      </a:schemeClr>
+    </dgm:fillClrLst>
+    <dgm:linClrLst meth="repeat">
+      <a:schemeClr val="accent1"/>
+    </dgm:linClrLst>
+    <dgm:effectClrLst/>
+    <dgm:txLinClrLst/>
+    <dgm:txFillClrLst meth="repeat">
+      <a:schemeClr val="dk1"/>
+    </dgm:txFillClrLst>
+    <dgm:txEffectClrLst/>
+  </dgm:styleLbl>
+  <dgm:styleLbl name="trAlignAcc1">
+    <dgm:fillClrLst meth="repeat">
+      <a:schemeClr val="lt1">
+        <a:alpha val="40000"/>
+      </a:schemeClr>
+    </dgm:fillClrLst>
+    <dgm:linClrLst meth="repeat">
+      <a:schemeClr val="accent1"/>
+    </dgm:linClrLst>
+    <dgm:effectClrLst/>
+    <dgm:txLinClrLst/>
+    <dgm:txFillClrLst meth="repeat">
+      <a:schemeClr val="dk1"/>
+    </dgm:txFillClrLst>
+    <dgm:txEffectClrLst/>
+  </dgm:styleLbl>
+  <dgm:styleLbl name="bgAcc1">
+    <dgm:fillClrLst meth="repeat">
+      <a:schemeClr val="lt1">
+        <a:alpha val="90000"/>
+      </a:schemeClr>
+    </dgm:fillClrLst>
+    <dgm:linClrLst meth="repeat">
+      <a:schemeClr val="accent1"/>
+    </dgm:linClrLst>
+    <dgm:effectClrLst/>
+    <dgm:txLinClrLst/>
+    <dgm:txFillClrLst meth="repeat">
+      <a:schemeClr val="dk1"/>
+    </dgm:txFillClrLst>
+    <dgm:txEffectClrLst/>
+  </dgm:styleLbl>
+  <dgm:styleLbl name="solidFgAcc1">
+    <dgm:fillClrLst meth="repeat">
+      <a:schemeClr val="lt1"/>
+    </dgm:fillClrLst>
+    <dgm:linClrLst meth="repeat">
+      <a:schemeClr val="accent1"/>
+    </dgm:linClrLst>
+    <dgm:effectClrLst/>
+    <dgm:txLinClrLst/>
+    <dgm:txFillClrLst meth="repeat">
+      <a:schemeClr val="dk1"/>
+    </dgm:txFillClrLst>
+    <dgm:txEffectClrLst/>
+  </dgm:styleLbl>
+  <dgm:styleLbl name="solidAlignAcc1">
+    <dgm:fillClrLst meth="repeat">
+      <a:schemeClr val="lt1"/>
+    </dgm:fillClrLst>
+    <dgm:linClrLst meth="repeat">
+      <a:schemeClr val="accent1"/>
+    </dgm:linClrLst>
+    <dgm:effectClrLst/>
+    <dgm:txLinClrLst/>
+    <dgm:txFillClrLst meth="repeat">
+      <a:schemeClr val="dk1"/>
+    </dgm:txFillClrLst>
+    <dgm:txEffectClrLst/>
+  </dgm:styleLbl>
+  <dgm:styleLbl name="solidBgAcc1">
+    <dgm:fillClrLst meth="repeat">
+      <a:schemeClr val="lt1"/>
+    </dgm:fillClrLst>
+    <dgm:linClrLst meth="repeat">
+      <a:schemeClr val="accent1"/>
+    </dgm:linClrLst>
+    <dgm:effectClrLst/>
+    <dgm:txLinClrLst/>
+    <dgm:txFillClrLst meth="repeat">
+      <a:schemeClr val="dk1"/>
+    </dgm:txFillClrLst>
+    <dgm:txEffectClrLst/>
+  </dgm:styleLbl>
+  <dgm:styleLbl name="fgAccFollowNode1">
+    <dgm:fillClrLst meth="repeat">
+      <a:schemeClr val="accent1">
+        <a:alpha val="90000"/>
+        <a:tint val="40000"/>
+      </a:schemeClr>
+    </dgm:fillClrLst>
+    <dgm:linClrLst meth="repeat">
+      <a:schemeClr val="accent1">
+        <a:alpha val="90000"/>
+        <a:tint val="40000"/>
+      </a:schemeClr>
+    </dgm:linClrLst>
+    <dgm:effectClrLst/>
+    <dgm:txLinClrLst/>
+    <dgm:txFillClrLst meth="repeat">
+      <a:schemeClr val="dk1"/>
+    </dgm:txFillClrLst>
+    <dgm:txEffectClrLst/>
+  </dgm:styleLbl>
+  <dgm:styleLbl name="alignAccFollowNode1">
+    <dgm:fillClrLst meth="repeat">
+      <a:schemeClr val="accent1">
+        <a:alpha val="90000"/>
+        <a:tint val="40000"/>
+      </a:schemeClr>
+    </dgm:fillClrLst>
+    <dgm:linClrLst meth="repeat">
+      <a:schemeClr val="accent1">
+        <a:alpha val="90000"/>
+        <a:tint val="40000"/>
+      </a:schemeClr>
+    </dgm:linClrLst>
+    <dgm:effectClrLst/>
+    <dgm:txLinClrLst/>
+    <dgm:txFillClrLst meth="repeat">
+      <a:schemeClr val="dk1"/>
+    </dgm:txFillClrLst>
+    <dgm:txEffectClrLst/>
+  </dgm:styleLbl>
+  <dgm:styleLbl name="bgAccFollowNode1">
+    <dgm:fillClrLst meth="repeat">
+      <a:schemeClr val="accent1">
+        <a:alpha val="90000"/>
+        <a:tint val="40000"/>
+      </a:schemeClr>
+    </dgm:fillClrLst>
+    <dgm:linClrLst meth="repeat">
+      <a:schemeClr val="accent1">
+        <a:alpha val="90000"/>
+        <a:tint val="40000"/>
+      </a:schemeClr>
+    </dgm:linClrLst>
+    <dgm:effectClrLst/>
+    <dgm:txLinClrLst/>
+    <dgm:txFillClrLst meth="repeat">
+      <a:schemeClr val="dk1"/>
+    </dgm:txFillClrLst>
+    <dgm:txEffectClrLst/>
+  </dgm:styleLbl>
+  <dgm:styleLbl name="fgAcc0">
+    <dgm:fillClrLst meth="repeat">
+      <a:schemeClr val="lt1">
+        <a:alpha val="90000"/>
+      </a:schemeClr>
+    </dgm:fillClrLst>
+    <dgm:linClrLst meth="repeat">
+      <a:schemeClr val="accent1"/>
+    </dgm:linClrLst>
+    <dgm:effectClrLst/>
+    <dgm:txLinClrLst/>
+    <dgm:txFillClrLst meth="repeat">
+      <a:schemeClr val="dk1"/>
+    </dgm:txFillClrLst>
+    <dgm:txEffectClrLst/>
+  </dgm:styleLbl>
+  <dgm:styleLbl name="fgAcc2">
+    <dgm:fillClrLst meth="repeat">
+      <a:schemeClr val="lt1">
+        <a:alpha val="90000"/>
+      </a:schemeClr>
+    </dgm:fillClrLst>
+    <dgm:linClrLst meth="repeat">
+      <a:schemeClr val="accent1"/>
+    </dgm:linClrLst>
+    <dgm:effectClrLst/>
+    <dgm:txLinClrLst/>
+    <dgm:txFillClrLst meth="repeat">
+      <a:schemeClr val="dk1"/>
+    </dgm:txFillClrLst>
+    <dgm:txEffectClrLst/>
+  </dgm:styleLbl>
+  <dgm:styleLbl name="fgAcc3">
+    <dgm:fillClrLst meth="repeat">
+      <a:schemeClr val="lt1">
+        <a:alpha val="90000"/>
+      </a:schemeClr>
+    </dgm:fillClrLst>
+    <dgm:linClrLst meth="repeat">
+      <a:schemeClr val="accent1"/>
+    </dgm:linClrLst>
+    <dgm:effectClrLst/>
+    <dgm:txLinClrLst/>
+    <dgm:txFillClrLst meth="repeat">
+      <a:schemeClr val="dk1"/>
+    </dgm:txFillClrLst>
+    <dgm:txEffectClrLst/>
+  </dgm:styleLbl>
+  <dgm:styleLbl name="fgAcc4">
+    <dgm:fillClrLst meth="repeat">
+      <a:schemeClr val="lt1">
+        <a:alpha val="90000"/>
+      </a:schemeClr>
+    </dgm:fillClrLst>
+    <dgm:linClrLst meth="repeat">
+      <a:schemeClr val="accent1"/>
+    </dgm:linClrLst>
+    <dgm:effectClrLst/>
+    <dgm:txLinClrLst/>
+    <dgm:txFillClrLst meth="repeat">
+      <a:schemeClr val="dk1"/>
+    </dgm:txFillClrLst>
+    <dgm:txEffectClrLst/>
+  </dgm:styleLbl>
+  <dgm:styleLbl name="bgShp">
+    <dgm:fillClrLst meth="repeat">
+      <a:schemeClr val="accent1">
+        <a:tint val="40000"/>
+      </a:schemeClr>
+    </dgm:fillClrLst>
+    <dgm:linClrLst meth="repeat">
+      <a:schemeClr val="accent1"/>
+    </dgm:linClrLst>
+    <dgm:effectClrLst/>
+    <dgm:txLinClrLst/>
+    <dgm:txFillClrLst meth="repeat">
+      <a:schemeClr val="dk1"/>
+    </dgm:txFillClrLst>
+    <dgm:txEffectClrLst/>
+  </dgm:styleLbl>
+  <dgm:styleLbl name="dkBgShp">
+    <dgm:fillClrLst meth="repeat">
+      <a:schemeClr val="accent1">
+        <a:shade val="80000"/>
+      </a:schemeClr>
+    </dgm:fillClrLst>
+    <dgm:linClrLst meth="repeat">
+      <a:schemeClr val="accent1"/>
+    </dgm:linClrLst>
+    <dgm:effectClrLst/>
+    <dgm:txLinClrLst/>
+    <dgm:txFillClrLst meth="repeat">
+      <a:schemeClr val="lt1"/>
+    </dgm:txFillClrLst>
+    <dgm:txEffectClrLst/>
+  </dgm:styleLbl>
+  <dgm:styleLbl name="trBgShp">
+    <dgm:fillClrLst meth="repeat">
+      <a:schemeClr val="accent1">
+        <a:tint val="50000"/>
+        <a:alpha val="40000"/>
+      </a:schemeClr>
+    </dgm:fillClrLst>
+    <dgm:linClrLst meth="repeat">
+      <a:schemeClr val="accent1"/>
+    </dgm:linClrLst>
+    <dgm:effectClrLst/>
+    <dgm:txLinClrLst/>
+    <dgm:txFillClrLst meth="repeat">
+      <a:schemeClr val="lt1"/>
+    </dgm:txFillClrLst>
+    <dgm:txEffectClrLst/>
+  </dgm:styleLbl>
+  <dgm:styleLbl name="fgShp">
+    <dgm:fillClrLst meth="repeat">
+      <a:schemeClr val="accent1">
+        <a:tint val="60000"/>
+      </a:schemeClr>
+    </dgm:fillClrLst>
+    <dgm:linClrLst meth="repeat">
+      <a:schemeClr val="lt1"/>
+    </dgm:linClrLst>
+    <dgm:effectClrLst/>
+    <dgm:txLinClrLst/>
+    <dgm:txFillClrLst meth="repeat">
+      <a:schemeClr val="dk1"/>
+    </dgm:txFillClrLst>
+    <dgm:txEffectClrLst/>
+  </dgm:styleLbl>
+  <dgm:styleLbl name="revTx">
+    <dgm:fillClrLst meth="repeat">
+      <a:schemeClr val="lt1">
+        <a:alpha val="0"/>
+      </a:schemeClr>
+    </dgm:fillClrLst>
+    <dgm:linClrLst meth="repeat">
+      <a:schemeClr val="dk1">
+        <a:alpha val="0"/>
+      </a:schemeClr>
+    </dgm:linClrLst>
+    <dgm:effectClrLst/>
+    <dgm:txLinClrLst/>
+    <dgm:txFillClrLst meth="repeat">
+      <a:schemeClr val="tx1"/>
+    </dgm:txFillClrLst>
+    <dgm:txEffectClrLst/>
+  </dgm:styleLbl>
+</dgm:colorsDef>
+</file>
+
+<file path=ppt/diagrams/data1.xml><?xml version="1.0" encoding="utf-8"?>
+<dgm:dataModel xmlns:dgm="http://schemas.openxmlformats.org/drawingml/2006/diagram" xmlns:a="http://schemas.openxmlformats.org/drawingml/2006/main">
+  <dgm:ptLst>
+    <dgm:pt modelId="{356D004F-A3CA-4BDD-98ED-4D9DE9C4E769}" type="doc">
+      <dgm:prSet loTypeId="urn:microsoft.com/office/officeart/2005/8/layout/hList1" loCatId="list" qsTypeId="urn:microsoft.com/office/officeart/2005/8/quickstyle/simple1" qsCatId="simple" csTypeId="urn:microsoft.com/office/officeart/2005/8/colors/accent1_2" csCatId="accent1" phldr="1"/>
+      <dgm:spPr/>
+      <dgm:t>
+        <a:bodyPr/>
+        <a:lstStyle/>
+        <a:p>
+          <a:endParaRPr lang="en-US"/>
+        </a:p>
+      </dgm:t>
+    </dgm:pt>
+    <dgm:pt modelId="{EEDF9B81-55B8-4B62-915A-0E19AB2F6698}">
+      <dgm:prSet phldrT="[Text]"/>
+      <dgm:spPr/>
+      <dgm:t>
+        <a:bodyPr/>
+        <a:lstStyle/>
+        <a:p>
+          <a:r>
+            <a:rPr lang="en-US" dirty="0"/>
+            <a:t>Blockchain is</a:t>
+          </a:r>
+        </a:p>
+      </dgm:t>
+    </dgm:pt>
+    <dgm:pt modelId="{19960424-466B-40FC-BFE4-2806055E6520}" type="parTrans" cxnId="{AE9036D5-5133-4523-BF62-A2FA002C9F16}">
+      <dgm:prSet/>
+      <dgm:spPr/>
+      <dgm:t>
+        <a:bodyPr/>
+        <a:lstStyle/>
+        <a:p>
+          <a:endParaRPr lang="en-US"/>
+        </a:p>
+      </dgm:t>
+    </dgm:pt>
+    <dgm:pt modelId="{0D5F0F40-4BE5-45EE-B38A-7D9D34023BFA}" type="sibTrans" cxnId="{AE9036D5-5133-4523-BF62-A2FA002C9F16}">
+      <dgm:prSet/>
+      <dgm:spPr/>
+      <dgm:t>
+        <a:bodyPr/>
+        <a:lstStyle/>
+        <a:p>
+          <a:endParaRPr lang="en-US"/>
+        </a:p>
+      </dgm:t>
+    </dgm:pt>
+    <dgm:pt modelId="{1F3C79A8-2FF6-4E36-821E-18155A733A4F}">
+      <dgm:prSet phldrT="[Text]"/>
+      <dgm:spPr/>
+      <dgm:t>
+        <a:bodyPr/>
+        <a:lstStyle/>
+        <a:p>
+          <a:r>
+            <a:rPr lang="en-US" dirty="0"/>
+            <a:t>Distributed</a:t>
+          </a:r>
+        </a:p>
+      </dgm:t>
+    </dgm:pt>
+    <dgm:pt modelId="{F2042999-DE4D-45BC-9E35-1E7748A99262}" type="parTrans" cxnId="{22F46E15-471F-4C7B-83AA-DA25B88B4901}">
+      <dgm:prSet/>
+      <dgm:spPr/>
+      <dgm:t>
+        <a:bodyPr/>
+        <a:lstStyle/>
+        <a:p>
+          <a:endParaRPr lang="en-US"/>
+        </a:p>
+      </dgm:t>
+    </dgm:pt>
+    <dgm:pt modelId="{CF3506CF-3DF9-482F-9965-181EBCDB3C3D}" type="sibTrans" cxnId="{22F46E15-471F-4C7B-83AA-DA25B88B4901}">
+      <dgm:prSet/>
+      <dgm:spPr/>
+      <dgm:t>
+        <a:bodyPr/>
+        <a:lstStyle/>
+        <a:p>
+          <a:endParaRPr lang="en-US"/>
+        </a:p>
+      </dgm:t>
+    </dgm:pt>
+    <dgm:pt modelId="{CA01D07A-72BE-4177-AA94-1098FC84B67F}">
+      <dgm:prSet phldrT="[Text]"/>
+      <dgm:spPr/>
+      <dgm:t>
+        <a:bodyPr/>
+        <a:lstStyle/>
+        <a:p>
+          <a:r>
+            <a:rPr lang="en-US" dirty="0"/>
+            <a:t>Ledger</a:t>
+          </a:r>
+        </a:p>
+      </dgm:t>
+    </dgm:pt>
+    <dgm:pt modelId="{9D243203-04A1-421F-9813-B06C990E6225}" type="parTrans" cxnId="{96422A67-5F43-4FCA-A668-CCAD92FF9667}">
+      <dgm:prSet/>
+      <dgm:spPr/>
+      <dgm:t>
+        <a:bodyPr/>
+        <a:lstStyle/>
+        <a:p>
+          <a:endParaRPr lang="en-US"/>
+        </a:p>
+      </dgm:t>
+    </dgm:pt>
+    <dgm:pt modelId="{5ABAEDCB-E9C0-46FF-982A-15A7F33CE1A3}" type="sibTrans" cxnId="{96422A67-5F43-4FCA-A668-CCAD92FF9667}">
+      <dgm:prSet/>
+      <dgm:spPr/>
+      <dgm:t>
+        <a:bodyPr/>
+        <a:lstStyle/>
+        <a:p>
+          <a:endParaRPr lang="en-US"/>
+        </a:p>
+      </dgm:t>
+    </dgm:pt>
+    <dgm:pt modelId="{726CF531-C850-4BC4-AA89-6984CF57DC76}">
+      <dgm:prSet phldrT="[Text]"/>
+      <dgm:spPr/>
+      <dgm:t>
+        <a:bodyPr/>
+        <a:lstStyle/>
+        <a:p>
+          <a:r>
+            <a:rPr lang="en-US" dirty="0"/>
+            <a:t>Blockchain is </a:t>
+          </a:r>
+          <a:r>
+            <a:rPr lang="en-US" b="1" dirty="0"/>
+            <a:t>NOT</a:t>
+          </a:r>
+        </a:p>
+      </dgm:t>
+    </dgm:pt>
+    <dgm:pt modelId="{266B1EE4-8CAE-4274-AA89-FD9AE9BBDB67}" type="parTrans" cxnId="{47DB6088-AFC5-42C8-9898-EED187DAB9A9}">
+      <dgm:prSet/>
+      <dgm:spPr/>
+      <dgm:t>
+        <a:bodyPr/>
+        <a:lstStyle/>
+        <a:p>
+          <a:endParaRPr lang="en-US"/>
+        </a:p>
+      </dgm:t>
+    </dgm:pt>
+    <dgm:pt modelId="{E9A6207E-7D38-4380-AD93-D52D82BAB5FA}" type="sibTrans" cxnId="{47DB6088-AFC5-42C8-9898-EED187DAB9A9}">
+      <dgm:prSet/>
+      <dgm:spPr/>
+      <dgm:t>
+        <a:bodyPr/>
+        <a:lstStyle/>
+        <a:p>
+          <a:endParaRPr lang="en-US"/>
+        </a:p>
+      </dgm:t>
+    </dgm:pt>
+    <dgm:pt modelId="{4FAFD3DD-5448-445F-9619-FD639C9F32B8}">
+      <dgm:prSet phldrT="[Text]"/>
+      <dgm:spPr/>
+      <dgm:t>
+        <a:bodyPr/>
+        <a:lstStyle/>
+        <a:p>
+          <a:r>
+            <a:rPr lang="en-US" dirty="0"/>
+            <a:t>Bitcoin</a:t>
+          </a:r>
+        </a:p>
+      </dgm:t>
+    </dgm:pt>
+    <dgm:pt modelId="{1AF7C16F-68DE-48B4-A4FF-22BE161B2B4C}" type="parTrans" cxnId="{CDC63C0C-CAFD-461A-BF5C-7CFAE9F4742B}">
+      <dgm:prSet/>
+      <dgm:spPr/>
+      <dgm:t>
+        <a:bodyPr/>
+        <a:lstStyle/>
+        <a:p>
+          <a:endParaRPr lang="en-US"/>
+        </a:p>
+      </dgm:t>
+    </dgm:pt>
+    <dgm:pt modelId="{B9FA6FF0-3463-43D6-A75D-D2DEC10091F0}" type="sibTrans" cxnId="{CDC63C0C-CAFD-461A-BF5C-7CFAE9F4742B}">
+      <dgm:prSet/>
+      <dgm:spPr/>
+      <dgm:t>
+        <a:bodyPr/>
+        <a:lstStyle/>
+        <a:p>
+          <a:endParaRPr lang="en-US"/>
+        </a:p>
+      </dgm:t>
+    </dgm:pt>
+    <dgm:pt modelId="{F30A1290-5D5F-4905-8A36-0211D7EEF903}">
+      <dgm:prSet phldrT="[Text]"/>
+      <dgm:spPr/>
+      <dgm:t>
+        <a:bodyPr/>
+        <a:lstStyle/>
+        <a:p>
+          <a:r>
+            <a:rPr lang="en-US" dirty="0"/>
+            <a:t>Money</a:t>
+          </a:r>
+        </a:p>
+      </dgm:t>
+    </dgm:pt>
+    <dgm:pt modelId="{2EB81B92-C783-48F8-87E9-D63E3461DD7A}" type="parTrans" cxnId="{5ADE28CD-722B-44FD-8F4B-0AAAD7271AE5}">
+      <dgm:prSet/>
+      <dgm:spPr/>
+      <dgm:t>
+        <a:bodyPr/>
+        <a:lstStyle/>
+        <a:p>
+          <a:endParaRPr lang="en-US"/>
+        </a:p>
+      </dgm:t>
+    </dgm:pt>
+    <dgm:pt modelId="{EAF0961E-7526-4182-B120-FBA331E76939}" type="sibTrans" cxnId="{5ADE28CD-722B-44FD-8F4B-0AAAD7271AE5}">
+      <dgm:prSet/>
+      <dgm:spPr/>
+      <dgm:t>
+        <a:bodyPr/>
+        <a:lstStyle/>
+        <a:p>
+          <a:endParaRPr lang="en-US"/>
+        </a:p>
+      </dgm:t>
+    </dgm:pt>
+    <dgm:pt modelId="{59219A60-0B7E-4672-83E3-8624357915D8}">
+      <dgm:prSet phldrT="[Text]"/>
+      <dgm:spPr/>
+      <dgm:t>
+        <a:bodyPr/>
+        <a:lstStyle/>
+        <a:p>
+          <a:r>
+            <a:rPr lang="en-US" dirty="0"/>
+            <a:t>P2P</a:t>
+          </a:r>
+        </a:p>
+      </dgm:t>
+    </dgm:pt>
+    <dgm:pt modelId="{B877420E-88D9-4A00-BC6C-B041061C69EA}" type="parTrans" cxnId="{6DD1B439-3B2E-4C0B-953C-DF8D0783EC2B}">
+      <dgm:prSet/>
+      <dgm:spPr/>
+      <dgm:t>
+        <a:bodyPr/>
+        <a:lstStyle/>
+        <a:p>
+          <a:endParaRPr lang="en-US"/>
+        </a:p>
+      </dgm:t>
+    </dgm:pt>
+    <dgm:pt modelId="{780D4793-EA5B-450D-9C53-2C41371CB165}" type="sibTrans" cxnId="{6DD1B439-3B2E-4C0B-953C-DF8D0783EC2B}">
+      <dgm:prSet/>
+      <dgm:spPr/>
+      <dgm:t>
+        <a:bodyPr/>
+        <a:lstStyle/>
+        <a:p>
+          <a:endParaRPr lang="en-US"/>
+        </a:p>
+      </dgm:t>
+    </dgm:pt>
+    <dgm:pt modelId="{A2709171-A55D-4FCF-9B5E-4378FB70D62C}">
+      <dgm:prSet phldrT="[Text]"/>
+      <dgm:spPr/>
+      <dgm:t>
+        <a:bodyPr/>
+        <a:lstStyle/>
+        <a:p>
+          <a:r>
+            <a:rPr lang="en-US" dirty="0"/>
+            <a:t>Immutable</a:t>
+          </a:r>
+        </a:p>
+      </dgm:t>
+    </dgm:pt>
+    <dgm:pt modelId="{826A521C-532A-426A-9440-C95329A9BC80}" type="parTrans" cxnId="{FDF8FF23-EDEB-407B-B37A-78F8F2E843D7}">
+      <dgm:prSet/>
+      <dgm:spPr/>
+      <dgm:t>
+        <a:bodyPr/>
+        <a:lstStyle/>
+        <a:p>
+          <a:endParaRPr lang="en-US"/>
+        </a:p>
+      </dgm:t>
+    </dgm:pt>
+    <dgm:pt modelId="{B670A778-3229-44A9-9ECC-512BE70D2B7C}" type="sibTrans" cxnId="{FDF8FF23-EDEB-407B-B37A-78F8F2E843D7}">
+      <dgm:prSet/>
+      <dgm:spPr/>
+      <dgm:t>
+        <a:bodyPr/>
+        <a:lstStyle/>
+        <a:p>
+          <a:endParaRPr lang="en-US"/>
+        </a:p>
+      </dgm:t>
+    </dgm:pt>
+    <dgm:pt modelId="{51E9E8D2-8B11-4041-B096-6C50EA38F90D}">
+      <dgm:prSet phldrT="[Text]"/>
+      <dgm:spPr/>
+      <dgm:t>
+        <a:bodyPr/>
+        <a:lstStyle/>
+        <a:p>
+          <a:r>
+            <a:rPr lang="en-US" dirty="0"/>
+            <a:t>Mastercard</a:t>
+          </a:r>
+        </a:p>
+      </dgm:t>
+    </dgm:pt>
+    <dgm:pt modelId="{108237E3-E124-46E7-B43D-6655B4559535}" type="parTrans" cxnId="{D134C50C-8776-40D1-BF47-CB6EFC265858}">
+      <dgm:prSet/>
+      <dgm:spPr/>
+      <dgm:t>
+        <a:bodyPr/>
+        <a:lstStyle/>
+        <a:p>
+          <a:endParaRPr lang="en-US"/>
+        </a:p>
+      </dgm:t>
+    </dgm:pt>
+    <dgm:pt modelId="{D6AFE53A-5A28-4671-9897-639953457634}" type="sibTrans" cxnId="{D134C50C-8776-40D1-BF47-CB6EFC265858}">
+      <dgm:prSet/>
+      <dgm:spPr/>
+      <dgm:t>
+        <a:bodyPr/>
+        <a:lstStyle/>
+        <a:p>
+          <a:endParaRPr lang="en-US"/>
+        </a:p>
+      </dgm:t>
+    </dgm:pt>
+    <dgm:pt modelId="{802292E4-D058-46D5-97B2-CE595A49CB8C}">
+      <dgm:prSet phldrT="[Text]"/>
+      <dgm:spPr/>
+      <dgm:t>
+        <a:bodyPr/>
+        <a:lstStyle/>
+        <a:p>
+          <a:r>
+            <a:rPr lang="en-US" dirty="0"/>
+            <a:t>A Messenger</a:t>
+          </a:r>
+        </a:p>
+      </dgm:t>
+    </dgm:pt>
+    <dgm:pt modelId="{BB4B96FC-22E0-4116-86E4-DFCF0C670CFE}" type="parTrans" cxnId="{DE40FB6F-FC16-4115-8E8C-266D28FEAFFD}">
+      <dgm:prSet/>
+      <dgm:spPr/>
+      <dgm:t>
+        <a:bodyPr/>
+        <a:lstStyle/>
+        <a:p>
+          <a:endParaRPr lang="en-US"/>
+        </a:p>
+      </dgm:t>
+    </dgm:pt>
+    <dgm:pt modelId="{0E19963E-F6FB-469E-ADE0-CBD97360346B}" type="sibTrans" cxnId="{DE40FB6F-FC16-4115-8E8C-266D28FEAFFD}">
+      <dgm:prSet/>
+      <dgm:spPr/>
+      <dgm:t>
+        <a:bodyPr/>
+        <a:lstStyle/>
+        <a:p>
+          <a:endParaRPr lang="en-US"/>
+        </a:p>
+      </dgm:t>
+    </dgm:pt>
+    <dgm:pt modelId="{7B1454CB-8E30-46D8-A490-F647D770A362}">
+      <dgm:prSet phldrT="[Text]"/>
+      <dgm:spPr/>
+      <dgm:t>
+        <a:bodyPr/>
+        <a:lstStyle/>
+        <a:p>
+          <a:r>
+            <a:rPr lang="en-US" dirty="0"/>
+            <a:t>A Database</a:t>
+          </a:r>
+        </a:p>
+      </dgm:t>
+    </dgm:pt>
+    <dgm:pt modelId="{BA5084CF-6292-43BF-BB45-D559AC383EB1}" type="parTrans" cxnId="{CC70BDAA-5A26-4B6A-B54D-2CDE7FE350B3}">
+      <dgm:prSet/>
+      <dgm:spPr/>
+      <dgm:t>
+        <a:bodyPr/>
+        <a:lstStyle/>
+        <a:p>
+          <a:endParaRPr lang="en-US"/>
+        </a:p>
+      </dgm:t>
+    </dgm:pt>
+    <dgm:pt modelId="{54069918-1D52-4069-B031-CB6EFC2F7CBC}" type="sibTrans" cxnId="{CC70BDAA-5A26-4B6A-B54D-2CDE7FE350B3}">
+      <dgm:prSet/>
+      <dgm:spPr/>
+      <dgm:t>
+        <a:bodyPr/>
+        <a:lstStyle/>
+        <a:p>
+          <a:endParaRPr lang="en-US"/>
+        </a:p>
+      </dgm:t>
+    </dgm:pt>
+    <dgm:pt modelId="{52CA4C8A-550B-4F02-8116-F9B57D61D46B}" type="pres">
+      <dgm:prSet presAssocID="{356D004F-A3CA-4BDD-98ED-4D9DE9C4E769}" presName="Name0" presStyleCnt="0">
+        <dgm:presLayoutVars>
+          <dgm:dir/>
+          <dgm:animLvl val="lvl"/>
+          <dgm:resizeHandles val="exact"/>
+        </dgm:presLayoutVars>
+      </dgm:prSet>
+      <dgm:spPr/>
+    </dgm:pt>
+    <dgm:pt modelId="{058B37FE-24FF-474A-8E34-230C6157B812}" type="pres">
+      <dgm:prSet presAssocID="{EEDF9B81-55B8-4B62-915A-0E19AB2F6698}" presName="composite" presStyleCnt="0"/>
+      <dgm:spPr/>
+    </dgm:pt>
+    <dgm:pt modelId="{67890CEF-FAA2-4393-A5EA-8FF46EBF9B3A}" type="pres">
+      <dgm:prSet presAssocID="{EEDF9B81-55B8-4B62-915A-0E19AB2F6698}" presName="parTx" presStyleLbl="alignNode1" presStyleIdx="0" presStyleCnt="2">
+        <dgm:presLayoutVars>
+          <dgm:chMax val="0"/>
+          <dgm:chPref val="0"/>
+          <dgm:bulletEnabled val="1"/>
+        </dgm:presLayoutVars>
+      </dgm:prSet>
+      <dgm:spPr/>
+    </dgm:pt>
+    <dgm:pt modelId="{28F4C583-B99D-4166-BFBC-D68085F66483}" type="pres">
+      <dgm:prSet presAssocID="{EEDF9B81-55B8-4B62-915A-0E19AB2F6698}" presName="desTx" presStyleLbl="alignAccFollowNode1" presStyleIdx="0" presStyleCnt="2">
+        <dgm:presLayoutVars>
+          <dgm:bulletEnabled val="1"/>
+        </dgm:presLayoutVars>
+      </dgm:prSet>
+      <dgm:spPr/>
+    </dgm:pt>
+    <dgm:pt modelId="{8AB2C044-F0C8-4F3D-A8A3-52FC641CEEC7}" type="pres">
+      <dgm:prSet presAssocID="{0D5F0F40-4BE5-45EE-B38A-7D9D34023BFA}" presName="space" presStyleCnt="0"/>
+      <dgm:spPr/>
+    </dgm:pt>
+    <dgm:pt modelId="{121C02E7-BBA8-435E-87CD-443E47951A2A}" type="pres">
+      <dgm:prSet presAssocID="{726CF531-C850-4BC4-AA89-6984CF57DC76}" presName="composite" presStyleCnt="0"/>
+      <dgm:spPr/>
+    </dgm:pt>
+    <dgm:pt modelId="{9B0FB4A8-2813-4B30-837A-AE72A70010BA}" type="pres">
+      <dgm:prSet presAssocID="{726CF531-C850-4BC4-AA89-6984CF57DC76}" presName="parTx" presStyleLbl="alignNode1" presStyleIdx="1" presStyleCnt="2">
+        <dgm:presLayoutVars>
+          <dgm:chMax val="0"/>
+          <dgm:chPref val="0"/>
+          <dgm:bulletEnabled val="1"/>
+        </dgm:presLayoutVars>
+      </dgm:prSet>
+      <dgm:spPr/>
+    </dgm:pt>
+    <dgm:pt modelId="{5AB863F8-DED0-4A61-82BF-E4F222977382}" type="pres">
+      <dgm:prSet presAssocID="{726CF531-C850-4BC4-AA89-6984CF57DC76}" presName="desTx" presStyleLbl="alignAccFollowNode1" presStyleIdx="1" presStyleCnt="2">
+        <dgm:presLayoutVars>
+          <dgm:bulletEnabled val="1"/>
+        </dgm:presLayoutVars>
+      </dgm:prSet>
+      <dgm:spPr/>
+    </dgm:pt>
+  </dgm:ptLst>
+  <dgm:cxnLst>
+    <dgm:cxn modelId="{CDC63C0C-CAFD-461A-BF5C-7CFAE9F4742B}" srcId="{726CF531-C850-4BC4-AA89-6984CF57DC76}" destId="{4FAFD3DD-5448-445F-9619-FD639C9F32B8}" srcOrd="0" destOrd="0" parTransId="{1AF7C16F-68DE-48B4-A4FF-22BE161B2B4C}" sibTransId="{B9FA6FF0-3463-43D6-A75D-D2DEC10091F0}"/>
+    <dgm:cxn modelId="{C891900C-A957-497A-9A27-B44173ABE760}" type="presOf" srcId="{CA01D07A-72BE-4177-AA94-1098FC84B67F}" destId="{28F4C583-B99D-4166-BFBC-D68085F66483}" srcOrd="0" destOrd="1" presId="urn:microsoft.com/office/officeart/2005/8/layout/hList1"/>
+    <dgm:cxn modelId="{D134C50C-8776-40D1-BF47-CB6EFC265858}" srcId="{726CF531-C850-4BC4-AA89-6984CF57DC76}" destId="{51E9E8D2-8B11-4041-B096-6C50EA38F90D}" srcOrd="2" destOrd="0" parTransId="{108237E3-E124-46E7-B43D-6655B4559535}" sibTransId="{D6AFE53A-5A28-4671-9897-639953457634}"/>
+    <dgm:cxn modelId="{100C590E-E404-472C-9592-FE8A9EF028F0}" type="presOf" srcId="{356D004F-A3CA-4BDD-98ED-4D9DE9C4E769}" destId="{52CA4C8A-550B-4F02-8116-F9B57D61D46B}" srcOrd="0" destOrd="0" presId="urn:microsoft.com/office/officeart/2005/8/layout/hList1"/>
+    <dgm:cxn modelId="{22F46E15-471F-4C7B-83AA-DA25B88B4901}" srcId="{EEDF9B81-55B8-4B62-915A-0E19AB2F6698}" destId="{1F3C79A8-2FF6-4E36-821E-18155A733A4F}" srcOrd="0" destOrd="0" parTransId="{F2042999-DE4D-45BC-9E35-1E7748A99262}" sibTransId="{CF3506CF-3DF9-482F-9965-181EBCDB3C3D}"/>
+    <dgm:cxn modelId="{FDF8FF23-EDEB-407B-B37A-78F8F2E843D7}" srcId="{EEDF9B81-55B8-4B62-915A-0E19AB2F6698}" destId="{A2709171-A55D-4FCF-9B5E-4378FB70D62C}" srcOrd="3" destOrd="0" parTransId="{826A521C-532A-426A-9440-C95329A9BC80}" sibTransId="{B670A778-3229-44A9-9ECC-512BE70D2B7C}"/>
+    <dgm:cxn modelId="{7E395C2F-02DC-4F20-B134-87DF67A31662}" type="presOf" srcId="{802292E4-D058-46D5-97B2-CE595A49CB8C}" destId="{5AB863F8-DED0-4A61-82BF-E4F222977382}" srcOrd="0" destOrd="3" presId="urn:microsoft.com/office/officeart/2005/8/layout/hList1"/>
+    <dgm:cxn modelId="{44189D30-AEA0-4F1C-843B-986CFFAF6C2D}" type="presOf" srcId="{A2709171-A55D-4FCF-9B5E-4378FB70D62C}" destId="{28F4C583-B99D-4166-BFBC-D68085F66483}" srcOrd="0" destOrd="3" presId="urn:microsoft.com/office/officeart/2005/8/layout/hList1"/>
+    <dgm:cxn modelId="{6DD1B439-3B2E-4C0B-953C-DF8D0783EC2B}" srcId="{EEDF9B81-55B8-4B62-915A-0E19AB2F6698}" destId="{59219A60-0B7E-4672-83E3-8624357915D8}" srcOrd="2" destOrd="0" parTransId="{B877420E-88D9-4A00-BC6C-B041061C69EA}" sibTransId="{780D4793-EA5B-450D-9C53-2C41371CB165}"/>
+    <dgm:cxn modelId="{96422A67-5F43-4FCA-A668-CCAD92FF9667}" srcId="{EEDF9B81-55B8-4B62-915A-0E19AB2F6698}" destId="{CA01D07A-72BE-4177-AA94-1098FC84B67F}" srcOrd="1" destOrd="0" parTransId="{9D243203-04A1-421F-9813-B06C990E6225}" sibTransId="{5ABAEDCB-E9C0-46FF-982A-15A7F33CE1A3}"/>
+    <dgm:cxn modelId="{DE40FB6F-FC16-4115-8E8C-266D28FEAFFD}" srcId="{726CF531-C850-4BC4-AA89-6984CF57DC76}" destId="{802292E4-D058-46D5-97B2-CE595A49CB8C}" srcOrd="3" destOrd="0" parTransId="{BB4B96FC-22E0-4116-86E4-DFCF0C670CFE}" sibTransId="{0E19963E-F6FB-469E-ADE0-CBD97360346B}"/>
+    <dgm:cxn modelId="{F7A2DE72-6544-4EEA-ACE8-8ACECF7EF27F}" type="presOf" srcId="{1F3C79A8-2FF6-4E36-821E-18155A733A4F}" destId="{28F4C583-B99D-4166-BFBC-D68085F66483}" srcOrd="0" destOrd="0" presId="urn:microsoft.com/office/officeart/2005/8/layout/hList1"/>
+    <dgm:cxn modelId="{0431D954-34A6-42B8-BF02-25362060B438}" type="presOf" srcId="{F30A1290-5D5F-4905-8A36-0211D7EEF903}" destId="{5AB863F8-DED0-4A61-82BF-E4F222977382}" srcOrd="0" destOrd="1" presId="urn:microsoft.com/office/officeart/2005/8/layout/hList1"/>
+    <dgm:cxn modelId="{E85AD783-D372-4C84-A501-2A11AF9E451D}" type="presOf" srcId="{726CF531-C850-4BC4-AA89-6984CF57DC76}" destId="{9B0FB4A8-2813-4B30-837A-AE72A70010BA}" srcOrd="0" destOrd="0" presId="urn:microsoft.com/office/officeart/2005/8/layout/hList1"/>
+    <dgm:cxn modelId="{56326B84-DD92-4B58-B30C-52CBB91FE8FF}" type="presOf" srcId="{51E9E8D2-8B11-4041-B096-6C50EA38F90D}" destId="{5AB863F8-DED0-4A61-82BF-E4F222977382}" srcOrd="0" destOrd="2" presId="urn:microsoft.com/office/officeart/2005/8/layout/hList1"/>
+    <dgm:cxn modelId="{47DB6088-AFC5-42C8-9898-EED187DAB9A9}" srcId="{356D004F-A3CA-4BDD-98ED-4D9DE9C4E769}" destId="{726CF531-C850-4BC4-AA89-6984CF57DC76}" srcOrd="1" destOrd="0" parTransId="{266B1EE4-8CAE-4274-AA89-FD9AE9BBDB67}" sibTransId="{E9A6207E-7D38-4380-AD93-D52D82BAB5FA}"/>
+    <dgm:cxn modelId="{CC70BDAA-5A26-4B6A-B54D-2CDE7FE350B3}" srcId="{726CF531-C850-4BC4-AA89-6984CF57DC76}" destId="{7B1454CB-8E30-46D8-A490-F647D770A362}" srcOrd="4" destOrd="0" parTransId="{BA5084CF-6292-43BF-BB45-D559AC383EB1}" sibTransId="{54069918-1D52-4069-B031-CB6EFC2F7CBC}"/>
+    <dgm:cxn modelId="{E5C623C2-DC52-4584-B602-D306523378B1}" type="presOf" srcId="{4FAFD3DD-5448-445F-9619-FD639C9F32B8}" destId="{5AB863F8-DED0-4A61-82BF-E4F222977382}" srcOrd="0" destOrd="0" presId="urn:microsoft.com/office/officeart/2005/8/layout/hList1"/>
+    <dgm:cxn modelId="{5ADE28CD-722B-44FD-8F4B-0AAAD7271AE5}" srcId="{726CF531-C850-4BC4-AA89-6984CF57DC76}" destId="{F30A1290-5D5F-4905-8A36-0211D7EEF903}" srcOrd="1" destOrd="0" parTransId="{2EB81B92-C783-48F8-87E9-D63E3461DD7A}" sibTransId="{EAF0961E-7526-4182-B120-FBA331E76939}"/>
+    <dgm:cxn modelId="{AE9036D5-5133-4523-BF62-A2FA002C9F16}" srcId="{356D004F-A3CA-4BDD-98ED-4D9DE9C4E769}" destId="{EEDF9B81-55B8-4B62-915A-0E19AB2F6698}" srcOrd="0" destOrd="0" parTransId="{19960424-466B-40FC-BFE4-2806055E6520}" sibTransId="{0D5F0F40-4BE5-45EE-B38A-7D9D34023BFA}"/>
+    <dgm:cxn modelId="{854B7FEA-90EF-47FB-BA4C-C67D49EF5B78}" type="presOf" srcId="{59219A60-0B7E-4672-83E3-8624357915D8}" destId="{28F4C583-B99D-4166-BFBC-D68085F66483}" srcOrd="0" destOrd="2" presId="urn:microsoft.com/office/officeart/2005/8/layout/hList1"/>
+    <dgm:cxn modelId="{DE89FEFB-0CD5-440F-BD56-3277F708739A}" type="presOf" srcId="{EEDF9B81-55B8-4B62-915A-0E19AB2F6698}" destId="{67890CEF-FAA2-4393-A5EA-8FF46EBF9B3A}" srcOrd="0" destOrd="0" presId="urn:microsoft.com/office/officeart/2005/8/layout/hList1"/>
+    <dgm:cxn modelId="{9671AAFF-6F22-4C56-A9EC-CAA0C16357CF}" type="presOf" srcId="{7B1454CB-8E30-46D8-A490-F647D770A362}" destId="{5AB863F8-DED0-4A61-82BF-E4F222977382}" srcOrd="0" destOrd="4" presId="urn:microsoft.com/office/officeart/2005/8/layout/hList1"/>
+    <dgm:cxn modelId="{A7A4734E-690F-45F3-BC8D-F07F0EDEDB94}" type="presParOf" srcId="{52CA4C8A-550B-4F02-8116-F9B57D61D46B}" destId="{058B37FE-24FF-474A-8E34-230C6157B812}" srcOrd="0" destOrd="0" presId="urn:microsoft.com/office/officeart/2005/8/layout/hList1"/>
+    <dgm:cxn modelId="{76AA4441-E723-4AFF-B667-1135AD97BEAA}" type="presParOf" srcId="{058B37FE-24FF-474A-8E34-230C6157B812}" destId="{67890CEF-FAA2-4393-A5EA-8FF46EBF9B3A}" srcOrd="0" destOrd="0" presId="urn:microsoft.com/office/officeart/2005/8/layout/hList1"/>
+    <dgm:cxn modelId="{03B1A6B2-013A-4EE0-B7AE-A541B8A44F19}" type="presParOf" srcId="{058B37FE-24FF-474A-8E34-230C6157B812}" destId="{28F4C583-B99D-4166-BFBC-D68085F66483}" srcOrd="1" destOrd="0" presId="urn:microsoft.com/office/officeart/2005/8/layout/hList1"/>
+    <dgm:cxn modelId="{FC3BDCC0-CC90-4951-B6BB-52BDB13908B1}" type="presParOf" srcId="{52CA4C8A-550B-4F02-8116-F9B57D61D46B}" destId="{8AB2C044-F0C8-4F3D-A8A3-52FC641CEEC7}" srcOrd="1" destOrd="0" presId="urn:microsoft.com/office/officeart/2005/8/layout/hList1"/>
+    <dgm:cxn modelId="{5C8AD58A-8C5B-42FF-8159-4FA6CBADB229}" type="presParOf" srcId="{52CA4C8A-550B-4F02-8116-F9B57D61D46B}" destId="{121C02E7-BBA8-435E-87CD-443E47951A2A}" srcOrd="2" destOrd="0" presId="urn:microsoft.com/office/officeart/2005/8/layout/hList1"/>
+    <dgm:cxn modelId="{09047FAF-6BFA-4D60-8CB8-BAE2A4695760}" type="presParOf" srcId="{121C02E7-BBA8-435E-87CD-443E47951A2A}" destId="{9B0FB4A8-2813-4B30-837A-AE72A70010BA}" srcOrd="0" destOrd="0" presId="urn:microsoft.com/office/officeart/2005/8/layout/hList1"/>
+    <dgm:cxn modelId="{D8141BE9-015C-4D81-978C-605E2579D166}" type="presParOf" srcId="{121C02E7-BBA8-435E-87CD-443E47951A2A}" destId="{5AB863F8-DED0-4A61-82BF-E4F222977382}" srcOrd="1" destOrd="0" presId="urn:microsoft.com/office/officeart/2005/8/layout/hList1"/>
+  </dgm:cxnLst>
+  <dgm:bg/>
+  <dgm:whole/>
+  <dgm:extLst>
+    <a:ext uri="http://schemas.microsoft.com/office/drawing/2008/diagram">
+      <dsp:dataModelExt xmlns:dsp="http://schemas.microsoft.com/office/drawing/2008/diagram" relId="rId6" minVer="http://schemas.openxmlformats.org/drawingml/2006/diagram"/>
+    </a:ext>
+  </dgm:extLst>
+</dgm:dataModel>
+</file>
+
+<file path=ppt/diagrams/drawing1.xml><?xml version="1.0" encoding="utf-8"?>
+<dsp:drawing xmlns:dgm="http://schemas.openxmlformats.org/drawingml/2006/diagram" xmlns:dsp="http://schemas.microsoft.com/office/drawing/2008/diagram" xmlns:a="http://schemas.openxmlformats.org/drawingml/2006/main">
+  <dsp:spTree>
+    <dsp:nvGrpSpPr>
+      <dsp:cNvPr id="0" name=""/>
+      <dsp:cNvGrpSpPr/>
+    </dsp:nvGrpSpPr>
+    <dsp:grpSpPr/>
+    <dsp:sp modelId="{67890CEF-FAA2-4393-A5EA-8FF46EBF9B3A}">
+      <dsp:nvSpPr>
+        <dsp:cNvPr id="0" name=""/>
+        <dsp:cNvSpPr/>
+      </dsp:nvSpPr>
+      <dsp:spPr>
+        <a:xfrm>
+          <a:off x="24" y="50558"/>
+          <a:ext cx="2351923" cy="633600"/>
+        </a:xfrm>
+        <a:prstGeom prst="rect">
+          <a:avLst/>
+        </a:prstGeom>
+        <a:solidFill>
+          <a:schemeClr val="accent1">
+            <a:hueOff val="0"/>
+            <a:satOff val="0"/>
+            <a:lumOff val="0"/>
+            <a:alphaOff val="0"/>
+          </a:schemeClr>
+        </a:solidFill>
+        <a:ln w="25400" cap="flat" cmpd="sng" algn="ctr">
+          <a:solidFill>
+            <a:schemeClr val="accent1">
+              <a:hueOff val="0"/>
+              <a:satOff val="0"/>
+              <a:lumOff val="0"/>
+              <a:alphaOff val="0"/>
+            </a:schemeClr>
+          </a:solidFill>
+          <a:prstDash val="solid"/>
+        </a:ln>
+        <a:effectLst/>
+      </dsp:spPr>
+      <dsp:style>
+        <a:lnRef idx="2">
+          <a:scrgbClr r="0" g="0" b="0"/>
+        </a:lnRef>
+        <a:fillRef idx="1">
+          <a:scrgbClr r="0" g="0" b="0"/>
+        </a:fillRef>
+        <a:effectRef idx="0">
+          <a:scrgbClr r="0" g="0" b="0"/>
+        </a:effectRef>
+        <a:fontRef idx="minor">
+          <a:schemeClr val="lt1"/>
+        </a:fontRef>
+      </dsp:style>
+      <dsp:txBody>
+        <a:bodyPr spcFirstLastPara="0" vert="horz" wrap="square" lIns="156464" tIns="89408" rIns="156464" bIns="89408" numCol="1" spcCol="1270" anchor="ctr" anchorCtr="0">
+          <a:noAutofit/>
+        </a:bodyPr>
+        <a:lstStyle/>
+        <a:p>
+          <a:pPr marL="0" lvl="0" indent="0" algn="ctr" defTabSz="977900">
+            <a:lnSpc>
+              <a:spcPct val="90000"/>
+            </a:lnSpc>
+            <a:spcBef>
+              <a:spcPct val="0"/>
+            </a:spcBef>
+            <a:spcAft>
+              <a:spcPct val="35000"/>
+            </a:spcAft>
+            <a:buNone/>
+          </a:pPr>
+          <a:r>
+            <a:rPr lang="en-US" sz="2200" kern="1200" dirty="0"/>
+            <a:t>Blockchain is</a:t>
+          </a:r>
+        </a:p>
+      </dsp:txBody>
+      <dsp:txXfrm>
+        <a:off x="24" y="50558"/>
+        <a:ext cx="2351923" cy="633600"/>
+      </dsp:txXfrm>
+    </dsp:sp>
+    <dsp:sp modelId="{28F4C583-B99D-4166-BFBC-D68085F66483}">
+      <dsp:nvSpPr>
+        <dsp:cNvPr id="0" name=""/>
+        <dsp:cNvSpPr/>
+      </dsp:nvSpPr>
+      <dsp:spPr>
+        <a:xfrm>
+          <a:off x="24" y="684158"/>
+          <a:ext cx="2351923" cy="2060808"/>
+        </a:xfrm>
+        <a:prstGeom prst="rect">
+          <a:avLst/>
+        </a:prstGeom>
+        <a:solidFill>
+          <a:schemeClr val="accent1">
+            <a:alpha val="90000"/>
+            <a:tint val="40000"/>
+            <a:hueOff val="0"/>
+            <a:satOff val="0"/>
+            <a:lumOff val="0"/>
+            <a:alphaOff val="0"/>
+          </a:schemeClr>
+        </a:solidFill>
+        <a:ln w="25400" cap="flat" cmpd="sng" algn="ctr">
+          <a:solidFill>
+            <a:schemeClr val="accent1">
+              <a:alpha val="90000"/>
+              <a:tint val="40000"/>
+              <a:hueOff val="0"/>
+              <a:satOff val="0"/>
+              <a:lumOff val="0"/>
+              <a:alphaOff val="0"/>
+            </a:schemeClr>
+          </a:solidFill>
+          <a:prstDash val="solid"/>
+        </a:ln>
+        <a:effectLst/>
+      </dsp:spPr>
+      <dsp:style>
+        <a:lnRef idx="2">
+          <a:scrgbClr r="0" g="0" b="0"/>
+        </a:lnRef>
+        <a:fillRef idx="1">
+          <a:scrgbClr r="0" g="0" b="0"/>
+        </a:fillRef>
+        <a:effectRef idx="0">
+          <a:scrgbClr r="0" g="0" b="0"/>
+        </a:effectRef>
+        <a:fontRef idx="minor"/>
+      </dsp:style>
+      <dsp:txBody>
+        <a:bodyPr spcFirstLastPara="0" vert="horz" wrap="square" lIns="117348" tIns="117348" rIns="156464" bIns="176022" numCol="1" spcCol="1270" anchor="t" anchorCtr="0">
+          <a:noAutofit/>
+        </a:bodyPr>
+        <a:lstStyle/>
+        <a:p>
+          <a:pPr marL="228600" lvl="1" indent="-228600" algn="l" defTabSz="977900">
+            <a:lnSpc>
+              <a:spcPct val="90000"/>
+            </a:lnSpc>
+            <a:spcBef>
+              <a:spcPct val="0"/>
+            </a:spcBef>
+            <a:spcAft>
+              <a:spcPct val="15000"/>
+            </a:spcAft>
+            <a:buChar char="•"/>
+          </a:pPr>
+          <a:r>
+            <a:rPr lang="en-US" sz="2200" kern="1200" dirty="0"/>
+            <a:t>Distributed</a:t>
+          </a:r>
+        </a:p>
+        <a:p>
+          <a:pPr marL="228600" lvl="1" indent="-228600" algn="l" defTabSz="977900">
+            <a:lnSpc>
+              <a:spcPct val="90000"/>
+            </a:lnSpc>
+            <a:spcBef>
+              <a:spcPct val="0"/>
+            </a:spcBef>
+            <a:spcAft>
+              <a:spcPct val="15000"/>
+            </a:spcAft>
+            <a:buChar char="•"/>
+          </a:pPr>
+          <a:r>
+            <a:rPr lang="en-US" sz="2200" kern="1200" dirty="0"/>
+            <a:t>Ledger</a:t>
+          </a:r>
+        </a:p>
+        <a:p>
+          <a:pPr marL="228600" lvl="1" indent="-228600" algn="l" defTabSz="977900">
+            <a:lnSpc>
+              <a:spcPct val="90000"/>
+            </a:lnSpc>
+            <a:spcBef>
+              <a:spcPct val="0"/>
+            </a:spcBef>
+            <a:spcAft>
+              <a:spcPct val="15000"/>
+            </a:spcAft>
+            <a:buChar char="•"/>
+          </a:pPr>
+          <a:r>
+            <a:rPr lang="en-US" sz="2200" kern="1200" dirty="0"/>
+            <a:t>P2P</a:t>
+          </a:r>
+        </a:p>
+        <a:p>
+          <a:pPr marL="228600" lvl="1" indent="-228600" algn="l" defTabSz="977900">
+            <a:lnSpc>
+              <a:spcPct val="90000"/>
+            </a:lnSpc>
+            <a:spcBef>
+              <a:spcPct val="0"/>
+            </a:spcBef>
+            <a:spcAft>
+              <a:spcPct val="15000"/>
+            </a:spcAft>
+            <a:buChar char="•"/>
+          </a:pPr>
+          <a:r>
+            <a:rPr lang="en-US" sz="2200" kern="1200" dirty="0"/>
+            <a:t>Immutable</a:t>
+          </a:r>
+        </a:p>
+      </dsp:txBody>
+      <dsp:txXfrm>
+        <a:off x="24" y="684158"/>
+        <a:ext cx="2351923" cy="2060808"/>
+      </dsp:txXfrm>
+    </dsp:sp>
+    <dsp:sp modelId="{9B0FB4A8-2813-4B30-837A-AE72A70010BA}">
+      <dsp:nvSpPr>
+        <dsp:cNvPr id="0" name=""/>
+        <dsp:cNvSpPr/>
+      </dsp:nvSpPr>
+      <dsp:spPr>
+        <a:xfrm>
+          <a:off x="2681217" y="50558"/>
+          <a:ext cx="2351923" cy="633600"/>
+        </a:xfrm>
+        <a:prstGeom prst="rect">
+          <a:avLst/>
+        </a:prstGeom>
+        <a:solidFill>
+          <a:schemeClr val="accent1">
+            <a:hueOff val="0"/>
+            <a:satOff val="0"/>
+            <a:lumOff val="0"/>
+            <a:alphaOff val="0"/>
+          </a:schemeClr>
+        </a:solidFill>
+        <a:ln w="25400" cap="flat" cmpd="sng" algn="ctr">
+          <a:solidFill>
+            <a:schemeClr val="accent1">
+              <a:hueOff val="0"/>
+              <a:satOff val="0"/>
+              <a:lumOff val="0"/>
+              <a:alphaOff val="0"/>
+            </a:schemeClr>
+          </a:solidFill>
+          <a:prstDash val="solid"/>
+        </a:ln>
+        <a:effectLst/>
+      </dsp:spPr>
+      <dsp:style>
+        <a:lnRef idx="2">
+          <a:scrgbClr r="0" g="0" b="0"/>
+        </a:lnRef>
+        <a:fillRef idx="1">
+          <a:scrgbClr r="0" g="0" b="0"/>
+        </a:fillRef>
+        <a:effectRef idx="0">
+          <a:scrgbClr r="0" g="0" b="0"/>
+        </a:effectRef>
+        <a:fontRef idx="minor">
+          <a:schemeClr val="lt1"/>
+        </a:fontRef>
+      </dsp:style>
+      <dsp:txBody>
+        <a:bodyPr spcFirstLastPara="0" vert="horz" wrap="square" lIns="156464" tIns="89408" rIns="156464" bIns="89408" numCol="1" spcCol="1270" anchor="ctr" anchorCtr="0">
+          <a:noAutofit/>
+        </a:bodyPr>
+        <a:lstStyle/>
+        <a:p>
+          <a:pPr marL="0" lvl="0" indent="0" algn="ctr" defTabSz="977900">
+            <a:lnSpc>
+              <a:spcPct val="90000"/>
+            </a:lnSpc>
+            <a:spcBef>
+              <a:spcPct val="0"/>
+            </a:spcBef>
+            <a:spcAft>
+              <a:spcPct val="35000"/>
+            </a:spcAft>
+            <a:buNone/>
+          </a:pPr>
+          <a:r>
+            <a:rPr lang="en-US" sz="2200" kern="1200" dirty="0"/>
+            <a:t>Blockchain is </a:t>
+          </a:r>
+          <a:r>
+            <a:rPr lang="en-US" sz="2200" b="1" kern="1200" dirty="0"/>
+            <a:t>NOT</a:t>
+          </a:r>
+        </a:p>
+      </dsp:txBody>
+      <dsp:txXfrm>
+        <a:off x="2681217" y="50558"/>
+        <a:ext cx="2351923" cy="633600"/>
+      </dsp:txXfrm>
+    </dsp:sp>
+    <dsp:sp modelId="{5AB863F8-DED0-4A61-82BF-E4F222977382}">
+      <dsp:nvSpPr>
+        <dsp:cNvPr id="0" name=""/>
+        <dsp:cNvSpPr/>
+      </dsp:nvSpPr>
+      <dsp:spPr>
+        <a:xfrm>
+          <a:off x="2681217" y="684158"/>
+          <a:ext cx="2351923" cy="2060808"/>
+        </a:xfrm>
+        <a:prstGeom prst="rect">
+          <a:avLst/>
+        </a:prstGeom>
+        <a:solidFill>
+          <a:schemeClr val="accent1">
+            <a:alpha val="90000"/>
+            <a:tint val="40000"/>
+            <a:hueOff val="0"/>
+            <a:satOff val="0"/>
+            <a:lumOff val="0"/>
+            <a:alphaOff val="0"/>
+          </a:schemeClr>
+        </a:solidFill>
+        <a:ln w="25400" cap="flat" cmpd="sng" algn="ctr">
+          <a:solidFill>
+            <a:schemeClr val="accent1">
+              <a:alpha val="90000"/>
+              <a:tint val="40000"/>
+              <a:hueOff val="0"/>
+              <a:satOff val="0"/>
+              <a:lumOff val="0"/>
+              <a:alphaOff val="0"/>
+            </a:schemeClr>
+          </a:solidFill>
+          <a:prstDash val="solid"/>
+        </a:ln>
+        <a:effectLst/>
+      </dsp:spPr>
+      <dsp:style>
+        <a:lnRef idx="2">
+          <a:scrgbClr r="0" g="0" b="0"/>
+        </a:lnRef>
+        <a:fillRef idx="1">
+          <a:scrgbClr r="0" g="0" b="0"/>
+        </a:fillRef>
+        <a:effectRef idx="0">
+          <a:scrgbClr r="0" g="0" b="0"/>
+        </a:effectRef>
+        <a:fontRef idx="minor"/>
+      </dsp:style>
+      <dsp:txBody>
+        <a:bodyPr spcFirstLastPara="0" vert="horz" wrap="square" lIns="117348" tIns="117348" rIns="156464" bIns="176022" numCol="1" spcCol="1270" anchor="t" anchorCtr="0">
+          <a:noAutofit/>
+        </a:bodyPr>
+        <a:lstStyle/>
+        <a:p>
+          <a:pPr marL="228600" lvl="1" indent="-228600" algn="l" defTabSz="977900">
+            <a:lnSpc>
+              <a:spcPct val="90000"/>
+            </a:lnSpc>
+            <a:spcBef>
+              <a:spcPct val="0"/>
+            </a:spcBef>
+            <a:spcAft>
+              <a:spcPct val="15000"/>
+            </a:spcAft>
+            <a:buChar char="•"/>
+          </a:pPr>
+          <a:r>
+            <a:rPr lang="en-US" sz="2200" kern="1200" dirty="0"/>
+            <a:t>Bitcoin</a:t>
+          </a:r>
+        </a:p>
+        <a:p>
+          <a:pPr marL="228600" lvl="1" indent="-228600" algn="l" defTabSz="977900">
+            <a:lnSpc>
+              <a:spcPct val="90000"/>
+            </a:lnSpc>
+            <a:spcBef>
+              <a:spcPct val="0"/>
+            </a:spcBef>
+            <a:spcAft>
+              <a:spcPct val="15000"/>
+            </a:spcAft>
+            <a:buChar char="•"/>
+          </a:pPr>
+          <a:r>
+            <a:rPr lang="en-US" sz="2200" kern="1200" dirty="0"/>
+            <a:t>Money</a:t>
+          </a:r>
+        </a:p>
+        <a:p>
+          <a:pPr marL="228600" lvl="1" indent="-228600" algn="l" defTabSz="977900">
+            <a:lnSpc>
+              <a:spcPct val="90000"/>
+            </a:lnSpc>
+            <a:spcBef>
+              <a:spcPct val="0"/>
+            </a:spcBef>
+            <a:spcAft>
+              <a:spcPct val="15000"/>
+            </a:spcAft>
+            <a:buChar char="•"/>
+          </a:pPr>
+          <a:r>
+            <a:rPr lang="en-US" sz="2200" kern="1200" dirty="0"/>
+            <a:t>Mastercard</a:t>
+          </a:r>
+        </a:p>
+        <a:p>
+          <a:pPr marL="228600" lvl="1" indent="-228600" algn="l" defTabSz="977900">
+            <a:lnSpc>
+              <a:spcPct val="90000"/>
+            </a:lnSpc>
+            <a:spcBef>
+              <a:spcPct val="0"/>
+            </a:spcBef>
+            <a:spcAft>
+              <a:spcPct val="15000"/>
+            </a:spcAft>
+            <a:buChar char="•"/>
+          </a:pPr>
+          <a:r>
+            <a:rPr lang="en-US" sz="2200" kern="1200" dirty="0"/>
+            <a:t>A Messenger</a:t>
+          </a:r>
+        </a:p>
+        <a:p>
+          <a:pPr marL="228600" lvl="1" indent="-228600" algn="l" defTabSz="977900">
+            <a:lnSpc>
+              <a:spcPct val="90000"/>
+            </a:lnSpc>
+            <a:spcBef>
+              <a:spcPct val="0"/>
+            </a:spcBef>
+            <a:spcAft>
+              <a:spcPct val="15000"/>
+            </a:spcAft>
+            <a:buChar char="•"/>
+          </a:pPr>
+          <a:r>
+            <a:rPr lang="en-US" sz="2200" kern="1200" dirty="0"/>
+            <a:t>A Database</a:t>
+          </a:r>
+        </a:p>
+      </dsp:txBody>
+      <dsp:txXfrm>
+        <a:off x="2681217" y="684158"/>
+        <a:ext cx="2351923" cy="2060808"/>
+      </dsp:txXfrm>
+    </dsp:sp>
+  </dsp:spTree>
+</dsp:drawing>
+</file>
+
+<file path=ppt/diagrams/layout1.xml><?xml version="1.0" encoding="utf-8"?>
+<dgm:layoutDef xmlns:dgm="http://schemas.openxmlformats.org/drawingml/2006/diagram" xmlns:a="http://schemas.openxmlformats.org/drawingml/2006/main" uniqueId="urn:microsoft.com/office/officeart/2005/8/layout/hList1">
+  <dgm:title val=""/>
+  <dgm:desc val=""/>
+  <dgm:catLst>
+    <dgm:cat type="list" pri="5000"/>
+    <dgm:cat type="convert" pri="5000"/>
+  </dgm:catLst>
+  <dgm:sampData>
+    <dgm:dataModel>
+      <dgm:ptLst>
+        <dgm:pt modelId="0" type="doc"/>
+        <dgm:pt modelId="1">
+          <dgm:prSet phldr="1"/>
+        </dgm:pt>
+        <dgm:pt modelId="11">
+          <dgm:prSet phldr="1"/>
+        </dgm:pt>
+        <dgm:pt modelId="12">
+          <dgm:prSet phldr="1"/>
+        </dgm:pt>
+        <dgm:pt modelId="2">
+          <dgm:prSet phldr="1"/>
+        </dgm:pt>
+        <dgm:pt modelId="21">
+          <dgm:prSet phldr="1"/>
+        </dgm:pt>
+        <dgm:pt modelId="22">
+          <dgm:prSet phldr="1"/>
+        </dgm:pt>
+        <dgm:pt modelId="3">
+          <dgm:prSet phldr="1"/>
+        </dgm:pt>
+        <dgm:pt modelId="31">
+          <dgm:prSet phldr="1"/>
+        </dgm:pt>
+        <dgm:pt modelId="32">
+          <dgm:prSet phldr="1"/>
+        </dgm:pt>
+      </dgm:ptLst>
+      <dgm:cxnLst>
+        <dgm:cxn modelId="4" srcId="0" destId="1" srcOrd="0" destOrd="0"/>
+        <dgm:cxn modelId="5" srcId="0" destId="2" srcOrd="1" destOrd="0"/>
+        <dgm:cxn modelId="6" srcId="0" destId="3" srcOrd="2" destOrd="0"/>
+        <dgm:cxn modelId="13" srcId="1" destId="11" srcOrd="0" destOrd="0"/>
+        <dgm:cxn modelId="14" srcId="1" destId="12" srcOrd="1" destOrd="0"/>
+        <dgm:cxn modelId="23" srcId="2" destId="21" srcOrd="0" destOrd="0"/>
+        <dgm:cxn modelId="24" srcId="2" destId="22" srcOrd="1" destOrd="0"/>
+        <dgm:cxn modelId="33" srcId="3" destId="31" srcOrd="0" destOrd="0"/>
+        <dgm:cxn modelId="34" srcId="3" destId="32" srcOrd="1" destOrd="0"/>
+      </dgm:cxnLst>
+      <dgm:bg/>
+      <dgm:whole/>
+    </dgm:dataModel>
+  </dgm:sampData>
+  <dgm:styleData>
+    <dgm:dataModel>
+      <dgm:ptLst>
+        <dgm:pt modelId="0" type="doc"/>
+        <dgm:pt modelId="1">
+          <dgm:prSet phldr="1"/>
+        </dgm:pt>
+        <dgm:pt modelId="2">
+          <dgm:prSet phldr="1"/>
+        </dgm:pt>
+      </dgm:ptLst>
+      <dgm:cxnLst>
+        <dgm:cxn modelId="3" srcId="0" destId="1" srcOrd="0" destOrd="0"/>
+        <dgm:cxn modelId="4" srcId="0" destId="2" srcOrd="1" destOrd="0"/>
+      </dgm:cxnLst>
+      <dgm:bg/>
+      <dgm:whole/>
+    </dgm:dataModel>
+  </dgm:styleData>
+  <dgm:clrData>
+    <dgm:dataModel>
+      <dgm:ptLst>
+        <dgm:pt modelId="0" type="doc"/>
+        <dgm:pt modelId="1">
+          <dgm:prSet phldr="1"/>
+        </dgm:pt>
+        <dgm:pt modelId="2">
+          <dgm:prSet phldr="1"/>
+        </dgm:pt>
+        <dgm:pt modelId="3">
+          <dgm:prSet phldr="1"/>
+        </dgm:pt>
+        <dgm:pt modelId="4">
+          <dgm:prSet phldr="1"/>
+        </dgm:pt>
+      </dgm:ptLst>
+      <dgm:cxnLst>
+        <dgm:cxn modelId="5" srcId="0" destId="1" srcOrd="0" destOrd="0"/>
+        <dgm:cxn modelId="6" srcId="0" destId="2" srcOrd="1" destOrd="0"/>
+        <dgm:cxn modelId="7" srcId="0" destId="3" srcOrd="2" destOrd="0"/>
+        <dgm:cxn modelId="8" srcId="0" destId="4" srcOrd="3" destOrd="0"/>
+      </dgm:cxnLst>
+      <dgm:bg/>
+      <dgm:whole/>
+    </dgm:dataModel>
+  </dgm:clrData>
+  <dgm:layoutNode name="Name0">
+    <dgm:varLst>
+      <dgm:dir/>
+      <dgm:animLvl val="lvl"/>
+      <dgm:resizeHandles val="exact"/>
+    </dgm:varLst>
+    <dgm:choose name="Name1">
+      <dgm:if name="Name2" func="var" arg="dir" op="equ" val="norm">
+        <dgm:alg type="lin"/>
+      </dgm:if>
+      <dgm:else name="Name3">
+        <dgm:alg type="lin">
+          <dgm:param type="linDir" val="fromR"/>
+        </dgm:alg>
+      </dgm:else>
+    </dgm:choose>
+    <dgm:shape xmlns:r="http://schemas.openxmlformats.org/officeDocument/2006/relationships" r:blip="">
+      <dgm:adjLst/>
+    </dgm:shape>
+    <dgm:presOf/>
+    <dgm:constrLst>
+      <dgm:constr type="h" for="ch" forName="composite" refType="h"/>
+      <dgm:constr type="w" for="ch" forName="composite" refType="w"/>
+      <dgm:constr type="w" for="des" forName="parTx"/>
+      <dgm:constr type="h" for="des" forName="parTx" op="equ"/>
+      <dgm:constr type="w" for="des" forName="desTx"/>
+      <dgm:constr type="h" for="des" forName="desTx" op="equ"/>
+      <dgm:constr type="primFontSz" for="des" forName="parTx" val="65"/>
+      <dgm:constr type="secFontSz" for="des" forName="desTx" refType="primFontSz" refFor="des" refForName="parTx" op="equ"/>
+      <dgm:constr type="h" for="des" forName="parTx" refType="primFontSz" refFor="des" refForName="parTx" fact="0.8"/>
+      <dgm:constr type="h" for="des" forName="desTx" refType="primFontSz" refFor="des" refForName="parTx" fact="1.22"/>
+      <dgm:constr type="w" for="ch" forName="space" refType="w" refFor="ch" refForName="composite" op="equ" fact="0.14"/>
+    </dgm:constrLst>
+    <dgm:ruleLst>
+      <dgm:rule type="w" for="ch" forName="composite" val="0" fact="NaN" max="NaN"/>
+      <dgm:rule type="primFontSz" for="des" forName="parTx" val="5" fact="NaN" max="NaN"/>
+    </dgm:ruleLst>
+    <dgm:forEach name="Name4" axis="ch" ptType="node">
+      <dgm:layoutNode name="composite">
+        <dgm:alg type="composite"/>
+        <dgm:shape xmlns:r="http://schemas.openxmlformats.org/officeDocument/2006/relationships" r:blip="">
+          <dgm:adjLst/>
+        </dgm:shape>
+        <dgm:presOf/>
+        <dgm:constrLst>
+          <dgm:constr type="l" for="ch" forName="parTx"/>
+          <dgm:constr type="w" for="ch" forName="parTx" refType="w"/>
+          <dgm:constr type="t" for="ch" forName="parTx"/>
+          <dgm:constr type="l" for="ch" forName="desTx"/>
+          <dgm:constr type="w" for="ch" forName="desTx" refType="w" refFor="ch" refForName="parTx"/>
+          <dgm:constr type="t" for="ch" forName="desTx" refType="h" refFor="ch" refForName="parTx"/>
+        </dgm:constrLst>
+        <dgm:ruleLst>
+          <dgm:rule type="h" val="INF" fact="NaN" max="NaN"/>
+        </dgm:ruleLst>
+        <dgm:layoutNode name="parTx" styleLbl="alignNode1">
+          <dgm:varLst>
+            <dgm:chMax val="0"/>
+            <dgm:chPref val="0"/>
+            <dgm:bulletEnabled val="1"/>
+          </dgm:varLst>
+          <dgm:alg type="tx"/>
+          <dgm:shape xmlns:r="http://schemas.openxmlformats.org/officeDocument/2006/relationships" type="rect" r:blip="">
+            <dgm:adjLst/>
+          </dgm:shape>
+          <dgm:presOf axis="self" ptType="node"/>
+          <dgm:constrLst>
+            <dgm:constr type="h" refType="w" op="lte" fact="0.4"/>
+            <dgm:constr type="h"/>
+            <dgm:constr type="tMarg" refType="primFontSz" fact="0.32"/>
+            <dgm:constr type="bMarg" refType="primFontSz" fact="0.32"/>
+          </dgm:constrLst>
+          <dgm:ruleLst>
+            <dgm:rule type="h" val="INF" fact="NaN" max="NaN"/>
+          </dgm:ruleLst>
+        </dgm:layoutNode>
+        <dgm:layoutNode name="desTx" styleLbl="alignAccFollowNode1">
+          <dgm:varLst>
+            <dgm:bulletEnabled val="1"/>
+          </dgm:varLst>
+          <dgm:alg type="tx">
+            <dgm:param type="stBulletLvl" val="1"/>
+          </dgm:alg>
+          <dgm:shape xmlns:r="http://schemas.openxmlformats.org/officeDocument/2006/relationships" type="rect" r:blip="">
+            <dgm:adjLst/>
+          </dgm:shape>
+          <dgm:presOf axis="des" ptType="node"/>
+          <dgm:constrLst>
+            <dgm:constr type="secFontSz" val="65"/>
+            <dgm:constr type="primFontSz" refType="secFontSz"/>
+            <dgm:constr type="h"/>
+            <dgm:constr type="lMarg" refType="primFontSz" fact="0.42"/>
+            <dgm:constr type="tMarg" refType="primFontSz" fact="0.42"/>
+            <dgm:constr type="bMarg" refType="primFontSz" fact="0.63"/>
+          </dgm:constrLst>
+          <dgm:ruleLst>
+            <dgm:rule type="h" val="INF" fact="NaN" max="NaN"/>
+          </dgm:ruleLst>
+        </dgm:layoutNode>
+      </dgm:layoutNode>
+      <dgm:forEach name="Name5" axis="followSib" ptType="sibTrans" cnt="1">
+        <dgm:layoutNode name="space">
+          <dgm:alg type="sp"/>
+          <dgm:shape xmlns:r="http://schemas.openxmlformats.org/officeDocument/2006/relationships" r:blip="">
+            <dgm:adjLst/>
+          </dgm:shape>
+          <dgm:presOf/>
+          <dgm:constrLst/>
+          <dgm:ruleLst/>
+        </dgm:layoutNode>
+      </dgm:forEach>
+    </dgm:forEach>
+  </dgm:layoutNode>
+</dgm:layoutDef>
+</file>
+
+<file path=ppt/diagrams/quickStyle1.xml><?xml version="1.0" encoding="utf-8"?>
+<dgm:styleDef xmlns:dgm="http://schemas.openxmlformats.org/drawingml/2006/diagram" xmlns:a="http://schemas.openxmlformats.org/drawingml/2006/main" uniqueId="urn:microsoft.com/office/officeart/2005/8/quickstyle/simple1">
+  <dgm:title val=""/>
+  <dgm:desc val=""/>
+  <dgm:catLst>
+    <dgm:cat type="simple" pri="10100"/>
+  </dgm:catLst>
+  <dgm:scene3d>
+    <a:camera prst="orthographicFront"/>
+    <a:lightRig rig="threePt" dir="t"/>
+  </dgm:scene3d>
+  <dgm:styleLbl name="node0">
+    <dgm:scene3d>
+      <a:camera prst="orthographicFront"/>
+      <a:lightRig rig="threePt" dir="t"/>
+    </dgm:scene3d>
+    <dgm:sp3d/>
+    <dgm:txPr/>
+    <dgm:style>
+      <a:lnRef idx="2">
+        <a:scrgbClr r="0" g="0" b="0"/>
+      </a:lnRef>
+      <a:fillRef idx="1">
+        <a:scrgbClr r="0" g="0" b="0"/>
+      </a:fillRef>
+      <a:effectRef idx="0">
+        <a:scrgbClr r="0" g="0" b="0"/>
+      </a:effectRef>
+      <a:fontRef idx="minor">
+        <a:schemeClr val="lt1"/>
+      </a:fontRef>
+    </dgm:style>
+  </dgm:styleLbl>
+  <dgm:styleLbl name="lnNode1">
+    <dgm:scene3d>
+      <a:camera prst="orthographicFront"/>
+      <a:lightRig rig="threePt" dir="t"/>
+    </dgm:scene3d>
+    <dgm:sp3d/>
+    <dgm:txPr/>
+    <dgm:style>
+      <a:lnRef idx="2">
+        <a:scrgbClr r="0" g="0" b="0"/>
+      </a:lnRef>
+      <a:fillRef idx="1">
+        <a:scrgbClr r="0" g="0" b="0"/>
+      </a:fillRef>
+      <a:effectRef idx="0">
+        <a:scrgbClr r="0" g="0" b="0"/>
+      </a:effectRef>
+      <a:fontRef idx="minor">
+        <a:schemeClr val="lt1"/>
+      </a:fontRef>
+    </dgm:style>
+  </dgm:styleLbl>
+  <dgm:styleLbl name="vennNode1">
+    <dgm:scene3d>
+      <a:camera prst="orthographicFront"/>
+      <a:lightRig rig="threePt" dir="t"/>
+    </dgm:scene3d>
+    <dgm:sp3d/>
+    <dgm:txPr/>
+    <dgm:style>
+      <a:lnRef idx="2">
+        <a:scrgbClr r="0" g="0" b="0"/>
+      </a:lnRef>
+      <a:fillRef idx="1">
+        <a:scrgbClr r="0" g="0" b="0"/>
+      </a:fillRef>
+      <a:effectRef idx="0">
+        <a:scrgbClr r="0" g="0" b="0"/>
+      </a:effectRef>
+      <a:fontRef idx="minor">
+        <a:schemeClr val="tx1"/>
+      </a:fontRef>
+    </dgm:style>
+  </dgm:styleLbl>
+  <dgm:styleLbl name="alignNode1">
+    <dgm:scene3d>
+      <a:camera prst="orthographicFront"/>
+      <a:lightRig rig="threePt" dir="t"/>
+    </dgm:scene3d>
+    <dgm:sp3d/>
+    <dgm:txPr/>
+    <dgm:style>
+      <a:lnRef idx="2">
+        <a:scrgbClr r="0" g="0" b="0"/>
+      </a:lnRef>
+      <a:fillRef idx="1">
+        <a:scrgbClr r="0" g="0" b="0"/>
+      </a:fillRef>
+      <a:effectRef idx="0">
+        <a:scrgbClr r="0" g="0" b="0"/>
+      </a:effectRef>
+      <a:fontRef idx="minor">
+        <a:schemeClr val="lt1"/>
+      </a:fontRef>
+    </dgm:style>
+  </dgm:styleLbl>
+  <dgm:styleLbl name="node1">
+    <dgm:scene3d>
+      <a:camera prst="orthographicFront"/>
+      <a:lightRig rig="threePt" dir="t"/>
+    </dgm:scene3d>
+    <dgm:sp3d/>
+    <dgm:txPr/>
+    <dgm:style>
+      <a:lnRef idx="2">
+        <a:scrgbClr r="0" g="0" b="0"/>
+      </a:lnRef>
+      <a:fillRef idx="1">
+        <a:scrgbClr r="0" g="0" b="0"/>
+      </a:fillRef>
+      <a:effectRef idx="0">
+        <a:scrgbClr r="0" g="0" b="0"/>
+      </a:effectRef>
+      <a:fontRef idx="minor">
+        <a:schemeClr val="lt1"/>
+      </a:fontRef>
+    </dgm:style>
+  </dgm:styleLbl>
+  <dgm:styleLbl name="node2">
+    <dgm:scene3d>
+      <a:camera prst="orthographicFront"/>
+      <a:lightRig rig="threePt" dir="t"/>
+    </dgm:scene3d>
+    <dgm:sp3d/>
+    <dgm:txPr/>
+    <dgm:style>
+      <a:lnRef idx="2">
+        <a:scrgbClr r="0" g="0" b="0"/>
+      </a:lnRef>
+      <a:fillRef idx="1">
+        <a:scrgbClr r="0" g="0" b="0"/>
+      </a:fillRef>
+      <a:effectRef idx="0">
+        <a:scrgbClr r="0" g="0" b="0"/>
+      </a:effectRef>
+      <a:fontRef idx="minor">
+        <a:schemeClr val="lt1"/>
+      </a:fontRef>
+    </dgm:style>
+  </dgm:styleLbl>
+  <dgm:styleLbl name="node3">
+    <dgm:scene3d>
+      <a:camera prst="orthographicFront"/>
+      <a:lightRig rig="threePt" dir="t"/>
+    </dgm:scene3d>
+    <dgm:sp3d/>
+    <dgm:txPr/>
+    <dgm:style>
+      <a:lnRef idx="2">
+        <a:scrgbClr r="0" g="0" b="0"/>
+      </a:lnRef>
+      <a:fillRef idx="1">
+        <a:scrgbClr r="0" g="0" b="0"/>
+      </a:fillRef>
+      <a:effectRef idx="0">
+        <a:scrgbClr r="0" g="0" b="0"/>
+      </a:effectRef>
+      <a:fontRef idx="minor">
+        <a:schemeClr val="lt1"/>
+      </a:fontRef>
+    </dgm:style>
+  </dgm:styleLbl>
+  <dgm:styleLbl name="node4">
+    <dgm:scene3d>
+      <a:camera prst="orthographicFront"/>
+      <a:lightRig rig="threePt" dir="t"/>
+    </dgm:scene3d>
+    <dgm:sp3d/>
+    <dgm:txPr/>
+    <dgm:style>
+      <a:lnRef idx="2">
+        <a:scrgbClr r="0" g="0" b="0"/>
+      </a:lnRef>
+      <a:fillRef idx="1">
+        <a:scrgbClr r="0" g="0" b="0"/>
+      </a:fillRef>
+      <a:effectRef idx="0">
+        <a:scrgbClr r="0" g="0" b="0"/>
+      </a:effectRef>
+      <a:fontRef idx="minor">
+        <a:schemeClr val="lt1"/>
+      </a:fontRef>
+    </dgm:style>
+  </dgm:styleLbl>
+  <dgm:styleLbl name="fgImgPlace1">
+    <dgm:scene3d>
+      <a:camera prst="orthographicFront"/>
+      <a:lightRig rig="threePt" dir="t"/>
+    </dgm:scene3d>
+    <dgm:sp3d/>
+    <dgm:txPr/>
+    <dgm:style>
+      <a:lnRef idx="2">
+        <a:scrgbClr r="0" g="0" b="0"/>
+      </a:lnRef>
+      <a:fillRef idx="1">
+        <a:scrgbClr r="0" g="0" b="0"/>
+      </a:fillRef>
+      <a:effectRef idx="0">
+        <a:scrgbClr r="0" g="0" b="0"/>
+      </a:effectRef>
+      <a:fontRef idx="minor"/>
+    </dgm:style>
+  </dgm:styleLbl>
+  <dgm:styleLbl name="alignImgPlace1">
+    <dgm:scene3d>
+      <a:camera prst="orthographicFront"/>
+      <a:lightRig rig="threePt" dir="t"/>
+    </dgm:scene3d>
+    <dgm:sp3d/>
+    <dgm:txPr/>
+    <dgm:style>
+      <a:lnRef idx="2">
+        <a:scrgbClr r="0" g="0" b="0"/>
+      </a:lnRef>
+      <a:fillRef idx="1">
+        <a:scrgbClr r="0" g="0" b="0"/>
+      </a:fillRef>
+      <a:effectRef idx="0">
+        <a:scrgbClr r="0" g="0" b="0"/>
+      </a:effectRef>
+      <a:fontRef idx="minor"/>
+    </dgm:style>
+  </dgm:styleLbl>
+  <dgm:styleLbl name="bgImgPlace1">
+    <dgm:scene3d>
+      <a:camera prst="orthographicFront"/>
+      <a:lightRig rig="threePt" dir="t"/>
+    </dgm:scene3d>
+    <dgm:sp3d/>
+    <dgm:txPr/>
+    <dgm:style>
+      <a:lnRef idx="2">
+        <a:scrgbClr r="0" g="0" b="0"/>
+      </a:lnRef>
+      <a:fillRef idx="1">
+        <a:scrgbClr r="0" g="0" b="0"/>
+      </a:fillRef>
+      <a:effectRef idx="0">
+        <a:scrgbClr r="0" g="0" b="0"/>
+      </a:effectRef>
+      <a:fontRef idx="minor"/>
+    </dgm:style>
+  </dgm:styleLbl>
+  <dgm:styleLbl name="sibTrans2D1">
+    <dgm:scene3d>
+      <a:camera prst="orthographicFront"/>
+      <a:lightRig rig="threePt" dir="t"/>
+    </dgm:scene3d>
+    <dgm:sp3d/>
+    <dgm:txPr/>
+    <dgm:style>
+      <a:lnRef idx="0">
+        <a:scrgbClr r="0" g="0" b="0"/>
+      </a:lnRef>
+      <a:fillRef idx="1">
+        <a:scrgbClr r="0" g="0" b="0"/>
+      </a:fillRef>
+      <a:effectRef idx="0">
+        <a:scrgbClr r="0" g="0" b="0"/>
+      </a:effectRef>
+      <a:fontRef idx="minor">
+        <a:schemeClr val="lt1"/>
+      </a:fontRef>
+    </dgm:style>
+  </dgm:styleLbl>
+  <dgm:styleLbl name="fgSibTrans2D1">
+    <dgm:scene3d>
+      <a:camera prst="orthographicFront"/>
+      <a:lightRig rig="threePt" dir="t"/>
+    </dgm:scene3d>
+    <dgm:sp3d/>
+    <dgm:txPr/>
+    <dgm:style>
+      <a:lnRef idx="0">
+        <a:scrgbClr r="0" g="0" b="0"/>
+      </a:lnRef>
+      <a:fillRef idx="1">
+        <a:scrgbClr r="0" g="0" b="0"/>
+      </a:fillRef>
+      <a:effectRef idx="0">
+        <a:scrgbClr r="0" g="0" b="0"/>
+      </a:effectRef>
+      <a:fontRef idx="minor">
+        <a:schemeClr val="lt1"/>
+      </a:fontRef>
+    </dgm:style>
+  </dgm:styleLbl>
+  <dgm:styleLbl name="bgSibTrans2D1">
+    <dgm:scene3d>
+      <a:camera prst="orthographicFront"/>
+      <a:lightRig rig="threePt" dir="t"/>
+    </dgm:scene3d>
+    <dgm:sp3d/>
+    <dgm:txPr/>
+    <dgm:style>
+      <a:lnRef idx="0">
+        <a:scrgbClr r="0" g="0" b="0"/>
+      </a:lnRef>
+      <a:fillRef idx="1">
+        <a:scrgbClr r="0" g="0" b="0"/>
+      </a:fillRef>
+      <a:effectRef idx="0">
+        <a:scrgbClr r="0" g="0" b="0"/>
+      </a:effectRef>
+      <a:fontRef idx="minor">
+        <a:schemeClr val="lt1"/>
+      </a:fontRef>
+    </dgm:style>
+  </dgm:styleLbl>
+  <dgm:styleLbl name="sibTrans1D1">
+    <dgm:scene3d>
+      <a:camera prst="orthographicFront"/>
+      <a:lightRig rig="threePt" dir="t"/>
+    </dgm:scene3d>
+    <dgm:sp3d/>
+    <dgm:txPr/>
+    <dgm:style>
+      <a:lnRef idx="1">
+        <a:scrgbClr r="0" g="0" b="0"/>
+      </a:lnRef>
+      <a:fillRef idx="0">
+        <a:scrgbClr r="0" g="0" b="0"/>
+      </a:fillRef>
+      <a:effectRef idx="0">
+        <a:scrgbClr r="0" g="0" b="0"/>
+      </a:effectRef>
+      <a:fontRef idx="minor"/>
+    </dgm:style>
+  </dgm:styleLbl>
+  <dgm:styleLbl name="callout">
+    <dgm:scene3d>
+      <a:camera prst="orthographicFront"/>
+      <a:lightRig rig="threePt" dir="t"/>
+    </dgm:scene3d>
+    <dgm:sp3d/>
+    <dgm:txPr/>
+    <dgm:style>
+      <a:lnRef idx="2">
+        <a:scrgbClr r="0" g="0" b="0"/>
+      </a:lnRef>
+      <a:fillRef idx="1">
+        <a:scrgbClr r="0" g="0" b="0"/>
+      </a:fillRef>
+      <a:effectRef idx="0">
+        <a:scrgbClr r="0" g="0" b="0"/>
+      </a:effectRef>
+      <a:fontRef idx="minor"/>
+    </dgm:style>
+  </dgm:styleLbl>
+  <dgm:styleLbl name="asst0">
+    <dgm:scene3d>
+      <a:camera prst="orthographicFront"/>
+      <a:lightRig rig="threePt" dir="t"/>
+    </dgm:scene3d>
+    <dgm:sp3d/>
+    <dgm:txPr/>
+    <dgm:style>
+      <a:lnRef idx="2">
+        <a:scrgbClr r="0" g="0" b="0"/>
+      </a:lnRef>
+      <a:fillRef idx="1">
+        <a:scrgbClr r="0" g="0" b="0"/>
+      </a:fillRef>
+      <a:effectRef idx="0">
+        <a:scrgbClr r="0" g="0" b="0"/>
+      </a:effectRef>
+      <a:fontRef idx="minor">
+        <a:schemeClr val="lt1"/>
+      </a:fontRef>
+    </dgm:style>
+  </dgm:styleLbl>
+  <dgm:styleLbl name="asst1">
+    <dgm:scene3d>
+      <a:camera prst="orthographicFront"/>
+      <a:lightRig rig="threePt" dir="t"/>
+    </dgm:scene3d>
+    <dgm:sp3d/>
+    <dgm:txPr/>
+    <dgm:style>
+      <a:lnRef idx="2">
+        <a:scrgbClr r="0" g="0" b="0"/>
+      </a:lnRef>
+      <a:fillRef idx="1">
+        <a:scrgbClr r="0" g="0" b="0"/>
+      </a:fillRef>
+      <a:effectRef idx="0">
+        <a:scrgbClr r="0" g="0" b="0"/>
+      </a:effectRef>
+      <a:fontRef idx="minor">
+        <a:schemeClr val="lt1"/>
+      </a:fontRef>
+    </dgm:style>
+  </dgm:styleLbl>
+  <dgm:styleLbl name="asst2">
+    <dgm:scene3d>
+      <a:camera prst="orthographicFront"/>
+      <a:lightRig rig="threePt" dir="t"/>
+    </dgm:scene3d>
+    <dgm:sp3d/>
+    <dgm:txPr/>
+    <dgm:style>
+      <a:lnRef idx="2">
+        <a:scrgbClr r="0" g="0" b="0"/>
+      </a:lnRef>
+      <a:fillRef idx="1">
+        <a:scrgbClr r="0" g="0" b="0"/>
+      </a:fillRef>
+      <a:effectRef idx="0">
+        <a:scrgbClr r="0" g="0" b="0"/>
+      </a:effectRef>
+      <a:fontRef idx="minor">
+        <a:schemeClr val="lt1"/>
+      </a:fontRef>
+    </dgm:style>
+  </dgm:styleLbl>
+  <dgm:styleLbl name="asst3">
+    <dgm:scene3d>
+      <a:camera prst="orthographicFront"/>
+      <a:lightRig rig="threePt" dir="t"/>
+    </dgm:scene3d>
+    <dgm:sp3d/>
+    <dgm:txPr/>
+    <dgm:style>
+      <a:lnRef idx="2">
+        <a:scrgbClr r="0" g="0" b="0"/>
+      </a:lnRef>
+      <a:fillRef idx="1">
+        <a:scrgbClr r="0" g="0" b="0"/>
+      </a:fillRef>
+      <a:effectRef idx="0">
+        <a:scrgbClr r="0" g="0" b="0"/>
+      </a:effectRef>
+      <a:fontRef idx="minor">
+        <a:schemeClr val="lt1"/>
+      </a:fontRef>
+    </dgm:style>
+  </dgm:styleLbl>
+  <dgm:styleLbl name="asst4">
+    <dgm:scene3d>
+      <a:camera prst="orthographicFront"/>
+      <a:lightRig rig="threePt" dir="t"/>
+    </dgm:scene3d>
+    <dgm:sp3d/>
+    <dgm:txPr/>
+    <dgm:style>
+      <a:lnRef idx="2">
+        <a:scrgbClr r="0" g="0" b="0"/>
+      </a:lnRef>
+      <a:fillRef idx="1">
+        <a:scrgbClr r="0" g="0" b="0"/>
+      </a:fillRef>
+      <a:effectRef idx="0">
+        <a:scrgbClr r="0" g="0" b="0"/>
+      </a:effectRef>
+      <a:fontRef idx="minor">
+        <a:schemeClr val="lt1"/>
+      </a:fontRef>
+    </dgm:style>
+  </dgm:styleLbl>
+  <dgm:styleLbl name="parChTrans2D1">
+    <dgm:scene3d>
+      <a:camera prst="orthographicFront"/>
+      <a:lightRig rig="threePt" dir="t"/>
+    </dgm:scene3d>
+    <dgm:sp3d/>
+    <dgm:txPr/>
+    <dgm:style>
+      <a:lnRef idx="2">
+        <a:scrgbClr r="0" g="0" b="0"/>
+      </a:lnRef>
+      <a:fillRef idx="1">
+        <a:scrgbClr r="0" g="0" b="0"/>
+      </a:fillRef>
+      <a:effectRef idx="0">
+        <a:scrgbClr r="0" g="0" b="0"/>
+      </a:effectRef>
+      <a:fontRef idx="minor">
+        <a:schemeClr val="lt1"/>
+      </a:fontRef>
+    </dgm:style>
+  </dgm:styleLbl>
+  <dgm:styleLbl name="parChTrans2D2">
+    <dgm:scene3d>
+      <a:camera prst="orthographicFront"/>
+      <a:lightRig rig="threePt" dir="t"/>
+    </dgm:scene3d>
+    <dgm:sp3d/>
+    <dgm:txPr/>
+    <dgm:style>
+      <a:lnRef idx="2">
+        <a:scrgbClr r="0" g="0" b="0"/>
+      </a:lnRef>
+      <a:fillRef idx="1">
+        <a:scrgbClr r="0" g="0" b="0"/>
+      </a:fillRef>
+      <a:effectRef idx="0">
+        <a:scrgbClr r="0" g="0" b="0"/>
+      </a:effectRef>
+      <a:fontRef idx="minor">
+        <a:schemeClr val="lt1"/>
+      </a:fontRef>
+    </dgm:style>
+  </dgm:styleLbl>
+  <dgm:styleLbl name="parChTrans2D3">
+    <dgm:scene3d>
+      <a:camera prst="orthographicFront"/>
+      <a:lightRig rig="threePt" dir="t"/>
+    </dgm:scene3d>
+    <dgm:sp3d/>
+    <dgm:txPr/>
+    <dgm:style>
+      <a:lnRef idx="2">
+        <a:scrgbClr r="0" g="0" b="0"/>
+      </a:lnRef>
+      <a:fillRef idx="1">
+        <a:scrgbClr r="0" g="0" b="0"/>
+      </a:fillRef>
+      <a:effectRef idx="0">
+        <a:scrgbClr r="0" g="0" b="0"/>
+      </a:effectRef>
+      <a:fontRef idx="minor">
+        <a:schemeClr val="lt1"/>
+      </a:fontRef>
+    </dgm:style>
+  </dgm:styleLbl>
+  <dgm:styleLbl name="parChTrans2D4">
+    <dgm:scene3d>
+      <a:camera prst="orthographicFront"/>
+      <a:lightRig rig="threePt" dir="t"/>
+    </dgm:scene3d>
+    <dgm:sp3d/>
+    <dgm:txPr/>
+    <dgm:style>
+      <a:lnRef idx="2">
+        <a:scrgbClr r="0" g="0" b="0"/>
+      </a:lnRef>
+      <a:fillRef idx="1">
+        <a:scrgbClr r="0" g="0" b="0"/>
+      </a:fillRef>
+      <a:effectRef idx="0">
+        <a:scrgbClr r="0" g="0" b="0"/>
+      </a:effectRef>
+      <a:fontRef idx="minor">
+        <a:schemeClr val="lt1"/>
+      </a:fontRef>
+    </dgm:style>
+  </dgm:styleLbl>
+  <dgm:styleLbl name="parChTrans1D1">
+    <dgm:scene3d>
+      <a:camera prst="orthographicFront"/>
+      <a:lightRig rig="threePt" dir="t"/>
+    </dgm:scene3d>
+    <dgm:sp3d/>
+    <dgm:txPr/>
+    <dgm:style>
+      <a:lnRef idx="2">
+        <a:scrgbClr r="0" g="0" b="0"/>
+      </a:lnRef>
+      <a:fillRef idx="0">
+        <a:scrgbClr r="0" g="0" b="0"/>
+      </a:fillRef>
+      <a:effectRef idx="0">
+        <a:scrgbClr r="0" g="0" b="0"/>
+      </a:effectRef>
+      <a:fontRef idx="minor"/>
+    </dgm:style>
+  </dgm:styleLbl>
+  <dgm:styleLbl name="parChTrans1D2">
+    <dgm:scene3d>
+      <a:camera prst="orthographicFront"/>
+      <a:lightRig rig="threePt" dir="t"/>
+    </dgm:scene3d>
+    <dgm:sp3d/>
+    <dgm:txPr/>
+    <dgm:style>
+      <a:lnRef idx="2">
+        <a:scrgbClr r="0" g="0" b="0"/>
+      </a:lnRef>
+      <a:fillRef idx="0">
+        <a:scrgbClr r="0" g="0" b="0"/>
+      </a:fillRef>
+      <a:effectRef idx="0">
+        <a:scrgbClr r="0" g="0" b="0"/>
+      </a:effectRef>
+      <a:fontRef idx="minor"/>
+    </dgm:style>
+  </dgm:styleLbl>
+  <dgm:styleLbl name="parChTrans1D3">
+    <dgm:scene3d>
+      <a:camera prst="orthographicFront"/>
+      <a:lightRig rig="threePt" dir="t"/>
+    </dgm:scene3d>
+    <dgm:sp3d/>
+    <dgm:txPr/>
+    <dgm:style>
+      <a:lnRef idx="2">
+        <a:scrgbClr r="0" g="0" b="0"/>
+      </a:lnRef>
+      <a:fillRef idx="0">
+        <a:scrgbClr r="0" g="0" b="0"/>
+      </a:fillRef>
+      <a:effectRef idx="0">
+        <a:scrgbClr r="0" g="0" b="0"/>
+      </a:effectRef>
+      <a:fontRef idx="minor"/>
+    </dgm:style>
+  </dgm:styleLbl>
+  <dgm:styleLbl name="parChTrans1D4">
+    <dgm:scene3d>
+      <a:camera prst="orthographicFront"/>
+      <a:lightRig rig="threePt" dir="t"/>
+    </dgm:scene3d>
+    <dgm:sp3d/>
+    <dgm:txPr/>
+    <dgm:style>
+      <a:lnRef idx="2">
+        <a:scrgbClr r="0" g="0" b="0"/>
+      </a:lnRef>
+      <a:fillRef idx="0">
+        <a:scrgbClr r="0" g="0" b="0"/>
+      </a:fillRef>
+      <a:effectRef idx="0">
+        <a:scrgbClr r="0" g="0" b="0"/>
+      </a:effectRef>
+      <a:fontRef idx="minor"/>
+    </dgm:style>
+  </dgm:styleLbl>
+  <dgm:styleLbl name="fgAcc1">
+    <dgm:scene3d>
+      <a:camera prst="orthographicFront"/>
+      <a:lightRig rig="threePt" dir="t"/>
+    </dgm:scene3d>
+    <dgm:sp3d/>
+    <dgm:txPr/>
+    <dgm:style>
+      <a:lnRef idx="2">
+        <a:scrgbClr r="0" g="0" b="0"/>
+      </a:lnRef>
+      <a:fillRef idx="1">
+        <a:scrgbClr r="0" g="0" b="0"/>
+      </a:fillRef>
+      <a:effectRef idx="0">
+        <a:scrgbClr r="0" g="0" b="0"/>
+      </a:effectRef>
+      <a:fontRef idx="minor"/>
+    </dgm:style>
+  </dgm:styleLbl>
+  <dgm:styleLbl name="conFgAcc1">
+    <dgm:scene3d>
+      <a:camera prst="orthographicFront"/>
+      <a:lightRig rig="threePt" dir="t"/>
+    </dgm:scene3d>
+    <dgm:sp3d/>
+    <dgm:txPr/>
+    <dgm:style>
+      <a:lnRef idx="2">
+        <a:scrgbClr r="0" g="0" b="0"/>
+      </a:lnRef>
+      <a:fillRef idx="1">
+        <a:scrgbClr r="0" g="0" b="0"/>
+      </a:fillRef>
+      <a:effectRef idx="0">
+        <a:scrgbClr r="0" g="0" b="0"/>
+      </a:effectRef>
+      <a:fontRef idx="minor"/>
+    </dgm:style>
+  </dgm:styleLbl>
+  <dgm:styleLbl name="alignAcc1">
+    <dgm:scene3d>
+      <a:camera prst="orthographicFront"/>
+      <a:lightRig rig="threePt" dir="t"/>
+    </dgm:scene3d>
+    <dgm:sp3d/>
+    <dgm:txPr/>
+    <dgm:style>
+      <a:lnRef idx="2">
+        <a:scrgbClr r="0" g="0" b="0"/>
+      </a:lnRef>
+      <a:fillRef idx="1">
+        <a:scrgbClr r="0" g="0" b="0"/>
+      </a:fillRef>
+      <a:effectRef idx="0">
+        <a:scrgbClr r="0" g="0" b="0"/>
+      </a:effectRef>
+      <a:fontRef idx="minor"/>
+    </dgm:style>
+  </dgm:styleLbl>
+  <dgm:styleLbl name="trAlignAcc1">
+    <dgm:scene3d>
+      <a:camera prst="orthographicFront"/>
+      <a:lightRig rig="threePt" dir="t"/>
+    </dgm:scene3d>
+    <dgm:sp3d/>
+    <dgm:txPr/>
+    <dgm:style>
+      <a:lnRef idx="1">
+        <a:scrgbClr r="0" g="0" b="0"/>
+      </a:lnRef>
+      <a:fillRef idx="1">
+        <a:scrgbClr r="0" g="0" b="0"/>
+      </a:fillRef>
+      <a:effectRef idx="0">
+        <a:scrgbClr r="0" g="0" b="0"/>
+      </a:effectRef>
+      <a:fontRef idx="minor"/>
+    </dgm:style>
+  </dgm:styleLbl>
+  <dgm:styleLbl name="bgAcc1">
+    <dgm:scene3d>
+      <a:camera prst="orthographicFront"/>
+      <a:lightRig rig="threePt" dir="t"/>
+    </dgm:scene3d>
+    <dgm:sp3d/>
+    <dgm:txPr/>
+    <dgm:style>
+      <a:lnRef idx="2">
+        <a:scrgbClr r="0" g="0" b="0"/>
+      </a:lnRef>
+      <a:fillRef idx="1">
+        <a:scrgbClr r="0" g="0" b="0"/>
+      </a:fillRef>
+      <a:effectRef idx="0">
+        <a:scrgbClr r="0" g="0" b="0"/>
+      </a:effectRef>
+      <a:fontRef idx="minor"/>
+    </dgm:style>
+  </dgm:styleLbl>
+  <dgm:styleLbl name="solidFgAcc1">
+    <dgm:scene3d>
+      <a:camera prst="orthographicFront"/>
+      <a:lightRig rig="threePt" dir="t"/>
+    </dgm:scene3d>
+    <dgm:sp3d/>
+    <dgm:txPr/>
+    <dgm:style>
+      <a:lnRef idx="2">
+        <a:scrgbClr r="0" g="0" b="0"/>
+      </a:lnRef>
+      <a:fillRef idx="1">
+        <a:scrgbClr r="0" g="0" b="0"/>
+      </a:fillRef>
+      <a:effectRef idx="0">
+        <a:scrgbClr r="0" g="0" b="0"/>
+      </a:effectRef>
+      <a:fontRef idx="minor"/>
+    </dgm:style>
+  </dgm:styleLbl>
+  <dgm:styleLbl name="solidAlignAcc1">
+    <dgm:scene3d>
+      <a:camera prst="orthographicFront"/>
+      <a:lightRig rig="threePt" dir="t"/>
+    </dgm:scene3d>
+    <dgm:sp3d/>
+    <dgm:txPr/>
+    <dgm:style>
+      <a:lnRef idx="2">
+        <a:scrgbClr r="0" g="0" b="0"/>
+      </a:lnRef>
+      <a:fillRef idx="1">
+        <a:scrgbClr r="0" g="0" b="0"/>
+      </a:fillRef>
+      <a:effectRef idx="0">
+        <a:scrgbClr r="0" g="0" b="0"/>
+      </a:effectRef>
+      <a:fontRef idx="minor"/>
+    </dgm:style>
+  </dgm:styleLbl>
+  <dgm:styleLbl name="solidBgAcc1">
+    <dgm:scene3d>
+      <a:camera prst="orthographicFront"/>
+      <a:lightRig rig="threePt" dir="t"/>
+    </dgm:scene3d>
+    <dgm:sp3d/>
+    <dgm:txPr/>
+    <dgm:style>
+      <a:lnRef idx="2">
+        <a:scrgbClr r="0" g="0" b="0"/>
+      </a:lnRef>
+      <a:fillRef idx="1">
+        <a:scrgbClr r="0" g="0" b="0"/>
+      </a:fillRef>
+      <a:effectRef idx="0">
+        <a:scrgbClr r="0" g="0" b="0"/>
+      </a:effectRef>
+      <a:fontRef idx="minor"/>
+    </dgm:style>
+  </dgm:styleLbl>
+  <dgm:styleLbl name="fgAccFollowNode1">
+    <dgm:scene3d>
+      <a:camera prst="orthographicFront"/>
+      <a:lightRig rig="threePt" dir="t"/>
+    </dgm:scene3d>
+    <dgm:sp3d/>
+    <dgm:txPr/>
+    <dgm:style>
+      <a:lnRef idx="2">
+        <a:scrgbClr r="0" g="0" b="0"/>
+      </a:lnRef>
+      <a:fillRef idx="1">
+        <a:scrgbClr r="0" g="0" b="0"/>
+      </a:fillRef>
+      <a:effectRef idx="0">
+        <a:scrgbClr r="0" g="0" b="0"/>
+      </a:effectRef>
+      <a:fontRef idx="minor"/>
+    </dgm:style>
+  </dgm:styleLbl>
+  <dgm:styleLbl name="alignAccFollowNode1">
+    <dgm:scene3d>
+      <a:camera prst="orthographicFront"/>
+      <a:lightRig rig="threePt" dir="t"/>
+    </dgm:scene3d>
+    <dgm:sp3d/>
+    <dgm:txPr/>
+    <dgm:style>
+      <a:lnRef idx="2">
+        <a:scrgbClr r="0" g="0" b="0"/>
+      </a:lnRef>
+      <a:fillRef idx="1">
+        <a:scrgbClr r="0" g="0" b="0"/>
+      </a:fillRef>
+      <a:effectRef idx="0">
+        <a:scrgbClr r="0" g="0" b="0"/>
+      </a:effectRef>
+      <a:fontRef idx="minor"/>
+    </dgm:style>
+  </dgm:styleLbl>
+  <dgm:styleLbl name="bgAccFollowNode1">
+    <dgm:scene3d>
+      <a:camera prst="orthographicFront"/>
+      <a:lightRig rig="threePt" dir="t"/>
+    </dgm:scene3d>
+    <dgm:sp3d/>
+    <dgm:txPr/>
+    <dgm:style>
+      <a:lnRef idx="2">
+        <a:scrgbClr r="0" g="0" b="0"/>
+      </a:lnRef>
+      <a:fillRef idx="1">
+        <a:scrgbClr r="0" g="0" b="0"/>
+      </a:fillRef>
+      <a:effectRef idx="0">
+        <a:scrgbClr r="0" g="0" b="0"/>
+      </a:effectRef>
+      <a:fontRef idx="minor"/>
+    </dgm:style>
+  </dgm:styleLbl>
+  <dgm:styleLbl name="fgAcc0">
+    <dgm:scene3d>
+      <a:camera prst="orthographicFront"/>
+      <a:lightRig rig="threePt" dir="t"/>
+    </dgm:scene3d>
+    <dgm:sp3d/>
+    <dgm:txPr/>
+    <dgm:style>
+      <a:lnRef idx="2">
+        <a:scrgbClr r="0" g="0" b="0"/>
+      </a:lnRef>
+      <a:fillRef idx="1">
+        <a:scrgbClr r="0" g="0" b="0"/>
+      </a:fillRef>
+      <a:effectRef idx="0">
+        <a:scrgbClr r="0" g="0" b="0"/>
+      </a:effectRef>
+      <a:fontRef idx="minor"/>
+    </dgm:style>
+  </dgm:styleLbl>
+  <dgm:styleLbl name="fgAcc2">
+    <dgm:scene3d>
+      <a:camera prst="orthographicFront"/>
+      <a:lightRig rig="threePt" dir="t"/>
+    </dgm:scene3d>
+    <dgm:sp3d/>
+    <dgm:txPr/>
+    <dgm:style>
+      <a:lnRef idx="2">
+        <a:scrgbClr r="0" g="0" b="0"/>
+      </a:lnRef>
+      <a:fillRef idx="1">
+        <a:scrgbClr r="0" g="0" b="0"/>
+      </a:fillRef>
+      <a:effectRef idx="0">
+        <a:scrgbClr r="0" g="0" b="0"/>
+      </a:effectRef>
+      <a:fontRef idx="minor"/>
+    </dgm:style>
+  </dgm:styleLbl>
+  <dgm:styleLbl name="fgAcc3">
+    <dgm:scene3d>
+      <a:camera prst="orthographicFront"/>
+      <a:lightRig rig="threePt" dir="t"/>
+    </dgm:scene3d>
+    <dgm:sp3d/>
+    <dgm:txPr/>
+    <dgm:style>
+      <a:lnRef idx="2">
+        <a:scrgbClr r="0" g="0" b="0"/>
+      </a:lnRef>
+      <a:fillRef idx="1">
+        <a:scrgbClr r="0" g="0" b="0"/>
+      </a:fillRef>
+      <a:effectRef idx="0">
+        <a:scrgbClr r="0" g="0" b="0"/>
+      </a:effectRef>
+      <a:fontRef idx="minor"/>
+    </dgm:style>
+  </dgm:styleLbl>
+  <dgm:styleLbl name="fgAcc4">
+    <dgm:scene3d>
+      <a:camera prst="orthographicFront"/>
+      <a:lightRig rig="threePt" dir="t"/>
+    </dgm:scene3d>
+    <dgm:sp3d/>
+    <dgm:txPr/>
+    <dgm:style>
+      <a:lnRef idx="2">
+        <a:scrgbClr r="0" g="0" b="0"/>
+      </a:lnRef>
+      <a:fillRef idx="1">
+        <a:scrgbClr r="0" g="0" b="0"/>
+      </a:fillRef>
+      <a:effectRef idx="0">
+        <a:scrgbClr r="0" g="0" b="0"/>
+      </a:effectRef>
+      <a:fontRef idx="minor"/>
+    </dgm:style>
+  </dgm:styleLbl>
+  <dgm:styleLbl name="bgShp">
+    <dgm:scene3d>
+      <a:camera prst="orthographicFront"/>
+      <a:lightRig rig="threePt" dir="t"/>
+    </dgm:scene3d>
+    <dgm:sp3d/>
+    <dgm:txPr/>
+    <dgm:style>
+      <a:lnRef idx="0">
+        <a:scrgbClr r="0" g="0" b="0"/>
+      </a:lnRef>
+      <a:fillRef idx="1">
+        <a:scrgbClr r="0" g="0" b="0"/>
+      </a:fillRef>
+      <a:effectRef idx="0">
+        <a:scrgbClr r="0" g="0" b="0"/>
+      </a:effectRef>
+      <a:fontRef idx="minor"/>
+    </dgm:style>
+  </dgm:styleLbl>
+  <dgm:styleLbl name="dkBgShp">
+    <dgm:scene3d>
+      <a:camera prst="orthographicFront"/>
+      <a:lightRig rig="threePt" dir="t"/>
+    </dgm:scene3d>
+    <dgm:sp3d/>
+    <dgm:txPr/>
+    <dgm:style>
+      <a:lnRef idx="0">
+        <a:scrgbClr r="0" g="0" b="0"/>
+      </a:lnRef>
+      <a:fillRef idx="1">
+        <a:scrgbClr r="0" g="0" b="0"/>
+      </a:fillRef>
+      <a:effectRef idx="0">
+        <a:scrgbClr r="0" g="0" b="0"/>
+      </a:effectRef>
+      <a:fontRef idx="minor"/>
+    </dgm:style>
+  </dgm:styleLbl>
+  <dgm:styleLbl name="trBgShp">
+    <dgm:scene3d>
+      <a:camera prst="orthographicFront"/>
+      <a:lightRig rig="threePt" dir="t"/>
+    </dgm:scene3d>
+    <dgm:sp3d/>
+    <dgm:txPr/>
+    <dgm:style>
+      <a:lnRef idx="0">
+        <a:scrgbClr r="0" g="0" b="0"/>
+      </a:lnRef>
+      <a:fillRef idx="1">
+        <a:scrgbClr r="0" g="0" b="0"/>
+      </a:fillRef>
+      <a:effectRef idx="0">
+        <a:scrgbClr r="0" g="0" b="0"/>
+      </a:effectRef>
+      <a:fontRef idx="minor"/>
+    </dgm:style>
+  </dgm:styleLbl>
+  <dgm:styleLbl name="fgShp">
+    <dgm:scene3d>
+      <a:camera prst="orthographicFront"/>
+      <a:lightRig rig="threePt" dir="t"/>
+    </dgm:scene3d>
+    <dgm:sp3d/>
+    <dgm:txPr/>
+    <dgm:style>
+      <a:lnRef idx="2">
+        <a:scrgbClr r="0" g="0" b="0"/>
+      </a:lnRef>
+      <a:fillRef idx="1">
+        <a:scrgbClr r="0" g="0" b="0"/>
+      </a:fillRef>
+      <a:effectRef idx="0">
+        <a:scrgbClr r="0" g="0" b="0"/>
+      </a:effectRef>
+      <a:fontRef idx="minor"/>
+    </dgm:style>
+  </dgm:styleLbl>
+  <dgm:styleLbl name="revTx">
+    <dgm:scene3d>
+      <a:camera prst="orthographicFront"/>
+      <a:lightRig rig="threePt" dir="t"/>
+    </dgm:scene3d>
+    <dgm:sp3d/>
+    <dgm:txPr/>
+    <dgm:style>
+      <a:lnRef idx="0">
+        <a:scrgbClr r="0" g="0" b="0"/>
+      </a:lnRef>
+      <a:fillRef idx="0">
+        <a:scrgbClr r="0" g="0" b="0"/>
+      </a:fillRef>
+      <a:effectRef idx="0">
+        <a:scrgbClr r="0" g="0" b="0"/>
+      </a:effectRef>
+      <a:fontRef idx="minor"/>
+    </dgm:style>
+  </dgm:styleLbl>
+</dgm:styleDef>
 </file>
 
 <file path=ppt/notesMasters/notesMaster1.xml><?xml version="1.0" encoding="utf-8"?>
@@ -4576,7 +7545,7 @@
                 <a:latin typeface="Times New Roman" panose="02020603050405020304" pitchFamily="18" charset="0"/>
                 <a:cs typeface="Times New Roman" panose="02020603050405020304" pitchFamily="18" charset="0"/>
               </a:rPr>
-              <a:t>blockchain</a:t>
+              <a:t>Blockchain</a:t>
             </a:r>
             <a:r>
               <a:rPr lang="en-US" dirty="0">
@@ -4663,14 +7632,6 @@
             </a:lvl1pPr>
           </a:lstStyle>
           <a:p>
-            <a:r>
-              <a:rPr lang="en-US" b="1" dirty="0">
-                <a:effectLst/>
-                <a:latin typeface="Times New Roman" panose="02020603050405020304" pitchFamily="18" charset="0"/>
-                <a:cs typeface="Times New Roman" panose="02020603050405020304" pitchFamily="18" charset="0"/>
-              </a:rPr>
-              <a:t>Why should I care?</a:t>
-            </a:r>
             <a:endParaRPr lang="en-US" dirty="0">
               <a:latin typeface="Times New Roman" panose="02020603050405020304" pitchFamily="18" charset="0"/>
               <a:cs typeface="Times New Roman" panose="02020603050405020304" pitchFamily="18" charset="0"/>
@@ -4750,10 +7711,316 @@
           </a:prstGeom>
         </p:spPr>
       </p:pic>
+      <p:sp>
+        <p:nvSpPr>
+          <p:cNvPr id="10" name="Title 1">
+            <a:extLst>
+              <a:ext uri="{FF2B5EF4-FFF2-40B4-BE49-F238E27FC236}">
+                <a16:creationId xmlns:a16="http://schemas.microsoft.com/office/drawing/2014/main" id="{F3A9AAFE-7FFC-4BF0-B83D-038824B09DEC}"/>
+              </a:ext>
+            </a:extLst>
+          </p:cNvPr>
+          <p:cNvSpPr>
+            <a:spLocks noGrp="1"/>
+          </p:cNvSpPr>
+          <p:nvPr>
+            <p:ph type="title"/>
+          </p:nvPr>
+        </p:nvSpPr>
+        <p:spPr>
+          <a:xfrm>
+            <a:off x="2434130" y="128470"/>
+            <a:ext cx="6260905" cy="725349"/>
+          </a:xfrm>
+        </p:spPr>
+        <p:txBody>
+          <a:bodyPr/>
+          <a:lstStyle/>
+          <a:p>
+            <a:r>
+              <a:rPr lang="en-US" dirty="0">
+                <a:effectLst>
+                  <a:outerShdw blurRad="38100" dist="38100" dir="2700000" algn="tl">
+                    <a:srgbClr val="000000">
+                      <a:alpha val="43137"/>
+                    </a:srgbClr>
+                  </a:outerShdw>
+                </a:effectLst>
+                <a:latin typeface="Times New Roman" panose="02020603050405020304" pitchFamily="18" charset="0"/>
+                <a:cs typeface="Times New Roman" panose="02020603050405020304" pitchFamily="18" charset="0"/>
+              </a:rPr>
+              <a:t>Why should I care?</a:t>
+            </a:r>
+          </a:p>
+        </p:txBody>
+      </p:sp>
     </p:spTree>
     <p:extLst>
       <p:ext uri="{BB962C8B-B14F-4D97-AF65-F5344CB8AC3E}">
         <p14:creationId xmlns:p14="http://schemas.microsoft.com/office/powerpoint/2010/main" val="2135896429"/>
+      </p:ext>
+    </p:extLst>
+  </p:cSld>
+  <p:clrMapOvr>
+    <a:masterClrMapping/>
+  </p:clrMapOvr>
+</p:sld>
+</file>
+
+<file path=ppt/slides/slide4.xml><?xml version="1.0" encoding="utf-8"?>
+<p:sld xmlns:a="http://schemas.openxmlformats.org/drawingml/2006/main" xmlns:r="http://schemas.openxmlformats.org/officeDocument/2006/relationships" xmlns:p="http://schemas.openxmlformats.org/presentationml/2006/main">
+  <p:cSld>
+    <p:spTree>
+      <p:nvGrpSpPr>
+        <p:cNvPr id="1" name=""/>
+        <p:cNvGrpSpPr/>
+        <p:nvPr/>
+      </p:nvGrpSpPr>
+      <p:grpSpPr>
+        <a:xfrm>
+          <a:off x="0" y="0"/>
+          <a:ext cx="0" cy="0"/>
+          <a:chOff x="0" y="0"/>
+          <a:chExt cx="0" cy="0"/>
+        </a:xfrm>
+      </p:grpSpPr>
+      <p:sp>
+        <p:nvSpPr>
+          <p:cNvPr id="5" name="Title 1">
+            <a:extLst>
+              <a:ext uri="{FF2B5EF4-FFF2-40B4-BE49-F238E27FC236}">
+                <a16:creationId xmlns:a16="http://schemas.microsoft.com/office/drawing/2014/main" id="{4F61D753-B49B-4B37-A990-D61E98AEF339}"/>
+              </a:ext>
+            </a:extLst>
+          </p:cNvPr>
+          <p:cNvSpPr>
+            <a:spLocks noGrp="1"/>
+          </p:cNvSpPr>
+          <p:nvPr>
+            <p:ph type="title"/>
+          </p:nvPr>
+        </p:nvSpPr>
+        <p:spPr>
+          <a:xfrm>
+            <a:off x="2434130" y="128470"/>
+            <a:ext cx="6260905" cy="725349"/>
+          </a:xfrm>
+        </p:spPr>
+        <p:txBody>
+          <a:bodyPr/>
+          <a:lstStyle/>
+          <a:p>
+            <a:r>
+              <a:rPr lang="en-US" dirty="0">
+                <a:effectLst>
+                  <a:outerShdw blurRad="38100" dist="38100" dir="2700000" algn="tl">
+                    <a:srgbClr val="000000">
+                      <a:alpha val="43137"/>
+                    </a:srgbClr>
+                  </a:outerShdw>
+                </a:effectLst>
+                <a:latin typeface="Times New Roman" panose="02020603050405020304" pitchFamily="18" charset="0"/>
+                <a:cs typeface="Times New Roman" panose="02020603050405020304" pitchFamily="18" charset="0"/>
+              </a:rPr>
+              <a:t>What is Blockchain</a:t>
+            </a:r>
+            <a:r>
+              <a:rPr lang="en-US" b="1" dirty="0">
+                <a:effectLst>
+                  <a:outerShdw blurRad="38100" dist="38100" dir="2700000" algn="tl">
+                    <a:srgbClr val="000000">
+                      <a:alpha val="43137"/>
+                    </a:srgbClr>
+                  </a:outerShdw>
+                </a:effectLst>
+                <a:latin typeface="Times New Roman" panose="02020603050405020304" pitchFamily="18" charset="0"/>
+                <a:cs typeface="Times New Roman" panose="02020603050405020304" pitchFamily="18" charset="0"/>
+              </a:rPr>
+              <a:t>?</a:t>
+            </a:r>
+            <a:endParaRPr lang="en-US" dirty="0">
+              <a:effectLst>
+                <a:outerShdw blurRad="38100" dist="38100" dir="2700000" algn="tl">
+                  <a:srgbClr val="000000">
+                    <a:alpha val="43137"/>
+                  </a:srgbClr>
+                </a:outerShdw>
+              </a:effectLst>
+              <a:latin typeface="Times New Roman" panose="02020603050405020304" pitchFamily="18" charset="0"/>
+              <a:cs typeface="Times New Roman" panose="02020603050405020304" pitchFamily="18" charset="0"/>
+            </a:endParaRPr>
+          </a:p>
+        </p:txBody>
+      </p:sp>
+      <p:sp>
+        <p:nvSpPr>
+          <p:cNvPr id="6" name="TextBox 5">
+            <a:extLst>
+              <a:ext uri="{FF2B5EF4-FFF2-40B4-BE49-F238E27FC236}">
+                <a16:creationId xmlns:a16="http://schemas.microsoft.com/office/drawing/2014/main" id="{1A0C3367-42F3-49FB-8FE5-A510E3F7AF01}"/>
+              </a:ext>
+            </a:extLst>
+          </p:cNvPr>
+          <p:cNvSpPr txBox="1"/>
+          <p:nvPr/>
+        </p:nvSpPr>
+        <p:spPr>
+          <a:xfrm>
+            <a:off x="2434130" y="1556087"/>
+            <a:ext cx="6108200" cy="2031325"/>
+          </a:xfrm>
+          <a:prstGeom prst="rect">
+            <a:avLst/>
+          </a:prstGeom>
+          <a:noFill/>
+        </p:spPr>
+        <p:txBody>
+          <a:bodyPr wrap="square" rtlCol="0">
+            <a:spAutoFit/>
+          </a:bodyPr>
+          <a:lstStyle/>
+          <a:p>
+            <a:pPr algn="just"/>
+            <a:r>
+              <a:rPr lang="en-US" dirty="0">
+                <a:latin typeface="Times New Roman" panose="02020603050405020304" pitchFamily="18" charset="0"/>
+                <a:cs typeface="Times New Roman" panose="02020603050405020304" pitchFamily="18" charset="0"/>
+              </a:rPr>
+              <a:t>Blockchain is a shared, distributed ledger that facilitates the process of recording transactions and tracking assets in a business network. An asset can be tangible — a house, a car, cash, land  — or intangible like intellectual property, such as patents, copyrights, or branding. Virtually anything of value can be tracked and traded on a blockchain network, reducing risk and cutting costs for all involved</a:t>
+            </a:r>
+          </a:p>
+        </p:txBody>
+      </p:sp>
+    </p:spTree>
+    <p:extLst>
+      <p:ext uri="{BB962C8B-B14F-4D97-AF65-F5344CB8AC3E}">
+        <p14:creationId xmlns:p14="http://schemas.microsoft.com/office/powerpoint/2010/main" val="3497715825"/>
+      </p:ext>
+    </p:extLst>
+  </p:cSld>
+  <p:clrMapOvr>
+    <a:masterClrMapping/>
+  </p:clrMapOvr>
+</p:sld>
+</file>
+
+<file path=ppt/slides/slide5.xml><?xml version="1.0" encoding="utf-8"?>
+<p:sld xmlns:a="http://schemas.openxmlformats.org/drawingml/2006/main" xmlns:r="http://schemas.openxmlformats.org/officeDocument/2006/relationships" xmlns:p="http://schemas.openxmlformats.org/presentationml/2006/main">
+  <p:cSld>
+    <p:spTree>
+      <p:nvGrpSpPr>
+        <p:cNvPr id="1" name=""/>
+        <p:cNvGrpSpPr/>
+        <p:nvPr/>
+      </p:nvGrpSpPr>
+      <p:grpSpPr>
+        <a:xfrm>
+          <a:off x="0" y="0"/>
+          <a:ext cx="0" cy="0"/>
+          <a:chOff x="0" y="0"/>
+          <a:chExt cx="0" cy="0"/>
+        </a:xfrm>
+      </p:grpSpPr>
+      <p:sp>
+        <p:nvSpPr>
+          <p:cNvPr id="5" name="Title 1">
+            <a:extLst>
+              <a:ext uri="{FF2B5EF4-FFF2-40B4-BE49-F238E27FC236}">
+                <a16:creationId xmlns:a16="http://schemas.microsoft.com/office/drawing/2014/main" id="{4F61D753-B49B-4B37-A990-D61E98AEF339}"/>
+              </a:ext>
+            </a:extLst>
+          </p:cNvPr>
+          <p:cNvSpPr>
+            <a:spLocks noGrp="1"/>
+          </p:cNvSpPr>
+          <p:nvPr>
+            <p:ph type="title"/>
+          </p:nvPr>
+        </p:nvSpPr>
+        <p:spPr>
+          <a:xfrm>
+            <a:off x="2434130" y="128470"/>
+            <a:ext cx="6260905" cy="725349"/>
+          </a:xfrm>
+        </p:spPr>
+        <p:txBody>
+          <a:bodyPr/>
+          <a:lstStyle/>
+          <a:p>
+            <a:r>
+              <a:rPr lang="en-US" dirty="0">
+                <a:effectLst>
+                  <a:outerShdw blurRad="38100" dist="38100" dir="2700000" algn="tl">
+                    <a:srgbClr val="000000">
+                      <a:alpha val="43137"/>
+                    </a:srgbClr>
+                  </a:outerShdw>
+                </a:effectLst>
+                <a:latin typeface="Times New Roman" panose="02020603050405020304" pitchFamily="18" charset="0"/>
+                <a:cs typeface="Times New Roman" panose="02020603050405020304" pitchFamily="18" charset="0"/>
+              </a:rPr>
+              <a:t>What is Blockchain</a:t>
+            </a:r>
+            <a:r>
+              <a:rPr lang="en-US" b="1" dirty="0">
+                <a:effectLst>
+                  <a:outerShdw blurRad="38100" dist="38100" dir="2700000" algn="tl">
+                    <a:srgbClr val="000000">
+                      <a:alpha val="43137"/>
+                    </a:srgbClr>
+                  </a:outerShdw>
+                </a:effectLst>
+                <a:latin typeface="Times New Roman" panose="02020603050405020304" pitchFamily="18" charset="0"/>
+                <a:cs typeface="Times New Roman" panose="02020603050405020304" pitchFamily="18" charset="0"/>
+              </a:rPr>
+              <a:t>?</a:t>
+            </a:r>
+            <a:endParaRPr lang="en-US" dirty="0">
+              <a:effectLst>
+                <a:outerShdw blurRad="38100" dist="38100" dir="2700000" algn="tl">
+                  <a:srgbClr val="000000">
+                    <a:alpha val="43137"/>
+                  </a:srgbClr>
+                </a:outerShdw>
+              </a:effectLst>
+              <a:latin typeface="Times New Roman" panose="02020603050405020304" pitchFamily="18" charset="0"/>
+              <a:cs typeface="Times New Roman" panose="02020603050405020304" pitchFamily="18" charset="0"/>
+            </a:endParaRPr>
+          </a:p>
+        </p:txBody>
+      </p:sp>
+      <p:graphicFrame>
+        <p:nvGraphicFramePr>
+          <p:cNvPr id="3" name="Diagram 2">
+            <a:extLst>
+              <a:ext uri="{FF2B5EF4-FFF2-40B4-BE49-F238E27FC236}">
+                <a16:creationId xmlns:a16="http://schemas.microsoft.com/office/drawing/2014/main" id="{2A1C80B0-3973-453C-BEE3-DA479CB8B417}"/>
+              </a:ext>
+            </a:extLst>
+          </p:cNvPr>
+          <p:cNvGraphicFramePr/>
+          <p:nvPr>
+            <p:extLst>
+              <p:ext uri="{D42A27DB-BD31-4B8C-83A1-F6EECF244321}">
+                <p14:modId xmlns:p14="http://schemas.microsoft.com/office/powerpoint/2010/main" val="3944405033"/>
+              </p:ext>
+            </p:extLst>
+          </p:nvPr>
+        </p:nvGraphicFramePr>
+        <p:xfrm>
+          <a:off x="2434130" y="1173987"/>
+          <a:ext cx="5033165" cy="2795525"/>
+        </p:xfrm>
+        <a:graphic>
+          <a:graphicData uri="http://schemas.openxmlformats.org/drawingml/2006/diagram">
+            <dgm:relIds xmlns:dgm="http://schemas.openxmlformats.org/drawingml/2006/diagram" xmlns:r="http://schemas.openxmlformats.org/officeDocument/2006/relationships" r:dm="rId2" r:lo="rId3" r:qs="rId4" r:cs="rId5"/>
+          </a:graphicData>
+        </a:graphic>
+      </p:graphicFrame>
+    </p:spTree>
+    <p:extLst>
+      <p:ext uri="{BB962C8B-B14F-4D97-AF65-F5344CB8AC3E}">
+        <p14:creationId xmlns:p14="http://schemas.microsoft.com/office/powerpoint/2010/main" val="3116873395"/>
       </p:ext>
     </p:extLst>
   </p:cSld>

--- a/Blockchain 101.pptx
+++ b/Blockchain 101.pptx
@@ -5,7 +5,7 @@
     <p:sldMasterId id="2147483648" r:id="rId1"/>
   </p:sldMasterIdLst>
   <p:notesMasterIdLst>
-    <p:notesMasterId r:id="rId7"/>
+    <p:notesMasterId r:id="rId9"/>
   </p:notesMasterIdLst>
   <p:sldIdLst>
     <p:sldId id="256" r:id="rId2"/>
@@ -13,6 +13,8 @@
     <p:sldId id="259" r:id="rId4"/>
     <p:sldId id="260" r:id="rId5"/>
     <p:sldId id="261" r:id="rId6"/>
+    <p:sldId id="263" r:id="rId7"/>
+    <p:sldId id="262" r:id="rId8"/>
   </p:sldIdLst>
   <p:sldSz cx="9144000" cy="5143500" type="screen16x9"/>
   <p:notesSz cx="6858000" cy="9144000"/>
@@ -8002,7 +8004,7 @@
           <p:nvPr>
             <p:extLst>
               <p:ext uri="{D42A27DB-BD31-4B8C-83A1-F6EECF244321}">
-                <p14:modId xmlns:p14="http://schemas.microsoft.com/office/powerpoint/2010/main" val="3944405033"/>
+                <p14:modId xmlns:p14="http://schemas.microsoft.com/office/powerpoint/2010/main" val="1771009481"/>
               </p:ext>
             </p:extLst>
           </p:nvPr>
@@ -8021,6 +8023,301 @@
     <p:extLst>
       <p:ext uri="{BB962C8B-B14F-4D97-AF65-F5344CB8AC3E}">
         <p14:creationId xmlns:p14="http://schemas.microsoft.com/office/powerpoint/2010/main" val="3116873395"/>
+      </p:ext>
+    </p:extLst>
+  </p:cSld>
+  <p:clrMapOvr>
+    <a:masterClrMapping/>
+  </p:clrMapOvr>
+</p:sld>
+</file>
+
+<file path=ppt/slides/slide6.xml><?xml version="1.0" encoding="utf-8"?>
+<p:sld xmlns:a="http://schemas.openxmlformats.org/drawingml/2006/main" xmlns:r="http://schemas.openxmlformats.org/officeDocument/2006/relationships" xmlns:p="http://schemas.openxmlformats.org/presentationml/2006/main">
+  <p:cSld>
+    <p:spTree>
+      <p:nvGrpSpPr>
+        <p:cNvPr id="1" name=""/>
+        <p:cNvGrpSpPr/>
+        <p:nvPr/>
+      </p:nvGrpSpPr>
+      <p:grpSpPr>
+        <a:xfrm>
+          <a:off x="0" y="0"/>
+          <a:ext cx="0" cy="0"/>
+          <a:chOff x="0" y="0"/>
+          <a:chExt cx="0" cy="0"/>
+        </a:xfrm>
+      </p:grpSpPr>
+      <p:sp>
+        <p:nvSpPr>
+          <p:cNvPr id="5" name="Title 1">
+            <a:extLst>
+              <a:ext uri="{FF2B5EF4-FFF2-40B4-BE49-F238E27FC236}">
+                <a16:creationId xmlns:a16="http://schemas.microsoft.com/office/drawing/2014/main" id="{4F61D753-B49B-4B37-A990-D61E98AEF339}"/>
+              </a:ext>
+            </a:extLst>
+          </p:cNvPr>
+          <p:cNvSpPr>
+            <a:spLocks noGrp="1"/>
+          </p:cNvSpPr>
+          <p:nvPr>
+            <p:ph type="title"/>
+          </p:nvPr>
+        </p:nvSpPr>
+        <p:spPr>
+          <a:xfrm>
+            <a:off x="2434130" y="128470"/>
+            <a:ext cx="6260905" cy="725349"/>
+          </a:xfrm>
+        </p:spPr>
+        <p:txBody>
+          <a:bodyPr/>
+          <a:lstStyle/>
+          <a:p>
+            <a:r>
+              <a:rPr lang="en-US" dirty="0">
+                <a:effectLst>
+                  <a:outerShdw blurRad="38100" dist="38100" dir="2700000" algn="tl">
+                    <a:srgbClr val="000000">
+                      <a:alpha val="43137"/>
+                    </a:srgbClr>
+                  </a:outerShdw>
+                </a:effectLst>
+                <a:latin typeface="Times New Roman" panose="02020603050405020304" pitchFamily="18" charset="0"/>
+                <a:cs typeface="Times New Roman" panose="02020603050405020304" pitchFamily="18" charset="0"/>
+              </a:rPr>
+              <a:t>What is Blockchain</a:t>
+            </a:r>
+            <a:r>
+              <a:rPr lang="en-US" b="1" dirty="0">
+                <a:effectLst>
+                  <a:outerShdw blurRad="38100" dist="38100" dir="2700000" algn="tl">
+                    <a:srgbClr val="000000">
+                      <a:alpha val="43137"/>
+                    </a:srgbClr>
+                  </a:outerShdw>
+                </a:effectLst>
+                <a:latin typeface="Times New Roman" panose="02020603050405020304" pitchFamily="18" charset="0"/>
+                <a:cs typeface="Times New Roman" panose="02020603050405020304" pitchFamily="18" charset="0"/>
+              </a:rPr>
+              <a:t>?</a:t>
+            </a:r>
+            <a:endParaRPr lang="en-US" dirty="0">
+              <a:effectLst>
+                <a:outerShdw blurRad="38100" dist="38100" dir="2700000" algn="tl">
+                  <a:srgbClr val="000000">
+                    <a:alpha val="43137"/>
+                  </a:srgbClr>
+                </a:outerShdw>
+              </a:effectLst>
+              <a:latin typeface="Times New Roman" panose="02020603050405020304" pitchFamily="18" charset="0"/>
+              <a:cs typeface="Times New Roman" panose="02020603050405020304" pitchFamily="18" charset="0"/>
+            </a:endParaRPr>
+          </a:p>
+        </p:txBody>
+      </p:sp>
+      <p:pic>
+        <p:nvPicPr>
+          <p:cNvPr id="4" name="Picture 3">
+            <a:extLst>
+              <a:ext uri="{FF2B5EF4-FFF2-40B4-BE49-F238E27FC236}">
+                <a16:creationId xmlns:a16="http://schemas.microsoft.com/office/drawing/2014/main" id="{6D64C74D-78A7-4E76-A5BA-42F36F75F9B7}"/>
+              </a:ext>
+            </a:extLst>
+          </p:cNvPr>
+          <p:cNvPicPr>
+            <a:picLocks noChangeAspect="1"/>
+          </p:cNvPicPr>
+          <p:nvPr/>
+        </p:nvPicPr>
+        <p:blipFill>
+          <a:blip r:embed="rId2" cstate="print">
+            <a:extLst>
+              <a:ext uri="{28A0092B-C50C-407E-A947-70E740481C1C}">
+                <a14:useLocalDpi xmlns:a14="http://schemas.microsoft.com/office/drawing/2010/main" val="0"/>
+              </a:ext>
+            </a:extLst>
+          </a:blip>
+          <a:stretch>
+            <a:fillRect/>
+          </a:stretch>
+        </p:blipFill>
+        <p:spPr>
+          <a:xfrm>
+            <a:off x="2434130" y="1290929"/>
+            <a:ext cx="4877410" cy="2561641"/>
+          </a:xfrm>
+          <a:prstGeom prst="rect">
+            <a:avLst/>
+          </a:prstGeom>
+        </p:spPr>
+      </p:pic>
+      <p:sp>
+        <p:nvSpPr>
+          <p:cNvPr id="6" name="TextBox 5">
+            <a:extLst>
+              <a:ext uri="{FF2B5EF4-FFF2-40B4-BE49-F238E27FC236}">
+                <a16:creationId xmlns:a16="http://schemas.microsoft.com/office/drawing/2014/main" id="{0DF5F25D-1069-430B-99D0-1B8C9D7BD680}"/>
+              </a:ext>
+            </a:extLst>
+          </p:cNvPr>
+          <p:cNvSpPr txBox="1"/>
+          <p:nvPr/>
+        </p:nvSpPr>
+        <p:spPr>
+          <a:xfrm>
+            <a:off x="6862575" y="3920348"/>
+            <a:ext cx="838691" cy="369332"/>
+          </a:xfrm>
+          <a:prstGeom prst="rect">
+            <a:avLst/>
+          </a:prstGeom>
+          <a:noFill/>
+        </p:spPr>
+        <p:txBody>
+          <a:bodyPr wrap="none" rtlCol="0">
+            <a:spAutoFit/>
+          </a:bodyPr>
+          <a:lstStyle/>
+          <a:p>
+            <a:r>
+              <a:rPr lang="en-US" dirty="0">
+                <a:latin typeface="Times New Roman" panose="02020603050405020304" pitchFamily="18" charset="0"/>
+                <a:cs typeface="Times New Roman" panose="02020603050405020304" pitchFamily="18" charset="0"/>
+              </a:rPr>
+              <a:t>Ledger</a:t>
+            </a:r>
+          </a:p>
+        </p:txBody>
+      </p:sp>
+    </p:spTree>
+    <p:extLst>
+      <p:ext uri="{BB962C8B-B14F-4D97-AF65-F5344CB8AC3E}">
+        <p14:creationId xmlns:p14="http://schemas.microsoft.com/office/powerpoint/2010/main" val="2696021181"/>
+      </p:ext>
+    </p:extLst>
+  </p:cSld>
+  <p:clrMapOvr>
+    <a:masterClrMapping/>
+  </p:clrMapOvr>
+</p:sld>
+</file>
+
+<file path=ppt/slides/slide7.xml><?xml version="1.0" encoding="utf-8"?>
+<p:sld xmlns:a="http://schemas.openxmlformats.org/drawingml/2006/main" xmlns:r="http://schemas.openxmlformats.org/officeDocument/2006/relationships" xmlns:p="http://schemas.openxmlformats.org/presentationml/2006/main">
+  <p:cSld>
+    <p:spTree>
+      <p:nvGrpSpPr>
+        <p:cNvPr id="1" name=""/>
+        <p:cNvGrpSpPr/>
+        <p:nvPr/>
+      </p:nvGrpSpPr>
+      <p:grpSpPr>
+        <a:xfrm>
+          <a:off x="0" y="0"/>
+          <a:ext cx="0" cy="0"/>
+          <a:chOff x="0" y="0"/>
+          <a:chExt cx="0" cy="0"/>
+        </a:xfrm>
+      </p:grpSpPr>
+      <p:sp>
+        <p:nvSpPr>
+          <p:cNvPr id="4" name="Title 3"/>
+          <p:cNvSpPr>
+            <a:spLocks noGrp="1"/>
+          </p:cNvSpPr>
+          <p:nvPr>
+            <p:ph type="title"/>
+          </p:nvPr>
+        </p:nvSpPr>
+        <p:spPr/>
+        <p:txBody>
+          <a:bodyPr>
+            <a:normAutofit fontScale="90000"/>
+          </a:bodyPr>
+          <a:lstStyle/>
+          <a:p>
+            <a:br>
+              <a:rPr lang="en-US" dirty="0">
+                <a:latin typeface="Times New Roman" panose="02020603050405020304" pitchFamily="18" charset="0"/>
+                <a:cs typeface="Times New Roman" panose="02020603050405020304" pitchFamily="18" charset="0"/>
+              </a:rPr>
+            </a:br>
+            <a:r>
+              <a:rPr lang="en-US" dirty="0">
+                <a:latin typeface="Times New Roman" panose="02020603050405020304" pitchFamily="18" charset="0"/>
+                <a:cs typeface="Times New Roman" panose="02020603050405020304" pitchFamily="18" charset="0"/>
+              </a:rPr>
+              <a:t>Centralized vs decentralized</a:t>
+            </a:r>
+            <a:br>
+              <a:rPr lang="en-US" dirty="0">
+                <a:latin typeface="Times New Roman" panose="02020603050405020304" pitchFamily="18" charset="0"/>
+                <a:cs typeface="Times New Roman" panose="02020603050405020304" pitchFamily="18" charset="0"/>
+              </a:rPr>
+            </a:br>
+            <a:endParaRPr lang="en-US" dirty="0">
+              <a:latin typeface="Times New Roman" panose="02020603050405020304" pitchFamily="18" charset="0"/>
+              <a:cs typeface="Times New Roman" panose="02020603050405020304" pitchFamily="18" charset="0"/>
+            </a:endParaRPr>
+          </a:p>
+        </p:txBody>
+      </p:sp>
+      <p:sp>
+        <p:nvSpPr>
+          <p:cNvPr id="3" name="Content Placeholder 2">
+            <a:extLst>
+              <a:ext uri="{FF2B5EF4-FFF2-40B4-BE49-F238E27FC236}">
+                <a16:creationId xmlns:a16="http://schemas.microsoft.com/office/drawing/2014/main" id="{448B581D-0E72-4725-A0B1-A7488AA08D1A}"/>
+              </a:ext>
+            </a:extLst>
+          </p:cNvPr>
+          <p:cNvSpPr>
+            <a:spLocks noGrp="1"/>
+          </p:cNvSpPr>
+          <p:nvPr>
+            <p:ph sz="half" idx="2"/>
+          </p:nvPr>
+        </p:nvSpPr>
+        <p:spPr/>
+        <p:txBody>
+          <a:bodyPr/>
+          <a:lstStyle/>
+          <a:p>
+            <a:endParaRPr lang="en-US"/>
+          </a:p>
+        </p:txBody>
+      </p:sp>
+      <p:sp>
+        <p:nvSpPr>
+          <p:cNvPr id="7" name="Content Placeholder 6">
+            <a:extLst>
+              <a:ext uri="{FF2B5EF4-FFF2-40B4-BE49-F238E27FC236}">
+                <a16:creationId xmlns:a16="http://schemas.microsoft.com/office/drawing/2014/main" id="{484C622E-E3C5-4BB1-A1EF-AFDB2740026C}"/>
+              </a:ext>
+            </a:extLst>
+          </p:cNvPr>
+          <p:cNvSpPr>
+            <a:spLocks noGrp="1"/>
+          </p:cNvSpPr>
+          <p:nvPr>
+            <p:ph sz="quarter" idx="4"/>
+          </p:nvPr>
+        </p:nvSpPr>
+        <p:spPr/>
+        <p:txBody>
+          <a:bodyPr/>
+          <a:lstStyle/>
+          <a:p>
+            <a:endParaRPr lang="en-US" dirty="0"/>
+          </a:p>
+        </p:txBody>
+      </p:sp>
+    </p:spTree>
+    <p:extLst>
+      <p:ext uri="{BB962C8B-B14F-4D97-AF65-F5344CB8AC3E}">
+        <p14:creationId xmlns:p14="http://schemas.microsoft.com/office/powerpoint/2010/main" val="1198196623"/>
       </p:ext>
     </p:extLst>
   </p:cSld>

--- a/Blockchain 101.pptx
+++ b/Blockchain 101.pptx
@@ -5,7 +5,7 @@
     <p:sldMasterId id="2147483648" r:id="rId1"/>
   </p:sldMasterIdLst>
   <p:notesMasterIdLst>
-    <p:notesMasterId r:id="rId9"/>
+    <p:notesMasterId r:id="rId10"/>
   </p:notesMasterIdLst>
   <p:sldIdLst>
     <p:sldId id="256" r:id="rId2"/>
@@ -14,7 +14,8 @@
     <p:sldId id="260" r:id="rId5"/>
     <p:sldId id="261" r:id="rId6"/>
     <p:sldId id="263" r:id="rId7"/>
-    <p:sldId id="262" r:id="rId8"/>
+    <p:sldId id="264" r:id="rId8"/>
+    <p:sldId id="262" r:id="rId9"/>
   </p:sldIdLst>
   <p:sldSz cx="9144000" cy="5143500" type="screen16x9"/>
   <p:notesSz cx="6858000" cy="9144000"/>
@@ -8264,56 +8265,184 @@
           </a:p>
         </p:txBody>
       </p:sp>
-      <p:sp>
-        <p:nvSpPr>
-          <p:cNvPr id="3" name="Content Placeholder 2">
+      <p:pic>
+        <p:nvPicPr>
+          <p:cNvPr id="8" name="Picture 7">
             <a:extLst>
               <a:ext uri="{FF2B5EF4-FFF2-40B4-BE49-F238E27FC236}">
-                <a16:creationId xmlns:a16="http://schemas.microsoft.com/office/drawing/2014/main" id="{448B581D-0E72-4725-A0B1-A7488AA08D1A}"/>
+                <a16:creationId xmlns:a16="http://schemas.microsoft.com/office/drawing/2014/main" id="{4E9B0FA3-B80C-40EC-859B-C31EAD1CD3B2}"/>
               </a:ext>
             </a:extLst>
           </p:cNvPr>
+          <p:cNvPicPr>
+            <a:picLocks noChangeAspect="1"/>
+          </p:cNvPicPr>
+          <p:nvPr/>
+        </p:nvPicPr>
+        <p:blipFill rotWithShape="1">
+          <a:blip r:embed="rId2">
+            <a:extLst>
+              <a:ext uri="{28A0092B-C50C-407E-A947-70E740481C1C}">
+                <a14:useLocalDpi xmlns:a14="http://schemas.microsoft.com/office/drawing/2010/main" val="0"/>
+              </a:ext>
+            </a:extLst>
+          </a:blip>
+          <a:srcRect t="15942" b="32247"/>
+          <a:stretch/>
+        </p:blipFill>
+        <p:spPr>
+          <a:xfrm>
+            <a:off x="1670605" y="2266340"/>
+            <a:ext cx="5497379" cy="1985165"/>
+          </a:xfrm>
+          <a:prstGeom prst="rect">
+            <a:avLst/>
+          </a:prstGeom>
+        </p:spPr>
+      </p:pic>
+    </p:spTree>
+    <p:extLst>
+      <p:ext uri="{BB962C8B-B14F-4D97-AF65-F5344CB8AC3E}">
+        <p14:creationId xmlns:p14="http://schemas.microsoft.com/office/powerpoint/2010/main" val="2507744971"/>
+      </p:ext>
+    </p:extLst>
+  </p:cSld>
+  <p:clrMapOvr>
+    <a:masterClrMapping/>
+  </p:clrMapOvr>
+</p:sld>
+</file>
+
+<file path=ppt/slides/slide8.xml><?xml version="1.0" encoding="utf-8"?>
+<p:sld xmlns:a="http://schemas.openxmlformats.org/drawingml/2006/main" xmlns:r="http://schemas.openxmlformats.org/officeDocument/2006/relationships" xmlns:p="http://schemas.openxmlformats.org/presentationml/2006/main">
+  <p:cSld>
+    <p:spTree>
+      <p:nvGrpSpPr>
+        <p:cNvPr id="1" name=""/>
+        <p:cNvGrpSpPr/>
+        <p:nvPr/>
+      </p:nvGrpSpPr>
+      <p:grpSpPr>
+        <a:xfrm>
+          <a:off x="0" y="0"/>
+          <a:ext cx="0" cy="0"/>
+          <a:chOff x="0" y="0"/>
+          <a:chExt cx="0" cy="0"/>
+        </a:xfrm>
+      </p:grpSpPr>
+      <p:sp>
+        <p:nvSpPr>
+          <p:cNvPr id="4" name="Title 3"/>
           <p:cNvSpPr>
             <a:spLocks noGrp="1"/>
           </p:cNvSpPr>
           <p:nvPr>
-            <p:ph sz="half" idx="2"/>
+            <p:ph type="title"/>
           </p:nvPr>
         </p:nvSpPr>
         <p:spPr/>
         <p:txBody>
-          <a:bodyPr/>
+          <a:bodyPr>
+            <a:normAutofit fontScale="90000"/>
+          </a:bodyPr>
           <a:lstStyle/>
           <a:p>
-            <a:endParaRPr lang="en-US"/>
-          </a:p>
-        </p:txBody>
-      </p:sp>
-      <p:sp>
-        <p:nvSpPr>
-          <p:cNvPr id="7" name="Content Placeholder 6">
+            <a:br>
+              <a:rPr lang="en-US" dirty="0">
+                <a:latin typeface="Times New Roman" panose="02020603050405020304" pitchFamily="18" charset="0"/>
+                <a:cs typeface="Times New Roman" panose="02020603050405020304" pitchFamily="18" charset="0"/>
+              </a:rPr>
+            </a:br>
+            <a:r>
+              <a:rPr lang="en-US" dirty="0">
+                <a:latin typeface="Times New Roman" panose="02020603050405020304" pitchFamily="18" charset="0"/>
+                <a:cs typeface="Times New Roman" panose="02020603050405020304" pitchFamily="18" charset="0"/>
+              </a:rPr>
+              <a:t>Centralized vs decentralized</a:t>
+            </a:r>
+            <a:br>
+              <a:rPr lang="en-US" dirty="0">
+                <a:latin typeface="Times New Roman" panose="02020603050405020304" pitchFamily="18" charset="0"/>
+                <a:cs typeface="Times New Roman" panose="02020603050405020304" pitchFamily="18" charset="0"/>
+              </a:rPr>
+            </a:br>
+            <a:endParaRPr lang="en-US" dirty="0">
+              <a:latin typeface="Times New Roman" panose="02020603050405020304" pitchFamily="18" charset="0"/>
+              <a:cs typeface="Times New Roman" panose="02020603050405020304" pitchFamily="18" charset="0"/>
+            </a:endParaRPr>
+          </a:p>
+        </p:txBody>
+      </p:sp>
+      <p:pic>
+        <p:nvPicPr>
+          <p:cNvPr id="12" name="Content Placeholder 11">
             <a:extLst>
               <a:ext uri="{FF2B5EF4-FFF2-40B4-BE49-F238E27FC236}">
-                <a16:creationId xmlns:a16="http://schemas.microsoft.com/office/drawing/2014/main" id="{484C622E-E3C5-4BB1-A1EF-AFDB2740026C}"/>
+                <a16:creationId xmlns:a16="http://schemas.microsoft.com/office/drawing/2014/main" id="{1E427A02-63A1-4659-8188-91A145117773}"/>
               </a:ext>
             </a:extLst>
           </p:cNvPr>
-          <p:cNvSpPr>
-            <a:spLocks noGrp="1"/>
-          </p:cNvSpPr>
+          <p:cNvPicPr>
+            <a:picLocks noGrp="1" noChangeAspect="1"/>
+          </p:cNvPicPr>
+          <p:nvPr>
+            <p:ph sz="half" idx="2"/>
+          </p:nvPr>
+        </p:nvPicPr>
+        <p:blipFill>
+          <a:blip r:embed="rId2" cstate="print">
+            <a:extLst>
+              <a:ext uri="{28A0092B-C50C-407E-A947-70E740481C1C}">
+                <a14:useLocalDpi xmlns:a14="http://schemas.microsoft.com/office/drawing/2010/main" val="0"/>
+              </a:ext>
+            </a:extLst>
+          </a:blip>
+          <a:stretch>
+            <a:fillRect/>
+          </a:stretch>
+        </p:blipFill>
+        <p:spPr>
+          <a:xfrm>
+            <a:off x="1479137" y="1974850"/>
+            <a:ext cx="2155063" cy="2276475"/>
+          </a:xfrm>
+        </p:spPr>
+      </p:pic>
+      <p:pic>
+        <p:nvPicPr>
+          <p:cNvPr id="14" name="Content Placeholder 13">
+            <a:extLst>
+              <a:ext uri="{FF2B5EF4-FFF2-40B4-BE49-F238E27FC236}">
+                <a16:creationId xmlns:a16="http://schemas.microsoft.com/office/drawing/2014/main" id="{E7A0B53F-14BF-4954-96E4-0205B2093CC8}"/>
+              </a:ext>
+            </a:extLst>
+          </p:cNvPr>
+          <p:cNvPicPr>
+            <a:picLocks noGrp="1" noChangeAspect="1"/>
+          </p:cNvPicPr>
           <p:nvPr>
             <p:ph sz="quarter" idx="4"/>
           </p:nvPr>
-        </p:nvSpPr>
-        <p:spPr/>
-        <p:txBody>
-          <a:bodyPr/>
-          <a:lstStyle/>
-          <a:p>
-            <a:endParaRPr lang="en-US" dirty="0"/>
-          </a:p>
-        </p:txBody>
-      </p:sp>
+        </p:nvPicPr>
+        <p:blipFill>
+          <a:blip r:embed="rId3" cstate="print">
+            <a:extLst>
+              <a:ext uri="{28A0092B-C50C-407E-A947-70E740481C1C}">
+                <a14:useLocalDpi xmlns:a14="http://schemas.microsoft.com/office/drawing/2010/main" val="0"/>
+              </a:ext>
+            </a:extLst>
+          </a:blip>
+          <a:stretch>
+            <a:fillRect/>
+          </a:stretch>
+        </p:blipFill>
+        <p:spPr>
+          <a:xfrm>
+            <a:off x="5634677" y="1974850"/>
+            <a:ext cx="1916420" cy="2276475"/>
+          </a:xfrm>
+        </p:spPr>
+      </p:pic>
     </p:spTree>
     <p:extLst>
       <p:ext uri="{BB962C8B-B14F-4D97-AF65-F5344CB8AC3E}">

--- a/Blockchain 101.pptx
+++ b/Blockchain 101.pptx
@@ -8340,33 +8340,52 @@
             <p:ph type="title"/>
           </p:nvPr>
         </p:nvSpPr>
-        <p:spPr/>
+        <p:spPr>
+          <a:xfrm>
+            <a:off x="525316" y="281175"/>
+            <a:ext cx="8322423" cy="763525"/>
+          </a:xfrm>
+        </p:spPr>
         <p:txBody>
           <a:bodyPr>
-            <a:normAutofit fontScale="90000"/>
+            <a:noAutofit/>
           </a:bodyPr>
           <a:lstStyle/>
           <a:p>
             <a:br>
-              <a:rPr lang="en-US" dirty="0">
+              <a:rPr lang="en-US" sz="3000" dirty="0">
                 <a:latin typeface="Times New Roman" panose="02020603050405020304" pitchFamily="18" charset="0"/>
                 <a:cs typeface="Times New Roman" panose="02020603050405020304" pitchFamily="18" charset="0"/>
               </a:rPr>
             </a:br>
             <a:r>
-              <a:rPr lang="en-US" dirty="0">
+              <a:rPr lang="en-US" sz="3000" dirty="0">
                 <a:latin typeface="Times New Roman" panose="02020603050405020304" pitchFamily="18" charset="0"/>
                 <a:cs typeface="Times New Roman" panose="02020603050405020304" pitchFamily="18" charset="0"/>
               </a:rPr>
-              <a:t>Centralized vs decentralized</a:t>
+              <a:t>   Centralized vs </a:t>
+            </a:r>
+            <a:r>
+              <a:rPr lang="en-US" sz="3200" dirty="0">
+                <a:latin typeface="Times New Roman" panose="02020603050405020304" pitchFamily="18" charset="0"/>
+                <a:cs typeface="Times New Roman" panose="02020603050405020304" pitchFamily="18" charset="0"/>
+              </a:rPr>
+              <a:t>distributed</a:t>
+            </a:r>
+            <a:r>
+              <a:rPr lang="en-US" sz="3000" dirty="0">
+                <a:latin typeface="Times New Roman" panose="02020603050405020304" pitchFamily="18" charset="0"/>
+                <a:cs typeface="Times New Roman" panose="02020603050405020304" pitchFamily="18" charset="0"/>
+              </a:rPr>
+              <a:t> ledger</a:t>
             </a:r>
             <a:br>
-              <a:rPr lang="en-US" dirty="0">
+              <a:rPr lang="en-US" sz="3000" dirty="0">
                 <a:latin typeface="Times New Roman" panose="02020603050405020304" pitchFamily="18" charset="0"/>
                 <a:cs typeface="Times New Roman" panose="02020603050405020304" pitchFamily="18" charset="0"/>
               </a:rPr>
             </a:br>
-            <a:endParaRPr lang="en-US" dirty="0">
+            <a:endParaRPr lang="en-US" sz="3000" dirty="0">
               <a:latin typeface="Times New Roman" panose="02020603050405020304" pitchFamily="18" charset="0"/>
               <a:cs typeface="Times New Roman" panose="02020603050405020304" pitchFamily="18" charset="0"/>
             </a:endParaRPr>
@@ -8443,6 +8462,84 @@
           </a:xfrm>
         </p:spPr>
       </p:pic>
+      <p:sp>
+        <p:nvSpPr>
+          <p:cNvPr id="15" name="TextBox 14">
+            <a:extLst>
+              <a:ext uri="{FF2B5EF4-FFF2-40B4-BE49-F238E27FC236}">
+                <a16:creationId xmlns:a16="http://schemas.microsoft.com/office/drawing/2014/main" id="{A01F8EC6-7324-4D16-B8CC-2ED442EB6DE7}"/>
+              </a:ext>
+            </a:extLst>
+          </p:cNvPr>
+          <p:cNvSpPr txBox="1"/>
+          <p:nvPr/>
+        </p:nvSpPr>
+        <p:spPr>
+          <a:xfrm>
+            <a:off x="1797541" y="4245693"/>
+            <a:ext cx="1507144" cy="307777"/>
+          </a:xfrm>
+          <a:prstGeom prst="rect">
+            <a:avLst/>
+          </a:prstGeom>
+          <a:noFill/>
+        </p:spPr>
+        <p:txBody>
+          <a:bodyPr wrap="none" rtlCol="0">
+            <a:spAutoFit/>
+          </a:bodyPr>
+          <a:lstStyle/>
+          <a:p>
+            <a:r>
+              <a:rPr lang="en-US" sz="1400" dirty="0">
+                <a:latin typeface="Times New Roman" panose="02020603050405020304" pitchFamily="18" charset="0"/>
+                <a:cs typeface="Times New Roman" panose="02020603050405020304" pitchFamily="18" charset="0"/>
+              </a:rPr>
+              <a:t>Centralized ledger</a:t>
+            </a:r>
+            <a:endParaRPr lang="en-US" sz="1400" dirty="0"/>
+          </a:p>
+        </p:txBody>
+      </p:sp>
+      <p:sp>
+        <p:nvSpPr>
+          <p:cNvPr id="16" name="TextBox 15">
+            <a:extLst>
+              <a:ext uri="{FF2B5EF4-FFF2-40B4-BE49-F238E27FC236}">
+                <a16:creationId xmlns:a16="http://schemas.microsoft.com/office/drawing/2014/main" id="{78FA4ADB-9B81-4209-9A9E-EB5A38AB0190}"/>
+              </a:ext>
+            </a:extLst>
+          </p:cNvPr>
+          <p:cNvSpPr txBox="1"/>
+          <p:nvPr/>
+        </p:nvSpPr>
+        <p:spPr>
+          <a:xfrm>
+            <a:off x="5839315" y="4245693"/>
+            <a:ext cx="1486304" cy="307777"/>
+          </a:xfrm>
+          <a:prstGeom prst="rect">
+            <a:avLst/>
+          </a:prstGeom>
+          <a:noFill/>
+        </p:spPr>
+        <p:txBody>
+          <a:bodyPr wrap="none" rtlCol="0">
+            <a:spAutoFit/>
+          </a:bodyPr>
+          <a:lstStyle/>
+          <a:p>
+            <a:r>
+              <a:rPr lang="en-US" sz="1400" dirty="0">
+                <a:latin typeface="Times New Roman" panose="02020603050405020304" pitchFamily="18" charset="0"/>
+                <a:cs typeface="Times New Roman" panose="02020603050405020304" pitchFamily="18" charset="0"/>
+              </a:rPr>
+              <a:t>Distributed ledger</a:t>
+            </a:r>
+            <a:endParaRPr lang="en-US" sz="1400" dirty="0"/>
+          </a:p>
+        </p:txBody>
+      </p:sp>
     </p:spTree>
     <p:extLst>
       <p:ext uri="{BB962C8B-B14F-4D97-AF65-F5344CB8AC3E}">

--- a/Blockchain 101.pptx
+++ b/Blockchain 101.pptx
@@ -5,7 +5,7 @@
     <p:sldMasterId id="2147483648" r:id="rId1"/>
   </p:sldMasterIdLst>
   <p:notesMasterIdLst>
-    <p:notesMasterId r:id="rId10"/>
+    <p:notesMasterId r:id="rId11"/>
   </p:notesMasterIdLst>
   <p:sldIdLst>
     <p:sldId id="256" r:id="rId2"/>
@@ -16,6 +16,7 @@
     <p:sldId id="263" r:id="rId7"/>
     <p:sldId id="264" r:id="rId8"/>
     <p:sldId id="262" r:id="rId9"/>
+    <p:sldId id="265" r:id="rId10"/>
   </p:sldIdLst>
   <p:sldSz cx="9144000" cy="5143500" type="screen16x9"/>
   <p:notesSz cx="6858000" cy="9144000"/>
@@ -7341,7 +7342,7 @@
                 <a:latin typeface="Times New Roman" panose="02020603050405020304" pitchFamily="18" charset="0"/>
                 <a:cs typeface="Times New Roman" panose="02020603050405020304" pitchFamily="18" charset="0"/>
               </a:rPr>
-              <a:t>Centralized vs decentralized</a:t>
+              <a:t>Centralized vs distributed </a:t>
             </a:r>
           </a:p>
           <a:p>
@@ -7434,7 +7435,7 @@
                 <a:latin typeface="Times New Roman" panose="02020603050405020304" pitchFamily="18" charset="0"/>
                 <a:cs typeface="Times New Roman" panose="02020603050405020304" pitchFamily="18" charset="0"/>
               </a:rPr>
-              <a:t>Some interesting charts</a:t>
+              <a:t>Some interesting facts</a:t>
             </a:r>
             <a:endParaRPr lang="fa-IR" dirty="0">
               <a:latin typeface="Times New Roman" panose="02020603050405020304" pitchFamily="18" charset="0"/>
@@ -8250,7 +8251,7 @@
                 <a:latin typeface="Times New Roman" panose="02020603050405020304" pitchFamily="18" charset="0"/>
                 <a:cs typeface="Times New Roman" panose="02020603050405020304" pitchFamily="18" charset="0"/>
               </a:rPr>
-              <a:t>Centralized vs decentralized</a:t>
+              <a:t>Centralized vs distributed</a:t>
             </a:r>
             <a:br>
               <a:rPr lang="en-US" dirty="0">
@@ -8300,6 +8301,84 @@
           </a:prstGeom>
         </p:spPr>
       </p:pic>
+      <p:sp>
+        <p:nvSpPr>
+          <p:cNvPr id="11" name="TextBox 10">
+            <a:extLst>
+              <a:ext uri="{FF2B5EF4-FFF2-40B4-BE49-F238E27FC236}">
+                <a16:creationId xmlns:a16="http://schemas.microsoft.com/office/drawing/2014/main" id="{9AB05CAE-A0CD-4371-B577-D72141B00272}"/>
+              </a:ext>
+            </a:extLst>
+          </p:cNvPr>
+          <p:cNvSpPr txBox="1"/>
+          <p:nvPr/>
+        </p:nvSpPr>
+        <p:spPr>
+          <a:xfrm>
+            <a:off x="2281425" y="4251505"/>
+            <a:ext cx="1013419" cy="307777"/>
+          </a:xfrm>
+          <a:prstGeom prst="rect">
+            <a:avLst/>
+          </a:prstGeom>
+          <a:noFill/>
+        </p:spPr>
+        <p:txBody>
+          <a:bodyPr wrap="none" rtlCol="0">
+            <a:spAutoFit/>
+          </a:bodyPr>
+          <a:lstStyle/>
+          <a:p>
+            <a:r>
+              <a:rPr lang="en-US" sz="1400" dirty="0">
+                <a:latin typeface="Times New Roman" panose="02020603050405020304" pitchFamily="18" charset="0"/>
+                <a:cs typeface="Times New Roman" panose="02020603050405020304" pitchFamily="18" charset="0"/>
+              </a:rPr>
+              <a:t>Centralized</a:t>
+            </a:r>
+            <a:endParaRPr lang="en-US" sz="1400" dirty="0"/>
+          </a:p>
+        </p:txBody>
+      </p:sp>
+      <p:sp>
+        <p:nvSpPr>
+          <p:cNvPr id="13" name="TextBox 12">
+            <a:extLst>
+              <a:ext uri="{FF2B5EF4-FFF2-40B4-BE49-F238E27FC236}">
+                <a16:creationId xmlns:a16="http://schemas.microsoft.com/office/drawing/2014/main" id="{3726B6E8-BB79-4D4A-A79B-05B31C343047}"/>
+              </a:ext>
+            </a:extLst>
+          </p:cNvPr>
+          <p:cNvSpPr txBox="1"/>
+          <p:nvPr/>
+        </p:nvSpPr>
+        <p:spPr>
+          <a:xfrm>
+            <a:off x="5182820" y="4251504"/>
+            <a:ext cx="992579" cy="307777"/>
+          </a:xfrm>
+          <a:prstGeom prst="rect">
+            <a:avLst/>
+          </a:prstGeom>
+          <a:noFill/>
+        </p:spPr>
+        <p:txBody>
+          <a:bodyPr wrap="none" rtlCol="0">
+            <a:spAutoFit/>
+          </a:bodyPr>
+          <a:lstStyle/>
+          <a:p>
+            <a:r>
+              <a:rPr lang="en-US" sz="1400" dirty="0">
+                <a:latin typeface="Times New Roman" panose="02020603050405020304" pitchFamily="18" charset="0"/>
+                <a:cs typeface="Times New Roman" panose="02020603050405020304" pitchFamily="18" charset="0"/>
+              </a:rPr>
+              <a:t>Distributed</a:t>
+            </a:r>
+            <a:endParaRPr lang="en-US" sz="1400" dirty="0"/>
+          </a:p>
+        </p:txBody>
+      </p:sp>
     </p:spTree>
     <p:extLst>
       <p:ext uri="{BB962C8B-B14F-4D97-AF65-F5344CB8AC3E}">
@@ -8544,6 +8623,72 @@
     <p:extLst>
       <p:ext uri="{BB962C8B-B14F-4D97-AF65-F5344CB8AC3E}">
         <p14:creationId xmlns:p14="http://schemas.microsoft.com/office/powerpoint/2010/main" val="1198196623"/>
+      </p:ext>
+    </p:extLst>
+  </p:cSld>
+  <p:clrMapOvr>
+    <a:masterClrMapping/>
+  </p:clrMapOvr>
+</p:sld>
+</file>
+
+<file path=ppt/slides/slide9.xml><?xml version="1.0" encoding="utf-8"?>
+<p:sld xmlns:a="http://schemas.openxmlformats.org/drawingml/2006/main" xmlns:r="http://schemas.openxmlformats.org/officeDocument/2006/relationships" xmlns:p="http://schemas.openxmlformats.org/presentationml/2006/main">
+  <p:cSld>
+    <p:spTree>
+      <p:nvGrpSpPr>
+        <p:cNvPr id="1" name=""/>
+        <p:cNvGrpSpPr/>
+        <p:nvPr/>
+      </p:nvGrpSpPr>
+      <p:grpSpPr>
+        <a:xfrm>
+          <a:off x="0" y="0"/>
+          <a:ext cx="0" cy="0"/>
+          <a:chOff x="0" y="0"/>
+          <a:chExt cx="0" cy="0"/>
+        </a:xfrm>
+      </p:grpSpPr>
+      <p:sp>
+        <p:nvSpPr>
+          <p:cNvPr id="5" name="Title 1">
+            <a:extLst>
+              <a:ext uri="{FF2B5EF4-FFF2-40B4-BE49-F238E27FC236}">
+                <a16:creationId xmlns:a16="http://schemas.microsoft.com/office/drawing/2014/main" id="{4F61D753-B49B-4B37-A990-D61E98AEF339}"/>
+              </a:ext>
+            </a:extLst>
+          </p:cNvPr>
+          <p:cNvSpPr>
+            <a:spLocks noGrp="1"/>
+          </p:cNvSpPr>
+          <p:nvPr>
+            <p:ph type="title"/>
+          </p:nvPr>
+        </p:nvSpPr>
+        <p:spPr>
+          <a:xfrm>
+            <a:off x="2434130" y="128470"/>
+            <a:ext cx="6260905" cy="725349"/>
+          </a:xfrm>
+        </p:spPr>
+        <p:txBody>
+          <a:bodyPr/>
+          <a:lstStyle/>
+          <a:p>
+            <a:r>
+              <a:rPr lang="en-US" dirty="0">
+                <a:latin typeface="Times New Roman" panose="02020603050405020304" pitchFamily="18" charset="0"/>
+                <a:cs typeface="Times New Roman" panose="02020603050405020304" pitchFamily="18" charset="0"/>
+              </a:rPr>
+              <a:t>Why Decentralization Matters?</a:t>
+            </a:r>
+          </a:p>
+        </p:txBody>
+      </p:sp>
+    </p:spTree>
+    <p:extLst>
+      <p:ext uri="{BB962C8B-B14F-4D97-AF65-F5344CB8AC3E}">
+        <p14:creationId xmlns:p14="http://schemas.microsoft.com/office/powerpoint/2010/main" val="231058729"/>
       </p:ext>
     </p:extLst>
   </p:cSld>

--- a/Blockchain 101.pptx
+++ b/Blockchain 101.pptx
@@ -8685,6 +8685,139 @@
           </a:p>
         </p:txBody>
       </p:sp>
+      <p:sp>
+        <p:nvSpPr>
+          <p:cNvPr id="2" name="TextBox 1">
+            <a:extLst>
+              <a:ext uri="{FF2B5EF4-FFF2-40B4-BE49-F238E27FC236}">
+                <a16:creationId xmlns:a16="http://schemas.microsoft.com/office/drawing/2014/main" id="{D4B46A98-3982-4438-9025-8A8A2EF685C4}"/>
+              </a:ext>
+            </a:extLst>
+          </p:cNvPr>
+          <p:cNvSpPr txBox="1"/>
+          <p:nvPr/>
+        </p:nvSpPr>
+        <p:spPr>
+          <a:xfrm>
+            <a:off x="2434130" y="1417588"/>
+            <a:ext cx="5746060" cy="2308324"/>
+          </a:xfrm>
+          <a:prstGeom prst="rect">
+            <a:avLst/>
+          </a:prstGeom>
+          <a:noFill/>
+        </p:spPr>
+        <p:txBody>
+          <a:bodyPr wrap="square" rtlCol="0">
+            <a:spAutoFit/>
+          </a:bodyPr>
+          <a:lstStyle/>
+          <a:p>
+            <a:pPr marL="285750" indent="-285750">
+              <a:buFont typeface="Arial" panose="020B0604020202020204" pitchFamily="34" charset="0"/>
+              <a:buChar char="•"/>
+            </a:pPr>
+            <a:r>
+              <a:rPr lang="en-US" dirty="0">
+                <a:latin typeface="Times New Roman" panose="02020603050405020304" pitchFamily="18" charset="0"/>
+                <a:cs typeface="Times New Roman" panose="02020603050405020304" pitchFamily="18" charset="0"/>
+              </a:rPr>
+              <a:t>Single point of failure</a:t>
+            </a:r>
+          </a:p>
+          <a:p>
+            <a:pPr marL="285750" indent="-285750">
+              <a:buFont typeface="Arial" panose="020B0604020202020204" pitchFamily="34" charset="0"/>
+              <a:buChar char="•"/>
+            </a:pPr>
+            <a:r>
+              <a:rPr lang="en-US" dirty="0">
+                <a:latin typeface="Times New Roman" panose="02020603050405020304" pitchFamily="18" charset="0"/>
+                <a:cs typeface="Times New Roman" panose="02020603050405020304" pitchFamily="18" charset="0"/>
+              </a:rPr>
+              <a:t>Control </a:t>
+            </a:r>
+          </a:p>
+          <a:p>
+            <a:pPr marL="285750" indent="-285750">
+              <a:buFont typeface="Arial" panose="020B0604020202020204" pitchFamily="34" charset="0"/>
+              <a:buChar char="•"/>
+            </a:pPr>
+            <a:r>
+              <a:rPr lang="en-US" dirty="0">
+                <a:latin typeface="Times New Roman" panose="02020603050405020304" pitchFamily="18" charset="0"/>
+                <a:cs typeface="Times New Roman" panose="02020603050405020304" pitchFamily="18" charset="0"/>
+              </a:rPr>
+              <a:t>Prone to political pressure </a:t>
+            </a:r>
+          </a:p>
+          <a:p>
+            <a:pPr marL="285750" indent="-285750">
+              <a:buFont typeface="Arial" panose="020B0604020202020204" pitchFamily="34" charset="0"/>
+              <a:buChar char="•"/>
+            </a:pPr>
+            <a:r>
+              <a:rPr lang="en-US" dirty="0">
+                <a:latin typeface="Times New Roman" panose="02020603050405020304" pitchFamily="18" charset="0"/>
+                <a:cs typeface="Times New Roman" panose="02020603050405020304" pitchFamily="18" charset="0"/>
+              </a:rPr>
+              <a:t>Cost</a:t>
+            </a:r>
+          </a:p>
+          <a:p>
+            <a:pPr marL="285750" indent="-285750">
+              <a:buFont typeface="Arial" panose="020B0604020202020204" pitchFamily="34" charset="0"/>
+              <a:buChar char="•"/>
+            </a:pPr>
+            <a:r>
+              <a:rPr lang="en-US" dirty="0">
+                <a:latin typeface="Times New Roman" panose="02020603050405020304" pitchFamily="18" charset="0"/>
+                <a:cs typeface="Times New Roman" panose="02020603050405020304" pitchFamily="18" charset="0"/>
+              </a:rPr>
+              <a:t>Bureaucratic leadership</a:t>
+            </a:r>
+          </a:p>
+          <a:p>
+            <a:pPr marL="285750" indent="-285750">
+              <a:buFont typeface="Arial" panose="020B0604020202020204" pitchFamily="34" charset="0"/>
+              <a:buChar char="•"/>
+            </a:pPr>
+            <a:r>
+              <a:rPr lang="en-US" dirty="0">
+                <a:latin typeface="Times New Roman" panose="02020603050405020304" pitchFamily="18" charset="0"/>
+                <a:cs typeface="Times New Roman" panose="02020603050405020304" pitchFamily="18" charset="0"/>
+              </a:rPr>
+              <a:t>Remote control</a:t>
+            </a:r>
+          </a:p>
+          <a:p>
+            <a:pPr marL="285750" indent="-285750">
+              <a:buFont typeface="Arial" panose="020B0604020202020204" pitchFamily="34" charset="0"/>
+              <a:buChar char="•"/>
+            </a:pPr>
+            <a:r>
+              <a:rPr lang="en-US" dirty="0">
+                <a:latin typeface="Times New Roman" panose="02020603050405020304" pitchFamily="18" charset="0"/>
+                <a:cs typeface="Times New Roman" panose="02020603050405020304" pitchFamily="18" charset="0"/>
+              </a:rPr>
+              <a:t>Delays in work</a:t>
+            </a:r>
+          </a:p>
+          <a:p>
+            <a:pPr marL="285750" indent="-285750">
+              <a:buFont typeface="Arial" panose="020B0604020202020204" pitchFamily="34" charset="0"/>
+              <a:buChar char="•"/>
+            </a:pPr>
+            <a:r>
+              <a:rPr lang="en-US" dirty="0">
+                <a:latin typeface="Times New Roman" panose="02020603050405020304" pitchFamily="18" charset="0"/>
+                <a:cs typeface="Times New Roman" panose="02020603050405020304" pitchFamily="18" charset="0"/>
+              </a:rPr>
+              <a:t>Distrust</a:t>
+            </a:r>
+          </a:p>
+        </p:txBody>
+      </p:sp>
     </p:spTree>
     <p:extLst>
       <p:ext uri="{BB962C8B-B14F-4D97-AF65-F5344CB8AC3E}">

--- a/Blockchain 101.pptx
+++ b/Blockchain 101.pptx
@@ -5,7 +5,7 @@
     <p:sldMasterId id="2147483648" r:id="rId1"/>
   </p:sldMasterIdLst>
   <p:notesMasterIdLst>
-    <p:notesMasterId r:id="rId11"/>
+    <p:notesMasterId r:id="rId12"/>
   </p:notesMasterIdLst>
   <p:sldIdLst>
     <p:sldId id="256" r:id="rId2"/>
@@ -17,6 +17,7 @@
     <p:sldId id="264" r:id="rId8"/>
     <p:sldId id="262" r:id="rId9"/>
     <p:sldId id="265" r:id="rId10"/>
+    <p:sldId id="266" r:id="rId11"/>
   </p:sldIdLst>
   <p:sldSz cx="9144000" cy="5143500" type="screen16x9"/>
   <p:notesSz cx="6858000" cy="9144000"/>
@@ -7265,6 +7266,243 @@
 </p:sld>
 </file>
 
+<file path=ppt/slides/slide10.xml><?xml version="1.0" encoding="utf-8"?>
+<p:sld xmlns:a="http://schemas.openxmlformats.org/drawingml/2006/main" xmlns:r="http://schemas.openxmlformats.org/officeDocument/2006/relationships" xmlns:p="http://schemas.openxmlformats.org/presentationml/2006/main">
+  <p:cSld>
+    <p:spTree>
+      <p:nvGrpSpPr>
+        <p:cNvPr id="1" name=""/>
+        <p:cNvGrpSpPr/>
+        <p:nvPr/>
+      </p:nvGrpSpPr>
+      <p:grpSpPr>
+        <a:xfrm>
+          <a:off x="0" y="0"/>
+          <a:ext cx="0" cy="0"/>
+          <a:chOff x="0" y="0"/>
+          <a:chExt cx="0" cy="0"/>
+        </a:xfrm>
+      </p:grpSpPr>
+      <p:sp>
+        <p:nvSpPr>
+          <p:cNvPr id="5" name="Title 1">
+            <a:extLst>
+              <a:ext uri="{FF2B5EF4-FFF2-40B4-BE49-F238E27FC236}">
+                <a16:creationId xmlns:a16="http://schemas.microsoft.com/office/drawing/2014/main" id="{4F61D753-B49B-4B37-A990-D61E98AEF339}"/>
+              </a:ext>
+            </a:extLst>
+          </p:cNvPr>
+          <p:cNvSpPr>
+            <a:spLocks noGrp="1"/>
+          </p:cNvSpPr>
+          <p:nvPr>
+            <p:ph type="title"/>
+          </p:nvPr>
+        </p:nvSpPr>
+        <p:spPr>
+          <a:xfrm>
+            <a:off x="2434130" y="128470"/>
+            <a:ext cx="6260905" cy="725349"/>
+          </a:xfrm>
+        </p:spPr>
+        <p:txBody>
+          <a:bodyPr/>
+          <a:lstStyle/>
+          <a:p>
+            <a:r>
+              <a:rPr lang="en-US" dirty="0">
+                <a:latin typeface="Times New Roman" panose="02020603050405020304" pitchFamily="18" charset="0"/>
+                <a:cs typeface="Times New Roman" panose="02020603050405020304" pitchFamily="18" charset="0"/>
+              </a:rPr>
+              <a:t>Cryptocurrency</a:t>
+            </a:r>
+          </a:p>
+        </p:txBody>
+      </p:sp>
+      <p:sp>
+        <p:nvSpPr>
+          <p:cNvPr id="2" name="TextBox 1">
+            <a:extLst>
+              <a:ext uri="{FF2B5EF4-FFF2-40B4-BE49-F238E27FC236}">
+                <a16:creationId xmlns:a16="http://schemas.microsoft.com/office/drawing/2014/main" id="{D4B46A98-3982-4438-9025-8A8A2EF685C4}"/>
+              </a:ext>
+            </a:extLst>
+          </p:cNvPr>
+          <p:cNvSpPr txBox="1"/>
+          <p:nvPr/>
+        </p:nvSpPr>
+        <p:spPr>
+          <a:xfrm>
+            <a:off x="2374094" y="1556087"/>
+            <a:ext cx="2503316" cy="2585323"/>
+          </a:xfrm>
+          <a:prstGeom prst="rect">
+            <a:avLst/>
+          </a:prstGeom>
+          <a:noFill/>
+        </p:spPr>
+        <p:txBody>
+          <a:bodyPr wrap="square" rtlCol="0">
+            <a:spAutoFit/>
+          </a:bodyPr>
+          <a:lstStyle/>
+          <a:p>
+            <a:pPr marL="285750" indent="-285750">
+              <a:buFont typeface="Arial" panose="020B0604020202020204" pitchFamily="34" charset="0"/>
+              <a:buChar char="•"/>
+            </a:pPr>
+            <a:r>
+              <a:rPr lang="en-US" dirty="0">
+                <a:latin typeface="Times New Roman" panose="02020603050405020304" pitchFamily="18" charset="0"/>
+                <a:cs typeface="Times New Roman" panose="02020603050405020304" pitchFamily="18" charset="0"/>
+              </a:rPr>
+              <a:t>Bitcoin</a:t>
+            </a:r>
+          </a:p>
+          <a:p>
+            <a:pPr marL="285750" indent="-285750">
+              <a:buFont typeface="Arial" panose="020B0604020202020204" pitchFamily="34" charset="0"/>
+              <a:buChar char="•"/>
+            </a:pPr>
+            <a:r>
+              <a:rPr lang="en-US" dirty="0">
+                <a:latin typeface="Times New Roman" panose="02020603050405020304" pitchFamily="18" charset="0"/>
+                <a:cs typeface="Times New Roman" panose="02020603050405020304" pitchFamily="18" charset="0"/>
+              </a:rPr>
+              <a:t>Ethereum</a:t>
+            </a:r>
+          </a:p>
+          <a:p>
+            <a:pPr marL="285750" indent="-285750">
+              <a:buFont typeface="Arial" panose="020B0604020202020204" pitchFamily="34" charset="0"/>
+              <a:buChar char="•"/>
+            </a:pPr>
+            <a:r>
+              <a:rPr lang="en-US" dirty="0">
+                <a:latin typeface="Times New Roman" panose="02020603050405020304" pitchFamily="18" charset="0"/>
+                <a:cs typeface="Times New Roman" panose="02020603050405020304" pitchFamily="18" charset="0"/>
+              </a:rPr>
+              <a:t>XRP</a:t>
+            </a:r>
+          </a:p>
+          <a:p>
+            <a:pPr marL="285750" indent="-285750">
+              <a:buFont typeface="Arial" panose="020B0604020202020204" pitchFamily="34" charset="0"/>
+              <a:buChar char="•"/>
+            </a:pPr>
+            <a:r>
+              <a:rPr lang="en-US" dirty="0">
+                <a:latin typeface="Times New Roman" panose="02020603050405020304" pitchFamily="18" charset="0"/>
+                <a:cs typeface="Times New Roman" panose="02020603050405020304" pitchFamily="18" charset="0"/>
+              </a:rPr>
+              <a:t>Bitcoin Cash</a:t>
+            </a:r>
+          </a:p>
+          <a:p>
+            <a:pPr marL="285750" indent="-285750">
+              <a:buFont typeface="Arial" panose="020B0604020202020204" pitchFamily="34" charset="0"/>
+              <a:buChar char="•"/>
+            </a:pPr>
+            <a:r>
+              <a:rPr lang="en-US" dirty="0">
+                <a:latin typeface="Times New Roman" panose="02020603050405020304" pitchFamily="18" charset="0"/>
+                <a:cs typeface="Times New Roman" panose="02020603050405020304" pitchFamily="18" charset="0"/>
+              </a:rPr>
+              <a:t>Litecoin</a:t>
+            </a:r>
+          </a:p>
+          <a:p>
+            <a:pPr marL="285750" indent="-285750">
+              <a:buFont typeface="Arial" panose="020B0604020202020204" pitchFamily="34" charset="0"/>
+              <a:buChar char="•"/>
+            </a:pPr>
+            <a:r>
+              <a:rPr lang="en-US" dirty="0">
+                <a:latin typeface="Times New Roman" panose="02020603050405020304" pitchFamily="18" charset="0"/>
+                <a:cs typeface="Times New Roman" panose="02020603050405020304" pitchFamily="18" charset="0"/>
+              </a:rPr>
+              <a:t>EOS</a:t>
+            </a:r>
+          </a:p>
+          <a:p>
+            <a:pPr marL="285750" indent="-285750">
+              <a:buFont typeface="Arial" panose="020B0604020202020204" pitchFamily="34" charset="0"/>
+              <a:buChar char="•"/>
+            </a:pPr>
+            <a:r>
+              <a:rPr lang="en-US" dirty="0">
+                <a:latin typeface="Times New Roman" panose="02020603050405020304" pitchFamily="18" charset="0"/>
+                <a:cs typeface="Times New Roman" panose="02020603050405020304" pitchFamily="18" charset="0"/>
+              </a:rPr>
+              <a:t>IOTA</a:t>
+            </a:r>
+          </a:p>
+          <a:p>
+            <a:endParaRPr lang="en-US" dirty="0">
+              <a:latin typeface="Times New Roman" panose="02020603050405020304" pitchFamily="18" charset="0"/>
+              <a:cs typeface="Times New Roman" panose="02020603050405020304" pitchFamily="18" charset="0"/>
+            </a:endParaRPr>
+          </a:p>
+          <a:p>
+            <a:r>
+              <a:rPr lang="en-US" dirty="0">
+                <a:latin typeface="Times New Roman" panose="02020603050405020304" pitchFamily="18" charset="0"/>
+                <a:cs typeface="Times New Roman" panose="02020603050405020304" pitchFamily="18" charset="0"/>
+              </a:rPr>
+              <a:t>And about 2200 more</a:t>
+            </a:r>
+          </a:p>
+        </p:txBody>
+      </p:sp>
+      <p:pic>
+        <p:nvPicPr>
+          <p:cNvPr id="4" name="Picture 3">
+            <a:extLst>
+              <a:ext uri="{FF2B5EF4-FFF2-40B4-BE49-F238E27FC236}">
+                <a16:creationId xmlns:a16="http://schemas.microsoft.com/office/drawing/2014/main" id="{6F2592F5-6718-4B8F-A23D-F7F22752E7EC}"/>
+              </a:ext>
+            </a:extLst>
+          </p:cNvPr>
+          <p:cNvPicPr>
+            <a:picLocks noChangeAspect="1"/>
+          </p:cNvPicPr>
+          <p:nvPr/>
+        </p:nvPicPr>
+        <p:blipFill>
+          <a:blip r:embed="rId2" cstate="print">
+            <a:extLst>
+              <a:ext uri="{28A0092B-C50C-407E-A947-70E740481C1C}">
+                <a14:useLocalDpi xmlns:a14="http://schemas.microsoft.com/office/drawing/2010/main" val="0"/>
+              </a:ext>
+            </a:extLst>
+          </a:blip>
+          <a:stretch>
+            <a:fillRect/>
+          </a:stretch>
+        </p:blipFill>
+        <p:spPr>
+          <a:xfrm>
+            <a:off x="4877410" y="1655520"/>
+            <a:ext cx="3058194" cy="1828800"/>
+          </a:xfrm>
+          <a:prstGeom prst="rect">
+            <a:avLst/>
+          </a:prstGeom>
+        </p:spPr>
+      </p:pic>
+    </p:spTree>
+    <p:extLst>
+      <p:ext uri="{BB962C8B-B14F-4D97-AF65-F5344CB8AC3E}">
+        <p14:creationId xmlns:p14="http://schemas.microsoft.com/office/powerpoint/2010/main" val="4047506017"/>
+      </p:ext>
+    </p:extLst>
+  </p:cSld>
+  <p:clrMapOvr>
+    <a:masterClrMapping/>
+  </p:clrMapOvr>
+</p:sld>
+</file>
+
 <file path=ppt/slides/slide2.xml><?xml version="1.0" encoding="utf-8"?>
 <p:sld xmlns:a="http://schemas.openxmlformats.org/drawingml/2006/main" xmlns:r="http://schemas.openxmlformats.org/officeDocument/2006/relationships" xmlns:p="http://schemas.openxmlformats.org/presentationml/2006/main">
   <p:cSld>

--- a/Blockchain 101.pptx
+++ b/Blockchain 101.pptx
@@ -5,7 +5,7 @@
     <p:sldMasterId id="2147483648" r:id="rId1"/>
   </p:sldMasterIdLst>
   <p:notesMasterIdLst>
-    <p:notesMasterId r:id="rId12"/>
+    <p:notesMasterId r:id="rId13"/>
   </p:notesMasterIdLst>
   <p:sldIdLst>
     <p:sldId id="256" r:id="rId2"/>
@@ -18,6 +18,7 @@
     <p:sldId id="262" r:id="rId9"/>
     <p:sldId id="265" r:id="rId10"/>
     <p:sldId id="266" r:id="rId11"/>
+    <p:sldId id="267" r:id="rId12"/>
   </p:sldIdLst>
   <p:sldSz cx="9144000" cy="5143500" type="screen16x9"/>
   <p:notesSz cx="6858000" cy="9144000"/>
@@ -7334,7 +7335,7 @@
         <p:spPr>
           <a:xfrm>
             <a:off x="2374094" y="1556087"/>
-            <a:ext cx="2503316" cy="2585323"/>
+            <a:ext cx="2503316" cy="2308324"/>
           </a:xfrm>
           <a:prstGeom prst="rect">
             <a:avLst/>
@@ -7436,12 +7437,6 @@
               </a:rPr>
               <a:t>IOTA</a:t>
             </a:r>
-          </a:p>
-          <a:p>
-            <a:endParaRPr lang="en-US" dirty="0">
-              <a:latin typeface="Times New Roman" panose="02020603050405020304" pitchFamily="18" charset="0"/>
-              <a:cs typeface="Times New Roman" panose="02020603050405020304" pitchFamily="18" charset="0"/>
-            </a:endParaRPr>
           </a:p>
           <a:p>
             <a:r>
@@ -7494,6 +7489,108 @@
     <p:extLst>
       <p:ext uri="{BB962C8B-B14F-4D97-AF65-F5344CB8AC3E}">
         <p14:creationId xmlns:p14="http://schemas.microsoft.com/office/powerpoint/2010/main" val="4047506017"/>
+      </p:ext>
+    </p:extLst>
+  </p:cSld>
+  <p:clrMapOvr>
+    <a:masterClrMapping/>
+  </p:clrMapOvr>
+</p:sld>
+</file>
+
+<file path=ppt/slides/slide11.xml><?xml version="1.0" encoding="utf-8"?>
+<p:sld xmlns:a="http://schemas.openxmlformats.org/drawingml/2006/main" xmlns:r="http://schemas.openxmlformats.org/officeDocument/2006/relationships" xmlns:p="http://schemas.openxmlformats.org/presentationml/2006/main">
+  <p:cSld>
+    <p:spTree>
+      <p:nvGrpSpPr>
+        <p:cNvPr id="1" name=""/>
+        <p:cNvGrpSpPr/>
+        <p:nvPr/>
+      </p:nvGrpSpPr>
+      <p:grpSpPr>
+        <a:xfrm>
+          <a:off x="0" y="0"/>
+          <a:ext cx="0" cy="0"/>
+          <a:chOff x="0" y="0"/>
+          <a:chExt cx="0" cy="0"/>
+        </a:xfrm>
+      </p:grpSpPr>
+      <p:sp>
+        <p:nvSpPr>
+          <p:cNvPr id="5" name="Title 1">
+            <a:extLst>
+              <a:ext uri="{FF2B5EF4-FFF2-40B4-BE49-F238E27FC236}">
+                <a16:creationId xmlns:a16="http://schemas.microsoft.com/office/drawing/2014/main" id="{4F61D753-B49B-4B37-A990-D61E98AEF339}"/>
+              </a:ext>
+            </a:extLst>
+          </p:cNvPr>
+          <p:cNvSpPr>
+            <a:spLocks noGrp="1"/>
+          </p:cNvSpPr>
+          <p:nvPr>
+            <p:ph type="title"/>
+          </p:nvPr>
+        </p:nvSpPr>
+        <p:spPr>
+          <a:xfrm>
+            <a:off x="2434130" y="128470"/>
+            <a:ext cx="6260905" cy="725349"/>
+          </a:xfrm>
+        </p:spPr>
+        <p:txBody>
+          <a:bodyPr/>
+          <a:lstStyle/>
+          <a:p>
+            <a:r>
+              <a:rPr lang="en-US" dirty="0">
+                <a:latin typeface="Times New Roman" panose="02020603050405020304" pitchFamily="18" charset="0"/>
+                <a:cs typeface="Times New Roman" panose="02020603050405020304" pitchFamily="18" charset="0"/>
+              </a:rPr>
+              <a:t>Birth of Bitcoin</a:t>
+            </a:r>
+          </a:p>
+        </p:txBody>
+      </p:sp>
+      <p:pic>
+        <p:nvPicPr>
+          <p:cNvPr id="6" name="Picture 5">
+            <a:extLst>
+              <a:ext uri="{FF2B5EF4-FFF2-40B4-BE49-F238E27FC236}">
+                <a16:creationId xmlns:a16="http://schemas.microsoft.com/office/drawing/2014/main" id="{74F75114-C33C-4906-9FA9-01CA55CE6CB3}"/>
+              </a:ext>
+            </a:extLst>
+          </p:cNvPr>
+          <p:cNvPicPr>
+            <a:picLocks noChangeAspect="1"/>
+          </p:cNvPicPr>
+          <p:nvPr/>
+        </p:nvPicPr>
+        <p:blipFill>
+          <a:blip r:embed="rId2" cstate="print">
+            <a:extLst>
+              <a:ext uri="{28A0092B-C50C-407E-A947-70E740481C1C}">
+                <a14:useLocalDpi xmlns:a14="http://schemas.microsoft.com/office/drawing/2010/main" val="0"/>
+              </a:ext>
+            </a:extLst>
+          </a:blip>
+          <a:stretch>
+            <a:fillRect/>
+          </a:stretch>
+        </p:blipFill>
+        <p:spPr>
+          <a:xfrm>
+            <a:off x="2391877" y="1102419"/>
+            <a:ext cx="4892162" cy="2938662"/>
+          </a:xfrm>
+          <a:prstGeom prst="rect">
+            <a:avLst/>
+          </a:prstGeom>
+        </p:spPr>
+      </p:pic>
+    </p:spTree>
+    <p:extLst>
+      <p:ext uri="{BB962C8B-B14F-4D97-AF65-F5344CB8AC3E}">
+        <p14:creationId xmlns:p14="http://schemas.microsoft.com/office/powerpoint/2010/main" val="1818332177"/>
       </p:ext>
     </p:extLst>
   </p:cSld>

--- a/Blockchain 101.pptx
+++ b/Blockchain 101.pptx
@@ -5,7 +5,7 @@
     <p:sldMasterId id="2147483648" r:id="rId1"/>
   </p:sldMasterIdLst>
   <p:notesMasterIdLst>
-    <p:notesMasterId r:id="rId13"/>
+    <p:notesMasterId r:id="rId14"/>
   </p:notesMasterIdLst>
   <p:sldIdLst>
     <p:sldId id="256" r:id="rId2"/>
@@ -19,6 +19,7 @@
     <p:sldId id="265" r:id="rId10"/>
     <p:sldId id="266" r:id="rId11"/>
     <p:sldId id="267" r:id="rId12"/>
+    <p:sldId id="268" r:id="rId13"/>
   </p:sldIdLst>
   <p:sldSz cx="9144000" cy="5143500" type="screen16x9"/>
   <p:notesSz cx="6858000" cy="9144000"/>
@@ -850,6 +851,788 @@
     <dgm:fillClrLst meth="repeat">
       <a:schemeClr val="accent1">
         <a:tint val="60000"/>
+      </a:schemeClr>
+    </dgm:fillClrLst>
+    <dgm:linClrLst meth="repeat">
+      <a:schemeClr val="lt1"/>
+    </dgm:linClrLst>
+    <dgm:effectClrLst/>
+    <dgm:txLinClrLst/>
+    <dgm:txFillClrLst meth="repeat">
+      <a:schemeClr val="dk1"/>
+    </dgm:txFillClrLst>
+    <dgm:txEffectClrLst/>
+  </dgm:styleLbl>
+  <dgm:styleLbl name="revTx">
+    <dgm:fillClrLst meth="repeat">
+      <a:schemeClr val="lt1">
+        <a:alpha val="0"/>
+      </a:schemeClr>
+    </dgm:fillClrLst>
+    <dgm:linClrLst meth="repeat">
+      <a:schemeClr val="dk1">
+        <a:alpha val="0"/>
+      </a:schemeClr>
+    </dgm:linClrLst>
+    <dgm:effectClrLst/>
+    <dgm:txLinClrLst/>
+    <dgm:txFillClrLst meth="repeat">
+      <a:schemeClr val="tx1"/>
+    </dgm:txFillClrLst>
+    <dgm:txEffectClrLst/>
+  </dgm:styleLbl>
+</dgm:colorsDef>
+</file>
+
+<file path=ppt/diagrams/colors2.xml><?xml version="1.0" encoding="utf-8"?>
+<dgm:colorsDef xmlns:dgm="http://schemas.openxmlformats.org/drawingml/2006/diagram" xmlns:a="http://schemas.openxmlformats.org/drawingml/2006/main" uniqueId="urn:microsoft.com/office/officeart/2005/8/colors/colorful3">
+  <dgm:title val=""/>
+  <dgm:desc val=""/>
+  <dgm:catLst>
+    <dgm:cat type="colorful" pri="10300"/>
+  </dgm:catLst>
+  <dgm:styleLbl name="node0">
+    <dgm:fillClrLst meth="repeat">
+      <a:schemeClr val="accent2"/>
+    </dgm:fillClrLst>
+    <dgm:linClrLst meth="repeat">
+      <a:schemeClr val="lt1"/>
+    </dgm:linClrLst>
+    <dgm:effectClrLst/>
+    <dgm:txLinClrLst/>
+    <dgm:txFillClrLst/>
+    <dgm:txEffectClrLst/>
+  </dgm:styleLbl>
+  <dgm:styleLbl name="node1">
+    <dgm:fillClrLst>
+      <a:schemeClr val="accent3"/>
+      <a:schemeClr val="accent4"/>
+    </dgm:fillClrLst>
+    <dgm:linClrLst meth="repeat">
+      <a:schemeClr val="lt1"/>
+    </dgm:linClrLst>
+    <dgm:effectClrLst/>
+    <dgm:txLinClrLst/>
+    <dgm:txFillClrLst/>
+    <dgm:txEffectClrLst/>
+  </dgm:styleLbl>
+  <dgm:styleLbl name="alignNode1">
+    <dgm:fillClrLst>
+      <a:schemeClr val="accent3"/>
+      <a:schemeClr val="accent4"/>
+    </dgm:fillClrLst>
+    <dgm:linClrLst>
+      <a:schemeClr val="accent3"/>
+      <a:schemeClr val="accent4"/>
+    </dgm:linClrLst>
+    <dgm:effectClrLst/>
+    <dgm:txLinClrLst/>
+    <dgm:txFillClrLst/>
+    <dgm:txEffectClrLst/>
+  </dgm:styleLbl>
+  <dgm:styleLbl name="lnNode1">
+    <dgm:fillClrLst>
+      <a:schemeClr val="accent3"/>
+      <a:schemeClr val="accent4"/>
+    </dgm:fillClrLst>
+    <dgm:linClrLst meth="repeat">
+      <a:schemeClr val="lt1"/>
+    </dgm:linClrLst>
+    <dgm:effectClrLst/>
+    <dgm:txLinClrLst/>
+    <dgm:txFillClrLst/>
+    <dgm:txEffectClrLst/>
+  </dgm:styleLbl>
+  <dgm:styleLbl name="vennNode1">
+    <dgm:fillClrLst>
+      <a:schemeClr val="accent3">
+        <a:alpha val="50000"/>
+      </a:schemeClr>
+      <a:schemeClr val="accent4">
+        <a:alpha val="50000"/>
+      </a:schemeClr>
+    </dgm:fillClrLst>
+    <dgm:linClrLst meth="repeat">
+      <a:schemeClr val="lt1"/>
+    </dgm:linClrLst>
+    <dgm:effectClrLst/>
+    <dgm:txLinClrLst/>
+    <dgm:txFillClrLst/>
+    <dgm:txEffectClrLst/>
+  </dgm:styleLbl>
+  <dgm:styleLbl name="node2">
+    <dgm:fillClrLst>
+      <a:schemeClr val="accent4"/>
+    </dgm:fillClrLst>
+    <dgm:linClrLst meth="repeat">
+      <a:schemeClr val="lt1"/>
+    </dgm:linClrLst>
+    <dgm:effectClrLst/>
+    <dgm:txLinClrLst/>
+    <dgm:txFillClrLst/>
+    <dgm:txEffectClrLst/>
+  </dgm:styleLbl>
+  <dgm:styleLbl name="node3">
+    <dgm:fillClrLst>
+      <a:schemeClr val="accent5"/>
+    </dgm:fillClrLst>
+    <dgm:linClrLst meth="repeat">
+      <a:schemeClr val="lt1"/>
+    </dgm:linClrLst>
+    <dgm:effectClrLst/>
+    <dgm:txLinClrLst/>
+    <dgm:txFillClrLst/>
+    <dgm:txEffectClrLst/>
+  </dgm:styleLbl>
+  <dgm:styleLbl name="node4">
+    <dgm:fillClrLst>
+      <a:schemeClr val="accent6"/>
+    </dgm:fillClrLst>
+    <dgm:linClrLst meth="repeat">
+      <a:schemeClr val="lt1"/>
+    </dgm:linClrLst>
+    <dgm:effectClrLst/>
+    <dgm:txLinClrLst/>
+    <dgm:txFillClrLst/>
+    <dgm:txEffectClrLst/>
+  </dgm:styleLbl>
+  <dgm:styleLbl name="fgImgPlace1">
+    <dgm:fillClrLst>
+      <a:schemeClr val="accent3">
+        <a:tint val="50000"/>
+      </a:schemeClr>
+      <a:schemeClr val="accent4">
+        <a:tint val="50000"/>
+      </a:schemeClr>
+    </dgm:fillClrLst>
+    <dgm:linClrLst meth="repeat">
+      <a:schemeClr val="lt1"/>
+    </dgm:linClrLst>
+    <dgm:effectClrLst/>
+    <dgm:txLinClrLst/>
+    <dgm:txFillClrLst meth="repeat">
+      <a:schemeClr val="lt1"/>
+    </dgm:txFillClrLst>
+    <dgm:txEffectClrLst/>
+  </dgm:styleLbl>
+  <dgm:styleLbl name="alignImgPlace1">
+    <dgm:fillClrLst>
+      <a:schemeClr val="accent3">
+        <a:tint val="50000"/>
+      </a:schemeClr>
+      <a:schemeClr val="accent4">
+        <a:tint val="20000"/>
+      </a:schemeClr>
+    </dgm:fillClrLst>
+    <dgm:linClrLst meth="repeat">
+      <a:schemeClr val="lt1"/>
+    </dgm:linClrLst>
+    <dgm:effectClrLst/>
+    <dgm:txLinClrLst/>
+    <dgm:txFillClrLst meth="repeat">
+      <a:schemeClr val="lt1"/>
+    </dgm:txFillClrLst>
+    <dgm:txEffectClrLst/>
+  </dgm:styleLbl>
+  <dgm:styleLbl name="bgImgPlace1">
+    <dgm:fillClrLst>
+      <a:schemeClr val="accent3">
+        <a:tint val="50000"/>
+      </a:schemeClr>
+      <a:schemeClr val="accent4">
+        <a:tint val="20000"/>
+      </a:schemeClr>
+    </dgm:fillClrLst>
+    <dgm:linClrLst meth="repeat">
+      <a:schemeClr val="lt1"/>
+    </dgm:linClrLst>
+    <dgm:effectClrLst/>
+    <dgm:txLinClrLst/>
+    <dgm:txFillClrLst meth="repeat">
+      <a:schemeClr val="lt1"/>
+    </dgm:txFillClrLst>
+    <dgm:txEffectClrLst/>
+  </dgm:styleLbl>
+  <dgm:styleLbl name="sibTrans2D1">
+    <dgm:fillClrLst>
+      <a:schemeClr val="accent3"/>
+      <a:schemeClr val="accent4"/>
+    </dgm:fillClrLst>
+    <dgm:linClrLst meth="repeat">
+      <a:schemeClr val="lt1"/>
+    </dgm:linClrLst>
+    <dgm:effectClrLst/>
+    <dgm:txLinClrLst/>
+    <dgm:txFillClrLst/>
+    <dgm:txEffectClrLst/>
+  </dgm:styleLbl>
+  <dgm:styleLbl name="fgSibTrans2D1">
+    <dgm:fillClrLst>
+      <a:schemeClr val="accent3"/>
+      <a:schemeClr val="accent4"/>
+    </dgm:fillClrLst>
+    <dgm:linClrLst meth="repeat">
+      <a:schemeClr val="lt1"/>
+    </dgm:linClrLst>
+    <dgm:effectClrLst/>
+    <dgm:txLinClrLst/>
+    <dgm:txFillClrLst meth="repeat">
+      <a:schemeClr val="lt1"/>
+    </dgm:txFillClrLst>
+    <dgm:txEffectClrLst/>
+  </dgm:styleLbl>
+  <dgm:styleLbl name="bgSibTrans2D1">
+    <dgm:fillClrLst>
+      <a:schemeClr val="accent3"/>
+      <a:schemeClr val="accent4"/>
+    </dgm:fillClrLst>
+    <dgm:linClrLst meth="repeat">
+      <a:schemeClr val="lt1"/>
+    </dgm:linClrLst>
+    <dgm:effectClrLst/>
+    <dgm:txLinClrLst/>
+    <dgm:txFillClrLst meth="repeat">
+      <a:schemeClr val="lt1"/>
+    </dgm:txFillClrLst>
+    <dgm:txEffectClrLst/>
+  </dgm:styleLbl>
+  <dgm:styleLbl name="sibTrans1D1">
+    <dgm:fillClrLst/>
+    <dgm:linClrLst>
+      <a:schemeClr val="accent3"/>
+      <a:schemeClr val="accent4"/>
+    </dgm:linClrLst>
+    <dgm:effectClrLst/>
+    <dgm:txLinClrLst/>
+    <dgm:txFillClrLst meth="repeat">
+      <a:schemeClr val="tx1"/>
+    </dgm:txFillClrLst>
+    <dgm:txEffectClrLst/>
+  </dgm:styleLbl>
+  <dgm:styleLbl name="callout">
+    <dgm:fillClrLst meth="repeat">
+      <a:schemeClr val="accent3"/>
+    </dgm:fillClrLst>
+    <dgm:linClrLst meth="repeat">
+      <a:schemeClr val="accent3">
+        <a:tint val="50000"/>
+      </a:schemeClr>
+    </dgm:linClrLst>
+    <dgm:effectClrLst/>
+    <dgm:txLinClrLst/>
+    <dgm:txFillClrLst meth="repeat">
+      <a:schemeClr val="tx1"/>
+    </dgm:txFillClrLst>
+    <dgm:txEffectClrLst/>
+  </dgm:styleLbl>
+  <dgm:styleLbl name="asst0">
+    <dgm:fillClrLst meth="repeat">
+      <a:schemeClr val="accent3"/>
+    </dgm:fillClrLst>
+    <dgm:linClrLst meth="repeat">
+      <a:schemeClr val="lt1">
+        <a:shade val="80000"/>
+      </a:schemeClr>
+    </dgm:linClrLst>
+    <dgm:effectClrLst/>
+    <dgm:txLinClrLst/>
+    <dgm:txFillClrLst/>
+    <dgm:txEffectClrLst/>
+  </dgm:styleLbl>
+  <dgm:styleLbl name="asst1">
+    <dgm:fillClrLst meth="repeat">
+      <a:schemeClr val="accent4"/>
+    </dgm:fillClrLst>
+    <dgm:linClrLst meth="repeat">
+      <a:schemeClr val="lt1">
+        <a:shade val="80000"/>
+      </a:schemeClr>
+    </dgm:linClrLst>
+    <dgm:effectClrLst/>
+    <dgm:txLinClrLst/>
+    <dgm:txFillClrLst/>
+    <dgm:txEffectClrLst/>
+  </dgm:styleLbl>
+  <dgm:styleLbl name="asst2">
+    <dgm:fillClrLst>
+      <a:schemeClr val="accent5"/>
+    </dgm:fillClrLst>
+    <dgm:linClrLst meth="repeat">
+      <a:schemeClr val="lt1"/>
+    </dgm:linClrLst>
+    <dgm:effectClrLst/>
+    <dgm:txLinClrLst/>
+    <dgm:txFillClrLst/>
+    <dgm:txEffectClrLst/>
+  </dgm:styleLbl>
+  <dgm:styleLbl name="asst3">
+    <dgm:fillClrLst>
+      <a:schemeClr val="accent6"/>
+    </dgm:fillClrLst>
+    <dgm:linClrLst meth="repeat">
+      <a:schemeClr val="lt1"/>
+    </dgm:linClrLst>
+    <dgm:effectClrLst/>
+    <dgm:txLinClrLst/>
+    <dgm:txFillClrLst/>
+    <dgm:txEffectClrLst/>
+  </dgm:styleLbl>
+  <dgm:styleLbl name="asst4">
+    <dgm:fillClrLst>
+      <a:schemeClr val="accent1"/>
+    </dgm:fillClrLst>
+    <dgm:linClrLst meth="repeat">
+      <a:schemeClr val="lt1"/>
+    </dgm:linClrLst>
+    <dgm:effectClrLst/>
+    <dgm:txLinClrLst/>
+    <dgm:txFillClrLst/>
+    <dgm:txEffectClrLst/>
+  </dgm:styleLbl>
+  <dgm:styleLbl name="parChTrans2D1">
+    <dgm:fillClrLst meth="repeat">
+      <a:schemeClr val="accent2"/>
+    </dgm:fillClrLst>
+    <dgm:linClrLst meth="repeat">
+      <a:schemeClr val="lt1"/>
+    </dgm:linClrLst>
+    <dgm:effectClrLst/>
+    <dgm:txLinClrLst/>
+    <dgm:txFillClrLst meth="repeat">
+      <a:schemeClr val="lt1"/>
+    </dgm:txFillClrLst>
+    <dgm:txEffectClrLst/>
+  </dgm:styleLbl>
+  <dgm:styleLbl name="parChTrans2D2">
+    <dgm:fillClrLst meth="repeat">
+      <a:schemeClr val="accent3"/>
+    </dgm:fillClrLst>
+    <dgm:linClrLst meth="repeat">
+      <a:schemeClr val="lt1"/>
+    </dgm:linClrLst>
+    <dgm:effectClrLst/>
+    <dgm:txLinClrLst/>
+    <dgm:txFillClrLst/>
+    <dgm:txEffectClrLst/>
+  </dgm:styleLbl>
+  <dgm:styleLbl name="parChTrans2D3">
+    <dgm:fillClrLst meth="repeat">
+      <a:schemeClr val="accent4"/>
+    </dgm:fillClrLst>
+    <dgm:linClrLst meth="repeat">
+      <a:schemeClr val="lt1"/>
+    </dgm:linClrLst>
+    <dgm:effectClrLst/>
+    <dgm:txLinClrLst/>
+    <dgm:txFillClrLst/>
+    <dgm:txEffectClrLst/>
+  </dgm:styleLbl>
+  <dgm:styleLbl name="parChTrans2D4">
+    <dgm:fillClrLst meth="repeat">
+      <a:schemeClr val="accent5"/>
+    </dgm:fillClrLst>
+    <dgm:linClrLst meth="repeat">
+      <a:schemeClr val="lt1"/>
+    </dgm:linClrLst>
+    <dgm:effectClrLst/>
+    <dgm:txLinClrLst/>
+    <dgm:txFillClrLst meth="repeat">
+      <a:schemeClr val="lt1"/>
+    </dgm:txFillClrLst>
+    <dgm:txEffectClrLst/>
+  </dgm:styleLbl>
+  <dgm:styleLbl name="parChTrans1D1">
+    <dgm:fillClrLst meth="repeat">
+      <a:schemeClr val="accent3"/>
+    </dgm:fillClrLst>
+    <dgm:linClrLst meth="repeat">
+      <a:schemeClr val="accent3"/>
+    </dgm:linClrLst>
+    <dgm:effectClrLst/>
+    <dgm:txLinClrLst/>
+    <dgm:txFillClrLst meth="repeat">
+      <a:schemeClr val="tx1"/>
+    </dgm:txFillClrLst>
+    <dgm:txEffectClrLst/>
+  </dgm:styleLbl>
+  <dgm:styleLbl name="parChTrans1D2">
+    <dgm:fillClrLst meth="repeat">
+      <a:schemeClr val="accent2">
+        <a:tint val="90000"/>
+      </a:schemeClr>
+    </dgm:fillClrLst>
+    <dgm:linClrLst meth="repeat">
+      <a:schemeClr val="accent4"/>
+    </dgm:linClrLst>
+    <dgm:effectClrLst/>
+    <dgm:txLinClrLst/>
+    <dgm:txFillClrLst meth="repeat">
+      <a:schemeClr val="tx1"/>
+    </dgm:txFillClrLst>
+    <dgm:txEffectClrLst/>
+  </dgm:styleLbl>
+  <dgm:styleLbl name="parChTrans1D3">
+    <dgm:fillClrLst meth="repeat">
+      <a:schemeClr val="accent2">
+        <a:tint val="70000"/>
+      </a:schemeClr>
+    </dgm:fillClrLst>
+    <dgm:linClrLst meth="repeat">
+      <a:schemeClr val="accent5"/>
+    </dgm:linClrLst>
+    <dgm:effectClrLst/>
+    <dgm:txLinClrLst/>
+    <dgm:txFillClrLst meth="repeat">
+      <a:schemeClr val="tx1"/>
+    </dgm:txFillClrLst>
+    <dgm:txEffectClrLst/>
+  </dgm:styleLbl>
+  <dgm:styleLbl name="parChTrans1D4">
+    <dgm:fillClrLst meth="repeat">
+      <a:schemeClr val="accent6">
+        <a:tint val="50000"/>
+      </a:schemeClr>
+    </dgm:fillClrLst>
+    <dgm:linClrLst meth="repeat">
+      <a:schemeClr val="accent6"/>
+    </dgm:linClrLst>
+    <dgm:effectClrLst/>
+    <dgm:txLinClrLst/>
+    <dgm:txFillClrLst meth="repeat">
+      <a:schemeClr val="tx1"/>
+    </dgm:txFillClrLst>
+    <dgm:txEffectClrLst/>
+  </dgm:styleLbl>
+  <dgm:styleLbl name="fgAcc1">
+    <dgm:fillClrLst meth="repeat">
+      <a:schemeClr val="lt1">
+        <a:alpha val="90000"/>
+      </a:schemeClr>
+    </dgm:fillClrLst>
+    <dgm:linClrLst>
+      <a:schemeClr val="accent3"/>
+      <a:schemeClr val="accent4"/>
+    </dgm:linClrLst>
+    <dgm:effectClrLst/>
+    <dgm:txLinClrLst/>
+    <dgm:txFillClrLst meth="repeat">
+      <a:schemeClr val="dk1"/>
+    </dgm:txFillClrLst>
+    <dgm:txEffectClrLst/>
+  </dgm:styleLbl>
+  <dgm:styleLbl name="conFgAcc1">
+    <dgm:fillClrLst meth="repeat">
+      <a:schemeClr val="lt1">
+        <a:alpha val="90000"/>
+      </a:schemeClr>
+    </dgm:fillClrLst>
+    <dgm:linClrLst>
+      <a:schemeClr val="accent3"/>
+      <a:schemeClr val="accent4"/>
+    </dgm:linClrLst>
+    <dgm:effectClrLst/>
+    <dgm:txLinClrLst/>
+    <dgm:txFillClrLst meth="repeat">
+      <a:schemeClr val="dk1"/>
+    </dgm:txFillClrLst>
+    <dgm:txEffectClrLst/>
+  </dgm:styleLbl>
+  <dgm:styleLbl name="alignAcc1">
+    <dgm:fillClrLst meth="repeat">
+      <a:schemeClr val="lt1">
+        <a:alpha val="90000"/>
+      </a:schemeClr>
+    </dgm:fillClrLst>
+    <dgm:linClrLst>
+      <a:schemeClr val="accent3"/>
+      <a:schemeClr val="accent4"/>
+    </dgm:linClrLst>
+    <dgm:effectClrLst/>
+    <dgm:txLinClrLst/>
+    <dgm:txFillClrLst meth="repeat">
+      <a:schemeClr val="dk1"/>
+    </dgm:txFillClrLst>
+    <dgm:txEffectClrLst/>
+  </dgm:styleLbl>
+  <dgm:styleLbl name="trAlignAcc1">
+    <dgm:fillClrLst meth="repeat">
+      <a:schemeClr val="lt1">
+        <a:alpha val="40000"/>
+      </a:schemeClr>
+    </dgm:fillClrLst>
+    <dgm:linClrLst meth="repeat">
+      <a:schemeClr val="accent2"/>
+    </dgm:linClrLst>
+    <dgm:effectClrLst/>
+    <dgm:txLinClrLst/>
+    <dgm:txFillClrLst meth="repeat">
+      <a:schemeClr val="dk1"/>
+    </dgm:txFillClrLst>
+    <dgm:txEffectClrLst/>
+  </dgm:styleLbl>
+  <dgm:styleLbl name="bgAcc1">
+    <dgm:fillClrLst meth="repeat">
+      <a:schemeClr val="lt1">
+        <a:alpha val="90000"/>
+      </a:schemeClr>
+    </dgm:fillClrLst>
+    <dgm:linClrLst>
+      <a:schemeClr val="accent3"/>
+      <a:schemeClr val="accent4"/>
+    </dgm:linClrLst>
+    <dgm:effectClrLst/>
+    <dgm:txLinClrLst/>
+    <dgm:txFillClrLst meth="repeat">
+      <a:schemeClr val="dk1"/>
+    </dgm:txFillClrLst>
+    <dgm:txEffectClrLst/>
+  </dgm:styleLbl>
+  <dgm:styleLbl name="solidFgAcc1">
+    <dgm:fillClrLst meth="repeat">
+      <a:schemeClr val="lt1"/>
+    </dgm:fillClrLst>
+    <dgm:linClrLst>
+      <a:schemeClr val="accent3"/>
+      <a:schemeClr val="accent4"/>
+    </dgm:linClrLst>
+    <dgm:effectClrLst/>
+    <dgm:txLinClrLst/>
+    <dgm:txFillClrLst meth="repeat">
+      <a:schemeClr val="dk1"/>
+    </dgm:txFillClrLst>
+    <dgm:txEffectClrLst/>
+  </dgm:styleLbl>
+  <dgm:styleLbl name="solidAlignAcc1">
+    <dgm:fillClrLst meth="repeat">
+      <a:schemeClr val="lt1"/>
+    </dgm:fillClrLst>
+    <dgm:linClrLst>
+      <a:schemeClr val="accent3"/>
+      <a:schemeClr val="accent4"/>
+    </dgm:linClrLst>
+    <dgm:effectClrLst/>
+    <dgm:txLinClrLst/>
+    <dgm:txFillClrLst meth="repeat">
+      <a:schemeClr val="dk1"/>
+    </dgm:txFillClrLst>
+    <dgm:txEffectClrLst/>
+  </dgm:styleLbl>
+  <dgm:styleLbl name="solidBgAcc1">
+    <dgm:fillClrLst meth="repeat">
+      <a:schemeClr val="lt1"/>
+    </dgm:fillClrLst>
+    <dgm:linClrLst>
+      <a:schemeClr val="accent3"/>
+      <a:schemeClr val="accent4"/>
+    </dgm:linClrLst>
+    <dgm:effectClrLst/>
+    <dgm:txLinClrLst/>
+    <dgm:txFillClrLst meth="repeat">
+      <a:schemeClr val="dk1"/>
+    </dgm:txFillClrLst>
+    <dgm:txEffectClrLst/>
+  </dgm:styleLbl>
+  <dgm:styleLbl name="fgAccFollowNode1">
+    <dgm:fillClrLst>
+      <a:schemeClr val="accent3">
+        <a:tint val="40000"/>
+        <a:alpha val="90000"/>
+      </a:schemeClr>
+      <a:schemeClr val="accent4">
+        <a:tint val="40000"/>
+        <a:alpha val="90000"/>
+      </a:schemeClr>
+    </dgm:fillClrLst>
+    <dgm:linClrLst>
+      <a:schemeClr val="accent3">
+        <a:tint val="40000"/>
+        <a:alpha val="90000"/>
+      </a:schemeClr>
+      <a:schemeClr val="accent4">
+        <a:tint val="40000"/>
+        <a:alpha val="90000"/>
+      </a:schemeClr>
+    </dgm:linClrLst>
+    <dgm:effectClrLst/>
+    <dgm:txLinClrLst/>
+    <dgm:txFillClrLst meth="repeat">
+      <a:schemeClr val="dk1"/>
+    </dgm:txFillClrLst>
+    <dgm:txEffectClrLst/>
+  </dgm:styleLbl>
+  <dgm:styleLbl name="alignAccFollowNode1">
+    <dgm:fillClrLst>
+      <a:schemeClr val="accent3">
+        <a:tint val="40000"/>
+        <a:alpha val="90000"/>
+      </a:schemeClr>
+      <a:schemeClr val="accent4">
+        <a:tint val="40000"/>
+        <a:alpha val="90000"/>
+      </a:schemeClr>
+    </dgm:fillClrLst>
+    <dgm:linClrLst>
+      <a:schemeClr val="accent3">
+        <a:tint val="40000"/>
+        <a:alpha val="90000"/>
+      </a:schemeClr>
+      <a:schemeClr val="accent4">
+        <a:tint val="40000"/>
+        <a:alpha val="90000"/>
+      </a:schemeClr>
+    </dgm:linClrLst>
+    <dgm:effectClrLst/>
+    <dgm:txLinClrLst/>
+    <dgm:txFillClrLst meth="repeat">
+      <a:schemeClr val="dk1"/>
+    </dgm:txFillClrLst>
+    <dgm:txEffectClrLst/>
+  </dgm:styleLbl>
+  <dgm:styleLbl name="bgAccFollowNode1">
+    <dgm:fillClrLst>
+      <a:schemeClr val="accent3">
+        <a:tint val="40000"/>
+        <a:alpha val="90000"/>
+      </a:schemeClr>
+      <a:schemeClr val="accent4">
+        <a:tint val="40000"/>
+        <a:alpha val="90000"/>
+      </a:schemeClr>
+    </dgm:fillClrLst>
+    <dgm:linClrLst>
+      <a:schemeClr val="accent3">
+        <a:tint val="40000"/>
+        <a:alpha val="90000"/>
+      </a:schemeClr>
+      <a:schemeClr val="accent4">
+        <a:tint val="40000"/>
+        <a:alpha val="90000"/>
+      </a:schemeClr>
+    </dgm:linClrLst>
+    <dgm:effectClrLst/>
+    <dgm:txLinClrLst/>
+    <dgm:txFillClrLst meth="repeat">
+      <a:schemeClr val="dk1"/>
+    </dgm:txFillClrLst>
+    <dgm:txEffectClrLst/>
+  </dgm:styleLbl>
+  <dgm:styleLbl name="fgAcc0">
+    <dgm:fillClrLst meth="repeat">
+      <a:schemeClr val="lt1">
+        <a:alpha val="90000"/>
+      </a:schemeClr>
+    </dgm:fillClrLst>
+    <dgm:linClrLst>
+      <a:schemeClr val="accent2"/>
+    </dgm:linClrLst>
+    <dgm:effectClrLst/>
+    <dgm:txLinClrLst/>
+    <dgm:txFillClrLst meth="repeat">
+      <a:schemeClr val="dk1"/>
+    </dgm:txFillClrLst>
+    <dgm:txEffectClrLst/>
+  </dgm:styleLbl>
+  <dgm:styleLbl name="fgAcc2">
+    <dgm:fillClrLst meth="repeat">
+      <a:schemeClr val="lt1">
+        <a:alpha val="90000"/>
+      </a:schemeClr>
+    </dgm:fillClrLst>
+    <dgm:linClrLst>
+      <a:schemeClr val="accent4"/>
+    </dgm:linClrLst>
+    <dgm:effectClrLst/>
+    <dgm:txLinClrLst/>
+    <dgm:txFillClrLst meth="repeat">
+      <a:schemeClr val="dk1"/>
+    </dgm:txFillClrLst>
+    <dgm:txEffectClrLst/>
+  </dgm:styleLbl>
+  <dgm:styleLbl name="fgAcc3">
+    <dgm:fillClrLst meth="repeat">
+      <a:schemeClr val="lt1">
+        <a:alpha val="90000"/>
+      </a:schemeClr>
+    </dgm:fillClrLst>
+    <dgm:linClrLst>
+      <a:schemeClr val="accent5"/>
+    </dgm:linClrLst>
+    <dgm:effectClrLst/>
+    <dgm:txLinClrLst/>
+    <dgm:txFillClrLst meth="repeat">
+      <a:schemeClr val="dk1"/>
+    </dgm:txFillClrLst>
+    <dgm:txEffectClrLst/>
+  </dgm:styleLbl>
+  <dgm:styleLbl name="fgAcc4">
+    <dgm:fillClrLst meth="repeat">
+      <a:schemeClr val="lt1">
+        <a:alpha val="90000"/>
+      </a:schemeClr>
+    </dgm:fillClrLst>
+    <dgm:linClrLst>
+      <a:schemeClr val="accent6"/>
+    </dgm:linClrLst>
+    <dgm:effectClrLst/>
+    <dgm:txLinClrLst/>
+    <dgm:txFillClrLst meth="repeat">
+      <a:schemeClr val="dk1"/>
+    </dgm:txFillClrLst>
+    <dgm:txEffectClrLst/>
+  </dgm:styleLbl>
+  <dgm:styleLbl name="bgShp">
+    <dgm:fillClrLst meth="repeat">
+      <a:schemeClr val="accent3">
+        <a:tint val="40000"/>
+      </a:schemeClr>
+    </dgm:fillClrLst>
+    <dgm:linClrLst meth="repeat">
+      <a:schemeClr val="dk1"/>
+    </dgm:linClrLst>
+    <dgm:effectClrLst/>
+    <dgm:txLinClrLst/>
+    <dgm:txFillClrLst meth="repeat">
+      <a:schemeClr val="dk1"/>
+    </dgm:txFillClrLst>
+    <dgm:txEffectClrLst/>
+  </dgm:styleLbl>
+  <dgm:styleLbl name="dkBgShp">
+    <dgm:fillClrLst meth="repeat">
+      <a:schemeClr val="accent3">
+        <a:shade val="90000"/>
+      </a:schemeClr>
+    </dgm:fillClrLst>
+    <dgm:linClrLst meth="repeat">
+      <a:schemeClr val="dk1"/>
+    </dgm:linClrLst>
+    <dgm:effectClrLst/>
+    <dgm:txLinClrLst/>
+    <dgm:txFillClrLst meth="repeat">
+      <a:schemeClr val="lt1"/>
+    </dgm:txFillClrLst>
+    <dgm:txEffectClrLst/>
+  </dgm:styleLbl>
+  <dgm:styleLbl name="trBgShp">
+    <dgm:fillClrLst meth="repeat">
+      <a:schemeClr val="accent2">
+        <a:tint val="50000"/>
+        <a:alpha val="40000"/>
+      </a:schemeClr>
+    </dgm:fillClrLst>
+    <dgm:linClrLst meth="repeat">
+      <a:schemeClr val="accent3"/>
+    </dgm:linClrLst>
+    <dgm:effectClrLst/>
+    <dgm:txLinClrLst/>
+    <dgm:txFillClrLst meth="repeat">
+      <a:schemeClr val="lt1"/>
+    </dgm:txFillClrLst>
+    <dgm:txEffectClrLst/>
+  </dgm:styleLbl>
+  <dgm:styleLbl name="fgShp">
+    <dgm:fillClrLst meth="repeat">
+      <a:schemeClr val="accent3">
+        <a:tint val="40000"/>
       </a:schemeClr>
     </dgm:fillClrLst>
     <dgm:linClrLst meth="repeat">
@@ -1398,6 +2181,683 @@
 </dgm:dataModel>
 </file>
 
+<file path=ppt/diagrams/data2.xml><?xml version="1.0" encoding="utf-8"?>
+<dgm:dataModel xmlns:dgm="http://schemas.openxmlformats.org/drawingml/2006/diagram" xmlns:a="http://schemas.openxmlformats.org/drawingml/2006/main">
+  <dgm:ptLst>
+    <dgm:pt modelId="{D81F933B-2123-47A0-A4DA-E3D0D00AED50}" type="doc">
+      <dgm:prSet loTypeId="urn:microsoft.com/office/officeart/2005/8/layout/cycle6" loCatId="cycle" qsTypeId="urn:microsoft.com/office/officeart/2005/8/quickstyle/simple1" qsCatId="simple" csTypeId="urn:microsoft.com/office/officeart/2005/8/colors/colorful3" csCatId="colorful" phldr="1"/>
+      <dgm:spPr/>
+      <dgm:t>
+        <a:bodyPr/>
+        <a:lstStyle/>
+        <a:p>
+          <a:endParaRPr lang="en-US"/>
+        </a:p>
+      </dgm:t>
+    </dgm:pt>
+    <dgm:pt modelId="{050C48E8-0D18-4A98-BA9F-5F976FC33D71}">
+      <dgm:prSet custT="1"/>
+      <dgm:spPr/>
+      <dgm:t>
+        <a:bodyPr/>
+        <a:lstStyle/>
+        <a:p>
+          <a:r>
+            <a:rPr lang="en-US" sz="1000" b="0" dirty="0">
+              <a:latin typeface="Times New Roman" panose="02020603050405020304" pitchFamily="18" charset="0"/>
+              <a:cs typeface="Times New Roman" panose="02020603050405020304" pitchFamily="18" charset="0"/>
+            </a:rPr>
+            <a:t>Banking</a:t>
+          </a:r>
+        </a:p>
+      </dgm:t>
+    </dgm:pt>
+    <dgm:pt modelId="{DCABBA87-E98F-4B52-AB9D-487FEE2F65D7}" type="parTrans" cxnId="{D97E2CBB-C255-4A0F-B0CF-A82C8695BAFB}">
+      <dgm:prSet/>
+      <dgm:spPr/>
+      <dgm:t>
+        <a:bodyPr/>
+        <a:lstStyle/>
+        <a:p>
+          <a:endParaRPr lang="en-US"/>
+        </a:p>
+      </dgm:t>
+    </dgm:pt>
+    <dgm:pt modelId="{7A1DB437-4F84-4FA9-9A58-B6F2770854BE}" type="sibTrans" cxnId="{D97E2CBB-C255-4A0F-B0CF-A82C8695BAFB}">
+      <dgm:prSet/>
+      <dgm:spPr/>
+      <dgm:t>
+        <a:bodyPr/>
+        <a:lstStyle/>
+        <a:p>
+          <a:endParaRPr lang="en-US" sz="1000" b="0">
+            <a:latin typeface="Times New Roman" panose="02020603050405020304" pitchFamily="18" charset="0"/>
+            <a:cs typeface="Times New Roman" panose="02020603050405020304" pitchFamily="18" charset="0"/>
+          </a:endParaRPr>
+        </a:p>
+      </dgm:t>
+    </dgm:pt>
+    <dgm:pt modelId="{DD39F1C4-AFC8-4CA7-A76D-361D88CD4557}">
+      <dgm:prSet custT="1"/>
+      <dgm:spPr/>
+      <dgm:t>
+        <a:bodyPr/>
+        <a:lstStyle/>
+        <a:p>
+          <a:r>
+            <a:rPr lang="en-US" sz="1000" b="0" dirty="0">
+              <a:latin typeface="Times New Roman" panose="02020603050405020304" pitchFamily="18" charset="0"/>
+              <a:cs typeface="Times New Roman" panose="02020603050405020304" pitchFamily="18" charset="0"/>
+            </a:rPr>
+            <a:t>Supply Chain Management</a:t>
+          </a:r>
+        </a:p>
+      </dgm:t>
+    </dgm:pt>
+    <dgm:pt modelId="{65F93D37-8105-4004-9DAA-53C625B10509}" type="parTrans" cxnId="{7813E679-D6C2-45B6-A778-0E762AE05C6F}">
+      <dgm:prSet/>
+      <dgm:spPr/>
+      <dgm:t>
+        <a:bodyPr/>
+        <a:lstStyle/>
+        <a:p>
+          <a:endParaRPr lang="en-US"/>
+        </a:p>
+      </dgm:t>
+    </dgm:pt>
+    <dgm:pt modelId="{12BC9A80-C697-4BA3-9B9B-17181FC41D01}" type="sibTrans" cxnId="{7813E679-D6C2-45B6-A778-0E762AE05C6F}">
+      <dgm:prSet/>
+      <dgm:spPr/>
+      <dgm:t>
+        <a:bodyPr/>
+        <a:lstStyle/>
+        <a:p>
+          <a:endParaRPr lang="en-US" sz="1000" b="0">
+            <a:latin typeface="Times New Roman" panose="02020603050405020304" pitchFamily="18" charset="0"/>
+            <a:cs typeface="Times New Roman" panose="02020603050405020304" pitchFamily="18" charset="0"/>
+          </a:endParaRPr>
+        </a:p>
+      </dgm:t>
+    </dgm:pt>
+    <dgm:pt modelId="{D3A91422-F54D-4E9D-B7B3-BA68B28AAB6E}">
+      <dgm:prSet custT="1"/>
+      <dgm:spPr/>
+      <dgm:t>
+        <a:bodyPr/>
+        <a:lstStyle/>
+        <a:p>
+          <a:r>
+            <a:rPr lang="en-US" sz="1000" b="0" dirty="0">
+              <a:latin typeface="Times New Roman" panose="02020603050405020304" pitchFamily="18" charset="0"/>
+              <a:cs typeface="Times New Roman" panose="02020603050405020304" pitchFamily="18" charset="0"/>
+            </a:rPr>
+            <a:t>Stock exchange</a:t>
+          </a:r>
+        </a:p>
+      </dgm:t>
+    </dgm:pt>
+    <dgm:pt modelId="{5E9BAFAB-908B-4913-AD88-CF53E18E5453}" type="parTrans" cxnId="{411DCEAF-B5A5-4BF8-9C41-81D44D4E1B32}">
+      <dgm:prSet/>
+      <dgm:spPr/>
+      <dgm:t>
+        <a:bodyPr/>
+        <a:lstStyle/>
+        <a:p>
+          <a:endParaRPr lang="en-US"/>
+        </a:p>
+      </dgm:t>
+    </dgm:pt>
+    <dgm:pt modelId="{342ED3C4-73FA-4041-9865-CDE2B77EBE09}" type="sibTrans" cxnId="{411DCEAF-B5A5-4BF8-9C41-81D44D4E1B32}">
+      <dgm:prSet/>
+      <dgm:spPr/>
+      <dgm:t>
+        <a:bodyPr/>
+        <a:lstStyle/>
+        <a:p>
+          <a:endParaRPr lang="en-US" sz="1000" b="0">
+            <a:latin typeface="Times New Roman" panose="02020603050405020304" pitchFamily="18" charset="0"/>
+            <a:cs typeface="Times New Roman" panose="02020603050405020304" pitchFamily="18" charset="0"/>
+          </a:endParaRPr>
+        </a:p>
+      </dgm:t>
+    </dgm:pt>
+    <dgm:pt modelId="{C017C85D-A4E0-4FB9-A54B-4A1042014E2E}">
+      <dgm:prSet custT="1"/>
+      <dgm:spPr/>
+      <dgm:t>
+        <a:bodyPr/>
+        <a:lstStyle/>
+        <a:p>
+          <a:r>
+            <a:rPr lang="en-US" sz="1000" b="0" dirty="0">
+              <a:latin typeface="Times New Roman" panose="02020603050405020304" pitchFamily="18" charset="0"/>
+              <a:cs typeface="Times New Roman" panose="02020603050405020304" pitchFamily="18" charset="0"/>
+            </a:rPr>
+            <a:t>Keep sensitive records </a:t>
+          </a:r>
+        </a:p>
+      </dgm:t>
+    </dgm:pt>
+    <dgm:pt modelId="{56C1ECD3-DD6D-4F47-A3B4-3AAE64749480}" type="parTrans" cxnId="{DB7B00A5-48CC-4CDE-B990-28D79FFA6601}">
+      <dgm:prSet/>
+      <dgm:spPr/>
+      <dgm:t>
+        <a:bodyPr/>
+        <a:lstStyle/>
+        <a:p>
+          <a:endParaRPr lang="en-US"/>
+        </a:p>
+      </dgm:t>
+    </dgm:pt>
+    <dgm:pt modelId="{DC7FE8D7-41A0-4A1F-B0E1-BE801CF1E3BE}" type="sibTrans" cxnId="{DB7B00A5-48CC-4CDE-B990-28D79FFA6601}">
+      <dgm:prSet/>
+      <dgm:spPr/>
+      <dgm:t>
+        <a:bodyPr/>
+        <a:lstStyle/>
+        <a:p>
+          <a:endParaRPr lang="en-US" sz="1000" b="0">
+            <a:latin typeface="Times New Roman" panose="02020603050405020304" pitchFamily="18" charset="0"/>
+            <a:cs typeface="Times New Roman" panose="02020603050405020304" pitchFamily="18" charset="0"/>
+          </a:endParaRPr>
+        </a:p>
+      </dgm:t>
+    </dgm:pt>
+    <dgm:pt modelId="{071B1EB5-172D-4E58-A3CE-4DB8157DB25F}">
+      <dgm:prSet custT="1"/>
+      <dgm:spPr/>
+      <dgm:t>
+        <a:bodyPr/>
+        <a:lstStyle/>
+        <a:p>
+          <a:r>
+            <a:rPr lang="en-US" sz="1000" b="0" dirty="0">
+              <a:latin typeface="Times New Roman" panose="02020603050405020304" pitchFamily="18" charset="0"/>
+              <a:cs typeface="Times New Roman" panose="02020603050405020304" pitchFamily="18" charset="0"/>
+            </a:rPr>
+            <a:t>Gaming</a:t>
+          </a:r>
+        </a:p>
+      </dgm:t>
+    </dgm:pt>
+    <dgm:pt modelId="{6EE346BF-908E-4AC1-9851-15BB2A7A79EE}" type="parTrans" cxnId="{6D7E97B6-1EF3-4D6F-AB04-55AAFA4E8219}">
+      <dgm:prSet/>
+      <dgm:spPr/>
+      <dgm:t>
+        <a:bodyPr/>
+        <a:lstStyle/>
+        <a:p>
+          <a:endParaRPr lang="en-US"/>
+        </a:p>
+      </dgm:t>
+    </dgm:pt>
+    <dgm:pt modelId="{395E8E83-6925-4873-8937-52D8E0E1795D}" type="sibTrans" cxnId="{6D7E97B6-1EF3-4D6F-AB04-55AAFA4E8219}">
+      <dgm:prSet/>
+      <dgm:spPr/>
+      <dgm:t>
+        <a:bodyPr/>
+        <a:lstStyle/>
+        <a:p>
+          <a:endParaRPr lang="en-US" sz="1000" b="0">
+            <a:latin typeface="Times New Roman" panose="02020603050405020304" pitchFamily="18" charset="0"/>
+            <a:cs typeface="Times New Roman" panose="02020603050405020304" pitchFamily="18" charset="0"/>
+          </a:endParaRPr>
+        </a:p>
+      </dgm:t>
+    </dgm:pt>
+    <dgm:pt modelId="{A0C7C63A-6D90-4CE7-8C5E-9A2DBDA5B210}">
+      <dgm:prSet custT="1"/>
+      <dgm:spPr/>
+      <dgm:t>
+        <a:bodyPr/>
+        <a:lstStyle/>
+        <a:p>
+          <a:r>
+            <a:rPr lang="en-US" sz="1000" b="0" dirty="0">
+              <a:latin typeface="Times New Roman" panose="02020603050405020304" pitchFamily="18" charset="0"/>
+              <a:cs typeface="Times New Roman" panose="02020603050405020304" pitchFamily="18" charset="0"/>
+            </a:rPr>
+            <a:t>Identity protection</a:t>
+          </a:r>
+        </a:p>
+      </dgm:t>
+    </dgm:pt>
+    <dgm:pt modelId="{0AC1896B-C066-438E-AFFA-92EE3BE45E72}" type="parTrans" cxnId="{4285F461-2D0D-4B63-BE8E-C5A287A632D7}">
+      <dgm:prSet/>
+      <dgm:spPr/>
+      <dgm:t>
+        <a:bodyPr/>
+        <a:lstStyle/>
+        <a:p>
+          <a:endParaRPr lang="en-US"/>
+        </a:p>
+      </dgm:t>
+    </dgm:pt>
+    <dgm:pt modelId="{F4AA442A-0F8C-497F-8809-B44F185F2C87}" type="sibTrans" cxnId="{4285F461-2D0D-4B63-BE8E-C5A287A632D7}">
+      <dgm:prSet/>
+      <dgm:spPr/>
+      <dgm:t>
+        <a:bodyPr/>
+        <a:lstStyle/>
+        <a:p>
+          <a:endParaRPr lang="en-US" sz="1000" b="0">
+            <a:latin typeface="Times New Roman" panose="02020603050405020304" pitchFamily="18" charset="0"/>
+            <a:cs typeface="Times New Roman" panose="02020603050405020304" pitchFamily="18" charset="0"/>
+          </a:endParaRPr>
+        </a:p>
+      </dgm:t>
+    </dgm:pt>
+    <dgm:pt modelId="{69729B06-9547-4C83-94F4-B337DF1B4E93}">
+      <dgm:prSet custT="1"/>
+      <dgm:spPr/>
+      <dgm:t>
+        <a:bodyPr/>
+        <a:lstStyle/>
+        <a:p>
+          <a:r>
+            <a:rPr lang="en-US" sz="1000" b="0" dirty="0">
+              <a:latin typeface="Times New Roman" panose="02020603050405020304" pitchFamily="18" charset="0"/>
+              <a:cs typeface="Times New Roman" panose="02020603050405020304" pitchFamily="18" charset="0"/>
+            </a:rPr>
+            <a:t>Election protection</a:t>
+          </a:r>
+        </a:p>
+      </dgm:t>
+    </dgm:pt>
+    <dgm:pt modelId="{08832461-1B8D-4687-A713-3F4517E6BF2B}" type="parTrans" cxnId="{7079F215-16F2-4538-A2E2-E242F78A81DF}">
+      <dgm:prSet/>
+      <dgm:spPr/>
+      <dgm:t>
+        <a:bodyPr/>
+        <a:lstStyle/>
+        <a:p>
+          <a:endParaRPr lang="en-US"/>
+        </a:p>
+      </dgm:t>
+    </dgm:pt>
+    <dgm:pt modelId="{3727589D-DCC7-4B1A-8B54-2FDC6969E550}" type="sibTrans" cxnId="{7079F215-16F2-4538-A2E2-E242F78A81DF}">
+      <dgm:prSet/>
+      <dgm:spPr/>
+      <dgm:t>
+        <a:bodyPr/>
+        <a:lstStyle/>
+        <a:p>
+          <a:endParaRPr lang="en-US" sz="1000" b="0">
+            <a:latin typeface="Times New Roman" panose="02020603050405020304" pitchFamily="18" charset="0"/>
+            <a:cs typeface="Times New Roman" panose="02020603050405020304" pitchFamily="18" charset="0"/>
+          </a:endParaRPr>
+        </a:p>
+      </dgm:t>
+    </dgm:pt>
+    <dgm:pt modelId="{D41B6FD5-D762-415B-ABC2-55E89031C2A4}">
+      <dgm:prSet custT="1"/>
+      <dgm:spPr/>
+      <dgm:t>
+        <a:bodyPr/>
+        <a:lstStyle/>
+        <a:p>
+          <a:r>
+            <a:rPr lang="en-US" sz="1000" b="0" dirty="0">
+              <a:latin typeface="Times New Roman" panose="02020603050405020304" pitchFamily="18" charset="0"/>
+              <a:cs typeface="Times New Roman" panose="02020603050405020304" pitchFamily="18" charset="0"/>
+            </a:rPr>
+            <a:t>Copyright protection</a:t>
+          </a:r>
+        </a:p>
+      </dgm:t>
+    </dgm:pt>
+    <dgm:pt modelId="{76962C4D-BE14-4177-B860-226121ABD47A}" type="parTrans" cxnId="{FE42DB9A-A17B-48CB-B77F-0639EB4897E3}">
+      <dgm:prSet/>
+      <dgm:spPr/>
+      <dgm:t>
+        <a:bodyPr/>
+        <a:lstStyle/>
+        <a:p>
+          <a:endParaRPr lang="en-US"/>
+        </a:p>
+      </dgm:t>
+    </dgm:pt>
+    <dgm:pt modelId="{85AC99D7-6F96-4B0E-A941-A8BC31872ECF}" type="sibTrans" cxnId="{FE42DB9A-A17B-48CB-B77F-0639EB4897E3}">
+      <dgm:prSet/>
+      <dgm:spPr/>
+      <dgm:t>
+        <a:bodyPr/>
+        <a:lstStyle/>
+        <a:p>
+          <a:endParaRPr lang="en-US" sz="1000" b="0">
+            <a:latin typeface="Times New Roman" panose="02020603050405020304" pitchFamily="18" charset="0"/>
+            <a:cs typeface="Times New Roman" panose="02020603050405020304" pitchFamily="18" charset="0"/>
+          </a:endParaRPr>
+        </a:p>
+      </dgm:t>
+    </dgm:pt>
+    <dgm:pt modelId="{4FE44919-48B8-4FFB-AF66-CCDF05F7AA14}">
+      <dgm:prSet custT="1"/>
+      <dgm:spPr/>
+      <dgm:t>
+        <a:bodyPr/>
+        <a:lstStyle/>
+        <a:p>
+          <a:r>
+            <a:rPr lang="en-US" sz="1000" b="0" dirty="0">
+              <a:latin typeface="Times New Roman" panose="02020603050405020304" pitchFamily="18" charset="0"/>
+              <a:cs typeface="Times New Roman" panose="02020603050405020304" pitchFamily="18" charset="0"/>
+            </a:rPr>
+            <a:t>Data set protection</a:t>
+          </a:r>
+        </a:p>
+      </dgm:t>
+    </dgm:pt>
+    <dgm:pt modelId="{811A2A54-0C4B-4AE0-A1CD-2BD58699DFA9}" type="parTrans" cxnId="{7464E67E-86D5-466A-A735-38C87FEC34E5}">
+      <dgm:prSet/>
+      <dgm:spPr/>
+      <dgm:t>
+        <a:bodyPr/>
+        <a:lstStyle/>
+        <a:p>
+          <a:endParaRPr lang="en-US"/>
+        </a:p>
+      </dgm:t>
+    </dgm:pt>
+    <dgm:pt modelId="{6A3D1A33-CB86-4DFA-A421-3CD80255AA74}" type="sibTrans" cxnId="{7464E67E-86D5-466A-A735-38C87FEC34E5}">
+      <dgm:prSet/>
+      <dgm:spPr/>
+      <dgm:t>
+        <a:bodyPr/>
+        <a:lstStyle/>
+        <a:p>
+          <a:endParaRPr lang="en-US" sz="1000" b="0">
+            <a:latin typeface="Times New Roman" panose="02020603050405020304" pitchFamily="18" charset="0"/>
+            <a:cs typeface="Times New Roman" panose="02020603050405020304" pitchFamily="18" charset="0"/>
+          </a:endParaRPr>
+        </a:p>
+      </dgm:t>
+    </dgm:pt>
+    <dgm:pt modelId="{8876F088-DB13-4A25-9A54-EB054DC15FD2}">
+      <dgm:prSet custT="1"/>
+      <dgm:spPr/>
+      <dgm:t>
+        <a:bodyPr/>
+        <a:lstStyle/>
+        <a:p>
+          <a:r>
+            <a:rPr lang="en-US" sz="1000" b="0" baseline="0" dirty="0">
+              <a:latin typeface="Times New Roman" panose="02020603050405020304" pitchFamily="18" charset="0"/>
+              <a:cs typeface="Times New Roman" panose="02020603050405020304" pitchFamily="18" charset="0"/>
+            </a:rPr>
+            <a:t>Budget provision (ICO)</a:t>
+          </a:r>
+        </a:p>
+      </dgm:t>
+    </dgm:pt>
+    <dgm:pt modelId="{2CC81F8C-E401-4D90-823D-B68BE6B10C93}" type="parTrans" cxnId="{D9E92143-EAF9-4793-B27D-7091E066D18B}">
+      <dgm:prSet/>
+      <dgm:spPr/>
+      <dgm:t>
+        <a:bodyPr/>
+        <a:lstStyle/>
+        <a:p>
+          <a:endParaRPr lang="en-US"/>
+        </a:p>
+      </dgm:t>
+    </dgm:pt>
+    <dgm:pt modelId="{D5809D5C-AD74-49C9-80A8-6A5696856DBA}" type="sibTrans" cxnId="{D9E92143-EAF9-4793-B27D-7091E066D18B}">
+      <dgm:prSet/>
+      <dgm:spPr/>
+      <dgm:t>
+        <a:bodyPr/>
+        <a:lstStyle/>
+        <a:p>
+          <a:endParaRPr lang="en-US" sz="1000" b="0">
+            <a:latin typeface="Times New Roman" panose="02020603050405020304" pitchFamily="18" charset="0"/>
+            <a:cs typeface="Times New Roman" panose="02020603050405020304" pitchFamily="18" charset="0"/>
+          </a:endParaRPr>
+        </a:p>
+      </dgm:t>
+    </dgm:pt>
+    <dgm:pt modelId="{ADF57A8B-AC32-4669-A40C-7A9667CDF41C}" type="pres">
+      <dgm:prSet presAssocID="{D81F933B-2123-47A0-A4DA-E3D0D00AED50}" presName="cycle" presStyleCnt="0">
+        <dgm:presLayoutVars>
+          <dgm:dir/>
+          <dgm:resizeHandles val="exact"/>
+        </dgm:presLayoutVars>
+      </dgm:prSet>
+      <dgm:spPr/>
+    </dgm:pt>
+    <dgm:pt modelId="{EDBD717D-5284-4A4E-ABE6-26258DA18F0A}" type="pres">
+      <dgm:prSet presAssocID="{050C48E8-0D18-4A98-BA9F-5F976FC33D71}" presName="node" presStyleLbl="node1" presStyleIdx="0" presStyleCnt="10" custScaleX="148648" custScaleY="127050">
+        <dgm:presLayoutVars>
+          <dgm:bulletEnabled val="1"/>
+        </dgm:presLayoutVars>
+      </dgm:prSet>
+      <dgm:spPr/>
+    </dgm:pt>
+    <dgm:pt modelId="{58C02828-B09D-4795-B0C5-C5CC7D63B44B}" type="pres">
+      <dgm:prSet presAssocID="{050C48E8-0D18-4A98-BA9F-5F976FC33D71}" presName="spNode" presStyleCnt="0"/>
+      <dgm:spPr/>
+    </dgm:pt>
+    <dgm:pt modelId="{F5C50680-2C48-476D-A516-A34392A17F3A}" type="pres">
+      <dgm:prSet presAssocID="{7A1DB437-4F84-4FA9-9A58-B6F2770854BE}" presName="sibTrans" presStyleLbl="sibTrans1D1" presStyleIdx="0" presStyleCnt="10" custScaleX="1501860"/>
+      <dgm:spPr/>
+    </dgm:pt>
+    <dgm:pt modelId="{190D4983-CD1A-405A-9C6E-3AA1BA1D3861}" type="pres">
+      <dgm:prSet presAssocID="{DD39F1C4-AFC8-4CA7-A76D-361D88CD4557}" presName="node" presStyleLbl="node1" presStyleIdx="1" presStyleCnt="10" custScaleX="148648" custScaleY="127050">
+        <dgm:presLayoutVars>
+          <dgm:bulletEnabled val="1"/>
+        </dgm:presLayoutVars>
+      </dgm:prSet>
+      <dgm:spPr/>
+    </dgm:pt>
+    <dgm:pt modelId="{FAA12654-8C44-460D-92CC-ACBCC9501D7C}" type="pres">
+      <dgm:prSet presAssocID="{DD39F1C4-AFC8-4CA7-A76D-361D88CD4557}" presName="spNode" presStyleCnt="0"/>
+      <dgm:spPr/>
+    </dgm:pt>
+    <dgm:pt modelId="{3EA0B8E0-8804-4F7A-A39D-DBB303228381}" type="pres">
+      <dgm:prSet presAssocID="{12BC9A80-C697-4BA3-9B9B-17181FC41D01}" presName="sibTrans" presStyleLbl="sibTrans1D1" presStyleIdx="1" presStyleCnt="10" custScaleX="1501860"/>
+      <dgm:spPr/>
+    </dgm:pt>
+    <dgm:pt modelId="{E727A3DC-053E-465E-B8E4-3B2B3BAB9E5C}" type="pres">
+      <dgm:prSet presAssocID="{D3A91422-F54D-4E9D-B7B3-BA68B28AAB6E}" presName="node" presStyleLbl="node1" presStyleIdx="2" presStyleCnt="10" custScaleX="148648" custScaleY="127050">
+        <dgm:presLayoutVars>
+          <dgm:bulletEnabled val="1"/>
+        </dgm:presLayoutVars>
+      </dgm:prSet>
+      <dgm:spPr/>
+    </dgm:pt>
+    <dgm:pt modelId="{415F3E0A-6C65-4350-AD9D-AC8C277123D5}" type="pres">
+      <dgm:prSet presAssocID="{D3A91422-F54D-4E9D-B7B3-BA68B28AAB6E}" presName="spNode" presStyleCnt="0"/>
+      <dgm:spPr/>
+    </dgm:pt>
+    <dgm:pt modelId="{FBE5142B-8273-47B3-B01D-A76CB5AB6F9C}" type="pres">
+      <dgm:prSet presAssocID="{342ED3C4-73FA-4041-9865-CDE2B77EBE09}" presName="sibTrans" presStyleLbl="sibTrans1D1" presStyleIdx="2" presStyleCnt="10" custScaleX="1501860"/>
+      <dgm:spPr/>
+    </dgm:pt>
+    <dgm:pt modelId="{5641E510-3FD8-4CB6-91B5-9D7C8903666C}" type="pres">
+      <dgm:prSet presAssocID="{C017C85D-A4E0-4FB9-A54B-4A1042014E2E}" presName="node" presStyleLbl="node1" presStyleIdx="3" presStyleCnt="10" custScaleX="148648" custScaleY="127050">
+        <dgm:presLayoutVars>
+          <dgm:bulletEnabled val="1"/>
+        </dgm:presLayoutVars>
+      </dgm:prSet>
+      <dgm:spPr/>
+    </dgm:pt>
+    <dgm:pt modelId="{EC92DB41-8846-4F23-AF26-F66B989EB741}" type="pres">
+      <dgm:prSet presAssocID="{C017C85D-A4E0-4FB9-A54B-4A1042014E2E}" presName="spNode" presStyleCnt="0"/>
+      <dgm:spPr/>
+    </dgm:pt>
+    <dgm:pt modelId="{EF3A0694-F7A5-487C-9349-A1B40DC3462C}" type="pres">
+      <dgm:prSet presAssocID="{DC7FE8D7-41A0-4A1F-B0E1-BE801CF1E3BE}" presName="sibTrans" presStyleLbl="sibTrans1D1" presStyleIdx="3" presStyleCnt="10" custScaleX="1501860"/>
+      <dgm:spPr/>
+    </dgm:pt>
+    <dgm:pt modelId="{DC0953EE-E5D9-43CE-B958-8EEA8CD19EC5}" type="pres">
+      <dgm:prSet presAssocID="{071B1EB5-172D-4E58-A3CE-4DB8157DB25F}" presName="node" presStyleLbl="node1" presStyleIdx="4" presStyleCnt="10" custScaleX="148648" custScaleY="127050">
+        <dgm:presLayoutVars>
+          <dgm:bulletEnabled val="1"/>
+        </dgm:presLayoutVars>
+      </dgm:prSet>
+      <dgm:spPr/>
+    </dgm:pt>
+    <dgm:pt modelId="{E4A2537B-79D0-429D-8A12-56EC6BFB527E}" type="pres">
+      <dgm:prSet presAssocID="{071B1EB5-172D-4E58-A3CE-4DB8157DB25F}" presName="spNode" presStyleCnt="0"/>
+      <dgm:spPr/>
+    </dgm:pt>
+    <dgm:pt modelId="{52861312-2CD4-4282-93DC-EB80326E7D98}" type="pres">
+      <dgm:prSet presAssocID="{395E8E83-6925-4873-8937-52D8E0E1795D}" presName="sibTrans" presStyleLbl="sibTrans1D1" presStyleIdx="4" presStyleCnt="10" custScaleX="1501860"/>
+      <dgm:spPr/>
+    </dgm:pt>
+    <dgm:pt modelId="{97D646AD-1D5C-47E3-8127-D30A2E12AD09}" type="pres">
+      <dgm:prSet presAssocID="{A0C7C63A-6D90-4CE7-8C5E-9A2DBDA5B210}" presName="node" presStyleLbl="node1" presStyleIdx="5" presStyleCnt="10" custScaleX="148648" custScaleY="127050">
+        <dgm:presLayoutVars>
+          <dgm:bulletEnabled val="1"/>
+        </dgm:presLayoutVars>
+      </dgm:prSet>
+      <dgm:spPr/>
+    </dgm:pt>
+    <dgm:pt modelId="{86838F40-8780-4E8B-94BB-029CDB561B87}" type="pres">
+      <dgm:prSet presAssocID="{A0C7C63A-6D90-4CE7-8C5E-9A2DBDA5B210}" presName="spNode" presStyleCnt="0"/>
+      <dgm:spPr/>
+    </dgm:pt>
+    <dgm:pt modelId="{8AF2B8C2-B72F-4A6A-B2FE-BE822E91E326}" type="pres">
+      <dgm:prSet presAssocID="{F4AA442A-0F8C-497F-8809-B44F185F2C87}" presName="sibTrans" presStyleLbl="sibTrans1D1" presStyleIdx="5" presStyleCnt="10" custScaleX="1501860"/>
+      <dgm:spPr/>
+    </dgm:pt>
+    <dgm:pt modelId="{B3BF2DF0-B325-4011-89F6-42EC54E63EEB}" type="pres">
+      <dgm:prSet presAssocID="{69729B06-9547-4C83-94F4-B337DF1B4E93}" presName="node" presStyleLbl="node1" presStyleIdx="6" presStyleCnt="10" custScaleX="148648" custScaleY="127050">
+        <dgm:presLayoutVars>
+          <dgm:bulletEnabled val="1"/>
+        </dgm:presLayoutVars>
+      </dgm:prSet>
+      <dgm:spPr/>
+    </dgm:pt>
+    <dgm:pt modelId="{8A1996DF-9709-46E1-8B26-BB7116CF5B40}" type="pres">
+      <dgm:prSet presAssocID="{69729B06-9547-4C83-94F4-B337DF1B4E93}" presName="spNode" presStyleCnt="0"/>
+      <dgm:spPr/>
+    </dgm:pt>
+    <dgm:pt modelId="{CF23E703-E22B-49EE-A222-E7BEDA35D541}" type="pres">
+      <dgm:prSet presAssocID="{3727589D-DCC7-4B1A-8B54-2FDC6969E550}" presName="sibTrans" presStyleLbl="sibTrans1D1" presStyleIdx="6" presStyleCnt="10" custScaleX="1501860"/>
+      <dgm:spPr/>
+    </dgm:pt>
+    <dgm:pt modelId="{50BAD080-F835-4578-9D50-DB7EC9906E79}" type="pres">
+      <dgm:prSet presAssocID="{D41B6FD5-D762-415B-ABC2-55E89031C2A4}" presName="node" presStyleLbl="node1" presStyleIdx="7" presStyleCnt="10" custScaleX="148648" custScaleY="127050">
+        <dgm:presLayoutVars>
+          <dgm:bulletEnabled val="1"/>
+        </dgm:presLayoutVars>
+      </dgm:prSet>
+      <dgm:spPr/>
+    </dgm:pt>
+    <dgm:pt modelId="{732E61CC-6D4A-4347-8DD2-14BFD3C36067}" type="pres">
+      <dgm:prSet presAssocID="{D41B6FD5-D762-415B-ABC2-55E89031C2A4}" presName="spNode" presStyleCnt="0"/>
+      <dgm:spPr/>
+    </dgm:pt>
+    <dgm:pt modelId="{0D911844-F4B9-4883-A7A7-2445E6F57AE0}" type="pres">
+      <dgm:prSet presAssocID="{85AC99D7-6F96-4B0E-A941-A8BC31872ECF}" presName="sibTrans" presStyleLbl="sibTrans1D1" presStyleIdx="7" presStyleCnt="10" custScaleX="1501860"/>
+      <dgm:spPr/>
+    </dgm:pt>
+    <dgm:pt modelId="{BB84CCBD-831A-47BA-AC68-C908ADE003B9}" type="pres">
+      <dgm:prSet presAssocID="{4FE44919-48B8-4FFB-AF66-CCDF05F7AA14}" presName="node" presStyleLbl="node1" presStyleIdx="8" presStyleCnt="10" custScaleX="148648" custScaleY="127050">
+        <dgm:presLayoutVars>
+          <dgm:bulletEnabled val="1"/>
+        </dgm:presLayoutVars>
+      </dgm:prSet>
+      <dgm:spPr/>
+    </dgm:pt>
+    <dgm:pt modelId="{36A5E6AB-0428-406A-B00F-0AC362DDAE2B}" type="pres">
+      <dgm:prSet presAssocID="{4FE44919-48B8-4FFB-AF66-CCDF05F7AA14}" presName="spNode" presStyleCnt="0"/>
+      <dgm:spPr/>
+    </dgm:pt>
+    <dgm:pt modelId="{98E227A7-6443-4ACA-85B4-34FB69447995}" type="pres">
+      <dgm:prSet presAssocID="{6A3D1A33-CB86-4DFA-A421-3CD80255AA74}" presName="sibTrans" presStyleLbl="sibTrans1D1" presStyleIdx="8" presStyleCnt="10" custScaleX="1501860"/>
+      <dgm:spPr/>
+    </dgm:pt>
+    <dgm:pt modelId="{35AF98EF-405B-4D5A-94EC-524EB3862D8C}" type="pres">
+      <dgm:prSet presAssocID="{8876F088-DB13-4A25-9A54-EB054DC15FD2}" presName="node" presStyleLbl="node1" presStyleIdx="9" presStyleCnt="10" custScaleX="148648" custScaleY="127050">
+        <dgm:presLayoutVars>
+          <dgm:bulletEnabled val="1"/>
+        </dgm:presLayoutVars>
+      </dgm:prSet>
+      <dgm:spPr/>
+    </dgm:pt>
+    <dgm:pt modelId="{906A10F8-40C7-4999-8F52-80FA3ECECE2F}" type="pres">
+      <dgm:prSet presAssocID="{8876F088-DB13-4A25-9A54-EB054DC15FD2}" presName="spNode" presStyleCnt="0"/>
+      <dgm:spPr/>
+    </dgm:pt>
+    <dgm:pt modelId="{AD46351C-179F-4B9B-B812-1A33174A8D64}" type="pres">
+      <dgm:prSet presAssocID="{D5809D5C-AD74-49C9-80A8-6A5696856DBA}" presName="sibTrans" presStyleLbl="sibTrans1D1" presStyleIdx="9" presStyleCnt="10" custScaleX="1501860"/>
+      <dgm:spPr/>
+    </dgm:pt>
+  </dgm:ptLst>
+  <dgm:cxnLst>
+    <dgm:cxn modelId="{7079F215-16F2-4538-A2E2-E242F78A81DF}" srcId="{D81F933B-2123-47A0-A4DA-E3D0D00AED50}" destId="{69729B06-9547-4C83-94F4-B337DF1B4E93}" srcOrd="6" destOrd="0" parTransId="{08832461-1B8D-4687-A713-3F4517E6BF2B}" sibTransId="{3727589D-DCC7-4B1A-8B54-2FDC6969E550}"/>
+    <dgm:cxn modelId="{1AD21C28-604E-499A-A246-137A99325E9A}" type="presOf" srcId="{D41B6FD5-D762-415B-ABC2-55E89031C2A4}" destId="{50BAD080-F835-4578-9D50-DB7EC9906E79}" srcOrd="0" destOrd="0" presId="urn:microsoft.com/office/officeart/2005/8/layout/cycle6"/>
+    <dgm:cxn modelId="{D5E84D28-B60C-44AE-AB8C-0CFF86E6007E}" type="presOf" srcId="{D81F933B-2123-47A0-A4DA-E3D0D00AED50}" destId="{ADF57A8B-AC32-4669-A40C-7A9667CDF41C}" srcOrd="0" destOrd="0" presId="urn:microsoft.com/office/officeart/2005/8/layout/cycle6"/>
+    <dgm:cxn modelId="{CFD4572F-2733-456E-80AD-171CDFAAD578}" type="presOf" srcId="{85AC99D7-6F96-4B0E-A941-A8BC31872ECF}" destId="{0D911844-F4B9-4883-A7A7-2445E6F57AE0}" srcOrd="0" destOrd="0" presId="urn:microsoft.com/office/officeart/2005/8/layout/cycle6"/>
+    <dgm:cxn modelId="{ECD01830-99F1-4773-86FA-E616E6F45679}" type="presOf" srcId="{12BC9A80-C697-4BA3-9B9B-17181FC41D01}" destId="{3EA0B8E0-8804-4F7A-A39D-DBB303228381}" srcOrd="0" destOrd="0" presId="urn:microsoft.com/office/officeart/2005/8/layout/cycle6"/>
+    <dgm:cxn modelId="{A275C75C-2924-47F1-9C82-8BE70176AB23}" type="presOf" srcId="{7A1DB437-4F84-4FA9-9A58-B6F2770854BE}" destId="{F5C50680-2C48-476D-A516-A34392A17F3A}" srcOrd="0" destOrd="0" presId="urn:microsoft.com/office/officeart/2005/8/layout/cycle6"/>
+    <dgm:cxn modelId="{4285F461-2D0D-4B63-BE8E-C5A287A632D7}" srcId="{D81F933B-2123-47A0-A4DA-E3D0D00AED50}" destId="{A0C7C63A-6D90-4CE7-8C5E-9A2DBDA5B210}" srcOrd="5" destOrd="0" parTransId="{0AC1896B-C066-438E-AFFA-92EE3BE45E72}" sibTransId="{F4AA442A-0F8C-497F-8809-B44F185F2C87}"/>
+    <dgm:cxn modelId="{D9E92143-EAF9-4793-B27D-7091E066D18B}" srcId="{D81F933B-2123-47A0-A4DA-E3D0D00AED50}" destId="{8876F088-DB13-4A25-9A54-EB054DC15FD2}" srcOrd="9" destOrd="0" parTransId="{2CC81F8C-E401-4D90-823D-B68BE6B10C93}" sibTransId="{D5809D5C-AD74-49C9-80A8-6A5696856DBA}"/>
+    <dgm:cxn modelId="{354A5B67-4F4F-4CF1-9EC7-5D51FE51B634}" type="presOf" srcId="{3727589D-DCC7-4B1A-8B54-2FDC6969E550}" destId="{CF23E703-E22B-49EE-A222-E7BEDA35D541}" srcOrd="0" destOrd="0" presId="urn:microsoft.com/office/officeart/2005/8/layout/cycle6"/>
+    <dgm:cxn modelId="{BE148A6C-9AC6-4A68-9DF1-A6200D95D9E5}" type="presOf" srcId="{342ED3C4-73FA-4041-9865-CDE2B77EBE09}" destId="{FBE5142B-8273-47B3-B01D-A76CB5AB6F9C}" srcOrd="0" destOrd="0" presId="urn:microsoft.com/office/officeart/2005/8/layout/cycle6"/>
+    <dgm:cxn modelId="{74CC6351-B038-44E3-A510-0A4E05CDFE3C}" type="presOf" srcId="{4FE44919-48B8-4FFB-AF66-CCDF05F7AA14}" destId="{BB84CCBD-831A-47BA-AC68-C908ADE003B9}" srcOrd="0" destOrd="0" presId="urn:microsoft.com/office/officeart/2005/8/layout/cycle6"/>
+    <dgm:cxn modelId="{0B367371-3202-41D6-A5B7-C7DDF61ED44F}" type="presOf" srcId="{8876F088-DB13-4A25-9A54-EB054DC15FD2}" destId="{35AF98EF-405B-4D5A-94EC-524EB3862D8C}" srcOrd="0" destOrd="0" presId="urn:microsoft.com/office/officeart/2005/8/layout/cycle6"/>
+    <dgm:cxn modelId="{C6E65E53-C6E7-465D-BACA-59DE794E133C}" type="presOf" srcId="{F4AA442A-0F8C-497F-8809-B44F185F2C87}" destId="{8AF2B8C2-B72F-4A6A-B2FE-BE822E91E326}" srcOrd="0" destOrd="0" presId="urn:microsoft.com/office/officeart/2005/8/layout/cycle6"/>
+    <dgm:cxn modelId="{FA85E978-1491-416D-917E-A66B0376EB7E}" type="presOf" srcId="{DC7FE8D7-41A0-4A1F-B0E1-BE801CF1E3BE}" destId="{EF3A0694-F7A5-487C-9349-A1B40DC3462C}" srcOrd="0" destOrd="0" presId="urn:microsoft.com/office/officeart/2005/8/layout/cycle6"/>
+    <dgm:cxn modelId="{7813E679-D6C2-45B6-A778-0E762AE05C6F}" srcId="{D81F933B-2123-47A0-A4DA-E3D0D00AED50}" destId="{DD39F1C4-AFC8-4CA7-A76D-361D88CD4557}" srcOrd="1" destOrd="0" parTransId="{65F93D37-8105-4004-9DAA-53C625B10509}" sibTransId="{12BC9A80-C697-4BA3-9B9B-17181FC41D01}"/>
+    <dgm:cxn modelId="{7464E67E-86D5-466A-A735-38C87FEC34E5}" srcId="{D81F933B-2123-47A0-A4DA-E3D0D00AED50}" destId="{4FE44919-48B8-4FFB-AF66-CCDF05F7AA14}" srcOrd="8" destOrd="0" parTransId="{811A2A54-0C4B-4AE0-A1CD-2BD58699DFA9}" sibTransId="{6A3D1A33-CB86-4DFA-A421-3CD80255AA74}"/>
+    <dgm:cxn modelId="{FE42DB9A-A17B-48CB-B77F-0639EB4897E3}" srcId="{D81F933B-2123-47A0-A4DA-E3D0D00AED50}" destId="{D41B6FD5-D762-415B-ABC2-55E89031C2A4}" srcOrd="7" destOrd="0" parTransId="{76962C4D-BE14-4177-B860-226121ABD47A}" sibTransId="{85AC99D7-6F96-4B0E-A941-A8BC31872ECF}"/>
+    <dgm:cxn modelId="{DB7B00A5-48CC-4CDE-B990-28D79FFA6601}" srcId="{D81F933B-2123-47A0-A4DA-E3D0D00AED50}" destId="{C017C85D-A4E0-4FB9-A54B-4A1042014E2E}" srcOrd="3" destOrd="0" parTransId="{56C1ECD3-DD6D-4F47-A3B4-3AAE64749480}" sibTransId="{DC7FE8D7-41A0-4A1F-B0E1-BE801CF1E3BE}"/>
+    <dgm:cxn modelId="{FDF42AA8-946B-4065-843A-5B501E214D95}" type="presOf" srcId="{071B1EB5-172D-4E58-A3CE-4DB8157DB25F}" destId="{DC0953EE-E5D9-43CE-B958-8EEA8CD19EC5}" srcOrd="0" destOrd="0" presId="urn:microsoft.com/office/officeart/2005/8/layout/cycle6"/>
+    <dgm:cxn modelId="{0A4044A9-E981-47E4-BF87-71D4A4C3C2D3}" type="presOf" srcId="{C017C85D-A4E0-4FB9-A54B-4A1042014E2E}" destId="{5641E510-3FD8-4CB6-91B5-9D7C8903666C}" srcOrd="0" destOrd="0" presId="urn:microsoft.com/office/officeart/2005/8/layout/cycle6"/>
+    <dgm:cxn modelId="{1CC28EAB-F751-4A58-8D05-436596B6F2F0}" type="presOf" srcId="{D5809D5C-AD74-49C9-80A8-6A5696856DBA}" destId="{AD46351C-179F-4B9B-B812-1A33174A8D64}" srcOrd="0" destOrd="0" presId="urn:microsoft.com/office/officeart/2005/8/layout/cycle6"/>
+    <dgm:cxn modelId="{411DCEAF-B5A5-4BF8-9C41-81D44D4E1B32}" srcId="{D81F933B-2123-47A0-A4DA-E3D0D00AED50}" destId="{D3A91422-F54D-4E9D-B7B3-BA68B28AAB6E}" srcOrd="2" destOrd="0" parTransId="{5E9BAFAB-908B-4913-AD88-CF53E18E5453}" sibTransId="{342ED3C4-73FA-4041-9865-CDE2B77EBE09}"/>
+    <dgm:cxn modelId="{6D7E97B6-1EF3-4D6F-AB04-55AAFA4E8219}" srcId="{D81F933B-2123-47A0-A4DA-E3D0D00AED50}" destId="{071B1EB5-172D-4E58-A3CE-4DB8157DB25F}" srcOrd="4" destOrd="0" parTransId="{6EE346BF-908E-4AC1-9851-15BB2A7A79EE}" sibTransId="{395E8E83-6925-4873-8937-52D8E0E1795D}"/>
+    <dgm:cxn modelId="{D97E2CBB-C255-4A0F-B0CF-A82C8695BAFB}" srcId="{D81F933B-2123-47A0-A4DA-E3D0D00AED50}" destId="{050C48E8-0D18-4A98-BA9F-5F976FC33D71}" srcOrd="0" destOrd="0" parTransId="{DCABBA87-E98F-4B52-AB9D-487FEE2F65D7}" sibTransId="{7A1DB437-4F84-4FA9-9A58-B6F2770854BE}"/>
+    <dgm:cxn modelId="{B12D0DCA-6BC1-44D2-ACF2-1970BAF2E86B}" type="presOf" srcId="{A0C7C63A-6D90-4CE7-8C5E-9A2DBDA5B210}" destId="{97D646AD-1D5C-47E3-8127-D30A2E12AD09}" srcOrd="0" destOrd="0" presId="urn:microsoft.com/office/officeart/2005/8/layout/cycle6"/>
+    <dgm:cxn modelId="{374091E0-9B0E-4A23-880E-3420E24CD5E8}" type="presOf" srcId="{6A3D1A33-CB86-4DFA-A421-3CD80255AA74}" destId="{98E227A7-6443-4ACA-85B4-34FB69447995}" srcOrd="0" destOrd="0" presId="urn:microsoft.com/office/officeart/2005/8/layout/cycle6"/>
+    <dgm:cxn modelId="{928DFAE4-1E26-412A-98FE-4D4F73913009}" type="presOf" srcId="{D3A91422-F54D-4E9D-B7B3-BA68B28AAB6E}" destId="{E727A3DC-053E-465E-B8E4-3B2B3BAB9E5C}" srcOrd="0" destOrd="0" presId="urn:microsoft.com/office/officeart/2005/8/layout/cycle6"/>
+    <dgm:cxn modelId="{1E1C51E9-D1D8-4D94-B1AD-0DFE08671452}" type="presOf" srcId="{050C48E8-0D18-4A98-BA9F-5F976FC33D71}" destId="{EDBD717D-5284-4A4E-ABE6-26258DA18F0A}" srcOrd="0" destOrd="0" presId="urn:microsoft.com/office/officeart/2005/8/layout/cycle6"/>
+    <dgm:cxn modelId="{54D374EE-7DD9-4238-9224-6A62D0E3E70B}" type="presOf" srcId="{DD39F1C4-AFC8-4CA7-A76D-361D88CD4557}" destId="{190D4983-CD1A-405A-9C6E-3AA1BA1D3861}" srcOrd="0" destOrd="0" presId="urn:microsoft.com/office/officeart/2005/8/layout/cycle6"/>
+    <dgm:cxn modelId="{F4406AF6-56EF-4E15-9D01-CD6976829D1B}" type="presOf" srcId="{69729B06-9547-4C83-94F4-B337DF1B4E93}" destId="{B3BF2DF0-B325-4011-89F6-42EC54E63EEB}" srcOrd="0" destOrd="0" presId="urn:microsoft.com/office/officeart/2005/8/layout/cycle6"/>
+    <dgm:cxn modelId="{CDD676FF-E8B1-4D37-A46D-5A83CBFE9E82}" type="presOf" srcId="{395E8E83-6925-4873-8937-52D8E0E1795D}" destId="{52861312-2CD4-4282-93DC-EB80326E7D98}" srcOrd="0" destOrd="0" presId="urn:microsoft.com/office/officeart/2005/8/layout/cycle6"/>
+    <dgm:cxn modelId="{FDF79772-2199-4CDF-BF4D-F02EA7FB536D}" type="presParOf" srcId="{ADF57A8B-AC32-4669-A40C-7A9667CDF41C}" destId="{EDBD717D-5284-4A4E-ABE6-26258DA18F0A}" srcOrd="0" destOrd="0" presId="urn:microsoft.com/office/officeart/2005/8/layout/cycle6"/>
+    <dgm:cxn modelId="{BB91AF8C-ABE3-464D-ABF7-175B9DF41FE7}" type="presParOf" srcId="{ADF57A8B-AC32-4669-A40C-7A9667CDF41C}" destId="{58C02828-B09D-4795-B0C5-C5CC7D63B44B}" srcOrd="1" destOrd="0" presId="urn:microsoft.com/office/officeart/2005/8/layout/cycle6"/>
+    <dgm:cxn modelId="{054F0813-A886-4396-AC53-4480C49F1E59}" type="presParOf" srcId="{ADF57A8B-AC32-4669-A40C-7A9667CDF41C}" destId="{F5C50680-2C48-476D-A516-A34392A17F3A}" srcOrd="2" destOrd="0" presId="urn:microsoft.com/office/officeart/2005/8/layout/cycle6"/>
+    <dgm:cxn modelId="{99A97177-1F0F-488B-9DB2-685691B82B3E}" type="presParOf" srcId="{ADF57A8B-AC32-4669-A40C-7A9667CDF41C}" destId="{190D4983-CD1A-405A-9C6E-3AA1BA1D3861}" srcOrd="3" destOrd="0" presId="urn:microsoft.com/office/officeart/2005/8/layout/cycle6"/>
+    <dgm:cxn modelId="{6843E0CC-F061-4B74-987E-43ABDF3D9F5F}" type="presParOf" srcId="{ADF57A8B-AC32-4669-A40C-7A9667CDF41C}" destId="{FAA12654-8C44-460D-92CC-ACBCC9501D7C}" srcOrd="4" destOrd="0" presId="urn:microsoft.com/office/officeart/2005/8/layout/cycle6"/>
+    <dgm:cxn modelId="{F2639D97-8D7E-4C42-9C98-8F4AD506DCEA}" type="presParOf" srcId="{ADF57A8B-AC32-4669-A40C-7A9667CDF41C}" destId="{3EA0B8E0-8804-4F7A-A39D-DBB303228381}" srcOrd="5" destOrd="0" presId="urn:microsoft.com/office/officeart/2005/8/layout/cycle6"/>
+    <dgm:cxn modelId="{25E69D73-4E61-4002-898E-A4C35B23DFA8}" type="presParOf" srcId="{ADF57A8B-AC32-4669-A40C-7A9667CDF41C}" destId="{E727A3DC-053E-465E-B8E4-3B2B3BAB9E5C}" srcOrd="6" destOrd="0" presId="urn:microsoft.com/office/officeart/2005/8/layout/cycle6"/>
+    <dgm:cxn modelId="{CD6193EA-F4A8-444B-8D1C-CEA0D905CBE1}" type="presParOf" srcId="{ADF57A8B-AC32-4669-A40C-7A9667CDF41C}" destId="{415F3E0A-6C65-4350-AD9D-AC8C277123D5}" srcOrd="7" destOrd="0" presId="urn:microsoft.com/office/officeart/2005/8/layout/cycle6"/>
+    <dgm:cxn modelId="{DB74BC83-B013-4455-920B-3E7372070644}" type="presParOf" srcId="{ADF57A8B-AC32-4669-A40C-7A9667CDF41C}" destId="{FBE5142B-8273-47B3-B01D-A76CB5AB6F9C}" srcOrd="8" destOrd="0" presId="urn:microsoft.com/office/officeart/2005/8/layout/cycle6"/>
+    <dgm:cxn modelId="{B19D7D29-EC2E-4B0C-915B-FBEEC2488EE5}" type="presParOf" srcId="{ADF57A8B-AC32-4669-A40C-7A9667CDF41C}" destId="{5641E510-3FD8-4CB6-91B5-9D7C8903666C}" srcOrd="9" destOrd="0" presId="urn:microsoft.com/office/officeart/2005/8/layout/cycle6"/>
+    <dgm:cxn modelId="{441A4F04-3166-4C56-B0EC-F654D817D07D}" type="presParOf" srcId="{ADF57A8B-AC32-4669-A40C-7A9667CDF41C}" destId="{EC92DB41-8846-4F23-AF26-F66B989EB741}" srcOrd="10" destOrd="0" presId="urn:microsoft.com/office/officeart/2005/8/layout/cycle6"/>
+    <dgm:cxn modelId="{3AC60C9A-A5B2-495A-8B0A-01D7B2AC853A}" type="presParOf" srcId="{ADF57A8B-AC32-4669-A40C-7A9667CDF41C}" destId="{EF3A0694-F7A5-487C-9349-A1B40DC3462C}" srcOrd="11" destOrd="0" presId="urn:microsoft.com/office/officeart/2005/8/layout/cycle6"/>
+    <dgm:cxn modelId="{21A0A9AB-C1E8-4573-9493-83716DE19226}" type="presParOf" srcId="{ADF57A8B-AC32-4669-A40C-7A9667CDF41C}" destId="{DC0953EE-E5D9-43CE-B958-8EEA8CD19EC5}" srcOrd="12" destOrd="0" presId="urn:microsoft.com/office/officeart/2005/8/layout/cycle6"/>
+    <dgm:cxn modelId="{04BC1BA0-0CFD-425E-A6B7-DE1C219D163D}" type="presParOf" srcId="{ADF57A8B-AC32-4669-A40C-7A9667CDF41C}" destId="{E4A2537B-79D0-429D-8A12-56EC6BFB527E}" srcOrd="13" destOrd="0" presId="urn:microsoft.com/office/officeart/2005/8/layout/cycle6"/>
+    <dgm:cxn modelId="{DDF634AC-2FB1-4668-A898-4127228A2638}" type="presParOf" srcId="{ADF57A8B-AC32-4669-A40C-7A9667CDF41C}" destId="{52861312-2CD4-4282-93DC-EB80326E7D98}" srcOrd="14" destOrd="0" presId="urn:microsoft.com/office/officeart/2005/8/layout/cycle6"/>
+    <dgm:cxn modelId="{ADA03D02-8878-45D3-8C18-56280EDA593E}" type="presParOf" srcId="{ADF57A8B-AC32-4669-A40C-7A9667CDF41C}" destId="{97D646AD-1D5C-47E3-8127-D30A2E12AD09}" srcOrd="15" destOrd="0" presId="urn:microsoft.com/office/officeart/2005/8/layout/cycle6"/>
+    <dgm:cxn modelId="{34AEF7FA-7318-4BA8-AB61-F25822B1613B}" type="presParOf" srcId="{ADF57A8B-AC32-4669-A40C-7A9667CDF41C}" destId="{86838F40-8780-4E8B-94BB-029CDB561B87}" srcOrd="16" destOrd="0" presId="urn:microsoft.com/office/officeart/2005/8/layout/cycle6"/>
+    <dgm:cxn modelId="{0AB5A912-66B1-4F69-8384-2F591D612858}" type="presParOf" srcId="{ADF57A8B-AC32-4669-A40C-7A9667CDF41C}" destId="{8AF2B8C2-B72F-4A6A-B2FE-BE822E91E326}" srcOrd="17" destOrd="0" presId="urn:microsoft.com/office/officeart/2005/8/layout/cycle6"/>
+    <dgm:cxn modelId="{2EE35548-7AB9-495B-B87B-6A11903FF495}" type="presParOf" srcId="{ADF57A8B-AC32-4669-A40C-7A9667CDF41C}" destId="{B3BF2DF0-B325-4011-89F6-42EC54E63EEB}" srcOrd="18" destOrd="0" presId="urn:microsoft.com/office/officeart/2005/8/layout/cycle6"/>
+    <dgm:cxn modelId="{9806FC82-082D-4159-A331-892EEF371E80}" type="presParOf" srcId="{ADF57A8B-AC32-4669-A40C-7A9667CDF41C}" destId="{8A1996DF-9709-46E1-8B26-BB7116CF5B40}" srcOrd="19" destOrd="0" presId="urn:microsoft.com/office/officeart/2005/8/layout/cycle6"/>
+    <dgm:cxn modelId="{ECA6FCAF-B6EB-41E4-9C86-A7D2C3766FD4}" type="presParOf" srcId="{ADF57A8B-AC32-4669-A40C-7A9667CDF41C}" destId="{CF23E703-E22B-49EE-A222-E7BEDA35D541}" srcOrd="20" destOrd="0" presId="urn:microsoft.com/office/officeart/2005/8/layout/cycle6"/>
+    <dgm:cxn modelId="{4BE2DB06-2EEE-45D9-AEAC-DE97B6B5F5E7}" type="presParOf" srcId="{ADF57A8B-AC32-4669-A40C-7A9667CDF41C}" destId="{50BAD080-F835-4578-9D50-DB7EC9906E79}" srcOrd="21" destOrd="0" presId="urn:microsoft.com/office/officeart/2005/8/layout/cycle6"/>
+    <dgm:cxn modelId="{B2C63AAE-C196-43F9-A0C0-8F5D449D765D}" type="presParOf" srcId="{ADF57A8B-AC32-4669-A40C-7A9667CDF41C}" destId="{732E61CC-6D4A-4347-8DD2-14BFD3C36067}" srcOrd="22" destOrd="0" presId="urn:microsoft.com/office/officeart/2005/8/layout/cycle6"/>
+    <dgm:cxn modelId="{8759C310-B529-4BD1-B6E0-8F43985B17B7}" type="presParOf" srcId="{ADF57A8B-AC32-4669-A40C-7A9667CDF41C}" destId="{0D911844-F4B9-4883-A7A7-2445E6F57AE0}" srcOrd="23" destOrd="0" presId="urn:microsoft.com/office/officeart/2005/8/layout/cycle6"/>
+    <dgm:cxn modelId="{2694CD00-AD6F-4FF2-B650-E50D3F0DD004}" type="presParOf" srcId="{ADF57A8B-AC32-4669-A40C-7A9667CDF41C}" destId="{BB84CCBD-831A-47BA-AC68-C908ADE003B9}" srcOrd="24" destOrd="0" presId="urn:microsoft.com/office/officeart/2005/8/layout/cycle6"/>
+    <dgm:cxn modelId="{3F68C5A1-DBBC-4AF5-9932-CAF40EE7A90E}" type="presParOf" srcId="{ADF57A8B-AC32-4669-A40C-7A9667CDF41C}" destId="{36A5E6AB-0428-406A-B00F-0AC362DDAE2B}" srcOrd="25" destOrd="0" presId="urn:microsoft.com/office/officeart/2005/8/layout/cycle6"/>
+    <dgm:cxn modelId="{64B0E8DD-6FCD-4B34-9564-28317EA9B958}" type="presParOf" srcId="{ADF57A8B-AC32-4669-A40C-7A9667CDF41C}" destId="{98E227A7-6443-4ACA-85B4-34FB69447995}" srcOrd="26" destOrd="0" presId="urn:microsoft.com/office/officeart/2005/8/layout/cycle6"/>
+    <dgm:cxn modelId="{2BB16588-75C9-4FF0-9E13-A3D9FD2FB02D}" type="presParOf" srcId="{ADF57A8B-AC32-4669-A40C-7A9667CDF41C}" destId="{35AF98EF-405B-4D5A-94EC-524EB3862D8C}" srcOrd="27" destOrd="0" presId="urn:microsoft.com/office/officeart/2005/8/layout/cycle6"/>
+    <dgm:cxn modelId="{BCBCB046-2D80-4ABA-9DE1-00BF693A5A1B}" type="presParOf" srcId="{ADF57A8B-AC32-4669-A40C-7A9667CDF41C}" destId="{906A10F8-40C7-4999-8F52-80FA3ECECE2F}" srcOrd="28" destOrd="0" presId="urn:microsoft.com/office/officeart/2005/8/layout/cycle6"/>
+    <dgm:cxn modelId="{7F3F7665-793D-4983-A261-8CD73D1AC3A5}" type="presParOf" srcId="{ADF57A8B-AC32-4669-A40C-7A9667CDF41C}" destId="{AD46351C-179F-4B9B-B812-1A33174A8D64}" srcOrd="29" destOrd="0" presId="urn:microsoft.com/office/officeart/2005/8/layout/cycle6"/>
+  </dgm:cxnLst>
+  <dgm:bg/>
+  <dgm:whole/>
+  <dgm:extLst>
+    <a:ext uri="http://schemas.microsoft.com/office/drawing/2008/diagram">
+      <dsp:dataModelExt xmlns:dsp="http://schemas.microsoft.com/office/drawing/2008/diagram" relId="rId6" minVer="http://schemas.openxmlformats.org/drawingml/2006/diagram"/>
+    </a:ext>
+  </dgm:extLst>
+</dgm:dataModel>
+</file>
+
 <file path=ppt/diagrams/drawing1.xml><?xml version="1.0" encoding="utf-8"?>
 <dsp:drawing xmlns:dgm="http://schemas.openxmlformats.org/drawingml/2006/diagram" xmlns:dsp="http://schemas.microsoft.com/office/drawing/2008/diagram" xmlns:a="http://schemas.openxmlformats.org/drawingml/2006/main">
   <dsp:spTree>
@@ -1852,6 +3312,1338 @@
 </dsp:drawing>
 </file>
 
+<file path=ppt/diagrams/drawing2.xml><?xml version="1.0" encoding="utf-8"?>
+<dsp:drawing xmlns:dgm="http://schemas.openxmlformats.org/drawingml/2006/diagram" xmlns:dsp="http://schemas.microsoft.com/office/drawing/2008/diagram" xmlns:a="http://schemas.openxmlformats.org/drawingml/2006/main">
+  <dsp:spTree>
+    <dsp:nvGrpSpPr>
+      <dsp:cNvPr id="0" name=""/>
+      <dsp:cNvGrpSpPr/>
+    </dsp:nvGrpSpPr>
+    <dsp:grpSpPr/>
+    <dsp:sp modelId="{EDBD717D-5284-4A4E-ABE6-26258DA18F0A}">
+      <dsp:nvSpPr>
+        <dsp:cNvPr id="0" name=""/>
+        <dsp:cNvSpPr/>
+      </dsp:nvSpPr>
+      <dsp:spPr>
+        <a:xfrm>
+          <a:off x="2108152" y="-47661"/>
+          <a:ext cx="822960" cy="457201"/>
+        </a:xfrm>
+        <a:prstGeom prst="roundRect">
+          <a:avLst/>
+        </a:prstGeom>
+        <a:solidFill>
+          <a:schemeClr val="accent3">
+            <a:hueOff val="0"/>
+            <a:satOff val="0"/>
+            <a:lumOff val="0"/>
+            <a:alphaOff val="0"/>
+          </a:schemeClr>
+        </a:solidFill>
+        <a:ln w="25400" cap="flat" cmpd="sng" algn="ctr">
+          <a:solidFill>
+            <a:schemeClr val="lt1">
+              <a:hueOff val="0"/>
+              <a:satOff val="0"/>
+              <a:lumOff val="0"/>
+              <a:alphaOff val="0"/>
+            </a:schemeClr>
+          </a:solidFill>
+          <a:prstDash val="solid"/>
+        </a:ln>
+        <a:effectLst/>
+      </dsp:spPr>
+      <dsp:style>
+        <a:lnRef idx="2">
+          <a:scrgbClr r="0" g="0" b="0"/>
+        </a:lnRef>
+        <a:fillRef idx="1">
+          <a:scrgbClr r="0" g="0" b="0"/>
+        </a:fillRef>
+        <a:effectRef idx="0">
+          <a:scrgbClr r="0" g="0" b="0"/>
+        </a:effectRef>
+        <a:fontRef idx="minor">
+          <a:schemeClr val="lt1"/>
+        </a:fontRef>
+      </dsp:style>
+      <dsp:txBody>
+        <a:bodyPr spcFirstLastPara="0" vert="horz" wrap="square" lIns="38100" tIns="38100" rIns="38100" bIns="38100" numCol="1" spcCol="1270" anchor="ctr" anchorCtr="0">
+          <a:noAutofit/>
+        </a:bodyPr>
+        <a:lstStyle/>
+        <a:p>
+          <a:pPr marL="0" lvl="0" indent="0" algn="ctr" defTabSz="444500">
+            <a:lnSpc>
+              <a:spcPct val="90000"/>
+            </a:lnSpc>
+            <a:spcBef>
+              <a:spcPct val="0"/>
+            </a:spcBef>
+            <a:spcAft>
+              <a:spcPct val="35000"/>
+            </a:spcAft>
+            <a:buNone/>
+          </a:pPr>
+          <a:r>
+            <a:rPr lang="en-US" sz="1000" b="0" kern="1200" dirty="0">
+              <a:latin typeface="Times New Roman" panose="02020603050405020304" pitchFamily="18" charset="0"/>
+              <a:cs typeface="Times New Roman" panose="02020603050405020304" pitchFamily="18" charset="0"/>
+            </a:rPr>
+            <a:t>Banking</a:t>
+          </a:r>
+        </a:p>
+      </dsp:txBody>
+      <dsp:txXfrm>
+        <a:off x="2130471" y="-25342"/>
+        <a:ext cx="778322" cy="412563"/>
+      </dsp:txXfrm>
+    </dsp:sp>
+    <dsp:sp modelId="{F5C50680-2C48-476D-A516-A34392A17F3A}">
+      <dsp:nvSpPr>
+        <dsp:cNvPr id="0" name=""/>
+        <dsp:cNvSpPr/>
+      </dsp:nvSpPr>
+      <dsp:spPr>
+        <a:xfrm>
+          <a:off x="1020816" y="180939"/>
+          <a:ext cx="2997631" cy="2997631"/>
+        </a:xfrm>
+        <a:custGeom>
+          <a:avLst/>
+          <a:gdLst/>
+          <a:ahLst/>
+          <a:cxnLst/>
+          <a:rect l="0" t="0" r="0" b="0"/>
+          <a:pathLst>
+            <a:path>
+              <a:moveTo>
+                <a:pt x="1910879" y="57756"/>
+              </a:moveTo>
+              <a:arcTo wR="1498815" hR="1498815" stAng="17157457" swAng="136457"/>
+            </a:path>
+          </a:pathLst>
+        </a:custGeom>
+        <a:noFill/>
+        <a:ln w="9525" cap="flat" cmpd="sng" algn="ctr">
+          <a:solidFill>
+            <a:schemeClr val="accent3">
+              <a:hueOff val="0"/>
+              <a:satOff val="0"/>
+              <a:lumOff val="0"/>
+              <a:alphaOff val="0"/>
+            </a:schemeClr>
+          </a:solidFill>
+          <a:prstDash val="solid"/>
+        </a:ln>
+        <a:effectLst/>
+      </dsp:spPr>
+      <dsp:style>
+        <a:lnRef idx="1">
+          <a:scrgbClr r="0" g="0" b="0"/>
+        </a:lnRef>
+        <a:fillRef idx="0">
+          <a:scrgbClr r="0" g="0" b="0"/>
+        </a:fillRef>
+        <a:effectRef idx="0">
+          <a:scrgbClr r="0" g="0" b="0"/>
+        </a:effectRef>
+        <a:fontRef idx="minor"/>
+      </dsp:style>
+    </dsp:sp>
+    <dsp:sp modelId="{190D4983-CD1A-405A-9C6E-3AA1BA1D3861}">
+      <dsp:nvSpPr>
+        <dsp:cNvPr id="0" name=""/>
+        <dsp:cNvSpPr/>
+      </dsp:nvSpPr>
+      <dsp:spPr>
+        <a:xfrm>
+          <a:off x="2989134" y="238586"/>
+          <a:ext cx="822960" cy="457201"/>
+        </a:xfrm>
+        <a:prstGeom prst="roundRect">
+          <a:avLst/>
+        </a:prstGeom>
+        <a:solidFill>
+          <a:schemeClr val="accent3">
+            <a:hueOff val="1250029"/>
+            <a:satOff val="-1876"/>
+            <a:lumOff val="-305"/>
+            <a:alphaOff val="0"/>
+          </a:schemeClr>
+        </a:solidFill>
+        <a:ln w="25400" cap="flat" cmpd="sng" algn="ctr">
+          <a:solidFill>
+            <a:schemeClr val="lt1">
+              <a:hueOff val="0"/>
+              <a:satOff val="0"/>
+              <a:lumOff val="0"/>
+              <a:alphaOff val="0"/>
+            </a:schemeClr>
+          </a:solidFill>
+          <a:prstDash val="solid"/>
+        </a:ln>
+        <a:effectLst/>
+      </dsp:spPr>
+      <dsp:style>
+        <a:lnRef idx="2">
+          <a:scrgbClr r="0" g="0" b="0"/>
+        </a:lnRef>
+        <a:fillRef idx="1">
+          <a:scrgbClr r="0" g="0" b="0"/>
+        </a:fillRef>
+        <a:effectRef idx="0">
+          <a:scrgbClr r="0" g="0" b="0"/>
+        </a:effectRef>
+        <a:fontRef idx="minor">
+          <a:schemeClr val="lt1"/>
+        </a:fontRef>
+      </dsp:style>
+      <dsp:txBody>
+        <a:bodyPr spcFirstLastPara="0" vert="horz" wrap="square" lIns="38100" tIns="38100" rIns="38100" bIns="38100" numCol="1" spcCol="1270" anchor="ctr" anchorCtr="0">
+          <a:noAutofit/>
+        </a:bodyPr>
+        <a:lstStyle/>
+        <a:p>
+          <a:pPr marL="0" lvl="0" indent="0" algn="ctr" defTabSz="444500">
+            <a:lnSpc>
+              <a:spcPct val="90000"/>
+            </a:lnSpc>
+            <a:spcBef>
+              <a:spcPct val="0"/>
+            </a:spcBef>
+            <a:spcAft>
+              <a:spcPct val="35000"/>
+            </a:spcAft>
+            <a:buNone/>
+          </a:pPr>
+          <a:r>
+            <a:rPr lang="en-US" sz="1000" b="0" kern="1200" dirty="0">
+              <a:latin typeface="Times New Roman" panose="02020603050405020304" pitchFamily="18" charset="0"/>
+              <a:cs typeface="Times New Roman" panose="02020603050405020304" pitchFamily="18" charset="0"/>
+            </a:rPr>
+            <a:t>Supply Chain Management</a:t>
+          </a:r>
+        </a:p>
+      </dsp:txBody>
+      <dsp:txXfrm>
+        <a:off x="3011453" y="260905"/>
+        <a:ext cx="778322" cy="412563"/>
+      </dsp:txXfrm>
+    </dsp:sp>
+    <dsp:sp modelId="{3EA0B8E0-8804-4F7A-A39D-DBB303228381}">
+      <dsp:nvSpPr>
+        <dsp:cNvPr id="0" name=""/>
+        <dsp:cNvSpPr/>
+      </dsp:nvSpPr>
+      <dsp:spPr>
+        <a:xfrm>
+          <a:off x="1020816" y="180939"/>
+          <a:ext cx="2997631" cy="2997631"/>
+        </a:xfrm>
+        <a:custGeom>
+          <a:avLst/>
+          <a:gdLst/>
+          <a:ahLst/>
+          <a:cxnLst/>
+          <a:rect l="0" t="0" r="0" b="0"/>
+          <a:pathLst>
+            <a:path>
+              <a:moveTo>
+                <a:pt x="2631734" y="517518"/>
+              </a:moveTo>
+              <a:arcTo wR="1498815" hR="1498815" stAng="19146118" swAng="796589"/>
+            </a:path>
+          </a:pathLst>
+        </a:custGeom>
+        <a:noFill/>
+        <a:ln w="9525" cap="flat" cmpd="sng" algn="ctr">
+          <a:solidFill>
+            <a:schemeClr val="accent3">
+              <a:hueOff val="1250029"/>
+              <a:satOff val="-1876"/>
+              <a:lumOff val="-305"/>
+              <a:alphaOff val="0"/>
+            </a:schemeClr>
+          </a:solidFill>
+          <a:prstDash val="solid"/>
+        </a:ln>
+        <a:effectLst/>
+      </dsp:spPr>
+      <dsp:style>
+        <a:lnRef idx="1">
+          <a:scrgbClr r="0" g="0" b="0"/>
+        </a:lnRef>
+        <a:fillRef idx="0">
+          <a:scrgbClr r="0" g="0" b="0"/>
+        </a:fillRef>
+        <a:effectRef idx="0">
+          <a:scrgbClr r="0" g="0" b="0"/>
+        </a:effectRef>
+        <a:fontRef idx="minor"/>
+      </dsp:style>
+    </dsp:sp>
+    <dsp:sp modelId="{E727A3DC-053E-465E-B8E4-3B2B3BAB9E5C}">
+      <dsp:nvSpPr>
+        <dsp:cNvPr id="0" name=""/>
+        <dsp:cNvSpPr/>
+      </dsp:nvSpPr>
+      <dsp:spPr>
+        <a:xfrm>
+          <a:off x="3533610" y="987994"/>
+          <a:ext cx="822960" cy="457201"/>
+        </a:xfrm>
+        <a:prstGeom prst="roundRect">
+          <a:avLst/>
+        </a:prstGeom>
+        <a:solidFill>
+          <a:schemeClr val="accent3">
+            <a:hueOff val="2500059"/>
+            <a:satOff val="-3751"/>
+            <a:lumOff val="-610"/>
+            <a:alphaOff val="0"/>
+          </a:schemeClr>
+        </a:solidFill>
+        <a:ln w="25400" cap="flat" cmpd="sng" algn="ctr">
+          <a:solidFill>
+            <a:schemeClr val="lt1">
+              <a:hueOff val="0"/>
+              <a:satOff val="0"/>
+              <a:lumOff val="0"/>
+              <a:alphaOff val="0"/>
+            </a:schemeClr>
+          </a:solidFill>
+          <a:prstDash val="solid"/>
+        </a:ln>
+        <a:effectLst/>
+      </dsp:spPr>
+      <dsp:style>
+        <a:lnRef idx="2">
+          <a:scrgbClr r="0" g="0" b="0"/>
+        </a:lnRef>
+        <a:fillRef idx="1">
+          <a:scrgbClr r="0" g="0" b="0"/>
+        </a:fillRef>
+        <a:effectRef idx="0">
+          <a:scrgbClr r="0" g="0" b="0"/>
+        </a:effectRef>
+        <a:fontRef idx="minor">
+          <a:schemeClr val="lt1"/>
+        </a:fontRef>
+      </dsp:style>
+      <dsp:txBody>
+        <a:bodyPr spcFirstLastPara="0" vert="horz" wrap="square" lIns="38100" tIns="38100" rIns="38100" bIns="38100" numCol="1" spcCol="1270" anchor="ctr" anchorCtr="0">
+          <a:noAutofit/>
+        </a:bodyPr>
+        <a:lstStyle/>
+        <a:p>
+          <a:pPr marL="0" lvl="0" indent="0" algn="ctr" defTabSz="444500">
+            <a:lnSpc>
+              <a:spcPct val="90000"/>
+            </a:lnSpc>
+            <a:spcBef>
+              <a:spcPct val="0"/>
+            </a:spcBef>
+            <a:spcAft>
+              <a:spcPct val="35000"/>
+            </a:spcAft>
+            <a:buNone/>
+          </a:pPr>
+          <a:r>
+            <a:rPr lang="en-US" sz="1000" b="0" kern="1200" dirty="0">
+              <a:latin typeface="Times New Roman" panose="02020603050405020304" pitchFamily="18" charset="0"/>
+              <a:cs typeface="Times New Roman" panose="02020603050405020304" pitchFamily="18" charset="0"/>
+            </a:rPr>
+            <a:t>Stock exchange</a:t>
+          </a:r>
+        </a:p>
+      </dsp:txBody>
+      <dsp:txXfrm>
+        <a:off x="3555929" y="1010313"/>
+        <a:ext cx="778322" cy="412563"/>
+      </dsp:txXfrm>
+    </dsp:sp>
+    <dsp:sp modelId="{FBE5142B-8273-47B3-B01D-A76CB5AB6F9C}">
+      <dsp:nvSpPr>
+        <dsp:cNvPr id="0" name=""/>
+        <dsp:cNvSpPr/>
+      </dsp:nvSpPr>
+      <dsp:spPr>
+        <a:xfrm>
+          <a:off x="1020816" y="180939"/>
+          <a:ext cx="2997631" cy="2997631"/>
+        </a:xfrm>
+        <a:custGeom>
+          <a:avLst/>
+          <a:gdLst/>
+          <a:ahLst/>
+          <a:cxnLst/>
+          <a:rect l="0" t="0" r="0" b="0"/>
+          <a:pathLst>
+            <a:path>
+              <a:moveTo>
+                <a:pt x="2979890" y="1268891"/>
+              </a:moveTo>
+              <a:arcTo wR="1498815" hR="1498815" stAng="21070546" swAng="1058909"/>
+            </a:path>
+          </a:pathLst>
+        </a:custGeom>
+        <a:noFill/>
+        <a:ln w="9525" cap="flat" cmpd="sng" algn="ctr">
+          <a:solidFill>
+            <a:schemeClr val="accent3">
+              <a:hueOff val="2500059"/>
+              <a:satOff val="-3751"/>
+              <a:lumOff val="-610"/>
+              <a:alphaOff val="0"/>
+            </a:schemeClr>
+          </a:solidFill>
+          <a:prstDash val="solid"/>
+        </a:ln>
+        <a:effectLst/>
+      </dsp:spPr>
+      <dsp:style>
+        <a:lnRef idx="1">
+          <a:scrgbClr r="0" g="0" b="0"/>
+        </a:lnRef>
+        <a:fillRef idx="0">
+          <a:scrgbClr r="0" g="0" b="0"/>
+        </a:fillRef>
+        <a:effectRef idx="0">
+          <a:scrgbClr r="0" g="0" b="0"/>
+        </a:effectRef>
+        <a:fontRef idx="minor"/>
+      </dsp:style>
+    </dsp:sp>
+    <dsp:sp modelId="{5641E510-3FD8-4CB6-91B5-9D7C8903666C}">
+      <dsp:nvSpPr>
+        <dsp:cNvPr id="0" name=""/>
+        <dsp:cNvSpPr/>
+      </dsp:nvSpPr>
+      <dsp:spPr>
+        <a:xfrm>
+          <a:off x="3533610" y="1914313"/>
+          <a:ext cx="822960" cy="457201"/>
+        </a:xfrm>
+        <a:prstGeom prst="roundRect">
+          <a:avLst/>
+        </a:prstGeom>
+        <a:solidFill>
+          <a:schemeClr val="accent3">
+            <a:hueOff val="3750088"/>
+            <a:satOff val="-5627"/>
+            <a:lumOff val="-915"/>
+            <a:alphaOff val="0"/>
+          </a:schemeClr>
+        </a:solidFill>
+        <a:ln w="25400" cap="flat" cmpd="sng" algn="ctr">
+          <a:solidFill>
+            <a:schemeClr val="lt1">
+              <a:hueOff val="0"/>
+              <a:satOff val="0"/>
+              <a:lumOff val="0"/>
+              <a:alphaOff val="0"/>
+            </a:schemeClr>
+          </a:solidFill>
+          <a:prstDash val="solid"/>
+        </a:ln>
+        <a:effectLst/>
+      </dsp:spPr>
+      <dsp:style>
+        <a:lnRef idx="2">
+          <a:scrgbClr r="0" g="0" b="0"/>
+        </a:lnRef>
+        <a:fillRef idx="1">
+          <a:scrgbClr r="0" g="0" b="0"/>
+        </a:fillRef>
+        <a:effectRef idx="0">
+          <a:scrgbClr r="0" g="0" b="0"/>
+        </a:effectRef>
+        <a:fontRef idx="minor">
+          <a:schemeClr val="lt1"/>
+        </a:fontRef>
+      </dsp:style>
+      <dsp:txBody>
+        <a:bodyPr spcFirstLastPara="0" vert="horz" wrap="square" lIns="38100" tIns="38100" rIns="38100" bIns="38100" numCol="1" spcCol="1270" anchor="ctr" anchorCtr="0">
+          <a:noAutofit/>
+        </a:bodyPr>
+        <a:lstStyle/>
+        <a:p>
+          <a:pPr marL="0" lvl="0" indent="0" algn="ctr" defTabSz="444500">
+            <a:lnSpc>
+              <a:spcPct val="90000"/>
+            </a:lnSpc>
+            <a:spcBef>
+              <a:spcPct val="0"/>
+            </a:spcBef>
+            <a:spcAft>
+              <a:spcPct val="35000"/>
+            </a:spcAft>
+            <a:buNone/>
+          </a:pPr>
+          <a:r>
+            <a:rPr lang="en-US" sz="1000" b="0" kern="1200" dirty="0">
+              <a:latin typeface="Times New Roman" panose="02020603050405020304" pitchFamily="18" charset="0"/>
+              <a:cs typeface="Times New Roman" panose="02020603050405020304" pitchFamily="18" charset="0"/>
+            </a:rPr>
+            <a:t>Keep sensitive records </a:t>
+          </a:r>
+        </a:p>
+      </dsp:txBody>
+      <dsp:txXfrm>
+        <a:off x="3555929" y="1936632"/>
+        <a:ext cx="778322" cy="412563"/>
+      </dsp:txXfrm>
+    </dsp:sp>
+    <dsp:sp modelId="{EF3A0694-F7A5-487C-9349-A1B40DC3462C}">
+      <dsp:nvSpPr>
+        <dsp:cNvPr id="0" name=""/>
+        <dsp:cNvSpPr/>
+      </dsp:nvSpPr>
+      <dsp:spPr>
+        <a:xfrm>
+          <a:off x="1020816" y="180939"/>
+          <a:ext cx="2997631" cy="2997631"/>
+        </a:xfrm>
+        <a:custGeom>
+          <a:avLst/>
+          <a:gdLst/>
+          <a:ahLst/>
+          <a:cxnLst/>
+          <a:rect l="0" t="0" r="0" b="0"/>
+          <a:pathLst>
+            <a:path>
+              <a:moveTo>
+                <a:pt x="2826810" y="2193710"/>
+              </a:moveTo>
+              <a:arcTo wR="1498815" hR="1498815" stAng="1657293" swAng="796589"/>
+            </a:path>
+          </a:pathLst>
+        </a:custGeom>
+        <a:noFill/>
+        <a:ln w="9525" cap="flat" cmpd="sng" algn="ctr">
+          <a:solidFill>
+            <a:schemeClr val="accent3">
+              <a:hueOff val="3750088"/>
+              <a:satOff val="-5627"/>
+              <a:lumOff val="-915"/>
+              <a:alphaOff val="0"/>
+            </a:schemeClr>
+          </a:solidFill>
+          <a:prstDash val="solid"/>
+        </a:ln>
+        <a:effectLst/>
+      </dsp:spPr>
+      <dsp:style>
+        <a:lnRef idx="1">
+          <a:scrgbClr r="0" g="0" b="0"/>
+        </a:lnRef>
+        <a:fillRef idx="0">
+          <a:scrgbClr r="0" g="0" b="0"/>
+        </a:fillRef>
+        <a:effectRef idx="0">
+          <a:scrgbClr r="0" g="0" b="0"/>
+        </a:effectRef>
+        <a:fontRef idx="minor"/>
+      </dsp:style>
+    </dsp:sp>
+    <dsp:sp modelId="{DC0953EE-E5D9-43CE-B958-8EEA8CD19EC5}">
+      <dsp:nvSpPr>
+        <dsp:cNvPr id="0" name=""/>
+        <dsp:cNvSpPr/>
+      </dsp:nvSpPr>
+      <dsp:spPr>
+        <a:xfrm>
+          <a:off x="2989134" y="2663721"/>
+          <a:ext cx="822960" cy="457201"/>
+        </a:xfrm>
+        <a:prstGeom prst="roundRect">
+          <a:avLst/>
+        </a:prstGeom>
+        <a:solidFill>
+          <a:schemeClr val="accent3">
+            <a:hueOff val="5000117"/>
+            <a:satOff val="-7502"/>
+            <a:lumOff val="-1220"/>
+            <a:alphaOff val="0"/>
+          </a:schemeClr>
+        </a:solidFill>
+        <a:ln w="25400" cap="flat" cmpd="sng" algn="ctr">
+          <a:solidFill>
+            <a:schemeClr val="lt1">
+              <a:hueOff val="0"/>
+              <a:satOff val="0"/>
+              <a:lumOff val="0"/>
+              <a:alphaOff val="0"/>
+            </a:schemeClr>
+          </a:solidFill>
+          <a:prstDash val="solid"/>
+        </a:ln>
+        <a:effectLst/>
+      </dsp:spPr>
+      <dsp:style>
+        <a:lnRef idx="2">
+          <a:scrgbClr r="0" g="0" b="0"/>
+        </a:lnRef>
+        <a:fillRef idx="1">
+          <a:scrgbClr r="0" g="0" b="0"/>
+        </a:fillRef>
+        <a:effectRef idx="0">
+          <a:scrgbClr r="0" g="0" b="0"/>
+        </a:effectRef>
+        <a:fontRef idx="minor">
+          <a:schemeClr val="lt1"/>
+        </a:fontRef>
+      </dsp:style>
+      <dsp:txBody>
+        <a:bodyPr spcFirstLastPara="0" vert="horz" wrap="square" lIns="38100" tIns="38100" rIns="38100" bIns="38100" numCol="1" spcCol="1270" anchor="ctr" anchorCtr="0">
+          <a:noAutofit/>
+        </a:bodyPr>
+        <a:lstStyle/>
+        <a:p>
+          <a:pPr marL="0" lvl="0" indent="0" algn="ctr" defTabSz="444500">
+            <a:lnSpc>
+              <a:spcPct val="90000"/>
+            </a:lnSpc>
+            <a:spcBef>
+              <a:spcPct val="0"/>
+            </a:spcBef>
+            <a:spcAft>
+              <a:spcPct val="35000"/>
+            </a:spcAft>
+            <a:buNone/>
+          </a:pPr>
+          <a:r>
+            <a:rPr lang="en-US" sz="1000" b="0" kern="1200" dirty="0">
+              <a:latin typeface="Times New Roman" panose="02020603050405020304" pitchFamily="18" charset="0"/>
+              <a:cs typeface="Times New Roman" panose="02020603050405020304" pitchFamily="18" charset="0"/>
+            </a:rPr>
+            <a:t>Gaming</a:t>
+          </a:r>
+        </a:p>
+      </dsp:txBody>
+      <dsp:txXfrm>
+        <a:off x="3011453" y="2686040"/>
+        <a:ext cx="778322" cy="412563"/>
+      </dsp:txXfrm>
+    </dsp:sp>
+    <dsp:sp modelId="{52861312-2CD4-4282-93DC-EB80326E7D98}">
+      <dsp:nvSpPr>
+        <dsp:cNvPr id="0" name=""/>
+        <dsp:cNvSpPr/>
+      </dsp:nvSpPr>
+      <dsp:spPr>
+        <a:xfrm>
+          <a:off x="1020816" y="180939"/>
+          <a:ext cx="2997631" cy="2997631"/>
+        </a:xfrm>
+        <a:custGeom>
+          <a:avLst/>
+          <a:gdLst/>
+          <a:ahLst/>
+          <a:cxnLst/>
+          <a:rect l="0" t="0" r="0" b="0"/>
+          <a:pathLst>
+            <a:path>
+              <a:moveTo>
+                <a:pt x="1967740" y="2922388"/>
+              </a:moveTo>
+              <a:arcTo wR="1498815" hR="1498815" stAng="4306086" swAng="136457"/>
+            </a:path>
+          </a:pathLst>
+        </a:custGeom>
+        <a:noFill/>
+        <a:ln w="9525" cap="flat" cmpd="sng" algn="ctr">
+          <a:solidFill>
+            <a:schemeClr val="accent3">
+              <a:hueOff val="5000117"/>
+              <a:satOff val="-7502"/>
+              <a:lumOff val="-1220"/>
+              <a:alphaOff val="0"/>
+            </a:schemeClr>
+          </a:solidFill>
+          <a:prstDash val="solid"/>
+        </a:ln>
+        <a:effectLst/>
+      </dsp:spPr>
+      <dsp:style>
+        <a:lnRef idx="1">
+          <a:scrgbClr r="0" g="0" b="0"/>
+        </a:lnRef>
+        <a:fillRef idx="0">
+          <a:scrgbClr r="0" g="0" b="0"/>
+        </a:fillRef>
+        <a:effectRef idx="0">
+          <a:scrgbClr r="0" g="0" b="0"/>
+        </a:effectRef>
+        <a:fontRef idx="minor"/>
+      </dsp:style>
+    </dsp:sp>
+    <dsp:sp modelId="{97D646AD-1D5C-47E3-8127-D30A2E12AD09}">
+      <dsp:nvSpPr>
+        <dsp:cNvPr id="0" name=""/>
+        <dsp:cNvSpPr/>
+      </dsp:nvSpPr>
+      <dsp:spPr>
+        <a:xfrm>
+          <a:off x="2108152" y="2949969"/>
+          <a:ext cx="822960" cy="457201"/>
+        </a:xfrm>
+        <a:prstGeom prst="roundRect">
+          <a:avLst/>
+        </a:prstGeom>
+        <a:solidFill>
+          <a:schemeClr val="accent3">
+            <a:hueOff val="6250147"/>
+            <a:satOff val="-9378"/>
+            <a:lumOff val="-1525"/>
+            <a:alphaOff val="0"/>
+          </a:schemeClr>
+        </a:solidFill>
+        <a:ln w="25400" cap="flat" cmpd="sng" algn="ctr">
+          <a:solidFill>
+            <a:schemeClr val="lt1">
+              <a:hueOff val="0"/>
+              <a:satOff val="0"/>
+              <a:lumOff val="0"/>
+              <a:alphaOff val="0"/>
+            </a:schemeClr>
+          </a:solidFill>
+          <a:prstDash val="solid"/>
+        </a:ln>
+        <a:effectLst/>
+      </dsp:spPr>
+      <dsp:style>
+        <a:lnRef idx="2">
+          <a:scrgbClr r="0" g="0" b="0"/>
+        </a:lnRef>
+        <a:fillRef idx="1">
+          <a:scrgbClr r="0" g="0" b="0"/>
+        </a:fillRef>
+        <a:effectRef idx="0">
+          <a:scrgbClr r="0" g="0" b="0"/>
+        </a:effectRef>
+        <a:fontRef idx="minor">
+          <a:schemeClr val="lt1"/>
+        </a:fontRef>
+      </dsp:style>
+      <dsp:txBody>
+        <a:bodyPr spcFirstLastPara="0" vert="horz" wrap="square" lIns="38100" tIns="38100" rIns="38100" bIns="38100" numCol="1" spcCol="1270" anchor="ctr" anchorCtr="0">
+          <a:noAutofit/>
+        </a:bodyPr>
+        <a:lstStyle/>
+        <a:p>
+          <a:pPr marL="0" lvl="0" indent="0" algn="ctr" defTabSz="444500">
+            <a:lnSpc>
+              <a:spcPct val="90000"/>
+            </a:lnSpc>
+            <a:spcBef>
+              <a:spcPct val="0"/>
+            </a:spcBef>
+            <a:spcAft>
+              <a:spcPct val="35000"/>
+            </a:spcAft>
+            <a:buNone/>
+          </a:pPr>
+          <a:r>
+            <a:rPr lang="en-US" sz="1000" b="0" kern="1200" dirty="0">
+              <a:latin typeface="Times New Roman" panose="02020603050405020304" pitchFamily="18" charset="0"/>
+              <a:cs typeface="Times New Roman" panose="02020603050405020304" pitchFamily="18" charset="0"/>
+            </a:rPr>
+            <a:t>Identity protection</a:t>
+          </a:r>
+        </a:p>
+      </dsp:txBody>
+      <dsp:txXfrm>
+        <a:off x="2130471" y="2972288"/>
+        <a:ext cx="778322" cy="412563"/>
+      </dsp:txXfrm>
+    </dsp:sp>
+    <dsp:sp modelId="{8AF2B8C2-B72F-4A6A-B2FE-BE822E91E326}">
+      <dsp:nvSpPr>
+        <dsp:cNvPr id="0" name=""/>
+        <dsp:cNvSpPr/>
+      </dsp:nvSpPr>
+      <dsp:spPr>
+        <a:xfrm>
+          <a:off x="1020816" y="180939"/>
+          <a:ext cx="2997631" cy="2997631"/>
+        </a:xfrm>
+        <a:custGeom>
+          <a:avLst/>
+          <a:gdLst/>
+          <a:ahLst/>
+          <a:cxnLst/>
+          <a:rect l="0" t="0" r="0" b="0"/>
+          <a:pathLst>
+            <a:path>
+              <a:moveTo>
+                <a:pt x="1086752" y="2939875"/>
+              </a:moveTo>
+              <a:arcTo wR="1498815" hR="1498815" stAng="6357457" swAng="136457"/>
+            </a:path>
+          </a:pathLst>
+        </a:custGeom>
+        <a:noFill/>
+        <a:ln w="9525" cap="flat" cmpd="sng" algn="ctr">
+          <a:solidFill>
+            <a:schemeClr val="accent3">
+              <a:hueOff val="6250147"/>
+              <a:satOff val="-9378"/>
+              <a:lumOff val="-1525"/>
+              <a:alphaOff val="0"/>
+            </a:schemeClr>
+          </a:solidFill>
+          <a:prstDash val="solid"/>
+        </a:ln>
+        <a:effectLst/>
+      </dsp:spPr>
+      <dsp:style>
+        <a:lnRef idx="1">
+          <a:scrgbClr r="0" g="0" b="0"/>
+        </a:lnRef>
+        <a:fillRef idx="0">
+          <a:scrgbClr r="0" g="0" b="0"/>
+        </a:fillRef>
+        <a:effectRef idx="0">
+          <a:scrgbClr r="0" g="0" b="0"/>
+        </a:effectRef>
+        <a:fontRef idx="minor"/>
+      </dsp:style>
+    </dsp:sp>
+    <dsp:sp modelId="{B3BF2DF0-B325-4011-89F6-42EC54E63EEB}">
+      <dsp:nvSpPr>
+        <dsp:cNvPr id="0" name=""/>
+        <dsp:cNvSpPr/>
+      </dsp:nvSpPr>
+      <dsp:spPr>
+        <a:xfrm>
+          <a:off x="1227170" y="2663721"/>
+          <a:ext cx="822960" cy="457201"/>
+        </a:xfrm>
+        <a:prstGeom prst="roundRect">
+          <a:avLst/>
+        </a:prstGeom>
+        <a:solidFill>
+          <a:schemeClr val="accent3">
+            <a:hueOff val="7500176"/>
+            <a:satOff val="-11253"/>
+            <a:lumOff val="-1830"/>
+            <a:alphaOff val="0"/>
+          </a:schemeClr>
+        </a:solidFill>
+        <a:ln w="25400" cap="flat" cmpd="sng" algn="ctr">
+          <a:solidFill>
+            <a:schemeClr val="lt1">
+              <a:hueOff val="0"/>
+              <a:satOff val="0"/>
+              <a:lumOff val="0"/>
+              <a:alphaOff val="0"/>
+            </a:schemeClr>
+          </a:solidFill>
+          <a:prstDash val="solid"/>
+        </a:ln>
+        <a:effectLst/>
+      </dsp:spPr>
+      <dsp:style>
+        <a:lnRef idx="2">
+          <a:scrgbClr r="0" g="0" b="0"/>
+        </a:lnRef>
+        <a:fillRef idx="1">
+          <a:scrgbClr r="0" g="0" b="0"/>
+        </a:fillRef>
+        <a:effectRef idx="0">
+          <a:scrgbClr r="0" g="0" b="0"/>
+        </a:effectRef>
+        <a:fontRef idx="minor">
+          <a:schemeClr val="lt1"/>
+        </a:fontRef>
+      </dsp:style>
+      <dsp:txBody>
+        <a:bodyPr spcFirstLastPara="0" vert="horz" wrap="square" lIns="38100" tIns="38100" rIns="38100" bIns="38100" numCol="1" spcCol="1270" anchor="ctr" anchorCtr="0">
+          <a:noAutofit/>
+        </a:bodyPr>
+        <a:lstStyle/>
+        <a:p>
+          <a:pPr marL="0" lvl="0" indent="0" algn="ctr" defTabSz="444500">
+            <a:lnSpc>
+              <a:spcPct val="90000"/>
+            </a:lnSpc>
+            <a:spcBef>
+              <a:spcPct val="0"/>
+            </a:spcBef>
+            <a:spcAft>
+              <a:spcPct val="35000"/>
+            </a:spcAft>
+            <a:buNone/>
+          </a:pPr>
+          <a:r>
+            <a:rPr lang="en-US" sz="1000" b="0" kern="1200" dirty="0">
+              <a:latin typeface="Times New Roman" panose="02020603050405020304" pitchFamily="18" charset="0"/>
+              <a:cs typeface="Times New Roman" panose="02020603050405020304" pitchFamily="18" charset="0"/>
+            </a:rPr>
+            <a:t>Election protection</a:t>
+          </a:r>
+        </a:p>
+      </dsp:txBody>
+      <dsp:txXfrm>
+        <a:off x="1249489" y="2686040"/>
+        <a:ext cx="778322" cy="412563"/>
+      </dsp:txXfrm>
+    </dsp:sp>
+    <dsp:sp modelId="{CF23E703-E22B-49EE-A222-E7BEDA35D541}">
+      <dsp:nvSpPr>
+        <dsp:cNvPr id="0" name=""/>
+        <dsp:cNvSpPr/>
+      </dsp:nvSpPr>
+      <dsp:spPr>
+        <a:xfrm>
+          <a:off x="1020816" y="180939"/>
+          <a:ext cx="2997631" cy="2997631"/>
+        </a:xfrm>
+        <a:custGeom>
+          <a:avLst/>
+          <a:gdLst/>
+          <a:ahLst/>
+          <a:cxnLst/>
+          <a:rect l="0" t="0" r="0" b="0"/>
+          <a:pathLst>
+            <a:path>
+              <a:moveTo>
+                <a:pt x="365896" y="2480112"/>
+              </a:moveTo>
+              <a:arcTo wR="1498815" hR="1498815" stAng="8346118" swAng="796589"/>
+            </a:path>
+          </a:pathLst>
+        </a:custGeom>
+        <a:noFill/>
+        <a:ln w="9525" cap="flat" cmpd="sng" algn="ctr">
+          <a:solidFill>
+            <a:schemeClr val="accent3">
+              <a:hueOff val="7500176"/>
+              <a:satOff val="-11253"/>
+              <a:lumOff val="-1830"/>
+              <a:alphaOff val="0"/>
+            </a:schemeClr>
+          </a:solidFill>
+          <a:prstDash val="solid"/>
+        </a:ln>
+        <a:effectLst/>
+      </dsp:spPr>
+      <dsp:style>
+        <a:lnRef idx="1">
+          <a:scrgbClr r="0" g="0" b="0"/>
+        </a:lnRef>
+        <a:fillRef idx="0">
+          <a:scrgbClr r="0" g="0" b="0"/>
+        </a:fillRef>
+        <a:effectRef idx="0">
+          <a:scrgbClr r="0" g="0" b="0"/>
+        </a:effectRef>
+        <a:fontRef idx="minor"/>
+      </dsp:style>
+    </dsp:sp>
+    <dsp:sp modelId="{50BAD080-F835-4578-9D50-DB7EC9906E79}">
+      <dsp:nvSpPr>
+        <dsp:cNvPr id="0" name=""/>
+        <dsp:cNvSpPr/>
+      </dsp:nvSpPr>
+      <dsp:spPr>
+        <a:xfrm>
+          <a:off x="682693" y="1914313"/>
+          <a:ext cx="822960" cy="457201"/>
+        </a:xfrm>
+        <a:prstGeom prst="roundRect">
+          <a:avLst/>
+        </a:prstGeom>
+        <a:solidFill>
+          <a:schemeClr val="accent3">
+            <a:hueOff val="8750205"/>
+            <a:satOff val="-13129"/>
+            <a:lumOff val="-2135"/>
+            <a:alphaOff val="0"/>
+          </a:schemeClr>
+        </a:solidFill>
+        <a:ln w="25400" cap="flat" cmpd="sng" algn="ctr">
+          <a:solidFill>
+            <a:schemeClr val="lt1">
+              <a:hueOff val="0"/>
+              <a:satOff val="0"/>
+              <a:lumOff val="0"/>
+              <a:alphaOff val="0"/>
+            </a:schemeClr>
+          </a:solidFill>
+          <a:prstDash val="solid"/>
+        </a:ln>
+        <a:effectLst/>
+      </dsp:spPr>
+      <dsp:style>
+        <a:lnRef idx="2">
+          <a:scrgbClr r="0" g="0" b="0"/>
+        </a:lnRef>
+        <a:fillRef idx="1">
+          <a:scrgbClr r="0" g="0" b="0"/>
+        </a:fillRef>
+        <a:effectRef idx="0">
+          <a:scrgbClr r="0" g="0" b="0"/>
+        </a:effectRef>
+        <a:fontRef idx="minor">
+          <a:schemeClr val="lt1"/>
+        </a:fontRef>
+      </dsp:style>
+      <dsp:txBody>
+        <a:bodyPr spcFirstLastPara="0" vert="horz" wrap="square" lIns="38100" tIns="38100" rIns="38100" bIns="38100" numCol="1" spcCol="1270" anchor="ctr" anchorCtr="0">
+          <a:noAutofit/>
+        </a:bodyPr>
+        <a:lstStyle/>
+        <a:p>
+          <a:pPr marL="0" lvl="0" indent="0" algn="ctr" defTabSz="444500">
+            <a:lnSpc>
+              <a:spcPct val="90000"/>
+            </a:lnSpc>
+            <a:spcBef>
+              <a:spcPct val="0"/>
+            </a:spcBef>
+            <a:spcAft>
+              <a:spcPct val="35000"/>
+            </a:spcAft>
+            <a:buNone/>
+          </a:pPr>
+          <a:r>
+            <a:rPr lang="en-US" sz="1000" b="0" kern="1200" dirty="0">
+              <a:latin typeface="Times New Roman" panose="02020603050405020304" pitchFamily="18" charset="0"/>
+              <a:cs typeface="Times New Roman" panose="02020603050405020304" pitchFamily="18" charset="0"/>
+            </a:rPr>
+            <a:t>Copyright protection</a:t>
+          </a:r>
+        </a:p>
+      </dsp:txBody>
+      <dsp:txXfrm>
+        <a:off x="705012" y="1936632"/>
+        <a:ext cx="778322" cy="412563"/>
+      </dsp:txXfrm>
+    </dsp:sp>
+    <dsp:sp modelId="{0D911844-F4B9-4883-A7A7-2445E6F57AE0}">
+      <dsp:nvSpPr>
+        <dsp:cNvPr id="0" name=""/>
+        <dsp:cNvSpPr/>
+      </dsp:nvSpPr>
+      <dsp:spPr>
+        <a:xfrm>
+          <a:off x="1020816" y="180939"/>
+          <a:ext cx="2997631" cy="2997631"/>
+        </a:xfrm>
+        <a:custGeom>
+          <a:avLst/>
+          <a:gdLst/>
+          <a:ahLst/>
+          <a:cxnLst/>
+          <a:rect l="0" t="0" r="0" b="0"/>
+          <a:pathLst>
+            <a:path>
+              <a:moveTo>
+                <a:pt x="17740" y="1728740"/>
+              </a:moveTo>
+              <a:arcTo wR="1498815" hR="1498815" stAng="10270546" swAng="1058909"/>
+            </a:path>
+          </a:pathLst>
+        </a:custGeom>
+        <a:noFill/>
+        <a:ln w="9525" cap="flat" cmpd="sng" algn="ctr">
+          <a:solidFill>
+            <a:schemeClr val="accent3">
+              <a:hueOff val="8750205"/>
+              <a:satOff val="-13129"/>
+              <a:lumOff val="-2135"/>
+              <a:alphaOff val="0"/>
+            </a:schemeClr>
+          </a:solidFill>
+          <a:prstDash val="solid"/>
+        </a:ln>
+        <a:effectLst/>
+      </dsp:spPr>
+      <dsp:style>
+        <a:lnRef idx="1">
+          <a:scrgbClr r="0" g="0" b="0"/>
+        </a:lnRef>
+        <a:fillRef idx="0">
+          <a:scrgbClr r="0" g="0" b="0"/>
+        </a:fillRef>
+        <a:effectRef idx="0">
+          <a:scrgbClr r="0" g="0" b="0"/>
+        </a:effectRef>
+        <a:fontRef idx="minor"/>
+      </dsp:style>
+    </dsp:sp>
+    <dsp:sp modelId="{BB84CCBD-831A-47BA-AC68-C908ADE003B9}">
+      <dsp:nvSpPr>
+        <dsp:cNvPr id="0" name=""/>
+        <dsp:cNvSpPr/>
+      </dsp:nvSpPr>
+      <dsp:spPr>
+        <a:xfrm>
+          <a:off x="682693" y="987994"/>
+          <a:ext cx="822960" cy="457201"/>
+        </a:xfrm>
+        <a:prstGeom prst="roundRect">
+          <a:avLst/>
+        </a:prstGeom>
+        <a:solidFill>
+          <a:schemeClr val="accent3">
+            <a:hueOff val="10000235"/>
+            <a:satOff val="-15004"/>
+            <a:lumOff val="-2440"/>
+            <a:alphaOff val="0"/>
+          </a:schemeClr>
+        </a:solidFill>
+        <a:ln w="25400" cap="flat" cmpd="sng" algn="ctr">
+          <a:solidFill>
+            <a:schemeClr val="lt1">
+              <a:hueOff val="0"/>
+              <a:satOff val="0"/>
+              <a:lumOff val="0"/>
+              <a:alphaOff val="0"/>
+            </a:schemeClr>
+          </a:solidFill>
+          <a:prstDash val="solid"/>
+        </a:ln>
+        <a:effectLst/>
+      </dsp:spPr>
+      <dsp:style>
+        <a:lnRef idx="2">
+          <a:scrgbClr r="0" g="0" b="0"/>
+        </a:lnRef>
+        <a:fillRef idx="1">
+          <a:scrgbClr r="0" g="0" b="0"/>
+        </a:fillRef>
+        <a:effectRef idx="0">
+          <a:scrgbClr r="0" g="0" b="0"/>
+        </a:effectRef>
+        <a:fontRef idx="minor">
+          <a:schemeClr val="lt1"/>
+        </a:fontRef>
+      </dsp:style>
+      <dsp:txBody>
+        <a:bodyPr spcFirstLastPara="0" vert="horz" wrap="square" lIns="38100" tIns="38100" rIns="38100" bIns="38100" numCol="1" spcCol="1270" anchor="ctr" anchorCtr="0">
+          <a:noAutofit/>
+        </a:bodyPr>
+        <a:lstStyle/>
+        <a:p>
+          <a:pPr marL="0" lvl="0" indent="0" algn="ctr" defTabSz="444500">
+            <a:lnSpc>
+              <a:spcPct val="90000"/>
+            </a:lnSpc>
+            <a:spcBef>
+              <a:spcPct val="0"/>
+            </a:spcBef>
+            <a:spcAft>
+              <a:spcPct val="35000"/>
+            </a:spcAft>
+            <a:buNone/>
+          </a:pPr>
+          <a:r>
+            <a:rPr lang="en-US" sz="1000" b="0" kern="1200" dirty="0">
+              <a:latin typeface="Times New Roman" panose="02020603050405020304" pitchFamily="18" charset="0"/>
+              <a:cs typeface="Times New Roman" panose="02020603050405020304" pitchFamily="18" charset="0"/>
+            </a:rPr>
+            <a:t>Data set protection</a:t>
+          </a:r>
+        </a:p>
+      </dsp:txBody>
+      <dsp:txXfrm>
+        <a:off x="705012" y="1010313"/>
+        <a:ext cx="778322" cy="412563"/>
+      </dsp:txXfrm>
+    </dsp:sp>
+    <dsp:sp modelId="{98E227A7-6443-4ACA-85B4-34FB69447995}">
+      <dsp:nvSpPr>
+        <dsp:cNvPr id="0" name=""/>
+        <dsp:cNvSpPr/>
+      </dsp:nvSpPr>
+      <dsp:spPr>
+        <a:xfrm>
+          <a:off x="1020816" y="180939"/>
+          <a:ext cx="2997631" cy="2997631"/>
+        </a:xfrm>
+        <a:custGeom>
+          <a:avLst/>
+          <a:gdLst/>
+          <a:ahLst/>
+          <a:cxnLst/>
+          <a:rect l="0" t="0" r="0" b="0"/>
+          <a:pathLst>
+            <a:path>
+              <a:moveTo>
+                <a:pt x="170821" y="803920"/>
+              </a:moveTo>
+              <a:arcTo wR="1498815" hR="1498815" stAng="12457293" swAng="796589"/>
+            </a:path>
+          </a:pathLst>
+        </a:custGeom>
+        <a:noFill/>
+        <a:ln w="9525" cap="flat" cmpd="sng" algn="ctr">
+          <a:solidFill>
+            <a:schemeClr val="accent3">
+              <a:hueOff val="10000235"/>
+              <a:satOff val="-15004"/>
+              <a:lumOff val="-2440"/>
+              <a:alphaOff val="0"/>
+            </a:schemeClr>
+          </a:solidFill>
+          <a:prstDash val="solid"/>
+        </a:ln>
+        <a:effectLst/>
+      </dsp:spPr>
+      <dsp:style>
+        <a:lnRef idx="1">
+          <a:scrgbClr r="0" g="0" b="0"/>
+        </a:lnRef>
+        <a:fillRef idx="0">
+          <a:scrgbClr r="0" g="0" b="0"/>
+        </a:fillRef>
+        <a:effectRef idx="0">
+          <a:scrgbClr r="0" g="0" b="0"/>
+        </a:effectRef>
+        <a:fontRef idx="minor"/>
+      </dsp:style>
+    </dsp:sp>
+    <dsp:sp modelId="{35AF98EF-405B-4D5A-94EC-524EB3862D8C}">
+      <dsp:nvSpPr>
+        <dsp:cNvPr id="0" name=""/>
+        <dsp:cNvSpPr/>
+      </dsp:nvSpPr>
+      <dsp:spPr>
+        <a:xfrm>
+          <a:off x="1227170" y="238586"/>
+          <a:ext cx="822960" cy="457201"/>
+        </a:xfrm>
+        <a:prstGeom prst="roundRect">
+          <a:avLst/>
+        </a:prstGeom>
+        <a:solidFill>
+          <a:schemeClr val="accent3">
+            <a:hueOff val="11250264"/>
+            <a:satOff val="-16880"/>
+            <a:lumOff val="-2745"/>
+            <a:alphaOff val="0"/>
+          </a:schemeClr>
+        </a:solidFill>
+        <a:ln w="25400" cap="flat" cmpd="sng" algn="ctr">
+          <a:solidFill>
+            <a:schemeClr val="lt1">
+              <a:hueOff val="0"/>
+              <a:satOff val="0"/>
+              <a:lumOff val="0"/>
+              <a:alphaOff val="0"/>
+            </a:schemeClr>
+          </a:solidFill>
+          <a:prstDash val="solid"/>
+        </a:ln>
+        <a:effectLst/>
+      </dsp:spPr>
+      <dsp:style>
+        <a:lnRef idx="2">
+          <a:scrgbClr r="0" g="0" b="0"/>
+        </a:lnRef>
+        <a:fillRef idx="1">
+          <a:scrgbClr r="0" g="0" b="0"/>
+        </a:fillRef>
+        <a:effectRef idx="0">
+          <a:scrgbClr r="0" g="0" b="0"/>
+        </a:effectRef>
+        <a:fontRef idx="minor">
+          <a:schemeClr val="lt1"/>
+        </a:fontRef>
+      </dsp:style>
+      <dsp:txBody>
+        <a:bodyPr spcFirstLastPara="0" vert="horz" wrap="square" lIns="38100" tIns="38100" rIns="38100" bIns="38100" numCol="1" spcCol="1270" anchor="ctr" anchorCtr="0">
+          <a:noAutofit/>
+        </a:bodyPr>
+        <a:lstStyle/>
+        <a:p>
+          <a:pPr marL="0" lvl="0" indent="0" algn="ctr" defTabSz="444500">
+            <a:lnSpc>
+              <a:spcPct val="90000"/>
+            </a:lnSpc>
+            <a:spcBef>
+              <a:spcPct val="0"/>
+            </a:spcBef>
+            <a:spcAft>
+              <a:spcPct val="35000"/>
+            </a:spcAft>
+            <a:buNone/>
+          </a:pPr>
+          <a:r>
+            <a:rPr lang="en-US" sz="1000" b="0" kern="1200" baseline="0" dirty="0">
+              <a:latin typeface="Times New Roman" panose="02020603050405020304" pitchFamily="18" charset="0"/>
+              <a:cs typeface="Times New Roman" panose="02020603050405020304" pitchFamily="18" charset="0"/>
+            </a:rPr>
+            <a:t>Budget provision (ICO)</a:t>
+          </a:r>
+        </a:p>
+      </dsp:txBody>
+      <dsp:txXfrm>
+        <a:off x="1249489" y="260905"/>
+        <a:ext cx="778322" cy="412563"/>
+      </dsp:txXfrm>
+    </dsp:sp>
+    <dsp:sp modelId="{AD46351C-179F-4B9B-B812-1A33174A8D64}">
+      <dsp:nvSpPr>
+        <dsp:cNvPr id="0" name=""/>
+        <dsp:cNvSpPr/>
+      </dsp:nvSpPr>
+      <dsp:spPr>
+        <a:xfrm>
+          <a:off x="1020816" y="180939"/>
+          <a:ext cx="2997631" cy="2997631"/>
+        </a:xfrm>
+        <a:custGeom>
+          <a:avLst/>
+          <a:gdLst/>
+          <a:ahLst/>
+          <a:cxnLst/>
+          <a:rect l="0" t="0" r="0" b="0"/>
+          <a:pathLst>
+            <a:path>
+              <a:moveTo>
+                <a:pt x="1029890" y="75243"/>
+              </a:moveTo>
+              <a:arcTo wR="1498815" hR="1498815" stAng="15106086" swAng="136457"/>
+            </a:path>
+          </a:pathLst>
+        </a:custGeom>
+        <a:noFill/>
+        <a:ln w="9525" cap="flat" cmpd="sng" algn="ctr">
+          <a:solidFill>
+            <a:schemeClr val="accent3">
+              <a:hueOff val="11250264"/>
+              <a:satOff val="-16880"/>
+              <a:lumOff val="-2745"/>
+              <a:alphaOff val="0"/>
+            </a:schemeClr>
+          </a:solidFill>
+          <a:prstDash val="solid"/>
+        </a:ln>
+        <a:effectLst/>
+      </dsp:spPr>
+      <dsp:style>
+        <a:lnRef idx="1">
+          <a:scrgbClr r="0" g="0" b="0"/>
+        </a:lnRef>
+        <a:fillRef idx="0">
+          <a:scrgbClr r="0" g="0" b="0"/>
+        </a:fillRef>
+        <a:effectRef idx="0">
+          <a:scrgbClr r="0" g="0" b="0"/>
+        </a:effectRef>
+        <a:fontRef idx="minor"/>
+      </dsp:style>
+    </dsp:sp>
+  </dsp:spTree>
+</dsp:drawing>
+</file>
+
 <file path=ppt/diagrams/layout1.xml><?xml version="1.0" encoding="utf-8"?>
 <dgm:layoutDef xmlns:dgm="http://schemas.openxmlformats.org/drawingml/2006/diagram" xmlns:a="http://schemas.openxmlformats.org/drawingml/2006/main" uniqueId="urn:microsoft.com/office/officeart/2005/8/layout/hList1">
   <dgm:title val=""/>
@@ -2069,7 +4861,1250 @@
 </dgm:layoutDef>
 </file>
 
+<file path=ppt/diagrams/layout2.xml><?xml version="1.0" encoding="utf-8"?>
+<dgm:layoutDef xmlns:dgm="http://schemas.openxmlformats.org/drawingml/2006/diagram" xmlns:a="http://schemas.openxmlformats.org/drawingml/2006/main" uniqueId="urn:microsoft.com/office/officeart/2005/8/layout/cycle6">
+  <dgm:title val=""/>
+  <dgm:desc val=""/>
+  <dgm:catLst>
+    <dgm:cat type="cycle" pri="4000"/>
+    <dgm:cat type="relationship" pri="24000"/>
+  </dgm:catLst>
+  <dgm:sampData>
+    <dgm:dataModel>
+      <dgm:ptLst>
+        <dgm:pt modelId="0" type="doc"/>
+        <dgm:pt modelId="1">
+          <dgm:prSet phldr="1"/>
+        </dgm:pt>
+        <dgm:pt modelId="2">
+          <dgm:prSet phldr="1"/>
+        </dgm:pt>
+        <dgm:pt modelId="3">
+          <dgm:prSet phldr="1"/>
+        </dgm:pt>
+        <dgm:pt modelId="4">
+          <dgm:prSet phldr="1"/>
+        </dgm:pt>
+        <dgm:pt modelId="5">
+          <dgm:prSet phldr="1"/>
+        </dgm:pt>
+      </dgm:ptLst>
+      <dgm:cxnLst>
+        <dgm:cxn modelId="6" srcId="0" destId="1" srcOrd="0" destOrd="0"/>
+        <dgm:cxn modelId="7" srcId="0" destId="2" srcOrd="1" destOrd="0"/>
+        <dgm:cxn modelId="8" srcId="0" destId="3" srcOrd="2" destOrd="0"/>
+        <dgm:cxn modelId="9" srcId="0" destId="4" srcOrd="3" destOrd="0"/>
+        <dgm:cxn modelId="10" srcId="0" destId="5" srcOrd="4" destOrd="0"/>
+      </dgm:cxnLst>
+      <dgm:bg/>
+      <dgm:whole/>
+    </dgm:dataModel>
+  </dgm:sampData>
+  <dgm:styleData>
+    <dgm:dataModel>
+      <dgm:ptLst>
+        <dgm:pt modelId="0" type="doc"/>
+        <dgm:pt modelId="1"/>
+        <dgm:pt modelId="2"/>
+        <dgm:pt modelId="3"/>
+      </dgm:ptLst>
+      <dgm:cxnLst>
+        <dgm:cxn modelId="4" srcId="0" destId="1" srcOrd="0" destOrd="0"/>
+        <dgm:cxn modelId="5" srcId="0" destId="2" srcOrd="1" destOrd="0"/>
+        <dgm:cxn modelId="6" srcId="0" destId="3" srcOrd="2" destOrd="0"/>
+      </dgm:cxnLst>
+      <dgm:bg/>
+      <dgm:whole/>
+    </dgm:dataModel>
+  </dgm:styleData>
+  <dgm:clrData>
+    <dgm:dataModel>
+      <dgm:ptLst>
+        <dgm:pt modelId="0" type="doc"/>
+        <dgm:pt modelId="1"/>
+        <dgm:pt modelId="2"/>
+        <dgm:pt modelId="3"/>
+        <dgm:pt modelId="4"/>
+        <dgm:pt modelId="5"/>
+        <dgm:pt modelId="6"/>
+      </dgm:ptLst>
+      <dgm:cxnLst>
+        <dgm:cxn modelId="7" srcId="0" destId="1" srcOrd="0" destOrd="0"/>
+        <dgm:cxn modelId="8" srcId="0" destId="2" srcOrd="1" destOrd="0"/>
+        <dgm:cxn modelId="9" srcId="0" destId="3" srcOrd="2" destOrd="0"/>
+        <dgm:cxn modelId="10" srcId="0" destId="4" srcOrd="3" destOrd="0"/>
+        <dgm:cxn modelId="11" srcId="0" destId="5" srcOrd="4" destOrd="0"/>
+        <dgm:cxn modelId="12" srcId="0" destId="6" srcOrd="5" destOrd="0"/>
+      </dgm:cxnLst>
+      <dgm:bg/>
+      <dgm:whole/>
+    </dgm:dataModel>
+  </dgm:clrData>
+  <dgm:layoutNode name="cycle">
+    <dgm:varLst>
+      <dgm:dir/>
+      <dgm:resizeHandles val="exact"/>
+    </dgm:varLst>
+    <dgm:choose name="Name0">
+      <dgm:if name="Name1" func="var" arg="dir" op="equ" val="norm">
+        <dgm:choose name="Name2">
+          <dgm:if name="Name3" axis="ch" ptType="node" func="cnt" op="gt" val="2">
+            <dgm:alg type="cycle">
+              <dgm:param type="stAng" val="0"/>
+              <dgm:param type="spanAng" val="360"/>
+            </dgm:alg>
+          </dgm:if>
+          <dgm:else name="Name4">
+            <dgm:alg type="cycle">
+              <dgm:param type="stAng" val="-90"/>
+              <dgm:param type="spanAng" val="360"/>
+            </dgm:alg>
+          </dgm:else>
+        </dgm:choose>
+      </dgm:if>
+      <dgm:else name="Name5">
+        <dgm:choose name="Name6">
+          <dgm:if name="Name7" axis="ch" ptType="node" func="cnt" op="gt" val="2">
+            <dgm:alg type="cycle">
+              <dgm:param type="stAng" val="0"/>
+              <dgm:param type="spanAng" val="-360"/>
+            </dgm:alg>
+          </dgm:if>
+          <dgm:else name="Name8">
+            <dgm:alg type="cycle">
+              <dgm:param type="stAng" val="90"/>
+              <dgm:param type="spanAng" val="-360"/>
+            </dgm:alg>
+          </dgm:else>
+        </dgm:choose>
+      </dgm:else>
+    </dgm:choose>
+    <dgm:shape xmlns:r="http://schemas.openxmlformats.org/officeDocument/2006/relationships" r:blip="">
+      <dgm:adjLst/>
+    </dgm:shape>
+    <dgm:presOf/>
+    <dgm:choose name="Name9">
+      <dgm:if name="Name10" func="var" arg="dir" op="equ" val="norm">
+        <dgm:constrLst>
+          <dgm:constr type="w" for="ch" forName="node" refType="w"/>
+          <dgm:constr type="w" for="ch" ptType="sibTrans" refType="w" refFor="ch" refForName="node" op="equ" fact="0.3"/>
+          <dgm:constr type="diam" for="ch" ptType="sibTrans" refType="diam" op="equ"/>
+          <dgm:constr type="sibSp" refType="w" refFor="ch" refForName="node" op="equ" fact="0.15"/>
+          <dgm:constr type="w" for="ch" forName="spNode" refType="sibSp" fact="1.6"/>
+          <dgm:constr type="primFontSz" for="ch" forName="node" op="equ" val="65"/>
+        </dgm:constrLst>
+      </dgm:if>
+      <dgm:else name="Name11">
+        <dgm:constrLst>
+          <dgm:constr type="w" for="ch" forName="node" refType="w"/>
+          <dgm:constr type="w" for="ch" ptType="sibTrans" refType="w" refFor="ch" refForName="node" op="equ" fact="0.3"/>
+          <dgm:constr type="diam" for="ch" ptType="sibTrans" refType="diam" op="equ" fact="-1"/>
+          <dgm:constr type="sibSp" refType="w" refFor="ch" refForName="node" op="equ" fact="0.15"/>
+          <dgm:constr type="w" for="ch" forName="spNode" refType="sibSp" fact="1.6"/>
+          <dgm:constr type="primFontSz" for="ch" forName="node" op="equ" val="65"/>
+        </dgm:constrLst>
+      </dgm:else>
+    </dgm:choose>
+    <dgm:ruleLst/>
+    <dgm:forEach name="Name12" axis="ch" ptType="node">
+      <dgm:layoutNode name="node">
+        <dgm:varLst>
+          <dgm:bulletEnabled val="1"/>
+        </dgm:varLst>
+        <dgm:alg type="tx"/>
+        <dgm:shape xmlns:r="http://schemas.openxmlformats.org/officeDocument/2006/relationships" type="roundRect" r:blip="">
+          <dgm:adjLst/>
+        </dgm:shape>
+        <dgm:presOf axis="desOrSelf" ptType="node"/>
+        <dgm:constrLst>
+          <dgm:constr type="h" refType="w" fact="0.65"/>
+          <dgm:constr type="tMarg" refType="primFontSz" fact="0.3"/>
+          <dgm:constr type="bMarg" refType="primFontSz" fact="0.3"/>
+          <dgm:constr type="lMarg" refType="primFontSz" fact="0.3"/>
+          <dgm:constr type="rMarg" refType="primFontSz" fact="0.3"/>
+        </dgm:constrLst>
+        <dgm:ruleLst>
+          <dgm:rule type="primFontSz" val="5" fact="NaN" max="NaN"/>
+        </dgm:ruleLst>
+      </dgm:layoutNode>
+      <dgm:choose name="Name13">
+        <dgm:if name="Name14" axis="par ch" ptType="doc node" func="cnt" op="gt" val="1">
+          <dgm:layoutNode name="spNode">
+            <dgm:alg type="sp"/>
+            <dgm:shape xmlns:r="http://schemas.openxmlformats.org/officeDocument/2006/relationships" r:blip="">
+              <dgm:adjLst/>
+            </dgm:shape>
+            <dgm:presOf/>
+            <dgm:constrLst>
+              <dgm:constr type="h" refType="w"/>
+            </dgm:constrLst>
+            <dgm:ruleLst/>
+          </dgm:layoutNode>
+          <dgm:forEach name="Name15" axis="followSib" ptType="sibTrans" hideLastTrans="0" cnt="1">
+            <dgm:layoutNode name="sibTrans">
+              <dgm:alg type="conn">
+                <dgm:param type="dim" val="1D"/>
+                <dgm:param type="connRout" val="curve"/>
+                <dgm:param type="begPts" val="radial"/>
+                <dgm:param type="endPts" val="radial"/>
+                <dgm:param type="endSty" val="noArr"/>
+              </dgm:alg>
+              <dgm:shape xmlns:r="http://schemas.openxmlformats.org/officeDocument/2006/relationships" type="conn" r:blip="">
+                <dgm:adjLst/>
+              </dgm:shape>
+              <dgm:presOf axis="self"/>
+              <dgm:constrLst>
+                <dgm:constr type="h" refType="w" fact="0.65"/>
+                <dgm:constr type="connDist"/>
+                <dgm:constr type="begPad" refType="connDist" fact="0.01"/>
+                <dgm:constr type="endPad" refType="connDist" fact="0.01"/>
+              </dgm:constrLst>
+              <dgm:ruleLst/>
+            </dgm:layoutNode>
+          </dgm:forEach>
+        </dgm:if>
+        <dgm:else name="Name16"/>
+      </dgm:choose>
+    </dgm:forEach>
+  </dgm:layoutNode>
+</dgm:layoutDef>
+</file>
+
 <file path=ppt/diagrams/quickStyle1.xml><?xml version="1.0" encoding="utf-8"?>
+<dgm:styleDef xmlns:dgm="http://schemas.openxmlformats.org/drawingml/2006/diagram" xmlns:a="http://schemas.openxmlformats.org/drawingml/2006/main" uniqueId="urn:microsoft.com/office/officeart/2005/8/quickstyle/simple1">
+  <dgm:title val=""/>
+  <dgm:desc val=""/>
+  <dgm:catLst>
+    <dgm:cat type="simple" pri="10100"/>
+  </dgm:catLst>
+  <dgm:scene3d>
+    <a:camera prst="orthographicFront"/>
+    <a:lightRig rig="threePt" dir="t"/>
+  </dgm:scene3d>
+  <dgm:styleLbl name="node0">
+    <dgm:scene3d>
+      <a:camera prst="orthographicFront"/>
+      <a:lightRig rig="threePt" dir="t"/>
+    </dgm:scene3d>
+    <dgm:sp3d/>
+    <dgm:txPr/>
+    <dgm:style>
+      <a:lnRef idx="2">
+        <a:scrgbClr r="0" g="0" b="0"/>
+      </a:lnRef>
+      <a:fillRef idx="1">
+        <a:scrgbClr r="0" g="0" b="0"/>
+      </a:fillRef>
+      <a:effectRef idx="0">
+        <a:scrgbClr r="0" g="0" b="0"/>
+      </a:effectRef>
+      <a:fontRef idx="minor">
+        <a:schemeClr val="lt1"/>
+      </a:fontRef>
+    </dgm:style>
+  </dgm:styleLbl>
+  <dgm:styleLbl name="lnNode1">
+    <dgm:scene3d>
+      <a:camera prst="orthographicFront"/>
+      <a:lightRig rig="threePt" dir="t"/>
+    </dgm:scene3d>
+    <dgm:sp3d/>
+    <dgm:txPr/>
+    <dgm:style>
+      <a:lnRef idx="2">
+        <a:scrgbClr r="0" g="0" b="0"/>
+      </a:lnRef>
+      <a:fillRef idx="1">
+        <a:scrgbClr r="0" g="0" b="0"/>
+      </a:fillRef>
+      <a:effectRef idx="0">
+        <a:scrgbClr r="0" g="0" b="0"/>
+      </a:effectRef>
+      <a:fontRef idx="minor">
+        <a:schemeClr val="lt1"/>
+      </a:fontRef>
+    </dgm:style>
+  </dgm:styleLbl>
+  <dgm:styleLbl name="vennNode1">
+    <dgm:scene3d>
+      <a:camera prst="orthographicFront"/>
+      <a:lightRig rig="threePt" dir="t"/>
+    </dgm:scene3d>
+    <dgm:sp3d/>
+    <dgm:txPr/>
+    <dgm:style>
+      <a:lnRef idx="2">
+        <a:scrgbClr r="0" g="0" b="0"/>
+      </a:lnRef>
+      <a:fillRef idx="1">
+        <a:scrgbClr r="0" g="0" b="0"/>
+      </a:fillRef>
+      <a:effectRef idx="0">
+        <a:scrgbClr r="0" g="0" b="0"/>
+      </a:effectRef>
+      <a:fontRef idx="minor">
+        <a:schemeClr val="tx1"/>
+      </a:fontRef>
+    </dgm:style>
+  </dgm:styleLbl>
+  <dgm:styleLbl name="alignNode1">
+    <dgm:scene3d>
+      <a:camera prst="orthographicFront"/>
+      <a:lightRig rig="threePt" dir="t"/>
+    </dgm:scene3d>
+    <dgm:sp3d/>
+    <dgm:txPr/>
+    <dgm:style>
+      <a:lnRef idx="2">
+        <a:scrgbClr r="0" g="0" b="0"/>
+      </a:lnRef>
+      <a:fillRef idx="1">
+        <a:scrgbClr r="0" g="0" b="0"/>
+      </a:fillRef>
+      <a:effectRef idx="0">
+        <a:scrgbClr r="0" g="0" b="0"/>
+      </a:effectRef>
+      <a:fontRef idx="minor">
+        <a:schemeClr val="lt1"/>
+      </a:fontRef>
+    </dgm:style>
+  </dgm:styleLbl>
+  <dgm:styleLbl name="node1">
+    <dgm:scene3d>
+      <a:camera prst="orthographicFront"/>
+      <a:lightRig rig="threePt" dir="t"/>
+    </dgm:scene3d>
+    <dgm:sp3d/>
+    <dgm:txPr/>
+    <dgm:style>
+      <a:lnRef idx="2">
+        <a:scrgbClr r="0" g="0" b="0"/>
+      </a:lnRef>
+      <a:fillRef idx="1">
+        <a:scrgbClr r="0" g="0" b="0"/>
+      </a:fillRef>
+      <a:effectRef idx="0">
+        <a:scrgbClr r="0" g="0" b="0"/>
+      </a:effectRef>
+      <a:fontRef idx="minor">
+        <a:schemeClr val="lt1"/>
+      </a:fontRef>
+    </dgm:style>
+  </dgm:styleLbl>
+  <dgm:styleLbl name="node2">
+    <dgm:scene3d>
+      <a:camera prst="orthographicFront"/>
+      <a:lightRig rig="threePt" dir="t"/>
+    </dgm:scene3d>
+    <dgm:sp3d/>
+    <dgm:txPr/>
+    <dgm:style>
+      <a:lnRef idx="2">
+        <a:scrgbClr r="0" g="0" b="0"/>
+      </a:lnRef>
+      <a:fillRef idx="1">
+        <a:scrgbClr r="0" g="0" b="0"/>
+      </a:fillRef>
+      <a:effectRef idx="0">
+        <a:scrgbClr r="0" g="0" b="0"/>
+      </a:effectRef>
+      <a:fontRef idx="minor">
+        <a:schemeClr val="lt1"/>
+      </a:fontRef>
+    </dgm:style>
+  </dgm:styleLbl>
+  <dgm:styleLbl name="node3">
+    <dgm:scene3d>
+      <a:camera prst="orthographicFront"/>
+      <a:lightRig rig="threePt" dir="t"/>
+    </dgm:scene3d>
+    <dgm:sp3d/>
+    <dgm:txPr/>
+    <dgm:style>
+      <a:lnRef idx="2">
+        <a:scrgbClr r="0" g="0" b="0"/>
+      </a:lnRef>
+      <a:fillRef idx="1">
+        <a:scrgbClr r="0" g="0" b="0"/>
+      </a:fillRef>
+      <a:effectRef idx="0">
+        <a:scrgbClr r="0" g="0" b="0"/>
+      </a:effectRef>
+      <a:fontRef idx="minor">
+        <a:schemeClr val="lt1"/>
+      </a:fontRef>
+    </dgm:style>
+  </dgm:styleLbl>
+  <dgm:styleLbl name="node4">
+    <dgm:scene3d>
+      <a:camera prst="orthographicFront"/>
+      <a:lightRig rig="threePt" dir="t"/>
+    </dgm:scene3d>
+    <dgm:sp3d/>
+    <dgm:txPr/>
+    <dgm:style>
+      <a:lnRef idx="2">
+        <a:scrgbClr r="0" g="0" b="0"/>
+      </a:lnRef>
+      <a:fillRef idx="1">
+        <a:scrgbClr r="0" g="0" b="0"/>
+      </a:fillRef>
+      <a:effectRef idx="0">
+        <a:scrgbClr r="0" g="0" b="0"/>
+      </a:effectRef>
+      <a:fontRef idx="minor">
+        <a:schemeClr val="lt1"/>
+      </a:fontRef>
+    </dgm:style>
+  </dgm:styleLbl>
+  <dgm:styleLbl name="fgImgPlace1">
+    <dgm:scene3d>
+      <a:camera prst="orthographicFront"/>
+      <a:lightRig rig="threePt" dir="t"/>
+    </dgm:scene3d>
+    <dgm:sp3d/>
+    <dgm:txPr/>
+    <dgm:style>
+      <a:lnRef idx="2">
+        <a:scrgbClr r="0" g="0" b="0"/>
+      </a:lnRef>
+      <a:fillRef idx="1">
+        <a:scrgbClr r="0" g="0" b="0"/>
+      </a:fillRef>
+      <a:effectRef idx="0">
+        <a:scrgbClr r="0" g="0" b="0"/>
+      </a:effectRef>
+      <a:fontRef idx="minor"/>
+    </dgm:style>
+  </dgm:styleLbl>
+  <dgm:styleLbl name="alignImgPlace1">
+    <dgm:scene3d>
+      <a:camera prst="orthographicFront"/>
+      <a:lightRig rig="threePt" dir="t"/>
+    </dgm:scene3d>
+    <dgm:sp3d/>
+    <dgm:txPr/>
+    <dgm:style>
+      <a:lnRef idx="2">
+        <a:scrgbClr r="0" g="0" b="0"/>
+      </a:lnRef>
+      <a:fillRef idx="1">
+        <a:scrgbClr r="0" g="0" b="0"/>
+      </a:fillRef>
+      <a:effectRef idx="0">
+        <a:scrgbClr r="0" g="0" b="0"/>
+      </a:effectRef>
+      <a:fontRef idx="minor"/>
+    </dgm:style>
+  </dgm:styleLbl>
+  <dgm:styleLbl name="bgImgPlace1">
+    <dgm:scene3d>
+      <a:camera prst="orthographicFront"/>
+      <a:lightRig rig="threePt" dir="t"/>
+    </dgm:scene3d>
+    <dgm:sp3d/>
+    <dgm:txPr/>
+    <dgm:style>
+      <a:lnRef idx="2">
+        <a:scrgbClr r="0" g="0" b="0"/>
+      </a:lnRef>
+      <a:fillRef idx="1">
+        <a:scrgbClr r="0" g="0" b="0"/>
+      </a:fillRef>
+      <a:effectRef idx="0">
+        <a:scrgbClr r="0" g="0" b="0"/>
+      </a:effectRef>
+      <a:fontRef idx="minor"/>
+    </dgm:style>
+  </dgm:styleLbl>
+  <dgm:styleLbl name="sibTrans2D1">
+    <dgm:scene3d>
+      <a:camera prst="orthographicFront"/>
+      <a:lightRig rig="threePt" dir="t"/>
+    </dgm:scene3d>
+    <dgm:sp3d/>
+    <dgm:txPr/>
+    <dgm:style>
+      <a:lnRef idx="0">
+        <a:scrgbClr r="0" g="0" b="0"/>
+      </a:lnRef>
+      <a:fillRef idx="1">
+        <a:scrgbClr r="0" g="0" b="0"/>
+      </a:fillRef>
+      <a:effectRef idx="0">
+        <a:scrgbClr r="0" g="0" b="0"/>
+      </a:effectRef>
+      <a:fontRef idx="minor">
+        <a:schemeClr val="lt1"/>
+      </a:fontRef>
+    </dgm:style>
+  </dgm:styleLbl>
+  <dgm:styleLbl name="fgSibTrans2D1">
+    <dgm:scene3d>
+      <a:camera prst="orthographicFront"/>
+      <a:lightRig rig="threePt" dir="t"/>
+    </dgm:scene3d>
+    <dgm:sp3d/>
+    <dgm:txPr/>
+    <dgm:style>
+      <a:lnRef idx="0">
+        <a:scrgbClr r="0" g="0" b="0"/>
+      </a:lnRef>
+      <a:fillRef idx="1">
+        <a:scrgbClr r="0" g="0" b="0"/>
+      </a:fillRef>
+      <a:effectRef idx="0">
+        <a:scrgbClr r="0" g="0" b="0"/>
+      </a:effectRef>
+      <a:fontRef idx="minor">
+        <a:schemeClr val="lt1"/>
+      </a:fontRef>
+    </dgm:style>
+  </dgm:styleLbl>
+  <dgm:styleLbl name="bgSibTrans2D1">
+    <dgm:scene3d>
+      <a:camera prst="orthographicFront"/>
+      <a:lightRig rig="threePt" dir="t"/>
+    </dgm:scene3d>
+    <dgm:sp3d/>
+    <dgm:txPr/>
+    <dgm:style>
+      <a:lnRef idx="0">
+        <a:scrgbClr r="0" g="0" b="0"/>
+      </a:lnRef>
+      <a:fillRef idx="1">
+        <a:scrgbClr r="0" g="0" b="0"/>
+      </a:fillRef>
+      <a:effectRef idx="0">
+        <a:scrgbClr r="0" g="0" b="0"/>
+      </a:effectRef>
+      <a:fontRef idx="minor">
+        <a:schemeClr val="lt1"/>
+      </a:fontRef>
+    </dgm:style>
+  </dgm:styleLbl>
+  <dgm:styleLbl name="sibTrans1D1">
+    <dgm:scene3d>
+      <a:camera prst="orthographicFront"/>
+      <a:lightRig rig="threePt" dir="t"/>
+    </dgm:scene3d>
+    <dgm:sp3d/>
+    <dgm:txPr/>
+    <dgm:style>
+      <a:lnRef idx="1">
+        <a:scrgbClr r="0" g="0" b="0"/>
+      </a:lnRef>
+      <a:fillRef idx="0">
+        <a:scrgbClr r="0" g="0" b="0"/>
+      </a:fillRef>
+      <a:effectRef idx="0">
+        <a:scrgbClr r="0" g="0" b="0"/>
+      </a:effectRef>
+      <a:fontRef idx="minor"/>
+    </dgm:style>
+  </dgm:styleLbl>
+  <dgm:styleLbl name="callout">
+    <dgm:scene3d>
+      <a:camera prst="orthographicFront"/>
+      <a:lightRig rig="threePt" dir="t"/>
+    </dgm:scene3d>
+    <dgm:sp3d/>
+    <dgm:txPr/>
+    <dgm:style>
+      <a:lnRef idx="2">
+        <a:scrgbClr r="0" g="0" b="0"/>
+      </a:lnRef>
+      <a:fillRef idx="1">
+        <a:scrgbClr r="0" g="0" b="0"/>
+      </a:fillRef>
+      <a:effectRef idx="0">
+        <a:scrgbClr r="0" g="0" b="0"/>
+      </a:effectRef>
+      <a:fontRef idx="minor"/>
+    </dgm:style>
+  </dgm:styleLbl>
+  <dgm:styleLbl name="asst0">
+    <dgm:scene3d>
+      <a:camera prst="orthographicFront"/>
+      <a:lightRig rig="threePt" dir="t"/>
+    </dgm:scene3d>
+    <dgm:sp3d/>
+    <dgm:txPr/>
+    <dgm:style>
+      <a:lnRef idx="2">
+        <a:scrgbClr r="0" g="0" b="0"/>
+      </a:lnRef>
+      <a:fillRef idx="1">
+        <a:scrgbClr r="0" g="0" b="0"/>
+      </a:fillRef>
+      <a:effectRef idx="0">
+        <a:scrgbClr r="0" g="0" b="0"/>
+      </a:effectRef>
+      <a:fontRef idx="minor">
+        <a:schemeClr val="lt1"/>
+      </a:fontRef>
+    </dgm:style>
+  </dgm:styleLbl>
+  <dgm:styleLbl name="asst1">
+    <dgm:scene3d>
+      <a:camera prst="orthographicFront"/>
+      <a:lightRig rig="threePt" dir="t"/>
+    </dgm:scene3d>
+    <dgm:sp3d/>
+    <dgm:txPr/>
+    <dgm:style>
+      <a:lnRef idx="2">
+        <a:scrgbClr r="0" g="0" b="0"/>
+      </a:lnRef>
+      <a:fillRef idx="1">
+        <a:scrgbClr r="0" g="0" b="0"/>
+      </a:fillRef>
+      <a:effectRef idx="0">
+        <a:scrgbClr r="0" g="0" b="0"/>
+      </a:effectRef>
+      <a:fontRef idx="minor">
+        <a:schemeClr val="lt1"/>
+      </a:fontRef>
+    </dgm:style>
+  </dgm:styleLbl>
+  <dgm:styleLbl name="asst2">
+    <dgm:scene3d>
+      <a:camera prst="orthographicFront"/>
+      <a:lightRig rig="threePt" dir="t"/>
+    </dgm:scene3d>
+    <dgm:sp3d/>
+    <dgm:txPr/>
+    <dgm:style>
+      <a:lnRef idx="2">
+        <a:scrgbClr r="0" g="0" b="0"/>
+      </a:lnRef>
+      <a:fillRef idx="1">
+        <a:scrgbClr r="0" g="0" b="0"/>
+      </a:fillRef>
+      <a:effectRef idx="0">
+        <a:scrgbClr r="0" g="0" b="0"/>
+      </a:effectRef>
+      <a:fontRef idx="minor">
+        <a:schemeClr val="lt1"/>
+      </a:fontRef>
+    </dgm:style>
+  </dgm:styleLbl>
+  <dgm:styleLbl name="asst3">
+    <dgm:scene3d>
+      <a:camera prst="orthographicFront"/>
+      <a:lightRig rig="threePt" dir="t"/>
+    </dgm:scene3d>
+    <dgm:sp3d/>
+    <dgm:txPr/>
+    <dgm:style>
+      <a:lnRef idx="2">
+        <a:scrgbClr r="0" g="0" b="0"/>
+      </a:lnRef>
+      <a:fillRef idx="1">
+        <a:scrgbClr r="0" g="0" b="0"/>
+      </a:fillRef>
+      <a:effectRef idx="0">
+        <a:scrgbClr r="0" g="0" b="0"/>
+      </a:effectRef>
+      <a:fontRef idx="minor">
+        <a:schemeClr val="lt1"/>
+      </a:fontRef>
+    </dgm:style>
+  </dgm:styleLbl>
+  <dgm:styleLbl name="asst4">
+    <dgm:scene3d>
+      <a:camera prst="orthographicFront"/>
+      <a:lightRig rig="threePt" dir="t"/>
+    </dgm:scene3d>
+    <dgm:sp3d/>
+    <dgm:txPr/>
+    <dgm:style>
+      <a:lnRef idx="2">
+        <a:scrgbClr r="0" g="0" b="0"/>
+      </a:lnRef>
+      <a:fillRef idx="1">
+        <a:scrgbClr r="0" g="0" b="0"/>
+      </a:fillRef>
+      <a:effectRef idx="0">
+        <a:scrgbClr r="0" g="0" b="0"/>
+      </a:effectRef>
+      <a:fontRef idx="minor">
+        <a:schemeClr val="lt1"/>
+      </a:fontRef>
+    </dgm:style>
+  </dgm:styleLbl>
+  <dgm:styleLbl name="parChTrans2D1">
+    <dgm:scene3d>
+      <a:camera prst="orthographicFront"/>
+      <a:lightRig rig="threePt" dir="t"/>
+    </dgm:scene3d>
+    <dgm:sp3d/>
+    <dgm:txPr/>
+    <dgm:style>
+      <a:lnRef idx="2">
+        <a:scrgbClr r="0" g="0" b="0"/>
+      </a:lnRef>
+      <a:fillRef idx="1">
+        <a:scrgbClr r="0" g="0" b="0"/>
+      </a:fillRef>
+      <a:effectRef idx="0">
+        <a:scrgbClr r="0" g="0" b="0"/>
+      </a:effectRef>
+      <a:fontRef idx="minor">
+        <a:schemeClr val="lt1"/>
+      </a:fontRef>
+    </dgm:style>
+  </dgm:styleLbl>
+  <dgm:styleLbl name="parChTrans2D2">
+    <dgm:scene3d>
+      <a:camera prst="orthographicFront"/>
+      <a:lightRig rig="threePt" dir="t"/>
+    </dgm:scene3d>
+    <dgm:sp3d/>
+    <dgm:txPr/>
+    <dgm:style>
+      <a:lnRef idx="2">
+        <a:scrgbClr r="0" g="0" b="0"/>
+      </a:lnRef>
+      <a:fillRef idx="1">
+        <a:scrgbClr r="0" g="0" b="0"/>
+      </a:fillRef>
+      <a:effectRef idx="0">
+        <a:scrgbClr r="0" g="0" b="0"/>
+      </a:effectRef>
+      <a:fontRef idx="minor">
+        <a:schemeClr val="lt1"/>
+      </a:fontRef>
+    </dgm:style>
+  </dgm:styleLbl>
+  <dgm:styleLbl name="parChTrans2D3">
+    <dgm:scene3d>
+      <a:camera prst="orthographicFront"/>
+      <a:lightRig rig="threePt" dir="t"/>
+    </dgm:scene3d>
+    <dgm:sp3d/>
+    <dgm:txPr/>
+    <dgm:style>
+      <a:lnRef idx="2">
+        <a:scrgbClr r="0" g="0" b="0"/>
+      </a:lnRef>
+      <a:fillRef idx="1">
+        <a:scrgbClr r="0" g="0" b="0"/>
+      </a:fillRef>
+      <a:effectRef idx="0">
+        <a:scrgbClr r="0" g="0" b="0"/>
+      </a:effectRef>
+      <a:fontRef idx="minor">
+        <a:schemeClr val="lt1"/>
+      </a:fontRef>
+    </dgm:style>
+  </dgm:styleLbl>
+  <dgm:styleLbl name="parChTrans2D4">
+    <dgm:scene3d>
+      <a:camera prst="orthographicFront"/>
+      <a:lightRig rig="threePt" dir="t"/>
+    </dgm:scene3d>
+    <dgm:sp3d/>
+    <dgm:txPr/>
+    <dgm:style>
+      <a:lnRef idx="2">
+        <a:scrgbClr r="0" g="0" b="0"/>
+      </a:lnRef>
+      <a:fillRef idx="1">
+        <a:scrgbClr r="0" g="0" b="0"/>
+      </a:fillRef>
+      <a:effectRef idx="0">
+        <a:scrgbClr r="0" g="0" b="0"/>
+      </a:effectRef>
+      <a:fontRef idx="minor">
+        <a:schemeClr val="lt1"/>
+      </a:fontRef>
+    </dgm:style>
+  </dgm:styleLbl>
+  <dgm:styleLbl name="parChTrans1D1">
+    <dgm:scene3d>
+      <a:camera prst="orthographicFront"/>
+      <a:lightRig rig="threePt" dir="t"/>
+    </dgm:scene3d>
+    <dgm:sp3d/>
+    <dgm:txPr/>
+    <dgm:style>
+      <a:lnRef idx="2">
+        <a:scrgbClr r="0" g="0" b="0"/>
+      </a:lnRef>
+      <a:fillRef idx="0">
+        <a:scrgbClr r="0" g="0" b="0"/>
+      </a:fillRef>
+      <a:effectRef idx="0">
+        <a:scrgbClr r="0" g="0" b="0"/>
+      </a:effectRef>
+      <a:fontRef idx="minor"/>
+    </dgm:style>
+  </dgm:styleLbl>
+  <dgm:styleLbl name="parChTrans1D2">
+    <dgm:scene3d>
+      <a:camera prst="orthographicFront"/>
+      <a:lightRig rig="threePt" dir="t"/>
+    </dgm:scene3d>
+    <dgm:sp3d/>
+    <dgm:txPr/>
+    <dgm:style>
+      <a:lnRef idx="2">
+        <a:scrgbClr r="0" g="0" b="0"/>
+      </a:lnRef>
+      <a:fillRef idx="0">
+        <a:scrgbClr r="0" g="0" b="0"/>
+      </a:fillRef>
+      <a:effectRef idx="0">
+        <a:scrgbClr r="0" g="0" b="0"/>
+      </a:effectRef>
+      <a:fontRef idx="minor"/>
+    </dgm:style>
+  </dgm:styleLbl>
+  <dgm:styleLbl name="parChTrans1D3">
+    <dgm:scene3d>
+      <a:camera prst="orthographicFront"/>
+      <a:lightRig rig="threePt" dir="t"/>
+    </dgm:scene3d>
+    <dgm:sp3d/>
+    <dgm:txPr/>
+    <dgm:style>
+      <a:lnRef idx="2">
+        <a:scrgbClr r="0" g="0" b="0"/>
+      </a:lnRef>
+      <a:fillRef idx="0">
+        <a:scrgbClr r="0" g="0" b="0"/>
+      </a:fillRef>
+      <a:effectRef idx="0">
+        <a:scrgbClr r="0" g="0" b="0"/>
+      </a:effectRef>
+      <a:fontRef idx="minor"/>
+    </dgm:style>
+  </dgm:styleLbl>
+  <dgm:styleLbl name="parChTrans1D4">
+    <dgm:scene3d>
+      <a:camera prst="orthographicFront"/>
+      <a:lightRig rig="threePt" dir="t"/>
+    </dgm:scene3d>
+    <dgm:sp3d/>
+    <dgm:txPr/>
+    <dgm:style>
+      <a:lnRef idx="2">
+        <a:scrgbClr r="0" g="0" b="0"/>
+      </a:lnRef>
+      <a:fillRef idx="0">
+        <a:scrgbClr r="0" g="0" b="0"/>
+      </a:fillRef>
+      <a:effectRef idx="0">
+        <a:scrgbClr r="0" g="0" b="0"/>
+      </a:effectRef>
+      <a:fontRef idx="minor"/>
+    </dgm:style>
+  </dgm:styleLbl>
+  <dgm:styleLbl name="fgAcc1">
+    <dgm:scene3d>
+      <a:camera prst="orthographicFront"/>
+      <a:lightRig rig="threePt" dir="t"/>
+    </dgm:scene3d>
+    <dgm:sp3d/>
+    <dgm:txPr/>
+    <dgm:style>
+      <a:lnRef idx="2">
+        <a:scrgbClr r="0" g="0" b="0"/>
+      </a:lnRef>
+      <a:fillRef idx="1">
+        <a:scrgbClr r="0" g="0" b="0"/>
+      </a:fillRef>
+      <a:effectRef idx="0">
+        <a:scrgbClr r="0" g="0" b="0"/>
+      </a:effectRef>
+      <a:fontRef idx="minor"/>
+    </dgm:style>
+  </dgm:styleLbl>
+  <dgm:styleLbl name="conFgAcc1">
+    <dgm:scene3d>
+      <a:camera prst="orthographicFront"/>
+      <a:lightRig rig="threePt" dir="t"/>
+    </dgm:scene3d>
+    <dgm:sp3d/>
+    <dgm:txPr/>
+    <dgm:style>
+      <a:lnRef idx="2">
+        <a:scrgbClr r="0" g="0" b="0"/>
+      </a:lnRef>
+      <a:fillRef idx="1">
+        <a:scrgbClr r="0" g="0" b="0"/>
+      </a:fillRef>
+      <a:effectRef idx="0">
+        <a:scrgbClr r="0" g="0" b="0"/>
+      </a:effectRef>
+      <a:fontRef idx="minor"/>
+    </dgm:style>
+  </dgm:styleLbl>
+  <dgm:styleLbl name="alignAcc1">
+    <dgm:scene3d>
+      <a:camera prst="orthographicFront"/>
+      <a:lightRig rig="threePt" dir="t"/>
+    </dgm:scene3d>
+    <dgm:sp3d/>
+    <dgm:txPr/>
+    <dgm:style>
+      <a:lnRef idx="2">
+        <a:scrgbClr r="0" g="0" b="0"/>
+      </a:lnRef>
+      <a:fillRef idx="1">
+        <a:scrgbClr r="0" g="0" b="0"/>
+      </a:fillRef>
+      <a:effectRef idx="0">
+        <a:scrgbClr r="0" g="0" b="0"/>
+      </a:effectRef>
+      <a:fontRef idx="minor"/>
+    </dgm:style>
+  </dgm:styleLbl>
+  <dgm:styleLbl name="trAlignAcc1">
+    <dgm:scene3d>
+      <a:camera prst="orthographicFront"/>
+      <a:lightRig rig="threePt" dir="t"/>
+    </dgm:scene3d>
+    <dgm:sp3d/>
+    <dgm:txPr/>
+    <dgm:style>
+      <a:lnRef idx="1">
+        <a:scrgbClr r="0" g="0" b="0"/>
+      </a:lnRef>
+      <a:fillRef idx="1">
+        <a:scrgbClr r="0" g="0" b="0"/>
+      </a:fillRef>
+      <a:effectRef idx="0">
+        <a:scrgbClr r="0" g="0" b="0"/>
+      </a:effectRef>
+      <a:fontRef idx="minor"/>
+    </dgm:style>
+  </dgm:styleLbl>
+  <dgm:styleLbl name="bgAcc1">
+    <dgm:scene3d>
+      <a:camera prst="orthographicFront"/>
+      <a:lightRig rig="threePt" dir="t"/>
+    </dgm:scene3d>
+    <dgm:sp3d/>
+    <dgm:txPr/>
+    <dgm:style>
+      <a:lnRef idx="2">
+        <a:scrgbClr r="0" g="0" b="0"/>
+      </a:lnRef>
+      <a:fillRef idx="1">
+        <a:scrgbClr r="0" g="0" b="0"/>
+      </a:fillRef>
+      <a:effectRef idx="0">
+        <a:scrgbClr r="0" g="0" b="0"/>
+      </a:effectRef>
+      <a:fontRef idx="minor"/>
+    </dgm:style>
+  </dgm:styleLbl>
+  <dgm:styleLbl name="solidFgAcc1">
+    <dgm:scene3d>
+      <a:camera prst="orthographicFront"/>
+      <a:lightRig rig="threePt" dir="t"/>
+    </dgm:scene3d>
+    <dgm:sp3d/>
+    <dgm:txPr/>
+    <dgm:style>
+      <a:lnRef idx="2">
+        <a:scrgbClr r="0" g="0" b="0"/>
+      </a:lnRef>
+      <a:fillRef idx="1">
+        <a:scrgbClr r="0" g="0" b="0"/>
+      </a:fillRef>
+      <a:effectRef idx="0">
+        <a:scrgbClr r="0" g="0" b="0"/>
+      </a:effectRef>
+      <a:fontRef idx="minor"/>
+    </dgm:style>
+  </dgm:styleLbl>
+  <dgm:styleLbl name="solidAlignAcc1">
+    <dgm:scene3d>
+      <a:camera prst="orthographicFront"/>
+      <a:lightRig rig="threePt" dir="t"/>
+    </dgm:scene3d>
+    <dgm:sp3d/>
+    <dgm:txPr/>
+    <dgm:style>
+      <a:lnRef idx="2">
+        <a:scrgbClr r="0" g="0" b="0"/>
+      </a:lnRef>
+      <a:fillRef idx="1">
+        <a:scrgbClr r="0" g="0" b="0"/>
+      </a:fillRef>
+      <a:effectRef idx="0">
+        <a:scrgbClr r="0" g="0" b="0"/>
+      </a:effectRef>
+      <a:fontRef idx="minor"/>
+    </dgm:style>
+  </dgm:styleLbl>
+  <dgm:styleLbl name="solidBgAcc1">
+    <dgm:scene3d>
+      <a:camera prst="orthographicFront"/>
+      <a:lightRig rig="threePt" dir="t"/>
+    </dgm:scene3d>
+    <dgm:sp3d/>
+    <dgm:txPr/>
+    <dgm:style>
+      <a:lnRef idx="2">
+        <a:scrgbClr r="0" g="0" b="0"/>
+      </a:lnRef>
+      <a:fillRef idx="1">
+        <a:scrgbClr r="0" g="0" b="0"/>
+      </a:fillRef>
+      <a:effectRef idx="0">
+        <a:scrgbClr r="0" g="0" b="0"/>
+      </a:effectRef>
+      <a:fontRef idx="minor"/>
+    </dgm:style>
+  </dgm:styleLbl>
+  <dgm:styleLbl name="fgAccFollowNode1">
+    <dgm:scene3d>
+      <a:camera prst="orthographicFront"/>
+      <a:lightRig rig="threePt" dir="t"/>
+    </dgm:scene3d>
+    <dgm:sp3d/>
+    <dgm:txPr/>
+    <dgm:style>
+      <a:lnRef idx="2">
+        <a:scrgbClr r="0" g="0" b="0"/>
+      </a:lnRef>
+      <a:fillRef idx="1">
+        <a:scrgbClr r="0" g="0" b="0"/>
+      </a:fillRef>
+      <a:effectRef idx="0">
+        <a:scrgbClr r="0" g="0" b="0"/>
+      </a:effectRef>
+      <a:fontRef idx="minor"/>
+    </dgm:style>
+  </dgm:styleLbl>
+  <dgm:styleLbl name="alignAccFollowNode1">
+    <dgm:scene3d>
+      <a:camera prst="orthographicFront"/>
+      <a:lightRig rig="threePt" dir="t"/>
+    </dgm:scene3d>
+    <dgm:sp3d/>
+    <dgm:txPr/>
+    <dgm:style>
+      <a:lnRef idx="2">
+        <a:scrgbClr r="0" g="0" b="0"/>
+      </a:lnRef>
+      <a:fillRef idx="1">
+        <a:scrgbClr r="0" g="0" b="0"/>
+      </a:fillRef>
+      <a:effectRef idx="0">
+        <a:scrgbClr r="0" g="0" b="0"/>
+      </a:effectRef>
+      <a:fontRef idx="minor"/>
+    </dgm:style>
+  </dgm:styleLbl>
+  <dgm:styleLbl name="bgAccFollowNode1">
+    <dgm:scene3d>
+      <a:camera prst="orthographicFront"/>
+      <a:lightRig rig="threePt" dir="t"/>
+    </dgm:scene3d>
+    <dgm:sp3d/>
+    <dgm:txPr/>
+    <dgm:style>
+      <a:lnRef idx="2">
+        <a:scrgbClr r="0" g="0" b="0"/>
+      </a:lnRef>
+      <a:fillRef idx="1">
+        <a:scrgbClr r="0" g="0" b="0"/>
+      </a:fillRef>
+      <a:effectRef idx="0">
+        <a:scrgbClr r="0" g="0" b="0"/>
+      </a:effectRef>
+      <a:fontRef idx="minor"/>
+    </dgm:style>
+  </dgm:styleLbl>
+  <dgm:styleLbl name="fgAcc0">
+    <dgm:scene3d>
+      <a:camera prst="orthographicFront"/>
+      <a:lightRig rig="threePt" dir="t"/>
+    </dgm:scene3d>
+    <dgm:sp3d/>
+    <dgm:txPr/>
+    <dgm:style>
+      <a:lnRef idx="2">
+        <a:scrgbClr r="0" g="0" b="0"/>
+      </a:lnRef>
+      <a:fillRef idx="1">
+        <a:scrgbClr r="0" g="0" b="0"/>
+      </a:fillRef>
+      <a:effectRef idx="0">
+        <a:scrgbClr r="0" g="0" b="0"/>
+      </a:effectRef>
+      <a:fontRef idx="minor"/>
+    </dgm:style>
+  </dgm:styleLbl>
+  <dgm:styleLbl name="fgAcc2">
+    <dgm:scene3d>
+      <a:camera prst="orthographicFront"/>
+      <a:lightRig rig="threePt" dir="t"/>
+    </dgm:scene3d>
+    <dgm:sp3d/>
+    <dgm:txPr/>
+    <dgm:style>
+      <a:lnRef idx="2">
+        <a:scrgbClr r="0" g="0" b="0"/>
+      </a:lnRef>
+      <a:fillRef idx="1">
+        <a:scrgbClr r="0" g="0" b="0"/>
+      </a:fillRef>
+      <a:effectRef idx="0">
+        <a:scrgbClr r="0" g="0" b="0"/>
+      </a:effectRef>
+      <a:fontRef idx="minor"/>
+    </dgm:style>
+  </dgm:styleLbl>
+  <dgm:styleLbl name="fgAcc3">
+    <dgm:scene3d>
+      <a:camera prst="orthographicFront"/>
+      <a:lightRig rig="threePt" dir="t"/>
+    </dgm:scene3d>
+    <dgm:sp3d/>
+    <dgm:txPr/>
+    <dgm:style>
+      <a:lnRef idx="2">
+        <a:scrgbClr r="0" g="0" b="0"/>
+      </a:lnRef>
+      <a:fillRef idx="1">
+        <a:scrgbClr r="0" g="0" b="0"/>
+      </a:fillRef>
+      <a:effectRef idx="0">
+        <a:scrgbClr r="0" g="0" b="0"/>
+      </a:effectRef>
+      <a:fontRef idx="minor"/>
+    </dgm:style>
+  </dgm:styleLbl>
+  <dgm:styleLbl name="fgAcc4">
+    <dgm:scene3d>
+      <a:camera prst="orthographicFront"/>
+      <a:lightRig rig="threePt" dir="t"/>
+    </dgm:scene3d>
+    <dgm:sp3d/>
+    <dgm:txPr/>
+    <dgm:style>
+      <a:lnRef idx="2">
+        <a:scrgbClr r="0" g="0" b="0"/>
+      </a:lnRef>
+      <a:fillRef idx="1">
+        <a:scrgbClr r="0" g="0" b="0"/>
+      </a:fillRef>
+      <a:effectRef idx="0">
+        <a:scrgbClr r="0" g="0" b="0"/>
+      </a:effectRef>
+      <a:fontRef idx="minor"/>
+    </dgm:style>
+  </dgm:styleLbl>
+  <dgm:styleLbl name="bgShp">
+    <dgm:scene3d>
+      <a:camera prst="orthographicFront"/>
+      <a:lightRig rig="threePt" dir="t"/>
+    </dgm:scene3d>
+    <dgm:sp3d/>
+    <dgm:txPr/>
+    <dgm:style>
+      <a:lnRef idx="0">
+        <a:scrgbClr r="0" g="0" b="0"/>
+      </a:lnRef>
+      <a:fillRef idx="1">
+        <a:scrgbClr r="0" g="0" b="0"/>
+      </a:fillRef>
+      <a:effectRef idx="0">
+        <a:scrgbClr r="0" g="0" b="0"/>
+      </a:effectRef>
+      <a:fontRef idx="minor"/>
+    </dgm:style>
+  </dgm:styleLbl>
+  <dgm:styleLbl name="dkBgShp">
+    <dgm:scene3d>
+      <a:camera prst="orthographicFront"/>
+      <a:lightRig rig="threePt" dir="t"/>
+    </dgm:scene3d>
+    <dgm:sp3d/>
+    <dgm:txPr/>
+    <dgm:style>
+      <a:lnRef idx="0">
+        <a:scrgbClr r="0" g="0" b="0"/>
+      </a:lnRef>
+      <a:fillRef idx="1">
+        <a:scrgbClr r="0" g="0" b="0"/>
+      </a:fillRef>
+      <a:effectRef idx="0">
+        <a:scrgbClr r="0" g="0" b="0"/>
+      </a:effectRef>
+      <a:fontRef idx="minor"/>
+    </dgm:style>
+  </dgm:styleLbl>
+  <dgm:styleLbl name="trBgShp">
+    <dgm:scene3d>
+      <a:camera prst="orthographicFront"/>
+      <a:lightRig rig="threePt" dir="t"/>
+    </dgm:scene3d>
+    <dgm:sp3d/>
+    <dgm:txPr/>
+    <dgm:style>
+      <a:lnRef idx="0">
+        <a:scrgbClr r="0" g="0" b="0"/>
+      </a:lnRef>
+      <a:fillRef idx="1">
+        <a:scrgbClr r="0" g="0" b="0"/>
+      </a:fillRef>
+      <a:effectRef idx="0">
+        <a:scrgbClr r="0" g="0" b="0"/>
+      </a:effectRef>
+      <a:fontRef idx="minor"/>
+    </dgm:style>
+  </dgm:styleLbl>
+  <dgm:styleLbl name="fgShp">
+    <dgm:scene3d>
+      <a:camera prst="orthographicFront"/>
+      <a:lightRig rig="threePt" dir="t"/>
+    </dgm:scene3d>
+    <dgm:sp3d/>
+    <dgm:txPr/>
+    <dgm:style>
+      <a:lnRef idx="2">
+        <a:scrgbClr r="0" g="0" b="0"/>
+      </a:lnRef>
+      <a:fillRef idx="1">
+        <a:scrgbClr r="0" g="0" b="0"/>
+      </a:fillRef>
+      <a:effectRef idx="0">
+        <a:scrgbClr r="0" g="0" b="0"/>
+      </a:effectRef>
+      <a:fontRef idx="minor"/>
+    </dgm:style>
+  </dgm:styleLbl>
+  <dgm:styleLbl name="revTx">
+    <dgm:scene3d>
+      <a:camera prst="orthographicFront"/>
+      <a:lightRig rig="threePt" dir="t"/>
+    </dgm:scene3d>
+    <dgm:sp3d/>
+    <dgm:txPr/>
+    <dgm:style>
+      <a:lnRef idx="0">
+        <a:scrgbClr r="0" g="0" b="0"/>
+      </a:lnRef>
+      <a:fillRef idx="0">
+        <a:scrgbClr r="0" g="0" b="0"/>
+      </a:fillRef>
+      <a:effectRef idx="0">
+        <a:scrgbClr r="0" g="0" b="0"/>
+      </a:effectRef>
+      <a:fontRef idx="minor"/>
+    </dgm:style>
+  </dgm:styleLbl>
+</dgm:styleDef>
+</file>
+
+<file path=ppt/diagrams/quickStyle2.xml><?xml version="1.0" encoding="utf-8"?>
 <dgm:styleDef xmlns:dgm="http://schemas.openxmlformats.org/drawingml/2006/diagram" xmlns:a="http://schemas.openxmlformats.org/drawingml/2006/main" uniqueId="urn:microsoft.com/office/officeart/2005/8/quickstyle/simple1">
   <dgm:title val=""/>
   <dgm:desc val=""/>
@@ -7591,6 +11626,100 @@
     <p:extLst>
       <p:ext uri="{BB962C8B-B14F-4D97-AF65-F5344CB8AC3E}">
         <p14:creationId xmlns:p14="http://schemas.microsoft.com/office/powerpoint/2010/main" val="1818332177"/>
+      </p:ext>
+    </p:extLst>
+  </p:cSld>
+  <p:clrMapOvr>
+    <a:masterClrMapping/>
+  </p:clrMapOvr>
+</p:sld>
+</file>
+
+<file path=ppt/slides/slide12.xml><?xml version="1.0" encoding="utf-8"?>
+<p:sld xmlns:a="http://schemas.openxmlformats.org/drawingml/2006/main" xmlns:r="http://schemas.openxmlformats.org/officeDocument/2006/relationships" xmlns:p="http://schemas.openxmlformats.org/presentationml/2006/main">
+  <p:cSld>
+    <p:spTree>
+      <p:nvGrpSpPr>
+        <p:cNvPr id="1" name=""/>
+        <p:cNvGrpSpPr/>
+        <p:nvPr/>
+      </p:nvGrpSpPr>
+      <p:grpSpPr>
+        <a:xfrm>
+          <a:off x="0" y="0"/>
+          <a:ext cx="0" cy="0"/>
+          <a:chOff x="0" y="0"/>
+          <a:chExt cx="0" cy="0"/>
+        </a:xfrm>
+      </p:grpSpPr>
+      <p:sp>
+        <p:nvSpPr>
+          <p:cNvPr id="5" name="Title 1">
+            <a:extLst>
+              <a:ext uri="{FF2B5EF4-FFF2-40B4-BE49-F238E27FC236}">
+                <a16:creationId xmlns:a16="http://schemas.microsoft.com/office/drawing/2014/main" id="{4F61D753-B49B-4B37-A990-D61E98AEF339}"/>
+              </a:ext>
+            </a:extLst>
+          </p:cNvPr>
+          <p:cNvSpPr>
+            <a:spLocks noGrp="1"/>
+          </p:cNvSpPr>
+          <p:nvPr>
+            <p:ph type="title"/>
+          </p:nvPr>
+        </p:nvSpPr>
+        <p:spPr>
+          <a:xfrm>
+            <a:off x="2434130" y="128470"/>
+            <a:ext cx="6260905" cy="725349"/>
+          </a:xfrm>
+        </p:spPr>
+        <p:txBody>
+          <a:bodyPr/>
+          <a:lstStyle/>
+          <a:p>
+            <a:r>
+              <a:rPr lang="en-US" dirty="0">
+                <a:latin typeface="Times New Roman" panose="02020603050405020304" pitchFamily="18" charset="0"/>
+                <a:cs typeface="Times New Roman" panose="02020603050405020304" pitchFamily="18" charset="0"/>
+              </a:rPr>
+              <a:t>Applications</a:t>
+            </a:r>
+          </a:p>
+        </p:txBody>
+      </p:sp>
+      <p:graphicFrame>
+        <p:nvGraphicFramePr>
+          <p:cNvPr id="3" name="Diagram 2">
+            <a:extLst>
+              <a:ext uri="{FF2B5EF4-FFF2-40B4-BE49-F238E27FC236}">
+                <a16:creationId xmlns:a16="http://schemas.microsoft.com/office/drawing/2014/main" id="{729471EF-9644-4F88-97E9-197CF15104D4}"/>
+              </a:ext>
+            </a:extLst>
+          </p:cNvPr>
+          <p:cNvGraphicFramePr/>
+          <p:nvPr>
+            <p:extLst>
+              <p:ext uri="{D42A27DB-BD31-4B8C-83A1-F6EECF244321}">
+                <p14:modId xmlns:p14="http://schemas.microsoft.com/office/powerpoint/2010/main" val="3482141929"/>
+              </p:ext>
+            </p:extLst>
+          </p:nvPr>
+        </p:nvGraphicFramePr>
+        <p:xfrm>
+          <a:off x="2434130" y="1044700"/>
+          <a:ext cx="5039265" cy="3359510"/>
+        </p:xfrm>
+        <a:graphic>
+          <a:graphicData uri="http://schemas.openxmlformats.org/drawingml/2006/diagram">
+            <dgm:relIds xmlns:dgm="http://schemas.openxmlformats.org/drawingml/2006/diagram" xmlns:r="http://schemas.openxmlformats.org/officeDocument/2006/relationships" r:dm="rId2" r:lo="rId3" r:qs="rId4" r:cs="rId5"/>
+          </a:graphicData>
+        </a:graphic>
+      </p:graphicFrame>
+    </p:spTree>
+    <p:extLst>
+      <p:ext uri="{BB962C8B-B14F-4D97-AF65-F5344CB8AC3E}">
+        <p14:creationId xmlns:p14="http://schemas.microsoft.com/office/powerpoint/2010/main" val="2553598287"/>
       </p:ext>
     </p:extLst>
   </p:cSld>

--- a/Blockchain 101.pptx
+++ b/Blockchain 101.pptx
@@ -5,7 +5,7 @@
     <p:sldMasterId id="2147483648" r:id="rId1"/>
   </p:sldMasterIdLst>
   <p:notesMasterIdLst>
-    <p:notesMasterId r:id="rId14"/>
+    <p:notesMasterId r:id="rId15"/>
   </p:notesMasterIdLst>
   <p:sldIdLst>
     <p:sldId id="256" r:id="rId2"/>
@@ -20,6 +20,7 @@
     <p:sldId id="266" r:id="rId11"/>
     <p:sldId id="267" r:id="rId12"/>
     <p:sldId id="268" r:id="rId13"/>
+    <p:sldId id="269" r:id="rId14"/>
   </p:sldIdLst>
   <p:sldSz cx="9144000" cy="5143500" type="screen16x9"/>
   <p:notesSz cx="6858000" cy="9144000"/>
@@ -11729,6 +11730,165 @@
 </p:sld>
 </file>
 
+<file path=ppt/slides/slide13.xml><?xml version="1.0" encoding="utf-8"?>
+<p:sld xmlns:a="http://schemas.openxmlformats.org/drawingml/2006/main" xmlns:r="http://schemas.openxmlformats.org/officeDocument/2006/relationships" xmlns:p="http://schemas.openxmlformats.org/presentationml/2006/main">
+  <p:cSld>
+    <p:spTree>
+      <p:nvGrpSpPr>
+        <p:cNvPr id="1" name=""/>
+        <p:cNvGrpSpPr/>
+        <p:nvPr/>
+      </p:nvGrpSpPr>
+      <p:grpSpPr>
+        <a:xfrm>
+          <a:off x="0" y="0"/>
+          <a:ext cx="0" cy="0"/>
+          <a:chOff x="0" y="0"/>
+          <a:chExt cx="0" cy="0"/>
+        </a:xfrm>
+      </p:grpSpPr>
+      <p:sp>
+        <p:nvSpPr>
+          <p:cNvPr id="4" name="Title 3"/>
+          <p:cNvSpPr>
+            <a:spLocks noGrp="1"/>
+          </p:cNvSpPr>
+          <p:nvPr>
+            <p:ph type="title"/>
+          </p:nvPr>
+        </p:nvSpPr>
+        <p:spPr>
+          <a:xfrm>
+            <a:off x="525316" y="281175"/>
+            <a:ext cx="8322423" cy="763525"/>
+          </a:xfrm>
+        </p:spPr>
+        <p:txBody>
+          <a:bodyPr>
+            <a:noAutofit/>
+          </a:bodyPr>
+          <a:lstStyle/>
+          <a:p>
+            <a:r>
+              <a:rPr lang="en-US" sz="3000" dirty="0">
+                <a:latin typeface="Times New Roman" panose="02020603050405020304" pitchFamily="18" charset="0"/>
+                <a:cs typeface="Times New Roman" panose="02020603050405020304" pitchFamily="18" charset="0"/>
+              </a:rPr>
+              <a:t>Starbucks</a:t>
+            </a:r>
+          </a:p>
+        </p:txBody>
+      </p:sp>
+      <p:pic>
+        <p:nvPicPr>
+          <p:cNvPr id="6" name="Content Placeholder 5">
+            <a:extLst>
+              <a:ext uri="{FF2B5EF4-FFF2-40B4-BE49-F238E27FC236}">
+                <a16:creationId xmlns:a16="http://schemas.microsoft.com/office/drawing/2014/main" id="{F0029C56-E7E2-4D2A-910D-EF20C975B1ED}"/>
+              </a:ext>
+            </a:extLst>
+          </p:cNvPr>
+          <p:cNvPicPr>
+            <a:picLocks noGrp="1" noChangeAspect="1"/>
+          </p:cNvPicPr>
+          <p:nvPr>
+            <p:ph sz="quarter" idx="4"/>
+          </p:nvPr>
+        </p:nvPicPr>
+        <p:blipFill>
+          <a:blip r:embed="rId2" cstate="print">
+            <a:extLst>
+              <a:ext uri="{28A0092B-C50C-407E-A947-70E740481C1C}">
+                <a14:useLocalDpi xmlns:a14="http://schemas.microsoft.com/office/drawing/2010/main" val="0"/>
+              </a:ext>
+            </a:extLst>
+          </a:blip>
+          <a:stretch>
+            <a:fillRect/>
+          </a:stretch>
+        </p:blipFill>
+        <p:spPr>
+          <a:xfrm>
+            <a:off x="4885531" y="1974850"/>
+            <a:ext cx="3414712" cy="2276475"/>
+          </a:xfrm>
+        </p:spPr>
+      </p:pic>
+      <p:sp>
+        <p:nvSpPr>
+          <p:cNvPr id="8" name="Content Placeholder 7">
+            <a:extLst>
+              <a:ext uri="{FF2B5EF4-FFF2-40B4-BE49-F238E27FC236}">
+                <a16:creationId xmlns:a16="http://schemas.microsoft.com/office/drawing/2014/main" id="{05A711F3-1666-4553-BDB3-DABBA4A6FE2E}"/>
+              </a:ext>
+            </a:extLst>
+          </p:cNvPr>
+          <p:cNvSpPr>
+            <a:spLocks noGrp="1"/>
+          </p:cNvSpPr>
+          <p:nvPr>
+            <p:ph sz="half" idx="2"/>
+          </p:nvPr>
+        </p:nvSpPr>
+        <p:spPr/>
+        <p:txBody>
+          <a:bodyPr>
+            <a:normAutofit fontScale="62500" lnSpcReduction="20000"/>
+          </a:bodyPr>
+          <a:lstStyle/>
+          <a:p>
+            <a:pPr algn="just"/>
+            <a:r>
+              <a:rPr lang="en-US" dirty="0">
+                <a:latin typeface="Times New Roman" panose="02020603050405020304" pitchFamily="18" charset="0"/>
+                <a:cs typeface="Times New Roman" panose="02020603050405020304" pitchFamily="18" charset="0"/>
+              </a:rPr>
+              <a:t>With the partnership, Microsoft’s blockchain service will record all changes along the journey of the coffee on a shared ledger, providing participants with a “more complete view” of the supply chain.</a:t>
+            </a:r>
+          </a:p>
+          <a:p>
+            <a:pPr marL="0" indent="0" algn="just">
+              <a:buNone/>
+            </a:pPr>
+            <a:endParaRPr lang="en-US" dirty="0">
+              <a:latin typeface="Times New Roman" panose="02020603050405020304" pitchFamily="18" charset="0"/>
+              <a:cs typeface="Times New Roman" panose="02020603050405020304" pitchFamily="18" charset="0"/>
+            </a:endParaRPr>
+          </a:p>
+          <a:p>
+            <a:pPr algn="just"/>
+            <a:r>
+              <a:rPr lang="en-US" dirty="0">
+                <a:latin typeface="Times New Roman" panose="02020603050405020304" pitchFamily="18" charset="0"/>
+                <a:cs typeface="Times New Roman" panose="02020603050405020304" pitchFamily="18" charset="0"/>
+              </a:rPr>
+              <a:t>Starbucks will use all that information to bring a new feature to its mobile app, giving consumers details on where the coffee was sourced and roasted, as well as on tasting notes.</a:t>
+            </a:r>
+          </a:p>
+          <a:p>
+            <a:pPr marL="0" indent="0" algn="just">
+              <a:buNone/>
+            </a:pPr>
+            <a:endParaRPr lang="en-US" dirty="0">
+              <a:latin typeface="Times New Roman" panose="02020603050405020304" pitchFamily="18" charset="0"/>
+              <a:cs typeface="Times New Roman" panose="02020603050405020304" pitchFamily="18" charset="0"/>
+            </a:endParaRPr>
+          </a:p>
+        </p:txBody>
+      </p:sp>
+    </p:spTree>
+    <p:extLst>
+      <p:ext uri="{BB962C8B-B14F-4D97-AF65-F5344CB8AC3E}">
+        <p14:creationId xmlns:p14="http://schemas.microsoft.com/office/powerpoint/2010/main" val="1510290846"/>
+      </p:ext>
+    </p:extLst>
+  </p:cSld>
+  <p:clrMapOvr>
+    <a:masterClrMapping/>
+  </p:clrMapOvr>
+</p:sld>
+</file>
+
 <file path=ppt/slides/slide2.xml><?xml version="1.0" encoding="utf-8"?>
 <p:sld xmlns:a="http://schemas.openxmlformats.org/drawingml/2006/main" xmlns:r="http://schemas.openxmlformats.org/officeDocument/2006/relationships" xmlns:p="http://schemas.openxmlformats.org/presentationml/2006/main">
   <p:cSld>

--- a/Blockchain 101.pptx
+++ b/Blockchain 101.pptx
@@ -5,7 +5,7 @@
     <p:sldMasterId id="2147483648" r:id="rId1"/>
   </p:sldMasterIdLst>
   <p:notesMasterIdLst>
-    <p:notesMasterId r:id="rId15"/>
+    <p:notesMasterId r:id="rId16"/>
   </p:notesMasterIdLst>
   <p:sldIdLst>
     <p:sldId id="256" r:id="rId2"/>
@@ -21,6 +21,7 @@
     <p:sldId id="267" r:id="rId12"/>
     <p:sldId id="268" r:id="rId13"/>
     <p:sldId id="269" r:id="rId14"/>
+    <p:sldId id="270" r:id="rId15"/>
   </p:sldIdLst>
   <p:sldSz cx="9144000" cy="5143500" type="screen16x9"/>
   <p:notesSz cx="6858000" cy="9144000"/>
@@ -11889,6 +11890,215 @@
 </p:sld>
 </file>
 
+<file path=ppt/slides/slide14.xml><?xml version="1.0" encoding="utf-8"?>
+<p:sld xmlns:a="http://schemas.openxmlformats.org/drawingml/2006/main" xmlns:r="http://schemas.openxmlformats.org/officeDocument/2006/relationships" xmlns:p="http://schemas.openxmlformats.org/presentationml/2006/main">
+  <p:cSld>
+    <p:spTree>
+      <p:nvGrpSpPr>
+        <p:cNvPr id="1" name=""/>
+        <p:cNvGrpSpPr/>
+        <p:nvPr/>
+      </p:nvGrpSpPr>
+      <p:grpSpPr>
+        <a:xfrm>
+          <a:off x="0" y="0"/>
+          <a:ext cx="0" cy="0"/>
+          <a:chOff x="0" y="0"/>
+          <a:chExt cx="0" cy="0"/>
+        </a:xfrm>
+      </p:grpSpPr>
+      <p:sp>
+        <p:nvSpPr>
+          <p:cNvPr id="4" name="Title 3"/>
+          <p:cNvSpPr>
+            <a:spLocks noGrp="1"/>
+          </p:cNvSpPr>
+          <p:nvPr>
+            <p:ph type="title"/>
+          </p:nvPr>
+        </p:nvSpPr>
+        <p:spPr>
+          <a:xfrm>
+            <a:off x="525316" y="281175"/>
+            <a:ext cx="8322423" cy="763525"/>
+          </a:xfrm>
+        </p:spPr>
+        <p:txBody>
+          <a:bodyPr>
+            <a:noAutofit/>
+          </a:bodyPr>
+          <a:lstStyle/>
+          <a:p>
+            <a:r>
+              <a:rPr lang="en-US" dirty="0">
+                <a:effectLst>
+                  <a:outerShdw blurRad="38100" dist="38100" dir="2700000" algn="tl">
+                    <a:srgbClr val="000000">
+                      <a:alpha val="43137"/>
+                    </a:srgbClr>
+                  </a:outerShdw>
+                </a:effectLst>
+                <a:latin typeface="Times New Roman" panose="02020603050405020304" pitchFamily="18" charset="0"/>
+                <a:cs typeface="Times New Roman" panose="02020603050405020304" pitchFamily="18" charset="0"/>
+              </a:rPr>
+              <a:t>Decentralized identity</a:t>
+            </a:r>
+          </a:p>
+        </p:txBody>
+      </p:sp>
+      <p:sp>
+        <p:nvSpPr>
+          <p:cNvPr id="8" name="Content Placeholder 7">
+            <a:extLst>
+              <a:ext uri="{FF2B5EF4-FFF2-40B4-BE49-F238E27FC236}">
+                <a16:creationId xmlns:a16="http://schemas.microsoft.com/office/drawing/2014/main" id="{05A711F3-1666-4553-BDB3-DABBA4A6FE2E}"/>
+              </a:ext>
+            </a:extLst>
+          </p:cNvPr>
+          <p:cNvSpPr>
+            <a:spLocks noGrp="1"/>
+          </p:cNvSpPr>
+          <p:nvPr>
+            <p:ph sz="half" idx="2"/>
+          </p:nvPr>
+        </p:nvSpPr>
+        <p:spPr/>
+        <p:txBody>
+          <a:bodyPr>
+            <a:normAutofit/>
+          </a:bodyPr>
+          <a:lstStyle/>
+          <a:p>
+            <a:pPr marL="0" indent="0" algn="justLow">
+              <a:buNone/>
+            </a:pPr>
+            <a:r>
+              <a:rPr lang="en-US" sz="1600" dirty="0">
+                <a:latin typeface="Times New Roman" panose="02020603050405020304" pitchFamily="18" charset="0"/>
+                <a:cs typeface="Times New Roman" panose="02020603050405020304" pitchFamily="18" charset="0"/>
+              </a:rPr>
+              <a:t>Microsoft is launching the first decentralized infrastructure implementation by a major tech company that is built directly on the bitcoin blockchain.</a:t>
+            </a:r>
+          </a:p>
+          <a:p>
+            <a:pPr marL="0" indent="0" algn="justLow">
+              <a:buNone/>
+            </a:pPr>
+            <a:r>
+              <a:rPr lang="en-US" sz="1600" dirty="0">
+                <a:latin typeface="Times New Roman" panose="02020603050405020304" pitchFamily="18" charset="0"/>
+                <a:cs typeface="Times New Roman" panose="02020603050405020304" pitchFamily="18" charset="0"/>
+              </a:rPr>
+              <a:t>The open source project, called </a:t>
+            </a:r>
+            <a:r>
+              <a:rPr lang="en-US" sz="1600" dirty="0">
+                <a:latin typeface="Times New Roman" panose="02020603050405020304" pitchFamily="18" charset="0"/>
+                <a:cs typeface="Times New Roman" panose="02020603050405020304" pitchFamily="18" charset="0"/>
+                <a:hlinkClick r:id="rId2">
+                  <a:extLst>
+                    <a:ext uri="{A12FA001-AC4F-418D-AE19-62706E023703}">
+                      <ahyp:hlinkClr xmlns:ahyp="http://schemas.microsoft.com/office/drawing/2018/hyperlinkcolor" val="tx"/>
+                    </a:ext>
+                  </a:extLst>
+                </a:hlinkClick>
+              </a:rPr>
+              <a:t>Ion</a:t>
+            </a:r>
+            <a:r>
+              <a:rPr lang="en-US" sz="1600" dirty="0">
+                <a:latin typeface="Times New Roman" panose="02020603050405020304" pitchFamily="18" charset="0"/>
+                <a:cs typeface="Times New Roman" panose="02020603050405020304" pitchFamily="18" charset="0"/>
+              </a:rPr>
+              <a:t>, deals with the underlying mechanics of how networks talk to each other. </a:t>
+            </a:r>
+          </a:p>
+        </p:txBody>
+      </p:sp>
+      <p:pic>
+        <p:nvPicPr>
+          <p:cNvPr id="7" name="Content Placeholder 6">
+            <a:extLst>
+              <a:ext uri="{FF2B5EF4-FFF2-40B4-BE49-F238E27FC236}">
+                <a16:creationId xmlns:a16="http://schemas.microsoft.com/office/drawing/2014/main" id="{EDBF0875-1CEE-4979-8B60-D09E1BC3ABD6}"/>
+              </a:ext>
+            </a:extLst>
+          </p:cNvPr>
+          <p:cNvPicPr>
+            <a:picLocks noGrp="1" noChangeAspect="1"/>
+          </p:cNvPicPr>
+          <p:nvPr>
+            <p:ph sz="quarter" idx="4"/>
+          </p:nvPr>
+        </p:nvPicPr>
+        <p:blipFill>
+          <a:blip r:embed="rId3">
+            <a:extLst>
+              <a:ext uri="{28A0092B-C50C-407E-A947-70E740481C1C}">
+                <a14:useLocalDpi xmlns:a14="http://schemas.microsoft.com/office/drawing/2010/main" val="0"/>
+              </a:ext>
+            </a:extLst>
+          </a:blip>
+          <a:stretch>
+            <a:fillRect/>
+          </a:stretch>
+        </p:blipFill>
+        <p:spPr>
+          <a:xfrm>
+            <a:off x="5359400" y="2189162"/>
+            <a:ext cx="2466975" cy="1847850"/>
+          </a:xfrm>
+        </p:spPr>
+      </p:pic>
+      <p:pic>
+        <p:nvPicPr>
+          <p:cNvPr id="10" name="Picture 9">
+            <a:extLst>
+              <a:ext uri="{FF2B5EF4-FFF2-40B4-BE49-F238E27FC236}">
+                <a16:creationId xmlns:a16="http://schemas.microsoft.com/office/drawing/2014/main" id="{C35CE5F5-BE69-4592-8A48-A1B47B1ECBAE}"/>
+              </a:ext>
+            </a:extLst>
+          </p:cNvPr>
+          <p:cNvPicPr>
+            <a:picLocks noChangeAspect="1"/>
+          </p:cNvPicPr>
+          <p:nvPr/>
+        </p:nvPicPr>
+        <p:blipFill>
+          <a:blip r:embed="rId4">
+            <a:extLst>
+              <a:ext uri="{28A0092B-C50C-407E-A947-70E740481C1C}">
+                <a14:useLocalDpi xmlns:a14="http://schemas.microsoft.com/office/drawing/2010/main" val="0"/>
+              </a:ext>
+            </a:extLst>
+          </a:blip>
+          <a:stretch>
+            <a:fillRect/>
+          </a:stretch>
+        </p:blipFill>
+        <p:spPr>
+          <a:xfrm>
+            <a:off x="7409464" y="4251505"/>
+            <a:ext cx="1438275" cy="828675"/>
+          </a:xfrm>
+          <a:prstGeom prst="rect">
+            <a:avLst/>
+          </a:prstGeom>
+        </p:spPr>
+      </p:pic>
+    </p:spTree>
+    <p:extLst>
+      <p:ext uri="{BB962C8B-B14F-4D97-AF65-F5344CB8AC3E}">
+        <p14:creationId xmlns:p14="http://schemas.microsoft.com/office/powerpoint/2010/main" val="3739559741"/>
+      </p:ext>
+    </p:extLst>
+  </p:cSld>
+  <p:clrMapOvr>
+    <a:masterClrMapping/>
+  </p:clrMapOvr>
+</p:sld>
+</file>
+
 <file path=ppt/slides/slide2.xml><?xml version="1.0" encoding="utf-8"?>
 <p:sld xmlns:a="http://schemas.openxmlformats.org/drawingml/2006/main" xmlns:r="http://schemas.openxmlformats.org/officeDocument/2006/relationships" xmlns:p="http://schemas.openxmlformats.org/presentationml/2006/main">
   <p:cSld>

--- a/Blockchain 101.pptx
+++ b/Blockchain 101.pptx
@@ -5,7 +5,7 @@
     <p:sldMasterId id="2147483648" r:id="rId1"/>
   </p:sldMasterIdLst>
   <p:notesMasterIdLst>
-    <p:notesMasterId r:id="rId16"/>
+    <p:notesMasterId r:id="rId17"/>
   </p:notesMasterIdLst>
   <p:sldIdLst>
     <p:sldId id="256" r:id="rId2"/>
@@ -22,6 +22,7 @@
     <p:sldId id="268" r:id="rId13"/>
     <p:sldId id="269" r:id="rId14"/>
     <p:sldId id="270" r:id="rId15"/>
+    <p:sldId id="271" r:id="rId16"/>
   </p:sldIdLst>
   <p:sldSz cx="9144000" cy="5143500" type="screen16x9"/>
   <p:notesSz cx="6858000" cy="9144000"/>
@@ -12099,6 +12100,122 @@
 </p:sld>
 </file>
 
+<file path=ppt/slides/slide15.xml><?xml version="1.0" encoding="utf-8"?>
+<p:sld xmlns:a="http://schemas.openxmlformats.org/drawingml/2006/main" xmlns:r="http://schemas.openxmlformats.org/officeDocument/2006/relationships" xmlns:p="http://schemas.openxmlformats.org/presentationml/2006/main">
+  <p:cSld>
+    <p:spTree>
+      <p:nvGrpSpPr>
+        <p:cNvPr id="1" name=""/>
+        <p:cNvGrpSpPr/>
+        <p:nvPr/>
+      </p:nvGrpSpPr>
+      <p:grpSpPr>
+        <a:xfrm>
+          <a:off x="0" y="0"/>
+          <a:ext cx="0" cy="0"/>
+          <a:chOff x="0" y="0"/>
+          <a:chExt cx="0" cy="0"/>
+        </a:xfrm>
+      </p:grpSpPr>
+      <p:sp>
+        <p:nvSpPr>
+          <p:cNvPr id="4" name="Title 3"/>
+          <p:cNvSpPr>
+            <a:spLocks noGrp="1"/>
+          </p:cNvSpPr>
+          <p:nvPr>
+            <p:ph type="title"/>
+          </p:nvPr>
+        </p:nvSpPr>
+        <p:spPr>
+          <a:xfrm>
+            <a:off x="525316" y="281175"/>
+            <a:ext cx="8322423" cy="763525"/>
+          </a:xfrm>
+        </p:spPr>
+        <p:txBody>
+          <a:bodyPr>
+            <a:noAutofit/>
+          </a:bodyPr>
+          <a:lstStyle/>
+          <a:p>
+            <a:r>
+              <a:rPr lang="en-US" dirty="0" err="1">
+                <a:effectLst>
+                  <a:outerShdw blurRad="38100" dist="38100" dir="2700000" algn="tl">
+                    <a:srgbClr val="000000">
+                      <a:alpha val="43137"/>
+                    </a:srgbClr>
+                  </a:outerShdw>
+                </a:effectLst>
+                <a:latin typeface="Times New Roman" panose="02020603050405020304" pitchFamily="18" charset="0"/>
+                <a:cs typeface="Times New Roman" panose="02020603050405020304" pitchFamily="18" charset="0"/>
+              </a:rPr>
+              <a:t>CryptoKitties</a:t>
+            </a:r>
+            <a:endParaRPr lang="en-US" dirty="0">
+              <a:effectLst>
+                <a:outerShdw blurRad="38100" dist="38100" dir="2700000" algn="tl">
+                  <a:srgbClr val="000000">
+                    <a:alpha val="43137"/>
+                  </a:srgbClr>
+                </a:outerShdw>
+              </a:effectLst>
+              <a:latin typeface="Times New Roman" panose="02020603050405020304" pitchFamily="18" charset="0"/>
+              <a:cs typeface="Times New Roman" panose="02020603050405020304" pitchFamily="18" charset="0"/>
+            </a:endParaRPr>
+          </a:p>
+        </p:txBody>
+      </p:sp>
+      <p:pic>
+        <p:nvPicPr>
+          <p:cNvPr id="6" name="Picture 5">
+            <a:extLst>
+              <a:ext uri="{FF2B5EF4-FFF2-40B4-BE49-F238E27FC236}">
+                <a16:creationId xmlns:a16="http://schemas.microsoft.com/office/drawing/2014/main" id="{4CFB37F4-FFDD-4461-B1A8-D91C45978C31}"/>
+              </a:ext>
+            </a:extLst>
+          </p:cNvPr>
+          <p:cNvPicPr>
+            <a:picLocks noChangeAspect="1"/>
+          </p:cNvPicPr>
+          <p:nvPr/>
+        </p:nvPicPr>
+        <p:blipFill>
+          <a:blip r:embed="rId2" cstate="print">
+            <a:extLst>
+              <a:ext uri="{28A0092B-C50C-407E-A947-70E740481C1C}">
+                <a14:useLocalDpi xmlns:a14="http://schemas.microsoft.com/office/drawing/2010/main" val="0"/>
+              </a:ext>
+            </a:extLst>
+          </a:blip>
+          <a:stretch>
+            <a:fillRect/>
+          </a:stretch>
+        </p:blipFill>
+        <p:spPr>
+          <a:xfrm>
+            <a:off x="1649779" y="1808225"/>
+            <a:ext cx="5844441" cy="3039109"/>
+          </a:xfrm>
+          <a:prstGeom prst="rect">
+            <a:avLst/>
+          </a:prstGeom>
+        </p:spPr>
+      </p:pic>
+    </p:spTree>
+    <p:extLst>
+      <p:ext uri="{BB962C8B-B14F-4D97-AF65-F5344CB8AC3E}">
+        <p14:creationId xmlns:p14="http://schemas.microsoft.com/office/powerpoint/2010/main" val="4028139516"/>
+      </p:ext>
+    </p:extLst>
+  </p:cSld>
+  <p:clrMapOvr>
+    <a:masterClrMapping/>
+  </p:clrMapOvr>
+</p:sld>
+</file>
+
 <file path=ppt/slides/slide2.xml><?xml version="1.0" encoding="utf-8"?>
 <p:sld xmlns:a="http://schemas.openxmlformats.org/drawingml/2006/main" xmlns:r="http://schemas.openxmlformats.org/officeDocument/2006/relationships" xmlns:p="http://schemas.openxmlformats.org/presentationml/2006/main">
   <p:cSld>

--- a/Blockchain 101.pptx
+++ b/Blockchain 101.pptx
@@ -5,7 +5,7 @@
     <p:sldMasterId id="2147483648" r:id="rId1"/>
   </p:sldMasterIdLst>
   <p:notesMasterIdLst>
-    <p:notesMasterId r:id="rId17"/>
+    <p:notesMasterId r:id="rId18"/>
   </p:notesMasterIdLst>
   <p:sldIdLst>
     <p:sldId id="256" r:id="rId2"/>
@@ -23,6 +23,7 @@
     <p:sldId id="269" r:id="rId14"/>
     <p:sldId id="270" r:id="rId15"/>
     <p:sldId id="271" r:id="rId16"/>
+    <p:sldId id="272" r:id="rId17"/>
   </p:sldIdLst>
   <p:sldSz cx="9144000" cy="5143500" type="screen16x9"/>
   <p:notesSz cx="6858000" cy="9144000"/>
@@ -12216,6 +12217,153 @@
 </p:sld>
 </file>
 
+<file path=ppt/slides/slide16.xml><?xml version="1.0" encoding="utf-8"?>
+<p:sld xmlns:a="http://schemas.openxmlformats.org/drawingml/2006/main" xmlns:r="http://schemas.openxmlformats.org/officeDocument/2006/relationships" xmlns:p="http://schemas.openxmlformats.org/presentationml/2006/main">
+  <p:cSld>
+    <p:spTree>
+      <p:nvGrpSpPr>
+        <p:cNvPr id="1" name=""/>
+        <p:cNvGrpSpPr/>
+        <p:nvPr/>
+      </p:nvGrpSpPr>
+      <p:grpSpPr>
+        <a:xfrm>
+          <a:off x="0" y="0"/>
+          <a:ext cx="0" cy="0"/>
+          <a:chOff x="0" y="0"/>
+          <a:chExt cx="0" cy="0"/>
+        </a:xfrm>
+      </p:grpSpPr>
+      <p:sp>
+        <p:nvSpPr>
+          <p:cNvPr id="4" name="Title 3"/>
+          <p:cNvSpPr>
+            <a:spLocks noGrp="1"/>
+          </p:cNvSpPr>
+          <p:nvPr>
+            <p:ph type="title"/>
+          </p:nvPr>
+        </p:nvSpPr>
+        <p:spPr>
+          <a:xfrm>
+            <a:off x="525316" y="281175"/>
+            <a:ext cx="8322423" cy="763525"/>
+          </a:xfrm>
+        </p:spPr>
+        <p:txBody>
+          <a:bodyPr>
+            <a:noAutofit/>
+          </a:bodyPr>
+          <a:lstStyle/>
+          <a:p>
+            <a:r>
+              <a:rPr lang="en-US" sz="3000" dirty="0">
+                <a:latin typeface="Times New Roman" panose="02020603050405020304" pitchFamily="18" charset="0"/>
+                <a:cs typeface="Times New Roman" panose="02020603050405020304" pitchFamily="18" charset="0"/>
+              </a:rPr>
+              <a:t>Elections</a:t>
+            </a:r>
+          </a:p>
+        </p:txBody>
+      </p:sp>
+      <p:sp>
+        <p:nvSpPr>
+          <p:cNvPr id="8" name="Content Placeholder 7">
+            <a:extLst>
+              <a:ext uri="{FF2B5EF4-FFF2-40B4-BE49-F238E27FC236}">
+                <a16:creationId xmlns:a16="http://schemas.microsoft.com/office/drawing/2014/main" id="{05A711F3-1666-4553-BDB3-DABBA4A6FE2E}"/>
+              </a:ext>
+            </a:extLst>
+          </p:cNvPr>
+          <p:cNvSpPr>
+            <a:spLocks noGrp="1"/>
+          </p:cNvSpPr>
+          <p:nvPr>
+            <p:ph sz="half" idx="2"/>
+          </p:nvPr>
+        </p:nvSpPr>
+        <p:spPr/>
+        <p:txBody>
+          <a:bodyPr>
+            <a:normAutofit/>
+          </a:bodyPr>
+          <a:lstStyle/>
+          <a:p>
+            <a:pPr marL="0" indent="0" algn="just">
+              <a:buNone/>
+            </a:pPr>
+            <a:r>
+              <a:rPr lang="en-US" sz="1800" dirty="0">
+                <a:latin typeface="Times New Roman" panose="02020603050405020304" pitchFamily="18" charset="0"/>
+                <a:cs typeface="Times New Roman" panose="02020603050405020304" pitchFamily="18" charset="0"/>
+              </a:rPr>
+              <a:t>Denver, Colorado, announced Thursday that it would implement a pilot program to allow overseas voters, active-duty military personnel and their eligible dependents to vote using a blockchain-based smartphone app in collaboration with Tusk Philanthropies and </a:t>
+            </a:r>
+            <a:r>
+              <a:rPr lang="en-US" sz="1800" dirty="0" err="1">
+                <a:latin typeface="Times New Roman" panose="02020603050405020304" pitchFamily="18" charset="0"/>
+                <a:cs typeface="Times New Roman" panose="02020603050405020304" pitchFamily="18" charset="0"/>
+              </a:rPr>
+              <a:t>Voatz</a:t>
+            </a:r>
+            <a:r>
+              <a:rPr lang="en-US" sz="1800" dirty="0">
+                <a:latin typeface="Times New Roman" panose="02020603050405020304" pitchFamily="18" charset="0"/>
+                <a:cs typeface="Times New Roman" panose="02020603050405020304" pitchFamily="18" charset="0"/>
+              </a:rPr>
+              <a:t>.</a:t>
+            </a:r>
+          </a:p>
+        </p:txBody>
+      </p:sp>
+      <p:pic>
+        <p:nvPicPr>
+          <p:cNvPr id="7" name="Content Placeholder 6">
+            <a:extLst>
+              <a:ext uri="{FF2B5EF4-FFF2-40B4-BE49-F238E27FC236}">
+                <a16:creationId xmlns:a16="http://schemas.microsoft.com/office/drawing/2014/main" id="{523278A1-3665-48BB-95AB-9C39C7338FF8}"/>
+              </a:ext>
+            </a:extLst>
+          </p:cNvPr>
+          <p:cNvPicPr>
+            <a:picLocks noGrp="1" noChangeAspect="1"/>
+          </p:cNvPicPr>
+          <p:nvPr>
+            <p:ph sz="quarter" idx="4"/>
+          </p:nvPr>
+        </p:nvPicPr>
+        <p:blipFill>
+          <a:blip r:embed="rId2" cstate="print">
+            <a:extLst>
+              <a:ext uri="{28A0092B-C50C-407E-A947-70E740481C1C}">
+                <a14:useLocalDpi xmlns:a14="http://schemas.microsoft.com/office/drawing/2010/main" val="0"/>
+              </a:ext>
+            </a:extLst>
+          </a:blip>
+          <a:stretch>
+            <a:fillRect/>
+          </a:stretch>
+        </p:blipFill>
+        <p:spPr>
+          <a:xfrm>
+            <a:off x="5282247" y="2457767"/>
+            <a:ext cx="2621280" cy="1310640"/>
+          </a:xfrm>
+        </p:spPr>
+      </p:pic>
+    </p:spTree>
+    <p:extLst>
+      <p:ext uri="{BB962C8B-B14F-4D97-AF65-F5344CB8AC3E}">
+        <p14:creationId xmlns:p14="http://schemas.microsoft.com/office/powerpoint/2010/main" val="1515511658"/>
+      </p:ext>
+    </p:extLst>
+  </p:cSld>
+  <p:clrMapOvr>
+    <a:masterClrMapping/>
+  </p:clrMapOvr>
+</p:sld>
+</file>
+
 <file path=ppt/slides/slide2.xml><?xml version="1.0" encoding="utf-8"?>
 <p:sld xmlns:a="http://schemas.openxmlformats.org/drawingml/2006/main" xmlns:r="http://schemas.openxmlformats.org/officeDocument/2006/relationships" xmlns:p="http://schemas.openxmlformats.org/presentationml/2006/main">
   <p:cSld>

--- a/Blockchain 101.pptx
+++ b/Blockchain 101.pptx
@@ -12257,12 +12257,16 @@
           <a:lstStyle/>
           <a:p>
             <a:r>
-              <a:rPr lang="en-US" sz="3000" dirty="0">
+              <a:rPr lang="en-US" sz="3200" dirty="0" err="1">
                 <a:latin typeface="Times New Roman" panose="02020603050405020304" pitchFamily="18" charset="0"/>
                 <a:cs typeface="Times New Roman" panose="02020603050405020304" pitchFamily="18" charset="0"/>
               </a:rPr>
-              <a:t>Elections</a:t>
-            </a:r>
+              <a:t>Medicalchain</a:t>
+            </a:r>
+            <a:endParaRPr lang="en-US" sz="3000" dirty="0">
+              <a:latin typeface="Times New Roman" panose="02020603050405020304" pitchFamily="18" charset="0"/>
+              <a:cs typeface="Times New Roman" panose="02020603050405020304" pitchFamily="18" charset="0"/>
+            </a:endParaRPr>
           </a:p>
         </p:txBody>
       </p:sp>
@@ -12293,35 +12297,42 @@
               <a:buNone/>
             </a:pPr>
             <a:r>
-              <a:rPr lang="en-US" sz="1800" dirty="0">
+              <a:rPr lang="en-US" sz="1600" dirty="0" err="1">
                 <a:latin typeface="Times New Roman" panose="02020603050405020304" pitchFamily="18" charset="0"/>
                 <a:cs typeface="Times New Roman" panose="02020603050405020304" pitchFamily="18" charset="0"/>
               </a:rPr>
-              <a:t>Denver, Colorado, announced Thursday that it would implement a pilot program to allow overseas voters, active-duty military personnel and their eligible dependents to vote using a blockchain-based smartphone app in collaboration with Tusk Philanthropies and </a:t>
-            </a:r>
-            <a:r>
-              <a:rPr lang="en-US" sz="1800" dirty="0" err="1">
+              <a:t>Medicalchain</a:t>
+            </a:r>
+            <a:r>
+              <a:rPr lang="en-US" sz="1600" dirty="0">
                 <a:latin typeface="Times New Roman" panose="02020603050405020304" pitchFamily="18" charset="0"/>
                 <a:cs typeface="Times New Roman" panose="02020603050405020304" pitchFamily="18" charset="0"/>
               </a:rPr>
-              <a:t>Voatz</a:t>
-            </a:r>
-            <a:r>
-              <a:rPr lang="en-US" sz="1800" dirty="0">
+              <a:t> uses blockchain technology to securely store health records and maintain a single version of the truth. The different </a:t>
+            </a:r>
+            <a:r>
+              <a:rPr lang="en-US" sz="1600" dirty="0" err="1">
                 <a:latin typeface="Times New Roman" panose="02020603050405020304" pitchFamily="18" charset="0"/>
                 <a:cs typeface="Times New Roman" panose="02020603050405020304" pitchFamily="18" charset="0"/>
               </a:rPr>
-              <a:t>.</a:t>
+              <a:t>organisations</a:t>
+            </a:r>
+            <a:r>
+              <a:rPr lang="en-US" sz="1600" dirty="0">
+                <a:latin typeface="Times New Roman" panose="02020603050405020304" pitchFamily="18" charset="0"/>
+                <a:cs typeface="Times New Roman" panose="02020603050405020304" pitchFamily="18" charset="0"/>
+              </a:rPr>
+              <a:t> such as doctors, hospitals, laboratories, pharmacists and health insurers can request permission to access a patient’s record to serve their purpose and record transactions on the distributed ledger.</a:t>
             </a:r>
           </a:p>
         </p:txBody>
       </p:sp>
       <p:pic>
         <p:nvPicPr>
-          <p:cNvPr id="7" name="Content Placeholder 6">
+          <p:cNvPr id="12" name="Content Placeholder 11">
             <a:extLst>
               <a:ext uri="{FF2B5EF4-FFF2-40B4-BE49-F238E27FC236}">
-                <a16:creationId xmlns:a16="http://schemas.microsoft.com/office/drawing/2014/main" id="{523278A1-3665-48BB-95AB-9C39C7338FF8}"/>
+                <a16:creationId xmlns:a16="http://schemas.microsoft.com/office/drawing/2014/main" id="{AD9BD4A2-92B3-4722-A437-1EBDFFB86951}"/>
               </a:ext>
             </a:extLst>
           </p:cNvPr>
@@ -12346,8 +12357,8 @@
         </p:blipFill>
         <p:spPr>
           <a:xfrm>
-            <a:off x="5282247" y="2457767"/>
-            <a:ext cx="2621280" cy="1310640"/>
+            <a:off x="4572000" y="2224095"/>
+            <a:ext cx="4041775" cy="1777984"/>
           </a:xfrm>
         </p:spPr>
       </p:pic>

--- a/Blockchain 101.pptx
+++ b/Blockchain 101.pptx
@@ -5,7 +5,7 @@
     <p:sldMasterId id="2147483648" r:id="rId1"/>
   </p:sldMasterIdLst>
   <p:notesMasterIdLst>
-    <p:notesMasterId r:id="rId18"/>
+    <p:notesMasterId r:id="rId20"/>
   </p:notesMasterIdLst>
   <p:sldIdLst>
     <p:sldId id="256" r:id="rId2"/>
@@ -24,6 +24,8 @@
     <p:sldId id="270" r:id="rId15"/>
     <p:sldId id="271" r:id="rId16"/>
     <p:sldId id="272" r:id="rId17"/>
+    <p:sldId id="273" r:id="rId18"/>
+    <p:sldId id="274" r:id="rId19"/>
   </p:sldIdLst>
   <p:sldSz cx="9144000" cy="5143500" type="screen16x9"/>
   <p:notesSz cx="6858000" cy="9144000"/>
@@ -889,6 +891,788 @@
 </file>
 
 <file path=ppt/diagrams/colors2.xml><?xml version="1.0" encoding="utf-8"?>
+<dgm:colorsDef xmlns:dgm="http://schemas.openxmlformats.org/drawingml/2006/diagram" xmlns:a="http://schemas.openxmlformats.org/drawingml/2006/main" uniqueId="urn:microsoft.com/office/officeart/2005/8/colors/colorful3">
+  <dgm:title val=""/>
+  <dgm:desc val=""/>
+  <dgm:catLst>
+    <dgm:cat type="colorful" pri="10300"/>
+  </dgm:catLst>
+  <dgm:styleLbl name="node0">
+    <dgm:fillClrLst meth="repeat">
+      <a:schemeClr val="accent2"/>
+    </dgm:fillClrLst>
+    <dgm:linClrLst meth="repeat">
+      <a:schemeClr val="lt1"/>
+    </dgm:linClrLst>
+    <dgm:effectClrLst/>
+    <dgm:txLinClrLst/>
+    <dgm:txFillClrLst/>
+    <dgm:txEffectClrLst/>
+  </dgm:styleLbl>
+  <dgm:styleLbl name="node1">
+    <dgm:fillClrLst>
+      <a:schemeClr val="accent3"/>
+      <a:schemeClr val="accent4"/>
+    </dgm:fillClrLst>
+    <dgm:linClrLst meth="repeat">
+      <a:schemeClr val="lt1"/>
+    </dgm:linClrLst>
+    <dgm:effectClrLst/>
+    <dgm:txLinClrLst/>
+    <dgm:txFillClrLst/>
+    <dgm:txEffectClrLst/>
+  </dgm:styleLbl>
+  <dgm:styleLbl name="alignNode1">
+    <dgm:fillClrLst>
+      <a:schemeClr val="accent3"/>
+      <a:schemeClr val="accent4"/>
+    </dgm:fillClrLst>
+    <dgm:linClrLst>
+      <a:schemeClr val="accent3"/>
+      <a:schemeClr val="accent4"/>
+    </dgm:linClrLst>
+    <dgm:effectClrLst/>
+    <dgm:txLinClrLst/>
+    <dgm:txFillClrLst/>
+    <dgm:txEffectClrLst/>
+  </dgm:styleLbl>
+  <dgm:styleLbl name="lnNode1">
+    <dgm:fillClrLst>
+      <a:schemeClr val="accent3"/>
+      <a:schemeClr val="accent4"/>
+    </dgm:fillClrLst>
+    <dgm:linClrLst meth="repeat">
+      <a:schemeClr val="lt1"/>
+    </dgm:linClrLst>
+    <dgm:effectClrLst/>
+    <dgm:txLinClrLst/>
+    <dgm:txFillClrLst/>
+    <dgm:txEffectClrLst/>
+  </dgm:styleLbl>
+  <dgm:styleLbl name="vennNode1">
+    <dgm:fillClrLst>
+      <a:schemeClr val="accent3">
+        <a:alpha val="50000"/>
+      </a:schemeClr>
+      <a:schemeClr val="accent4">
+        <a:alpha val="50000"/>
+      </a:schemeClr>
+    </dgm:fillClrLst>
+    <dgm:linClrLst meth="repeat">
+      <a:schemeClr val="lt1"/>
+    </dgm:linClrLst>
+    <dgm:effectClrLst/>
+    <dgm:txLinClrLst/>
+    <dgm:txFillClrLst/>
+    <dgm:txEffectClrLst/>
+  </dgm:styleLbl>
+  <dgm:styleLbl name="node2">
+    <dgm:fillClrLst>
+      <a:schemeClr val="accent4"/>
+    </dgm:fillClrLst>
+    <dgm:linClrLst meth="repeat">
+      <a:schemeClr val="lt1"/>
+    </dgm:linClrLst>
+    <dgm:effectClrLst/>
+    <dgm:txLinClrLst/>
+    <dgm:txFillClrLst/>
+    <dgm:txEffectClrLst/>
+  </dgm:styleLbl>
+  <dgm:styleLbl name="node3">
+    <dgm:fillClrLst>
+      <a:schemeClr val="accent5"/>
+    </dgm:fillClrLst>
+    <dgm:linClrLst meth="repeat">
+      <a:schemeClr val="lt1"/>
+    </dgm:linClrLst>
+    <dgm:effectClrLst/>
+    <dgm:txLinClrLst/>
+    <dgm:txFillClrLst/>
+    <dgm:txEffectClrLst/>
+  </dgm:styleLbl>
+  <dgm:styleLbl name="node4">
+    <dgm:fillClrLst>
+      <a:schemeClr val="accent6"/>
+    </dgm:fillClrLst>
+    <dgm:linClrLst meth="repeat">
+      <a:schemeClr val="lt1"/>
+    </dgm:linClrLst>
+    <dgm:effectClrLst/>
+    <dgm:txLinClrLst/>
+    <dgm:txFillClrLst/>
+    <dgm:txEffectClrLst/>
+  </dgm:styleLbl>
+  <dgm:styleLbl name="fgImgPlace1">
+    <dgm:fillClrLst>
+      <a:schemeClr val="accent3">
+        <a:tint val="50000"/>
+      </a:schemeClr>
+      <a:schemeClr val="accent4">
+        <a:tint val="50000"/>
+      </a:schemeClr>
+    </dgm:fillClrLst>
+    <dgm:linClrLst meth="repeat">
+      <a:schemeClr val="lt1"/>
+    </dgm:linClrLst>
+    <dgm:effectClrLst/>
+    <dgm:txLinClrLst/>
+    <dgm:txFillClrLst meth="repeat">
+      <a:schemeClr val="lt1"/>
+    </dgm:txFillClrLst>
+    <dgm:txEffectClrLst/>
+  </dgm:styleLbl>
+  <dgm:styleLbl name="alignImgPlace1">
+    <dgm:fillClrLst>
+      <a:schemeClr val="accent3">
+        <a:tint val="50000"/>
+      </a:schemeClr>
+      <a:schemeClr val="accent4">
+        <a:tint val="20000"/>
+      </a:schemeClr>
+    </dgm:fillClrLst>
+    <dgm:linClrLst meth="repeat">
+      <a:schemeClr val="lt1"/>
+    </dgm:linClrLst>
+    <dgm:effectClrLst/>
+    <dgm:txLinClrLst/>
+    <dgm:txFillClrLst meth="repeat">
+      <a:schemeClr val="lt1"/>
+    </dgm:txFillClrLst>
+    <dgm:txEffectClrLst/>
+  </dgm:styleLbl>
+  <dgm:styleLbl name="bgImgPlace1">
+    <dgm:fillClrLst>
+      <a:schemeClr val="accent3">
+        <a:tint val="50000"/>
+      </a:schemeClr>
+      <a:schemeClr val="accent4">
+        <a:tint val="20000"/>
+      </a:schemeClr>
+    </dgm:fillClrLst>
+    <dgm:linClrLst meth="repeat">
+      <a:schemeClr val="lt1"/>
+    </dgm:linClrLst>
+    <dgm:effectClrLst/>
+    <dgm:txLinClrLst/>
+    <dgm:txFillClrLst meth="repeat">
+      <a:schemeClr val="lt1"/>
+    </dgm:txFillClrLst>
+    <dgm:txEffectClrLst/>
+  </dgm:styleLbl>
+  <dgm:styleLbl name="sibTrans2D1">
+    <dgm:fillClrLst>
+      <a:schemeClr val="accent3"/>
+      <a:schemeClr val="accent4"/>
+    </dgm:fillClrLst>
+    <dgm:linClrLst meth="repeat">
+      <a:schemeClr val="lt1"/>
+    </dgm:linClrLst>
+    <dgm:effectClrLst/>
+    <dgm:txLinClrLst/>
+    <dgm:txFillClrLst/>
+    <dgm:txEffectClrLst/>
+  </dgm:styleLbl>
+  <dgm:styleLbl name="fgSibTrans2D1">
+    <dgm:fillClrLst>
+      <a:schemeClr val="accent3"/>
+      <a:schemeClr val="accent4"/>
+    </dgm:fillClrLst>
+    <dgm:linClrLst meth="repeat">
+      <a:schemeClr val="lt1"/>
+    </dgm:linClrLst>
+    <dgm:effectClrLst/>
+    <dgm:txLinClrLst/>
+    <dgm:txFillClrLst meth="repeat">
+      <a:schemeClr val="lt1"/>
+    </dgm:txFillClrLst>
+    <dgm:txEffectClrLst/>
+  </dgm:styleLbl>
+  <dgm:styleLbl name="bgSibTrans2D1">
+    <dgm:fillClrLst>
+      <a:schemeClr val="accent3"/>
+      <a:schemeClr val="accent4"/>
+    </dgm:fillClrLst>
+    <dgm:linClrLst meth="repeat">
+      <a:schemeClr val="lt1"/>
+    </dgm:linClrLst>
+    <dgm:effectClrLst/>
+    <dgm:txLinClrLst/>
+    <dgm:txFillClrLst meth="repeat">
+      <a:schemeClr val="lt1"/>
+    </dgm:txFillClrLst>
+    <dgm:txEffectClrLst/>
+  </dgm:styleLbl>
+  <dgm:styleLbl name="sibTrans1D1">
+    <dgm:fillClrLst/>
+    <dgm:linClrLst>
+      <a:schemeClr val="accent3"/>
+      <a:schemeClr val="accent4"/>
+    </dgm:linClrLst>
+    <dgm:effectClrLst/>
+    <dgm:txLinClrLst/>
+    <dgm:txFillClrLst meth="repeat">
+      <a:schemeClr val="tx1"/>
+    </dgm:txFillClrLst>
+    <dgm:txEffectClrLst/>
+  </dgm:styleLbl>
+  <dgm:styleLbl name="callout">
+    <dgm:fillClrLst meth="repeat">
+      <a:schemeClr val="accent3"/>
+    </dgm:fillClrLst>
+    <dgm:linClrLst meth="repeat">
+      <a:schemeClr val="accent3">
+        <a:tint val="50000"/>
+      </a:schemeClr>
+    </dgm:linClrLst>
+    <dgm:effectClrLst/>
+    <dgm:txLinClrLst/>
+    <dgm:txFillClrLst meth="repeat">
+      <a:schemeClr val="tx1"/>
+    </dgm:txFillClrLst>
+    <dgm:txEffectClrLst/>
+  </dgm:styleLbl>
+  <dgm:styleLbl name="asst0">
+    <dgm:fillClrLst meth="repeat">
+      <a:schemeClr val="accent3"/>
+    </dgm:fillClrLst>
+    <dgm:linClrLst meth="repeat">
+      <a:schemeClr val="lt1">
+        <a:shade val="80000"/>
+      </a:schemeClr>
+    </dgm:linClrLst>
+    <dgm:effectClrLst/>
+    <dgm:txLinClrLst/>
+    <dgm:txFillClrLst/>
+    <dgm:txEffectClrLst/>
+  </dgm:styleLbl>
+  <dgm:styleLbl name="asst1">
+    <dgm:fillClrLst meth="repeat">
+      <a:schemeClr val="accent4"/>
+    </dgm:fillClrLst>
+    <dgm:linClrLst meth="repeat">
+      <a:schemeClr val="lt1">
+        <a:shade val="80000"/>
+      </a:schemeClr>
+    </dgm:linClrLst>
+    <dgm:effectClrLst/>
+    <dgm:txLinClrLst/>
+    <dgm:txFillClrLst/>
+    <dgm:txEffectClrLst/>
+  </dgm:styleLbl>
+  <dgm:styleLbl name="asst2">
+    <dgm:fillClrLst>
+      <a:schemeClr val="accent5"/>
+    </dgm:fillClrLst>
+    <dgm:linClrLst meth="repeat">
+      <a:schemeClr val="lt1"/>
+    </dgm:linClrLst>
+    <dgm:effectClrLst/>
+    <dgm:txLinClrLst/>
+    <dgm:txFillClrLst/>
+    <dgm:txEffectClrLst/>
+  </dgm:styleLbl>
+  <dgm:styleLbl name="asst3">
+    <dgm:fillClrLst>
+      <a:schemeClr val="accent6"/>
+    </dgm:fillClrLst>
+    <dgm:linClrLst meth="repeat">
+      <a:schemeClr val="lt1"/>
+    </dgm:linClrLst>
+    <dgm:effectClrLst/>
+    <dgm:txLinClrLst/>
+    <dgm:txFillClrLst/>
+    <dgm:txEffectClrLst/>
+  </dgm:styleLbl>
+  <dgm:styleLbl name="asst4">
+    <dgm:fillClrLst>
+      <a:schemeClr val="accent1"/>
+    </dgm:fillClrLst>
+    <dgm:linClrLst meth="repeat">
+      <a:schemeClr val="lt1"/>
+    </dgm:linClrLst>
+    <dgm:effectClrLst/>
+    <dgm:txLinClrLst/>
+    <dgm:txFillClrLst/>
+    <dgm:txEffectClrLst/>
+  </dgm:styleLbl>
+  <dgm:styleLbl name="parChTrans2D1">
+    <dgm:fillClrLst meth="repeat">
+      <a:schemeClr val="accent2"/>
+    </dgm:fillClrLst>
+    <dgm:linClrLst meth="repeat">
+      <a:schemeClr val="lt1"/>
+    </dgm:linClrLst>
+    <dgm:effectClrLst/>
+    <dgm:txLinClrLst/>
+    <dgm:txFillClrLst meth="repeat">
+      <a:schemeClr val="lt1"/>
+    </dgm:txFillClrLst>
+    <dgm:txEffectClrLst/>
+  </dgm:styleLbl>
+  <dgm:styleLbl name="parChTrans2D2">
+    <dgm:fillClrLst meth="repeat">
+      <a:schemeClr val="accent3"/>
+    </dgm:fillClrLst>
+    <dgm:linClrLst meth="repeat">
+      <a:schemeClr val="lt1"/>
+    </dgm:linClrLst>
+    <dgm:effectClrLst/>
+    <dgm:txLinClrLst/>
+    <dgm:txFillClrLst/>
+    <dgm:txEffectClrLst/>
+  </dgm:styleLbl>
+  <dgm:styleLbl name="parChTrans2D3">
+    <dgm:fillClrLst meth="repeat">
+      <a:schemeClr val="accent4"/>
+    </dgm:fillClrLst>
+    <dgm:linClrLst meth="repeat">
+      <a:schemeClr val="lt1"/>
+    </dgm:linClrLst>
+    <dgm:effectClrLst/>
+    <dgm:txLinClrLst/>
+    <dgm:txFillClrLst/>
+    <dgm:txEffectClrLst/>
+  </dgm:styleLbl>
+  <dgm:styleLbl name="parChTrans2D4">
+    <dgm:fillClrLst meth="repeat">
+      <a:schemeClr val="accent5"/>
+    </dgm:fillClrLst>
+    <dgm:linClrLst meth="repeat">
+      <a:schemeClr val="lt1"/>
+    </dgm:linClrLst>
+    <dgm:effectClrLst/>
+    <dgm:txLinClrLst/>
+    <dgm:txFillClrLst meth="repeat">
+      <a:schemeClr val="lt1"/>
+    </dgm:txFillClrLst>
+    <dgm:txEffectClrLst/>
+  </dgm:styleLbl>
+  <dgm:styleLbl name="parChTrans1D1">
+    <dgm:fillClrLst meth="repeat">
+      <a:schemeClr val="accent3"/>
+    </dgm:fillClrLst>
+    <dgm:linClrLst meth="repeat">
+      <a:schemeClr val="accent3"/>
+    </dgm:linClrLst>
+    <dgm:effectClrLst/>
+    <dgm:txLinClrLst/>
+    <dgm:txFillClrLst meth="repeat">
+      <a:schemeClr val="tx1"/>
+    </dgm:txFillClrLst>
+    <dgm:txEffectClrLst/>
+  </dgm:styleLbl>
+  <dgm:styleLbl name="parChTrans1D2">
+    <dgm:fillClrLst meth="repeat">
+      <a:schemeClr val="accent2">
+        <a:tint val="90000"/>
+      </a:schemeClr>
+    </dgm:fillClrLst>
+    <dgm:linClrLst meth="repeat">
+      <a:schemeClr val="accent4"/>
+    </dgm:linClrLst>
+    <dgm:effectClrLst/>
+    <dgm:txLinClrLst/>
+    <dgm:txFillClrLst meth="repeat">
+      <a:schemeClr val="tx1"/>
+    </dgm:txFillClrLst>
+    <dgm:txEffectClrLst/>
+  </dgm:styleLbl>
+  <dgm:styleLbl name="parChTrans1D3">
+    <dgm:fillClrLst meth="repeat">
+      <a:schemeClr val="accent2">
+        <a:tint val="70000"/>
+      </a:schemeClr>
+    </dgm:fillClrLst>
+    <dgm:linClrLst meth="repeat">
+      <a:schemeClr val="accent5"/>
+    </dgm:linClrLst>
+    <dgm:effectClrLst/>
+    <dgm:txLinClrLst/>
+    <dgm:txFillClrLst meth="repeat">
+      <a:schemeClr val="tx1"/>
+    </dgm:txFillClrLst>
+    <dgm:txEffectClrLst/>
+  </dgm:styleLbl>
+  <dgm:styleLbl name="parChTrans1D4">
+    <dgm:fillClrLst meth="repeat">
+      <a:schemeClr val="accent6">
+        <a:tint val="50000"/>
+      </a:schemeClr>
+    </dgm:fillClrLst>
+    <dgm:linClrLst meth="repeat">
+      <a:schemeClr val="accent6"/>
+    </dgm:linClrLst>
+    <dgm:effectClrLst/>
+    <dgm:txLinClrLst/>
+    <dgm:txFillClrLst meth="repeat">
+      <a:schemeClr val="tx1"/>
+    </dgm:txFillClrLst>
+    <dgm:txEffectClrLst/>
+  </dgm:styleLbl>
+  <dgm:styleLbl name="fgAcc1">
+    <dgm:fillClrLst meth="repeat">
+      <a:schemeClr val="lt1">
+        <a:alpha val="90000"/>
+      </a:schemeClr>
+    </dgm:fillClrLst>
+    <dgm:linClrLst>
+      <a:schemeClr val="accent3"/>
+      <a:schemeClr val="accent4"/>
+    </dgm:linClrLst>
+    <dgm:effectClrLst/>
+    <dgm:txLinClrLst/>
+    <dgm:txFillClrLst meth="repeat">
+      <a:schemeClr val="dk1"/>
+    </dgm:txFillClrLst>
+    <dgm:txEffectClrLst/>
+  </dgm:styleLbl>
+  <dgm:styleLbl name="conFgAcc1">
+    <dgm:fillClrLst meth="repeat">
+      <a:schemeClr val="lt1">
+        <a:alpha val="90000"/>
+      </a:schemeClr>
+    </dgm:fillClrLst>
+    <dgm:linClrLst>
+      <a:schemeClr val="accent3"/>
+      <a:schemeClr val="accent4"/>
+    </dgm:linClrLst>
+    <dgm:effectClrLst/>
+    <dgm:txLinClrLst/>
+    <dgm:txFillClrLst meth="repeat">
+      <a:schemeClr val="dk1"/>
+    </dgm:txFillClrLst>
+    <dgm:txEffectClrLst/>
+  </dgm:styleLbl>
+  <dgm:styleLbl name="alignAcc1">
+    <dgm:fillClrLst meth="repeat">
+      <a:schemeClr val="lt1">
+        <a:alpha val="90000"/>
+      </a:schemeClr>
+    </dgm:fillClrLst>
+    <dgm:linClrLst>
+      <a:schemeClr val="accent3"/>
+      <a:schemeClr val="accent4"/>
+    </dgm:linClrLst>
+    <dgm:effectClrLst/>
+    <dgm:txLinClrLst/>
+    <dgm:txFillClrLst meth="repeat">
+      <a:schemeClr val="dk1"/>
+    </dgm:txFillClrLst>
+    <dgm:txEffectClrLst/>
+  </dgm:styleLbl>
+  <dgm:styleLbl name="trAlignAcc1">
+    <dgm:fillClrLst meth="repeat">
+      <a:schemeClr val="lt1">
+        <a:alpha val="40000"/>
+      </a:schemeClr>
+    </dgm:fillClrLst>
+    <dgm:linClrLst meth="repeat">
+      <a:schemeClr val="accent2"/>
+    </dgm:linClrLst>
+    <dgm:effectClrLst/>
+    <dgm:txLinClrLst/>
+    <dgm:txFillClrLst meth="repeat">
+      <a:schemeClr val="dk1"/>
+    </dgm:txFillClrLst>
+    <dgm:txEffectClrLst/>
+  </dgm:styleLbl>
+  <dgm:styleLbl name="bgAcc1">
+    <dgm:fillClrLst meth="repeat">
+      <a:schemeClr val="lt1">
+        <a:alpha val="90000"/>
+      </a:schemeClr>
+    </dgm:fillClrLst>
+    <dgm:linClrLst>
+      <a:schemeClr val="accent3"/>
+      <a:schemeClr val="accent4"/>
+    </dgm:linClrLst>
+    <dgm:effectClrLst/>
+    <dgm:txLinClrLst/>
+    <dgm:txFillClrLst meth="repeat">
+      <a:schemeClr val="dk1"/>
+    </dgm:txFillClrLst>
+    <dgm:txEffectClrLst/>
+  </dgm:styleLbl>
+  <dgm:styleLbl name="solidFgAcc1">
+    <dgm:fillClrLst meth="repeat">
+      <a:schemeClr val="lt1"/>
+    </dgm:fillClrLst>
+    <dgm:linClrLst>
+      <a:schemeClr val="accent3"/>
+      <a:schemeClr val="accent4"/>
+    </dgm:linClrLst>
+    <dgm:effectClrLst/>
+    <dgm:txLinClrLst/>
+    <dgm:txFillClrLst meth="repeat">
+      <a:schemeClr val="dk1"/>
+    </dgm:txFillClrLst>
+    <dgm:txEffectClrLst/>
+  </dgm:styleLbl>
+  <dgm:styleLbl name="solidAlignAcc1">
+    <dgm:fillClrLst meth="repeat">
+      <a:schemeClr val="lt1"/>
+    </dgm:fillClrLst>
+    <dgm:linClrLst>
+      <a:schemeClr val="accent3"/>
+      <a:schemeClr val="accent4"/>
+    </dgm:linClrLst>
+    <dgm:effectClrLst/>
+    <dgm:txLinClrLst/>
+    <dgm:txFillClrLst meth="repeat">
+      <a:schemeClr val="dk1"/>
+    </dgm:txFillClrLst>
+    <dgm:txEffectClrLst/>
+  </dgm:styleLbl>
+  <dgm:styleLbl name="solidBgAcc1">
+    <dgm:fillClrLst meth="repeat">
+      <a:schemeClr val="lt1"/>
+    </dgm:fillClrLst>
+    <dgm:linClrLst>
+      <a:schemeClr val="accent3"/>
+      <a:schemeClr val="accent4"/>
+    </dgm:linClrLst>
+    <dgm:effectClrLst/>
+    <dgm:txLinClrLst/>
+    <dgm:txFillClrLst meth="repeat">
+      <a:schemeClr val="dk1"/>
+    </dgm:txFillClrLst>
+    <dgm:txEffectClrLst/>
+  </dgm:styleLbl>
+  <dgm:styleLbl name="fgAccFollowNode1">
+    <dgm:fillClrLst>
+      <a:schemeClr val="accent3">
+        <a:tint val="40000"/>
+        <a:alpha val="90000"/>
+      </a:schemeClr>
+      <a:schemeClr val="accent4">
+        <a:tint val="40000"/>
+        <a:alpha val="90000"/>
+      </a:schemeClr>
+    </dgm:fillClrLst>
+    <dgm:linClrLst>
+      <a:schemeClr val="accent3">
+        <a:tint val="40000"/>
+        <a:alpha val="90000"/>
+      </a:schemeClr>
+      <a:schemeClr val="accent4">
+        <a:tint val="40000"/>
+        <a:alpha val="90000"/>
+      </a:schemeClr>
+    </dgm:linClrLst>
+    <dgm:effectClrLst/>
+    <dgm:txLinClrLst/>
+    <dgm:txFillClrLst meth="repeat">
+      <a:schemeClr val="dk1"/>
+    </dgm:txFillClrLst>
+    <dgm:txEffectClrLst/>
+  </dgm:styleLbl>
+  <dgm:styleLbl name="alignAccFollowNode1">
+    <dgm:fillClrLst>
+      <a:schemeClr val="accent3">
+        <a:tint val="40000"/>
+        <a:alpha val="90000"/>
+      </a:schemeClr>
+      <a:schemeClr val="accent4">
+        <a:tint val="40000"/>
+        <a:alpha val="90000"/>
+      </a:schemeClr>
+    </dgm:fillClrLst>
+    <dgm:linClrLst>
+      <a:schemeClr val="accent3">
+        <a:tint val="40000"/>
+        <a:alpha val="90000"/>
+      </a:schemeClr>
+      <a:schemeClr val="accent4">
+        <a:tint val="40000"/>
+        <a:alpha val="90000"/>
+      </a:schemeClr>
+    </dgm:linClrLst>
+    <dgm:effectClrLst/>
+    <dgm:txLinClrLst/>
+    <dgm:txFillClrLst meth="repeat">
+      <a:schemeClr val="dk1"/>
+    </dgm:txFillClrLst>
+    <dgm:txEffectClrLst/>
+  </dgm:styleLbl>
+  <dgm:styleLbl name="bgAccFollowNode1">
+    <dgm:fillClrLst>
+      <a:schemeClr val="accent3">
+        <a:tint val="40000"/>
+        <a:alpha val="90000"/>
+      </a:schemeClr>
+      <a:schemeClr val="accent4">
+        <a:tint val="40000"/>
+        <a:alpha val="90000"/>
+      </a:schemeClr>
+    </dgm:fillClrLst>
+    <dgm:linClrLst>
+      <a:schemeClr val="accent3">
+        <a:tint val="40000"/>
+        <a:alpha val="90000"/>
+      </a:schemeClr>
+      <a:schemeClr val="accent4">
+        <a:tint val="40000"/>
+        <a:alpha val="90000"/>
+      </a:schemeClr>
+    </dgm:linClrLst>
+    <dgm:effectClrLst/>
+    <dgm:txLinClrLst/>
+    <dgm:txFillClrLst meth="repeat">
+      <a:schemeClr val="dk1"/>
+    </dgm:txFillClrLst>
+    <dgm:txEffectClrLst/>
+  </dgm:styleLbl>
+  <dgm:styleLbl name="fgAcc0">
+    <dgm:fillClrLst meth="repeat">
+      <a:schemeClr val="lt1">
+        <a:alpha val="90000"/>
+      </a:schemeClr>
+    </dgm:fillClrLst>
+    <dgm:linClrLst>
+      <a:schemeClr val="accent2"/>
+    </dgm:linClrLst>
+    <dgm:effectClrLst/>
+    <dgm:txLinClrLst/>
+    <dgm:txFillClrLst meth="repeat">
+      <a:schemeClr val="dk1"/>
+    </dgm:txFillClrLst>
+    <dgm:txEffectClrLst/>
+  </dgm:styleLbl>
+  <dgm:styleLbl name="fgAcc2">
+    <dgm:fillClrLst meth="repeat">
+      <a:schemeClr val="lt1">
+        <a:alpha val="90000"/>
+      </a:schemeClr>
+    </dgm:fillClrLst>
+    <dgm:linClrLst>
+      <a:schemeClr val="accent4"/>
+    </dgm:linClrLst>
+    <dgm:effectClrLst/>
+    <dgm:txLinClrLst/>
+    <dgm:txFillClrLst meth="repeat">
+      <a:schemeClr val="dk1"/>
+    </dgm:txFillClrLst>
+    <dgm:txEffectClrLst/>
+  </dgm:styleLbl>
+  <dgm:styleLbl name="fgAcc3">
+    <dgm:fillClrLst meth="repeat">
+      <a:schemeClr val="lt1">
+        <a:alpha val="90000"/>
+      </a:schemeClr>
+    </dgm:fillClrLst>
+    <dgm:linClrLst>
+      <a:schemeClr val="accent5"/>
+    </dgm:linClrLst>
+    <dgm:effectClrLst/>
+    <dgm:txLinClrLst/>
+    <dgm:txFillClrLst meth="repeat">
+      <a:schemeClr val="dk1"/>
+    </dgm:txFillClrLst>
+    <dgm:txEffectClrLst/>
+  </dgm:styleLbl>
+  <dgm:styleLbl name="fgAcc4">
+    <dgm:fillClrLst meth="repeat">
+      <a:schemeClr val="lt1">
+        <a:alpha val="90000"/>
+      </a:schemeClr>
+    </dgm:fillClrLst>
+    <dgm:linClrLst>
+      <a:schemeClr val="accent6"/>
+    </dgm:linClrLst>
+    <dgm:effectClrLst/>
+    <dgm:txLinClrLst/>
+    <dgm:txFillClrLst meth="repeat">
+      <a:schemeClr val="dk1"/>
+    </dgm:txFillClrLst>
+    <dgm:txEffectClrLst/>
+  </dgm:styleLbl>
+  <dgm:styleLbl name="bgShp">
+    <dgm:fillClrLst meth="repeat">
+      <a:schemeClr val="accent3">
+        <a:tint val="40000"/>
+      </a:schemeClr>
+    </dgm:fillClrLst>
+    <dgm:linClrLst meth="repeat">
+      <a:schemeClr val="dk1"/>
+    </dgm:linClrLst>
+    <dgm:effectClrLst/>
+    <dgm:txLinClrLst/>
+    <dgm:txFillClrLst meth="repeat">
+      <a:schemeClr val="dk1"/>
+    </dgm:txFillClrLst>
+    <dgm:txEffectClrLst/>
+  </dgm:styleLbl>
+  <dgm:styleLbl name="dkBgShp">
+    <dgm:fillClrLst meth="repeat">
+      <a:schemeClr val="accent3">
+        <a:shade val="90000"/>
+      </a:schemeClr>
+    </dgm:fillClrLst>
+    <dgm:linClrLst meth="repeat">
+      <a:schemeClr val="dk1"/>
+    </dgm:linClrLst>
+    <dgm:effectClrLst/>
+    <dgm:txLinClrLst/>
+    <dgm:txFillClrLst meth="repeat">
+      <a:schemeClr val="lt1"/>
+    </dgm:txFillClrLst>
+    <dgm:txEffectClrLst/>
+  </dgm:styleLbl>
+  <dgm:styleLbl name="trBgShp">
+    <dgm:fillClrLst meth="repeat">
+      <a:schemeClr val="accent2">
+        <a:tint val="50000"/>
+        <a:alpha val="40000"/>
+      </a:schemeClr>
+    </dgm:fillClrLst>
+    <dgm:linClrLst meth="repeat">
+      <a:schemeClr val="accent3"/>
+    </dgm:linClrLst>
+    <dgm:effectClrLst/>
+    <dgm:txLinClrLst/>
+    <dgm:txFillClrLst meth="repeat">
+      <a:schemeClr val="lt1"/>
+    </dgm:txFillClrLst>
+    <dgm:txEffectClrLst/>
+  </dgm:styleLbl>
+  <dgm:styleLbl name="fgShp">
+    <dgm:fillClrLst meth="repeat">
+      <a:schemeClr val="accent3">
+        <a:tint val="40000"/>
+      </a:schemeClr>
+    </dgm:fillClrLst>
+    <dgm:linClrLst meth="repeat">
+      <a:schemeClr val="lt1"/>
+    </dgm:linClrLst>
+    <dgm:effectClrLst/>
+    <dgm:txLinClrLst/>
+    <dgm:txFillClrLst meth="repeat">
+      <a:schemeClr val="dk1"/>
+    </dgm:txFillClrLst>
+    <dgm:txEffectClrLst/>
+  </dgm:styleLbl>
+  <dgm:styleLbl name="revTx">
+    <dgm:fillClrLst meth="repeat">
+      <a:schemeClr val="lt1">
+        <a:alpha val="0"/>
+      </a:schemeClr>
+    </dgm:fillClrLst>
+    <dgm:linClrLst meth="repeat">
+      <a:schemeClr val="dk1">
+        <a:alpha val="0"/>
+      </a:schemeClr>
+    </dgm:linClrLst>
+    <dgm:effectClrLst/>
+    <dgm:txLinClrLst/>
+    <dgm:txFillClrLst meth="repeat">
+      <a:schemeClr val="tx1"/>
+    </dgm:txFillClrLst>
+    <dgm:txEffectClrLst/>
+  </dgm:styleLbl>
+</dgm:colorsDef>
+</file>
+
+<file path=ppt/diagrams/colors3.xml><?xml version="1.0" encoding="utf-8"?>
 <dgm:colorsDef xmlns:dgm="http://schemas.openxmlformats.org/drawingml/2006/diagram" xmlns:a="http://schemas.openxmlformats.org/drawingml/2006/main" uniqueId="urn:microsoft.com/office/officeart/2005/8/colors/colorful3">
   <dgm:title val=""/>
   <dgm:desc val=""/>
@@ -2851,6 +3635,411 @@
     <dgm:cxn modelId="{2BB16588-75C9-4FF0-9E13-A3D9FD2FB02D}" type="presParOf" srcId="{ADF57A8B-AC32-4669-A40C-7A9667CDF41C}" destId="{35AF98EF-405B-4D5A-94EC-524EB3862D8C}" srcOrd="27" destOrd="0" presId="urn:microsoft.com/office/officeart/2005/8/layout/cycle6"/>
     <dgm:cxn modelId="{BCBCB046-2D80-4ABA-9DE1-00BF693A5A1B}" type="presParOf" srcId="{ADF57A8B-AC32-4669-A40C-7A9667CDF41C}" destId="{906A10F8-40C7-4999-8F52-80FA3ECECE2F}" srcOrd="28" destOrd="0" presId="urn:microsoft.com/office/officeart/2005/8/layout/cycle6"/>
     <dgm:cxn modelId="{7F3F7665-793D-4983-A261-8CD73D1AC3A5}" type="presParOf" srcId="{ADF57A8B-AC32-4669-A40C-7A9667CDF41C}" destId="{AD46351C-179F-4B9B-B812-1A33174A8D64}" srcOrd="29" destOrd="0" presId="urn:microsoft.com/office/officeart/2005/8/layout/cycle6"/>
+  </dgm:cxnLst>
+  <dgm:bg/>
+  <dgm:whole/>
+  <dgm:extLst>
+    <a:ext uri="http://schemas.microsoft.com/office/drawing/2008/diagram">
+      <dsp:dataModelExt xmlns:dsp="http://schemas.microsoft.com/office/drawing/2008/diagram" relId="rId6" minVer="http://schemas.openxmlformats.org/drawingml/2006/diagram"/>
+    </a:ext>
+  </dgm:extLst>
+</dgm:dataModel>
+</file>
+
+<file path=ppt/diagrams/data3.xml><?xml version="1.0" encoding="utf-8"?>
+<dgm:dataModel xmlns:dgm="http://schemas.openxmlformats.org/drawingml/2006/diagram" xmlns:a="http://schemas.openxmlformats.org/drawingml/2006/main">
+  <dgm:ptLst>
+    <dgm:pt modelId="{160EC623-761D-44FB-92D6-56C1E8D0E577}" type="doc">
+      <dgm:prSet loTypeId="urn:microsoft.com/office/officeart/2008/layout/VerticalCurvedList" loCatId="list" qsTypeId="urn:microsoft.com/office/officeart/2005/8/quickstyle/simple1" qsCatId="simple" csTypeId="urn:microsoft.com/office/officeart/2005/8/colors/colorful3" csCatId="colorful" phldr="1"/>
+      <dgm:spPr/>
+    </dgm:pt>
+    <dgm:pt modelId="{4726E4AC-8001-4EAC-B6E3-8C0C5580E75A}">
+      <dgm:prSet phldrT="[Text]"/>
+      <dgm:spPr/>
+      <dgm:t>
+        <a:bodyPr/>
+        <a:lstStyle/>
+        <a:p>
+          <a:r>
+            <a:rPr lang="en-US" dirty="0"/>
+            <a:t>Scalability</a:t>
+          </a:r>
+        </a:p>
+      </dgm:t>
+    </dgm:pt>
+    <dgm:pt modelId="{086FB8CC-FB70-4AEC-BD2D-F072D9E2B67B}" type="parTrans" cxnId="{3D0C897B-6756-4C7E-ABB1-DC90DA34C0F2}">
+      <dgm:prSet/>
+      <dgm:spPr/>
+      <dgm:t>
+        <a:bodyPr/>
+        <a:lstStyle/>
+        <a:p>
+          <a:endParaRPr lang="en-US"/>
+        </a:p>
+      </dgm:t>
+    </dgm:pt>
+    <dgm:pt modelId="{045FAAC9-7172-4B62-8E48-E0D18AD197A4}" type="sibTrans" cxnId="{3D0C897B-6756-4C7E-ABB1-DC90DA34C0F2}">
+      <dgm:prSet/>
+      <dgm:spPr/>
+      <dgm:t>
+        <a:bodyPr/>
+        <a:lstStyle/>
+        <a:p>
+          <a:endParaRPr lang="en-US"/>
+        </a:p>
+      </dgm:t>
+    </dgm:pt>
+    <dgm:pt modelId="{1A00CC91-E4A3-4308-B367-ED8854EAB96D}">
+      <dgm:prSet phldrT="[Text]"/>
+      <dgm:spPr/>
+      <dgm:t>
+        <a:bodyPr/>
+        <a:lstStyle/>
+        <a:p>
+          <a:r>
+            <a:rPr lang="en-US" dirty="0"/>
+            <a:t>Performance</a:t>
+          </a:r>
+        </a:p>
+      </dgm:t>
+    </dgm:pt>
+    <dgm:pt modelId="{59F0103B-A021-40DF-99B4-F489D4FC857D}" type="parTrans" cxnId="{481E78D7-7440-4B8E-BCBB-B54AC2157791}">
+      <dgm:prSet/>
+      <dgm:spPr/>
+      <dgm:t>
+        <a:bodyPr/>
+        <a:lstStyle/>
+        <a:p>
+          <a:endParaRPr lang="en-US"/>
+        </a:p>
+      </dgm:t>
+    </dgm:pt>
+    <dgm:pt modelId="{BE55F2F1-5327-456B-B809-797FD36A9701}" type="sibTrans" cxnId="{481E78D7-7440-4B8E-BCBB-B54AC2157791}">
+      <dgm:prSet/>
+      <dgm:spPr/>
+      <dgm:t>
+        <a:bodyPr/>
+        <a:lstStyle/>
+        <a:p>
+          <a:endParaRPr lang="en-US"/>
+        </a:p>
+      </dgm:t>
+    </dgm:pt>
+    <dgm:pt modelId="{584A0CA3-7B88-4B97-9D98-29BC2169F273}">
+      <dgm:prSet phldrT="[Text]"/>
+      <dgm:spPr/>
+      <dgm:t>
+        <a:bodyPr/>
+        <a:lstStyle/>
+        <a:p>
+          <a:r>
+            <a:rPr lang="en-US" dirty="0"/>
+            <a:t>Privacy</a:t>
+          </a:r>
+        </a:p>
+      </dgm:t>
+    </dgm:pt>
+    <dgm:pt modelId="{20BA52D3-47F3-495E-A70B-A22FFFB1BC70}" type="parTrans" cxnId="{4D4A6D3D-292E-420A-98B0-329DBEDCA644}">
+      <dgm:prSet/>
+      <dgm:spPr/>
+      <dgm:t>
+        <a:bodyPr/>
+        <a:lstStyle/>
+        <a:p>
+          <a:endParaRPr lang="en-US"/>
+        </a:p>
+      </dgm:t>
+    </dgm:pt>
+    <dgm:pt modelId="{E6A8D226-8666-4F00-B17B-C43A86D6E5EF}" type="sibTrans" cxnId="{4D4A6D3D-292E-420A-98B0-329DBEDCA644}">
+      <dgm:prSet/>
+      <dgm:spPr/>
+      <dgm:t>
+        <a:bodyPr/>
+        <a:lstStyle/>
+        <a:p>
+          <a:endParaRPr lang="en-US"/>
+        </a:p>
+      </dgm:t>
+    </dgm:pt>
+    <dgm:pt modelId="{494853F7-88E9-4871-8D71-5966693F5181}">
+      <dgm:prSet phldrT="[Text]"/>
+      <dgm:spPr/>
+      <dgm:t>
+        <a:bodyPr/>
+        <a:lstStyle/>
+        <a:p>
+          <a:r>
+            <a:rPr lang="en-US" dirty="0"/>
+            <a:t>Environment</a:t>
+          </a:r>
+        </a:p>
+      </dgm:t>
+    </dgm:pt>
+    <dgm:pt modelId="{F3B35F8C-AA76-40B6-A1FE-1739A02B09D9}" type="parTrans" cxnId="{5FEEEB8C-A7B1-4322-8318-A4B036FBFB79}">
+      <dgm:prSet/>
+      <dgm:spPr/>
+      <dgm:t>
+        <a:bodyPr/>
+        <a:lstStyle/>
+        <a:p>
+          <a:endParaRPr lang="en-US"/>
+        </a:p>
+      </dgm:t>
+    </dgm:pt>
+    <dgm:pt modelId="{7413BB1E-45EA-48E1-9EF3-8F87D0BF9E6F}" type="sibTrans" cxnId="{5FEEEB8C-A7B1-4322-8318-A4B036FBFB79}">
+      <dgm:prSet/>
+      <dgm:spPr/>
+      <dgm:t>
+        <a:bodyPr/>
+        <a:lstStyle/>
+        <a:p>
+          <a:endParaRPr lang="en-US"/>
+        </a:p>
+      </dgm:t>
+    </dgm:pt>
+    <dgm:pt modelId="{7852E779-80A2-4DAB-9D4E-825DB8C661C6}">
+      <dgm:prSet phldrT="[Text]"/>
+      <dgm:spPr/>
+      <dgm:t>
+        <a:bodyPr/>
+        <a:lstStyle/>
+        <a:p>
+          <a:r>
+            <a:rPr lang="en-US" dirty="0"/>
+            <a:t>Regulation</a:t>
+          </a:r>
+        </a:p>
+      </dgm:t>
+    </dgm:pt>
+    <dgm:pt modelId="{F00D89B3-DE3A-41AF-8002-AF3CD25A58E7}" type="parTrans" cxnId="{6347B2E2-D6A1-41D8-8808-0AA8A2D4EC15}">
+      <dgm:prSet/>
+      <dgm:spPr/>
+      <dgm:t>
+        <a:bodyPr/>
+        <a:lstStyle/>
+        <a:p>
+          <a:endParaRPr lang="en-US"/>
+        </a:p>
+      </dgm:t>
+    </dgm:pt>
+    <dgm:pt modelId="{243D80BC-9B98-46C3-9AC9-9108E75AA4B0}" type="sibTrans" cxnId="{6347B2E2-D6A1-41D8-8808-0AA8A2D4EC15}">
+      <dgm:prSet/>
+      <dgm:spPr/>
+      <dgm:t>
+        <a:bodyPr/>
+        <a:lstStyle/>
+        <a:p>
+          <a:endParaRPr lang="en-US"/>
+        </a:p>
+      </dgm:t>
+    </dgm:pt>
+    <dgm:pt modelId="{C7DBE820-1787-4F09-954F-C951906F2884}">
+      <dgm:prSet phldrT="[Text]"/>
+      <dgm:spPr/>
+      <dgm:t>
+        <a:bodyPr/>
+        <a:lstStyle/>
+        <a:p>
+          <a:r>
+            <a:rPr lang="en-US"/>
+            <a:t>Complexity</a:t>
+          </a:r>
+          <a:endParaRPr lang="en-US" dirty="0"/>
+        </a:p>
+      </dgm:t>
+    </dgm:pt>
+    <dgm:pt modelId="{91EC1268-23B0-4795-9042-D27F93E5D564}" type="parTrans" cxnId="{B79790F2-C8DB-4B5E-8602-983F495329BD}">
+      <dgm:prSet/>
+      <dgm:spPr/>
+      <dgm:t>
+        <a:bodyPr/>
+        <a:lstStyle/>
+        <a:p>
+          <a:endParaRPr lang="en-US"/>
+        </a:p>
+      </dgm:t>
+    </dgm:pt>
+    <dgm:pt modelId="{35BE49EB-B8C7-4F53-8D29-799E14259942}" type="sibTrans" cxnId="{B79790F2-C8DB-4B5E-8602-983F495329BD}">
+      <dgm:prSet/>
+      <dgm:spPr/>
+      <dgm:t>
+        <a:bodyPr/>
+        <a:lstStyle/>
+        <a:p>
+          <a:endParaRPr lang="en-US"/>
+        </a:p>
+      </dgm:t>
+    </dgm:pt>
+    <dgm:pt modelId="{AF844E9F-96AD-48D7-BDE8-44293AFEDDA2}" type="pres">
+      <dgm:prSet presAssocID="{160EC623-761D-44FB-92D6-56C1E8D0E577}" presName="Name0" presStyleCnt="0">
+        <dgm:presLayoutVars>
+          <dgm:chMax val="7"/>
+          <dgm:chPref val="7"/>
+          <dgm:dir/>
+        </dgm:presLayoutVars>
+      </dgm:prSet>
+      <dgm:spPr/>
+    </dgm:pt>
+    <dgm:pt modelId="{A311D34F-F271-4E61-8487-347CE300DA77}" type="pres">
+      <dgm:prSet presAssocID="{160EC623-761D-44FB-92D6-56C1E8D0E577}" presName="Name1" presStyleCnt="0"/>
+      <dgm:spPr/>
+    </dgm:pt>
+    <dgm:pt modelId="{EA6FD94E-DFBA-4E4E-B90C-BEE2A07EEEDF}" type="pres">
+      <dgm:prSet presAssocID="{160EC623-761D-44FB-92D6-56C1E8D0E577}" presName="cycle" presStyleCnt="0"/>
+      <dgm:spPr/>
+    </dgm:pt>
+    <dgm:pt modelId="{8D87B8F9-7CBF-4834-A8A4-99DD0152702C}" type="pres">
+      <dgm:prSet presAssocID="{160EC623-761D-44FB-92D6-56C1E8D0E577}" presName="srcNode" presStyleLbl="node1" presStyleIdx="0" presStyleCnt="6"/>
+      <dgm:spPr/>
+    </dgm:pt>
+    <dgm:pt modelId="{D3E8A17B-8A8F-4D19-9892-F232902D9403}" type="pres">
+      <dgm:prSet presAssocID="{160EC623-761D-44FB-92D6-56C1E8D0E577}" presName="conn" presStyleLbl="parChTrans1D2" presStyleIdx="0" presStyleCnt="1"/>
+      <dgm:spPr/>
+    </dgm:pt>
+    <dgm:pt modelId="{11527C88-84C8-4DA1-B1B2-D2E77BF13876}" type="pres">
+      <dgm:prSet presAssocID="{160EC623-761D-44FB-92D6-56C1E8D0E577}" presName="extraNode" presStyleLbl="node1" presStyleIdx="0" presStyleCnt="6"/>
+      <dgm:spPr/>
+    </dgm:pt>
+    <dgm:pt modelId="{994F1B54-C372-46AC-845E-66472DE84EDA}" type="pres">
+      <dgm:prSet presAssocID="{160EC623-761D-44FB-92D6-56C1E8D0E577}" presName="dstNode" presStyleLbl="node1" presStyleIdx="0" presStyleCnt="6"/>
+      <dgm:spPr/>
+    </dgm:pt>
+    <dgm:pt modelId="{12F789F2-EF16-4D42-9472-BE75DB6DBE0F}" type="pres">
+      <dgm:prSet presAssocID="{4726E4AC-8001-4EAC-B6E3-8C0C5580E75A}" presName="text_1" presStyleLbl="node1" presStyleIdx="0" presStyleCnt="6">
+        <dgm:presLayoutVars>
+          <dgm:bulletEnabled val="1"/>
+        </dgm:presLayoutVars>
+      </dgm:prSet>
+      <dgm:spPr/>
+    </dgm:pt>
+    <dgm:pt modelId="{70A3F432-E510-418B-AFC2-57C2D504BEC8}" type="pres">
+      <dgm:prSet presAssocID="{4726E4AC-8001-4EAC-B6E3-8C0C5580E75A}" presName="accent_1" presStyleCnt="0"/>
+      <dgm:spPr/>
+    </dgm:pt>
+    <dgm:pt modelId="{1E618B42-B9CE-4C13-A204-7DB67458401F}" type="pres">
+      <dgm:prSet presAssocID="{4726E4AC-8001-4EAC-B6E3-8C0C5580E75A}" presName="accentRepeatNode" presStyleLbl="solidFgAcc1" presStyleIdx="0" presStyleCnt="6"/>
+      <dgm:spPr/>
+    </dgm:pt>
+    <dgm:pt modelId="{F7851FF3-F741-46CC-8915-D03F4E722B83}" type="pres">
+      <dgm:prSet presAssocID="{1A00CC91-E4A3-4308-B367-ED8854EAB96D}" presName="text_2" presStyleLbl="node1" presStyleIdx="1" presStyleCnt="6">
+        <dgm:presLayoutVars>
+          <dgm:bulletEnabled val="1"/>
+        </dgm:presLayoutVars>
+      </dgm:prSet>
+      <dgm:spPr/>
+    </dgm:pt>
+    <dgm:pt modelId="{F150B81A-CF17-49C2-8253-EDA5C18FB1D6}" type="pres">
+      <dgm:prSet presAssocID="{1A00CC91-E4A3-4308-B367-ED8854EAB96D}" presName="accent_2" presStyleCnt="0"/>
+      <dgm:spPr/>
+    </dgm:pt>
+    <dgm:pt modelId="{06BD056B-8BA8-4CB3-909B-931914330EEA}" type="pres">
+      <dgm:prSet presAssocID="{1A00CC91-E4A3-4308-B367-ED8854EAB96D}" presName="accentRepeatNode" presStyleLbl="solidFgAcc1" presStyleIdx="1" presStyleCnt="6"/>
+      <dgm:spPr/>
+    </dgm:pt>
+    <dgm:pt modelId="{74A751DC-BC02-4A45-9BF6-1844F33360DC}" type="pres">
+      <dgm:prSet presAssocID="{584A0CA3-7B88-4B97-9D98-29BC2169F273}" presName="text_3" presStyleLbl="node1" presStyleIdx="2" presStyleCnt="6">
+        <dgm:presLayoutVars>
+          <dgm:bulletEnabled val="1"/>
+        </dgm:presLayoutVars>
+      </dgm:prSet>
+      <dgm:spPr/>
+    </dgm:pt>
+    <dgm:pt modelId="{05730C5D-00A2-410A-A192-423726E47F9C}" type="pres">
+      <dgm:prSet presAssocID="{584A0CA3-7B88-4B97-9D98-29BC2169F273}" presName="accent_3" presStyleCnt="0"/>
+      <dgm:spPr/>
+    </dgm:pt>
+    <dgm:pt modelId="{B794C75F-BD2F-44DD-9152-CF1BB0497621}" type="pres">
+      <dgm:prSet presAssocID="{584A0CA3-7B88-4B97-9D98-29BC2169F273}" presName="accentRepeatNode" presStyleLbl="solidFgAcc1" presStyleIdx="2" presStyleCnt="6"/>
+      <dgm:spPr/>
+    </dgm:pt>
+    <dgm:pt modelId="{97068A30-0292-4662-97BB-3075F45C444A}" type="pres">
+      <dgm:prSet presAssocID="{494853F7-88E9-4871-8D71-5966693F5181}" presName="text_4" presStyleLbl="node1" presStyleIdx="3" presStyleCnt="6">
+        <dgm:presLayoutVars>
+          <dgm:bulletEnabled val="1"/>
+        </dgm:presLayoutVars>
+      </dgm:prSet>
+      <dgm:spPr/>
+    </dgm:pt>
+    <dgm:pt modelId="{9AEC20E1-E4E3-4D65-92AA-654AD0AF753A}" type="pres">
+      <dgm:prSet presAssocID="{494853F7-88E9-4871-8D71-5966693F5181}" presName="accent_4" presStyleCnt="0"/>
+      <dgm:spPr/>
+    </dgm:pt>
+    <dgm:pt modelId="{42D94A87-E717-4DE3-80DD-C230204F9E82}" type="pres">
+      <dgm:prSet presAssocID="{494853F7-88E9-4871-8D71-5966693F5181}" presName="accentRepeatNode" presStyleLbl="solidFgAcc1" presStyleIdx="3" presStyleCnt="6"/>
+      <dgm:spPr/>
+    </dgm:pt>
+    <dgm:pt modelId="{ED1289C3-0E11-41E8-AD51-F1C5FF3D83FA}" type="pres">
+      <dgm:prSet presAssocID="{7852E779-80A2-4DAB-9D4E-825DB8C661C6}" presName="text_5" presStyleLbl="node1" presStyleIdx="4" presStyleCnt="6">
+        <dgm:presLayoutVars>
+          <dgm:bulletEnabled val="1"/>
+        </dgm:presLayoutVars>
+      </dgm:prSet>
+      <dgm:spPr/>
+    </dgm:pt>
+    <dgm:pt modelId="{2C3B0C43-EF91-4271-ABF8-82BFD8AF6F64}" type="pres">
+      <dgm:prSet presAssocID="{7852E779-80A2-4DAB-9D4E-825DB8C661C6}" presName="accent_5" presStyleCnt="0"/>
+      <dgm:spPr/>
+    </dgm:pt>
+    <dgm:pt modelId="{E890A278-E2EE-4C21-84A9-E9E63EBC2CC1}" type="pres">
+      <dgm:prSet presAssocID="{7852E779-80A2-4DAB-9D4E-825DB8C661C6}" presName="accentRepeatNode" presStyleLbl="solidFgAcc1" presStyleIdx="4" presStyleCnt="6"/>
+      <dgm:spPr/>
+    </dgm:pt>
+    <dgm:pt modelId="{D4138CFF-B993-49FB-BCAB-7D427DFF06BD}" type="pres">
+      <dgm:prSet presAssocID="{C7DBE820-1787-4F09-954F-C951906F2884}" presName="text_6" presStyleLbl="node1" presStyleIdx="5" presStyleCnt="6">
+        <dgm:presLayoutVars>
+          <dgm:bulletEnabled val="1"/>
+        </dgm:presLayoutVars>
+      </dgm:prSet>
+      <dgm:spPr/>
+    </dgm:pt>
+    <dgm:pt modelId="{A1C58F02-7DFA-4494-97F2-D1CECF78A31A}" type="pres">
+      <dgm:prSet presAssocID="{C7DBE820-1787-4F09-954F-C951906F2884}" presName="accent_6" presStyleCnt="0"/>
+      <dgm:spPr/>
+    </dgm:pt>
+    <dgm:pt modelId="{03F19F9D-0A05-4473-BFFB-5EFBEB7A9355}" type="pres">
+      <dgm:prSet presAssocID="{C7DBE820-1787-4F09-954F-C951906F2884}" presName="accentRepeatNode" presStyleLbl="solidFgAcc1" presStyleIdx="5" presStyleCnt="6"/>
+      <dgm:spPr/>
+    </dgm:pt>
+  </dgm:ptLst>
+  <dgm:cxnLst>
+    <dgm:cxn modelId="{DE4E6B02-22B3-49F1-988A-E9725593759E}" type="presOf" srcId="{7852E779-80A2-4DAB-9D4E-825DB8C661C6}" destId="{ED1289C3-0E11-41E8-AD51-F1C5FF3D83FA}" srcOrd="0" destOrd="0" presId="urn:microsoft.com/office/officeart/2008/layout/VerticalCurvedList"/>
+    <dgm:cxn modelId="{4D4A6D3D-292E-420A-98B0-329DBEDCA644}" srcId="{160EC623-761D-44FB-92D6-56C1E8D0E577}" destId="{584A0CA3-7B88-4B97-9D98-29BC2169F273}" srcOrd="2" destOrd="0" parTransId="{20BA52D3-47F3-495E-A70B-A22FFFB1BC70}" sibTransId="{E6A8D226-8666-4F00-B17B-C43A86D6E5EF}"/>
+    <dgm:cxn modelId="{3D0C897B-6756-4C7E-ABB1-DC90DA34C0F2}" srcId="{160EC623-761D-44FB-92D6-56C1E8D0E577}" destId="{4726E4AC-8001-4EAC-B6E3-8C0C5580E75A}" srcOrd="0" destOrd="0" parTransId="{086FB8CC-FB70-4AEC-BD2D-F072D9E2B67B}" sibTransId="{045FAAC9-7172-4B62-8E48-E0D18AD197A4}"/>
+    <dgm:cxn modelId="{5FEEEB8C-A7B1-4322-8318-A4B036FBFB79}" srcId="{160EC623-761D-44FB-92D6-56C1E8D0E577}" destId="{494853F7-88E9-4871-8D71-5966693F5181}" srcOrd="3" destOrd="0" parTransId="{F3B35F8C-AA76-40B6-A1FE-1739A02B09D9}" sibTransId="{7413BB1E-45EA-48E1-9EF3-8F87D0BF9E6F}"/>
+    <dgm:cxn modelId="{65B94699-9D64-4017-BFB0-93F5AC67734C}" type="presOf" srcId="{4726E4AC-8001-4EAC-B6E3-8C0C5580E75A}" destId="{12F789F2-EF16-4D42-9472-BE75DB6DBE0F}" srcOrd="0" destOrd="0" presId="urn:microsoft.com/office/officeart/2008/layout/VerticalCurvedList"/>
+    <dgm:cxn modelId="{16DACEB4-A38E-4E0C-8EA0-BF49F9AA89C6}" type="presOf" srcId="{160EC623-761D-44FB-92D6-56C1E8D0E577}" destId="{AF844E9F-96AD-48D7-BDE8-44293AFEDDA2}" srcOrd="0" destOrd="0" presId="urn:microsoft.com/office/officeart/2008/layout/VerticalCurvedList"/>
+    <dgm:cxn modelId="{D030BABB-C934-4AD3-922D-3760D315EF1B}" type="presOf" srcId="{584A0CA3-7B88-4B97-9D98-29BC2169F273}" destId="{74A751DC-BC02-4A45-9BF6-1844F33360DC}" srcOrd="0" destOrd="0" presId="urn:microsoft.com/office/officeart/2008/layout/VerticalCurvedList"/>
+    <dgm:cxn modelId="{14E17BC4-0328-49AD-ACB1-6AB23FF1C57F}" type="presOf" srcId="{1A00CC91-E4A3-4308-B367-ED8854EAB96D}" destId="{F7851FF3-F741-46CC-8915-D03F4E722B83}" srcOrd="0" destOrd="0" presId="urn:microsoft.com/office/officeart/2008/layout/VerticalCurvedList"/>
+    <dgm:cxn modelId="{E250D5D2-FCA0-4023-AB9A-8F357FECC721}" type="presOf" srcId="{045FAAC9-7172-4B62-8E48-E0D18AD197A4}" destId="{D3E8A17B-8A8F-4D19-9892-F232902D9403}" srcOrd="0" destOrd="0" presId="urn:microsoft.com/office/officeart/2008/layout/VerticalCurvedList"/>
+    <dgm:cxn modelId="{481E78D7-7440-4B8E-BCBB-B54AC2157791}" srcId="{160EC623-761D-44FB-92D6-56C1E8D0E577}" destId="{1A00CC91-E4A3-4308-B367-ED8854EAB96D}" srcOrd="1" destOrd="0" parTransId="{59F0103B-A021-40DF-99B4-F489D4FC857D}" sibTransId="{BE55F2F1-5327-456B-B809-797FD36A9701}"/>
+    <dgm:cxn modelId="{6347B2E2-D6A1-41D8-8808-0AA8A2D4EC15}" srcId="{160EC623-761D-44FB-92D6-56C1E8D0E577}" destId="{7852E779-80A2-4DAB-9D4E-825DB8C661C6}" srcOrd="4" destOrd="0" parTransId="{F00D89B3-DE3A-41AF-8002-AF3CD25A58E7}" sibTransId="{243D80BC-9B98-46C3-9AC9-9108E75AA4B0}"/>
+    <dgm:cxn modelId="{C8D584E7-B0B6-4EE0-ABAD-9A704B0FAB53}" type="presOf" srcId="{494853F7-88E9-4871-8D71-5966693F5181}" destId="{97068A30-0292-4662-97BB-3075F45C444A}" srcOrd="0" destOrd="0" presId="urn:microsoft.com/office/officeart/2008/layout/VerticalCurvedList"/>
+    <dgm:cxn modelId="{B79790F2-C8DB-4B5E-8602-983F495329BD}" srcId="{160EC623-761D-44FB-92D6-56C1E8D0E577}" destId="{C7DBE820-1787-4F09-954F-C951906F2884}" srcOrd="5" destOrd="0" parTransId="{91EC1268-23B0-4795-9042-D27F93E5D564}" sibTransId="{35BE49EB-B8C7-4F53-8D29-799E14259942}"/>
+    <dgm:cxn modelId="{5B33FDFB-8F89-42C6-A5D7-BDECA7E9869C}" type="presOf" srcId="{C7DBE820-1787-4F09-954F-C951906F2884}" destId="{D4138CFF-B993-49FB-BCAB-7D427DFF06BD}" srcOrd="0" destOrd="0" presId="urn:microsoft.com/office/officeart/2008/layout/VerticalCurvedList"/>
+    <dgm:cxn modelId="{2CBA2147-756E-43F3-B721-1BD54E6CD59C}" type="presParOf" srcId="{AF844E9F-96AD-48D7-BDE8-44293AFEDDA2}" destId="{A311D34F-F271-4E61-8487-347CE300DA77}" srcOrd="0" destOrd="0" presId="urn:microsoft.com/office/officeart/2008/layout/VerticalCurvedList"/>
+    <dgm:cxn modelId="{614A3BC3-7622-4244-B2FA-67F4BC14FB0B}" type="presParOf" srcId="{A311D34F-F271-4E61-8487-347CE300DA77}" destId="{EA6FD94E-DFBA-4E4E-B90C-BEE2A07EEEDF}" srcOrd="0" destOrd="0" presId="urn:microsoft.com/office/officeart/2008/layout/VerticalCurvedList"/>
+    <dgm:cxn modelId="{8477B340-A24C-4CC8-AF8A-55E418715702}" type="presParOf" srcId="{EA6FD94E-DFBA-4E4E-B90C-BEE2A07EEEDF}" destId="{8D87B8F9-7CBF-4834-A8A4-99DD0152702C}" srcOrd="0" destOrd="0" presId="urn:microsoft.com/office/officeart/2008/layout/VerticalCurvedList"/>
+    <dgm:cxn modelId="{0061F1F3-671D-4920-A916-A7CE2FFF665D}" type="presParOf" srcId="{EA6FD94E-DFBA-4E4E-B90C-BEE2A07EEEDF}" destId="{D3E8A17B-8A8F-4D19-9892-F232902D9403}" srcOrd="1" destOrd="0" presId="urn:microsoft.com/office/officeart/2008/layout/VerticalCurvedList"/>
+    <dgm:cxn modelId="{8B017647-1028-4017-AC49-2FD3E6464BEA}" type="presParOf" srcId="{EA6FD94E-DFBA-4E4E-B90C-BEE2A07EEEDF}" destId="{11527C88-84C8-4DA1-B1B2-D2E77BF13876}" srcOrd="2" destOrd="0" presId="urn:microsoft.com/office/officeart/2008/layout/VerticalCurvedList"/>
+    <dgm:cxn modelId="{34BBCF35-373B-4FC4-AEBC-15B8E4B6593F}" type="presParOf" srcId="{EA6FD94E-DFBA-4E4E-B90C-BEE2A07EEEDF}" destId="{994F1B54-C372-46AC-845E-66472DE84EDA}" srcOrd="3" destOrd="0" presId="urn:microsoft.com/office/officeart/2008/layout/VerticalCurvedList"/>
+    <dgm:cxn modelId="{F865BCE8-6B13-4D42-8297-4C61B2080D86}" type="presParOf" srcId="{A311D34F-F271-4E61-8487-347CE300DA77}" destId="{12F789F2-EF16-4D42-9472-BE75DB6DBE0F}" srcOrd="1" destOrd="0" presId="urn:microsoft.com/office/officeart/2008/layout/VerticalCurvedList"/>
+    <dgm:cxn modelId="{D40E5209-D92A-4208-80A7-420D34353440}" type="presParOf" srcId="{A311D34F-F271-4E61-8487-347CE300DA77}" destId="{70A3F432-E510-418B-AFC2-57C2D504BEC8}" srcOrd="2" destOrd="0" presId="urn:microsoft.com/office/officeart/2008/layout/VerticalCurvedList"/>
+    <dgm:cxn modelId="{E3D81979-7B60-4C7F-9DB6-E6BF5BD2B0AD}" type="presParOf" srcId="{70A3F432-E510-418B-AFC2-57C2D504BEC8}" destId="{1E618B42-B9CE-4C13-A204-7DB67458401F}" srcOrd="0" destOrd="0" presId="urn:microsoft.com/office/officeart/2008/layout/VerticalCurvedList"/>
+    <dgm:cxn modelId="{7F27C3EA-BAC9-4FE7-867F-F4B884BFE19D}" type="presParOf" srcId="{A311D34F-F271-4E61-8487-347CE300DA77}" destId="{F7851FF3-F741-46CC-8915-D03F4E722B83}" srcOrd="3" destOrd="0" presId="urn:microsoft.com/office/officeart/2008/layout/VerticalCurvedList"/>
+    <dgm:cxn modelId="{529855C3-7F1B-4DD1-9060-CE32BBD46308}" type="presParOf" srcId="{A311D34F-F271-4E61-8487-347CE300DA77}" destId="{F150B81A-CF17-49C2-8253-EDA5C18FB1D6}" srcOrd="4" destOrd="0" presId="urn:microsoft.com/office/officeart/2008/layout/VerticalCurvedList"/>
+    <dgm:cxn modelId="{8EF794AF-8ABA-4CAA-A605-4DEB809A44B8}" type="presParOf" srcId="{F150B81A-CF17-49C2-8253-EDA5C18FB1D6}" destId="{06BD056B-8BA8-4CB3-909B-931914330EEA}" srcOrd="0" destOrd="0" presId="urn:microsoft.com/office/officeart/2008/layout/VerticalCurvedList"/>
+    <dgm:cxn modelId="{9DD543D9-2CEE-4424-8D11-23878CA33A40}" type="presParOf" srcId="{A311D34F-F271-4E61-8487-347CE300DA77}" destId="{74A751DC-BC02-4A45-9BF6-1844F33360DC}" srcOrd="5" destOrd="0" presId="urn:microsoft.com/office/officeart/2008/layout/VerticalCurvedList"/>
+    <dgm:cxn modelId="{086E44E8-599F-437C-B0B4-D471D45CF01F}" type="presParOf" srcId="{A311D34F-F271-4E61-8487-347CE300DA77}" destId="{05730C5D-00A2-410A-A192-423726E47F9C}" srcOrd="6" destOrd="0" presId="urn:microsoft.com/office/officeart/2008/layout/VerticalCurvedList"/>
+    <dgm:cxn modelId="{AA0457DF-8EDD-483F-B5CC-86A36BC12D1E}" type="presParOf" srcId="{05730C5D-00A2-410A-A192-423726E47F9C}" destId="{B794C75F-BD2F-44DD-9152-CF1BB0497621}" srcOrd="0" destOrd="0" presId="urn:microsoft.com/office/officeart/2008/layout/VerticalCurvedList"/>
+    <dgm:cxn modelId="{2CF0E18B-9383-42BC-8631-4C01B9FA5F1A}" type="presParOf" srcId="{A311D34F-F271-4E61-8487-347CE300DA77}" destId="{97068A30-0292-4662-97BB-3075F45C444A}" srcOrd="7" destOrd="0" presId="urn:microsoft.com/office/officeart/2008/layout/VerticalCurvedList"/>
+    <dgm:cxn modelId="{D0D5A70C-CA4F-42E4-AD20-D089D6086500}" type="presParOf" srcId="{A311D34F-F271-4E61-8487-347CE300DA77}" destId="{9AEC20E1-E4E3-4D65-92AA-654AD0AF753A}" srcOrd="8" destOrd="0" presId="urn:microsoft.com/office/officeart/2008/layout/VerticalCurvedList"/>
+    <dgm:cxn modelId="{8650E8DF-EF77-418D-8DEC-7248AB018660}" type="presParOf" srcId="{9AEC20E1-E4E3-4D65-92AA-654AD0AF753A}" destId="{42D94A87-E717-4DE3-80DD-C230204F9E82}" srcOrd="0" destOrd="0" presId="urn:microsoft.com/office/officeart/2008/layout/VerticalCurvedList"/>
+    <dgm:cxn modelId="{117C0A9C-0938-4CB8-8937-1549A1A9CEBD}" type="presParOf" srcId="{A311D34F-F271-4E61-8487-347CE300DA77}" destId="{ED1289C3-0E11-41E8-AD51-F1C5FF3D83FA}" srcOrd="9" destOrd="0" presId="urn:microsoft.com/office/officeart/2008/layout/VerticalCurvedList"/>
+    <dgm:cxn modelId="{160CB1FF-CEF0-47E0-A6A2-BEA647C889DF}" type="presParOf" srcId="{A311D34F-F271-4E61-8487-347CE300DA77}" destId="{2C3B0C43-EF91-4271-ABF8-82BFD8AF6F64}" srcOrd="10" destOrd="0" presId="urn:microsoft.com/office/officeart/2008/layout/VerticalCurvedList"/>
+    <dgm:cxn modelId="{5C4C0853-5295-441C-A228-BE977D69B699}" type="presParOf" srcId="{2C3B0C43-EF91-4271-ABF8-82BFD8AF6F64}" destId="{E890A278-E2EE-4C21-84A9-E9E63EBC2CC1}" srcOrd="0" destOrd="0" presId="urn:microsoft.com/office/officeart/2008/layout/VerticalCurvedList"/>
+    <dgm:cxn modelId="{F353DC68-FC1B-41DB-9E76-46D65DBE3F30}" type="presParOf" srcId="{A311D34F-F271-4E61-8487-347CE300DA77}" destId="{D4138CFF-B993-49FB-BCAB-7D427DFF06BD}" srcOrd="11" destOrd="0" presId="urn:microsoft.com/office/officeart/2008/layout/VerticalCurvedList"/>
+    <dgm:cxn modelId="{53335E99-4305-467D-B256-1AE03D7F5F17}" type="presParOf" srcId="{A311D34F-F271-4E61-8487-347CE300DA77}" destId="{A1C58F02-7DFA-4494-97F2-D1CECF78A31A}" srcOrd="12" destOrd="0" presId="urn:microsoft.com/office/officeart/2008/layout/VerticalCurvedList"/>
+    <dgm:cxn modelId="{FAE27A78-F61F-4C66-874B-EEBD081D868D}" type="presParOf" srcId="{A1C58F02-7DFA-4494-97F2-D1CECF78A31A}" destId="{03F19F9D-0A05-4473-BFFB-5EFBEB7A9355}" srcOrd="0" destOrd="0" presId="urn:microsoft.com/office/officeart/2008/layout/VerticalCurvedList"/>
   </dgm:cxnLst>
   <dgm:bg/>
   <dgm:whole/>
@@ -4648,6 +5837,807 @@
 </dsp:drawing>
 </file>
 
+<file path=ppt/diagrams/drawing3.xml><?xml version="1.0" encoding="utf-8"?>
+<dsp:drawing xmlns:dgm="http://schemas.openxmlformats.org/drawingml/2006/diagram" xmlns:dsp="http://schemas.microsoft.com/office/drawing/2008/diagram" xmlns:a="http://schemas.openxmlformats.org/drawingml/2006/main">
+  <dsp:spTree>
+    <dsp:nvGrpSpPr>
+      <dsp:cNvPr id="0" name=""/>
+      <dsp:cNvGrpSpPr/>
+    </dsp:nvGrpSpPr>
+    <dsp:grpSpPr/>
+    <dsp:sp modelId="{D3E8A17B-8A8F-4D19-9892-F232902D9403}">
+      <dsp:nvSpPr>
+        <dsp:cNvPr id="0" name=""/>
+        <dsp:cNvSpPr/>
+      </dsp:nvSpPr>
+      <dsp:spPr>
+        <a:xfrm>
+          <a:off x="-3850276" y="-591291"/>
+          <a:ext cx="4588927" cy="4588927"/>
+        </a:xfrm>
+        <a:prstGeom prst="blockArc">
+          <a:avLst>
+            <a:gd name="adj1" fmla="val 18900000"/>
+            <a:gd name="adj2" fmla="val 2700000"/>
+            <a:gd name="adj3" fmla="val 471"/>
+          </a:avLst>
+        </a:prstGeom>
+        <a:noFill/>
+        <a:ln w="25400" cap="flat" cmpd="sng" algn="ctr">
+          <a:solidFill>
+            <a:schemeClr val="accent4">
+              <a:hueOff val="0"/>
+              <a:satOff val="0"/>
+              <a:lumOff val="0"/>
+              <a:alphaOff val="0"/>
+            </a:schemeClr>
+          </a:solidFill>
+          <a:prstDash val="solid"/>
+        </a:ln>
+        <a:effectLst/>
+      </dsp:spPr>
+      <dsp:style>
+        <a:lnRef idx="2">
+          <a:scrgbClr r="0" g="0" b="0"/>
+        </a:lnRef>
+        <a:fillRef idx="0">
+          <a:scrgbClr r="0" g="0" b="0"/>
+        </a:fillRef>
+        <a:effectRef idx="0">
+          <a:scrgbClr r="0" g="0" b="0"/>
+        </a:effectRef>
+        <a:fontRef idx="minor"/>
+      </dsp:style>
+    </dsp:sp>
+    <dsp:sp modelId="{12F789F2-EF16-4D42-9472-BE75DB6DBE0F}">
+      <dsp:nvSpPr>
+        <dsp:cNvPr id="0" name=""/>
+        <dsp:cNvSpPr/>
+      </dsp:nvSpPr>
+      <dsp:spPr>
+        <a:xfrm>
+          <a:off x="276418" y="179378"/>
+          <a:ext cx="5170061" cy="358620"/>
+        </a:xfrm>
+        <a:prstGeom prst="rect">
+          <a:avLst/>
+        </a:prstGeom>
+        <a:solidFill>
+          <a:schemeClr val="accent3">
+            <a:hueOff val="0"/>
+            <a:satOff val="0"/>
+            <a:lumOff val="0"/>
+            <a:alphaOff val="0"/>
+          </a:schemeClr>
+        </a:solidFill>
+        <a:ln w="25400" cap="flat" cmpd="sng" algn="ctr">
+          <a:solidFill>
+            <a:schemeClr val="lt1">
+              <a:hueOff val="0"/>
+              <a:satOff val="0"/>
+              <a:lumOff val="0"/>
+              <a:alphaOff val="0"/>
+            </a:schemeClr>
+          </a:solidFill>
+          <a:prstDash val="solid"/>
+        </a:ln>
+        <a:effectLst/>
+      </dsp:spPr>
+      <dsp:style>
+        <a:lnRef idx="2">
+          <a:scrgbClr r="0" g="0" b="0"/>
+        </a:lnRef>
+        <a:fillRef idx="1">
+          <a:scrgbClr r="0" g="0" b="0"/>
+        </a:fillRef>
+        <a:effectRef idx="0">
+          <a:scrgbClr r="0" g="0" b="0"/>
+        </a:effectRef>
+        <a:fontRef idx="minor">
+          <a:schemeClr val="lt1"/>
+        </a:fontRef>
+      </dsp:style>
+      <dsp:txBody>
+        <a:bodyPr spcFirstLastPara="0" vert="horz" wrap="square" lIns="284655" tIns="45720" rIns="45720" bIns="45720" numCol="1" spcCol="1270" anchor="ctr" anchorCtr="0">
+          <a:noAutofit/>
+        </a:bodyPr>
+        <a:lstStyle/>
+        <a:p>
+          <a:pPr marL="0" lvl="0" indent="0" algn="l" defTabSz="800100">
+            <a:lnSpc>
+              <a:spcPct val="90000"/>
+            </a:lnSpc>
+            <a:spcBef>
+              <a:spcPct val="0"/>
+            </a:spcBef>
+            <a:spcAft>
+              <a:spcPct val="35000"/>
+            </a:spcAft>
+            <a:buNone/>
+          </a:pPr>
+          <a:r>
+            <a:rPr lang="en-US" sz="1800" kern="1200" dirty="0"/>
+            <a:t>Scalability</a:t>
+          </a:r>
+        </a:p>
+      </dsp:txBody>
+      <dsp:txXfrm>
+        <a:off x="276418" y="179378"/>
+        <a:ext cx="5170061" cy="358620"/>
+      </dsp:txXfrm>
+    </dsp:sp>
+    <dsp:sp modelId="{1E618B42-B9CE-4C13-A204-7DB67458401F}">
+      <dsp:nvSpPr>
+        <dsp:cNvPr id="0" name=""/>
+        <dsp:cNvSpPr/>
+      </dsp:nvSpPr>
+      <dsp:spPr>
+        <a:xfrm>
+          <a:off x="52281" y="134550"/>
+          <a:ext cx="448275" cy="448275"/>
+        </a:xfrm>
+        <a:prstGeom prst="ellipse">
+          <a:avLst/>
+        </a:prstGeom>
+        <a:solidFill>
+          <a:schemeClr val="lt1">
+            <a:hueOff val="0"/>
+            <a:satOff val="0"/>
+            <a:lumOff val="0"/>
+            <a:alphaOff val="0"/>
+          </a:schemeClr>
+        </a:solidFill>
+        <a:ln w="25400" cap="flat" cmpd="sng" algn="ctr">
+          <a:solidFill>
+            <a:schemeClr val="accent3">
+              <a:hueOff val="0"/>
+              <a:satOff val="0"/>
+              <a:lumOff val="0"/>
+              <a:alphaOff val="0"/>
+            </a:schemeClr>
+          </a:solidFill>
+          <a:prstDash val="solid"/>
+        </a:ln>
+        <a:effectLst/>
+      </dsp:spPr>
+      <dsp:style>
+        <a:lnRef idx="2">
+          <a:scrgbClr r="0" g="0" b="0"/>
+        </a:lnRef>
+        <a:fillRef idx="1">
+          <a:scrgbClr r="0" g="0" b="0"/>
+        </a:fillRef>
+        <a:effectRef idx="0">
+          <a:scrgbClr r="0" g="0" b="0"/>
+        </a:effectRef>
+        <a:fontRef idx="minor"/>
+      </dsp:style>
+    </dsp:sp>
+    <dsp:sp modelId="{F7851FF3-F741-46CC-8915-D03F4E722B83}">
+      <dsp:nvSpPr>
+        <dsp:cNvPr id="0" name=""/>
+        <dsp:cNvSpPr/>
+      </dsp:nvSpPr>
+      <dsp:spPr>
+        <a:xfrm>
+          <a:off x="571408" y="717240"/>
+          <a:ext cx="4875072" cy="358620"/>
+        </a:xfrm>
+        <a:prstGeom prst="rect">
+          <a:avLst/>
+        </a:prstGeom>
+        <a:solidFill>
+          <a:schemeClr val="accent3">
+            <a:hueOff val="2250053"/>
+            <a:satOff val="-3376"/>
+            <a:lumOff val="-549"/>
+            <a:alphaOff val="0"/>
+          </a:schemeClr>
+        </a:solidFill>
+        <a:ln w="25400" cap="flat" cmpd="sng" algn="ctr">
+          <a:solidFill>
+            <a:schemeClr val="lt1">
+              <a:hueOff val="0"/>
+              <a:satOff val="0"/>
+              <a:lumOff val="0"/>
+              <a:alphaOff val="0"/>
+            </a:schemeClr>
+          </a:solidFill>
+          <a:prstDash val="solid"/>
+        </a:ln>
+        <a:effectLst/>
+      </dsp:spPr>
+      <dsp:style>
+        <a:lnRef idx="2">
+          <a:scrgbClr r="0" g="0" b="0"/>
+        </a:lnRef>
+        <a:fillRef idx="1">
+          <a:scrgbClr r="0" g="0" b="0"/>
+        </a:fillRef>
+        <a:effectRef idx="0">
+          <a:scrgbClr r="0" g="0" b="0"/>
+        </a:effectRef>
+        <a:fontRef idx="minor">
+          <a:schemeClr val="lt1"/>
+        </a:fontRef>
+      </dsp:style>
+      <dsp:txBody>
+        <a:bodyPr spcFirstLastPara="0" vert="horz" wrap="square" lIns="284655" tIns="45720" rIns="45720" bIns="45720" numCol="1" spcCol="1270" anchor="ctr" anchorCtr="0">
+          <a:noAutofit/>
+        </a:bodyPr>
+        <a:lstStyle/>
+        <a:p>
+          <a:pPr marL="0" lvl="0" indent="0" algn="l" defTabSz="800100">
+            <a:lnSpc>
+              <a:spcPct val="90000"/>
+            </a:lnSpc>
+            <a:spcBef>
+              <a:spcPct val="0"/>
+            </a:spcBef>
+            <a:spcAft>
+              <a:spcPct val="35000"/>
+            </a:spcAft>
+            <a:buNone/>
+          </a:pPr>
+          <a:r>
+            <a:rPr lang="en-US" sz="1800" kern="1200" dirty="0"/>
+            <a:t>Performance</a:t>
+          </a:r>
+        </a:p>
+      </dsp:txBody>
+      <dsp:txXfrm>
+        <a:off x="571408" y="717240"/>
+        <a:ext cx="4875072" cy="358620"/>
+      </dsp:txXfrm>
+    </dsp:sp>
+    <dsp:sp modelId="{06BD056B-8BA8-4CB3-909B-931914330EEA}">
+      <dsp:nvSpPr>
+        <dsp:cNvPr id="0" name=""/>
+        <dsp:cNvSpPr/>
+      </dsp:nvSpPr>
+      <dsp:spPr>
+        <a:xfrm>
+          <a:off x="347270" y="672412"/>
+          <a:ext cx="448275" cy="448275"/>
+        </a:xfrm>
+        <a:prstGeom prst="ellipse">
+          <a:avLst/>
+        </a:prstGeom>
+        <a:solidFill>
+          <a:schemeClr val="lt1">
+            <a:hueOff val="0"/>
+            <a:satOff val="0"/>
+            <a:lumOff val="0"/>
+            <a:alphaOff val="0"/>
+          </a:schemeClr>
+        </a:solidFill>
+        <a:ln w="25400" cap="flat" cmpd="sng" algn="ctr">
+          <a:solidFill>
+            <a:schemeClr val="accent3">
+              <a:hueOff val="2250053"/>
+              <a:satOff val="-3376"/>
+              <a:lumOff val="-549"/>
+              <a:alphaOff val="0"/>
+            </a:schemeClr>
+          </a:solidFill>
+          <a:prstDash val="solid"/>
+        </a:ln>
+        <a:effectLst/>
+      </dsp:spPr>
+      <dsp:style>
+        <a:lnRef idx="2">
+          <a:scrgbClr r="0" g="0" b="0"/>
+        </a:lnRef>
+        <a:fillRef idx="1">
+          <a:scrgbClr r="0" g="0" b="0"/>
+        </a:fillRef>
+        <a:effectRef idx="0">
+          <a:scrgbClr r="0" g="0" b="0"/>
+        </a:effectRef>
+        <a:fontRef idx="minor"/>
+      </dsp:style>
+    </dsp:sp>
+    <dsp:sp modelId="{74A751DC-BC02-4A45-9BF6-1844F33360DC}">
+      <dsp:nvSpPr>
+        <dsp:cNvPr id="0" name=""/>
+        <dsp:cNvSpPr/>
+      </dsp:nvSpPr>
+      <dsp:spPr>
+        <a:xfrm>
+          <a:off x="706299" y="1255101"/>
+          <a:ext cx="4740180" cy="358620"/>
+        </a:xfrm>
+        <a:prstGeom prst="rect">
+          <a:avLst/>
+        </a:prstGeom>
+        <a:solidFill>
+          <a:schemeClr val="accent3">
+            <a:hueOff val="4500106"/>
+            <a:satOff val="-6752"/>
+            <a:lumOff val="-1098"/>
+            <a:alphaOff val="0"/>
+          </a:schemeClr>
+        </a:solidFill>
+        <a:ln w="25400" cap="flat" cmpd="sng" algn="ctr">
+          <a:solidFill>
+            <a:schemeClr val="lt1">
+              <a:hueOff val="0"/>
+              <a:satOff val="0"/>
+              <a:lumOff val="0"/>
+              <a:alphaOff val="0"/>
+            </a:schemeClr>
+          </a:solidFill>
+          <a:prstDash val="solid"/>
+        </a:ln>
+        <a:effectLst/>
+      </dsp:spPr>
+      <dsp:style>
+        <a:lnRef idx="2">
+          <a:scrgbClr r="0" g="0" b="0"/>
+        </a:lnRef>
+        <a:fillRef idx="1">
+          <a:scrgbClr r="0" g="0" b="0"/>
+        </a:fillRef>
+        <a:effectRef idx="0">
+          <a:scrgbClr r="0" g="0" b="0"/>
+        </a:effectRef>
+        <a:fontRef idx="minor">
+          <a:schemeClr val="lt1"/>
+        </a:fontRef>
+      </dsp:style>
+      <dsp:txBody>
+        <a:bodyPr spcFirstLastPara="0" vert="horz" wrap="square" lIns="284655" tIns="45720" rIns="45720" bIns="45720" numCol="1" spcCol="1270" anchor="ctr" anchorCtr="0">
+          <a:noAutofit/>
+        </a:bodyPr>
+        <a:lstStyle/>
+        <a:p>
+          <a:pPr marL="0" lvl="0" indent="0" algn="l" defTabSz="800100">
+            <a:lnSpc>
+              <a:spcPct val="90000"/>
+            </a:lnSpc>
+            <a:spcBef>
+              <a:spcPct val="0"/>
+            </a:spcBef>
+            <a:spcAft>
+              <a:spcPct val="35000"/>
+            </a:spcAft>
+            <a:buNone/>
+          </a:pPr>
+          <a:r>
+            <a:rPr lang="en-US" sz="1800" kern="1200" dirty="0"/>
+            <a:t>Privacy</a:t>
+          </a:r>
+        </a:p>
+      </dsp:txBody>
+      <dsp:txXfrm>
+        <a:off x="706299" y="1255101"/>
+        <a:ext cx="4740180" cy="358620"/>
+      </dsp:txXfrm>
+    </dsp:sp>
+    <dsp:sp modelId="{B794C75F-BD2F-44DD-9152-CF1BB0497621}">
+      <dsp:nvSpPr>
+        <dsp:cNvPr id="0" name=""/>
+        <dsp:cNvSpPr/>
+      </dsp:nvSpPr>
+      <dsp:spPr>
+        <a:xfrm>
+          <a:off x="482161" y="1210274"/>
+          <a:ext cx="448275" cy="448275"/>
+        </a:xfrm>
+        <a:prstGeom prst="ellipse">
+          <a:avLst/>
+        </a:prstGeom>
+        <a:solidFill>
+          <a:schemeClr val="lt1">
+            <a:hueOff val="0"/>
+            <a:satOff val="0"/>
+            <a:lumOff val="0"/>
+            <a:alphaOff val="0"/>
+          </a:schemeClr>
+        </a:solidFill>
+        <a:ln w="25400" cap="flat" cmpd="sng" algn="ctr">
+          <a:solidFill>
+            <a:schemeClr val="accent3">
+              <a:hueOff val="4500106"/>
+              <a:satOff val="-6752"/>
+              <a:lumOff val="-1098"/>
+              <a:alphaOff val="0"/>
+            </a:schemeClr>
+          </a:solidFill>
+          <a:prstDash val="solid"/>
+        </a:ln>
+        <a:effectLst/>
+      </dsp:spPr>
+      <dsp:style>
+        <a:lnRef idx="2">
+          <a:scrgbClr r="0" g="0" b="0"/>
+        </a:lnRef>
+        <a:fillRef idx="1">
+          <a:scrgbClr r="0" g="0" b="0"/>
+        </a:fillRef>
+        <a:effectRef idx="0">
+          <a:scrgbClr r="0" g="0" b="0"/>
+        </a:effectRef>
+        <a:fontRef idx="minor"/>
+      </dsp:style>
+    </dsp:sp>
+    <dsp:sp modelId="{97068A30-0292-4662-97BB-3075F45C444A}">
+      <dsp:nvSpPr>
+        <dsp:cNvPr id="0" name=""/>
+        <dsp:cNvSpPr/>
+      </dsp:nvSpPr>
+      <dsp:spPr>
+        <a:xfrm>
+          <a:off x="706299" y="1792623"/>
+          <a:ext cx="4740180" cy="358620"/>
+        </a:xfrm>
+        <a:prstGeom prst="rect">
+          <a:avLst/>
+        </a:prstGeom>
+        <a:solidFill>
+          <a:schemeClr val="accent3">
+            <a:hueOff val="6750158"/>
+            <a:satOff val="-10128"/>
+            <a:lumOff val="-1647"/>
+            <a:alphaOff val="0"/>
+          </a:schemeClr>
+        </a:solidFill>
+        <a:ln w="25400" cap="flat" cmpd="sng" algn="ctr">
+          <a:solidFill>
+            <a:schemeClr val="lt1">
+              <a:hueOff val="0"/>
+              <a:satOff val="0"/>
+              <a:lumOff val="0"/>
+              <a:alphaOff val="0"/>
+            </a:schemeClr>
+          </a:solidFill>
+          <a:prstDash val="solid"/>
+        </a:ln>
+        <a:effectLst/>
+      </dsp:spPr>
+      <dsp:style>
+        <a:lnRef idx="2">
+          <a:scrgbClr r="0" g="0" b="0"/>
+        </a:lnRef>
+        <a:fillRef idx="1">
+          <a:scrgbClr r="0" g="0" b="0"/>
+        </a:fillRef>
+        <a:effectRef idx="0">
+          <a:scrgbClr r="0" g="0" b="0"/>
+        </a:effectRef>
+        <a:fontRef idx="minor">
+          <a:schemeClr val="lt1"/>
+        </a:fontRef>
+      </dsp:style>
+      <dsp:txBody>
+        <a:bodyPr spcFirstLastPara="0" vert="horz" wrap="square" lIns="284655" tIns="45720" rIns="45720" bIns="45720" numCol="1" spcCol="1270" anchor="ctr" anchorCtr="0">
+          <a:noAutofit/>
+        </a:bodyPr>
+        <a:lstStyle/>
+        <a:p>
+          <a:pPr marL="0" lvl="0" indent="0" algn="l" defTabSz="800100">
+            <a:lnSpc>
+              <a:spcPct val="90000"/>
+            </a:lnSpc>
+            <a:spcBef>
+              <a:spcPct val="0"/>
+            </a:spcBef>
+            <a:spcAft>
+              <a:spcPct val="35000"/>
+            </a:spcAft>
+            <a:buNone/>
+          </a:pPr>
+          <a:r>
+            <a:rPr lang="en-US" sz="1800" kern="1200" dirty="0"/>
+            <a:t>Environment</a:t>
+          </a:r>
+        </a:p>
+      </dsp:txBody>
+      <dsp:txXfrm>
+        <a:off x="706299" y="1792623"/>
+        <a:ext cx="4740180" cy="358620"/>
+      </dsp:txXfrm>
+    </dsp:sp>
+    <dsp:sp modelId="{42D94A87-E717-4DE3-80DD-C230204F9E82}">
+      <dsp:nvSpPr>
+        <dsp:cNvPr id="0" name=""/>
+        <dsp:cNvSpPr/>
+      </dsp:nvSpPr>
+      <dsp:spPr>
+        <a:xfrm>
+          <a:off x="482161" y="1747795"/>
+          <a:ext cx="448275" cy="448275"/>
+        </a:xfrm>
+        <a:prstGeom prst="ellipse">
+          <a:avLst/>
+        </a:prstGeom>
+        <a:solidFill>
+          <a:schemeClr val="lt1">
+            <a:hueOff val="0"/>
+            <a:satOff val="0"/>
+            <a:lumOff val="0"/>
+            <a:alphaOff val="0"/>
+          </a:schemeClr>
+        </a:solidFill>
+        <a:ln w="25400" cap="flat" cmpd="sng" algn="ctr">
+          <a:solidFill>
+            <a:schemeClr val="accent3">
+              <a:hueOff val="6750158"/>
+              <a:satOff val="-10128"/>
+              <a:lumOff val="-1647"/>
+              <a:alphaOff val="0"/>
+            </a:schemeClr>
+          </a:solidFill>
+          <a:prstDash val="solid"/>
+        </a:ln>
+        <a:effectLst/>
+      </dsp:spPr>
+      <dsp:style>
+        <a:lnRef idx="2">
+          <a:scrgbClr r="0" g="0" b="0"/>
+        </a:lnRef>
+        <a:fillRef idx="1">
+          <a:scrgbClr r="0" g="0" b="0"/>
+        </a:fillRef>
+        <a:effectRef idx="0">
+          <a:scrgbClr r="0" g="0" b="0"/>
+        </a:effectRef>
+        <a:fontRef idx="minor"/>
+      </dsp:style>
+    </dsp:sp>
+    <dsp:sp modelId="{ED1289C3-0E11-41E8-AD51-F1C5FF3D83FA}">
+      <dsp:nvSpPr>
+        <dsp:cNvPr id="0" name=""/>
+        <dsp:cNvSpPr/>
+      </dsp:nvSpPr>
+      <dsp:spPr>
+        <a:xfrm>
+          <a:off x="571408" y="2330484"/>
+          <a:ext cx="4875072" cy="358620"/>
+        </a:xfrm>
+        <a:prstGeom prst="rect">
+          <a:avLst/>
+        </a:prstGeom>
+        <a:solidFill>
+          <a:schemeClr val="accent3">
+            <a:hueOff val="9000211"/>
+            <a:satOff val="-13504"/>
+            <a:lumOff val="-2196"/>
+            <a:alphaOff val="0"/>
+          </a:schemeClr>
+        </a:solidFill>
+        <a:ln w="25400" cap="flat" cmpd="sng" algn="ctr">
+          <a:solidFill>
+            <a:schemeClr val="lt1">
+              <a:hueOff val="0"/>
+              <a:satOff val="0"/>
+              <a:lumOff val="0"/>
+              <a:alphaOff val="0"/>
+            </a:schemeClr>
+          </a:solidFill>
+          <a:prstDash val="solid"/>
+        </a:ln>
+        <a:effectLst/>
+      </dsp:spPr>
+      <dsp:style>
+        <a:lnRef idx="2">
+          <a:scrgbClr r="0" g="0" b="0"/>
+        </a:lnRef>
+        <a:fillRef idx="1">
+          <a:scrgbClr r="0" g="0" b="0"/>
+        </a:fillRef>
+        <a:effectRef idx="0">
+          <a:scrgbClr r="0" g="0" b="0"/>
+        </a:effectRef>
+        <a:fontRef idx="minor">
+          <a:schemeClr val="lt1"/>
+        </a:fontRef>
+      </dsp:style>
+      <dsp:txBody>
+        <a:bodyPr spcFirstLastPara="0" vert="horz" wrap="square" lIns="284655" tIns="45720" rIns="45720" bIns="45720" numCol="1" spcCol="1270" anchor="ctr" anchorCtr="0">
+          <a:noAutofit/>
+        </a:bodyPr>
+        <a:lstStyle/>
+        <a:p>
+          <a:pPr marL="0" lvl="0" indent="0" algn="l" defTabSz="800100">
+            <a:lnSpc>
+              <a:spcPct val="90000"/>
+            </a:lnSpc>
+            <a:spcBef>
+              <a:spcPct val="0"/>
+            </a:spcBef>
+            <a:spcAft>
+              <a:spcPct val="35000"/>
+            </a:spcAft>
+            <a:buNone/>
+          </a:pPr>
+          <a:r>
+            <a:rPr lang="en-US" sz="1800" kern="1200" dirty="0"/>
+            <a:t>Regulation</a:t>
+          </a:r>
+        </a:p>
+      </dsp:txBody>
+      <dsp:txXfrm>
+        <a:off x="571408" y="2330484"/>
+        <a:ext cx="4875072" cy="358620"/>
+      </dsp:txXfrm>
+    </dsp:sp>
+    <dsp:sp modelId="{E890A278-E2EE-4C21-84A9-E9E63EBC2CC1}">
+      <dsp:nvSpPr>
+        <dsp:cNvPr id="0" name=""/>
+        <dsp:cNvSpPr/>
+      </dsp:nvSpPr>
+      <dsp:spPr>
+        <a:xfrm>
+          <a:off x="347270" y="2285657"/>
+          <a:ext cx="448275" cy="448275"/>
+        </a:xfrm>
+        <a:prstGeom prst="ellipse">
+          <a:avLst/>
+        </a:prstGeom>
+        <a:solidFill>
+          <a:schemeClr val="lt1">
+            <a:hueOff val="0"/>
+            <a:satOff val="0"/>
+            <a:lumOff val="0"/>
+            <a:alphaOff val="0"/>
+          </a:schemeClr>
+        </a:solidFill>
+        <a:ln w="25400" cap="flat" cmpd="sng" algn="ctr">
+          <a:solidFill>
+            <a:schemeClr val="accent3">
+              <a:hueOff val="9000211"/>
+              <a:satOff val="-13504"/>
+              <a:lumOff val="-2196"/>
+              <a:alphaOff val="0"/>
+            </a:schemeClr>
+          </a:solidFill>
+          <a:prstDash val="solid"/>
+        </a:ln>
+        <a:effectLst/>
+      </dsp:spPr>
+      <dsp:style>
+        <a:lnRef idx="2">
+          <a:scrgbClr r="0" g="0" b="0"/>
+        </a:lnRef>
+        <a:fillRef idx="1">
+          <a:scrgbClr r="0" g="0" b="0"/>
+        </a:fillRef>
+        <a:effectRef idx="0">
+          <a:scrgbClr r="0" g="0" b="0"/>
+        </a:effectRef>
+        <a:fontRef idx="minor"/>
+      </dsp:style>
+    </dsp:sp>
+    <dsp:sp modelId="{D4138CFF-B993-49FB-BCAB-7D427DFF06BD}">
+      <dsp:nvSpPr>
+        <dsp:cNvPr id="0" name=""/>
+        <dsp:cNvSpPr/>
+      </dsp:nvSpPr>
+      <dsp:spPr>
+        <a:xfrm>
+          <a:off x="276418" y="2868346"/>
+          <a:ext cx="5170061" cy="358620"/>
+        </a:xfrm>
+        <a:prstGeom prst="rect">
+          <a:avLst/>
+        </a:prstGeom>
+        <a:solidFill>
+          <a:schemeClr val="accent3">
+            <a:hueOff val="11250264"/>
+            <a:satOff val="-16880"/>
+            <a:lumOff val="-2745"/>
+            <a:alphaOff val="0"/>
+          </a:schemeClr>
+        </a:solidFill>
+        <a:ln w="25400" cap="flat" cmpd="sng" algn="ctr">
+          <a:solidFill>
+            <a:schemeClr val="lt1">
+              <a:hueOff val="0"/>
+              <a:satOff val="0"/>
+              <a:lumOff val="0"/>
+              <a:alphaOff val="0"/>
+            </a:schemeClr>
+          </a:solidFill>
+          <a:prstDash val="solid"/>
+        </a:ln>
+        <a:effectLst/>
+      </dsp:spPr>
+      <dsp:style>
+        <a:lnRef idx="2">
+          <a:scrgbClr r="0" g="0" b="0"/>
+        </a:lnRef>
+        <a:fillRef idx="1">
+          <a:scrgbClr r="0" g="0" b="0"/>
+        </a:fillRef>
+        <a:effectRef idx="0">
+          <a:scrgbClr r="0" g="0" b="0"/>
+        </a:effectRef>
+        <a:fontRef idx="minor">
+          <a:schemeClr val="lt1"/>
+        </a:fontRef>
+      </dsp:style>
+      <dsp:txBody>
+        <a:bodyPr spcFirstLastPara="0" vert="horz" wrap="square" lIns="284655" tIns="45720" rIns="45720" bIns="45720" numCol="1" spcCol="1270" anchor="ctr" anchorCtr="0">
+          <a:noAutofit/>
+        </a:bodyPr>
+        <a:lstStyle/>
+        <a:p>
+          <a:pPr marL="0" lvl="0" indent="0" algn="l" defTabSz="800100">
+            <a:lnSpc>
+              <a:spcPct val="90000"/>
+            </a:lnSpc>
+            <a:spcBef>
+              <a:spcPct val="0"/>
+            </a:spcBef>
+            <a:spcAft>
+              <a:spcPct val="35000"/>
+            </a:spcAft>
+            <a:buNone/>
+          </a:pPr>
+          <a:r>
+            <a:rPr lang="en-US" sz="1800" kern="1200"/>
+            <a:t>Complexity</a:t>
+          </a:r>
+          <a:endParaRPr lang="en-US" sz="1800" kern="1200" dirty="0"/>
+        </a:p>
+      </dsp:txBody>
+      <dsp:txXfrm>
+        <a:off x="276418" y="2868346"/>
+        <a:ext cx="5170061" cy="358620"/>
+      </dsp:txXfrm>
+    </dsp:sp>
+    <dsp:sp modelId="{03F19F9D-0A05-4473-BFFB-5EFBEB7A9355}">
+      <dsp:nvSpPr>
+        <dsp:cNvPr id="0" name=""/>
+        <dsp:cNvSpPr/>
+      </dsp:nvSpPr>
+      <dsp:spPr>
+        <a:xfrm>
+          <a:off x="52281" y="2823519"/>
+          <a:ext cx="448275" cy="448275"/>
+        </a:xfrm>
+        <a:prstGeom prst="ellipse">
+          <a:avLst/>
+        </a:prstGeom>
+        <a:solidFill>
+          <a:schemeClr val="lt1">
+            <a:hueOff val="0"/>
+            <a:satOff val="0"/>
+            <a:lumOff val="0"/>
+            <a:alphaOff val="0"/>
+          </a:schemeClr>
+        </a:solidFill>
+        <a:ln w="25400" cap="flat" cmpd="sng" algn="ctr">
+          <a:solidFill>
+            <a:schemeClr val="accent3">
+              <a:hueOff val="11250264"/>
+              <a:satOff val="-16880"/>
+              <a:lumOff val="-2745"/>
+              <a:alphaOff val="0"/>
+            </a:schemeClr>
+          </a:solidFill>
+          <a:prstDash val="solid"/>
+        </a:ln>
+        <a:effectLst/>
+      </dsp:spPr>
+      <dsp:style>
+        <a:lnRef idx="2">
+          <a:scrgbClr r="0" g="0" b="0"/>
+        </a:lnRef>
+        <a:fillRef idx="1">
+          <a:scrgbClr r="0" g="0" b="0"/>
+        </a:fillRef>
+        <a:effectRef idx="0">
+          <a:scrgbClr r="0" g="0" b="0"/>
+        </a:effectRef>
+        <a:fontRef idx="minor"/>
+      </dsp:style>
+    </dsp:sp>
+  </dsp:spTree>
+</dsp:drawing>
+</file>
+
 <file path=ppt/diagrams/layout1.xml><?xml version="1.0" encoding="utf-8"?>
 <dgm:layoutDef xmlns:dgm="http://schemas.openxmlformats.org/drawingml/2006/diagram" xmlns:a="http://schemas.openxmlformats.org/drawingml/2006/main" uniqueId="urn:microsoft.com/office/officeart/2005/8/layout/hList1">
   <dgm:title val=""/>
@@ -5074,6 +7064,1284 @@
 </dgm:layoutDef>
 </file>
 
+<file path=ppt/diagrams/layout3.xml><?xml version="1.0" encoding="utf-8"?>
+<dgm:layoutDef xmlns:dgm="http://schemas.openxmlformats.org/drawingml/2006/diagram" xmlns:a="http://schemas.openxmlformats.org/drawingml/2006/main" uniqueId="urn:microsoft.com/office/officeart/2008/layout/VerticalCurvedList">
+  <dgm:title val=""/>
+  <dgm:desc val=""/>
+  <dgm:catLst>
+    <dgm:cat type="list" pri="20000"/>
+  </dgm:catLst>
+  <dgm:sampData>
+    <dgm:dataModel>
+      <dgm:ptLst>
+        <dgm:pt modelId="0" type="doc"/>
+        <dgm:pt modelId="1">
+          <dgm:prSet phldr="1"/>
+        </dgm:pt>
+        <dgm:pt modelId="2">
+          <dgm:prSet phldr="1"/>
+        </dgm:pt>
+        <dgm:pt modelId="3">
+          <dgm:prSet phldr="1"/>
+        </dgm:pt>
+      </dgm:ptLst>
+      <dgm:cxnLst>
+        <dgm:cxn modelId="4" srcId="0" destId="1" srcOrd="0" destOrd="0"/>
+        <dgm:cxn modelId="5" srcId="0" destId="2" srcOrd="1" destOrd="0"/>
+        <dgm:cxn modelId="6" srcId="0" destId="3" srcOrd="2" destOrd="0"/>
+      </dgm:cxnLst>
+      <dgm:bg/>
+      <dgm:whole/>
+    </dgm:dataModel>
+  </dgm:sampData>
+  <dgm:styleData>
+    <dgm:dataModel>
+      <dgm:ptLst>
+        <dgm:pt modelId="0" type="doc"/>
+        <dgm:pt modelId="1">
+          <dgm:prSet phldr="1"/>
+        </dgm:pt>
+        <dgm:pt modelId="2">
+          <dgm:prSet phldr="1"/>
+        </dgm:pt>
+      </dgm:ptLst>
+      <dgm:cxnLst>
+        <dgm:cxn modelId="3" srcId="0" destId="1" srcOrd="0" destOrd="0"/>
+        <dgm:cxn modelId="4" srcId="0" destId="2" srcOrd="1" destOrd="0"/>
+      </dgm:cxnLst>
+      <dgm:bg/>
+      <dgm:whole/>
+    </dgm:dataModel>
+  </dgm:styleData>
+  <dgm:clrData>
+    <dgm:dataModel>
+      <dgm:ptLst>
+        <dgm:pt modelId="0" type="doc"/>
+        <dgm:pt modelId="1">
+          <dgm:prSet phldr="1"/>
+        </dgm:pt>
+        <dgm:pt modelId="2">
+          <dgm:prSet phldr="1"/>
+        </dgm:pt>
+        <dgm:pt modelId="3">
+          <dgm:prSet phldr="1"/>
+        </dgm:pt>
+        <dgm:pt modelId="4">
+          <dgm:prSet phldr="1"/>
+        </dgm:pt>
+      </dgm:ptLst>
+      <dgm:cxnLst>
+        <dgm:cxn modelId="5" srcId="0" destId="1" srcOrd="0" destOrd="0"/>
+        <dgm:cxn modelId="6" srcId="0" destId="2" srcOrd="1" destOrd="0"/>
+        <dgm:cxn modelId="7" srcId="0" destId="3" srcOrd="2" destOrd="0"/>
+        <dgm:cxn modelId="8" srcId="0" destId="4" srcOrd="3" destOrd="0"/>
+      </dgm:cxnLst>
+      <dgm:bg/>
+      <dgm:whole/>
+    </dgm:dataModel>
+  </dgm:clrData>
+  <dgm:layoutNode name="Name0">
+    <dgm:varLst>
+      <dgm:chMax val="7"/>
+      <dgm:chPref val="7"/>
+      <dgm:dir/>
+    </dgm:varLst>
+    <dgm:alg type="composite"/>
+    <dgm:shape xmlns:r="http://schemas.openxmlformats.org/officeDocument/2006/relationships" r:blip="">
+      <dgm:adjLst/>
+    </dgm:shape>
+    <dgm:constrLst>
+      <dgm:constr type="w" for="ch" refType="h" refFor="ch" op="gte" fact="0.8"/>
+    </dgm:constrLst>
+    <dgm:layoutNode name="Name1">
+      <dgm:alg type="composite"/>
+      <dgm:shape xmlns:r="http://schemas.openxmlformats.org/officeDocument/2006/relationships" r:blip="">
+        <dgm:adjLst/>
+      </dgm:shape>
+      <dgm:choose name="Name2">
+        <dgm:if name="Name3" func="var" arg="dir" op="equ" val="norm">
+          <dgm:choose name="Name4">
+            <dgm:if name="Name5" axis="ch" ptType="node" func="cnt" op="equ" val="1">
+              <dgm:constrLst>
+                <dgm:constr type="h" for="ch" forName="cycle" refType="h"/>
+                <dgm:constr type="w" for="ch" forName="cycle" refType="h" refFor="ch" refForName="cycle" fact="0.26"/>
+                <dgm:constr type="l" for="ch" forName="cycle"/>
+                <dgm:constr type="ctrY" for="ch" forName="cycle" refType="h" fact="0.5"/>
+                <dgm:constr type="diam" for="ch" forName="cycle" refType="h" fact="1.344"/>
+                <dgm:constr type="h" for="ch" forName="accent_1" refType="h" fact="0.625"/>
+                <dgm:constr type="w" for="ch" forName="accent_1" refType="h" refFor="ch" refForName="accent_1" op="equ"/>
+                <dgm:constr type="ctrY" for="ch" forName="accent_1" refType="h" fact="0.5"/>
+                <dgm:constr type="ctrX" for="ch" forName="accent_1" refType="h" fact="0.2253"/>
+                <dgm:constr type="l" for="ch" forName="text_1" refType="ctrX" refFor="ch" refForName="accent_1"/>
+                <dgm:constr type="r" for="ch" forName="text_1" refType="w"/>
+                <dgm:constr type="w" for="ch" forName="text_1" refType="h" refFor="ch" refForName="text_1" op="gte"/>
+                <dgm:constr type="h" for="ch" forName="text_1" refType="h" refFor="ch" refForName="accent_1" fact="0.8"/>
+                <dgm:constr type="ctrY" for="ch" forName="text_1" refType="ctrY" refFor="ch" refForName="accent_1"/>
+                <dgm:constr type="lMarg" for="ch" forName="text_1" refType="w" refFor="ch" refForName="accent_1" fact="1.8"/>
+                <dgm:constr type="primFontSz" for="ch" ptType="node" op="equ" val="65"/>
+              </dgm:constrLst>
+            </dgm:if>
+            <dgm:if name="Name6" axis="ch" ptType="node" func="cnt" op="equ" val="2">
+              <dgm:constrLst>
+                <dgm:constr type="h" for="ch" forName="cycle" refType="h"/>
+                <dgm:constr type="w" for="ch" forName="cycle" refType="h" refFor="ch" refForName="cycle" fact="0.26"/>
+                <dgm:constr type="l" for="ch" forName="cycle"/>
+                <dgm:constr type="ctrY" for="ch" forName="cycle" refType="h" fact="0.5"/>
+                <dgm:constr type="diam" for="ch" forName="cycle" refType="h" fact="1.344"/>
+                <dgm:constr type="h" for="ch" forName="accent_1" refType="h" fact="0.3571"/>
+                <dgm:constr type="w" for="ch" forName="accent_1" refType="h" refFor="ch" refForName="accent_1" op="equ"/>
+                <dgm:constr type="ctrY" for="ch" forName="accent_1" refType="h" fact="0.2857"/>
+                <dgm:constr type="ctrX" for="ch" forName="accent_1" refType="h" fact="0.1891"/>
+                <dgm:constr type="l" for="ch" forName="text_1" refType="ctrX" refFor="ch" refForName="accent_1"/>
+                <dgm:constr type="r" for="ch" forName="text_1" refType="w"/>
+                <dgm:constr type="w" for="ch" forName="text_1" refType="h" refFor="ch" refForName="text_1" op="gte"/>
+                <dgm:constr type="h" for="ch" forName="text_1" refType="h" refFor="ch" refForName="accent_1" fact="0.8"/>
+                <dgm:constr type="ctrY" for="ch" forName="text_1" refType="ctrY" refFor="ch" refForName="accent_1"/>
+                <dgm:constr type="lMarg" for="ch" forName="text_1" refType="w" refFor="ch" refForName="accent_1" fact="1.8"/>
+                <dgm:constr type="h" for="ch" forName="accent_2" refType="h" fact="0.3571"/>
+                <dgm:constr type="w" for="ch" forName="accent_2" refType="h" refFor="ch" refForName="accent_2" op="equ"/>
+                <dgm:constr type="ctrY" for="ch" forName="accent_2" refType="h" fact="0.7143"/>
+                <dgm:constr type="ctrX" for="ch" forName="accent_2" refType="h" fact="0.1891"/>
+                <dgm:constr type="l" for="ch" forName="text_2" refType="ctrX" refFor="ch" refForName="accent_2"/>
+                <dgm:constr type="r" for="ch" forName="text_2" refType="w"/>
+                <dgm:constr type="w" for="ch" forName="text_2" refType="h" refFor="ch" refForName="text_2" op="gte"/>
+                <dgm:constr type="h" for="ch" forName="text_2" refType="h" refFor="ch" refForName="accent_2" fact="0.8"/>
+                <dgm:constr type="ctrY" for="ch" forName="text_2" refType="ctrY" refFor="ch" refForName="accent_2"/>
+                <dgm:constr type="lMarg" for="ch" forName="text_2" refType="w" refFor="ch" refForName="accent_2" fact="1.8"/>
+                <dgm:constr type="primFontSz" for="ch" ptType="node" op="equ" val="65"/>
+              </dgm:constrLst>
+            </dgm:if>
+            <dgm:if name="Name7" axis="ch" ptType="node" func="cnt" op="equ" val="3">
+              <dgm:constrLst>
+                <dgm:constr type="h" for="ch" forName="cycle" refType="h"/>
+                <dgm:constr type="w" for="ch" forName="cycle" refType="h" refFor="ch" refForName="cycle" fact="0.26"/>
+                <dgm:constr type="l" for="ch" forName="cycle"/>
+                <dgm:constr type="ctrY" for="ch" forName="cycle" refType="h" fact="0.5"/>
+                <dgm:constr type="diam" for="ch" forName="cycle" refType="h" fact="1.344"/>
+                <dgm:constr type="h" for="ch" forName="accent_1" refType="h" fact="0.25"/>
+                <dgm:constr type="w" for="ch" forName="accent_1" refType="h" refFor="ch" refForName="accent_1" op="equ"/>
+                <dgm:constr type="ctrY" for="ch" forName="accent_1" refType="h" fact="0.2"/>
+                <dgm:constr type="ctrX" for="ch" forName="accent_1" refType="h" fact="0.1526"/>
+                <dgm:constr type="l" for="ch" forName="text_1" refType="ctrX" refFor="ch" refForName="accent_1"/>
+                <dgm:constr type="r" for="ch" forName="text_1" refType="w"/>
+                <dgm:constr type="w" for="ch" forName="text_1" refType="h" refFor="ch" refForName="text_1" op="gte"/>
+                <dgm:constr type="h" for="ch" forName="text_1" refType="h" refFor="ch" refForName="accent_1" fact="0.8"/>
+                <dgm:constr type="ctrY" for="ch" forName="text_1" refType="ctrY" refFor="ch" refForName="accent_1"/>
+                <dgm:constr type="lMarg" for="ch" forName="text_1" refType="w" refFor="ch" refForName="accent_1" fact="1.8"/>
+                <dgm:constr type="h" for="ch" forName="accent_2" refType="h" fact="0.25"/>
+                <dgm:constr type="w" for="ch" forName="accent_2" refType="h" refFor="ch" refForName="accent_2" op="equ"/>
+                <dgm:constr type="ctrY" for="ch" forName="accent_2" refType="h" fact="0.5"/>
+                <dgm:constr type="ctrX" for="ch" forName="accent_2" refType="h" fact="0.2253"/>
+                <dgm:constr type="l" for="ch" forName="text_2" refType="ctrX" refFor="ch" refForName="accent_2"/>
+                <dgm:constr type="r" for="ch" forName="text_2" refType="w"/>
+                <dgm:constr type="w" for="ch" forName="text_2" refType="h" refFor="ch" refForName="text_2" op="gte"/>
+                <dgm:constr type="h" for="ch" forName="text_2" refType="h" refFor="ch" refForName="accent_2" fact="0.8"/>
+                <dgm:constr type="ctrY" for="ch" forName="text_2" refType="ctrY" refFor="ch" refForName="accent_2"/>
+                <dgm:constr type="lMarg" for="ch" forName="text_2" refType="w" refFor="ch" refForName="accent_2" fact="1.8"/>
+                <dgm:constr type="h" for="ch" forName="accent_3" refType="h" fact="0.25"/>
+                <dgm:constr type="w" for="ch" forName="accent_3" refType="h" refFor="ch" refForName="accent_3" op="equ"/>
+                <dgm:constr type="ctrY" for="ch" forName="accent_3" refType="h" fact="0.8"/>
+                <dgm:constr type="ctrX" for="ch" forName="accent_3" refType="h" fact="0.1526"/>
+                <dgm:constr type="l" for="ch" forName="text_3" refType="ctrX" refFor="ch" refForName="accent_3"/>
+                <dgm:constr type="r" for="ch" forName="text_3" refType="w"/>
+                <dgm:constr type="w" for="ch" forName="text_3" refType="h" refFor="ch" refForName="text_3" op="gte"/>
+                <dgm:constr type="h" for="ch" forName="text_3" refType="h" refFor="ch" refForName="accent_3" fact="0.8"/>
+                <dgm:constr type="ctrY" for="ch" forName="text_3" refType="ctrY" refFor="ch" refForName="accent_3"/>
+                <dgm:constr type="lMarg" for="ch" forName="text_3" refType="w" refFor="ch" refForName="accent_3" fact="1.8"/>
+                <dgm:constr type="primFontSz" for="ch" ptType="node" op="equ" val="65"/>
+              </dgm:constrLst>
+            </dgm:if>
+            <dgm:if name="Name8" axis="ch" ptType="node" func="cnt" op="equ" val="4">
+              <dgm:constrLst>
+                <dgm:constr type="h" for="ch" forName="cycle" refType="h"/>
+                <dgm:constr type="w" for="ch" forName="cycle" refType="h" refFor="ch" refForName="cycle" fact="0.26"/>
+                <dgm:constr type="l" for="ch" forName="cycle"/>
+                <dgm:constr type="ctrY" for="ch" forName="cycle" refType="h" fact="0.5"/>
+                <dgm:constr type="diam" for="ch" forName="cycle" refType="h" fact="1.344"/>
+                <dgm:constr type="h" for="ch" forName="accent_1" refType="h" fact="0.1923"/>
+                <dgm:constr type="w" for="ch" forName="accent_1" refType="h" refFor="ch" refForName="accent_1" op="equ"/>
+                <dgm:constr type="ctrY" for="ch" forName="accent_1" refType="h" fact="0.1538"/>
+                <dgm:constr type="ctrX" for="ch" forName="accent_1" refType="h" fact="0.1268"/>
+                <dgm:constr type="l" for="ch" forName="text_1" refType="ctrX" refFor="ch" refForName="accent_1"/>
+                <dgm:constr type="r" for="ch" forName="text_1" refType="w"/>
+                <dgm:constr type="w" for="ch" forName="text_1" refType="h" refFor="ch" refForName="text_1" op="gte"/>
+                <dgm:constr type="h" for="ch" forName="text_1" refType="h" refFor="ch" refForName="accent_1" fact="0.8"/>
+                <dgm:constr type="ctrY" for="ch" forName="text_1" refType="ctrY" refFor="ch" refForName="accent_1"/>
+                <dgm:constr type="lMarg" for="ch" forName="text_1" refType="w" refFor="ch" refForName="accent_1" fact="1.8"/>
+                <dgm:constr type="h" for="ch" forName="accent_2" refType="h" fact="0.1923"/>
+                <dgm:constr type="w" for="ch" forName="accent_2" refType="h" refFor="ch" refForName="accent_2" op="equ"/>
+                <dgm:constr type="ctrY" for="ch" forName="accent_2" refType="h" fact="0.3846"/>
+                <dgm:constr type="ctrX" for="ch" forName="accent_2" refType="h" fact="0.215"/>
+                <dgm:constr type="l" for="ch" forName="text_2" refType="ctrX" refFor="ch" refForName="accent_2"/>
+                <dgm:constr type="r" for="ch" forName="text_2" refType="w"/>
+                <dgm:constr type="w" for="ch" forName="text_2" refType="h" refFor="ch" refForName="text_2" op="gte"/>
+                <dgm:constr type="h" for="ch" forName="text_2" refType="h" refFor="ch" refForName="accent_2" fact="0.8"/>
+                <dgm:constr type="ctrY" for="ch" forName="text_2" refType="ctrY" refFor="ch" refForName="accent_2"/>
+                <dgm:constr type="lMarg" for="ch" forName="text_2" refType="w" refFor="ch" refForName="accent_2" fact="1.8"/>
+                <dgm:constr type="h" for="ch" forName="accent_3" refType="h" fact="0.1923"/>
+                <dgm:constr type="w" for="ch" forName="accent_3" refType="h" refFor="ch" refForName="accent_3" op="equ"/>
+                <dgm:constr type="ctrY" for="ch" forName="accent_3" refType="h" fact="0.6154"/>
+                <dgm:constr type="ctrX" for="ch" forName="accent_3" refType="h" fact="0.215"/>
+                <dgm:constr type="l" for="ch" forName="text_3" refType="ctrX" refFor="ch" refForName="accent_3"/>
+                <dgm:constr type="r" for="ch" forName="text_3" refType="w"/>
+                <dgm:constr type="w" for="ch" forName="text_3" refType="h" refFor="ch" refForName="text_3" op="gte"/>
+                <dgm:constr type="h" for="ch" forName="text_3" refType="h" refFor="ch" refForName="accent_3" fact="0.8"/>
+                <dgm:constr type="ctrY" for="ch" forName="text_3" refType="ctrY" refFor="ch" refForName="accent_3"/>
+                <dgm:constr type="lMarg" for="ch" forName="text_3" refType="w" refFor="ch" refForName="accent_3" fact="1.8"/>
+                <dgm:constr type="h" for="ch" forName="accent_4" refType="h" fact="0.1923"/>
+                <dgm:constr type="w" for="ch" forName="accent_4" refType="h" refFor="ch" refForName="accent_4" op="equ"/>
+                <dgm:constr type="ctrY" for="ch" forName="accent_4" refType="h" fact="0.8462"/>
+                <dgm:constr type="ctrX" for="ch" forName="accent_4" refType="h" fact="0.1268"/>
+                <dgm:constr type="l" for="ch" forName="text_4" refType="ctrX" refFor="ch" refForName="accent_4"/>
+                <dgm:constr type="r" for="ch" forName="text_4" refType="w"/>
+                <dgm:constr type="w" for="ch" forName="text_4" refType="h" refFor="ch" refForName="text_4" op="gte"/>
+                <dgm:constr type="h" for="ch" forName="text_4" refType="h" refFor="ch" refForName="accent_4" fact="0.8"/>
+                <dgm:constr type="ctrY" for="ch" forName="text_4" refType="ctrY" refFor="ch" refForName="accent_4"/>
+                <dgm:constr type="lMarg" for="ch" forName="text_4" refType="w" refFor="ch" refForName="accent_4" fact="1.8"/>
+                <dgm:constr type="primFontSz" for="ch" ptType="node" op="equ" val="65"/>
+              </dgm:constrLst>
+            </dgm:if>
+            <dgm:if name="Name9" axis="ch" ptType="node" func="cnt" op="equ" val="5">
+              <dgm:constrLst>
+                <dgm:constr type="h" for="ch" forName="cycle" refType="h"/>
+                <dgm:constr type="w" for="ch" forName="cycle" refType="h" refFor="ch" refForName="cycle" fact="0.26"/>
+                <dgm:constr type="l" for="ch" forName="cycle"/>
+                <dgm:constr type="ctrY" for="ch" forName="cycle" refType="h" fact="0.5"/>
+                <dgm:constr type="diam" for="ch" forName="cycle" refType="h" fact="1.344"/>
+                <dgm:constr type="h" for="ch" forName="accent_1" refType="h" fact="0.1563"/>
+                <dgm:constr type="w" for="ch" forName="accent_1" refType="h" refFor="ch" refForName="accent_1" op="equ"/>
+                <dgm:constr type="ctrY" for="ch" forName="accent_1" refType="h" fact="0.125"/>
+                <dgm:constr type="ctrX" for="ch" forName="accent_1" refType="h" fact="0.1082"/>
+                <dgm:constr type="l" for="ch" forName="text_1" refType="ctrX" refFor="ch" refForName="accent_1"/>
+                <dgm:constr type="r" for="ch" forName="text_1" refType="w"/>
+                <dgm:constr type="w" for="ch" forName="text_1" refType="h" refFor="ch" refForName="text_1" op="gte"/>
+                <dgm:constr type="h" for="ch" forName="text_1" refType="h" refFor="ch" refForName="accent_1" fact="0.8"/>
+                <dgm:constr type="ctrY" for="ch" forName="text_1" refType="ctrY" refFor="ch" refForName="accent_1"/>
+                <dgm:constr type="lMarg" for="ch" forName="text_1" refType="w" refFor="ch" refForName="accent_1" fact="1.8"/>
+                <dgm:constr type="h" for="ch" forName="accent_2" refType="h" fact="0.1563"/>
+                <dgm:constr type="w" for="ch" forName="accent_2" refType="h" refFor="ch" refForName="accent_2" op="equ"/>
+                <dgm:constr type="ctrY" for="ch" forName="accent_2" refType="h" fact="0.3125"/>
+                <dgm:constr type="ctrX" for="ch" forName="accent_2" refType="h" fact="0.1978"/>
+                <dgm:constr type="l" for="ch" forName="text_2" refType="ctrX" refFor="ch" refForName="accent_2"/>
+                <dgm:constr type="r" for="ch" forName="text_2" refType="w"/>
+                <dgm:constr type="w" for="ch" forName="text_2" refType="h" refFor="ch" refForName="text_2" op="gte"/>
+                <dgm:constr type="h" for="ch" forName="text_2" refType="h" refFor="ch" refForName="accent_2" fact="0.8"/>
+                <dgm:constr type="ctrY" for="ch" forName="text_2" refType="ctrY" refFor="ch" refForName="accent_2"/>
+                <dgm:constr type="lMarg" for="ch" forName="text_2" refType="w" refFor="ch" refForName="accent_2" fact="1.8"/>
+                <dgm:constr type="h" for="ch" forName="accent_3" refType="h" fact="0.1563"/>
+                <dgm:constr type="w" for="ch" forName="accent_3" refType="h" refFor="ch" refForName="accent_3" op="equ"/>
+                <dgm:constr type="ctrY" for="ch" forName="accent_3" refType="h" fact="0.5"/>
+                <dgm:constr type="ctrX" for="ch" forName="accent_3" refType="h" fact="0.2253"/>
+                <dgm:constr type="l" for="ch" forName="text_3" refType="ctrX" refFor="ch" refForName="accent_3"/>
+                <dgm:constr type="r" for="ch" forName="text_3" refType="w"/>
+                <dgm:constr type="w" for="ch" forName="text_3" refType="h" refFor="ch" refForName="text_3" op="gte"/>
+                <dgm:constr type="h" for="ch" forName="text_3" refType="h" refFor="ch" refForName="accent_3" fact="0.8"/>
+                <dgm:constr type="ctrY" for="ch" forName="text_3" refType="ctrY" refFor="ch" refForName="accent_3"/>
+                <dgm:constr type="lMarg" for="ch" forName="text_3" refType="w" refFor="ch" refForName="accent_3" fact="1.8"/>
+                <dgm:constr type="h" for="ch" forName="accent_4" refType="h" fact="0.1563"/>
+                <dgm:constr type="w" for="ch" forName="accent_4" refType="h" refFor="ch" refForName="accent_4" op="equ"/>
+                <dgm:constr type="ctrY" for="ch" forName="accent_4" refType="h" fact="0.6875"/>
+                <dgm:constr type="ctrX" for="ch" forName="accent_4" refType="h" fact="0.1978"/>
+                <dgm:constr type="l" for="ch" forName="text_4" refType="ctrX" refFor="ch" refForName="accent_4"/>
+                <dgm:constr type="r" for="ch" forName="text_4" refType="w"/>
+                <dgm:constr type="w" for="ch" forName="text_4" refType="h" refFor="ch" refForName="text_4" op="gte"/>
+                <dgm:constr type="h" for="ch" forName="text_4" refType="h" refFor="ch" refForName="accent_4" fact="0.8"/>
+                <dgm:constr type="ctrY" for="ch" forName="text_4" refType="ctrY" refFor="ch" refForName="accent_4"/>
+                <dgm:constr type="lMarg" for="ch" forName="text_4" refType="w" refFor="ch" refForName="accent_4" fact="1.8"/>
+                <dgm:constr type="h" for="ch" forName="accent_5" refType="h" fact="0.1563"/>
+                <dgm:constr type="w" for="ch" forName="accent_5" refType="h" refFor="ch" refForName="accent_5" op="equ"/>
+                <dgm:constr type="ctrY" for="ch" forName="accent_5" refType="h" fact="0.875"/>
+                <dgm:constr type="ctrX" for="ch" forName="accent_5" refType="h" fact="0.1082"/>
+                <dgm:constr type="l" for="ch" forName="text_5" refType="ctrX" refFor="ch" refForName="accent_5"/>
+                <dgm:constr type="r" for="ch" forName="text_5" refType="w"/>
+                <dgm:constr type="w" for="ch" forName="text_5" refType="h" refFor="ch" refForName="text_5" op="gte"/>
+                <dgm:constr type="h" for="ch" forName="text_5" refType="h" refFor="ch" refForName="accent_5" fact="0.8"/>
+                <dgm:constr type="ctrY" for="ch" forName="text_5" refType="ctrY" refFor="ch" refForName="accent_5"/>
+                <dgm:constr type="lMarg" for="ch" forName="text_5" refType="w" refFor="ch" refForName="accent_5" fact="1.8"/>
+                <dgm:constr type="primFontSz" for="ch" ptType="node" op="equ" val="65"/>
+              </dgm:constrLst>
+            </dgm:if>
+            <dgm:if name="Name10" axis="ch" ptType="node" func="cnt" op="equ" val="6">
+              <dgm:constrLst>
+                <dgm:constr type="h" for="ch" forName="cycle" refType="h"/>
+                <dgm:constr type="w" for="ch" forName="cycle" refType="h" refFor="ch" refForName="cycle" fact="0.26"/>
+                <dgm:constr type="l" for="ch" forName="cycle"/>
+                <dgm:constr type="ctrY" for="ch" forName="cycle" refType="h" fact="0.5"/>
+                <dgm:constr type="diam" for="ch" forName="cycle" refType="h" fact="1.344"/>
+                <dgm:constr type="h" for="ch" forName="accent_1" refType="h" fact="0.1316"/>
+                <dgm:constr type="w" for="ch" forName="accent_1" refType="h" refFor="ch" refForName="accent_1" op="equ"/>
+                <dgm:constr type="ctrY" for="ch" forName="accent_1" refType="h" fact="0.1053"/>
+                <dgm:constr type="ctrX" for="ch" forName="accent_1" refType="h" fact="0.0943"/>
+                <dgm:constr type="l" for="ch" forName="text_1" refType="ctrX" refFor="ch" refForName="accent_1"/>
+                <dgm:constr type="r" for="ch" forName="text_1" refType="w"/>
+                <dgm:constr type="w" for="ch" forName="text_1" refType="h" refFor="ch" refForName="text_1" op="gte"/>
+                <dgm:constr type="h" for="ch" forName="text_1" refType="h" refFor="ch" refForName="accent_1" fact="0.8"/>
+                <dgm:constr type="ctrY" for="ch" forName="text_1" refType="ctrY" refFor="ch" refForName="accent_1"/>
+                <dgm:constr type="lMarg" for="ch" forName="text_1" refType="w" refFor="ch" refForName="accent_1" fact="1.8"/>
+                <dgm:constr type="h" for="ch" forName="accent_2" refType="h" fact="0.1316"/>
+                <dgm:constr type="w" for="ch" forName="accent_2" refType="h" refFor="ch" refForName="accent_2" op="equ"/>
+                <dgm:constr type="ctrY" for="ch" forName="accent_2" refType="h" fact="0.2632"/>
+                <dgm:constr type="ctrX" for="ch" forName="accent_2" refType="h" fact="0.1809"/>
+                <dgm:constr type="l" for="ch" forName="text_2" refType="ctrX" refFor="ch" refForName="accent_2"/>
+                <dgm:constr type="r" for="ch" forName="text_2" refType="w"/>
+                <dgm:constr type="w" for="ch" forName="text_2" refType="h" refFor="ch" refForName="text_2" op="gte"/>
+                <dgm:constr type="h" for="ch" forName="text_2" refType="h" refFor="ch" refForName="accent_2" fact="0.8"/>
+                <dgm:constr type="ctrY" for="ch" forName="text_2" refType="ctrY" refFor="ch" refForName="accent_2"/>
+                <dgm:constr type="lMarg" for="ch" forName="text_2" refType="w" refFor="ch" refForName="accent_2" fact="1.8"/>
+                <dgm:constr type="h" for="ch" forName="accent_3" refType="h" fact="0.1316"/>
+                <dgm:constr type="w" for="ch" forName="accent_3" refType="h" refFor="ch" refForName="accent_3" op="equ"/>
+                <dgm:constr type="ctrY" for="ch" forName="accent_3" refType="h" fact="0.4211"/>
+                <dgm:constr type="ctrX" for="ch" forName="accent_3" refType="h" fact="0.2205"/>
+                <dgm:constr type="l" for="ch" forName="text_3" refType="ctrX" refFor="ch" refForName="accent_3"/>
+                <dgm:constr type="r" for="ch" forName="text_3" refType="w"/>
+                <dgm:constr type="w" for="ch" forName="text_3" refType="h" refFor="ch" refForName="text_3" op="gte"/>
+                <dgm:constr type="h" for="ch" forName="text_3" refType="h" refFor="ch" refForName="accent_3" fact="0.8"/>
+                <dgm:constr type="ctrY" for="ch" forName="text_3" refType="ctrY" refFor="ch" refForName="accent_3"/>
+                <dgm:constr type="lMarg" for="ch" forName="text_3" refType="w" refFor="ch" refForName="accent_3" fact="1.8"/>
+                <dgm:constr type="h" for="ch" forName="accent_4" refType="h" fact="0.1316"/>
+                <dgm:constr type="w" for="ch" forName="accent_4" refType="h" refFor="ch" refForName="accent_4" op="equ"/>
+                <dgm:constr type="ctrY" for="ch" forName="accent_4" refType="h" fact="0.5789"/>
+                <dgm:constr type="ctrX" for="ch" forName="accent_4" refType="h" fact="0.2205"/>
+                <dgm:constr type="l" for="ch" forName="text_4" refType="ctrX" refFor="ch" refForName="accent_4"/>
+                <dgm:constr type="r" for="ch" forName="text_4" refType="w"/>
+                <dgm:constr type="w" for="ch" forName="text_4" refType="h" refFor="ch" refForName="text_4" op="gte"/>
+                <dgm:constr type="h" for="ch" forName="text_4" refType="h" refFor="ch" refForName="accent_4" fact="0.8"/>
+                <dgm:constr type="ctrY" for="ch" forName="text_4" refType="ctrY" refFor="ch" refForName="accent_4"/>
+                <dgm:constr type="lMarg" for="ch" forName="text_4" refType="w" refFor="ch" refForName="accent_4" fact="1.8"/>
+                <dgm:constr type="h" for="ch" forName="accent_5" refType="h" fact="0.1316"/>
+                <dgm:constr type="w" for="ch" forName="accent_5" refType="h" refFor="ch" refForName="accent_5" op="equ"/>
+                <dgm:constr type="ctrY" for="ch" forName="accent_5" refType="h" fact="0.7368"/>
+                <dgm:constr type="ctrX" for="ch" forName="accent_5" refType="h" fact="0.1809"/>
+                <dgm:constr type="l" for="ch" forName="text_5" refType="ctrX" refFor="ch" refForName="accent_5"/>
+                <dgm:constr type="r" for="ch" forName="text_5" refType="w"/>
+                <dgm:constr type="w" for="ch" forName="text_5" refType="h" refFor="ch" refForName="text_5" op="gte"/>
+                <dgm:constr type="h" for="ch" forName="text_5" refType="h" refFor="ch" refForName="accent_5" fact="0.8"/>
+                <dgm:constr type="ctrY" for="ch" forName="text_5" refType="ctrY" refFor="ch" refForName="accent_5"/>
+                <dgm:constr type="lMarg" for="ch" forName="text_5" refType="w" refFor="ch" refForName="accent_5" fact="1.8"/>
+                <dgm:constr type="h" for="ch" forName="accent_6" refType="h" fact="0.1316"/>
+                <dgm:constr type="w" for="ch" forName="accent_6" refType="h" refFor="ch" refForName="accent_6" op="equ"/>
+                <dgm:constr type="ctrY" for="ch" forName="accent_6" refType="h" fact="0.8947"/>
+                <dgm:constr type="ctrX" for="ch" forName="accent_6" refType="h" fact="0.0943"/>
+                <dgm:constr type="l" for="ch" forName="text_6" refType="ctrX" refFor="ch" refForName="accent_6"/>
+                <dgm:constr type="r" for="ch" forName="text_6" refType="w"/>
+                <dgm:constr type="w" for="ch" forName="text_6" refType="h" refFor="ch" refForName="text_6" op="gte"/>
+                <dgm:constr type="h" for="ch" forName="text_6" refType="h" refFor="ch" refForName="accent_6" fact="0.8"/>
+                <dgm:constr type="ctrY" for="ch" forName="text_6" refType="ctrY" refFor="ch" refForName="accent_6"/>
+                <dgm:constr type="lMarg" for="ch" forName="text_6" refType="w" refFor="ch" refForName="accent_6" fact="1.8"/>
+                <dgm:constr type="primFontSz" for="ch" ptType="node" op="equ" val="65"/>
+              </dgm:constrLst>
+            </dgm:if>
+            <dgm:else name="Name11">
+              <dgm:constrLst>
+                <dgm:constr type="h" for="ch" forName="cycle" refType="h"/>
+                <dgm:constr type="w" for="ch" forName="cycle" refType="h" refFor="ch" refForName="cycle" fact="0.26"/>
+                <dgm:constr type="l" for="ch" forName="cycle"/>
+                <dgm:constr type="ctrY" for="ch" forName="cycle" refType="h" fact="0.5"/>
+                <dgm:constr type="diam" for="ch" forName="cycle" refType="h" fact="1.344"/>
+                <dgm:constr type="h" for="ch" forName="accent_1" refType="h" fact="0.1136"/>
+                <dgm:constr type="w" for="ch" forName="accent_1" refType="h" refFor="ch" refForName="accent_1" op="equ"/>
+                <dgm:constr type="ctrY" for="ch" forName="accent_1" refType="h" fact="0.0909"/>
+                <dgm:constr type="ctrX" for="ch" forName="accent_1" refType="h" fact="0.0835"/>
+                <dgm:constr type="l" for="ch" forName="text_1" refType="ctrX" refFor="ch" refForName="accent_1"/>
+                <dgm:constr type="r" for="ch" forName="text_1" refType="w"/>
+                <dgm:constr type="w" for="ch" forName="text_1" refType="h" refFor="ch" refForName="text_1" op="gte"/>
+                <dgm:constr type="h" for="ch" forName="text_1" refType="h" refFor="ch" refForName="accent_1" fact="0.8"/>
+                <dgm:constr type="ctrY" for="ch" forName="text_1" refType="ctrY" refFor="ch" refForName="accent_1"/>
+                <dgm:constr type="lMarg" for="ch" forName="text_1" refType="w" refFor="ch" refForName="accent_1" fact="1.8"/>
+                <dgm:constr type="h" for="ch" forName="accent_2" refType="h" fact="0.1136"/>
+                <dgm:constr type="w" for="ch" forName="accent_2" refType="h" refFor="ch" refForName="accent_2" op="equ"/>
+                <dgm:constr type="ctrY" for="ch" forName="accent_2" refType="h" fact="0.2273"/>
+                <dgm:constr type="ctrX" for="ch" forName="accent_2" refType="h" fact="0.1658"/>
+                <dgm:constr type="l" for="ch" forName="text_2" refType="ctrX" refFor="ch" refForName="accent_2"/>
+                <dgm:constr type="r" for="ch" forName="text_2" refType="w"/>
+                <dgm:constr type="w" for="ch" forName="text_2" refType="h" refFor="ch" refForName="text_2" op="gte"/>
+                <dgm:constr type="h" for="ch" forName="text_2" refType="h" refFor="ch" refForName="accent_2" fact="0.8"/>
+                <dgm:constr type="ctrY" for="ch" forName="text_2" refType="ctrY" refFor="ch" refForName="accent_2"/>
+                <dgm:constr type="lMarg" for="ch" forName="text_2" refType="w" refFor="ch" refForName="accent_2" fact="1.8"/>
+                <dgm:constr type="h" for="ch" forName="accent_3" refType="h" fact="0.1136"/>
+                <dgm:constr type="w" for="ch" forName="accent_3" refType="h" refFor="ch" refForName="accent_3" op="equ"/>
+                <dgm:constr type="ctrY" for="ch" forName="accent_3" refType="h" fact="0.3636"/>
+                <dgm:constr type="ctrX" for="ch" forName="accent_3" refType="h" fact="0.2109"/>
+                <dgm:constr type="l" for="ch" forName="text_3" refType="ctrX" refFor="ch" refForName="accent_3"/>
+                <dgm:constr type="r" for="ch" forName="text_3" refType="w"/>
+                <dgm:constr type="w" for="ch" forName="text_3" refType="h" refFor="ch" refForName="text_3" op="gte"/>
+                <dgm:constr type="h" for="ch" forName="text_3" refType="h" refFor="ch" refForName="accent_3" fact="0.8"/>
+                <dgm:constr type="ctrY" for="ch" forName="text_3" refType="ctrY" refFor="ch" refForName="accent_3"/>
+                <dgm:constr type="lMarg" for="ch" forName="text_3" refType="w" refFor="ch" refForName="accent_3" fact="1.8"/>
+                <dgm:constr type="h" for="ch" forName="accent_4" refType="h" fact="0.1136"/>
+                <dgm:constr type="w" for="ch" forName="accent_4" refType="h" refFor="ch" refForName="accent_4" op="equ"/>
+                <dgm:constr type="ctrY" for="ch" forName="accent_4" refType="h" fact="0.5"/>
+                <dgm:constr type="ctrX" for="ch" forName="accent_4" refType="h" fact="0.2253"/>
+                <dgm:constr type="l" for="ch" forName="text_4" refType="ctrX" refFor="ch" refForName="accent_4"/>
+                <dgm:constr type="r" for="ch" forName="text_4" refType="w"/>
+                <dgm:constr type="w" for="ch" forName="text_4" refType="h" refFor="ch" refForName="text_4" op="gte"/>
+                <dgm:constr type="h" for="ch" forName="text_4" refType="h" refFor="ch" refForName="accent_4" fact="0.8"/>
+                <dgm:constr type="ctrY" for="ch" forName="text_4" refType="ctrY" refFor="ch" refForName="accent_4"/>
+                <dgm:constr type="lMarg" for="ch" forName="text_4" refType="w" refFor="ch" refForName="accent_4" fact="1.8"/>
+                <dgm:constr type="h" for="ch" forName="accent_5" refType="h" fact="0.1136"/>
+                <dgm:constr type="w" for="ch" forName="accent_5" refType="h" refFor="ch" refForName="accent_5" op="equ"/>
+                <dgm:constr type="ctrY" for="ch" forName="accent_5" refType="h" fact="0.6364"/>
+                <dgm:constr type="ctrX" for="ch" forName="accent_5" refType="h" fact="0.2109"/>
+                <dgm:constr type="l" for="ch" forName="text_5" refType="ctrX" refFor="ch" refForName="accent_5"/>
+                <dgm:constr type="r" for="ch" forName="text_5" refType="w"/>
+                <dgm:constr type="w" for="ch" forName="text_5" refType="h" refFor="ch" refForName="text_5" op="gte"/>
+                <dgm:constr type="h" for="ch" forName="text_5" refType="h" refFor="ch" refForName="accent_5" fact="0.8"/>
+                <dgm:constr type="ctrY" for="ch" forName="text_5" refType="ctrY" refFor="ch" refForName="accent_5"/>
+                <dgm:constr type="lMarg" for="ch" forName="text_5" refType="w" refFor="ch" refForName="accent_5" fact="1.8"/>
+                <dgm:constr type="h" for="ch" forName="accent_6" refType="h" fact="0.1136"/>
+                <dgm:constr type="w" for="ch" forName="accent_6" refType="h" refFor="ch" refForName="accent_6" op="equ"/>
+                <dgm:constr type="ctrY" for="ch" forName="accent_6" refType="h" fact="0.7727"/>
+                <dgm:constr type="ctrX" for="ch" forName="accent_6" refType="h" fact="0.1658"/>
+                <dgm:constr type="l" for="ch" forName="text_6" refType="ctrX" refFor="ch" refForName="accent_6"/>
+                <dgm:constr type="r" for="ch" forName="text_6" refType="w"/>
+                <dgm:constr type="w" for="ch" forName="text_6" refType="h" refFor="ch" refForName="text_6" op="gte"/>
+                <dgm:constr type="h" for="ch" forName="text_6" refType="h" refFor="ch" refForName="accent_6" fact="0.8"/>
+                <dgm:constr type="ctrY" for="ch" forName="text_6" refType="ctrY" refFor="ch" refForName="accent_6"/>
+                <dgm:constr type="lMarg" for="ch" forName="text_6" refType="w" refFor="ch" refForName="accent_6" fact="1.8"/>
+                <dgm:constr type="h" for="ch" forName="accent_7" refType="h" fact="0.1136"/>
+                <dgm:constr type="w" for="ch" forName="accent_7" refType="h" refFor="ch" refForName="accent_7" op="equ"/>
+                <dgm:constr type="ctrY" for="ch" forName="accent_7" refType="h" fact="0.9091"/>
+                <dgm:constr type="ctrX" for="ch" forName="accent_7" refType="h" fact="0.0835"/>
+                <dgm:constr type="l" for="ch" forName="text_7" refType="ctrX" refFor="ch" refForName="accent_7"/>
+                <dgm:constr type="r" for="ch" forName="text_7" refType="w"/>
+                <dgm:constr type="w" for="ch" forName="text_7" refType="h" refFor="ch" refForName="text_7" op="gte"/>
+                <dgm:constr type="h" for="ch" forName="text_7" refType="h" refFor="ch" refForName="accent_7" fact="0.8"/>
+                <dgm:constr type="ctrY" for="ch" forName="text_7" refType="ctrY" refFor="ch" refForName="accent_7"/>
+                <dgm:constr type="lMarg" for="ch" forName="text_7" refType="w" refFor="ch" refForName="accent_7" fact="1.8"/>
+                <dgm:constr type="primFontSz" for="ch" ptType="node" op="equ" val="65"/>
+              </dgm:constrLst>
+            </dgm:else>
+          </dgm:choose>
+        </dgm:if>
+        <dgm:else name="Name12">
+          <dgm:choose name="Name13">
+            <dgm:if name="Name14" axis="ch" ptType="node" func="cnt" op="equ" val="1">
+              <dgm:constrLst>
+                <dgm:constr type="h" for="ch" forName="cycle" refType="h"/>
+                <dgm:constr type="w" for="ch" forName="cycle" refType="h" refFor="ch" refForName="cycle" fact="0.26"/>
+                <dgm:constr type="r" for="ch" forName="cycle" refType="w"/>
+                <dgm:constr type="ctrY" for="ch" forName="cycle" refType="h" fact="0.5"/>
+                <dgm:constr type="diam" for="ch" forName="cycle" refType="h" fact="1.344"/>
+                <dgm:constr type="h" for="ch" forName="accent_1" refType="h" fact="0.625"/>
+                <dgm:constr type="w" for="ch" forName="accent_1" refType="h" refFor="ch" refForName="accent_1" op="equ"/>
+                <dgm:constr type="ctrY" for="ch" forName="accent_1" refType="h" fact="0.5"/>
+                <dgm:constr type="ctrX" for="ch" forName="accent_1" refType="w"/>
+                <dgm:constr type="ctrXOff" for="ch" forName="accent_1" refType="h" fact="-0.2253"/>
+                <dgm:constr type="r" for="ch" forName="text_1" refType="ctrX" refFor="ch" refForName="accent_1"/>
+                <dgm:constr type="rOff" for="ch" forName="text_1" refType="ctrXOff" refFor="ch" refForName="accent_1"/>
+                <dgm:constr type="l" for="ch" forName="text_1"/>
+                <dgm:constr type="w" for="ch" forName="text_1" refType="h" refFor="ch" refForName="text_1" op="gte"/>
+                <dgm:constr type="h" for="ch" forName="text_1" refType="h" refFor="ch" refForName="accent_1" fact="0.8"/>
+                <dgm:constr type="ctrY" for="ch" forName="text_1" refType="ctrY" refFor="ch" refForName="accent_1"/>
+                <dgm:constr type="rMarg" for="ch" forName="text_1" refType="w" refFor="ch" refForName="accent_1" fact="1.8"/>
+                <dgm:constr type="primFontSz" for="ch" ptType="node" op="equ" val="65"/>
+              </dgm:constrLst>
+            </dgm:if>
+            <dgm:if name="Name15" axis="ch" ptType="node" func="cnt" op="equ" val="2">
+              <dgm:constrLst>
+                <dgm:constr type="h" for="ch" forName="cycle" refType="h"/>
+                <dgm:constr type="w" for="ch" forName="cycle" refType="h" refFor="ch" refForName="cycle" fact="0.26"/>
+                <dgm:constr type="r" for="ch" forName="cycle" refType="w"/>
+                <dgm:constr type="ctrY" for="ch" forName="cycle" refType="h" fact="0.5"/>
+                <dgm:constr type="diam" for="ch" forName="cycle" refType="h" fact="1.344"/>
+                <dgm:constr type="h" for="ch" forName="accent_1" refType="h" fact="0.3571"/>
+                <dgm:constr type="w" for="ch" forName="accent_1" refType="h" refFor="ch" refForName="accent_1" op="equ"/>
+                <dgm:constr type="ctrY" for="ch" forName="accent_1" refType="h" fact="0.2857"/>
+                <dgm:constr type="ctrX" for="ch" forName="accent_1" refType="w"/>
+                <dgm:constr type="ctrXOff" for="ch" forName="accent_1" refType="h" fact="-0.1891"/>
+                <dgm:constr type="r" for="ch" forName="text_1" refType="ctrX" refFor="ch" refForName="accent_1"/>
+                <dgm:constr type="rOff" for="ch" forName="text_1" refType="ctrXOff" refFor="ch" refForName="accent_1"/>
+                <dgm:constr type="l" for="ch" forName="text_1"/>
+                <dgm:constr type="w" for="ch" forName="text_1" refType="h" refFor="ch" refForName="text_1" op="gte"/>
+                <dgm:constr type="h" for="ch" forName="text_1" refType="h" refFor="ch" refForName="accent_1" fact="0.8"/>
+                <dgm:constr type="ctrY" for="ch" forName="text_1" refType="ctrY" refFor="ch" refForName="accent_1"/>
+                <dgm:constr type="rMarg" for="ch" forName="text_1" refType="w" refFor="ch" refForName="accent_1" fact="1.8"/>
+                <dgm:constr type="h" for="ch" forName="accent_2" refType="h" fact="0.3571"/>
+                <dgm:constr type="w" for="ch" forName="accent_2" refType="h" refFor="ch" refForName="accent_2" op="equ"/>
+                <dgm:constr type="ctrY" for="ch" forName="accent_2" refType="h" fact="0.7143"/>
+                <dgm:constr type="ctrX" for="ch" forName="accent_2" refType="w"/>
+                <dgm:constr type="ctrXOff" for="ch" forName="accent_2" refType="h" fact="-0.1891"/>
+                <dgm:constr type="r" for="ch" forName="text_2" refType="ctrX" refFor="ch" refForName="accent_2"/>
+                <dgm:constr type="rOff" for="ch" forName="text_2" refType="ctrXOff" refFor="ch" refForName="accent_2"/>
+                <dgm:constr type="l" for="ch" forName="text_2"/>
+                <dgm:constr type="w" for="ch" forName="text_2" refType="h" refFor="ch" refForName="text_2" op="gte"/>
+                <dgm:constr type="h" for="ch" forName="text_2" refType="h" refFor="ch" refForName="accent_2" fact="0.8"/>
+                <dgm:constr type="ctrY" for="ch" forName="text_2" refType="ctrY" refFor="ch" refForName="accent_2"/>
+                <dgm:constr type="rMarg" for="ch" forName="text_2" refType="w" refFor="ch" refForName="accent_2" fact="1.8"/>
+                <dgm:constr type="primFontSz" for="ch" ptType="node" op="equ" val="65"/>
+              </dgm:constrLst>
+            </dgm:if>
+            <dgm:if name="Name16" axis="ch" ptType="node" func="cnt" op="equ" val="3">
+              <dgm:constrLst>
+                <dgm:constr type="h" for="ch" forName="cycle" refType="h"/>
+                <dgm:constr type="w" for="ch" forName="cycle" refType="h" refFor="ch" refForName="cycle" fact="0.26"/>
+                <dgm:constr type="r" for="ch" forName="cycle" refType="w"/>
+                <dgm:constr type="ctrY" for="ch" forName="cycle" refType="h" fact="0.5"/>
+                <dgm:constr type="diam" for="ch" forName="cycle" refType="h" fact="1.344"/>
+                <dgm:constr type="h" for="ch" forName="accent_1" refType="h" fact="0.25"/>
+                <dgm:constr type="w" for="ch" forName="accent_1" refType="h" refFor="ch" refForName="accent_1" op="equ"/>
+                <dgm:constr type="ctrY" for="ch" forName="accent_1" refType="h" fact="0.2"/>
+                <dgm:constr type="ctrX" for="ch" forName="accent_1" refType="w"/>
+                <dgm:constr type="ctrXOff" for="ch" forName="accent_1" refType="h" fact="-0.1526"/>
+                <dgm:constr type="r" for="ch" forName="text_1" refType="ctrX" refFor="ch" refForName="accent_1"/>
+                <dgm:constr type="rOff" for="ch" forName="text_1" refType="ctrXOff" refFor="ch" refForName="accent_1"/>
+                <dgm:constr type="l" for="ch" forName="text_1"/>
+                <dgm:constr type="w" for="ch" forName="text_1" refType="h" refFor="ch" refForName="text_1" op="gte"/>
+                <dgm:constr type="h" for="ch" forName="text_1" refType="h" refFor="ch" refForName="accent_1" fact="0.8"/>
+                <dgm:constr type="ctrY" for="ch" forName="text_1" refType="ctrY" refFor="ch" refForName="accent_1"/>
+                <dgm:constr type="rMarg" for="ch" forName="text_1" refType="w" refFor="ch" refForName="accent_1" fact="1.8"/>
+                <dgm:constr type="h" for="ch" forName="accent_2" refType="h" fact="0.25"/>
+                <dgm:constr type="w" for="ch" forName="accent_2" refType="h" refFor="ch" refForName="accent_2" op="equ"/>
+                <dgm:constr type="ctrY" for="ch" forName="accent_2" refType="h" fact="0.5"/>
+                <dgm:constr type="ctrX" for="ch" forName="accent_2" refType="w"/>
+                <dgm:constr type="ctrXOff" for="ch" forName="accent_2" refType="h" fact="-0.2253"/>
+                <dgm:constr type="r" for="ch" forName="text_2" refType="ctrX" refFor="ch" refForName="accent_2"/>
+                <dgm:constr type="rOff" for="ch" forName="text_2" refType="ctrXOff" refFor="ch" refForName="accent_2"/>
+                <dgm:constr type="l" for="ch" forName="text_2"/>
+                <dgm:constr type="w" for="ch" forName="text_2" refType="h" refFor="ch" refForName="text_2" op="gte"/>
+                <dgm:constr type="h" for="ch" forName="text_2" refType="h" refFor="ch" refForName="accent_2" fact="0.8"/>
+                <dgm:constr type="ctrY" for="ch" forName="text_2" refType="ctrY" refFor="ch" refForName="accent_2"/>
+                <dgm:constr type="rMarg" for="ch" forName="text_2" refType="w" refFor="ch" refForName="accent_2" fact="1.8"/>
+                <dgm:constr type="h" for="ch" forName="accent_3" refType="h" fact="0.25"/>
+                <dgm:constr type="w" for="ch" forName="accent_3" refType="h" refFor="ch" refForName="accent_3" op="equ"/>
+                <dgm:constr type="ctrY" for="ch" forName="accent_3" refType="h" fact="0.8"/>
+                <dgm:constr type="ctrX" for="ch" forName="accent_3" refType="w"/>
+                <dgm:constr type="ctrXOff" for="ch" forName="accent_3" refType="h" fact="-0.1526"/>
+                <dgm:constr type="r" for="ch" forName="text_3" refType="ctrX" refFor="ch" refForName="accent_3"/>
+                <dgm:constr type="rOff" for="ch" forName="text_3" refType="ctrXOff" refFor="ch" refForName="accent_3"/>
+                <dgm:constr type="l" for="ch" forName="text_3"/>
+                <dgm:constr type="w" for="ch" forName="text_3" refType="h" refFor="ch" refForName="text_3" op="gte"/>
+                <dgm:constr type="h" for="ch" forName="text_3" refType="h" refFor="ch" refForName="accent_3" fact="0.8"/>
+                <dgm:constr type="ctrY" for="ch" forName="text_3" refType="ctrY" refFor="ch" refForName="accent_3"/>
+                <dgm:constr type="rMarg" for="ch" forName="text_3" refType="w" refFor="ch" refForName="accent_3" fact="1.8"/>
+                <dgm:constr type="primFontSz" for="ch" ptType="node" op="equ" val="65"/>
+              </dgm:constrLst>
+            </dgm:if>
+            <dgm:if name="Name17" axis="ch" ptType="node" func="cnt" op="equ" val="4">
+              <dgm:constrLst>
+                <dgm:constr type="h" for="ch" forName="cycle" refType="h"/>
+                <dgm:constr type="w" for="ch" forName="cycle" refType="h" refFor="ch" refForName="cycle" fact="0.26"/>
+                <dgm:constr type="r" for="ch" forName="cycle" refType="w"/>
+                <dgm:constr type="ctrY" for="ch" forName="cycle" refType="h" fact="0.5"/>
+                <dgm:constr type="diam" for="ch" forName="cycle" refType="h" fact="1.344"/>
+                <dgm:constr type="h" for="ch" forName="accent_1" refType="h" fact="0.1923"/>
+                <dgm:constr type="w" for="ch" forName="accent_1" refType="h" refFor="ch" refForName="accent_1" op="equ"/>
+                <dgm:constr type="ctrY" for="ch" forName="accent_1" refType="h" fact="0.1538"/>
+                <dgm:constr type="ctrX" for="ch" forName="accent_1" refType="w"/>
+                <dgm:constr type="ctrXOff" for="ch" forName="accent_1" refType="h" fact="-0.1268"/>
+                <dgm:constr type="r" for="ch" forName="text_1" refType="ctrX" refFor="ch" refForName="accent_1"/>
+                <dgm:constr type="rOff" for="ch" forName="text_1" refType="ctrXOff" refFor="ch" refForName="accent_1"/>
+                <dgm:constr type="l" for="ch" forName="text_1"/>
+                <dgm:constr type="w" for="ch" forName="text_1" refType="h" refFor="ch" refForName="text_1" op="gte"/>
+                <dgm:constr type="h" for="ch" forName="text_1" refType="h" refFor="ch" refForName="accent_1" fact="0.8"/>
+                <dgm:constr type="ctrY" for="ch" forName="text_1" refType="ctrY" refFor="ch" refForName="accent_1"/>
+                <dgm:constr type="rMarg" for="ch" forName="text_1" refType="w" refFor="ch" refForName="accent_1" fact="1.8"/>
+                <dgm:constr type="h" for="ch" forName="accent_2" refType="h" fact="0.1923"/>
+                <dgm:constr type="w" for="ch" forName="accent_2" refType="h" refFor="ch" refForName="accent_2" op="equ"/>
+                <dgm:constr type="ctrY" for="ch" forName="accent_2" refType="h" fact="0.3846"/>
+                <dgm:constr type="ctrX" for="ch" forName="accent_2" refType="w"/>
+                <dgm:constr type="ctrXOff" for="ch" forName="accent_2" refType="h" fact="-0.215"/>
+                <dgm:constr type="r" for="ch" forName="text_2" refType="ctrX" refFor="ch" refForName="accent_2"/>
+                <dgm:constr type="rOff" for="ch" forName="text_2" refType="ctrXOff" refFor="ch" refForName="accent_2"/>
+                <dgm:constr type="l" for="ch" forName="text_2"/>
+                <dgm:constr type="w" for="ch" forName="text_2" refType="h" refFor="ch" refForName="text_2" op="gte"/>
+                <dgm:constr type="h" for="ch" forName="text_2" refType="h" refFor="ch" refForName="accent_2" fact="0.8"/>
+                <dgm:constr type="ctrY" for="ch" forName="text_2" refType="ctrY" refFor="ch" refForName="accent_2"/>
+                <dgm:constr type="rMarg" for="ch" forName="text_2" refType="w" refFor="ch" refForName="accent_2" fact="1.8"/>
+                <dgm:constr type="h" for="ch" forName="accent_3" refType="h" fact="0.1923"/>
+                <dgm:constr type="w" for="ch" forName="accent_3" refType="h" refFor="ch" refForName="accent_3" op="equ"/>
+                <dgm:constr type="ctrY" for="ch" forName="accent_3" refType="h" fact="0.6154"/>
+                <dgm:constr type="ctrX" for="ch" forName="accent_3" refType="w"/>
+                <dgm:constr type="ctrXOff" for="ch" forName="accent_3" refType="h" fact="-0.215"/>
+                <dgm:constr type="r" for="ch" forName="text_3" refType="ctrX" refFor="ch" refForName="accent_3"/>
+                <dgm:constr type="rOff" for="ch" forName="text_3" refType="ctrXOff" refFor="ch" refForName="accent_3"/>
+                <dgm:constr type="l" for="ch" forName="text_3"/>
+                <dgm:constr type="w" for="ch" forName="text_3" refType="h" refFor="ch" refForName="text_3" op="gte"/>
+                <dgm:constr type="h" for="ch" forName="text_3" refType="h" refFor="ch" refForName="accent_3" fact="0.8"/>
+                <dgm:constr type="ctrY" for="ch" forName="text_3" refType="ctrY" refFor="ch" refForName="accent_3"/>
+                <dgm:constr type="rMarg" for="ch" forName="text_3" refType="w" refFor="ch" refForName="accent_3" fact="1.8"/>
+                <dgm:constr type="h" for="ch" forName="accent_4" refType="h" fact="0.1923"/>
+                <dgm:constr type="w" for="ch" forName="accent_4" refType="h" refFor="ch" refForName="accent_4" op="equ"/>
+                <dgm:constr type="ctrY" for="ch" forName="accent_4" refType="h" fact="0.8462"/>
+                <dgm:constr type="ctrX" for="ch" forName="accent_4" refType="w"/>
+                <dgm:constr type="ctrXOff" for="ch" forName="accent_4" refType="h" fact="-0.1268"/>
+                <dgm:constr type="r" for="ch" forName="text_4" refType="ctrX" refFor="ch" refForName="accent_4"/>
+                <dgm:constr type="rOff" for="ch" forName="text_4" refType="ctrXOff" refFor="ch" refForName="accent_4"/>
+                <dgm:constr type="l" for="ch" forName="text_4"/>
+                <dgm:constr type="w" for="ch" forName="text_4" refType="h" refFor="ch" refForName="text_4" op="gte"/>
+                <dgm:constr type="h" for="ch" forName="text_4" refType="h" refFor="ch" refForName="accent_4" fact="0.8"/>
+                <dgm:constr type="ctrY" for="ch" forName="text_4" refType="ctrY" refFor="ch" refForName="accent_4"/>
+                <dgm:constr type="rMarg" for="ch" forName="text_4" refType="w" refFor="ch" refForName="accent_4" fact="1.8"/>
+                <dgm:constr type="primFontSz" for="ch" ptType="node" op="equ" val="65"/>
+              </dgm:constrLst>
+            </dgm:if>
+            <dgm:if name="Name18" axis="ch" ptType="node" func="cnt" op="equ" val="5">
+              <dgm:constrLst>
+                <dgm:constr type="h" for="ch" forName="cycle" refType="h"/>
+                <dgm:constr type="w" for="ch" forName="cycle" refType="h" refFor="ch" refForName="cycle" fact="0.26"/>
+                <dgm:constr type="r" for="ch" forName="cycle" refType="w"/>
+                <dgm:constr type="ctrY" for="ch" forName="cycle" refType="h" fact="0.5"/>
+                <dgm:constr type="diam" for="ch" forName="cycle" refType="h" fact="1.344"/>
+                <dgm:constr type="h" for="ch" forName="accent_1" refType="h" fact="0.1563"/>
+                <dgm:constr type="w" for="ch" forName="accent_1" refType="h" refFor="ch" refForName="accent_1" op="equ"/>
+                <dgm:constr type="ctrY" for="ch" forName="accent_1" refType="h" fact="0.125"/>
+                <dgm:constr type="ctrX" for="ch" forName="accent_1" refType="w"/>
+                <dgm:constr type="ctrXOff" for="ch" forName="accent_1" refType="h" fact="-0.1082"/>
+                <dgm:constr type="r" for="ch" forName="text_1" refType="ctrX" refFor="ch" refForName="accent_1"/>
+                <dgm:constr type="rOff" for="ch" forName="text_1" refType="ctrXOff" refFor="ch" refForName="accent_1"/>
+                <dgm:constr type="l" for="ch" forName="text_1"/>
+                <dgm:constr type="w" for="ch" forName="text_1" refType="h" refFor="ch" refForName="text_1" op="gte"/>
+                <dgm:constr type="h" for="ch" forName="text_1" refType="h" refFor="ch" refForName="accent_1" fact="0.8"/>
+                <dgm:constr type="ctrY" for="ch" forName="text_1" refType="ctrY" refFor="ch" refForName="accent_1"/>
+                <dgm:constr type="rMarg" for="ch" forName="text_1" refType="w" refFor="ch" refForName="accent_1" fact="1.8"/>
+                <dgm:constr type="h" for="ch" forName="accent_2" refType="h" fact="0.1563"/>
+                <dgm:constr type="w" for="ch" forName="accent_2" refType="h" refFor="ch" refForName="accent_2" op="equ"/>
+                <dgm:constr type="ctrY" for="ch" forName="accent_2" refType="h" fact="0.3125"/>
+                <dgm:constr type="ctrX" for="ch" forName="accent_2" refType="w"/>
+                <dgm:constr type="ctrXOff" for="ch" forName="accent_2" refType="h" fact="-0.1978"/>
+                <dgm:constr type="r" for="ch" forName="text_2" refType="ctrX" refFor="ch" refForName="accent_2"/>
+                <dgm:constr type="rOff" for="ch" forName="text_2" refType="ctrXOff" refFor="ch" refForName="accent_2"/>
+                <dgm:constr type="l" for="ch" forName="text_2"/>
+                <dgm:constr type="w" for="ch" forName="text_2" refType="h" refFor="ch" refForName="text_2" op="gte"/>
+                <dgm:constr type="h" for="ch" forName="text_2" refType="h" refFor="ch" refForName="accent_2" fact="0.8"/>
+                <dgm:constr type="ctrY" for="ch" forName="text_2" refType="ctrY" refFor="ch" refForName="accent_2"/>
+                <dgm:constr type="rMarg" for="ch" forName="text_2" refType="w" refFor="ch" refForName="accent_2" fact="1.8"/>
+                <dgm:constr type="h" for="ch" forName="accent_3" refType="h" fact="0.1563"/>
+                <dgm:constr type="w" for="ch" forName="accent_3" refType="h" refFor="ch" refForName="accent_3" op="equ"/>
+                <dgm:constr type="ctrY" for="ch" forName="accent_3" refType="h" fact="0.5"/>
+                <dgm:constr type="ctrX" for="ch" forName="accent_3" refType="w"/>
+                <dgm:constr type="ctrXOff" for="ch" forName="accent_3" refType="h" fact="-0.2253"/>
+                <dgm:constr type="r" for="ch" forName="text_3" refType="ctrX" refFor="ch" refForName="accent_3"/>
+                <dgm:constr type="rOff" for="ch" forName="text_3" refType="ctrXOff" refFor="ch" refForName="accent_3"/>
+                <dgm:constr type="l" for="ch" forName="text_3"/>
+                <dgm:constr type="w" for="ch" forName="text_3" refType="h" refFor="ch" refForName="text_3" op="gte"/>
+                <dgm:constr type="h" for="ch" forName="text_3" refType="h" refFor="ch" refForName="accent_3" fact="0.8"/>
+                <dgm:constr type="ctrY" for="ch" forName="text_3" refType="ctrY" refFor="ch" refForName="accent_3"/>
+                <dgm:constr type="rMarg" for="ch" forName="text_3" refType="w" refFor="ch" refForName="accent_3" fact="1.8"/>
+                <dgm:constr type="h" for="ch" forName="accent_4" refType="h" fact="0.1563"/>
+                <dgm:constr type="w" for="ch" forName="accent_4" refType="h" refFor="ch" refForName="accent_4" op="equ"/>
+                <dgm:constr type="ctrY" for="ch" forName="accent_4" refType="h" fact="0.6875"/>
+                <dgm:constr type="ctrX" for="ch" forName="accent_4" refType="w"/>
+                <dgm:constr type="ctrXOff" for="ch" forName="accent_4" refType="h" fact="-0.1978"/>
+                <dgm:constr type="r" for="ch" forName="text_4" refType="ctrX" refFor="ch" refForName="accent_4"/>
+                <dgm:constr type="rOff" for="ch" forName="text_4" refType="ctrXOff" refFor="ch" refForName="accent_4"/>
+                <dgm:constr type="l" for="ch" forName="text_4"/>
+                <dgm:constr type="w" for="ch" forName="text_4" refType="h" refFor="ch" refForName="text_4" op="gte"/>
+                <dgm:constr type="h" for="ch" forName="text_4" refType="h" refFor="ch" refForName="accent_4" fact="0.8"/>
+                <dgm:constr type="ctrY" for="ch" forName="text_4" refType="ctrY" refFor="ch" refForName="accent_4"/>
+                <dgm:constr type="rMarg" for="ch" forName="text_4" refType="w" refFor="ch" refForName="accent_4" fact="1.8"/>
+                <dgm:constr type="h" for="ch" forName="accent_5" refType="h" fact="0.1563"/>
+                <dgm:constr type="w" for="ch" forName="accent_5" refType="h" refFor="ch" refForName="accent_5" op="equ"/>
+                <dgm:constr type="ctrY" for="ch" forName="accent_5" refType="h" fact="0.875"/>
+                <dgm:constr type="ctrX" for="ch" forName="accent_5" refType="w"/>
+                <dgm:constr type="ctrXOff" for="ch" forName="accent_5" refType="h" fact="-0.1082"/>
+                <dgm:constr type="r" for="ch" forName="text_5" refType="ctrX" refFor="ch" refForName="accent_5"/>
+                <dgm:constr type="rOff" for="ch" forName="text_5" refType="ctrXOff" refFor="ch" refForName="accent_5"/>
+                <dgm:constr type="l" for="ch" forName="text_5"/>
+                <dgm:constr type="w" for="ch" forName="text_5" refType="h" refFor="ch" refForName="text_5" op="gte"/>
+                <dgm:constr type="h" for="ch" forName="text_5" refType="h" refFor="ch" refForName="accent_5" fact="0.8"/>
+                <dgm:constr type="ctrY" for="ch" forName="text_5" refType="ctrY" refFor="ch" refForName="accent_5"/>
+                <dgm:constr type="rMarg" for="ch" forName="text_5" refType="w" refFor="ch" refForName="accent_5" fact="1.8"/>
+                <dgm:constr type="primFontSz" for="ch" ptType="node" op="equ" val="65"/>
+              </dgm:constrLst>
+            </dgm:if>
+            <dgm:if name="Name19" axis="ch" ptType="node" func="cnt" op="equ" val="6">
+              <dgm:constrLst>
+                <dgm:constr type="h" for="ch" forName="cycle" refType="h"/>
+                <dgm:constr type="w" for="ch" forName="cycle" refType="h" refFor="ch" refForName="cycle" fact="0.26"/>
+                <dgm:constr type="r" for="ch" forName="cycle" refType="w"/>
+                <dgm:constr type="ctrY" for="ch" forName="cycle" refType="h" fact="0.5"/>
+                <dgm:constr type="diam" for="ch" forName="cycle" refType="h" fact="1.344"/>
+                <dgm:constr type="h" for="ch" forName="accent_1" refType="h" fact="0.1316"/>
+                <dgm:constr type="w" for="ch" forName="accent_1" refType="h" refFor="ch" refForName="accent_1" op="equ"/>
+                <dgm:constr type="ctrY" for="ch" forName="accent_1" refType="h" fact="0.1053"/>
+                <dgm:constr type="ctrX" for="ch" forName="accent_1" refType="w"/>
+                <dgm:constr type="ctrXOff" for="ch" forName="accent_1" refType="h" fact="-0.0943"/>
+                <dgm:constr type="r" for="ch" forName="text_1" refType="ctrX" refFor="ch" refForName="accent_1"/>
+                <dgm:constr type="rOff" for="ch" forName="text_1" refType="ctrXOff" refFor="ch" refForName="accent_1"/>
+                <dgm:constr type="l" for="ch" forName="text_1"/>
+                <dgm:constr type="w" for="ch" forName="text_1" refType="h" refFor="ch" refForName="text_1" op="gte"/>
+                <dgm:constr type="h" for="ch" forName="text_1" refType="h" refFor="ch" refForName="accent_1" fact="0.8"/>
+                <dgm:constr type="ctrY" for="ch" forName="text_1" refType="ctrY" refFor="ch" refForName="accent_1"/>
+                <dgm:constr type="rMarg" for="ch" forName="text_1" refType="w" refFor="ch" refForName="accent_1" fact="1.8"/>
+                <dgm:constr type="h" for="ch" forName="accent_2" refType="h" fact="0.1316"/>
+                <dgm:constr type="w" for="ch" forName="accent_2" refType="h" refFor="ch" refForName="accent_2" op="equ"/>
+                <dgm:constr type="ctrY" for="ch" forName="accent_2" refType="h" fact="0.2632"/>
+                <dgm:constr type="ctrX" for="ch" forName="accent_2" refType="w"/>
+                <dgm:constr type="ctrXOff" for="ch" forName="accent_2" refType="h" fact="-0.1809"/>
+                <dgm:constr type="r" for="ch" forName="text_2" refType="ctrX" refFor="ch" refForName="accent_2"/>
+                <dgm:constr type="rOff" for="ch" forName="text_2" refType="ctrXOff" refFor="ch" refForName="accent_2"/>
+                <dgm:constr type="l" for="ch" forName="text_2"/>
+                <dgm:constr type="w" for="ch" forName="text_2" refType="h" refFor="ch" refForName="text_2" op="gte"/>
+                <dgm:constr type="h" for="ch" forName="text_2" refType="h" refFor="ch" refForName="accent_2" fact="0.8"/>
+                <dgm:constr type="ctrY" for="ch" forName="text_2" refType="ctrY" refFor="ch" refForName="accent_2"/>
+                <dgm:constr type="rMarg" for="ch" forName="text_2" refType="w" refFor="ch" refForName="accent_2" fact="1.8"/>
+                <dgm:constr type="h" for="ch" forName="accent_3" refType="h" fact="0.1316"/>
+                <dgm:constr type="w" for="ch" forName="accent_3" refType="h" refFor="ch" refForName="accent_3" op="equ"/>
+                <dgm:constr type="ctrY" for="ch" forName="accent_3" refType="h" fact="0.4211"/>
+                <dgm:constr type="ctrX" for="ch" forName="accent_3" refType="w"/>
+                <dgm:constr type="ctrXOff" for="ch" forName="accent_3" refType="h" fact="-0.2205"/>
+                <dgm:constr type="r" for="ch" forName="text_3" refType="ctrX" refFor="ch" refForName="accent_3"/>
+                <dgm:constr type="rOff" for="ch" forName="text_3" refType="ctrXOff" refFor="ch" refForName="accent_3"/>
+                <dgm:constr type="l" for="ch" forName="text_3"/>
+                <dgm:constr type="w" for="ch" forName="text_3" refType="h" refFor="ch" refForName="text_3" op="gte"/>
+                <dgm:constr type="h" for="ch" forName="text_3" refType="h" refFor="ch" refForName="accent_3" fact="0.8"/>
+                <dgm:constr type="ctrY" for="ch" forName="text_3" refType="ctrY" refFor="ch" refForName="accent_3"/>
+                <dgm:constr type="rMarg" for="ch" forName="text_3" refType="w" refFor="ch" refForName="accent_3" fact="1.8"/>
+                <dgm:constr type="h" for="ch" forName="accent_4" refType="h" fact="0.1316"/>
+                <dgm:constr type="w" for="ch" forName="accent_4" refType="h" refFor="ch" refForName="accent_4" op="equ"/>
+                <dgm:constr type="ctrY" for="ch" forName="accent_4" refType="h" fact="0.5789"/>
+                <dgm:constr type="ctrX" for="ch" forName="accent_4" refType="w"/>
+                <dgm:constr type="ctrXOff" for="ch" forName="accent_4" refType="h" fact="-0.2205"/>
+                <dgm:constr type="r" for="ch" forName="text_4" refType="ctrX" refFor="ch" refForName="accent_4"/>
+                <dgm:constr type="rOff" for="ch" forName="text_4" refType="ctrXOff" refFor="ch" refForName="accent_4"/>
+                <dgm:constr type="l" for="ch" forName="text_4"/>
+                <dgm:constr type="w" for="ch" forName="text_4" refType="h" refFor="ch" refForName="text_4" op="gte"/>
+                <dgm:constr type="h" for="ch" forName="text_4" refType="h" refFor="ch" refForName="accent_4" fact="0.8"/>
+                <dgm:constr type="ctrY" for="ch" forName="text_4" refType="ctrY" refFor="ch" refForName="accent_4"/>
+                <dgm:constr type="rMarg" for="ch" forName="text_4" refType="w" refFor="ch" refForName="accent_4" fact="1.8"/>
+                <dgm:constr type="h" for="ch" forName="accent_5" refType="h" fact="0.1316"/>
+                <dgm:constr type="w" for="ch" forName="accent_5" refType="h" refFor="ch" refForName="accent_5" op="equ"/>
+                <dgm:constr type="ctrY" for="ch" forName="accent_5" refType="h" fact="0.7368"/>
+                <dgm:constr type="ctrX" for="ch" forName="accent_5" refType="w"/>
+                <dgm:constr type="ctrXOff" for="ch" forName="accent_5" refType="h" fact="-0.1809"/>
+                <dgm:constr type="r" for="ch" forName="text_5" refType="ctrX" refFor="ch" refForName="accent_5"/>
+                <dgm:constr type="rOff" for="ch" forName="text_5" refType="ctrXOff" refFor="ch" refForName="accent_5"/>
+                <dgm:constr type="l" for="ch" forName="text_5"/>
+                <dgm:constr type="w" for="ch" forName="text_5" refType="h" refFor="ch" refForName="text_5" op="gte"/>
+                <dgm:constr type="h" for="ch" forName="text_5" refType="h" refFor="ch" refForName="accent_5" fact="0.8"/>
+                <dgm:constr type="ctrY" for="ch" forName="text_5" refType="ctrY" refFor="ch" refForName="accent_5"/>
+                <dgm:constr type="rMarg" for="ch" forName="text_5" refType="w" refFor="ch" refForName="accent_5" fact="1.8"/>
+                <dgm:constr type="h" for="ch" forName="accent_6" refType="h" fact="0.1316"/>
+                <dgm:constr type="w" for="ch" forName="accent_6" refType="h" refFor="ch" refForName="accent_6" op="equ"/>
+                <dgm:constr type="ctrY" for="ch" forName="accent_6" refType="h" fact="0.8947"/>
+                <dgm:constr type="ctrX" for="ch" forName="accent_6" refType="w"/>
+                <dgm:constr type="ctrXOff" for="ch" forName="accent_6" refType="h" fact="-0.0943"/>
+                <dgm:constr type="r" for="ch" forName="text_6" refType="ctrX" refFor="ch" refForName="accent_6"/>
+                <dgm:constr type="rOff" for="ch" forName="text_6" refType="ctrXOff" refFor="ch" refForName="accent_6"/>
+                <dgm:constr type="l" for="ch" forName="text_6"/>
+                <dgm:constr type="w" for="ch" forName="text_6" refType="h" refFor="ch" refForName="text_6" op="gte"/>
+                <dgm:constr type="h" for="ch" forName="text_6" refType="h" refFor="ch" refForName="accent_6" fact="0.8"/>
+                <dgm:constr type="ctrY" for="ch" forName="text_6" refType="ctrY" refFor="ch" refForName="accent_6"/>
+                <dgm:constr type="rMarg" for="ch" forName="text_6" refType="w" refFor="ch" refForName="accent_6" fact="1.8"/>
+                <dgm:constr type="primFontSz" for="ch" ptType="node" op="equ" val="65"/>
+              </dgm:constrLst>
+            </dgm:if>
+            <dgm:else name="Name20">
+              <dgm:constrLst>
+                <dgm:constr type="h" for="ch" forName="cycle" refType="h"/>
+                <dgm:constr type="w" for="ch" forName="cycle" refType="h" refFor="ch" refForName="cycle" fact="0.26"/>
+                <dgm:constr type="r" for="ch" forName="cycle" refType="w"/>
+                <dgm:constr type="ctrY" for="ch" forName="cycle" refType="h" fact="0.5"/>
+                <dgm:constr type="diam" for="ch" forName="cycle" refType="h" fact="1.344"/>
+                <dgm:constr type="h" for="ch" forName="accent_1" refType="h" fact="0.1136"/>
+                <dgm:constr type="w" for="ch" forName="accent_1" refType="h" refFor="ch" refForName="accent_1" op="equ"/>
+                <dgm:constr type="ctrY" for="ch" forName="accent_1" refType="h" fact="0.0909"/>
+                <dgm:constr type="ctrX" for="ch" forName="accent_1" refType="w"/>
+                <dgm:constr type="ctrXOff" for="ch" forName="accent_1" refType="h" fact="-0.0835"/>
+                <dgm:constr type="r" for="ch" forName="text_1" refType="ctrX" refFor="ch" refForName="accent_1"/>
+                <dgm:constr type="rOff" for="ch" forName="text_1" refType="ctrXOff" refFor="ch" refForName="accent_1"/>
+                <dgm:constr type="l" for="ch" forName="text_1"/>
+                <dgm:constr type="w" for="ch" forName="text_1" refType="h" refFor="ch" refForName="text_1" op="gte"/>
+                <dgm:constr type="h" for="ch" forName="text_1" refType="h" refFor="ch" refForName="accent_1" fact="0.8"/>
+                <dgm:constr type="ctrY" for="ch" forName="text_1" refType="ctrY" refFor="ch" refForName="accent_1"/>
+                <dgm:constr type="rMarg" for="ch" forName="text_1" refType="w" refFor="ch" refForName="accent_1" fact="1.8"/>
+                <dgm:constr type="h" for="ch" forName="accent_2" refType="h" fact="0.1136"/>
+                <dgm:constr type="w" for="ch" forName="accent_2" refType="h" refFor="ch" refForName="accent_2" op="equ"/>
+                <dgm:constr type="ctrY" for="ch" forName="accent_2" refType="h" fact="0.2273"/>
+                <dgm:constr type="ctrX" for="ch" forName="accent_2" refType="w"/>
+                <dgm:constr type="ctrXOff" for="ch" forName="accent_2" refType="h" fact="-0.1658"/>
+                <dgm:constr type="r" for="ch" forName="text_2" refType="ctrX" refFor="ch" refForName="accent_2"/>
+                <dgm:constr type="rOff" for="ch" forName="text_2" refType="ctrXOff" refFor="ch" refForName="accent_2"/>
+                <dgm:constr type="l" for="ch" forName="text_2"/>
+                <dgm:constr type="w" for="ch" forName="text_2" refType="h" refFor="ch" refForName="text_2" op="gte"/>
+                <dgm:constr type="h" for="ch" forName="text_2" refType="h" refFor="ch" refForName="accent_2" fact="0.8"/>
+                <dgm:constr type="ctrY" for="ch" forName="text_2" refType="ctrY" refFor="ch" refForName="accent_2"/>
+                <dgm:constr type="rMarg" for="ch" forName="text_2" refType="w" refFor="ch" refForName="accent_2" fact="1.8"/>
+                <dgm:constr type="h" for="ch" forName="accent_3" refType="h" fact="0.1136"/>
+                <dgm:constr type="w" for="ch" forName="accent_3" refType="h" refFor="ch" refForName="accent_3" op="equ"/>
+                <dgm:constr type="ctrY" for="ch" forName="accent_3" refType="h" fact="0.3636"/>
+                <dgm:constr type="ctrX" for="ch" forName="accent_3" refType="w"/>
+                <dgm:constr type="ctrXOff" for="ch" forName="accent_3" refType="h" fact="-0.2109"/>
+                <dgm:constr type="r" for="ch" forName="text_3" refType="ctrX" refFor="ch" refForName="accent_3"/>
+                <dgm:constr type="rOff" for="ch" forName="text_3" refType="ctrXOff" refFor="ch" refForName="accent_3"/>
+                <dgm:constr type="l" for="ch" forName="text_3"/>
+                <dgm:constr type="w" for="ch" forName="text_3" refType="h" refFor="ch" refForName="text_3" op="gte"/>
+                <dgm:constr type="h" for="ch" forName="text_3" refType="h" refFor="ch" refForName="accent_3" fact="0.8"/>
+                <dgm:constr type="ctrY" for="ch" forName="text_3" refType="ctrY" refFor="ch" refForName="accent_3"/>
+                <dgm:constr type="rMarg" for="ch" forName="text_3" refType="w" refFor="ch" refForName="accent_3" fact="1.8"/>
+                <dgm:constr type="h" for="ch" forName="accent_4" refType="h" fact="0.1136"/>
+                <dgm:constr type="w" for="ch" forName="accent_4" refType="h" refFor="ch" refForName="accent_4" op="equ"/>
+                <dgm:constr type="ctrY" for="ch" forName="accent_4" refType="h" fact="0.5"/>
+                <dgm:constr type="ctrX" for="ch" forName="accent_4" refType="w"/>
+                <dgm:constr type="ctrXOff" for="ch" forName="accent_4" refType="h" fact="-0.2253"/>
+                <dgm:constr type="r" for="ch" forName="text_4" refType="ctrX" refFor="ch" refForName="accent_4"/>
+                <dgm:constr type="rOff" for="ch" forName="text_4" refType="ctrXOff" refFor="ch" refForName="accent_4"/>
+                <dgm:constr type="l" for="ch" forName="text_4"/>
+                <dgm:constr type="w" for="ch" forName="text_4" refType="h" refFor="ch" refForName="text_4" op="gte"/>
+                <dgm:constr type="h" for="ch" forName="text_4" refType="h" refFor="ch" refForName="accent_4" fact="0.8"/>
+                <dgm:constr type="ctrY" for="ch" forName="text_4" refType="ctrY" refFor="ch" refForName="accent_4"/>
+                <dgm:constr type="rMarg" for="ch" forName="text_4" refType="w" refFor="ch" refForName="accent_4" fact="1.8"/>
+                <dgm:constr type="h" for="ch" forName="accent_5" refType="h" fact="0.1136"/>
+                <dgm:constr type="w" for="ch" forName="accent_5" refType="h" refFor="ch" refForName="accent_5" op="equ"/>
+                <dgm:constr type="ctrY" for="ch" forName="accent_5" refType="h" fact="0.6364"/>
+                <dgm:constr type="ctrX" for="ch" forName="accent_5" refType="w"/>
+                <dgm:constr type="ctrXOff" for="ch" forName="accent_5" refType="h" fact="-0.2109"/>
+                <dgm:constr type="r" for="ch" forName="text_5" refType="ctrX" refFor="ch" refForName="accent_5"/>
+                <dgm:constr type="rOff" for="ch" forName="text_5" refType="ctrXOff" refFor="ch" refForName="accent_5"/>
+                <dgm:constr type="l" for="ch" forName="text_5"/>
+                <dgm:constr type="w" for="ch" forName="text_5" refType="h" refFor="ch" refForName="text_5" op="gte"/>
+                <dgm:constr type="h" for="ch" forName="text_5" refType="h" refFor="ch" refForName="accent_5" fact="0.8"/>
+                <dgm:constr type="ctrY" for="ch" forName="text_5" refType="ctrY" refFor="ch" refForName="accent_5"/>
+                <dgm:constr type="rMarg" for="ch" forName="text_5" refType="w" refFor="ch" refForName="accent_5" fact="1.8"/>
+                <dgm:constr type="h" for="ch" forName="accent_6" refType="h" fact="0.1136"/>
+                <dgm:constr type="w" for="ch" forName="accent_6" refType="h" refFor="ch" refForName="accent_6" op="equ"/>
+                <dgm:constr type="ctrY" for="ch" forName="accent_6" refType="h" fact="0.7727"/>
+                <dgm:constr type="ctrX" for="ch" forName="accent_6" refType="w"/>
+                <dgm:constr type="ctrXOff" for="ch" forName="accent_6" refType="h" fact="-0.1658"/>
+                <dgm:constr type="r" for="ch" forName="text_6" refType="ctrX" refFor="ch" refForName="accent_6"/>
+                <dgm:constr type="rOff" for="ch" forName="text_6" refType="ctrXOff" refFor="ch" refForName="accent_6"/>
+                <dgm:constr type="l" for="ch" forName="text_6"/>
+                <dgm:constr type="w" for="ch" forName="text_6" refType="h" refFor="ch" refForName="text_6" op="gte"/>
+                <dgm:constr type="h" for="ch" forName="text_6" refType="h" refFor="ch" refForName="accent_6" fact="0.8"/>
+                <dgm:constr type="ctrY" for="ch" forName="text_6" refType="ctrY" refFor="ch" refForName="accent_6"/>
+                <dgm:constr type="rMarg" for="ch" forName="text_6" refType="w" refFor="ch" refForName="accent_6" fact="1.8"/>
+                <dgm:constr type="h" for="ch" forName="accent_7" refType="h" fact="0.1136"/>
+                <dgm:constr type="w" for="ch" forName="accent_7" refType="h" refFor="ch" refForName="accent_7" op="equ"/>
+                <dgm:constr type="ctrY" for="ch" forName="accent_7" refType="h" fact="0.9091"/>
+                <dgm:constr type="ctrX" for="ch" forName="accent_7" refType="w"/>
+                <dgm:constr type="ctrXOff" for="ch" forName="accent_7" refType="h" fact="-0.0835"/>
+                <dgm:constr type="r" for="ch" forName="text_7" refType="ctrX" refFor="ch" refForName="accent_7"/>
+                <dgm:constr type="rOff" for="ch" forName="text_7" refType="ctrXOff" refFor="ch" refForName="accent_7"/>
+                <dgm:constr type="l" for="ch" forName="text_7"/>
+                <dgm:constr type="w" for="ch" forName="text_7" refType="h" refFor="ch" refForName="text_7" op="gte"/>
+                <dgm:constr type="h" for="ch" forName="text_7" refType="h" refFor="ch" refForName="accent_7" fact="0.8"/>
+                <dgm:constr type="ctrY" for="ch" forName="text_7" refType="ctrY" refFor="ch" refForName="accent_7"/>
+                <dgm:constr type="rMarg" for="ch" forName="text_7" refType="w" refFor="ch" refForName="accent_7" fact="1.8"/>
+                <dgm:constr type="primFontSz" for="ch" ptType="node" op="equ" val="65"/>
+              </dgm:constrLst>
+            </dgm:else>
+          </dgm:choose>
+        </dgm:else>
+      </dgm:choose>
+      <dgm:layoutNode name="cycle">
+        <dgm:choose name="Name21">
+          <dgm:if name="Name22" func="var" arg="dir" op="equ" val="norm">
+            <dgm:alg type="cycle">
+              <dgm:param type="stAng" val="45"/>
+              <dgm:param type="spanAng" val="90"/>
+            </dgm:alg>
+          </dgm:if>
+          <dgm:else name="Name23">
+            <dgm:alg type="cycle">
+              <dgm:param type="stAng" val="225"/>
+              <dgm:param type="spanAng" val="90"/>
+            </dgm:alg>
+          </dgm:else>
+        </dgm:choose>
+        <dgm:shape xmlns:r="http://schemas.openxmlformats.org/officeDocument/2006/relationships" r:blip="">
+          <dgm:adjLst/>
+        </dgm:shape>
+        <dgm:presOf/>
+        <dgm:constrLst>
+          <dgm:constr type="w" for="ch" val="1"/>
+          <dgm:constr type="h" for="ch" val="1"/>
+          <dgm:constr type="diam" for="ch" forName="conn" refType="diam"/>
+        </dgm:constrLst>
+        <dgm:layoutNode name="srcNode">
+          <dgm:alg type="sp"/>
+          <dgm:shape xmlns:r="http://schemas.openxmlformats.org/officeDocument/2006/relationships" type="rect" r:blip="" hideGeom="1">
+            <dgm:adjLst/>
+          </dgm:shape>
+          <dgm:presOf/>
+        </dgm:layoutNode>
+        <dgm:layoutNode name="conn" styleLbl="parChTrans1D2">
+          <dgm:alg type="conn">
+            <dgm:param type="connRout" val="curve"/>
+            <dgm:param type="srcNode" val="srcNode"/>
+            <dgm:param type="dstNode" val="dstNode"/>
+            <dgm:param type="begPts" val="ctr"/>
+            <dgm:param type="endPts" val="ctr"/>
+            <dgm:param type="endSty" val="noArr"/>
+          </dgm:alg>
+          <dgm:shape xmlns:r="http://schemas.openxmlformats.org/officeDocument/2006/relationships" type="conn" r:blip="">
+            <dgm:adjLst/>
+          </dgm:shape>
+          <dgm:presOf axis="desOrSelf" ptType="sibTrans" hideLastTrans="0" st="0" cnt="1"/>
+          <dgm:constrLst>
+            <dgm:constr type="begPad"/>
+            <dgm:constr type="endPad"/>
+          </dgm:constrLst>
+        </dgm:layoutNode>
+        <dgm:layoutNode name="extraNode">
+          <dgm:alg type="sp"/>
+          <dgm:shape xmlns:r="http://schemas.openxmlformats.org/officeDocument/2006/relationships" type="rect" r:blip="" hideGeom="1">
+            <dgm:adjLst/>
+          </dgm:shape>
+          <dgm:presOf/>
+        </dgm:layoutNode>
+        <dgm:layoutNode name="dstNode">
+          <dgm:alg type="sp"/>
+          <dgm:shape xmlns:r="http://schemas.openxmlformats.org/officeDocument/2006/relationships" type="rect" r:blip="" hideGeom="1">
+            <dgm:adjLst/>
+          </dgm:shape>
+          <dgm:presOf/>
+        </dgm:layoutNode>
+      </dgm:layoutNode>
+      <dgm:forEach name="wrapper" axis="self" ptType="parTrans">
+        <dgm:forEach name="wrapper2" axis="self" ptType="sibTrans" st="2">
+          <dgm:forEach name="accentRepeat" axis="self">
+            <dgm:layoutNode name="accentRepeatNode" styleLbl="solidFgAcc1">
+              <dgm:alg type="sp"/>
+              <dgm:shape xmlns:r="http://schemas.openxmlformats.org/officeDocument/2006/relationships" type="ellipse" r:blip="">
+                <dgm:adjLst/>
+              </dgm:shape>
+              <dgm:presOf/>
+            </dgm:layoutNode>
+          </dgm:forEach>
+        </dgm:forEach>
+      </dgm:forEach>
+      <dgm:forEach name="Name24" axis="ch" ptType="node" cnt="1">
+        <dgm:layoutNode name="text_1" styleLbl="node1">
+          <dgm:varLst>
+            <dgm:bulletEnabled val="1"/>
+          </dgm:varLst>
+          <dgm:choose name="Name25">
+            <dgm:if name="Name26" func="var" arg="dir" op="equ" val="norm">
+              <dgm:alg type="tx">
+                <dgm:param type="parTxLTRAlign" val="l"/>
+                <dgm:param type="shpTxLTRAlignCh" val="l"/>
+                <dgm:param type="parTxRTLAlign" val="l"/>
+                <dgm:param type="shpTxRTLAlignCh" val="l"/>
+              </dgm:alg>
+            </dgm:if>
+            <dgm:else name="Name27">
+              <dgm:alg type="tx">
+                <dgm:param type="parTxLTRAlign" val="r"/>
+                <dgm:param type="shpTxLTRAlignCh" val="r"/>
+                <dgm:param type="parTxRTLAlign" val="r"/>
+                <dgm:param type="shpTxRTLAlignCh" val="r"/>
+              </dgm:alg>
+            </dgm:else>
+          </dgm:choose>
+          <dgm:shape xmlns:r="http://schemas.openxmlformats.org/officeDocument/2006/relationships" type="rect" r:blip="">
+            <dgm:adjLst/>
+          </dgm:shape>
+          <dgm:presOf axis="desOrSelf" ptType="node"/>
+          <dgm:constrLst>
+            <dgm:constr type="primFontSz" val="65"/>
+            <dgm:constr type="lMarg" refType="primFontSz" fact="0.2"/>
+            <dgm:constr type="rMarg" refType="primFontSz" fact="0.2"/>
+            <dgm:constr type="tMarg" refType="primFontSz" fact="0.2"/>
+            <dgm:constr type="bMarg" refType="primFontSz" fact="0.2"/>
+          </dgm:constrLst>
+          <dgm:ruleLst>
+            <dgm:rule type="primFontSz" val="5" fact="NaN" max="NaN"/>
+          </dgm:ruleLst>
+        </dgm:layoutNode>
+        <dgm:layoutNode name="accent_1">
+          <dgm:alg type="sp"/>
+          <dgm:shape xmlns:r="http://schemas.openxmlformats.org/officeDocument/2006/relationships" r:blip="">
+            <dgm:adjLst/>
+          </dgm:shape>
+          <dgm:presOf/>
+          <dgm:constrLst/>
+          <dgm:forEach name="Name28" ref="accentRepeat"/>
+        </dgm:layoutNode>
+      </dgm:forEach>
+      <dgm:forEach name="Name29" axis="ch" ptType="node" st="2" cnt="1">
+        <dgm:layoutNode name="text_2" styleLbl="node1">
+          <dgm:varLst>
+            <dgm:bulletEnabled val="1"/>
+          </dgm:varLst>
+          <dgm:choose name="Name30">
+            <dgm:if name="Name31" func="var" arg="dir" op="equ" val="norm">
+              <dgm:alg type="tx">
+                <dgm:param type="parTxLTRAlign" val="l"/>
+                <dgm:param type="shpTxLTRAlignCh" val="l"/>
+                <dgm:param type="parTxRTLAlign" val="l"/>
+                <dgm:param type="shpTxRTLAlignCh" val="l"/>
+              </dgm:alg>
+            </dgm:if>
+            <dgm:else name="Name32">
+              <dgm:alg type="tx">
+                <dgm:param type="parTxLTRAlign" val="r"/>
+                <dgm:param type="shpTxLTRAlignCh" val="r"/>
+                <dgm:param type="parTxRTLAlign" val="r"/>
+                <dgm:param type="shpTxRTLAlignCh" val="r"/>
+              </dgm:alg>
+            </dgm:else>
+          </dgm:choose>
+          <dgm:shape xmlns:r="http://schemas.openxmlformats.org/officeDocument/2006/relationships" type="rect" r:blip="">
+            <dgm:adjLst/>
+          </dgm:shape>
+          <dgm:presOf axis="desOrSelf" ptType="node"/>
+          <dgm:constrLst>
+            <dgm:constr type="primFontSz" val="65"/>
+            <dgm:constr type="lMarg" refType="primFontSz" fact="0.2"/>
+            <dgm:constr type="rMarg" refType="primFontSz" fact="0.2"/>
+            <dgm:constr type="tMarg" refType="primFontSz" fact="0.2"/>
+            <dgm:constr type="bMarg" refType="primFontSz" fact="0.2"/>
+          </dgm:constrLst>
+          <dgm:ruleLst>
+            <dgm:rule type="primFontSz" val="5" fact="NaN" max="NaN"/>
+          </dgm:ruleLst>
+        </dgm:layoutNode>
+        <dgm:layoutNode name="accent_2">
+          <dgm:alg type="sp"/>
+          <dgm:shape xmlns:r="http://schemas.openxmlformats.org/officeDocument/2006/relationships" r:blip="">
+            <dgm:adjLst/>
+          </dgm:shape>
+          <dgm:presOf/>
+          <dgm:constrLst/>
+          <dgm:forEach name="Name33" ref="accentRepeat"/>
+        </dgm:layoutNode>
+      </dgm:forEach>
+      <dgm:forEach name="Name34" axis="ch" ptType="node" st="3" cnt="1">
+        <dgm:layoutNode name="text_3" styleLbl="node1">
+          <dgm:varLst>
+            <dgm:bulletEnabled val="1"/>
+          </dgm:varLst>
+          <dgm:choose name="Name35">
+            <dgm:if name="Name36" func="var" arg="dir" op="equ" val="norm">
+              <dgm:alg type="tx">
+                <dgm:param type="parTxLTRAlign" val="l"/>
+                <dgm:param type="shpTxLTRAlignCh" val="l"/>
+                <dgm:param type="parTxRTLAlign" val="l"/>
+                <dgm:param type="shpTxRTLAlignCh" val="l"/>
+              </dgm:alg>
+            </dgm:if>
+            <dgm:else name="Name37">
+              <dgm:alg type="tx">
+                <dgm:param type="parTxLTRAlign" val="r"/>
+                <dgm:param type="shpTxLTRAlignCh" val="r"/>
+                <dgm:param type="parTxRTLAlign" val="r"/>
+                <dgm:param type="shpTxRTLAlignCh" val="r"/>
+              </dgm:alg>
+            </dgm:else>
+          </dgm:choose>
+          <dgm:shape xmlns:r="http://schemas.openxmlformats.org/officeDocument/2006/relationships" type="rect" r:blip="">
+            <dgm:adjLst/>
+          </dgm:shape>
+          <dgm:presOf axis="desOrSelf" ptType="node"/>
+          <dgm:constrLst>
+            <dgm:constr type="primFontSz" val="65"/>
+            <dgm:constr type="lMarg" refType="primFontSz" fact="0.2"/>
+            <dgm:constr type="rMarg" refType="primFontSz" fact="0.2"/>
+            <dgm:constr type="tMarg" refType="primFontSz" fact="0.2"/>
+            <dgm:constr type="bMarg" refType="primFontSz" fact="0.2"/>
+          </dgm:constrLst>
+          <dgm:ruleLst>
+            <dgm:rule type="primFontSz" val="5" fact="NaN" max="NaN"/>
+          </dgm:ruleLst>
+        </dgm:layoutNode>
+        <dgm:layoutNode name="accent_3">
+          <dgm:alg type="sp"/>
+          <dgm:shape xmlns:r="http://schemas.openxmlformats.org/officeDocument/2006/relationships" r:blip="">
+            <dgm:adjLst/>
+          </dgm:shape>
+          <dgm:presOf/>
+          <dgm:constrLst/>
+          <dgm:forEach name="Name38" ref="accentRepeat"/>
+        </dgm:layoutNode>
+      </dgm:forEach>
+      <dgm:forEach name="Name39" axis="ch" ptType="node" st="4" cnt="1">
+        <dgm:layoutNode name="text_4" styleLbl="node1">
+          <dgm:varLst>
+            <dgm:bulletEnabled val="1"/>
+          </dgm:varLst>
+          <dgm:choose name="Name40">
+            <dgm:if name="Name41" func="var" arg="dir" op="equ" val="norm">
+              <dgm:alg type="tx">
+                <dgm:param type="parTxLTRAlign" val="l"/>
+                <dgm:param type="shpTxLTRAlignCh" val="l"/>
+                <dgm:param type="parTxRTLAlign" val="l"/>
+                <dgm:param type="shpTxRTLAlignCh" val="l"/>
+              </dgm:alg>
+            </dgm:if>
+            <dgm:else name="Name42">
+              <dgm:alg type="tx">
+                <dgm:param type="parTxLTRAlign" val="r"/>
+                <dgm:param type="shpTxLTRAlignCh" val="r"/>
+                <dgm:param type="parTxRTLAlign" val="r"/>
+                <dgm:param type="shpTxRTLAlignCh" val="r"/>
+              </dgm:alg>
+            </dgm:else>
+          </dgm:choose>
+          <dgm:shape xmlns:r="http://schemas.openxmlformats.org/officeDocument/2006/relationships" type="rect" r:blip="">
+            <dgm:adjLst/>
+          </dgm:shape>
+          <dgm:presOf axis="desOrSelf" ptType="node"/>
+          <dgm:constrLst>
+            <dgm:constr type="primFontSz" val="65"/>
+            <dgm:constr type="lMarg" refType="primFontSz" fact="0.2"/>
+            <dgm:constr type="rMarg" refType="primFontSz" fact="0.2"/>
+            <dgm:constr type="tMarg" refType="primFontSz" fact="0.2"/>
+            <dgm:constr type="bMarg" refType="primFontSz" fact="0.2"/>
+          </dgm:constrLst>
+          <dgm:ruleLst>
+            <dgm:rule type="primFontSz" val="5" fact="NaN" max="NaN"/>
+          </dgm:ruleLst>
+        </dgm:layoutNode>
+        <dgm:layoutNode name="accent_4">
+          <dgm:alg type="sp"/>
+          <dgm:shape xmlns:r="http://schemas.openxmlformats.org/officeDocument/2006/relationships" r:blip="">
+            <dgm:adjLst/>
+          </dgm:shape>
+          <dgm:presOf/>
+          <dgm:constrLst/>
+          <dgm:forEach name="Name43" ref="accentRepeat"/>
+        </dgm:layoutNode>
+      </dgm:forEach>
+      <dgm:forEach name="Name44" axis="ch" ptType="node" st="5" cnt="1">
+        <dgm:layoutNode name="text_5" styleLbl="node1">
+          <dgm:varLst>
+            <dgm:bulletEnabled val="1"/>
+          </dgm:varLst>
+          <dgm:choose name="Name45">
+            <dgm:if name="Name46" func="var" arg="dir" op="equ" val="norm">
+              <dgm:alg type="tx">
+                <dgm:param type="parTxLTRAlign" val="l"/>
+                <dgm:param type="shpTxLTRAlignCh" val="l"/>
+                <dgm:param type="parTxRTLAlign" val="l"/>
+                <dgm:param type="shpTxRTLAlignCh" val="l"/>
+              </dgm:alg>
+            </dgm:if>
+            <dgm:else name="Name47">
+              <dgm:alg type="tx">
+                <dgm:param type="parTxLTRAlign" val="r"/>
+                <dgm:param type="shpTxLTRAlignCh" val="r"/>
+                <dgm:param type="parTxRTLAlign" val="r"/>
+                <dgm:param type="shpTxRTLAlignCh" val="r"/>
+              </dgm:alg>
+            </dgm:else>
+          </dgm:choose>
+          <dgm:shape xmlns:r="http://schemas.openxmlformats.org/officeDocument/2006/relationships" type="rect" r:blip="">
+            <dgm:adjLst/>
+          </dgm:shape>
+          <dgm:presOf axis="desOrSelf" ptType="node"/>
+          <dgm:constrLst>
+            <dgm:constr type="primFontSz" val="65"/>
+            <dgm:constr type="lMarg" refType="primFontSz" fact="0.2"/>
+            <dgm:constr type="rMarg" refType="primFontSz" fact="0.2"/>
+            <dgm:constr type="tMarg" refType="primFontSz" fact="0.2"/>
+            <dgm:constr type="bMarg" refType="primFontSz" fact="0.2"/>
+          </dgm:constrLst>
+          <dgm:ruleLst>
+            <dgm:rule type="primFontSz" val="5" fact="NaN" max="NaN"/>
+          </dgm:ruleLst>
+        </dgm:layoutNode>
+        <dgm:layoutNode name="accent_5">
+          <dgm:alg type="sp"/>
+          <dgm:shape xmlns:r="http://schemas.openxmlformats.org/officeDocument/2006/relationships" r:blip="">
+            <dgm:adjLst/>
+          </dgm:shape>
+          <dgm:presOf/>
+          <dgm:constrLst/>
+          <dgm:forEach name="Name48" ref="accentRepeat"/>
+        </dgm:layoutNode>
+      </dgm:forEach>
+      <dgm:forEach name="Name49" axis="ch" ptType="node" st="6" cnt="1">
+        <dgm:layoutNode name="text_6" styleLbl="node1">
+          <dgm:varLst>
+            <dgm:bulletEnabled val="1"/>
+          </dgm:varLst>
+          <dgm:choose name="Name50">
+            <dgm:if name="Name51" func="var" arg="dir" op="equ" val="norm">
+              <dgm:alg type="tx">
+                <dgm:param type="parTxLTRAlign" val="l"/>
+                <dgm:param type="shpTxLTRAlignCh" val="l"/>
+                <dgm:param type="parTxRTLAlign" val="l"/>
+                <dgm:param type="shpTxRTLAlignCh" val="l"/>
+              </dgm:alg>
+            </dgm:if>
+            <dgm:else name="Name52">
+              <dgm:alg type="tx">
+                <dgm:param type="parTxLTRAlign" val="r"/>
+                <dgm:param type="shpTxLTRAlignCh" val="r"/>
+                <dgm:param type="parTxRTLAlign" val="r"/>
+                <dgm:param type="shpTxRTLAlignCh" val="r"/>
+              </dgm:alg>
+            </dgm:else>
+          </dgm:choose>
+          <dgm:shape xmlns:r="http://schemas.openxmlformats.org/officeDocument/2006/relationships" type="rect" r:blip="">
+            <dgm:adjLst/>
+          </dgm:shape>
+          <dgm:presOf axis="desOrSelf" ptType="node"/>
+          <dgm:constrLst>
+            <dgm:constr type="primFontSz" val="65"/>
+            <dgm:constr type="lMarg" refType="primFontSz" fact="0.2"/>
+            <dgm:constr type="rMarg" refType="primFontSz" fact="0.2"/>
+            <dgm:constr type="tMarg" refType="primFontSz" fact="0.2"/>
+            <dgm:constr type="bMarg" refType="primFontSz" fact="0.2"/>
+          </dgm:constrLst>
+          <dgm:ruleLst>
+            <dgm:rule type="primFontSz" val="5" fact="NaN" max="NaN"/>
+          </dgm:ruleLst>
+        </dgm:layoutNode>
+        <dgm:layoutNode name="accent_6">
+          <dgm:alg type="sp"/>
+          <dgm:shape xmlns:r="http://schemas.openxmlformats.org/officeDocument/2006/relationships" r:blip="">
+            <dgm:adjLst/>
+          </dgm:shape>
+          <dgm:presOf/>
+          <dgm:constrLst/>
+          <dgm:forEach name="Name53" ref="accentRepeat"/>
+        </dgm:layoutNode>
+      </dgm:forEach>
+      <dgm:forEach name="Name54" axis="ch" ptType="node" st="7" cnt="1">
+        <dgm:layoutNode name="text_7" styleLbl="node1">
+          <dgm:varLst>
+            <dgm:bulletEnabled val="1"/>
+          </dgm:varLst>
+          <dgm:choose name="Name55">
+            <dgm:if name="Name56" func="var" arg="dir" op="equ" val="norm">
+              <dgm:alg type="tx">
+                <dgm:param type="parTxLTRAlign" val="l"/>
+                <dgm:param type="shpTxLTRAlignCh" val="l"/>
+                <dgm:param type="parTxRTLAlign" val="l"/>
+                <dgm:param type="shpTxRTLAlignCh" val="l"/>
+              </dgm:alg>
+            </dgm:if>
+            <dgm:else name="Name57">
+              <dgm:alg type="tx">
+                <dgm:param type="parTxLTRAlign" val="r"/>
+                <dgm:param type="shpTxLTRAlignCh" val="r"/>
+                <dgm:param type="parTxRTLAlign" val="r"/>
+                <dgm:param type="shpTxRTLAlignCh" val="r"/>
+              </dgm:alg>
+            </dgm:else>
+          </dgm:choose>
+          <dgm:shape xmlns:r="http://schemas.openxmlformats.org/officeDocument/2006/relationships" type="rect" r:blip="">
+            <dgm:adjLst/>
+          </dgm:shape>
+          <dgm:presOf axis="desOrSelf" ptType="node"/>
+          <dgm:constrLst>
+            <dgm:constr type="primFontSz" val="65"/>
+            <dgm:constr type="lMarg" refType="primFontSz" fact="0.2"/>
+            <dgm:constr type="rMarg" refType="primFontSz" fact="0.2"/>
+            <dgm:constr type="tMarg" refType="primFontSz" fact="0.2"/>
+            <dgm:constr type="bMarg" refType="primFontSz" fact="0.2"/>
+          </dgm:constrLst>
+          <dgm:ruleLst>
+            <dgm:rule type="primFontSz" val="5" fact="NaN" max="NaN"/>
+          </dgm:ruleLst>
+        </dgm:layoutNode>
+        <dgm:layoutNode name="accent_7">
+          <dgm:alg type="sp"/>
+          <dgm:shape xmlns:r="http://schemas.openxmlformats.org/officeDocument/2006/relationships" r:blip="">
+            <dgm:adjLst/>
+          </dgm:shape>
+          <dgm:presOf/>
+          <dgm:constrLst/>
+          <dgm:forEach name="Name58" ref="accentRepeat"/>
+        </dgm:layoutNode>
+      </dgm:forEach>
+    </dgm:layoutNode>
+  </dgm:layoutNode>
+</dgm:layoutDef>
+</file>
+
 <file path=ppt/diagrams/quickStyle1.xml><?xml version="1.0" encoding="utf-8"?>
 <dgm:styleDef xmlns:dgm="http://schemas.openxmlformats.org/drawingml/2006/diagram" xmlns:a="http://schemas.openxmlformats.org/drawingml/2006/main" uniqueId="urn:microsoft.com/office/officeart/2005/8/quickstyle/simple1">
   <dgm:title val=""/>
@@ -6109,6 +9377,1040 @@
 </file>
 
 <file path=ppt/diagrams/quickStyle2.xml><?xml version="1.0" encoding="utf-8"?>
+<dgm:styleDef xmlns:dgm="http://schemas.openxmlformats.org/drawingml/2006/diagram" xmlns:a="http://schemas.openxmlformats.org/drawingml/2006/main" uniqueId="urn:microsoft.com/office/officeart/2005/8/quickstyle/simple1">
+  <dgm:title val=""/>
+  <dgm:desc val=""/>
+  <dgm:catLst>
+    <dgm:cat type="simple" pri="10100"/>
+  </dgm:catLst>
+  <dgm:scene3d>
+    <a:camera prst="orthographicFront"/>
+    <a:lightRig rig="threePt" dir="t"/>
+  </dgm:scene3d>
+  <dgm:styleLbl name="node0">
+    <dgm:scene3d>
+      <a:camera prst="orthographicFront"/>
+      <a:lightRig rig="threePt" dir="t"/>
+    </dgm:scene3d>
+    <dgm:sp3d/>
+    <dgm:txPr/>
+    <dgm:style>
+      <a:lnRef idx="2">
+        <a:scrgbClr r="0" g="0" b="0"/>
+      </a:lnRef>
+      <a:fillRef idx="1">
+        <a:scrgbClr r="0" g="0" b="0"/>
+      </a:fillRef>
+      <a:effectRef idx="0">
+        <a:scrgbClr r="0" g="0" b="0"/>
+      </a:effectRef>
+      <a:fontRef idx="minor">
+        <a:schemeClr val="lt1"/>
+      </a:fontRef>
+    </dgm:style>
+  </dgm:styleLbl>
+  <dgm:styleLbl name="lnNode1">
+    <dgm:scene3d>
+      <a:camera prst="orthographicFront"/>
+      <a:lightRig rig="threePt" dir="t"/>
+    </dgm:scene3d>
+    <dgm:sp3d/>
+    <dgm:txPr/>
+    <dgm:style>
+      <a:lnRef idx="2">
+        <a:scrgbClr r="0" g="0" b="0"/>
+      </a:lnRef>
+      <a:fillRef idx="1">
+        <a:scrgbClr r="0" g="0" b="0"/>
+      </a:fillRef>
+      <a:effectRef idx="0">
+        <a:scrgbClr r="0" g="0" b="0"/>
+      </a:effectRef>
+      <a:fontRef idx="minor">
+        <a:schemeClr val="lt1"/>
+      </a:fontRef>
+    </dgm:style>
+  </dgm:styleLbl>
+  <dgm:styleLbl name="vennNode1">
+    <dgm:scene3d>
+      <a:camera prst="orthographicFront"/>
+      <a:lightRig rig="threePt" dir="t"/>
+    </dgm:scene3d>
+    <dgm:sp3d/>
+    <dgm:txPr/>
+    <dgm:style>
+      <a:lnRef idx="2">
+        <a:scrgbClr r="0" g="0" b="0"/>
+      </a:lnRef>
+      <a:fillRef idx="1">
+        <a:scrgbClr r="0" g="0" b="0"/>
+      </a:fillRef>
+      <a:effectRef idx="0">
+        <a:scrgbClr r="0" g="0" b="0"/>
+      </a:effectRef>
+      <a:fontRef idx="minor">
+        <a:schemeClr val="tx1"/>
+      </a:fontRef>
+    </dgm:style>
+  </dgm:styleLbl>
+  <dgm:styleLbl name="alignNode1">
+    <dgm:scene3d>
+      <a:camera prst="orthographicFront"/>
+      <a:lightRig rig="threePt" dir="t"/>
+    </dgm:scene3d>
+    <dgm:sp3d/>
+    <dgm:txPr/>
+    <dgm:style>
+      <a:lnRef idx="2">
+        <a:scrgbClr r="0" g="0" b="0"/>
+      </a:lnRef>
+      <a:fillRef idx="1">
+        <a:scrgbClr r="0" g="0" b="0"/>
+      </a:fillRef>
+      <a:effectRef idx="0">
+        <a:scrgbClr r="0" g="0" b="0"/>
+      </a:effectRef>
+      <a:fontRef idx="minor">
+        <a:schemeClr val="lt1"/>
+      </a:fontRef>
+    </dgm:style>
+  </dgm:styleLbl>
+  <dgm:styleLbl name="node1">
+    <dgm:scene3d>
+      <a:camera prst="orthographicFront"/>
+      <a:lightRig rig="threePt" dir="t"/>
+    </dgm:scene3d>
+    <dgm:sp3d/>
+    <dgm:txPr/>
+    <dgm:style>
+      <a:lnRef idx="2">
+        <a:scrgbClr r="0" g="0" b="0"/>
+      </a:lnRef>
+      <a:fillRef idx="1">
+        <a:scrgbClr r="0" g="0" b="0"/>
+      </a:fillRef>
+      <a:effectRef idx="0">
+        <a:scrgbClr r="0" g="0" b="0"/>
+      </a:effectRef>
+      <a:fontRef idx="minor">
+        <a:schemeClr val="lt1"/>
+      </a:fontRef>
+    </dgm:style>
+  </dgm:styleLbl>
+  <dgm:styleLbl name="node2">
+    <dgm:scene3d>
+      <a:camera prst="orthographicFront"/>
+      <a:lightRig rig="threePt" dir="t"/>
+    </dgm:scene3d>
+    <dgm:sp3d/>
+    <dgm:txPr/>
+    <dgm:style>
+      <a:lnRef idx="2">
+        <a:scrgbClr r="0" g="0" b="0"/>
+      </a:lnRef>
+      <a:fillRef idx="1">
+        <a:scrgbClr r="0" g="0" b="0"/>
+      </a:fillRef>
+      <a:effectRef idx="0">
+        <a:scrgbClr r="0" g="0" b="0"/>
+      </a:effectRef>
+      <a:fontRef idx="minor">
+        <a:schemeClr val="lt1"/>
+      </a:fontRef>
+    </dgm:style>
+  </dgm:styleLbl>
+  <dgm:styleLbl name="node3">
+    <dgm:scene3d>
+      <a:camera prst="orthographicFront"/>
+      <a:lightRig rig="threePt" dir="t"/>
+    </dgm:scene3d>
+    <dgm:sp3d/>
+    <dgm:txPr/>
+    <dgm:style>
+      <a:lnRef idx="2">
+        <a:scrgbClr r="0" g="0" b="0"/>
+      </a:lnRef>
+      <a:fillRef idx="1">
+        <a:scrgbClr r="0" g="0" b="0"/>
+      </a:fillRef>
+      <a:effectRef idx="0">
+        <a:scrgbClr r="0" g="0" b="0"/>
+      </a:effectRef>
+      <a:fontRef idx="minor">
+        <a:schemeClr val="lt1"/>
+      </a:fontRef>
+    </dgm:style>
+  </dgm:styleLbl>
+  <dgm:styleLbl name="node4">
+    <dgm:scene3d>
+      <a:camera prst="orthographicFront"/>
+      <a:lightRig rig="threePt" dir="t"/>
+    </dgm:scene3d>
+    <dgm:sp3d/>
+    <dgm:txPr/>
+    <dgm:style>
+      <a:lnRef idx="2">
+        <a:scrgbClr r="0" g="0" b="0"/>
+      </a:lnRef>
+      <a:fillRef idx="1">
+        <a:scrgbClr r="0" g="0" b="0"/>
+      </a:fillRef>
+      <a:effectRef idx="0">
+        <a:scrgbClr r="0" g="0" b="0"/>
+      </a:effectRef>
+      <a:fontRef idx="minor">
+        <a:schemeClr val="lt1"/>
+      </a:fontRef>
+    </dgm:style>
+  </dgm:styleLbl>
+  <dgm:styleLbl name="fgImgPlace1">
+    <dgm:scene3d>
+      <a:camera prst="orthographicFront"/>
+      <a:lightRig rig="threePt" dir="t"/>
+    </dgm:scene3d>
+    <dgm:sp3d/>
+    <dgm:txPr/>
+    <dgm:style>
+      <a:lnRef idx="2">
+        <a:scrgbClr r="0" g="0" b="0"/>
+      </a:lnRef>
+      <a:fillRef idx="1">
+        <a:scrgbClr r="0" g="0" b="0"/>
+      </a:fillRef>
+      <a:effectRef idx="0">
+        <a:scrgbClr r="0" g="0" b="0"/>
+      </a:effectRef>
+      <a:fontRef idx="minor"/>
+    </dgm:style>
+  </dgm:styleLbl>
+  <dgm:styleLbl name="alignImgPlace1">
+    <dgm:scene3d>
+      <a:camera prst="orthographicFront"/>
+      <a:lightRig rig="threePt" dir="t"/>
+    </dgm:scene3d>
+    <dgm:sp3d/>
+    <dgm:txPr/>
+    <dgm:style>
+      <a:lnRef idx="2">
+        <a:scrgbClr r="0" g="0" b="0"/>
+      </a:lnRef>
+      <a:fillRef idx="1">
+        <a:scrgbClr r="0" g="0" b="0"/>
+      </a:fillRef>
+      <a:effectRef idx="0">
+        <a:scrgbClr r="0" g="0" b="0"/>
+      </a:effectRef>
+      <a:fontRef idx="minor"/>
+    </dgm:style>
+  </dgm:styleLbl>
+  <dgm:styleLbl name="bgImgPlace1">
+    <dgm:scene3d>
+      <a:camera prst="orthographicFront"/>
+      <a:lightRig rig="threePt" dir="t"/>
+    </dgm:scene3d>
+    <dgm:sp3d/>
+    <dgm:txPr/>
+    <dgm:style>
+      <a:lnRef idx="2">
+        <a:scrgbClr r="0" g="0" b="0"/>
+      </a:lnRef>
+      <a:fillRef idx="1">
+        <a:scrgbClr r="0" g="0" b="0"/>
+      </a:fillRef>
+      <a:effectRef idx="0">
+        <a:scrgbClr r="0" g="0" b="0"/>
+      </a:effectRef>
+      <a:fontRef idx="minor"/>
+    </dgm:style>
+  </dgm:styleLbl>
+  <dgm:styleLbl name="sibTrans2D1">
+    <dgm:scene3d>
+      <a:camera prst="orthographicFront"/>
+      <a:lightRig rig="threePt" dir="t"/>
+    </dgm:scene3d>
+    <dgm:sp3d/>
+    <dgm:txPr/>
+    <dgm:style>
+      <a:lnRef idx="0">
+        <a:scrgbClr r="0" g="0" b="0"/>
+      </a:lnRef>
+      <a:fillRef idx="1">
+        <a:scrgbClr r="0" g="0" b="0"/>
+      </a:fillRef>
+      <a:effectRef idx="0">
+        <a:scrgbClr r="0" g="0" b="0"/>
+      </a:effectRef>
+      <a:fontRef idx="minor">
+        <a:schemeClr val="lt1"/>
+      </a:fontRef>
+    </dgm:style>
+  </dgm:styleLbl>
+  <dgm:styleLbl name="fgSibTrans2D1">
+    <dgm:scene3d>
+      <a:camera prst="orthographicFront"/>
+      <a:lightRig rig="threePt" dir="t"/>
+    </dgm:scene3d>
+    <dgm:sp3d/>
+    <dgm:txPr/>
+    <dgm:style>
+      <a:lnRef idx="0">
+        <a:scrgbClr r="0" g="0" b="0"/>
+      </a:lnRef>
+      <a:fillRef idx="1">
+        <a:scrgbClr r="0" g="0" b="0"/>
+      </a:fillRef>
+      <a:effectRef idx="0">
+        <a:scrgbClr r="0" g="0" b="0"/>
+      </a:effectRef>
+      <a:fontRef idx="minor">
+        <a:schemeClr val="lt1"/>
+      </a:fontRef>
+    </dgm:style>
+  </dgm:styleLbl>
+  <dgm:styleLbl name="bgSibTrans2D1">
+    <dgm:scene3d>
+      <a:camera prst="orthographicFront"/>
+      <a:lightRig rig="threePt" dir="t"/>
+    </dgm:scene3d>
+    <dgm:sp3d/>
+    <dgm:txPr/>
+    <dgm:style>
+      <a:lnRef idx="0">
+        <a:scrgbClr r="0" g="0" b="0"/>
+      </a:lnRef>
+      <a:fillRef idx="1">
+        <a:scrgbClr r="0" g="0" b="0"/>
+      </a:fillRef>
+      <a:effectRef idx="0">
+        <a:scrgbClr r="0" g="0" b="0"/>
+      </a:effectRef>
+      <a:fontRef idx="minor">
+        <a:schemeClr val="lt1"/>
+      </a:fontRef>
+    </dgm:style>
+  </dgm:styleLbl>
+  <dgm:styleLbl name="sibTrans1D1">
+    <dgm:scene3d>
+      <a:camera prst="orthographicFront"/>
+      <a:lightRig rig="threePt" dir="t"/>
+    </dgm:scene3d>
+    <dgm:sp3d/>
+    <dgm:txPr/>
+    <dgm:style>
+      <a:lnRef idx="1">
+        <a:scrgbClr r="0" g="0" b="0"/>
+      </a:lnRef>
+      <a:fillRef idx="0">
+        <a:scrgbClr r="0" g="0" b="0"/>
+      </a:fillRef>
+      <a:effectRef idx="0">
+        <a:scrgbClr r="0" g="0" b="0"/>
+      </a:effectRef>
+      <a:fontRef idx="minor"/>
+    </dgm:style>
+  </dgm:styleLbl>
+  <dgm:styleLbl name="callout">
+    <dgm:scene3d>
+      <a:camera prst="orthographicFront"/>
+      <a:lightRig rig="threePt" dir="t"/>
+    </dgm:scene3d>
+    <dgm:sp3d/>
+    <dgm:txPr/>
+    <dgm:style>
+      <a:lnRef idx="2">
+        <a:scrgbClr r="0" g="0" b="0"/>
+      </a:lnRef>
+      <a:fillRef idx="1">
+        <a:scrgbClr r="0" g="0" b="0"/>
+      </a:fillRef>
+      <a:effectRef idx="0">
+        <a:scrgbClr r="0" g="0" b="0"/>
+      </a:effectRef>
+      <a:fontRef idx="minor"/>
+    </dgm:style>
+  </dgm:styleLbl>
+  <dgm:styleLbl name="asst0">
+    <dgm:scene3d>
+      <a:camera prst="orthographicFront"/>
+      <a:lightRig rig="threePt" dir="t"/>
+    </dgm:scene3d>
+    <dgm:sp3d/>
+    <dgm:txPr/>
+    <dgm:style>
+      <a:lnRef idx="2">
+        <a:scrgbClr r="0" g="0" b="0"/>
+      </a:lnRef>
+      <a:fillRef idx="1">
+        <a:scrgbClr r="0" g="0" b="0"/>
+      </a:fillRef>
+      <a:effectRef idx="0">
+        <a:scrgbClr r="0" g="0" b="0"/>
+      </a:effectRef>
+      <a:fontRef idx="minor">
+        <a:schemeClr val="lt1"/>
+      </a:fontRef>
+    </dgm:style>
+  </dgm:styleLbl>
+  <dgm:styleLbl name="asst1">
+    <dgm:scene3d>
+      <a:camera prst="orthographicFront"/>
+      <a:lightRig rig="threePt" dir="t"/>
+    </dgm:scene3d>
+    <dgm:sp3d/>
+    <dgm:txPr/>
+    <dgm:style>
+      <a:lnRef idx="2">
+        <a:scrgbClr r="0" g="0" b="0"/>
+      </a:lnRef>
+      <a:fillRef idx="1">
+        <a:scrgbClr r="0" g="0" b="0"/>
+      </a:fillRef>
+      <a:effectRef idx="0">
+        <a:scrgbClr r="0" g="0" b="0"/>
+      </a:effectRef>
+      <a:fontRef idx="minor">
+        <a:schemeClr val="lt1"/>
+      </a:fontRef>
+    </dgm:style>
+  </dgm:styleLbl>
+  <dgm:styleLbl name="asst2">
+    <dgm:scene3d>
+      <a:camera prst="orthographicFront"/>
+      <a:lightRig rig="threePt" dir="t"/>
+    </dgm:scene3d>
+    <dgm:sp3d/>
+    <dgm:txPr/>
+    <dgm:style>
+      <a:lnRef idx="2">
+        <a:scrgbClr r="0" g="0" b="0"/>
+      </a:lnRef>
+      <a:fillRef idx="1">
+        <a:scrgbClr r="0" g="0" b="0"/>
+      </a:fillRef>
+      <a:effectRef idx="0">
+        <a:scrgbClr r="0" g="0" b="0"/>
+      </a:effectRef>
+      <a:fontRef idx="minor">
+        <a:schemeClr val="lt1"/>
+      </a:fontRef>
+    </dgm:style>
+  </dgm:styleLbl>
+  <dgm:styleLbl name="asst3">
+    <dgm:scene3d>
+      <a:camera prst="orthographicFront"/>
+      <a:lightRig rig="threePt" dir="t"/>
+    </dgm:scene3d>
+    <dgm:sp3d/>
+    <dgm:txPr/>
+    <dgm:style>
+      <a:lnRef idx="2">
+        <a:scrgbClr r="0" g="0" b="0"/>
+      </a:lnRef>
+      <a:fillRef idx="1">
+        <a:scrgbClr r="0" g="0" b="0"/>
+      </a:fillRef>
+      <a:effectRef idx="0">
+        <a:scrgbClr r="0" g="0" b="0"/>
+      </a:effectRef>
+      <a:fontRef idx="minor">
+        <a:schemeClr val="lt1"/>
+      </a:fontRef>
+    </dgm:style>
+  </dgm:styleLbl>
+  <dgm:styleLbl name="asst4">
+    <dgm:scene3d>
+      <a:camera prst="orthographicFront"/>
+      <a:lightRig rig="threePt" dir="t"/>
+    </dgm:scene3d>
+    <dgm:sp3d/>
+    <dgm:txPr/>
+    <dgm:style>
+      <a:lnRef idx="2">
+        <a:scrgbClr r="0" g="0" b="0"/>
+      </a:lnRef>
+      <a:fillRef idx="1">
+        <a:scrgbClr r="0" g="0" b="0"/>
+      </a:fillRef>
+      <a:effectRef idx="0">
+        <a:scrgbClr r="0" g="0" b="0"/>
+      </a:effectRef>
+      <a:fontRef idx="minor">
+        <a:schemeClr val="lt1"/>
+      </a:fontRef>
+    </dgm:style>
+  </dgm:styleLbl>
+  <dgm:styleLbl name="parChTrans2D1">
+    <dgm:scene3d>
+      <a:camera prst="orthographicFront"/>
+      <a:lightRig rig="threePt" dir="t"/>
+    </dgm:scene3d>
+    <dgm:sp3d/>
+    <dgm:txPr/>
+    <dgm:style>
+      <a:lnRef idx="2">
+        <a:scrgbClr r="0" g="0" b="0"/>
+      </a:lnRef>
+      <a:fillRef idx="1">
+        <a:scrgbClr r="0" g="0" b="0"/>
+      </a:fillRef>
+      <a:effectRef idx="0">
+        <a:scrgbClr r="0" g="0" b="0"/>
+      </a:effectRef>
+      <a:fontRef idx="minor">
+        <a:schemeClr val="lt1"/>
+      </a:fontRef>
+    </dgm:style>
+  </dgm:styleLbl>
+  <dgm:styleLbl name="parChTrans2D2">
+    <dgm:scene3d>
+      <a:camera prst="orthographicFront"/>
+      <a:lightRig rig="threePt" dir="t"/>
+    </dgm:scene3d>
+    <dgm:sp3d/>
+    <dgm:txPr/>
+    <dgm:style>
+      <a:lnRef idx="2">
+        <a:scrgbClr r="0" g="0" b="0"/>
+      </a:lnRef>
+      <a:fillRef idx="1">
+        <a:scrgbClr r="0" g="0" b="0"/>
+      </a:fillRef>
+      <a:effectRef idx="0">
+        <a:scrgbClr r="0" g="0" b="0"/>
+      </a:effectRef>
+      <a:fontRef idx="minor">
+        <a:schemeClr val="lt1"/>
+      </a:fontRef>
+    </dgm:style>
+  </dgm:styleLbl>
+  <dgm:styleLbl name="parChTrans2D3">
+    <dgm:scene3d>
+      <a:camera prst="orthographicFront"/>
+      <a:lightRig rig="threePt" dir="t"/>
+    </dgm:scene3d>
+    <dgm:sp3d/>
+    <dgm:txPr/>
+    <dgm:style>
+      <a:lnRef idx="2">
+        <a:scrgbClr r="0" g="0" b="0"/>
+      </a:lnRef>
+      <a:fillRef idx="1">
+        <a:scrgbClr r="0" g="0" b="0"/>
+      </a:fillRef>
+      <a:effectRef idx="0">
+        <a:scrgbClr r="0" g="0" b="0"/>
+      </a:effectRef>
+      <a:fontRef idx="minor">
+        <a:schemeClr val="lt1"/>
+      </a:fontRef>
+    </dgm:style>
+  </dgm:styleLbl>
+  <dgm:styleLbl name="parChTrans2D4">
+    <dgm:scene3d>
+      <a:camera prst="orthographicFront"/>
+      <a:lightRig rig="threePt" dir="t"/>
+    </dgm:scene3d>
+    <dgm:sp3d/>
+    <dgm:txPr/>
+    <dgm:style>
+      <a:lnRef idx="2">
+        <a:scrgbClr r="0" g="0" b="0"/>
+      </a:lnRef>
+      <a:fillRef idx="1">
+        <a:scrgbClr r="0" g="0" b="0"/>
+      </a:fillRef>
+      <a:effectRef idx="0">
+        <a:scrgbClr r="0" g="0" b="0"/>
+      </a:effectRef>
+      <a:fontRef idx="minor">
+        <a:schemeClr val="lt1"/>
+      </a:fontRef>
+    </dgm:style>
+  </dgm:styleLbl>
+  <dgm:styleLbl name="parChTrans1D1">
+    <dgm:scene3d>
+      <a:camera prst="orthographicFront"/>
+      <a:lightRig rig="threePt" dir="t"/>
+    </dgm:scene3d>
+    <dgm:sp3d/>
+    <dgm:txPr/>
+    <dgm:style>
+      <a:lnRef idx="2">
+        <a:scrgbClr r="0" g="0" b="0"/>
+      </a:lnRef>
+      <a:fillRef idx="0">
+        <a:scrgbClr r="0" g="0" b="0"/>
+      </a:fillRef>
+      <a:effectRef idx="0">
+        <a:scrgbClr r="0" g="0" b="0"/>
+      </a:effectRef>
+      <a:fontRef idx="minor"/>
+    </dgm:style>
+  </dgm:styleLbl>
+  <dgm:styleLbl name="parChTrans1D2">
+    <dgm:scene3d>
+      <a:camera prst="orthographicFront"/>
+      <a:lightRig rig="threePt" dir="t"/>
+    </dgm:scene3d>
+    <dgm:sp3d/>
+    <dgm:txPr/>
+    <dgm:style>
+      <a:lnRef idx="2">
+        <a:scrgbClr r="0" g="0" b="0"/>
+      </a:lnRef>
+      <a:fillRef idx="0">
+        <a:scrgbClr r="0" g="0" b="0"/>
+      </a:fillRef>
+      <a:effectRef idx="0">
+        <a:scrgbClr r="0" g="0" b="0"/>
+      </a:effectRef>
+      <a:fontRef idx="minor"/>
+    </dgm:style>
+  </dgm:styleLbl>
+  <dgm:styleLbl name="parChTrans1D3">
+    <dgm:scene3d>
+      <a:camera prst="orthographicFront"/>
+      <a:lightRig rig="threePt" dir="t"/>
+    </dgm:scene3d>
+    <dgm:sp3d/>
+    <dgm:txPr/>
+    <dgm:style>
+      <a:lnRef idx="2">
+        <a:scrgbClr r="0" g="0" b="0"/>
+      </a:lnRef>
+      <a:fillRef idx="0">
+        <a:scrgbClr r="0" g="0" b="0"/>
+      </a:fillRef>
+      <a:effectRef idx="0">
+        <a:scrgbClr r="0" g="0" b="0"/>
+      </a:effectRef>
+      <a:fontRef idx="minor"/>
+    </dgm:style>
+  </dgm:styleLbl>
+  <dgm:styleLbl name="parChTrans1D4">
+    <dgm:scene3d>
+      <a:camera prst="orthographicFront"/>
+      <a:lightRig rig="threePt" dir="t"/>
+    </dgm:scene3d>
+    <dgm:sp3d/>
+    <dgm:txPr/>
+    <dgm:style>
+      <a:lnRef idx="2">
+        <a:scrgbClr r="0" g="0" b="0"/>
+      </a:lnRef>
+      <a:fillRef idx="0">
+        <a:scrgbClr r="0" g="0" b="0"/>
+      </a:fillRef>
+      <a:effectRef idx="0">
+        <a:scrgbClr r="0" g="0" b="0"/>
+      </a:effectRef>
+      <a:fontRef idx="minor"/>
+    </dgm:style>
+  </dgm:styleLbl>
+  <dgm:styleLbl name="fgAcc1">
+    <dgm:scene3d>
+      <a:camera prst="orthographicFront"/>
+      <a:lightRig rig="threePt" dir="t"/>
+    </dgm:scene3d>
+    <dgm:sp3d/>
+    <dgm:txPr/>
+    <dgm:style>
+      <a:lnRef idx="2">
+        <a:scrgbClr r="0" g="0" b="0"/>
+      </a:lnRef>
+      <a:fillRef idx="1">
+        <a:scrgbClr r="0" g="0" b="0"/>
+      </a:fillRef>
+      <a:effectRef idx="0">
+        <a:scrgbClr r="0" g="0" b="0"/>
+      </a:effectRef>
+      <a:fontRef idx="minor"/>
+    </dgm:style>
+  </dgm:styleLbl>
+  <dgm:styleLbl name="conFgAcc1">
+    <dgm:scene3d>
+      <a:camera prst="orthographicFront"/>
+      <a:lightRig rig="threePt" dir="t"/>
+    </dgm:scene3d>
+    <dgm:sp3d/>
+    <dgm:txPr/>
+    <dgm:style>
+      <a:lnRef idx="2">
+        <a:scrgbClr r="0" g="0" b="0"/>
+      </a:lnRef>
+      <a:fillRef idx="1">
+        <a:scrgbClr r="0" g="0" b="0"/>
+      </a:fillRef>
+      <a:effectRef idx="0">
+        <a:scrgbClr r="0" g="0" b="0"/>
+      </a:effectRef>
+      <a:fontRef idx="minor"/>
+    </dgm:style>
+  </dgm:styleLbl>
+  <dgm:styleLbl name="alignAcc1">
+    <dgm:scene3d>
+      <a:camera prst="orthographicFront"/>
+      <a:lightRig rig="threePt" dir="t"/>
+    </dgm:scene3d>
+    <dgm:sp3d/>
+    <dgm:txPr/>
+    <dgm:style>
+      <a:lnRef idx="2">
+        <a:scrgbClr r="0" g="0" b="0"/>
+      </a:lnRef>
+      <a:fillRef idx="1">
+        <a:scrgbClr r="0" g="0" b="0"/>
+      </a:fillRef>
+      <a:effectRef idx="0">
+        <a:scrgbClr r="0" g="0" b="0"/>
+      </a:effectRef>
+      <a:fontRef idx="minor"/>
+    </dgm:style>
+  </dgm:styleLbl>
+  <dgm:styleLbl name="trAlignAcc1">
+    <dgm:scene3d>
+      <a:camera prst="orthographicFront"/>
+      <a:lightRig rig="threePt" dir="t"/>
+    </dgm:scene3d>
+    <dgm:sp3d/>
+    <dgm:txPr/>
+    <dgm:style>
+      <a:lnRef idx="1">
+        <a:scrgbClr r="0" g="0" b="0"/>
+      </a:lnRef>
+      <a:fillRef idx="1">
+        <a:scrgbClr r="0" g="0" b="0"/>
+      </a:fillRef>
+      <a:effectRef idx="0">
+        <a:scrgbClr r="0" g="0" b="0"/>
+      </a:effectRef>
+      <a:fontRef idx="minor"/>
+    </dgm:style>
+  </dgm:styleLbl>
+  <dgm:styleLbl name="bgAcc1">
+    <dgm:scene3d>
+      <a:camera prst="orthographicFront"/>
+      <a:lightRig rig="threePt" dir="t"/>
+    </dgm:scene3d>
+    <dgm:sp3d/>
+    <dgm:txPr/>
+    <dgm:style>
+      <a:lnRef idx="2">
+        <a:scrgbClr r="0" g="0" b="0"/>
+      </a:lnRef>
+      <a:fillRef idx="1">
+        <a:scrgbClr r="0" g="0" b="0"/>
+      </a:fillRef>
+      <a:effectRef idx="0">
+        <a:scrgbClr r="0" g="0" b="0"/>
+      </a:effectRef>
+      <a:fontRef idx="minor"/>
+    </dgm:style>
+  </dgm:styleLbl>
+  <dgm:styleLbl name="solidFgAcc1">
+    <dgm:scene3d>
+      <a:camera prst="orthographicFront"/>
+      <a:lightRig rig="threePt" dir="t"/>
+    </dgm:scene3d>
+    <dgm:sp3d/>
+    <dgm:txPr/>
+    <dgm:style>
+      <a:lnRef idx="2">
+        <a:scrgbClr r="0" g="0" b="0"/>
+      </a:lnRef>
+      <a:fillRef idx="1">
+        <a:scrgbClr r="0" g="0" b="0"/>
+      </a:fillRef>
+      <a:effectRef idx="0">
+        <a:scrgbClr r="0" g="0" b="0"/>
+      </a:effectRef>
+      <a:fontRef idx="minor"/>
+    </dgm:style>
+  </dgm:styleLbl>
+  <dgm:styleLbl name="solidAlignAcc1">
+    <dgm:scene3d>
+      <a:camera prst="orthographicFront"/>
+      <a:lightRig rig="threePt" dir="t"/>
+    </dgm:scene3d>
+    <dgm:sp3d/>
+    <dgm:txPr/>
+    <dgm:style>
+      <a:lnRef idx="2">
+        <a:scrgbClr r="0" g="0" b="0"/>
+      </a:lnRef>
+      <a:fillRef idx="1">
+        <a:scrgbClr r="0" g="0" b="0"/>
+      </a:fillRef>
+      <a:effectRef idx="0">
+        <a:scrgbClr r="0" g="0" b="0"/>
+      </a:effectRef>
+      <a:fontRef idx="minor"/>
+    </dgm:style>
+  </dgm:styleLbl>
+  <dgm:styleLbl name="solidBgAcc1">
+    <dgm:scene3d>
+      <a:camera prst="orthographicFront"/>
+      <a:lightRig rig="threePt" dir="t"/>
+    </dgm:scene3d>
+    <dgm:sp3d/>
+    <dgm:txPr/>
+    <dgm:style>
+      <a:lnRef idx="2">
+        <a:scrgbClr r="0" g="0" b="0"/>
+      </a:lnRef>
+      <a:fillRef idx="1">
+        <a:scrgbClr r="0" g="0" b="0"/>
+      </a:fillRef>
+      <a:effectRef idx="0">
+        <a:scrgbClr r="0" g="0" b="0"/>
+      </a:effectRef>
+      <a:fontRef idx="minor"/>
+    </dgm:style>
+  </dgm:styleLbl>
+  <dgm:styleLbl name="fgAccFollowNode1">
+    <dgm:scene3d>
+      <a:camera prst="orthographicFront"/>
+      <a:lightRig rig="threePt" dir="t"/>
+    </dgm:scene3d>
+    <dgm:sp3d/>
+    <dgm:txPr/>
+    <dgm:style>
+      <a:lnRef idx="2">
+        <a:scrgbClr r="0" g="0" b="0"/>
+      </a:lnRef>
+      <a:fillRef idx="1">
+        <a:scrgbClr r="0" g="0" b="0"/>
+      </a:fillRef>
+      <a:effectRef idx="0">
+        <a:scrgbClr r="0" g="0" b="0"/>
+      </a:effectRef>
+      <a:fontRef idx="minor"/>
+    </dgm:style>
+  </dgm:styleLbl>
+  <dgm:styleLbl name="alignAccFollowNode1">
+    <dgm:scene3d>
+      <a:camera prst="orthographicFront"/>
+      <a:lightRig rig="threePt" dir="t"/>
+    </dgm:scene3d>
+    <dgm:sp3d/>
+    <dgm:txPr/>
+    <dgm:style>
+      <a:lnRef idx="2">
+        <a:scrgbClr r="0" g="0" b="0"/>
+      </a:lnRef>
+      <a:fillRef idx="1">
+        <a:scrgbClr r="0" g="0" b="0"/>
+      </a:fillRef>
+      <a:effectRef idx="0">
+        <a:scrgbClr r="0" g="0" b="0"/>
+      </a:effectRef>
+      <a:fontRef idx="minor"/>
+    </dgm:style>
+  </dgm:styleLbl>
+  <dgm:styleLbl name="bgAccFollowNode1">
+    <dgm:scene3d>
+      <a:camera prst="orthographicFront"/>
+      <a:lightRig rig="threePt" dir="t"/>
+    </dgm:scene3d>
+    <dgm:sp3d/>
+    <dgm:txPr/>
+    <dgm:style>
+      <a:lnRef idx="2">
+        <a:scrgbClr r="0" g="0" b="0"/>
+      </a:lnRef>
+      <a:fillRef idx="1">
+        <a:scrgbClr r="0" g="0" b="0"/>
+      </a:fillRef>
+      <a:effectRef idx="0">
+        <a:scrgbClr r="0" g="0" b="0"/>
+      </a:effectRef>
+      <a:fontRef idx="minor"/>
+    </dgm:style>
+  </dgm:styleLbl>
+  <dgm:styleLbl name="fgAcc0">
+    <dgm:scene3d>
+      <a:camera prst="orthographicFront"/>
+      <a:lightRig rig="threePt" dir="t"/>
+    </dgm:scene3d>
+    <dgm:sp3d/>
+    <dgm:txPr/>
+    <dgm:style>
+      <a:lnRef idx="2">
+        <a:scrgbClr r="0" g="0" b="0"/>
+      </a:lnRef>
+      <a:fillRef idx="1">
+        <a:scrgbClr r="0" g="0" b="0"/>
+      </a:fillRef>
+      <a:effectRef idx="0">
+        <a:scrgbClr r="0" g="0" b="0"/>
+      </a:effectRef>
+      <a:fontRef idx="minor"/>
+    </dgm:style>
+  </dgm:styleLbl>
+  <dgm:styleLbl name="fgAcc2">
+    <dgm:scene3d>
+      <a:camera prst="orthographicFront"/>
+      <a:lightRig rig="threePt" dir="t"/>
+    </dgm:scene3d>
+    <dgm:sp3d/>
+    <dgm:txPr/>
+    <dgm:style>
+      <a:lnRef idx="2">
+        <a:scrgbClr r="0" g="0" b="0"/>
+      </a:lnRef>
+      <a:fillRef idx="1">
+        <a:scrgbClr r="0" g="0" b="0"/>
+      </a:fillRef>
+      <a:effectRef idx="0">
+        <a:scrgbClr r="0" g="0" b="0"/>
+      </a:effectRef>
+      <a:fontRef idx="minor"/>
+    </dgm:style>
+  </dgm:styleLbl>
+  <dgm:styleLbl name="fgAcc3">
+    <dgm:scene3d>
+      <a:camera prst="orthographicFront"/>
+      <a:lightRig rig="threePt" dir="t"/>
+    </dgm:scene3d>
+    <dgm:sp3d/>
+    <dgm:txPr/>
+    <dgm:style>
+      <a:lnRef idx="2">
+        <a:scrgbClr r="0" g="0" b="0"/>
+      </a:lnRef>
+      <a:fillRef idx="1">
+        <a:scrgbClr r="0" g="0" b="0"/>
+      </a:fillRef>
+      <a:effectRef idx="0">
+        <a:scrgbClr r="0" g="0" b="0"/>
+      </a:effectRef>
+      <a:fontRef idx="minor"/>
+    </dgm:style>
+  </dgm:styleLbl>
+  <dgm:styleLbl name="fgAcc4">
+    <dgm:scene3d>
+      <a:camera prst="orthographicFront"/>
+      <a:lightRig rig="threePt" dir="t"/>
+    </dgm:scene3d>
+    <dgm:sp3d/>
+    <dgm:txPr/>
+    <dgm:style>
+      <a:lnRef idx="2">
+        <a:scrgbClr r="0" g="0" b="0"/>
+      </a:lnRef>
+      <a:fillRef idx="1">
+        <a:scrgbClr r="0" g="0" b="0"/>
+      </a:fillRef>
+      <a:effectRef idx="0">
+        <a:scrgbClr r="0" g="0" b="0"/>
+      </a:effectRef>
+      <a:fontRef idx="minor"/>
+    </dgm:style>
+  </dgm:styleLbl>
+  <dgm:styleLbl name="bgShp">
+    <dgm:scene3d>
+      <a:camera prst="orthographicFront"/>
+      <a:lightRig rig="threePt" dir="t"/>
+    </dgm:scene3d>
+    <dgm:sp3d/>
+    <dgm:txPr/>
+    <dgm:style>
+      <a:lnRef idx="0">
+        <a:scrgbClr r="0" g="0" b="0"/>
+      </a:lnRef>
+      <a:fillRef idx="1">
+        <a:scrgbClr r="0" g="0" b="0"/>
+      </a:fillRef>
+      <a:effectRef idx="0">
+        <a:scrgbClr r="0" g="0" b="0"/>
+      </a:effectRef>
+      <a:fontRef idx="minor"/>
+    </dgm:style>
+  </dgm:styleLbl>
+  <dgm:styleLbl name="dkBgShp">
+    <dgm:scene3d>
+      <a:camera prst="orthographicFront"/>
+      <a:lightRig rig="threePt" dir="t"/>
+    </dgm:scene3d>
+    <dgm:sp3d/>
+    <dgm:txPr/>
+    <dgm:style>
+      <a:lnRef idx="0">
+        <a:scrgbClr r="0" g="0" b="0"/>
+      </a:lnRef>
+      <a:fillRef idx="1">
+        <a:scrgbClr r="0" g="0" b="0"/>
+      </a:fillRef>
+      <a:effectRef idx="0">
+        <a:scrgbClr r="0" g="0" b="0"/>
+      </a:effectRef>
+      <a:fontRef idx="minor"/>
+    </dgm:style>
+  </dgm:styleLbl>
+  <dgm:styleLbl name="trBgShp">
+    <dgm:scene3d>
+      <a:camera prst="orthographicFront"/>
+      <a:lightRig rig="threePt" dir="t"/>
+    </dgm:scene3d>
+    <dgm:sp3d/>
+    <dgm:txPr/>
+    <dgm:style>
+      <a:lnRef idx="0">
+        <a:scrgbClr r="0" g="0" b="0"/>
+      </a:lnRef>
+      <a:fillRef idx="1">
+        <a:scrgbClr r="0" g="0" b="0"/>
+      </a:fillRef>
+      <a:effectRef idx="0">
+        <a:scrgbClr r="0" g="0" b="0"/>
+      </a:effectRef>
+      <a:fontRef idx="minor"/>
+    </dgm:style>
+  </dgm:styleLbl>
+  <dgm:styleLbl name="fgShp">
+    <dgm:scene3d>
+      <a:camera prst="orthographicFront"/>
+      <a:lightRig rig="threePt" dir="t"/>
+    </dgm:scene3d>
+    <dgm:sp3d/>
+    <dgm:txPr/>
+    <dgm:style>
+      <a:lnRef idx="2">
+        <a:scrgbClr r="0" g="0" b="0"/>
+      </a:lnRef>
+      <a:fillRef idx="1">
+        <a:scrgbClr r="0" g="0" b="0"/>
+      </a:fillRef>
+      <a:effectRef idx="0">
+        <a:scrgbClr r="0" g="0" b="0"/>
+      </a:effectRef>
+      <a:fontRef idx="minor"/>
+    </dgm:style>
+  </dgm:styleLbl>
+  <dgm:styleLbl name="revTx">
+    <dgm:scene3d>
+      <a:camera prst="orthographicFront"/>
+      <a:lightRig rig="threePt" dir="t"/>
+    </dgm:scene3d>
+    <dgm:sp3d/>
+    <dgm:txPr/>
+    <dgm:style>
+      <a:lnRef idx="0">
+        <a:scrgbClr r="0" g="0" b="0"/>
+      </a:lnRef>
+      <a:fillRef idx="0">
+        <a:scrgbClr r="0" g="0" b="0"/>
+      </a:fillRef>
+      <a:effectRef idx="0">
+        <a:scrgbClr r="0" g="0" b="0"/>
+      </a:effectRef>
+      <a:fontRef idx="minor"/>
+    </dgm:style>
+  </dgm:styleLbl>
+</dgm:styleDef>
+</file>
+
+<file path=ppt/diagrams/quickStyle3.xml><?xml version="1.0" encoding="utf-8"?>
 <dgm:styleDef xmlns:dgm="http://schemas.openxmlformats.org/drawingml/2006/diagram" xmlns:a="http://schemas.openxmlformats.org/drawingml/2006/main" uniqueId="urn:microsoft.com/office/officeart/2005/8/quickstyle/simple1">
   <dgm:title val=""/>
   <dgm:desc val=""/>
@@ -12375,6 +16677,198 @@
 </p:sld>
 </file>
 
+<file path=ppt/slides/slide17.xml><?xml version="1.0" encoding="utf-8"?>
+<p:sld xmlns:a="http://schemas.openxmlformats.org/drawingml/2006/main" xmlns:r="http://schemas.openxmlformats.org/officeDocument/2006/relationships" xmlns:p="http://schemas.openxmlformats.org/presentationml/2006/main">
+  <p:cSld>
+    <p:spTree>
+      <p:nvGrpSpPr>
+        <p:cNvPr id="1" name=""/>
+        <p:cNvGrpSpPr/>
+        <p:nvPr/>
+      </p:nvGrpSpPr>
+      <p:grpSpPr>
+        <a:xfrm>
+          <a:off x="0" y="0"/>
+          <a:ext cx="0" cy="0"/>
+          <a:chOff x="0" y="0"/>
+          <a:chExt cx="0" cy="0"/>
+        </a:xfrm>
+      </p:grpSpPr>
+      <p:sp>
+        <p:nvSpPr>
+          <p:cNvPr id="5" name="Title 1">
+            <a:extLst>
+              <a:ext uri="{FF2B5EF4-FFF2-40B4-BE49-F238E27FC236}">
+                <a16:creationId xmlns:a16="http://schemas.microsoft.com/office/drawing/2014/main" id="{4F61D753-B49B-4B37-A990-D61E98AEF339}"/>
+              </a:ext>
+            </a:extLst>
+          </p:cNvPr>
+          <p:cNvSpPr>
+            <a:spLocks noGrp="1"/>
+          </p:cNvSpPr>
+          <p:nvPr>
+            <p:ph type="title"/>
+          </p:nvPr>
+        </p:nvSpPr>
+        <p:spPr>
+          <a:xfrm>
+            <a:off x="2434130" y="128470"/>
+            <a:ext cx="6260905" cy="725349"/>
+          </a:xfrm>
+        </p:spPr>
+        <p:txBody>
+          <a:bodyPr>
+            <a:normAutofit/>
+          </a:bodyPr>
+          <a:lstStyle/>
+          <a:p>
+            <a:r>
+              <a:rPr lang="en-US" dirty="0">
+                <a:latin typeface="Times New Roman" panose="02020603050405020304" pitchFamily="18" charset="0"/>
+                <a:cs typeface="Times New Roman" panose="02020603050405020304" pitchFamily="18" charset="0"/>
+              </a:rPr>
+              <a:t>Tensions</a:t>
+            </a:r>
+          </a:p>
+        </p:txBody>
+      </p:sp>
+      <p:graphicFrame>
+        <p:nvGraphicFramePr>
+          <p:cNvPr id="2" name="Diagram 1">
+            <a:extLst>
+              <a:ext uri="{FF2B5EF4-FFF2-40B4-BE49-F238E27FC236}">
+                <a16:creationId xmlns:a16="http://schemas.microsoft.com/office/drawing/2014/main" id="{314EBE8E-043B-46A6-B8C8-CE495F23463A}"/>
+              </a:ext>
+            </a:extLst>
+          </p:cNvPr>
+          <p:cNvGraphicFramePr/>
+          <p:nvPr>
+            <p:extLst>
+              <p:ext uri="{D42A27DB-BD31-4B8C-83A1-F6EECF244321}">
+                <p14:modId xmlns:p14="http://schemas.microsoft.com/office/powerpoint/2010/main" val="880605821"/>
+              </p:ext>
+            </p:extLst>
+          </p:nvPr>
+        </p:nvGraphicFramePr>
+        <p:xfrm>
+          <a:off x="2128720" y="1044700"/>
+          <a:ext cx="5491280" cy="3406345"/>
+        </p:xfrm>
+        <a:graphic>
+          <a:graphicData uri="http://schemas.openxmlformats.org/drawingml/2006/diagram">
+            <dgm:relIds xmlns:dgm="http://schemas.openxmlformats.org/drawingml/2006/diagram" xmlns:r="http://schemas.openxmlformats.org/officeDocument/2006/relationships" r:dm="rId2" r:lo="rId3" r:qs="rId4" r:cs="rId5"/>
+          </a:graphicData>
+        </a:graphic>
+      </p:graphicFrame>
+    </p:spTree>
+    <p:extLst>
+      <p:ext uri="{BB962C8B-B14F-4D97-AF65-F5344CB8AC3E}">
+        <p14:creationId xmlns:p14="http://schemas.microsoft.com/office/powerpoint/2010/main" val="278536421"/>
+      </p:ext>
+    </p:extLst>
+  </p:cSld>
+  <p:clrMapOvr>
+    <a:masterClrMapping/>
+  </p:clrMapOvr>
+</p:sld>
+</file>
+
+<file path=ppt/slides/slide18.xml><?xml version="1.0" encoding="utf-8"?>
+<p:sld xmlns:a="http://schemas.openxmlformats.org/drawingml/2006/main" xmlns:r="http://schemas.openxmlformats.org/officeDocument/2006/relationships" xmlns:p="http://schemas.openxmlformats.org/presentationml/2006/main">
+  <p:cSld>
+    <p:spTree>
+      <p:nvGrpSpPr>
+        <p:cNvPr id="1" name=""/>
+        <p:cNvGrpSpPr/>
+        <p:nvPr/>
+      </p:nvGrpSpPr>
+      <p:grpSpPr>
+        <a:xfrm>
+          <a:off x="0" y="0"/>
+          <a:ext cx="0" cy="0"/>
+          <a:chOff x="0" y="0"/>
+          <a:chExt cx="0" cy="0"/>
+        </a:xfrm>
+      </p:grpSpPr>
+      <p:sp>
+        <p:nvSpPr>
+          <p:cNvPr id="4" name="Title 3"/>
+          <p:cNvSpPr>
+            <a:spLocks noGrp="1"/>
+          </p:cNvSpPr>
+          <p:nvPr>
+            <p:ph type="title"/>
+          </p:nvPr>
+        </p:nvSpPr>
+        <p:spPr>
+          <a:xfrm>
+            <a:off x="525316" y="281175"/>
+            <a:ext cx="8322423" cy="763525"/>
+          </a:xfrm>
+        </p:spPr>
+        <p:txBody>
+          <a:bodyPr>
+            <a:noAutofit/>
+          </a:bodyPr>
+          <a:lstStyle/>
+          <a:p>
+            <a:pPr lvl="0"/>
+            <a:r>
+              <a:rPr lang="en-US" sz="3200" dirty="0"/>
+              <a:t>Scalability and performance</a:t>
+            </a:r>
+          </a:p>
+        </p:txBody>
+      </p:sp>
+      <p:pic>
+        <p:nvPicPr>
+          <p:cNvPr id="6" name="Picture 5">
+            <a:extLst>
+              <a:ext uri="{FF2B5EF4-FFF2-40B4-BE49-F238E27FC236}">
+                <a16:creationId xmlns:a16="http://schemas.microsoft.com/office/drawing/2014/main" id="{CBDF13B9-5C88-4283-9715-010A0336B813}"/>
+              </a:ext>
+            </a:extLst>
+          </p:cNvPr>
+          <p:cNvPicPr>
+            <a:picLocks noChangeAspect="1"/>
+          </p:cNvPicPr>
+          <p:nvPr/>
+        </p:nvPicPr>
+        <p:blipFill>
+          <a:blip r:embed="rId2" cstate="print">
+            <a:extLst>
+              <a:ext uri="{28A0092B-C50C-407E-A947-70E740481C1C}">
+                <a14:useLocalDpi xmlns:a14="http://schemas.microsoft.com/office/drawing/2010/main" val="0"/>
+              </a:ext>
+            </a:extLst>
+          </a:blip>
+          <a:stretch>
+            <a:fillRect/>
+          </a:stretch>
+        </p:blipFill>
+        <p:spPr>
+          <a:xfrm>
+            <a:off x="2355518" y="1808225"/>
+            <a:ext cx="4662017" cy="2852003"/>
+          </a:xfrm>
+          <a:prstGeom prst="rect">
+            <a:avLst/>
+          </a:prstGeom>
+        </p:spPr>
+      </p:pic>
+    </p:spTree>
+    <p:extLst>
+      <p:ext uri="{BB962C8B-B14F-4D97-AF65-F5344CB8AC3E}">
+        <p14:creationId xmlns:p14="http://schemas.microsoft.com/office/powerpoint/2010/main" val="388638471"/>
+      </p:ext>
+    </p:extLst>
+  </p:cSld>
+  <p:clrMapOvr>
+    <a:masterClrMapping/>
+  </p:clrMapOvr>
+</p:sld>
+</file>
+
 <file path=ppt/slides/slide2.xml><?xml version="1.0" encoding="utf-8"?>
 <p:sld xmlns:a="http://schemas.openxmlformats.org/drawingml/2006/main" xmlns:r="http://schemas.openxmlformats.org/officeDocument/2006/relationships" xmlns:p="http://schemas.openxmlformats.org/presentationml/2006/main">
   <p:cSld>

--- a/Blockchain 101.pptx
+++ b/Blockchain 101.pptx
@@ -5,7 +5,7 @@
     <p:sldMasterId id="2147483648" r:id="rId1"/>
   </p:sldMasterIdLst>
   <p:notesMasterIdLst>
-    <p:notesMasterId r:id="rId20"/>
+    <p:notesMasterId r:id="rId21"/>
   </p:notesMasterIdLst>
   <p:sldIdLst>
     <p:sldId id="256" r:id="rId2"/>
@@ -26,6 +26,7 @@
     <p:sldId id="272" r:id="rId17"/>
     <p:sldId id="273" r:id="rId18"/>
     <p:sldId id="274" r:id="rId19"/>
+    <p:sldId id="275" r:id="rId20"/>
   </p:sldIdLst>
   <p:sldSz cx="9144000" cy="5143500" type="screen16x9"/>
   <p:notesSz cx="6858000" cy="9144000"/>
@@ -16869,6 +16870,110 @@
 </p:sld>
 </file>
 
+<file path=ppt/slides/slide19.xml><?xml version="1.0" encoding="utf-8"?>
+<p:sld xmlns:a="http://schemas.openxmlformats.org/drawingml/2006/main" xmlns:r="http://schemas.openxmlformats.org/officeDocument/2006/relationships" xmlns:p="http://schemas.openxmlformats.org/presentationml/2006/main">
+  <p:cSld>
+    <p:spTree>
+      <p:nvGrpSpPr>
+        <p:cNvPr id="1" name=""/>
+        <p:cNvGrpSpPr/>
+        <p:nvPr/>
+      </p:nvGrpSpPr>
+      <p:grpSpPr>
+        <a:xfrm>
+          <a:off x="0" y="0"/>
+          <a:ext cx="0" cy="0"/>
+          <a:chOff x="0" y="0"/>
+          <a:chExt cx="0" cy="0"/>
+        </a:xfrm>
+      </p:grpSpPr>
+      <p:sp>
+        <p:nvSpPr>
+          <p:cNvPr id="5" name="Title 1">
+            <a:extLst>
+              <a:ext uri="{FF2B5EF4-FFF2-40B4-BE49-F238E27FC236}">
+                <a16:creationId xmlns:a16="http://schemas.microsoft.com/office/drawing/2014/main" id="{4F61D753-B49B-4B37-A990-D61E98AEF339}"/>
+              </a:ext>
+            </a:extLst>
+          </p:cNvPr>
+          <p:cNvSpPr>
+            <a:spLocks noGrp="1"/>
+          </p:cNvSpPr>
+          <p:nvPr>
+            <p:ph type="title"/>
+          </p:nvPr>
+        </p:nvSpPr>
+        <p:spPr>
+          <a:xfrm>
+            <a:off x="2434130" y="128470"/>
+            <a:ext cx="6260905" cy="725349"/>
+          </a:xfrm>
+        </p:spPr>
+        <p:txBody>
+          <a:bodyPr>
+            <a:normAutofit/>
+          </a:bodyPr>
+          <a:lstStyle/>
+          <a:p>
+            <a:r>
+              <a:rPr lang="en-US" dirty="0">
+                <a:latin typeface="Times New Roman" panose="02020603050405020304" pitchFamily="18" charset="0"/>
+                <a:cs typeface="Times New Roman" panose="02020603050405020304" pitchFamily="18" charset="0"/>
+              </a:rPr>
+              <a:t>Structure</a:t>
+            </a:r>
+          </a:p>
+        </p:txBody>
+      </p:sp>
+      <p:pic>
+        <p:nvPicPr>
+          <p:cNvPr id="7" name="Picture 6">
+            <a:extLst>
+              <a:ext uri="{FF2B5EF4-FFF2-40B4-BE49-F238E27FC236}">
+                <a16:creationId xmlns:a16="http://schemas.microsoft.com/office/drawing/2014/main" id="{159A2F03-3A48-48DD-9038-5E9AB33B987D}"/>
+              </a:ext>
+            </a:extLst>
+          </p:cNvPr>
+          <p:cNvPicPr>
+            <a:picLocks noChangeAspect="1"/>
+          </p:cNvPicPr>
+          <p:nvPr/>
+        </p:nvPicPr>
+        <p:blipFill>
+          <a:blip r:embed="rId2" cstate="print">
+            <a:extLst>
+              <a:ext uri="{28A0092B-C50C-407E-A947-70E740481C1C}">
+                <a14:useLocalDpi xmlns:a14="http://schemas.microsoft.com/office/drawing/2010/main" val="0"/>
+              </a:ext>
+            </a:extLst>
+          </a:blip>
+          <a:stretch>
+            <a:fillRect/>
+          </a:stretch>
+        </p:blipFill>
+        <p:spPr>
+          <a:xfrm>
+            <a:off x="2418641" y="739290"/>
+            <a:ext cx="4886560" cy="3664920"/>
+          </a:xfrm>
+          <a:prstGeom prst="rect">
+            <a:avLst/>
+          </a:prstGeom>
+        </p:spPr>
+      </p:pic>
+    </p:spTree>
+    <p:extLst>
+      <p:ext uri="{BB962C8B-B14F-4D97-AF65-F5344CB8AC3E}">
+        <p14:creationId xmlns:p14="http://schemas.microsoft.com/office/powerpoint/2010/main" val="3989037867"/>
+      </p:ext>
+    </p:extLst>
+  </p:cSld>
+  <p:clrMapOvr>
+    <a:masterClrMapping/>
+  </p:clrMapOvr>
+</p:sld>
+</file>
+
 <file path=ppt/slides/slide2.xml><?xml version="1.0" encoding="utf-8"?>
 <p:sld xmlns:a="http://schemas.openxmlformats.org/drawingml/2006/main" xmlns:r="http://schemas.openxmlformats.org/officeDocument/2006/relationships" xmlns:p="http://schemas.openxmlformats.org/presentationml/2006/main">
   <p:cSld>

--- a/Blockchain 101.pptx
+++ b/Blockchain 101.pptx
@@ -5,7 +5,7 @@
     <p:sldMasterId id="2147483648" r:id="rId1"/>
   </p:sldMasterIdLst>
   <p:notesMasterIdLst>
-    <p:notesMasterId r:id="rId21"/>
+    <p:notesMasterId r:id="rId22"/>
   </p:notesMasterIdLst>
   <p:sldIdLst>
     <p:sldId id="256" r:id="rId2"/>
@@ -27,6 +27,7 @@
     <p:sldId id="273" r:id="rId18"/>
     <p:sldId id="274" r:id="rId19"/>
     <p:sldId id="275" r:id="rId20"/>
+    <p:sldId id="276" r:id="rId21"/>
   </p:sldIdLst>
   <p:sldSz cx="9144000" cy="5143500" type="screen16x9"/>
   <p:notesSz cx="6858000" cy="9144000"/>
@@ -17176,6 +17177,102 @@
 </p:sld>
 </file>
 
+<file path=ppt/slides/slide20.xml><?xml version="1.0" encoding="utf-8"?>
+<p:sld xmlns:a="http://schemas.openxmlformats.org/drawingml/2006/main" xmlns:r="http://schemas.openxmlformats.org/officeDocument/2006/relationships" xmlns:p="http://schemas.openxmlformats.org/presentationml/2006/main">
+  <p:cSld>
+    <p:spTree>
+      <p:nvGrpSpPr>
+        <p:cNvPr id="1" name=""/>
+        <p:cNvGrpSpPr/>
+        <p:nvPr/>
+      </p:nvGrpSpPr>
+      <p:grpSpPr>
+        <a:xfrm>
+          <a:off x="0" y="0"/>
+          <a:ext cx="0" cy="0"/>
+          <a:chOff x="0" y="0"/>
+          <a:chExt cx="0" cy="0"/>
+        </a:xfrm>
+      </p:grpSpPr>
+      <p:sp>
+        <p:nvSpPr>
+          <p:cNvPr id="4" name="Title 3"/>
+          <p:cNvSpPr>
+            <a:spLocks noGrp="1"/>
+          </p:cNvSpPr>
+          <p:nvPr>
+            <p:ph type="title"/>
+          </p:nvPr>
+        </p:nvSpPr>
+        <p:spPr>
+          <a:xfrm>
+            <a:off x="525316" y="281175"/>
+            <a:ext cx="8322423" cy="763525"/>
+          </a:xfrm>
+        </p:spPr>
+        <p:txBody>
+          <a:bodyPr>
+            <a:noAutofit/>
+          </a:bodyPr>
+          <a:lstStyle/>
+          <a:p>
+            <a:pPr lvl="0"/>
+            <a:r>
+              <a:rPr lang="en-US" sz="3200" dirty="0"/>
+              <a:t>Bitcoin price</a:t>
+            </a:r>
+          </a:p>
+        </p:txBody>
+      </p:sp>
+      <p:pic>
+        <p:nvPicPr>
+          <p:cNvPr id="3" name="Picture 2">
+            <a:extLst>
+              <a:ext uri="{FF2B5EF4-FFF2-40B4-BE49-F238E27FC236}">
+                <a16:creationId xmlns:a16="http://schemas.microsoft.com/office/drawing/2014/main" id="{A149A648-BB77-495F-97CA-DE397FF458EE}"/>
+              </a:ext>
+            </a:extLst>
+          </p:cNvPr>
+          <p:cNvPicPr>
+            <a:picLocks noChangeAspect="1"/>
+          </p:cNvPicPr>
+          <p:nvPr/>
+        </p:nvPicPr>
+        <p:blipFill>
+          <a:blip r:embed="rId2">
+            <a:extLst>
+              <a:ext uri="{28A0092B-C50C-407E-A947-70E740481C1C}">
+                <a14:useLocalDpi xmlns:a14="http://schemas.microsoft.com/office/drawing/2010/main" val="0"/>
+              </a:ext>
+            </a:extLst>
+          </a:blip>
+          <a:stretch>
+            <a:fillRect/>
+          </a:stretch>
+        </p:blipFill>
+        <p:spPr>
+          <a:xfrm>
+            <a:off x="1952625" y="1960930"/>
+            <a:ext cx="5238750" cy="2200275"/>
+          </a:xfrm>
+          <a:prstGeom prst="rect">
+            <a:avLst/>
+          </a:prstGeom>
+        </p:spPr>
+      </p:pic>
+    </p:spTree>
+    <p:extLst>
+      <p:ext uri="{BB962C8B-B14F-4D97-AF65-F5344CB8AC3E}">
+        <p14:creationId xmlns:p14="http://schemas.microsoft.com/office/powerpoint/2010/main" val="2364060279"/>
+      </p:ext>
+    </p:extLst>
+  </p:cSld>
+  <p:clrMapOvr>
+    <a:masterClrMapping/>
+  </p:clrMapOvr>
+</p:sld>
+</file>
+
 <file path=ppt/slides/slide3.xml><?xml version="1.0" encoding="utf-8"?>
 <p:sld xmlns:a="http://schemas.openxmlformats.org/drawingml/2006/main" xmlns:r="http://schemas.openxmlformats.org/officeDocument/2006/relationships" xmlns:p="http://schemas.openxmlformats.org/presentationml/2006/main">
   <p:cSld>

--- a/Blockchain 101.pptx
+++ b/Blockchain 101.pptx
@@ -5,7 +5,7 @@
     <p:sldMasterId id="2147483648" r:id="rId1"/>
   </p:sldMasterIdLst>
   <p:notesMasterIdLst>
-    <p:notesMasterId r:id="rId22"/>
+    <p:notesMasterId r:id="rId24"/>
   </p:notesMasterIdLst>
   <p:sldIdLst>
     <p:sldId id="256" r:id="rId2"/>
@@ -28,6 +28,8 @@
     <p:sldId id="274" r:id="rId19"/>
     <p:sldId id="275" r:id="rId20"/>
     <p:sldId id="276" r:id="rId21"/>
+    <p:sldId id="277" r:id="rId22"/>
+    <p:sldId id="278" r:id="rId23"/>
   </p:sldIdLst>
   <p:sldSz cx="9144000" cy="5143500" type="screen16x9"/>
   <p:notesSz cx="6858000" cy="9144000"/>
@@ -17218,7 +17220,10 @@
           <a:p>
             <a:pPr lvl="0"/>
             <a:r>
-              <a:rPr lang="en-US" sz="3200" dirty="0"/>
+              <a:rPr lang="en-US" sz="3200" dirty="0">
+                <a:latin typeface="Times New Roman" panose="02020603050405020304" pitchFamily="18" charset="0"/>
+                <a:cs typeface="Times New Roman" panose="02020603050405020304" pitchFamily="18" charset="0"/>
+              </a:rPr>
               <a:t>Bitcoin price</a:t>
             </a:r>
           </a:p>
@@ -17264,6 +17269,247 @@
     <p:extLst>
       <p:ext uri="{BB962C8B-B14F-4D97-AF65-F5344CB8AC3E}">
         <p14:creationId xmlns:p14="http://schemas.microsoft.com/office/powerpoint/2010/main" val="2364060279"/>
+      </p:ext>
+    </p:extLst>
+  </p:cSld>
+  <p:clrMapOvr>
+    <a:masterClrMapping/>
+  </p:clrMapOvr>
+</p:sld>
+</file>
+
+<file path=ppt/slides/slide21.xml><?xml version="1.0" encoding="utf-8"?>
+<p:sld xmlns:a="http://schemas.openxmlformats.org/drawingml/2006/main" xmlns:r="http://schemas.openxmlformats.org/officeDocument/2006/relationships" xmlns:p="http://schemas.openxmlformats.org/presentationml/2006/main">
+  <p:cSld>
+    <p:spTree>
+      <p:nvGrpSpPr>
+        <p:cNvPr id="1" name=""/>
+        <p:cNvGrpSpPr/>
+        <p:nvPr/>
+      </p:nvGrpSpPr>
+      <p:grpSpPr>
+        <a:xfrm>
+          <a:off x="0" y="0"/>
+          <a:ext cx="0" cy="0"/>
+          <a:chOff x="0" y="0"/>
+          <a:chExt cx="0" cy="0"/>
+        </a:xfrm>
+      </p:grpSpPr>
+      <p:sp>
+        <p:nvSpPr>
+          <p:cNvPr id="4" name="Title 3"/>
+          <p:cNvSpPr>
+            <a:spLocks noGrp="1"/>
+          </p:cNvSpPr>
+          <p:nvPr>
+            <p:ph type="title"/>
+          </p:nvPr>
+        </p:nvSpPr>
+        <p:spPr>
+          <a:xfrm>
+            <a:off x="525316" y="281175"/>
+            <a:ext cx="8322423" cy="763525"/>
+          </a:xfrm>
+        </p:spPr>
+        <p:txBody>
+          <a:bodyPr>
+            <a:noAutofit/>
+          </a:bodyPr>
+          <a:lstStyle/>
+          <a:p>
+            <a:pPr lvl="0"/>
+            <a:r>
+              <a:rPr lang="en-US" sz="3200" dirty="0" err="1">
+                <a:latin typeface="Times New Roman" panose="02020603050405020304" pitchFamily="18" charset="0"/>
+                <a:cs typeface="Times New Roman" panose="02020603050405020304" pitchFamily="18" charset="0"/>
+              </a:rPr>
+              <a:t>Stackoverflow</a:t>
+            </a:r>
+            <a:r>
+              <a:rPr lang="en-US" sz="3200" dirty="0">
+                <a:latin typeface="Times New Roman" panose="02020603050405020304" pitchFamily="18" charset="0"/>
+                <a:cs typeface="Times New Roman" panose="02020603050405020304" pitchFamily="18" charset="0"/>
+              </a:rPr>
+              <a:t> survey</a:t>
+            </a:r>
+          </a:p>
+        </p:txBody>
+      </p:sp>
+      <p:pic>
+        <p:nvPicPr>
+          <p:cNvPr id="5" name="Picture 4">
+            <a:extLst>
+              <a:ext uri="{FF2B5EF4-FFF2-40B4-BE49-F238E27FC236}">
+                <a16:creationId xmlns:a16="http://schemas.microsoft.com/office/drawing/2014/main" id="{5B9FB6F0-6CB6-4D17-B9D1-918FBA6B4958}"/>
+              </a:ext>
+            </a:extLst>
+          </p:cNvPr>
+          <p:cNvPicPr>
+            <a:picLocks noChangeAspect="1"/>
+          </p:cNvPicPr>
+          <p:nvPr/>
+        </p:nvPicPr>
+        <p:blipFill>
+          <a:blip r:embed="rId2">
+            <a:extLst>
+              <a:ext uri="{28A0092B-C50C-407E-A947-70E740481C1C}">
+                <a14:useLocalDpi xmlns:a14="http://schemas.microsoft.com/office/drawing/2010/main" val="0"/>
+              </a:ext>
+            </a:extLst>
+          </a:blip>
+          <a:stretch>
+            <a:fillRect/>
+          </a:stretch>
+        </p:blipFill>
+        <p:spPr>
+          <a:xfrm>
+            <a:off x="1126532" y="1808225"/>
+            <a:ext cx="7119990" cy="2628919"/>
+          </a:xfrm>
+          <a:prstGeom prst="rect">
+            <a:avLst/>
+          </a:prstGeom>
+        </p:spPr>
+      </p:pic>
+      <p:pic>
+        <p:nvPicPr>
+          <p:cNvPr id="7" name="Picture 6">
+            <a:extLst>
+              <a:ext uri="{FF2B5EF4-FFF2-40B4-BE49-F238E27FC236}">
+                <a16:creationId xmlns:a16="http://schemas.microsoft.com/office/drawing/2014/main" id="{1A668F16-F342-43DF-9383-2E19ED1AA133}"/>
+              </a:ext>
+            </a:extLst>
+          </p:cNvPr>
+          <p:cNvPicPr>
+            <a:picLocks noChangeAspect="1"/>
+          </p:cNvPicPr>
+          <p:nvPr/>
+        </p:nvPicPr>
+        <p:blipFill>
+          <a:blip r:embed="rId3" cstate="print">
+            <a:extLst>
+              <a:ext uri="{28A0092B-C50C-407E-A947-70E740481C1C}">
+                <a14:useLocalDpi xmlns:a14="http://schemas.microsoft.com/office/drawing/2010/main" val="0"/>
+              </a:ext>
+            </a:extLst>
+          </a:blip>
+          <a:stretch>
+            <a:fillRect/>
+          </a:stretch>
+        </p:blipFill>
+        <p:spPr>
+          <a:xfrm>
+            <a:off x="7024429" y="4507376"/>
+            <a:ext cx="1823310" cy="358098"/>
+          </a:xfrm>
+          <a:prstGeom prst="rect">
+            <a:avLst/>
+          </a:prstGeom>
+        </p:spPr>
+      </p:pic>
+    </p:spTree>
+    <p:extLst>
+      <p:ext uri="{BB962C8B-B14F-4D97-AF65-F5344CB8AC3E}">
+        <p14:creationId xmlns:p14="http://schemas.microsoft.com/office/powerpoint/2010/main" val="2444922055"/>
+      </p:ext>
+    </p:extLst>
+  </p:cSld>
+  <p:clrMapOvr>
+    <a:masterClrMapping/>
+  </p:clrMapOvr>
+</p:sld>
+</file>
+
+<file path=ppt/slides/slide22.xml><?xml version="1.0" encoding="utf-8"?>
+<p:sld xmlns:a="http://schemas.openxmlformats.org/drawingml/2006/main" xmlns:r="http://schemas.openxmlformats.org/officeDocument/2006/relationships" xmlns:p="http://schemas.openxmlformats.org/presentationml/2006/main">
+  <p:cSld>
+    <p:spTree>
+      <p:nvGrpSpPr>
+        <p:cNvPr id="1" name=""/>
+        <p:cNvGrpSpPr/>
+        <p:nvPr/>
+      </p:nvGrpSpPr>
+      <p:grpSpPr>
+        <a:xfrm>
+          <a:off x="0" y="0"/>
+          <a:ext cx="0" cy="0"/>
+          <a:chOff x="0" y="0"/>
+          <a:chExt cx="0" cy="0"/>
+        </a:xfrm>
+      </p:grpSpPr>
+      <p:sp>
+        <p:nvSpPr>
+          <p:cNvPr id="4" name="Title 3"/>
+          <p:cNvSpPr>
+            <a:spLocks noGrp="1"/>
+          </p:cNvSpPr>
+          <p:nvPr>
+            <p:ph type="title"/>
+          </p:nvPr>
+        </p:nvSpPr>
+        <p:spPr>
+          <a:xfrm>
+            <a:off x="525316" y="281175"/>
+            <a:ext cx="8322423" cy="763525"/>
+          </a:xfrm>
+        </p:spPr>
+        <p:txBody>
+          <a:bodyPr>
+            <a:noAutofit/>
+          </a:bodyPr>
+          <a:lstStyle/>
+          <a:p>
+            <a:pPr lvl="0"/>
+            <a:r>
+              <a:rPr lang="en-US" sz="3200" dirty="0">
+                <a:latin typeface="Times New Roman" panose="02020603050405020304" pitchFamily="18" charset="0"/>
+                <a:cs typeface="Times New Roman" panose="02020603050405020304" pitchFamily="18" charset="0"/>
+              </a:rPr>
+              <a:t>Salary</a:t>
+            </a:r>
+          </a:p>
+        </p:txBody>
+      </p:sp>
+      <p:pic>
+        <p:nvPicPr>
+          <p:cNvPr id="5" name="Picture 4">
+            <a:extLst>
+              <a:ext uri="{FF2B5EF4-FFF2-40B4-BE49-F238E27FC236}">
+                <a16:creationId xmlns:a16="http://schemas.microsoft.com/office/drawing/2014/main" id="{2E05D001-00D6-4A64-A783-44757381F4F2}"/>
+              </a:ext>
+            </a:extLst>
+          </p:cNvPr>
+          <p:cNvPicPr>
+            <a:picLocks noChangeAspect="1"/>
+          </p:cNvPicPr>
+          <p:nvPr/>
+        </p:nvPicPr>
+        <p:blipFill>
+          <a:blip r:embed="rId2">
+            <a:extLst>
+              <a:ext uri="{28A0092B-C50C-407E-A947-70E740481C1C}">
+                <a14:useLocalDpi xmlns:a14="http://schemas.microsoft.com/office/drawing/2010/main" val="0"/>
+              </a:ext>
+            </a:extLst>
+          </a:blip>
+          <a:stretch>
+            <a:fillRect/>
+          </a:stretch>
+        </p:blipFill>
+        <p:spPr>
+          <a:xfrm>
+            <a:off x="1976015" y="1960930"/>
+            <a:ext cx="5647222" cy="2636780"/>
+          </a:xfrm>
+          <a:prstGeom prst="rect">
+            <a:avLst/>
+          </a:prstGeom>
+        </p:spPr>
+      </p:pic>
+    </p:spTree>
+    <p:extLst>
+      <p:ext uri="{BB962C8B-B14F-4D97-AF65-F5344CB8AC3E}">
+        <p14:creationId xmlns:p14="http://schemas.microsoft.com/office/powerpoint/2010/main" val="1650621307"/>
       </p:ext>
     </p:extLst>
   </p:cSld>

--- a/Blockchain 101.pptx
+++ b/Blockchain 101.pptx
@@ -5,7 +5,7 @@
     <p:sldMasterId id="2147483648" r:id="rId1"/>
   </p:sldMasterIdLst>
   <p:notesMasterIdLst>
-    <p:notesMasterId r:id="rId24"/>
+    <p:notesMasterId r:id="rId27"/>
   </p:notesMasterIdLst>
   <p:sldIdLst>
     <p:sldId id="256" r:id="rId2"/>
@@ -30,6 +30,9 @@
     <p:sldId id="276" r:id="rId21"/>
     <p:sldId id="277" r:id="rId22"/>
     <p:sldId id="278" r:id="rId23"/>
+    <p:sldId id="279" r:id="rId24"/>
+    <p:sldId id="280" r:id="rId25"/>
+    <p:sldId id="281" r:id="rId26"/>
   </p:sldIdLst>
   <p:sldSz cx="9144000" cy="5143500" type="screen16x9"/>
   <p:notesSz cx="6858000" cy="9144000"/>
@@ -17519,6 +17522,303 @@
 </p:sld>
 </file>
 
+<file path=ppt/slides/slide23.xml><?xml version="1.0" encoding="utf-8"?>
+<p:sld xmlns:a="http://schemas.openxmlformats.org/drawingml/2006/main" xmlns:r="http://schemas.openxmlformats.org/officeDocument/2006/relationships" xmlns:p="http://schemas.openxmlformats.org/presentationml/2006/main">
+  <p:cSld>
+    <p:spTree>
+      <p:nvGrpSpPr>
+        <p:cNvPr id="1" name=""/>
+        <p:cNvGrpSpPr/>
+        <p:nvPr/>
+      </p:nvGrpSpPr>
+      <p:grpSpPr>
+        <a:xfrm>
+          <a:off x="0" y="0"/>
+          <a:ext cx="0" cy="0"/>
+          <a:chOff x="0" y="0"/>
+          <a:chExt cx="0" cy="0"/>
+        </a:xfrm>
+      </p:grpSpPr>
+      <p:sp>
+        <p:nvSpPr>
+          <p:cNvPr id="4" name="Title 3"/>
+          <p:cNvSpPr>
+            <a:spLocks noGrp="1"/>
+          </p:cNvSpPr>
+          <p:nvPr>
+            <p:ph type="title"/>
+          </p:nvPr>
+        </p:nvSpPr>
+        <p:spPr>
+          <a:xfrm>
+            <a:off x="525316" y="281175"/>
+            <a:ext cx="8322423" cy="763525"/>
+          </a:xfrm>
+        </p:spPr>
+        <p:txBody>
+          <a:bodyPr>
+            <a:noAutofit/>
+          </a:bodyPr>
+          <a:lstStyle/>
+          <a:p>
+            <a:pPr lvl="0"/>
+            <a:r>
+              <a:rPr lang="en-US" sz="3200" dirty="0">
+                <a:latin typeface="Times New Roman" panose="02020603050405020304" pitchFamily="18" charset="0"/>
+                <a:cs typeface="Times New Roman" panose="02020603050405020304" pitchFamily="18" charset="0"/>
+              </a:rPr>
+              <a:t>Salary</a:t>
+            </a:r>
+          </a:p>
+        </p:txBody>
+      </p:sp>
+      <p:pic>
+        <p:nvPicPr>
+          <p:cNvPr id="5" name="Picture 4">
+            <a:extLst>
+              <a:ext uri="{FF2B5EF4-FFF2-40B4-BE49-F238E27FC236}">
+                <a16:creationId xmlns:a16="http://schemas.microsoft.com/office/drawing/2014/main" id="{2E05D001-00D6-4A64-A783-44757381F4F2}"/>
+              </a:ext>
+            </a:extLst>
+          </p:cNvPr>
+          <p:cNvPicPr>
+            <a:picLocks noChangeAspect="1"/>
+          </p:cNvPicPr>
+          <p:nvPr/>
+        </p:nvPicPr>
+        <p:blipFill>
+          <a:blip r:embed="rId2">
+            <a:extLst>
+              <a:ext uri="{28A0092B-C50C-407E-A947-70E740481C1C}">
+                <a14:useLocalDpi xmlns:a14="http://schemas.microsoft.com/office/drawing/2010/main" val="0"/>
+              </a:ext>
+            </a:extLst>
+          </a:blip>
+          <a:stretch>
+            <a:fillRect/>
+          </a:stretch>
+        </p:blipFill>
+        <p:spPr>
+          <a:xfrm>
+            <a:off x="1976015" y="1960930"/>
+            <a:ext cx="5647222" cy="2636780"/>
+          </a:xfrm>
+          <a:prstGeom prst="rect">
+            <a:avLst/>
+          </a:prstGeom>
+        </p:spPr>
+      </p:pic>
+    </p:spTree>
+    <p:extLst>
+      <p:ext uri="{BB962C8B-B14F-4D97-AF65-F5344CB8AC3E}">
+        <p14:creationId xmlns:p14="http://schemas.microsoft.com/office/powerpoint/2010/main" val="3524519176"/>
+      </p:ext>
+    </p:extLst>
+  </p:cSld>
+  <p:clrMapOvr>
+    <a:masterClrMapping/>
+  </p:clrMapOvr>
+</p:sld>
+</file>
+
+<file path=ppt/slides/slide24.xml><?xml version="1.0" encoding="utf-8"?>
+<p:sld xmlns:a="http://schemas.openxmlformats.org/drawingml/2006/main" xmlns:r="http://schemas.openxmlformats.org/officeDocument/2006/relationships" xmlns:p="http://schemas.openxmlformats.org/presentationml/2006/main">
+  <p:cSld>
+    <p:spTree>
+      <p:nvGrpSpPr>
+        <p:cNvPr id="1" name=""/>
+        <p:cNvGrpSpPr/>
+        <p:nvPr/>
+      </p:nvGrpSpPr>
+      <p:grpSpPr>
+        <a:xfrm>
+          <a:off x="0" y="0"/>
+          <a:ext cx="0" cy="0"/>
+          <a:chOff x="0" y="0"/>
+          <a:chExt cx="0" cy="0"/>
+        </a:xfrm>
+      </p:grpSpPr>
+      <p:sp>
+        <p:nvSpPr>
+          <p:cNvPr id="4" name="Title 3"/>
+          <p:cNvSpPr>
+            <a:spLocks noGrp="1"/>
+          </p:cNvSpPr>
+          <p:nvPr>
+            <p:ph type="title"/>
+          </p:nvPr>
+        </p:nvSpPr>
+        <p:spPr>
+          <a:xfrm>
+            <a:off x="525316" y="281175"/>
+            <a:ext cx="8322423" cy="763525"/>
+          </a:xfrm>
+        </p:spPr>
+        <p:txBody>
+          <a:bodyPr>
+            <a:noAutofit/>
+          </a:bodyPr>
+          <a:lstStyle/>
+          <a:p>
+            <a:pPr lvl="0"/>
+            <a:r>
+              <a:rPr lang="en-US" sz="3200" dirty="0">
+                <a:latin typeface="Times New Roman" panose="02020603050405020304" pitchFamily="18" charset="0"/>
+                <a:cs typeface="Times New Roman" panose="02020603050405020304" pitchFamily="18" charset="0"/>
+              </a:rPr>
+              <a:t>Interest</a:t>
+            </a:r>
+          </a:p>
+        </p:txBody>
+      </p:sp>
+      <p:pic>
+        <p:nvPicPr>
+          <p:cNvPr id="3" name="Picture 2">
+            <a:extLst>
+              <a:ext uri="{FF2B5EF4-FFF2-40B4-BE49-F238E27FC236}">
+                <a16:creationId xmlns:a16="http://schemas.microsoft.com/office/drawing/2014/main" id="{BB7887CB-AB19-4131-A6E8-F444C32299CD}"/>
+              </a:ext>
+            </a:extLst>
+          </p:cNvPr>
+          <p:cNvPicPr>
+            <a:picLocks noChangeAspect="1"/>
+          </p:cNvPicPr>
+          <p:nvPr/>
+        </p:nvPicPr>
+        <p:blipFill>
+          <a:blip r:embed="rId2">
+            <a:extLst>
+              <a:ext uri="{28A0092B-C50C-407E-A947-70E740481C1C}">
+                <a14:useLocalDpi xmlns:a14="http://schemas.microsoft.com/office/drawing/2010/main" val="0"/>
+              </a:ext>
+            </a:extLst>
+          </a:blip>
+          <a:stretch>
+            <a:fillRect/>
+          </a:stretch>
+        </p:blipFill>
+        <p:spPr>
+          <a:xfrm>
+            <a:off x="1522475" y="2266340"/>
+            <a:ext cx="6099050" cy="2095053"/>
+          </a:xfrm>
+          <a:prstGeom prst="rect">
+            <a:avLst/>
+          </a:prstGeom>
+        </p:spPr>
+      </p:pic>
+    </p:spTree>
+    <p:extLst>
+      <p:ext uri="{BB962C8B-B14F-4D97-AF65-F5344CB8AC3E}">
+        <p14:creationId xmlns:p14="http://schemas.microsoft.com/office/powerpoint/2010/main" val="3077516102"/>
+      </p:ext>
+    </p:extLst>
+  </p:cSld>
+  <p:clrMapOvr>
+    <a:masterClrMapping/>
+  </p:clrMapOvr>
+</p:sld>
+</file>
+
+<file path=ppt/slides/slide25.xml><?xml version="1.0" encoding="utf-8"?>
+<p:sld xmlns:a="http://schemas.openxmlformats.org/drawingml/2006/main" xmlns:r="http://schemas.openxmlformats.org/officeDocument/2006/relationships" xmlns:p="http://schemas.openxmlformats.org/presentationml/2006/main">
+  <p:cSld>
+    <p:spTree>
+      <p:nvGrpSpPr>
+        <p:cNvPr id="1" name=""/>
+        <p:cNvGrpSpPr/>
+        <p:nvPr/>
+      </p:nvGrpSpPr>
+      <p:grpSpPr>
+        <a:xfrm>
+          <a:off x="0" y="0"/>
+          <a:ext cx="0" cy="0"/>
+          <a:chOff x="0" y="0"/>
+          <a:chExt cx="0" cy="0"/>
+        </a:xfrm>
+      </p:grpSpPr>
+      <p:sp>
+        <p:nvSpPr>
+          <p:cNvPr id="4" name="Title 3"/>
+          <p:cNvSpPr>
+            <a:spLocks noGrp="1"/>
+          </p:cNvSpPr>
+          <p:nvPr>
+            <p:ph type="title"/>
+          </p:nvPr>
+        </p:nvSpPr>
+        <p:spPr>
+          <a:xfrm>
+            <a:off x="525316" y="281175"/>
+            <a:ext cx="8322423" cy="763525"/>
+          </a:xfrm>
+        </p:spPr>
+        <p:txBody>
+          <a:bodyPr>
+            <a:noAutofit/>
+          </a:bodyPr>
+          <a:lstStyle/>
+          <a:p>
+            <a:pPr lvl="0"/>
+            <a:r>
+              <a:rPr lang="en-US" sz="3200" dirty="0">
+                <a:latin typeface="Times New Roman" panose="02020603050405020304" pitchFamily="18" charset="0"/>
+                <a:cs typeface="Times New Roman" panose="02020603050405020304" pitchFamily="18" charset="0"/>
+              </a:rPr>
+              <a:t>Job availability</a:t>
+            </a:r>
+          </a:p>
+        </p:txBody>
+      </p:sp>
+      <p:pic>
+        <p:nvPicPr>
+          <p:cNvPr id="5" name="Picture 4">
+            <a:extLst>
+              <a:ext uri="{FF2B5EF4-FFF2-40B4-BE49-F238E27FC236}">
+                <a16:creationId xmlns:a16="http://schemas.microsoft.com/office/drawing/2014/main" id="{4A46A68B-1CB9-4D47-9AC4-00BEF9B19278}"/>
+              </a:ext>
+            </a:extLst>
+          </p:cNvPr>
+          <p:cNvPicPr>
+            <a:picLocks noChangeAspect="1"/>
+          </p:cNvPicPr>
+          <p:nvPr/>
+        </p:nvPicPr>
+        <p:blipFill>
+          <a:blip r:embed="rId2">
+            <a:extLst>
+              <a:ext uri="{28A0092B-C50C-407E-A947-70E740481C1C}">
+                <a14:useLocalDpi xmlns:a14="http://schemas.microsoft.com/office/drawing/2010/main" val="0"/>
+              </a:ext>
+            </a:extLst>
+          </a:blip>
+          <a:stretch>
+            <a:fillRect/>
+          </a:stretch>
+        </p:blipFill>
+        <p:spPr>
+          <a:xfrm>
+            <a:off x="2281425" y="1808225"/>
+            <a:ext cx="5445367" cy="2977488"/>
+          </a:xfrm>
+          <a:prstGeom prst="rect">
+            <a:avLst/>
+          </a:prstGeom>
+        </p:spPr>
+      </p:pic>
+    </p:spTree>
+    <p:extLst>
+      <p:ext uri="{BB962C8B-B14F-4D97-AF65-F5344CB8AC3E}">
+        <p14:creationId xmlns:p14="http://schemas.microsoft.com/office/powerpoint/2010/main" val="2630193096"/>
+      </p:ext>
+    </p:extLst>
+  </p:cSld>
+  <p:clrMapOvr>
+    <a:masterClrMapping/>
+  </p:clrMapOvr>
+</p:sld>
+</file>
+
 <file path=ppt/slides/slide3.xml><?xml version="1.0" encoding="utf-8"?>
 <p:sld xmlns:a="http://schemas.openxmlformats.org/drawingml/2006/main" xmlns:r="http://schemas.openxmlformats.org/officeDocument/2006/relationships" xmlns:p="http://schemas.openxmlformats.org/presentationml/2006/main">
   <p:cSld>

--- a/Blockchain 101.pptx
+++ b/Blockchain 101.pptx
@@ -5,7 +5,7 @@
     <p:sldMasterId id="2147483648" r:id="rId1"/>
   </p:sldMasterIdLst>
   <p:notesMasterIdLst>
-    <p:notesMasterId r:id="rId27"/>
+    <p:notesMasterId r:id="rId28"/>
   </p:notesMasterIdLst>
   <p:sldIdLst>
     <p:sldId id="256" r:id="rId2"/>
@@ -31,8 +31,9 @@
     <p:sldId id="277" r:id="rId22"/>
     <p:sldId id="278" r:id="rId23"/>
     <p:sldId id="279" r:id="rId24"/>
-    <p:sldId id="280" r:id="rId25"/>
-    <p:sldId id="281" r:id="rId26"/>
+    <p:sldId id="282" r:id="rId25"/>
+    <p:sldId id="280" r:id="rId26"/>
+    <p:sldId id="281" r:id="rId27"/>
   </p:sldIdLst>
   <p:sldSz cx="9144000" cy="5143500" type="screen16x9"/>
   <p:notesSz cx="6858000" cy="9144000"/>
@@ -17666,6 +17667,105 @@
                 <a:latin typeface="Times New Roman" panose="02020603050405020304" pitchFamily="18" charset="0"/>
                 <a:cs typeface="Times New Roman" panose="02020603050405020304" pitchFamily="18" charset="0"/>
               </a:rPr>
+              <a:t>Salary rank</a:t>
+            </a:r>
+          </a:p>
+        </p:txBody>
+      </p:sp>
+      <p:pic>
+        <p:nvPicPr>
+          <p:cNvPr id="3" name="Picture 2">
+            <a:extLst>
+              <a:ext uri="{FF2B5EF4-FFF2-40B4-BE49-F238E27FC236}">
+                <a16:creationId xmlns:a16="http://schemas.microsoft.com/office/drawing/2014/main" id="{533FDA1A-29EB-4D9D-8CE2-5231C3365394}"/>
+              </a:ext>
+            </a:extLst>
+          </p:cNvPr>
+          <p:cNvPicPr>
+            <a:picLocks noChangeAspect="1"/>
+          </p:cNvPicPr>
+          <p:nvPr/>
+        </p:nvPicPr>
+        <p:blipFill>
+          <a:blip r:embed="rId2">
+            <a:extLst>
+              <a:ext uri="{28A0092B-C50C-407E-A947-70E740481C1C}">
+                <a14:useLocalDpi xmlns:a14="http://schemas.microsoft.com/office/drawing/2010/main" val="0"/>
+              </a:ext>
+            </a:extLst>
+          </a:blip>
+          <a:stretch>
+            <a:fillRect/>
+          </a:stretch>
+        </p:blipFill>
+        <p:spPr>
+          <a:xfrm>
+            <a:off x="4572000" y="1350110"/>
+            <a:ext cx="3499429" cy="3289463"/>
+          </a:xfrm>
+          <a:prstGeom prst="rect">
+            <a:avLst/>
+          </a:prstGeom>
+        </p:spPr>
+      </p:pic>
+    </p:spTree>
+    <p:extLst>
+      <p:ext uri="{BB962C8B-B14F-4D97-AF65-F5344CB8AC3E}">
+        <p14:creationId xmlns:p14="http://schemas.microsoft.com/office/powerpoint/2010/main" val="2172893071"/>
+      </p:ext>
+    </p:extLst>
+  </p:cSld>
+  <p:clrMapOvr>
+    <a:masterClrMapping/>
+  </p:clrMapOvr>
+</p:sld>
+</file>
+
+<file path=ppt/slides/slide25.xml><?xml version="1.0" encoding="utf-8"?>
+<p:sld xmlns:a="http://schemas.openxmlformats.org/drawingml/2006/main" xmlns:r="http://schemas.openxmlformats.org/officeDocument/2006/relationships" xmlns:p="http://schemas.openxmlformats.org/presentationml/2006/main">
+  <p:cSld>
+    <p:spTree>
+      <p:nvGrpSpPr>
+        <p:cNvPr id="1" name=""/>
+        <p:cNvGrpSpPr/>
+        <p:nvPr/>
+      </p:nvGrpSpPr>
+      <p:grpSpPr>
+        <a:xfrm>
+          <a:off x="0" y="0"/>
+          <a:ext cx="0" cy="0"/>
+          <a:chOff x="0" y="0"/>
+          <a:chExt cx="0" cy="0"/>
+        </a:xfrm>
+      </p:grpSpPr>
+      <p:sp>
+        <p:nvSpPr>
+          <p:cNvPr id="4" name="Title 3"/>
+          <p:cNvSpPr>
+            <a:spLocks noGrp="1"/>
+          </p:cNvSpPr>
+          <p:nvPr>
+            <p:ph type="title"/>
+          </p:nvPr>
+        </p:nvSpPr>
+        <p:spPr>
+          <a:xfrm>
+            <a:off x="525316" y="281175"/>
+            <a:ext cx="8322423" cy="763525"/>
+          </a:xfrm>
+        </p:spPr>
+        <p:txBody>
+          <a:bodyPr>
+            <a:noAutofit/>
+          </a:bodyPr>
+          <a:lstStyle/>
+          <a:p>
+            <a:pPr lvl="0"/>
+            <a:r>
+              <a:rPr lang="en-US" sz="3200" dirty="0">
+                <a:latin typeface="Times New Roman" panose="02020603050405020304" pitchFamily="18" charset="0"/>
+                <a:cs typeface="Times New Roman" panose="02020603050405020304" pitchFamily="18" charset="0"/>
+              </a:rPr>
               <a:t>Interest</a:t>
             </a:r>
           </a:p>
@@ -17720,7 +17820,7 @@
 </p:sld>
 </file>
 
-<file path=ppt/slides/slide25.xml><?xml version="1.0" encoding="utf-8"?>
+<file path=ppt/slides/slide26.xml><?xml version="1.0" encoding="utf-8"?>
 <p:sld xmlns:a="http://schemas.openxmlformats.org/drawingml/2006/main" xmlns:r="http://schemas.openxmlformats.org/officeDocument/2006/relationships" xmlns:p="http://schemas.openxmlformats.org/presentationml/2006/main">
   <p:cSld>
     <p:spTree>

--- a/Blockchain 101.pptx
+++ b/Blockchain 101.pptx
@@ -5,7 +5,7 @@
     <p:sldMasterId id="2147483648" r:id="rId1"/>
   </p:sldMasterIdLst>
   <p:notesMasterIdLst>
-    <p:notesMasterId r:id="rId28"/>
+    <p:notesMasterId r:id="rId30"/>
   </p:notesMasterIdLst>
   <p:sldIdLst>
     <p:sldId id="256" r:id="rId2"/>
@@ -34,6 +34,8 @@
     <p:sldId id="282" r:id="rId25"/>
     <p:sldId id="280" r:id="rId26"/>
     <p:sldId id="281" r:id="rId27"/>
+    <p:sldId id="283" r:id="rId28"/>
+    <p:sldId id="284" r:id="rId29"/>
   </p:sldIdLst>
   <p:sldSz cx="9144000" cy="5143500" type="screen16x9"/>
   <p:notesSz cx="6858000" cy="9144000"/>
@@ -17919,6 +17921,286 @@
 </p:sld>
 </file>
 
+<file path=ppt/slides/slide27.xml><?xml version="1.0" encoding="utf-8"?>
+<p:sld xmlns:a="http://schemas.openxmlformats.org/drawingml/2006/main" xmlns:r="http://schemas.openxmlformats.org/officeDocument/2006/relationships" xmlns:p="http://schemas.openxmlformats.org/presentationml/2006/main">
+  <p:cSld>
+    <p:spTree>
+      <p:nvGrpSpPr>
+        <p:cNvPr id="1" name=""/>
+        <p:cNvGrpSpPr/>
+        <p:nvPr/>
+      </p:nvGrpSpPr>
+      <p:grpSpPr>
+        <a:xfrm>
+          <a:off x="0" y="0"/>
+          <a:ext cx="0" cy="0"/>
+          <a:chOff x="0" y="0"/>
+          <a:chExt cx="0" cy="0"/>
+        </a:xfrm>
+      </p:grpSpPr>
+      <p:sp>
+        <p:nvSpPr>
+          <p:cNvPr id="5" name="Title 1">
+            <a:extLst>
+              <a:ext uri="{FF2B5EF4-FFF2-40B4-BE49-F238E27FC236}">
+                <a16:creationId xmlns:a16="http://schemas.microsoft.com/office/drawing/2014/main" id="{4F61D753-B49B-4B37-A990-D61E98AEF339}"/>
+              </a:ext>
+            </a:extLst>
+          </p:cNvPr>
+          <p:cNvSpPr>
+            <a:spLocks noGrp="1"/>
+          </p:cNvSpPr>
+          <p:nvPr>
+            <p:ph type="title"/>
+          </p:nvPr>
+        </p:nvSpPr>
+        <p:spPr>
+          <a:xfrm>
+            <a:off x="2434130" y="128470"/>
+            <a:ext cx="6260905" cy="725349"/>
+          </a:xfrm>
+        </p:spPr>
+        <p:txBody>
+          <a:bodyPr>
+            <a:normAutofit/>
+          </a:bodyPr>
+          <a:lstStyle/>
+          <a:p>
+            <a:r>
+              <a:rPr lang="en-US" dirty="0">
+                <a:latin typeface="Times New Roman" panose="02020603050405020304" pitchFamily="18" charset="0"/>
+                <a:cs typeface="Times New Roman" panose="02020603050405020304" pitchFamily="18" charset="0"/>
+              </a:rPr>
+              <a:t>More…</a:t>
+            </a:r>
+          </a:p>
+        </p:txBody>
+      </p:sp>
+      <p:pic>
+        <p:nvPicPr>
+          <p:cNvPr id="3" name="Picture 2">
+            <a:extLst>
+              <a:ext uri="{FF2B5EF4-FFF2-40B4-BE49-F238E27FC236}">
+                <a16:creationId xmlns:a16="http://schemas.microsoft.com/office/drawing/2014/main" id="{B264523D-D70E-4ED6-B11F-AA3BFED86AD8}"/>
+              </a:ext>
+            </a:extLst>
+          </p:cNvPr>
+          <p:cNvPicPr>
+            <a:picLocks noChangeAspect="1"/>
+          </p:cNvPicPr>
+          <p:nvPr/>
+        </p:nvPicPr>
+        <p:blipFill>
+          <a:blip r:embed="rId2">
+            <a:extLst>
+              <a:ext uri="{28A0092B-C50C-407E-A947-70E740481C1C}">
+                <a14:useLocalDpi xmlns:a14="http://schemas.microsoft.com/office/drawing/2010/main" val="0"/>
+              </a:ext>
+            </a:extLst>
+          </a:blip>
+          <a:stretch>
+            <a:fillRect/>
+          </a:stretch>
+        </p:blipFill>
+        <p:spPr>
+          <a:xfrm>
+            <a:off x="2434130" y="1044700"/>
+            <a:ext cx="2746335" cy="3359510"/>
+          </a:xfrm>
+          <a:prstGeom prst="rect">
+            <a:avLst/>
+          </a:prstGeom>
+        </p:spPr>
+      </p:pic>
+      <p:pic>
+        <p:nvPicPr>
+          <p:cNvPr id="6" name="Picture 5">
+            <a:extLst>
+              <a:ext uri="{FF2B5EF4-FFF2-40B4-BE49-F238E27FC236}">
+                <a16:creationId xmlns:a16="http://schemas.microsoft.com/office/drawing/2014/main" id="{0B82FDA2-FCB6-4024-B24E-EE8C050EB297}"/>
+              </a:ext>
+            </a:extLst>
+          </p:cNvPr>
+          <p:cNvPicPr>
+            <a:picLocks noChangeAspect="1"/>
+          </p:cNvPicPr>
+          <p:nvPr/>
+        </p:nvPicPr>
+        <p:blipFill>
+          <a:blip r:embed="rId3">
+            <a:extLst>
+              <a:ext uri="{28A0092B-C50C-407E-A947-70E740481C1C}">
+                <a14:useLocalDpi xmlns:a14="http://schemas.microsoft.com/office/drawing/2010/main" val="0"/>
+              </a:ext>
+            </a:extLst>
+          </a:blip>
+          <a:stretch>
+            <a:fillRect/>
+          </a:stretch>
+        </p:blipFill>
+        <p:spPr>
+          <a:xfrm>
+            <a:off x="5488230" y="1044700"/>
+            <a:ext cx="2748690" cy="3359510"/>
+          </a:xfrm>
+          <a:prstGeom prst="rect">
+            <a:avLst/>
+          </a:prstGeom>
+        </p:spPr>
+      </p:pic>
+    </p:spTree>
+    <p:extLst>
+      <p:ext uri="{BB962C8B-B14F-4D97-AF65-F5344CB8AC3E}">
+        <p14:creationId xmlns:p14="http://schemas.microsoft.com/office/powerpoint/2010/main" val="4158850700"/>
+      </p:ext>
+    </p:extLst>
+  </p:cSld>
+  <p:clrMapOvr>
+    <a:masterClrMapping/>
+  </p:clrMapOvr>
+</p:sld>
+</file>
+
+<file path=ppt/slides/slide28.xml><?xml version="1.0" encoding="utf-8"?>
+<p:sld xmlns:a="http://schemas.openxmlformats.org/drawingml/2006/main" xmlns:r="http://schemas.openxmlformats.org/officeDocument/2006/relationships" xmlns:p="http://schemas.openxmlformats.org/presentationml/2006/main">
+  <p:cSld>
+    <p:spTree>
+      <p:nvGrpSpPr>
+        <p:cNvPr id="1" name=""/>
+        <p:cNvGrpSpPr/>
+        <p:nvPr/>
+      </p:nvGrpSpPr>
+      <p:grpSpPr>
+        <a:xfrm>
+          <a:off x="0" y="0"/>
+          <a:ext cx="0" cy="0"/>
+          <a:chOff x="0" y="0"/>
+          <a:chExt cx="0" cy="0"/>
+        </a:xfrm>
+      </p:grpSpPr>
+      <p:sp>
+        <p:nvSpPr>
+          <p:cNvPr id="5" name="Title 1">
+            <a:extLst>
+              <a:ext uri="{FF2B5EF4-FFF2-40B4-BE49-F238E27FC236}">
+                <a16:creationId xmlns:a16="http://schemas.microsoft.com/office/drawing/2014/main" id="{4F61D753-B49B-4B37-A990-D61E98AEF339}"/>
+              </a:ext>
+            </a:extLst>
+          </p:cNvPr>
+          <p:cNvSpPr>
+            <a:spLocks noGrp="1"/>
+          </p:cNvSpPr>
+          <p:nvPr>
+            <p:ph type="title"/>
+          </p:nvPr>
+        </p:nvSpPr>
+        <p:spPr>
+          <a:xfrm>
+            <a:off x="2434130" y="128470"/>
+            <a:ext cx="6260905" cy="725349"/>
+          </a:xfrm>
+        </p:spPr>
+        <p:txBody>
+          <a:bodyPr>
+            <a:normAutofit/>
+          </a:bodyPr>
+          <a:lstStyle/>
+          <a:p>
+            <a:r>
+              <a:rPr lang="en-US" dirty="0">
+                <a:latin typeface="Times New Roman" panose="02020603050405020304" pitchFamily="18" charset="0"/>
+                <a:cs typeface="Times New Roman" panose="02020603050405020304" pitchFamily="18" charset="0"/>
+              </a:rPr>
+              <a:t>More…</a:t>
+            </a:r>
+          </a:p>
+        </p:txBody>
+      </p:sp>
+      <p:pic>
+        <p:nvPicPr>
+          <p:cNvPr id="4" name="Picture 3">
+            <a:extLst>
+              <a:ext uri="{FF2B5EF4-FFF2-40B4-BE49-F238E27FC236}">
+                <a16:creationId xmlns:a16="http://schemas.microsoft.com/office/drawing/2014/main" id="{1E6BFF9D-6F1D-4618-B443-78C7EE89F44B}"/>
+              </a:ext>
+            </a:extLst>
+          </p:cNvPr>
+          <p:cNvPicPr>
+            <a:picLocks noChangeAspect="1"/>
+          </p:cNvPicPr>
+          <p:nvPr/>
+        </p:nvPicPr>
+        <p:blipFill>
+          <a:blip r:embed="rId2">
+            <a:extLst>
+              <a:ext uri="{28A0092B-C50C-407E-A947-70E740481C1C}">
+                <a14:useLocalDpi xmlns:a14="http://schemas.microsoft.com/office/drawing/2010/main" val="0"/>
+              </a:ext>
+            </a:extLst>
+          </a:blip>
+          <a:stretch>
+            <a:fillRect/>
+          </a:stretch>
+        </p:blipFill>
+        <p:spPr>
+          <a:xfrm>
+            <a:off x="2424473" y="1044700"/>
+            <a:ext cx="2462595" cy="3359510"/>
+          </a:xfrm>
+          <a:prstGeom prst="rect">
+            <a:avLst/>
+          </a:prstGeom>
+        </p:spPr>
+      </p:pic>
+      <p:pic>
+        <p:nvPicPr>
+          <p:cNvPr id="8" name="Picture 7">
+            <a:extLst>
+              <a:ext uri="{FF2B5EF4-FFF2-40B4-BE49-F238E27FC236}">
+                <a16:creationId xmlns:a16="http://schemas.microsoft.com/office/drawing/2014/main" id="{8061DB77-37D8-43CE-9732-DDDA8B300367}"/>
+              </a:ext>
+            </a:extLst>
+          </p:cNvPr>
+          <p:cNvPicPr>
+            <a:picLocks noChangeAspect="1"/>
+          </p:cNvPicPr>
+          <p:nvPr/>
+        </p:nvPicPr>
+        <p:blipFill>
+          <a:blip r:embed="rId3">
+            <a:extLst>
+              <a:ext uri="{28A0092B-C50C-407E-A947-70E740481C1C}">
+                <a14:useLocalDpi xmlns:a14="http://schemas.microsoft.com/office/drawing/2010/main" val="0"/>
+              </a:ext>
+            </a:extLst>
+          </a:blip>
+          <a:stretch>
+            <a:fillRect/>
+          </a:stretch>
+        </p:blipFill>
+        <p:spPr>
+          <a:xfrm>
+            <a:off x="4877410" y="1044700"/>
+            <a:ext cx="3817625" cy="3324225"/>
+          </a:xfrm>
+          <a:prstGeom prst="rect">
+            <a:avLst/>
+          </a:prstGeom>
+        </p:spPr>
+      </p:pic>
+    </p:spTree>
+    <p:extLst>
+      <p:ext uri="{BB962C8B-B14F-4D97-AF65-F5344CB8AC3E}">
+        <p14:creationId xmlns:p14="http://schemas.microsoft.com/office/powerpoint/2010/main" val="671490477"/>
+      </p:ext>
+    </p:extLst>
+  </p:cSld>
+  <p:clrMapOvr>
+    <a:masterClrMapping/>
+  </p:clrMapOvr>
+</p:sld>
+</file>
+
 <file path=ppt/slides/slide3.xml><?xml version="1.0" encoding="utf-8"?>
 <p:sld xmlns:a="http://schemas.openxmlformats.org/drawingml/2006/main" xmlns:r="http://schemas.openxmlformats.org/officeDocument/2006/relationships" xmlns:p="http://schemas.openxmlformats.org/presentationml/2006/main">
   <p:cSld>

--- a/Blockchain 101.pptx
+++ b/Blockchain 101.pptx
@@ -5,7 +5,7 @@
     <p:sldMasterId id="2147483648" r:id="rId1"/>
   </p:sldMasterIdLst>
   <p:notesMasterIdLst>
-    <p:notesMasterId r:id="rId30"/>
+    <p:notesMasterId r:id="rId31"/>
   </p:notesMasterIdLst>
   <p:sldIdLst>
     <p:sldId id="256" r:id="rId2"/>
@@ -36,6 +36,7 @@
     <p:sldId id="281" r:id="rId27"/>
     <p:sldId id="283" r:id="rId28"/>
     <p:sldId id="284" r:id="rId29"/>
+    <p:sldId id="285" r:id="rId30"/>
   </p:sldIdLst>
   <p:sldSz cx="9144000" cy="5143500" type="screen16x9"/>
   <p:notesSz cx="6858000" cy="9144000"/>
@@ -18201,6 +18202,105 @@
 </p:sld>
 </file>
 
+<file path=ppt/slides/slide29.xml><?xml version="1.0" encoding="utf-8"?>
+<p:sld xmlns:a="http://schemas.openxmlformats.org/drawingml/2006/main" xmlns:r="http://schemas.openxmlformats.org/officeDocument/2006/relationships" xmlns:p="http://schemas.openxmlformats.org/presentationml/2006/main">
+  <p:cSld>
+    <p:spTree>
+      <p:nvGrpSpPr>
+        <p:cNvPr id="1" name=""/>
+        <p:cNvGrpSpPr/>
+        <p:nvPr/>
+      </p:nvGrpSpPr>
+      <p:grpSpPr>
+        <a:xfrm>
+          <a:off x="0" y="0"/>
+          <a:ext cx="0" cy="0"/>
+          <a:chOff x="0" y="0"/>
+          <a:chExt cx="0" cy="0"/>
+        </a:xfrm>
+      </p:grpSpPr>
+      <p:sp>
+        <p:nvSpPr>
+          <p:cNvPr id="2" name="Title 1">
+            <a:extLst>
+              <a:ext uri="{FF2B5EF4-FFF2-40B4-BE49-F238E27FC236}">
+                <a16:creationId xmlns:a16="http://schemas.microsoft.com/office/drawing/2014/main" id="{381BCD67-36BF-4E93-9BEC-21B0CC65A726}"/>
+              </a:ext>
+            </a:extLst>
+          </p:cNvPr>
+          <p:cNvSpPr>
+            <a:spLocks noGrp="1"/>
+          </p:cNvSpPr>
+          <p:nvPr>
+            <p:ph type="ctrTitle"/>
+          </p:nvPr>
+        </p:nvSpPr>
+        <p:spPr/>
+        <p:txBody>
+          <a:bodyPr/>
+          <a:lstStyle/>
+          <a:p>
+            <a:r>
+              <a:rPr lang="en-US" dirty="0">
+                <a:effectLst>
+                  <a:outerShdw blurRad="38100" dist="38100" dir="2700000" algn="tl">
+                    <a:srgbClr val="000000">
+                      <a:alpha val="43137"/>
+                    </a:srgbClr>
+                  </a:outerShdw>
+                </a:effectLst>
+                <a:latin typeface="Times New Roman" panose="02020603050405020304" pitchFamily="18" charset="0"/>
+                <a:cs typeface="Times New Roman" panose="02020603050405020304" pitchFamily="18" charset="0"/>
+              </a:rPr>
+              <a:t>Thank you!!!</a:t>
+            </a:r>
+          </a:p>
+        </p:txBody>
+      </p:sp>
+      <p:sp>
+        <p:nvSpPr>
+          <p:cNvPr id="3" name="Subtitle 2">
+            <a:extLst>
+              <a:ext uri="{FF2B5EF4-FFF2-40B4-BE49-F238E27FC236}">
+                <a16:creationId xmlns:a16="http://schemas.microsoft.com/office/drawing/2014/main" id="{E3A6AD7D-5C5A-46C8-83A0-00AF9FA72601}"/>
+              </a:ext>
+            </a:extLst>
+          </p:cNvPr>
+          <p:cNvSpPr>
+            <a:spLocks noGrp="1"/>
+          </p:cNvSpPr>
+          <p:nvPr>
+            <p:ph type="subTitle" idx="1"/>
+          </p:nvPr>
+        </p:nvSpPr>
+        <p:spPr/>
+        <p:txBody>
+          <a:bodyPr/>
+          <a:lstStyle/>
+          <a:p>
+            <a:r>
+              <a:rPr lang="en-US" dirty="0">
+                <a:latin typeface="Times New Roman" panose="02020603050405020304" pitchFamily="18" charset="0"/>
+                <a:cs typeface="Times New Roman" panose="02020603050405020304" pitchFamily="18" charset="0"/>
+              </a:rPr>
+              <a:t>Questions???</a:t>
+            </a:r>
+          </a:p>
+        </p:txBody>
+      </p:sp>
+    </p:spTree>
+    <p:extLst>
+      <p:ext uri="{BB962C8B-B14F-4D97-AF65-F5344CB8AC3E}">
+        <p14:creationId xmlns:p14="http://schemas.microsoft.com/office/powerpoint/2010/main" val="51523034"/>
+      </p:ext>
+    </p:extLst>
+  </p:cSld>
+  <p:clrMapOvr>
+    <a:masterClrMapping/>
+  </p:clrMapOvr>
+</p:sld>
+</file>
+
 <file path=ppt/slides/slide3.xml><?xml version="1.0" encoding="utf-8"?>
 <p:sld xmlns:a="http://schemas.openxmlformats.org/drawingml/2006/main" xmlns:r="http://schemas.openxmlformats.org/officeDocument/2006/relationships" xmlns:p="http://schemas.openxmlformats.org/presentationml/2006/main">
   <p:cSld>
